--- a/ppt/0403_2조_주제 발표.pptx
+++ b/ppt/0403_2조_주제 발표.pptx
@@ -5,7 +5,7 @@
     <p:sldMasterId id="2147483696" r:id="rId1"/>
   </p:sldMasterIdLst>
   <p:notesMasterIdLst>
-    <p:notesMasterId r:id="rId21"/>
+    <p:notesMasterId r:id="rId20"/>
   </p:notesMasterIdLst>
   <p:sldIdLst>
     <p:sldId id="256" r:id="rId2"/>
@@ -23,10 +23,9 @@
     <p:sldId id="279" r:id="rId14"/>
     <p:sldId id="280" r:id="rId15"/>
     <p:sldId id="281" r:id="rId16"/>
-    <p:sldId id="272" r:id="rId17"/>
-    <p:sldId id="273" r:id="rId18"/>
-    <p:sldId id="274" r:id="rId19"/>
-    <p:sldId id="275" r:id="rId20"/>
+    <p:sldId id="273" r:id="rId17"/>
+    <p:sldId id="274" r:id="rId18"/>
+    <p:sldId id="275" r:id="rId19"/>
   </p:sldIdLst>
   <p:sldSz cx="9144000" cy="6858000" type="screen4x3"/>
   <p:notesSz cx="6858000" cy="9144000"/>
@@ -147,16 +146,55 @@
 </p:presentation>
 </file>
 
-<file path=ppt/revisionInfo.xml><?xml version="1.0" encoding="utf-8"?>
-<p1510:revInfo xmlns:a="http://schemas.openxmlformats.org/drawingml/2006/main" xmlns:r="http://schemas.openxmlformats.org/officeDocument/2006/relationships" xmlns:p1510="http://schemas.microsoft.com/office/powerpoint/2015/10/main">
-  <p1510:revLst>
-    <p1510:client id="{E36B562A-AFFE-425F-8162-21B1082B809F}" v="12" dt="2023-03-29T10:16:43.928"/>
-  </p1510:revLst>
-</p1510:revInfo>
-</file>
-
 <file path=ppt/changesInfos/changesInfo1.xml><?xml version="1.0" encoding="utf-8"?>
 <pc:chgInfo xmlns:a="http://schemas.openxmlformats.org/drawingml/2006/main" xmlns:r="http://schemas.openxmlformats.org/officeDocument/2006/relationships" xmlns:ac="http://schemas.microsoft.com/office/drawing/2013/main/command" xmlns:pc="http://schemas.microsoft.com/office/powerpoint/2013/main/command">
+  <pc:docChgLst>
+    <pc:chgData name="나 현희" userId="a7b73e83492eed8a" providerId="LiveId" clId="{823688B9-5DA3-4A7C-834A-DA5E203EF322}"/>
+    <pc:docChg chg="custSel delSld modSld">
+      <pc:chgData name="나 현희" userId="a7b73e83492eed8a" providerId="LiveId" clId="{823688B9-5DA3-4A7C-834A-DA5E203EF322}" dt="2023-03-30T11:15:05.253" v="4" actId="47"/>
+      <pc:docMkLst>
+        <pc:docMk/>
+      </pc:docMkLst>
+      <pc:sldChg chg="del">
+        <pc:chgData name="나 현희" userId="a7b73e83492eed8a" providerId="LiveId" clId="{823688B9-5DA3-4A7C-834A-DA5E203EF322}" dt="2023-03-30T11:15:05.253" v="4" actId="47"/>
+        <pc:sldMkLst>
+          <pc:docMk/>
+          <pc:sldMk cId="958563621" sldId="272"/>
+        </pc:sldMkLst>
+      </pc:sldChg>
+      <pc:sldChg chg="addSp delSp modSp mod">
+        <pc:chgData name="나 현희" userId="a7b73e83492eed8a" providerId="LiveId" clId="{823688B9-5DA3-4A7C-834A-DA5E203EF322}" dt="2023-03-30T11:14:40.567" v="3" actId="27614"/>
+        <pc:sldMkLst>
+          <pc:docMk/>
+          <pc:sldMk cId="3439183929" sldId="274"/>
+        </pc:sldMkLst>
+        <pc:spChg chg="mod">
+          <ac:chgData name="나 현희" userId="a7b73e83492eed8a" providerId="LiveId" clId="{823688B9-5DA3-4A7C-834A-DA5E203EF322}" dt="2023-03-30T11:14:36.031" v="2" actId="26606"/>
+          <ac:spMkLst>
+            <pc:docMk/>
+            <pc:sldMk cId="3439183929" sldId="274"/>
+            <ac:spMk id="2" creationId="{00000000-0000-0000-0000-000000000000}"/>
+          </ac:spMkLst>
+        </pc:spChg>
+        <pc:spChg chg="del">
+          <ac:chgData name="나 현희" userId="a7b73e83492eed8a" providerId="LiveId" clId="{823688B9-5DA3-4A7C-834A-DA5E203EF322}" dt="2023-03-30T11:14:36.031" v="2" actId="26606"/>
+          <ac:spMkLst>
+            <pc:docMk/>
+            <pc:sldMk cId="3439183929" sldId="274"/>
+            <ac:spMk id="3" creationId="{00000000-0000-0000-0000-000000000000}"/>
+          </ac:spMkLst>
+        </pc:spChg>
+        <pc:picChg chg="add mod">
+          <ac:chgData name="나 현희" userId="a7b73e83492eed8a" providerId="LiveId" clId="{823688B9-5DA3-4A7C-834A-DA5E203EF322}" dt="2023-03-30T11:14:40.567" v="3" actId="27614"/>
+          <ac:picMkLst>
+            <pc:docMk/>
+            <pc:sldMk cId="3439183929" sldId="274"/>
+            <ac:picMk id="5" creationId="{31260C76-1E47-947E-B7D7-871E3C6BE02F}"/>
+          </ac:picMkLst>
+        </pc:picChg>
+      </pc:sldChg>
+    </pc:docChg>
+  </pc:docChgLst>
   <pc:docChgLst>
     <pc:chgData name="나 현희" userId="a7b73e83492eed8a" providerId="LiveId" clId="{E36B562A-AFFE-425F-8162-21B1082B809F}"/>
     <pc:docChg chg="undo custSel addSld modSld sldOrd">
@@ -554,7 +592,7 @@
           <a:p>
             <a:fld id="{50138154-59DF-461E-B1C9-8D189C980A7E}" type="datetimeFigureOut">
               <a:rPr lang="ko-KR" altLang="en-US" smtClean="0"/>
-              <a:t>2023-03-29</a:t>
+              <a:t>2023-03-30</a:t>
             </a:fld>
             <a:endParaRPr lang="ko-KR" altLang="en-US"/>
           </a:p>
@@ -1103,7 +1141,7 @@
           <a:p>
             <a:fld id="{928C4006-D583-4434-A25D-662BACC4BC65}" type="slidenum">
               <a:rPr lang="ko-KR" altLang="en-US" smtClean="0"/>
-              <a:t>17</a:t>
+              <a:t>16</a:t>
             </a:fld>
             <a:endParaRPr lang="ko-KR" altLang="en-US"/>
           </a:p>
@@ -7554,7 +7592,7 @@
           <a:p>
             <a:r>
               <a:rPr lang="en-US" altLang="ko-KR" dirty="0"/>
-              <a:t>Contributions</a:t>
+              <a:t>Conclusions and Expected results</a:t>
             </a:r>
             <a:endParaRPr lang="ko-KR" altLang="en-US" dirty="0"/>
           </a:p>
@@ -7572,20 +7610,141 @@
         </p:nvSpPr>
         <p:spPr/>
         <p:txBody>
-          <a:bodyPr/>
+          <a:bodyPr>
+            <a:normAutofit/>
+          </a:bodyPr>
           <a:lstStyle/>
           <a:p>
             <a:pPr marL="0" indent="0">
               <a:buNone/>
             </a:pPr>
-            <a:endParaRPr lang="ko-KR" altLang="en-US" dirty="0"/>
+            <a:r>
+              <a:rPr lang="en-US" altLang="ko-KR" dirty="0">
+                <a:latin typeface="맑은 고딕" panose="020B0503020000020004" pitchFamily="50" charset="-127"/>
+                <a:ea typeface="맑은 고딕" panose="020B0503020000020004" pitchFamily="50" charset="-127"/>
+              </a:rPr>
+              <a:t>1) </a:t>
+            </a:r>
+            <a:r>
+              <a:rPr lang="ko-KR" altLang="en-US" dirty="0">
+                <a:latin typeface="맑은 고딕" panose="020B0503020000020004" pitchFamily="50" charset="-127"/>
+                <a:ea typeface="맑은 고딕" panose="020B0503020000020004" pitchFamily="50" charset="-127"/>
+              </a:rPr>
+              <a:t>음성이 중첩된 상황에서 요약 성능 개선 기대</a:t>
+            </a:r>
+            <a:endParaRPr lang="en-US" altLang="ko-KR" dirty="0">
+              <a:latin typeface="맑은 고딕" panose="020B0503020000020004" pitchFamily="50" charset="-127"/>
+              <a:ea typeface="맑은 고딕" panose="020B0503020000020004" pitchFamily="50" charset="-127"/>
+            </a:endParaRPr>
+          </a:p>
+          <a:p>
+            <a:pPr marL="457200" indent="-457200">
+              <a:buAutoNum type="arabicParenR"/>
+            </a:pPr>
+            <a:endParaRPr lang="en-US" altLang="ko-KR" dirty="0">
+              <a:latin typeface="맑은 고딕" panose="020B0503020000020004" pitchFamily="50" charset="-127"/>
+              <a:ea typeface="맑은 고딕" panose="020B0503020000020004" pitchFamily="50" charset="-127"/>
+            </a:endParaRPr>
+          </a:p>
+          <a:p>
+            <a:pPr marL="0" indent="0">
+              <a:buNone/>
+            </a:pPr>
+            <a:r>
+              <a:rPr lang="en-US" altLang="ko-KR" dirty="0">
+                <a:latin typeface="맑은 고딕" panose="020B0503020000020004" pitchFamily="50" charset="-127"/>
+                <a:ea typeface="맑은 고딕" panose="020B0503020000020004" pitchFamily="50" charset="-127"/>
+              </a:rPr>
+              <a:t>2) </a:t>
+            </a:r>
+            <a:r>
+              <a:rPr lang="ko-KR" altLang="en-US" dirty="0">
+                <a:latin typeface="맑은 고딕" panose="020B0503020000020004" pitchFamily="50" charset="-127"/>
+                <a:ea typeface="맑은 고딕" panose="020B0503020000020004" pitchFamily="50" charset="-127"/>
+              </a:rPr>
+              <a:t>화자 별 음성을 </a:t>
+            </a:r>
+            <a:r>
+              <a:rPr lang="en-US" altLang="ko-KR" dirty="0">
+                <a:latin typeface="맑은 고딕" panose="020B0503020000020004" pitchFamily="50" charset="-127"/>
+                <a:ea typeface="맑은 고딕" panose="020B0503020000020004" pitchFamily="50" charset="-127"/>
+              </a:rPr>
+              <a:t>transcript(</a:t>
+            </a:r>
+            <a:r>
+              <a:rPr lang="ko-KR" altLang="en-US" dirty="0">
+                <a:latin typeface="맑은 고딕" panose="020B0503020000020004" pitchFamily="50" charset="-127"/>
+                <a:ea typeface="맑은 고딕" panose="020B0503020000020004" pitchFamily="50" charset="-127"/>
+              </a:rPr>
+              <a:t>대본</a:t>
+            </a:r>
+            <a:r>
+              <a:rPr lang="en-US" altLang="ko-KR" dirty="0">
+                <a:latin typeface="맑은 고딕" panose="020B0503020000020004" pitchFamily="50" charset="-127"/>
+                <a:ea typeface="맑은 고딕" panose="020B0503020000020004" pitchFamily="50" charset="-127"/>
+              </a:rPr>
+              <a:t>)</a:t>
+            </a:r>
+            <a:r>
+              <a:rPr lang="ko-KR" altLang="en-US" dirty="0">
+                <a:latin typeface="맑은 고딕" panose="020B0503020000020004" pitchFamily="50" charset="-127"/>
+                <a:ea typeface="맑은 고딕" panose="020B0503020000020004" pitchFamily="50" charset="-127"/>
+              </a:rPr>
+              <a:t>형태로 변환 하여 요약을 진행하여 성능 개선 기대</a:t>
+            </a:r>
+            <a:endParaRPr lang="en-US" altLang="ko-KR" dirty="0">
+              <a:latin typeface="맑은 고딕" panose="020B0503020000020004" pitchFamily="50" charset="-127"/>
+              <a:ea typeface="맑은 고딕" panose="020B0503020000020004" pitchFamily="50" charset="-127"/>
+            </a:endParaRPr>
+          </a:p>
+          <a:p>
+            <a:pPr marL="0" indent="0">
+              <a:buNone/>
+            </a:pPr>
+            <a:endParaRPr lang="en-US" altLang="ko-KR" dirty="0">
+              <a:latin typeface="맑은 고딕" panose="020B0503020000020004" pitchFamily="50" charset="-127"/>
+              <a:ea typeface="맑은 고딕" panose="020B0503020000020004" pitchFamily="50" charset="-127"/>
+            </a:endParaRPr>
+          </a:p>
+          <a:p>
+            <a:pPr marL="0" indent="0">
+              <a:buNone/>
+            </a:pPr>
+            <a:r>
+              <a:rPr lang="en-US" altLang="ko-KR" dirty="0">
+                <a:latin typeface="맑은 고딕" panose="020B0503020000020004" pitchFamily="50" charset="-127"/>
+                <a:ea typeface="맑은 고딕" panose="020B0503020000020004" pitchFamily="50" charset="-127"/>
+              </a:rPr>
+              <a:t>3) </a:t>
+            </a:r>
+            <a:r>
+              <a:rPr lang="ko-KR" altLang="en-US" dirty="0">
+                <a:latin typeface="맑은 고딕" panose="020B0503020000020004" pitchFamily="50" charset="-127"/>
+                <a:ea typeface="맑은 고딕" panose="020B0503020000020004" pitchFamily="50" charset="-127"/>
+              </a:rPr>
+              <a:t>특히 일상 대화</a:t>
+            </a:r>
+            <a:r>
+              <a:rPr lang="en-US" altLang="ko-KR" dirty="0">
+                <a:latin typeface="맑은 고딕" panose="020B0503020000020004" pitchFamily="50" charset="-127"/>
+                <a:ea typeface="맑은 고딕" panose="020B0503020000020004" pitchFamily="50" charset="-127"/>
+              </a:rPr>
+              <a:t>, </a:t>
+            </a:r>
+            <a:r>
+              <a:rPr lang="ko-KR" altLang="en-US" dirty="0">
+                <a:latin typeface="맑은 고딕" panose="020B0503020000020004" pitchFamily="50" charset="-127"/>
+                <a:ea typeface="맑은 고딕" panose="020B0503020000020004" pitchFamily="50" charset="-127"/>
+              </a:rPr>
+              <a:t>토론과 같은 상황에서 요약 성능 개선 기대</a:t>
+            </a:r>
           </a:p>
         </p:txBody>
       </p:sp>
     </p:spTree>
     <p:extLst>
       <p:ext uri="{BB962C8B-B14F-4D97-AF65-F5344CB8AC3E}">
-        <p14:creationId xmlns:p14="http://schemas.microsoft.com/office/powerpoint/2010/main" val="958563621"/>
+        <p14:creationId xmlns:p14="http://schemas.microsoft.com/office/powerpoint/2010/main" val="1357611919"/>
       </p:ext>
     </p:extLst>
   </p:cSld>
@@ -7622,234 +7781,57 @@
             <p:ph type="title"/>
           </p:nvPr>
         </p:nvSpPr>
-        <p:spPr/>
+        <p:spPr>
+          <a:xfrm>
+            <a:off x="457200" y="533400"/>
+            <a:ext cx="8229600" cy="990600"/>
+          </a:xfrm>
+        </p:spPr>
         <p:txBody>
-          <a:bodyPr/>
-          <a:lstStyle/>
-          <a:p>
-            <a:r>
-              <a:rPr lang="en-US" altLang="ko-KR" dirty="0"/>
-              <a:t>Conclusions and Expected results</a:t>
-            </a:r>
-            <a:endParaRPr lang="ko-KR" altLang="en-US" dirty="0"/>
-          </a:p>
-        </p:txBody>
-      </p:sp>
-      <p:sp>
-        <p:nvSpPr>
-          <p:cNvPr id="3" name="내용 개체 틀 2"/>
-          <p:cNvSpPr>
-            <a:spLocks noGrp="1"/>
-          </p:cNvSpPr>
-          <p:nvPr>
-            <p:ph idx="1"/>
-          </p:nvPr>
-        </p:nvSpPr>
-        <p:spPr/>
-        <p:txBody>
-          <a:bodyPr>
+          <a:bodyPr anchor="ctr">
             <a:normAutofit/>
           </a:bodyPr>
           <a:lstStyle/>
           <a:p>
-            <a:pPr marL="0" indent="0">
-              <a:buNone/>
-            </a:pPr>
-            <a:r>
-              <a:rPr lang="en-US" altLang="ko-KR" dirty="0">
-                <a:latin typeface="맑은 고딕" panose="020B0503020000020004" pitchFamily="50" charset="-127"/>
-                <a:ea typeface="맑은 고딕" panose="020B0503020000020004" pitchFamily="50" charset="-127"/>
-              </a:rPr>
-              <a:t>1) </a:t>
-            </a:r>
-            <a:r>
-              <a:rPr lang="ko-KR" altLang="en-US" dirty="0">
-                <a:latin typeface="맑은 고딕" panose="020B0503020000020004" pitchFamily="50" charset="-127"/>
-                <a:ea typeface="맑은 고딕" panose="020B0503020000020004" pitchFamily="50" charset="-127"/>
-              </a:rPr>
-              <a:t>음성이 중첩된 상황에서 요약 성능 개선 기대</a:t>
-            </a:r>
-            <a:endParaRPr lang="en-US" altLang="ko-KR" dirty="0">
-              <a:latin typeface="맑은 고딕" panose="020B0503020000020004" pitchFamily="50" charset="-127"/>
-              <a:ea typeface="맑은 고딕" panose="020B0503020000020004" pitchFamily="50" charset="-127"/>
-            </a:endParaRPr>
-          </a:p>
-          <a:p>
-            <a:pPr marL="457200" indent="-457200">
-              <a:buAutoNum type="arabicParenR"/>
-            </a:pPr>
-            <a:endParaRPr lang="en-US" altLang="ko-KR" dirty="0">
-              <a:latin typeface="맑은 고딕" panose="020B0503020000020004" pitchFamily="50" charset="-127"/>
-              <a:ea typeface="맑은 고딕" panose="020B0503020000020004" pitchFamily="50" charset="-127"/>
-            </a:endParaRPr>
-          </a:p>
-          <a:p>
-            <a:pPr marL="0" indent="0">
-              <a:buNone/>
-            </a:pPr>
-            <a:r>
-              <a:rPr lang="en-US" altLang="ko-KR" dirty="0">
-                <a:latin typeface="맑은 고딕" panose="020B0503020000020004" pitchFamily="50" charset="-127"/>
-                <a:ea typeface="맑은 고딕" panose="020B0503020000020004" pitchFamily="50" charset="-127"/>
-              </a:rPr>
-              <a:t>2) </a:t>
-            </a:r>
-            <a:r>
-              <a:rPr lang="ko-KR" altLang="en-US" dirty="0">
-                <a:latin typeface="맑은 고딕" panose="020B0503020000020004" pitchFamily="50" charset="-127"/>
-                <a:ea typeface="맑은 고딕" panose="020B0503020000020004" pitchFamily="50" charset="-127"/>
-              </a:rPr>
-              <a:t>화자 별 음성을 </a:t>
-            </a:r>
-            <a:r>
-              <a:rPr lang="en-US" altLang="ko-KR" dirty="0">
-                <a:latin typeface="맑은 고딕" panose="020B0503020000020004" pitchFamily="50" charset="-127"/>
-                <a:ea typeface="맑은 고딕" panose="020B0503020000020004" pitchFamily="50" charset="-127"/>
-              </a:rPr>
-              <a:t>transcript(</a:t>
-            </a:r>
-            <a:r>
-              <a:rPr lang="ko-KR" altLang="en-US" dirty="0">
-                <a:latin typeface="맑은 고딕" panose="020B0503020000020004" pitchFamily="50" charset="-127"/>
-                <a:ea typeface="맑은 고딕" panose="020B0503020000020004" pitchFamily="50" charset="-127"/>
-              </a:rPr>
-              <a:t>대본</a:t>
-            </a:r>
-            <a:r>
-              <a:rPr lang="en-US" altLang="ko-KR" dirty="0">
-                <a:latin typeface="맑은 고딕" panose="020B0503020000020004" pitchFamily="50" charset="-127"/>
-                <a:ea typeface="맑은 고딕" panose="020B0503020000020004" pitchFamily="50" charset="-127"/>
-              </a:rPr>
-              <a:t>)</a:t>
-            </a:r>
-            <a:r>
-              <a:rPr lang="ko-KR" altLang="en-US" dirty="0">
-                <a:latin typeface="맑은 고딕" panose="020B0503020000020004" pitchFamily="50" charset="-127"/>
-                <a:ea typeface="맑은 고딕" panose="020B0503020000020004" pitchFamily="50" charset="-127"/>
-              </a:rPr>
-              <a:t>형태로 변환 하여 요약을 진행하여 성능 개선 기대</a:t>
-            </a:r>
-            <a:endParaRPr lang="en-US" altLang="ko-KR" dirty="0">
-              <a:latin typeface="맑은 고딕" panose="020B0503020000020004" pitchFamily="50" charset="-127"/>
-              <a:ea typeface="맑은 고딕" panose="020B0503020000020004" pitchFamily="50" charset="-127"/>
-            </a:endParaRPr>
-          </a:p>
-          <a:p>
-            <a:pPr marL="0" indent="0">
-              <a:buNone/>
-            </a:pPr>
-            <a:endParaRPr lang="en-US" altLang="ko-KR" dirty="0">
-              <a:latin typeface="맑은 고딕" panose="020B0503020000020004" pitchFamily="50" charset="-127"/>
-              <a:ea typeface="맑은 고딕" panose="020B0503020000020004" pitchFamily="50" charset="-127"/>
-            </a:endParaRPr>
-          </a:p>
-          <a:p>
-            <a:pPr marL="0" indent="0">
-              <a:buNone/>
-            </a:pPr>
-            <a:r>
-              <a:rPr lang="en-US" altLang="ko-KR" dirty="0">
-                <a:latin typeface="맑은 고딕" panose="020B0503020000020004" pitchFamily="50" charset="-127"/>
-                <a:ea typeface="맑은 고딕" panose="020B0503020000020004" pitchFamily="50" charset="-127"/>
-              </a:rPr>
-              <a:t>3) </a:t>
-            </a:r>
-            <a:r>
-              <a:rPr lang="ko-KR" altLang="en-US" dirty="0">
-                <a:latin typeface="맑은 고딕" panose="020B0503020000020004" pitchFamily="50" charset="-127"/>
-                <a:ea typeface="맑은 고딕" panose="020B0503020000020004" pitchFamily="50" charset="-127"/>
-              </a:rPr>
-              <a:t>특히 일상 대화</a:t>
-            </a:r>
-            <a:r>
-              <a:rPr lang="en-US" altLang="ko-KR" dirty="0">
-                <a:latin typeface="맑은 고딕" panose="020B0503020000020004" pitchFamily="50" charset="-127"/>
-                <a:ea typeface="맑은 고딕" panose="020B0503020000020004" pitchFamily="50" charset="-127"/>
-              </a:rPr>
-              <a:t>, </a:t>
-            </a:r>
-            <a:r>
-              <a:rPr lang="ko-KR" altLang="en-US" dirty="0">
-                <a:latin typeface="맑은 고딕" panose="020B0503020000020004" pitchFamily="50" charset="-127"/>
-                <a:ea typeface="맑은 고딕" panose="020B0503020000020004" pitchFamily="50" charset="-127"/>
-              </a:rPr>
-              <a:t>토론과 같은 상황에서 요약 성능 개선 기대</a:t>
-            </a:r>
+            <a:r>
+              <a:rPr lang="en-US" altLang="ko-KR" dirty="0"/>
+              <a:t>Schedule</a:t>
+            </a:r>
+            <a:endParaRPr lang="ko-KR" altLang="en-US" dirty="0"/>
           </a:p>
         </p:txBody>
       </p:sp>
-    </p:spTree>
-    <p:extLst>
-      <p:ext uri="{BB962C8B-B14F-4D97-AF65-F5344CB8AC3E}">
-        <p14:creationId xmlns:p14="http://schemas.microsoft.com/office/powerpoint/2010/main" val="1357611919"/>
-      </p:ext>
-    </p:extLst>
-  </p:cSld>
-  <p:clrMapOvr>
-    <a:masterClrMapping/>
-  </p:clrMapOvr>
-</p:sld>
-</file>
-
-<file path=ppt/slides/slide18.xml><?xml version="1.0" encoding="utf-8"?>
-<p:sld xmlns:a="http://schemas.openxmlformats.org/drawingml/2006/main" xmlns:r="http://schemas.openxmlformats.org/officeDocument/2006/relationships" xmlns:p="http://schemas.openxmlformats.org/presentationml/2006/main">
-  <p:cSld>
-    <p:spTree>
-      <p:nvGrpSpPr>
-        <p:cNvPr id="1" name=""/>
-        <p:cNvGrpSpPr/>
-        <p:nvPr/>
-      </p:nvGrpSpPr>
-      <p:grpSpPr>
-        <a:xfrm>
-          <a:off x="0" y="0"/>
-          <a:ext cx="0" cy="0"/>
-          <a:chOff x="0" y="0"/>
-          <a:chExt cx="0" cy="0"/>
-        </a:xfrm>
-      </p:grpSpPr>
-      <p:sp>
-        <p:nvSpPr>
-          <p:cNvPr id="2" name="제목 1"/>
-          <p:cNvSpPr>
-            <a:spLocks noGrp="1"/>
-          </p:cNvSpPr>
-          <p:nvPr>
-            <p:ph type="title"/>
-          </p:nvPr>
-        </p:nvSpPr>
-        <p:spPr/>
-        <p:txBody>
-          <a:bodyPr/>
-          <a:lstStyle/>
-          <a:p>
-            <a:r>
-              <a:rPr lang="en-US" altLang="ko-KR" dirty="0"/>
-              <a:t>Schedule</a:t>
-            </a:r>
-            <a:endParaRPr lang="ko-KR" altLang="en-US" dirty="0"/>
-          </a:p>
-        </p:txBody>
-      </p:sp>
-      <p:sp>
-        <p:nvSpPr>
-          <p:cNvPr id="3" name="내용 개체 틀 2"/>
-          <p:cNvSpPr>
-            <a:spLocks noGrp="1"/>
-          </p:cNvSpPr>
-          <p:nvPr>
-            <p:ph idx="1"/>
-          </p:nvPr>
-        </p:nvSpPr>
-        <p:spPr/>
-        <p:txBody>
-          <a:bodyPr/>
-          <a:lstStyle/>
-          <a:p>
-            <a:endParaRPr lang="ko-KR" altLang="en-US" dirty="0"/>
-          </a:p>
-        </p:txBody>
-      </p:sp>
+      <p:pic>
+        <p:nvPicPr>
+          <p:cNvPr id="5" name="그림 4" descr="텍스트, 낱말맞추기 퍼즐이(가) 표시된 사진&#10;&#10;자동 생성된 설명">
+            <a:extLst>
+              <a:ext uri="{FF2B5EF4-FFF2-40B4-BE49-F238E27FC236}">
+                <a16:creationId xmlns:a16="http://schemas.microsoft.com/office/drawing/2014/main" id="{31260C76-1E47-947E-B7D7-871E3C6BE02F}"/>
+              </a:ext>
+            </a:extLst>
+          </p:cNvPr>
+          <p:cNvPicPr>
+            <a:picLocks noChangeAspect="1"/>
+          </p:cNvPicPr>
+          <p:nvPr/>
+        </p:nvPicPr>
+        <p:blipFill>
+          <a:blip r:embed="rId2"/>
+          <a:stretch>
+            <a:fillRect/>
+          </a:stretch>
+        </p:blipFill>
+        <p:spPr>
+          <a:xfrm>
+            <a:off x="2140355" y="1600200"/>
+            <a:ext cx="4863290" cy="4876800"/>
+          </a:xfrm>
+          <a:prstGeom prst="rect">
+            <a:avLst/>
+          </a:prstGeom>
+          <a:noFill/>
+        </p:spPr>
+      </p:pic>
     </p:spTree>
     <p:extLst>
       <p:ext uri="{BB962C8B-B14F-4D97-AF65-F5344CB8AC3E}">
@@ -7863,7 +7845,7 @@
 </p:sld>
 </file>
 
-<file path=ppt/slides/slide19.xml><?xml version="1.0" encoding="utf-8"?>
+<file path=ppt/slides/slide18.xml><?xml version="1.0" encoding="utf-8"?>
 <p:sld xmlns:a="http://schemas.openxmlformats.org/drawingml/2006/main" xmlns:r="http://schemas.openxmlformats.org/officeDocument/2006/relationships" xmlns:p="http://schemas.openxmlformats.org/presentationml/2006/main">
   <p:cSld>
     <p:spTree>

--- a/ppt/0403_2조_주제 발표.pptx
+++ b/ppt/0403_2조_주제 발표.pptx
@@ -903,6 +903,893 @@
           <a:bodyPr/>
           <a:lstStyle/>
           <a:p>
+            <a:pPr marL="0" indent="0" algn="just" latinLnBrk="1">
+              <a:lnSpc>
+                <a:spcPct val="107000"/>
+              </a:lnSpc>
+              <a:spcAft>
+                <a:spcPts val="800"/>
+              </a:spcAft>
+              <a:buNone/>
+            </a:pPr>
+            <a:r>
+              <a:rPr lang="ko-KR" altLang="en-US" sz="1200" kern="100" dirty="0">
+                <a:solidFill>
+                  <a:srgbClr val="111111"/>
+                </a:solidFill>
+                <a:effectLst/>
+                <a:latin typeface="Segoe UI" panose="020B0502040204020203" pitchFamily="34" charset="0"/>
+                <a:ea typeface="맑은 고딕" panose="020B0503020000020004" pitchFamily="50" charset="-127"/>
+                <a:cs typeface="Segoe UI" panose="020B0502040204020203" pitchFamily="34" charset="0"/>
+              </a:rPr>
+              <a:t>요약문 생성시 사용할 모델에 대해서 설명 드리겠습니다</a:t>
+            </a:r>
+            <a:r>
+              <a:rPr lang="en-US" altLang="ko-KR" sz="1200" kern="100" dirty="0">
+                <a:solidFill>
+                  <a:srgbClr val="111111"/>
+                </a:solidFill>
+                <a:effectLst/>
+                <a:latin typeface="Segoe UI" panose="020B0502040204020203" pitchFamily="34" charset="0"/>
+                <a:ea typeface="맑은 고딕" panose="020B0503020000020004" pitchFamily="50" charset="-127"/>
+                <a:cs typeface="Segoe UI" panose="020B0502040204020203" pitchFamily="34" charset="0"/>
+              </a:rPr>
+              <a:t>. </a:t>
+            </a:r>
+          </a:p>
+          <a:p>
+            <a:pPr marL="0" indent="0" algn="just" latinLnBrk="1">
+              <a:lnSpc>
+                <a:spcPct val="107000"/>
+              </a:lnSpc>
+              <a:spcAft>
+                <a:spcPts val="800"/>
+              </a:spcAft>
+              <a:buNone/>
+            </a:pPr>
+            <a:r>
+              <a:rPr lang="ko-KR" altLang="en-US" sz="1200" kern="100" dirty="0">
+                <a:solidFill>
+                  <a:srgbClr val="111111"/>
+                </a:solidFill>
+                <a:effectLst/>
+                <a:latin typeface="Segoe UI" panose="020B0502040204020203" pitchFamily="34" charset="0"/>
+                <a:ea typeface="맑은 고딕" panose="020B0503020000020004" pitchFamily="50" charset="-127"/>
+                <a:cs typeface="Segoe UI" panose="020B0502040204020203" pitchFamily="34" charset="0"/>
+              </a:rPr>
+              <a:t>텍스트를 요약하는 방법은 다음과 같이 두가지 방법이 있습니다</a:t>
+            </a:r>
+            <a:r>
+              <a:rPr lang="en-US" altLang="ko-KR" sz="1200" kern="100" dirty="0">
+                <a:solidFill>
+                  <a:srgbClr val="111111"/>
+                </a:solidFill>
+                <a:effectLst/>
+                <a:latin typeface="Segoe UI" panose="020B0502040204020203" pitchFamily="34" charset="0"/>
+                <a:ea typeface="맑은 고딕" panose="020B0503020000020004" pitchFamily="50" charset="-127"/>
+                <a:cs typeface="Segoe UI" panose="020B0502040204020203" pitchFamily="34" charset="0"/>
+              </a:rPr>
+              <a:t>. </a:t>
+            </a:r>
+          </a:p>
+          <a:p>
+            <a:pPr marL="342900" indent="-342900" algn="just" latinLnBrk="1">
+              <a:lnSpc>
+                <a:spcPct val="107000"/>
+              </a:lnSpc>
+              <a:spcAft>
+                <a:spcPts val="800"/>
+              </a:spcAft>
+              <a:buAutoNum type="arabicPeriod"/>
+            </a:pPr>
+            <a:endParaRPr lang="en-US" altLang="ko-KR" sz="1200" kern="100" dirty="0">
+              <a:solidFill>
+                <a:srgbClr val="111111"/>
+              </a:solidFill>
+              <a:effectLst/>
+              <a:latin typeface="Segoe UI" panose="020B0502040204020203" pitchFamily="34" charset="0"/>
+              <a:ea typeface="맑은 고딕" panose="020B0503020000020004" pitchFamily="50" charset="-127"/>
+              <a:cs typeface="Segoe UI" panose="020B0502040204020203" pitchFamily="34" charset="0"/>
+            </a:endParaRPr>
+          </a:p>
+          <a:p>
+            <a:pPr marL="342900" indent="-342900" algn="just" latinLnBrk="1">
+              <a:lnSpc>
+                <a:spcPct val="107000"/>
+              </a:lnSpc>
+              <a:spcAft>
+                <a:spcPts val="800"/>
+              </a:spcAft>
+              <a:buAutoNum type="arabicPeriod"/>
+            </a:pPr>
+            <a:r>
+              <a:rPr lang="ko-KR" altLang="ko-KR" sz="1200" kern="100" dirty="0">
+                <a:solidFill>
+                  <a:srgbClr val="111111"/>
+                </a:solidFill>
+                <a:effectLst/>
+                <a:latin typeface="Segoe UI" panose="020B0502040204020203" pitchFamily="34" charset="0"/>
+                <a:ea typeface="맑은 고딕" panose="020B0503020000020004" pitchFamily="50" charset="-127"/>
+                <a:cs typeface="Segoe UI" panose="020B0502040204020203" pitchFamily="34" charset="0"/>
+              </a:rPr>
+              <a:t>추출요약</a:t>
+            </a:r>
+            <a:r>
+              <a:rPr lang="en-US" altLang="ko-KR" sz="1200" kern="100" dirty="0">
+                <a:solidFill>
+                  <a:srgbClr val="111111"/>
+                </a:solidFill>
+                <a:effectLst/>
+                <a:latin typeface="Segoe UI" panose="020B0502040204020203" pitchFamily="34" charset="0"/>
+                <a:ea typeface="맑은 고딕" panose="020B0503020000020004" pitchFamily="50" charset="-127"/>
+                <a:cs typeface="Times New Roman" panose="02020603050405020304" pitchFamily="18" charset="0"/>
+              </a:rPr>
+              <a:t>(extraction) =&gt;</a:t>
+            </a:r>
+            <a:r>
+              <a:rPr lang="ko-KR" altLang="ko-KR" sz="1200" kern="100" dirty="0">
+                <a:solidFill>
+                  <a:srgbClr val="111111"/>
+                </a:solidFill>
+                <a:effectLst/>
+                <a:latin typeface="Segoe UI" panose="020B0502040204020203" pitchFamily="34" charset="0"/>
+                <a:ea typeface="맑은 고딕" panose="020B0503020000020004" pitchFamily="50" charset="-127"/>
+                <a:cs typeface="Segoe UI" panose="020B0502040204020203" pitchFamily="34" charset="0"/>
+              </a:rPr>
+              <a:t>문서에서</a:t>
+            </a:r>
+            <a:r>
+              <a:rPr lang="ko-KR" altLang="ko-KR" sz="1200" kern="100" dirty="0">
+                <a:solidFill>
+                  <a:srgbClr val="111111"/>
+                </a:solidFill>
+                <a:effectLst/>
+                <a:latin typeface="맑은 고딕" panose="020B0503020000020004" pitchFamily="50" charset="-127"/>
+                <a:ea typeface="Segoe UI" panose="020B0502040204020203" pitchFamily="34" charset="0"/>
+                <a:cs typeface="Times New Roman" panose="02020603050405020304" pitchFamily="18" charset="0"/>
+              </a:rPr>
+              <a:t> </a:t>
+            </a:r>
+            <a:r>
+              <a:rPr lang="ko-KR" altLang="ko-KR" sz="1200" kern="100" dirty="0">
+                <a:solidFill>
+                  <a:srgbClr val="111111"/>
+                </a:solidFill>
+                <a:effectLst/>
+                <a:latin typeface="Segoe UI" panose="020B0502040204020203" pitchFamily="34" charset="0"/>
+                <a:ea typeface="맑은 고딕" panose="020B0503020000020004" pitchFamily="50" charset="-127"/>
+                <a:cs typeface="Segoe UI" panose="020B0502040204020203" pitchFamily="34" charset="0"/>
+              </a:rPr>
+              <a:t>뽑은</a:t>
+            </a:r>
+            <a:r>
+              <a:rPr lang="ko-KR" altLang="ko-KR" sz="1200" kern="100" dirty="0">
+                <a:solidFill>
+                  <a:srgbClr val="111111"/>
+                </a:solidFill>
+                <a:effectLst/>
+                <a:latin typeface="맑은 고딕" panose="020B0503020000020004" pitchFamily="50" charset="-127"/>
+                <a:ea typeface="Segoe UI" panose="020B0502040204020203" pitchFamily="34" charset="0"/>
+                <a:cs typeface="Times New Roman" panose="02020603050405020304" pitchFamily="18" charset="0"/>
+              </a:rPr>
+              <a:t> </a:t>
+            </a:r>
+            <a:r>
+              <a:rPr lang="ko-KR" altLang="ko-KR" sz="1200" kern="100" dirty="0">
+                <a:solidFill>
+                  <a:srgbClr val="111111"/>
+                </a:solidFill>
+                <a:effectLst/>
+                <a:latin typeface="Segoe UI" panose="020B0502040204020203" pitchFamily="34" charset="0"/>
+                <a:ea typeface="맑은 고딕" panose="020B0503020000020004" pitchFamily="50" charset="-127"/>
+                <a:cs typeface="Segoe UI" panose="020B0502040204020203" pitchFamily="34" charset="0"/>
+              </a:rPr>
+              <a:t>단어를</a:t>
+            </a:r>
+            <a:r>
+              <a:rPr lang="ko-KR" altLang="ko-KR" sz="1200" kern="100" dirty="0">
+                <a:solidFill>
+                  <a:srgbClr val="111111"/>
+                </a:solidFill>
+                <a:effectLst/>
+                <a:latin typeface="맑은 고딕" panose="020B0503020000020004" pitchFamily="50" charset="-127"/>
+                <a:ea typeface="Segoe UI" panose="020B0502040204020203" pitchFamily="34" charset="0"/>
+                <a:cs typeface="Times New Roman" panose="02020603050405020304" pitchFamily="18" charset="0"/>
+              </a:rPr>
+              <a:t> </a:t>
+            </a:r>
+            <a:r>
+              <a:rPr lang="ko-KR" altLang="ko-KR" sz="1200" kern="100" dirty="0">
+                <a:solidFill>
+                  <a:srgbClr val="111111"/>
+                </a:solidFill>
+                <a:effectLst/>
+                <a:latin typeface="Segoe UI" panose="020B0502040204020203" pitchFamily="34" charset="0"/>
+                <a:ea typeface="맑은 고딕" panose="020B0503020000020004" pitchFamily="50" charset="-127"/>
+                <a:cs typeface="Segoe UI" panose="020B0502040204020203" pitchFamily="34" charset="0"/>
+              </a:rPr>
+              <a:t>조합해</a:t>
+            </a:r>
+            <a:r>
+              <a:rPr lang="ko-KR" altLang="ko-KR" sz="1200" kern="100" dirty="0">
+                <a:solidFill>
+                  <a:srgbClr val="111111"/>
+                </a:solidFill>
+                <a:effectLst/>
+                <a:latin typeface="맑은 고딕" panose="020B0503020000020004" pitchFamily="50" charset="-127"/>
+                <a:ea typeface="Segoe UI" panose="020B0502040204020203" pitchFamily="34" charset="0"/>
+                <a:cs typeface="Times New Roman" panose="02020603050405020304" pitchFamily="18" charset="0"/>
+              </a:rPr>
+              <a:t> </a:t>
+            </a:r>
+            <a:r>
+              <a:rPr lang="ko-KR" altLang="ko-KR" sz="1200" kern="100" dirty="0">
+                <a:solidFill>
+                  <a:srgbClr val="111111"/>
+                </a:solidFill>
+                <a:effectLst/>
+                <a:latin typeface="Segoe UI" panose="020B0502040204020203" pitchFamily="34" charset="0"/>
+                <a:ea typeface="맑은 고딕" panose="020B0503020000020004" pitchFamily="50" charset="-127"/>
+                <a:cs typeface="Segoe UI" panose="020B0502040204020203" pitchFamily="34" charset="0"/>
+              </a:rPr>
+              <a:t>문장을</a:t>
+            </a:r>
+            <a:r>
+              <a:rPr lang="ko-KR" altLang="ko-KR" sz="1200" kern="100" dirty="0">
+                <a:solidFill>
+                  <a:srgbClr val="111111"/>
+                </a:solidFill>
+                <a:effectLst/>
+                <a:latin typeface="맑은 고딕" panose="020B0503020000020004" pitchFamily="50" charset="-127"/>
+                <a:ea typeface="Segoe UI" panose="020B0502040204020203" pitchFamily="34" charset="0"/>
+                <a:cs typeface="Times New Roman" panose="02020603050405020304" pitchFamily="18" charset="0"/>
+              </a:rPr>
+              <a:t> </a:t>
+            </a:r>
+            <a:r>
+              <a:rPr lang="ko-KR" altLang="ko-KR" sz="1200" kern="100" dirty="0">
+                <a:solidFill>
+                  <a:srgbClr val="111111"/>
+                </a:solidFill>
+                <a:effectLst/>
+                <a:latin typeface="Segoe UI" panose="020B0502040204020203" pitchFamily="34" charset="0"/>
+                <a:ea typeface="맑은 고딕" panose="020B0503020000020004" pitchFamily="50" charset="-127"/>
+                <a:cs typeface="Segoe UI" panose="020B0502040204020203" pitchFamily="34" charset="0"/>
+              </a:rPr>
+              <a:t>생성</a:t>
+            </a:r>
+            <a:r>
+              <a:rPr lang="en-US" altLang="ko-KR" sz="1200" kern="100" dirty="0">
+                <a:solidFill>
+                  <a:srgbClr val="111111"/>
+                </a:solidFill>
+                <a:effectLst/>
+                <a:latin typeface="Segoe UI" panose="020B0502040204020203" pitchFamily="34" charset="0"/>
+                <a:ea typeface="맑은 고딕" panose="020B0503020000020004" pitchFamily="50" charset="-127"/>
+                <a:cs typeface="Times New Roman" panose="02020603050405020304" pitchFamily="18" charset="0"/>
+              </a:rPr>
+              <a:t>, </a:t>
+            </a:r>
+            <a:r>
+              <a:rPr lang="ko-KR" altLang="ko-KR" sz="1200" kern="100" dirty="0">
+                <a:solidFill>
+                  <a:srgbClr val="111111"/>
+                </a:solidFill>
+                <a:effectLst/>
+                <a:latin typeface="Segoe UI" panose="020B0502040204020203" pitchFamily="34" charset="0"/>
+                <a:ea typeface="맑은 고딕" panose="020B0503020000020004" pitchFamily="50" charset="-127"/>
+                <a:cs typeface="Segoe UI" panose="020B0502040204020203" pitchFamily="34" charset="0"/>
+              </a:rPr>
+              <a:t>입력의</a:t>
+            </a:r>
+            <a:r>
+              <a:rPr lang="ko-KR" altLang="ko-KR" sz="1200" kern="100" dirty="0">
+                <a:solidFill>
+                  <a:srgbClr val="111111"/>
+                </a:solidFill>
+                <a:effectLst/>
+                <a:latin typeface="맑은 고딕" panose="020B0503020000020004" pitchFamily="50" charset="-127"/>
+                <a:ea typeface="Segoe UI" panose="020B0502040204020203" pitchFamily="34" charset="0"/>
+                <a:cs typeface="Times New Roman" panose="02020603050405020304" pitchFamily="18" charset="0"/>
+              </a:rPr>
+              <a:t> </a:t>
+            </a:r>
+            <a:r>
+              <a:rPr lang="ko-KR" altLang="ko-KR" sz="1200" kern="100" dirty="0">
+                <a:solidFill>
+                  <a:srgbClr val="111111"/>
+                </a:solidFill>
+                <a:effectLst/>
+                <a:latin typeface="Segoe UI" panose="020B0502040204020203" pitchFamily="34" charset="0"/>
+                <a:ea typeface="맑은 고딕" panose="020B0503020000020004" pitchFamily="50" charset="-127"/>
+                <a:cs typeface="Segoe UI" panose="020B0502040204020203" pitchFamily="34" charset="0"/>
+              </a:rPr>
+              <a:t>문장</a:t>
+            </a:r>
+            <a:r>
+              <a:rPr lang="ko-KR" altLang="ko-KR" sz="1200" kern="100" dirty="0">
+                <a:solidFill>
+                  <a:srgbClr val="111111"/>
+                </a:solidFill>
+                <a:effectLst/>
+                <a:latin typeface="맑은 고딕" panose="020B0503020000020004" pitchFamily="50" charset="-127"/>
+                <a:ea typeface="Segoe UI" panose="020B0502040204020203" pitchFamily="34" charset="0"/>
+                <a:cs typeface="Times New Roman" panose="02020603050405020304" pitchFamily="18" charset="0"/>
+              </a:rPr>
+              <a:t> </a:t>
+            </a:r>
+            <a:r>
+              <a:rPr lang="ko-KR" altLang="ko-KR" sz="1200" kern="100" dirty="0">
+                <a:solidFill>
+                  <a:srgbClr val="111111"/>
+                </a:solidFill>
+                <a:effectLst/>
+                <a:latin typeface="Segoe UI" panose="020B0502040204020203" pitchFamily="34" charset="0"/>
+                <a:ea typeface="맑은 고딕" panose="020B0503020000020004" pitchFamily="50" charset="-127"/>
+                <a:cs typeface="Segoe UI" panose="020B0502040204020203" pitchFamily="34" charset="0"/>
+              </a:rPr>
+              <a:t>중</a:t>
+            </a:r>
+            <a:r>
+              <a:rPr lang="ko-KR" altLang="ko-KR" sz="1200" kern="100" dirty="0">
+                <a:solidFill>
+                  <a:srgbClr val="111111"/>
+                </a:solidFill>
+                <a:effectLst/>
+                <a:latin typeface="맑은 고딕" panose="020B0503020000020004" pitchFamily="50" charset="-127"/>
+                <a:ea typeface="Segoe UI" panose="020B0502040204020203" pitchFamily="34" charset="0"/>
+                <a:cs typeface="Times New Roman" panose="02020603050405020304" pitchFamily="18" charset="0"/>
+              </a:rPr>
+              <a:t> </a:t>
+            </a:r>
+            <a:r>
+              <a:rPr lang="ko-KR" altLang="ko-KR" sz="1200" kern="100" dirty="0">
+                <a:solidFill>
+                  <a:srgbClr val="111111"/>
+                </a:solidFill>
+                <a:effectLst/>
+                <a:latin typeface="Segoe UI" panose="020B0502040204020203" pitchFamily="34" charset="0"/>
+                <a:ea typeface="맑은 고딕" panose="020B0503020000020004" pitchFamily="50" charset="-127"/>
+                <a:cs typeface="Segoe UI" panose="020B0502040204020203" pitchFamily="34" charset="0"/>
+              </a:rPr>
+              <a:t>중요도가</a:t>
+            </a:r>
+            <a:r>
+              <a:rPr lang="ko-KR" altLang="ko-KR" sz="1200" kern="100" dirty="0">
+                <a:solidFill>
+                  <a:srgbClr val="111111"/>
+                </a:solidFill>
+                <a:effectLst/>
+                <a:latin typeface="맑은 고딕" panose="020B0503020000020004" pitchFamily="50" charset="-127"/>
+                <a:ea typeface="Segoe UI" panose="020B0502040204020203" pitchFamily="34" charset="0"/>
+                <a:cs typeface="Times New Roman" panose="02020603050405020304" pitchFamily="18" charset="0"/>
+              </a:rPr>
+              <a:t> </a:t>
+            </a:r>
+            <a:r>
+              <a:rPr lang="ko-KR" altLang="ko-KR" sz="1200" kern="100" dirty="0">
+                <a:solidFill>
+                  <a:srgbClr val="111111"/>
+                </a:solidFill>
+                <a:effectLst/>
+                <a:latin typeface="Segoe UI" panose="020B0502040204020203" pitchFamily="34" charset="0"/>
+                <a:ea typeface="맑은 고딕" panose="020B0503020000020004" pitchFamily="50" charset="-127"/>
+                <a:cs typeface="Segoe UI" panose="020B0502040204020203" pitchFamily="34" charset="0"/>
+              </a:rPr>
+              <a:t>높은</a:t>
+            </a:r>
+            <a:r>
+              <a:rPr lang="ko-KR" altLang="ko-KR" sz="1200" kern="100" dirty="0">
+                <a:solidFill>
+                  <a:srgbClr val="111111"/>
+                </a:solidFill>
+                <a:effectLst/>
+                <a:latin typeface="맑은 고딕" panose="020B0503020000020004" pitchFamily="50" charset="-127"/>
+                <a:ea typeface="Segoe UI" panose="020B0502040204020203" pitchFamily="34" charset="0"/>
+                <a:cs typeface="Times New Roman" panose="02020603050405020304" pitchFamily="18" charset="0"/>
+              </a:rPr>
+              <a:t> </a:t>
+            </a:r>
+            <a:r>
+              <a:rPr lang="ko-KR" altLang="ko-KR" sz="1200" kern="100" dirty="0">
+                <a:solidFill>
+                  <a:srgbClr val="111111"/>
+                </a:solidFill>
+                <a:effectLst/>
+                <a:latin typeface="Segoe UI" panose="020B0502040204020203" pitchFamily="34" charset="0"/>
+                <a:ea typeface="맑은 고딕" panose="020B0503020000020004" pitchFamily="50" charset="-127"/>
+                <a:cs typeface="Segoe UI" panose="020B0502040204020203" pitchFamily="34" charset="0"/>
+              </a:rPr>
+              <a:t>순으로</a:t>
+            </a:r>
+            <a:r>
+              <a:rPr lang="ko-KR" altLang="ko-KR" sz="1200" kern="100" dirty="0">
+                <a:solidFill>
+                  <a:srgbClr val="111111"/>
+                </a:solidFill>
+                <a:effectLst/>
+                <a:latin typeface="맑은 고딕" panose="020B0503020000020004" pitchFamily="50" charset="-127"/>
+                <a:ea typeface="Segoe UI" panose="020B0502040204020203" pitchFamily="34" charset="0"/>
+                <a:cs typeface="Times New Roman" panose="02020603050405020304" pitchFamily="18" charset="0"/>
+              </a:rPr>
+              <a:t> </a:t>
+            </a:r>
+            <a:r>
+              <a:rPr lang="en-US" altLang="ko-KR" sz="1200" kern="100" dirty="0">
+                <a:solidFill>
+                  <a:srgbClr val="111111"/>
+                </a:solidFill>
+                <a:effectLst/>
+                <a:latin typeface="맑은 고딕" panose="020B0503020000020004" pitchFamily="50" charset="-127"/>
+                <a:ea typeface="Segoe UI" panose="020B0502040204020203" pitchFamily="34" charset="0"/>
+                <a:cs typeface="Times New Roman" panose="02020603050405020304" pitchFamily="18" charset="0"/>
+              </a:rPr>
+              <a:t>n</a:t>
+            </a:r>
+            <a:r>
+              <a:rPr lang="ko-KR" altLang="ko-KR" sz="1200" kern="100" dirty="0">
+                <a:solidFill>
+                  <a:srgbClr val="111111"/>
+                </a:solidFill>
+                <a:effectLst/>
+                <a:latin typeface="Segoe UI" panose="020B0502040204020203" pitchFamily="34" charset="0"/>
+                <a:ea typeface="맑은 고딕" panose="020B0503020000020004" pitchFamily="50" charset="-127"/>
+                <a:cs typeface="Segoe UI" panose="020B0502040204020203" pitchFamily="34" charset="0"/>
+              </a:rPr>
+              <a:t>개의</a:t>
+            </a:r>
+            <a:r>
+              <a:rPr lang="ko-KR" altLang="ko-KR" sz="1200" kern="100" dirty="0">
+                <a:solidFill>
+                  <a:srgbClr val="111111"/>
+                </a:solidFill>
+                <a:effectLst/>
+                <a:latin typeface="맑은 고딕" panose="020B0503020000020004" pitchFamily="50" charset="-127"/>
+                <a:ea typeface="Segoe UI" panose="020B0502040204020203" pitchFamily="34" charset="0"/>
+                <a:cs typeface="Times New Roman" panose="02020603050405020304" pitchFamily="18" charset="0"/>
+              </a:rPr>
+              <a:t> </a:t>
+            </a:r>
+            <a:r>
+              <a:rPr lang="ko-KR" altLang="ko-KR" sz="1200" kern="100" dirty="0">
+                <a:solidFill>
+                  <a:srgbClr val="111111"/>
+                </a:solidFill>
+                <a:effectLst/>
+                <a:latin typeface="Segoe UI" panose="020B0502040204020203" pitchFamily="34" charset="0"/>
+                <a:ea typeface="맑은 고딕" panose="020B0503020000020004" pitchFamily="50" charset="-127"/>
+                <a:cs typeface="Segoe UI" panose="020B0502040204020203" pitchFamily="34" charset="0"/>
+              </a:rPr>
+              <a:t>문장을</a:t>
+            </a:r>
+            <a:r>
+              <a:rPr lang="ko-KR" altLang="ko-KR" sz="1200" kern="100" dirty="0">
+                <a:solidFill>
+                  <a:srgbClr val="111111"/>
+                </a:solidFill>
+                <a:effectLst/>
+                <a:latin typeface="맑은 고딕" panose="020B0503020000020004" pitchFamily="50" charset="-127"/>
+                <a:ea typeface="Segoe UI" panose="020B0502040204020203" pitchFamily="34" charset="0"/>
+                <a:cs typeface="Times New Roman" panose="02020603050405020304" pitchFamily="18" charset="0"/>
+              </a:rPr>
+              <a:t> </a:t>
+            </a:r>
+            <a:r>
+              <a:rPr lang="ko-KR" altLang="ko-KR" sz="1200" kern="100" dirty="0">
+                <a:solidFill>
+                  <a:srgbClr val="111111"/>
+                </a:solidFill>
+                <a:effectLst/>
+                <a:latin typeface="Segoe UI" panose="020B0502040204020203" pitchFamily="34" charset="0"/>
+                <a:ea typeface="맑은 고딕" panose="020B0503020000020004" pitchFamily="50" charset="-127"/>
+                <a:cs typeface="Segoe UI" panose="020B0502040204020203" pitchFamily="34" charset="0"/>
+              </a:rPr>
+              <a:t>뽑아</a:t>
+            </a:r>
+            <a:r>
+              <a:rPr lang="ko-KR" altLang="ko-KR" sz="1200" kern="100" dirty="0">
+                <a:solidFill>
+                  <a:srgbClr val="111111"/>
+                </a:solidFill>
+                <a:effectLst/>
+                <a:latin typeface="맑은 고딕" panose="020B0503020000020004" pitchFamily="50" charset="-127"/>
+                <a:ea typeface="Segoe UI" panose="020B0502040204020203" pitchFamily="34" charset="0"/>
+                <a:cs typeface="Times New Roman" panose="02020603050405020304" pitchFamily="18" charset="0"/>
+              </a:rPr>
+              <a:t> </a:t>
+            </a:r>
+            <a:r>
+              <a:rPr lang="ko-KR" altLang="ko-KR" sz="1200" kern="100" dirty="0">
+                <a:solidFill>
+                  <a:srgbClr val="111111"/>
+                </a:solidFill>
+                <a:effectLst/>
+                <a:latin typeface="Segoe UI" panose="020B0502040204020203" pitchFamily="34" charset="0"/>
+                <a:ea typeface="맑은 고딕" panose="020B0503020000020004" pitchFamily="50" charset="-127"/>
+                <a:cs typeface="Segoe UI" panose="020B0502040204020203" pitchFamily="34" charset="0"/>
+              </a:rPr>
+              <a:t>만든다</a:t>
+            </a:r>
+            <a:r>
+              <a:rPr lang="en-US" altLang="ko-KR" sz="1200" kern="100" dirty="0">
+                <a:solidFill>
+                  <a:srgbClr val="111111"/>
+                </a:solidFill>
+                <a:effectLst/>
+                <a:latin typeface="Segoe UI" panose="020B0502040204020203" pitchFamily="34" charset="0"/>
+                <a:ea typeface="맑은 고딕" panose="020B0503020000020004" pitchFamily="50" charset="-127"/>
+                <a:cs typeface="Times New Roman" panose="02020603050405020304" pitchFamily="18" charset="0"/>
+              </a:rPr>
+              <a:t>. </a:t>
+            </a:r>
+          </a:p>
+          <a:p>
+            <a:pPr marL="342900" indent="-342900" algn="just" latinLnBrk="1">
+              <a:lnSpc>
+                <a:spcPct val="107000"/>
+              </a:lnSpc>
+              <a:spcAft>
+                <a:spcPts val="800"/>
+              </a:spcAft>
+              <a:buAutoNum type="arabicPeriod"/>
+            </a:pPr>
+            <a:r>
+              <a:rPr lang="ko-KR" altLang="ko-KR" sz="1200" kern="100" dirty="0">
+                <a:solidFill>
+                  <a:srgbClr val="111111"/>
+                </a:solidFill>
+                <a:effectLst/>
+                <a:latin typeface="Segoe UI" panose="020B0502040204020203" pitchFamily="34" charset="0"/>
+                <a:ea typeface="맑은 고딕" panose="020B0503020000020004" pitchFamily="50" charset="-127"/>
+                <a:cs typeface="Segoe UI" panose="020B0502040204020203" pitchFamily="34" charset="0"/>
+              </a:rPr>
+              <a:t>생성요약</a:t>
+            </a:r>
+            <a:r>
+              <a:rPr lang="en-US" altLang="ko-KR" sz="1200" kern="100" dirty="0">
+                <a:solidFill>
+                  <a:srgbClr val="111111"/>
+                </a:solidFill>
+                <a:effectLst/>
+                <a:latin typeface="Segoe UI" panose="020B0502040204020203" pitchFamily="34" charset="0"/>
+                <a:ea typeface="맑은 고딕" panose="020B0503020000020004" pitchFamily="50" charset="-127"/>
+                <a:cs typeface="Times New Roman" panose="02020603050405020304" pitchFamily="18" charset="0"/>
+              </a:rPr>
+              <a:t>(abstraction) =&gt; </a:t>
+            </a:r>
+            <a:r>
+              <a:rPr lang="ko-KR" altLang="ko-KR" sz="1200" kern="100" dirty="0">
+                <a:solidFill>
+                  <a:srgbClr val="111111"/>
+                </a:solidFill>
+                <a:effectLst/>
+                <a:latin typeface="Segoe UI" panose="020B0502040204020203" pitchFamily="34" charset="0"/>
+                <a:ea typeface="맑은 고딕" panose="020B0503020000020004" pitchFamily="50" charset="-127"/>
+                <a:cs typeface="Segoe UI" panose="020B0502040204020203" pitchFamily="34" charset="0"/>
+              </a:rPr>
+              <a:t>의미가</a:t>
+            </a:r>
+            <a:r>
+              <a:rPr lang="ko-KR" altLang="ko-KR" sz="1200" kern="100" dirty="0">
+                <a:solidFill>
+                  <a:srgbClr val="111111"/>
+                </a:solidFill>
+                <a:effectLst/>
+                <a:latin typeface="맑은 고딕" panose="020B0503020000020004" pitchFamily="50" charset="-127"/>
+                <a:ea typeface="Segoe UI" panose="020B0502040204020203" pitchFamily="34" charset="0"/>
+                <a:cs typeface="Times New Roman" panose="02020603050405020304" pitchFamily="18" charset="0"/>
+              </a:rPr>
+              <a:t> </a:t>
+            </a:r>
+            <a:r>
+              <a:rPr lang="ko-KR" altLang="ko-KR" sz="1200" kern="100" dirty="0">
+                <a:solidFill>
+                  <a:srgbClr val="111111"/>
+                </a:solidFill>
+                <a:effectLst/>
+                <a:latin typeface="Segoe UI" panose="020B0502040204020203" pitchFamily="34" charset="0"/>
+                <a:ea typeface="맑은 고딕" panose="020B0503020000020004" pitchFamily="50" charset="-127"/>
+                <a:cs typeface="Segoe UI" panose="020B0502040204020203" pitchFamily="34" charset="0"/>
+              </a:rPr>
+              <a:t>바뀌지</a:t>
+            </a:r>
+            <a:r>
+              <a:rPr lang="ko-KR" altLang="ko-KR" sz="1200" kern="100" dirty="0">
+                <a:solidFill>
+                  <a:srgbClr val="111111"/>
+                </a:solidFill>
+                <a:effectLst/>
+                <a:latin typeface="맑은 고딕" panose="020B0503020000020004" pitchFamily="50" charset="-127"/>
+                <a:ea typeface="Segoe UI" panose="020B0502040204020203" pitchFamily="34" charset="0"/>
+                <a:cs typeface="Times New Roman" panose="02020603050405020304" pitchFamily="18" charset="0"/>
+              </a:rPr>
+              <a:t> </a:t>
+            </a:r>
+            <a:r>
+              <a:rPr lang="ko-KR" altLang="ko-KR" sz="1200" kern="100" dirty="0">
+                <a:solidFill>
+                  <a:srgbClr val="111111"/>
+                </a:solidFill>
+                <a:effectLst/>
+                <a:latin typeface="Segoe UI" panose="020B0502040204020203" pitchFamily="34" charset="0"/>
+                <a:ea typeface="맑은 고딕" panose="020B0503020000020004" pitchFamily="50" charset="-127"/>
+                <a:cs typeface="Segoe UI" panose="020B0502040204020203" pitchFamily="34" charset="0"/>
+              </a:rPr>
+              <a:t>않은</a:t>
+            </a:r>
+            <a:r>
+              <a:rPr lang="ko-KR" altLang="ko-KR" sz="1200" kern="100" dirty="0">
+                <a:solidFill>
+                  <a:srgbClr val="111111"/>
+                </a:solidFill>
+                <a:effectLst/>
+                <a:latin typeface="맑은 고딕" panose="020B0503020000020004" pitchFamily="50" charset="-127"/>
+                <a:ea typeface="Segoe UI" panose="020B0502040204020203" pitchFamily="34" charset="0"/>
+                <a:cs typeface="Times New Roman" panose="02020603050405020304" pitchFamily="18" charset="0"/>
+              </a:rPr>
+              <a:t> </a:t>
+            </a:r>
+            <a:r>
+              <a:rPr lang="ko-KR" altLang="ko-KR" sz="1200" kern="100" dirty="0">
+                <a:solidFill>
+                  <a:srgbClr val="111111"/>
+                </a:solidFill>
+                <a:effectLst/>
+                <a:latin typeface="Segoe UI" panose="020B0502040204020203" pitchFamily="34" charset="0"/>
+                <a:ea typeface="맑은 고딕" panose="020B0503020000020004" pitchFamily="50" charset="-127"/>
+                <a:cs typeface="Segoe UI" panose="020B0502040204020203" pitchFamily="34" charset="0"/>
+              </a:rPr>
+              <a:t>선에서</a:t>
+            </a:r>
+            <a:r>
+              <a:rPr lang="ko-KR" altLang="ko-KR" sz="1200" kern="100" dirty="0">
+                <a:solidFill>
+                  <a:srgbClr val="111111"/>
+                </a:solidFill>
+                <a:effectLst/>
+                <a:latin typeface="맑은 고딕" panose="020B0503020000020004" pitchFamily="50" charset="-127"/>
+                <a:ea typeface="Segoe UI" panose="020B0502040204020203" pitchFamily="34" charset="0"/>
+                <a:cs typeface="Times New Roman" panose="02020603050405020304" pitchFamily="18" charset="0"/>
+              </a:rPr>
+              <a:t> </a:t>
+            </a:r>
+            <a:r>
+              <a:rPr lang="ko-KR" altLang="ko-KR" sz="1200" kern="100" dirty="0">
+                <a:solidFill>
+                  <a:srgbClr val="111111"/>
+                </a:solidFill>
+                <a:effectLst/>
+                <a:latin typeface="Segoe UI" panose="020B0502040204020203" pitchFamily="34" charset="0"/>
+                <a:ea typeface="맑은 고딕" panose="020B0503020000020004" pitchFamily="50" charset="-127"/>
+                <a:cs typeface="Segoe UI" panose="020B0502040204020203" pitchFamily="34" charset="0"/>
+              </a:rPr>
+              <a:t>문서에서</a:t>
+            </a:r>
+            <a:r>
+              <a:rPr lang="ko-KR" altLang="ko-KR" sz="1200" kern="100" dirty="0">
+                <a:solidFill>
+                  <a:srgbClr val="111111"/>
+                </a:solidFill>
+                <a:effectLst/>
+                <a:latin typeface="맑은 고딕" panose="020B0503020000020004" pitchFamily="50" charset="-127"/>
+                <a:ea typeface="Segoe UI" panose="020B0502040204020203" pitchFamily="34" charset="0"/>
+                <a:cs typeface="Times New Roman" panose="02020603050405020304" pitchFamily="18" charset="0"/>
+              </a:rPr>
+              <a:t> </a:t>
+            </a:r>
+            <a:r>
+              <a:rPr lang="ko-KR" altLang="ko-KR" sz="1200" kern="100" dirty="0">
+                <a:solidFill>
+                  <a:srgbClr val="111111"/>
+                </a:solidFill>
+                <a:effectLst/>
+                <a:latin typeface="Segoe UI" panose="020B0502040204020203" pitchFamily="34" charset="0"/>
+                <a:ea typeface="맑은 고딕" panose="020B0503020000020004" pitchFamily="50" charset="-127"/>
+                <a:cs typeface="Segoe UI" panose="020B0502040204020203" pitchFamily="34" charset="0"/>
+              </a:rPr>
+              <a:t>쓰이지</a:t>
+            </a:r>
+            <a:r>
+              <a:rPr lang="ko-KR" altLang="ko-KR" sz="1200" kern="100" dirty="0">
+                <a:solidFill>
+                  <a:srgbClr val="111111"/>
+                </a:solidFill>
+                <a:effectLst/>
+                <a:latin typeface="맑은 고딕" panose="020B0503020000020004" pitchFamily="50" charset="-127"/>
+                <a:ea typeface="Segoe UI" panose="020B0502040204020203" pitchFamily="34" charset="0"/>
+                <a:cs typeface="Times New Roman" panose="02020603050405020304" pitchFamily="18" charset="0"/>
+              </a:rPr>
+              <a:t> </a:t>
+            </a:r>
+            <a:r>
+              <a:rPr lang="ko-KR" altLang="ko-KR" sz="1200" kern="100" dirty="0">
+                <a:solidFill>
+                  <a:srgbClr val="111111"/>
+                </a:solidFill>
+                <a:effectLst/>
+                <a:latin typeface="Segoe UI" panose="020B0502040204020203" pitchFamily="34" charset="0"/>
+                <a:ea typeface="맑은 고딕" panose="020B0503020000020004" pitchFamily="50" charset="-127"/>
+                <a:cs typeface="Segoe UI" panose="020B0502040204020203" pitchFamily="34" charset="0"/>
+              </a:rPr>
+              <a:t>않은</a:t>
+            </a:r>
+            <a:r>
+              <a:rPr lang="ko-KR" altLang="ko-KR" sz="1200" kern="100" dirty="0">
+                <a:solidFill>
+                  <a:srgbClr val="111111"/>
+                </a:solidFill>
+                <a:effectLst/>
+                <a:latin typeface="맑은 고딕" panose="020B0503020000020004" pitchFamily="50" charset="-127"/>
+                <a:ea typeface="Segoe UI" panose="020B0502040204020203" pitchFamily="34" charset="0"/>
+                <a:cs typeface="Times New Roman" panose="02020603050405020304" pitchFamily="18" charset="0"/>
+              </a:rPr>
+              <a:t> </a:t>
+            </a:r>
+            <a:r>
+              <a:rPr lang="ko-KR" altLang="ko-KR" sz="1200" kern="100" dirty="0">
+                <a:solidFill>
+                  <a:srgbClr val="111111"/>
+                </a:solidFill>
+                <a:effectLst/>
+                <a:latin typeface="Segoe UI" panose="020B0502040204020203" pitchFamily="34" charset="0"/>
+                <a:ea typeface="맑은 고딕" panose="020B0503020000020004" pitchFamily="50" charset="-127"/>
+                <a:cs typeface="Segoe UI" panose="020B0502040204020203" pitchFamily="34" charset="0"/>
+              </a:rPr>
+              <a:t>단어</a:t>
+            </a:r>
+            <a:r>
+              <a:rPr lang="ko-KR" altLang="ko-KR" sz="1200" kern="100" dirty="0">
+                <a:solidFill>
+                  <a:srgbClr val="111111"/>
+                </a:solidFill>
+                <a:effectLst/>
+                <a:latin typeface="맑은 고딕" panose="020B0503020000020004" pitchFamily="50" charset="-127"/>
+                <a:ea typeface="Segoe UI" panose="020B0502040204020203" pitchFamily="34" charset="0"/>
+                <a:cs typeface="Times New Roman" panose="02020603050405020304" pitchFamily="18" charset="0"/>
+              </a:rPr>
+              <a:t> </a:t>
+            </a:r>
+            <a:r>
+              <a:rPr lang="ko-KR" altLang="ko-KR" sz="1200" kern="100" dirty="0">
+                <a:solidFill>
+                  <a:srgbClr val="111111"/>
+                </a:solidFill>
+                <a:effectLst/>
+                <a:latin typeface="Segoe UI" panose="020B0502040204020203" pitchFamily="34" charset="0"/>
+                <a:ea typeface="맑은 고딕" panose="020B0503020000020004" pitchFamily="50" charset="-127"/>
+                <a:cs typeface="Segoe UI" panose="020B0502040204020203" pitchFamily="34" charset="0"/>
+              </a:rPr>
+              <a:t>또는</a:t>
+            </a:r>
+            <a:r>
+              <a:rPr lang="ko-KR" altLang="ko-KR" sz="1200" kern="100" dirty="0">
+                <a:solidFill>
+                  <a:srgbClr val="111111"/>
+                </a:solidFill>
+                <a:effectLst/>
+                <a:latin typeface="맑은 고딕" panose="020B0503020000020004" pitchFamily="50" charset="-127"/>
+                <a:ea typeface="Segoe UI" panose="020B0502040204020203" pitchFamily="34" charset="0"/>
+                <a:cs typeface="Times New Roman" panose="02020603050405020304" pitchFamily="18" charset="0"/>
+              </a:rPr>
+              <a:t> </a:t>
+            </a:r>
+            <a:r>
+              <a:rPr lang="ko-KR" altLang="ko-KR" sz="1200" kern="100" dirty="0">
+                <a:solidFill>
+                  <a:srgbClr val="111111"/>
+                </a:solidFill>
+                <a:effectLst/>
+                <a:latin typeface="Segoe UI" panose="020B0502040204020203" pitchFamily="34" charset="0"/>
+                <a:ea typeface="맑은 고딕" panose="020B0503020000020004" pitchFamily="50" charset="-127"/>
+                <a:cs typeface="Segoe UI" panose="020B0502040204020203" pitchFamily="34" charset="0"/>
+              </a:rPr>
+              <a:t>표현을</a:t>
+            </a:r>
+            <a:r>
+              <a:rPr lang="ko-KR" altLang="ko-KR" sz="1200" kern="100" dirty="0">
+                <a:solidFill>
+                  <a:srgbClr val="111111"/>
+                </a:solidFill>
+                <a:effectLst/>
+                <a:latin typeface="맑은 고딕" panose="020B0503020000020004" pitchFamily="50" charset="-127"/>
+                <a:ea typeface="Segoe UI" panose="020B0502040204020203" pitchFamily="34" charset="0"/>
+                <a:cs typeface="Times New Roman" panose="02020603050405020304" pitchFamily="18" charset="0"/>
+              </a:rPr>
+              <a:t> </a:t>
+            </a:r>
+            <a:r>
+              <a:rPr lang="ko-KR" altLang="ko-KR" sz="1200" kern="100" dirty="0">
+                <a:solidFill>
+                  <a:srgbClr val="111111"/>
+                </a:solidFill>
+                <a:effectLst/>
+                <a:latin typeface="Segoe UI" panose="020B0502040204020203" pitchFamily="34" charset="0"/>
+                <a:ea typeface="맑은 고딕" panose="020B0503020000020004" pitchFamily="50" charset="-127"/>
+                <a:cs typeface="Segoe UI" panose="020B0502040204020203" pitchFamily="34" charset="0"/>
+              </a:rPr>
+              <a:t>이용해</a:t>
+            </a:r>
+            <a:r>
+              <a:rPr lang="ko-KR" altLang="ko-KR" sz="1200" kern="100" dirty="0">
+                <a:solidFill>
+                  <a:srgbClr val="111111"/>
+                </a:solidFill>
+                <a:effectLst/>
+                <a:latin typeface="맑은 고딕" panose="020B0503020000020004" pitchFamily="50" charset="-127"/>
+                <a:ea typeface="Segoe UI" panose="020B0502040204020203" pitchFamily="34" charset="0"/>
+                <a:cs typeface="Times New Roman" panose="02020603050405020304" pitchFamily="18" charset="0"/>
+              </a:rPr>
+              <a:t> </a:t>
+            </a:r>
+            <a:r>
+              <a:rPr lang="ko-KR" altLang="ko-KR" sz="1200" kern="100" dirty="0">
+                <a:solidFill>
+                  <a:srgbClr val="111111"/>
+                </a:solidFill>
+                <a:effectLst/>
+                <a:latin typeface="Segoe UI" panose="020B0502040204020203" pitchFamily="34" charset="0"/>
+                <a:ea typeface="맑은 고딕" panose="020B0503020000020004" pitchFamily="50" charset="-127"/>
+                <a:cs typeface="Segoe UI" panose="020B0502040204020203" pitchFamily="34" charset="0"/>
+              </a:rPr>
+              <a:t>문장을</a:t>
+            </a:r>
+            <a:r>
+              <a:rPr lang="ko-KR" altLang="ko-KR" sz="1200" kern="100" dirty="0">
+                <a:solidFill>
+                  <a:srgbClr val="111111"/>
+                </a:solidFill>
+                <a:effectLst/>
+                <a:latin typeface="맑은 고딕" panose="020B0503020000020004" pitchFamily="50" charset="-127"/>
+                <a:ea typeface="Segoe UI" panose="020B0502040204020203" pitchFamily="34" charset="0"/>
+                <a:cs typeface="Times New Roman" panose="02020603050405020304" pitchFamily="18" charset="0"/>
+              </a:rPr>
+              <a:t> </a:t>
+            </a:r>
+            <a:r>
+              <a:rPr lang="ko-KR" altLang="ko-KR" sz="1200" kern="100" dirty="0">
+                <a:solidFill>
+                  <a:srgbClr val="111111"/>
+                </a:solidFill>
+                <a:effectLst/>
+                <a:latin typeface="Segoe UI" panose="020B0502040204020203" pitchFamily="34" charset="0"/>
+                <a:ea typeface="맑은 고딕" panose="020B0503020000020004" pitchFamily="50" charset="-127"/>
+                <a:cs typeface="Segoe UI" panose="020B0502040204020203" pitchFamily="34" charset="0"/>
+              </a:rPr>
+              <a:t>만들어낸다</a:t>
+            </a:r>
+            <a:r>
+              <a:rPr lang="en-US" altLang="ko-KR" sz="1200" kern="100" dirty="0">
+                <a:solidFill>
+                  <a:srgbClr val="111111"/>
+                </a:solidFill>
+                <a:effectLst/>
+                <a:latin typeface="Segoe UI" panose="020B0502040204020203" pitchFamily="34" charset="0"/>
+                <a:ea typeface="맑은 고딕" panose="020B0503020000020004" pitchFamily="50" charset="-127"/>
+                <a:cs typeface="Times New Roman" panose="02020603050405020304" pitchFamily="18" charset="0"/>
+              </a:rPr>
+              <a:t>.</a:t>
+            </a:r>
+          </a:p>
+          <a:p>
+            <a:endParaRPr lang="en-US" altLang="ko-KR" dirty="0"/>
+          </a:p>
+          <a:p>
+            <a:r>
+              <a:rPr lang="ko-KR" altLang="en-US" dirty="0"/>
+              <a:t>저희 조는 조금 더 자연스러운 요약문을 생성하기 위하여 </a:t>
+            </a:r>
+            <a:r>
+              <a:rPr lang="en-US" altLang="ko-KR" dirty="0"/>
+              <a:t>GPT</a:t>
+            </a:r>
+            <a:r>
+              <a:rPr lang="ko-KR" altLang="en-US" dirty="0"/>
+              <a:t>기반의 모델을 사용할 예정입니다</a:t>
+            </a:r>
+            <a:r>
+              <a:rPr lang="en-US" altLang="ko-KR" dirty="0"/>
+              <a:t>.</a:t>
+            </a:r>
             <a:endParaRPr lang="ko-KR" altLang="en-US" dirty="0"/>
           </a:p>
         </p:txBody>
@@ -988,6 +1875,16 @@
           <a:lstStyle/>
           <a:p>
             <a:r>
+              <a:rPr lang="ko-KR" altLang="en-US" b="0" i="0" dirty="0">
+                <a:solidFill>
+                  <a:srgbClr val="374151"/>
+                </a:solidFill>
+                <a:effectLst/>
+                <a:latin typeface="Söhne"/>
+              </a:rPr>
+              <a:t>저희가 사용할 화자 분리 모델은 다음과 같습니다</a:t>
+            </a:r>
+            <a:r>
               <a:rPr lang="en-US" altLang="ko-KR" b="0" i="0" dirty="0">
                 <a:solidFill>
                   <a:srgbClr val="374151"/>
@@ -995,7 +1892,7 @@
                 <a:effectLst/>
                 <a:latin typeface="Söhne"/>
               </a:rPr>
-              <a:t>SDR</a:t>
+              <a:t>. </a:t>
             </a:r>
             <a:r>
               <a:rPr lang="ko-KR" altLang="en-US" b="0" i="0" dirty="0">
@@ -1005,6 +1902,147 @@
                 <a:effectLst/>
                 <a:latin typeface="Söhne"/>
               </a:rPr>
+              <a:t>해당 그래프는 저희가 사용할 </a:t>
+            </a:r>
+            <a:r>
+              <a:rPr lang="en-US" altLang="ko-KR" b="0" i="0" dirty="0" err="1">
+                <a:solidFill>
+                  <a:srgbClr val="374151"/>
+                </a:solidFill>
+                <a:effectLst/>
+                <a:latin typeface="Söhne"/>
+              </a:rPr>
+              <a:t>Librimix</a:t>
+            </a:r>
+            <a:r>
+              <a:rPr lang="en-US" altLang="ko-KR" b="0" i="0" dirty="0">
+                <a:solidFill>
+                  <a:srgbClr val="374151"/>
+                </a:solidFill>
+                <a:effectLst/>
+                <a:latin typeface="Söhne"/>
+              </a:rPr>
+              <a:t> dataset</a:t>
+            </a:r>
+            <a:r>
+              <a:rPr lang="ko-KR" altLang="en-US" b="0" i="0" dirty="0">
+                <a:solidFill>
+                  <a:srgbClr val="374151"/>
+                </a:solidFill>
+                <a:effectLst/>
+                <a:latin typeface="Söhne"/>
+              </a:rPr>
+              <a:t>을 기준으로 한 </a:t>
+            </a:r>
+            <a:r>
+              <a:rPr lang="ko-KR" altLang="en-US" b="0" i="0" dirty="0" err="1">
+                <a:solidFill>
+                  <a:srgbClr val="374151"/>
+                </a:solidFill>
+                <a:effectLst/>
+                <a:latin typeface="Söhne"/>
+              </a:rPr>
+              <a:t>모델별</a:t>
+            </a:r>
+            <a:r>
+              <a:rPr lang="ko-KR" altLang="en-US" b="0" i="0" dirty="0">
+                <a:solidFill>
+                  <a:srgbClr val="374151"/>
+                </a:solidFill>
+                <a:effectLst/>
+                <a:latin typeface="Söhne"/>
+              </a:rPr>
+              <a:t> </a:t>
+            </a:r>
+            <a:r>
+              <a:rPr lang="en-US" altLang="ko-KR" b="0" i="0" dirty="0" err="1">
+                <a:solidFill>
+                  <a:srgbClr val="374151"/>
+                </a:solidFill>
+                <a:effectLst/>
+                <a:latin typeface="Söhne"/>
+              </a:rPr>
+              <a:t>SDRi</a:t>
+            </a:r>
+            <a:r>
+              <a:rPr lang="en-US" altLang="ko-KR" b="0" i="0" dirty="0">
+                <a:solidFill>
+                  <a:srgbClr val="374151"/>
+                </a:solidFill>
+                <a:effectLst/>
+                <a:latin typeface="Söhne"/>
+              </a:rPr>
+              <a:t> </a:t>
+            </a:r>
+            <a:r>
+              <a:rPr lang="ko-KR" altLang="en-US" b="0" i="0" dirty="0">
+                <a:solidFill>
+                  <a:srgbClr val="374151"/>
+                </a:solidFill>
+                <a:effectLst/>
+                <a:latin typeface="Söhne"/>
+              </a:rPr>
+              <a:t>성능비교 그래프 입니다</a:t>
+            </a:r>
+            <a:r>
+              <a:rPr lang="en-US" altLang="ko-KR" b="0" i="0" dirty="0">
+                <a:solidFill>
+                  <a:srgbClr val="374151"/>
+                </a:solidFill>
+                <a:effectLst/>
+                <a:latin typeface="Söhne"/>
+              </a:rPr>
+              <a:t>. </a:t>
+            </a:r>
+            <a:r>
+              <a:rPr lang="ko-KR" altLang="en-US" b="0" i="0" dirty="0">
+                <a:solidFill>
+                  <a:srgbClr val="374151"/>
+                </a:solidFill>
+                <a:effectLst/>
+                <a:latin typeface="Söhne"/>
+              </a:rPr>
+              <a:t>저희가 사용할 모델의 성능은 그래프의 해당 지점에 위치합니다</a:t>
+            </a:r>
+            <a:r>
+              <a:rPr lang="en-US" altLang="ko-KR" b="0" i="0" dirty="0">
+                <a:solidFill>
+                  <a:srgbClr val="374151"/>
+                </a:solidFill>
+                <a:effectLst/>
+                <a:latin typeface="Söhne"/>
+              </a:rPr>
+              <a:t>. </a:t>
+            </a:r>
+          </a:p>
+          <a:p>
+            <a:endParaRPr lang="en-US" altLang="ko-KR" b="0" i="0" dirty="0">
+              <a:solidFill>
+                <a:srgbClr val="374151"/>
+              </a:solidFill>
+              <a:effectLst/>
+              <a:latin typeface="Söhne"/>
+            </a:endParaRPr>
+          </a:p>
+          <a:p>
+            <a:r>
+              <a:rPr lang="en-US" altLang="ko-KR" b="0" i="0" dirty="0" err="1">
+                <a:solidFill>
+                  <a:srgbClr val="374151"/>
+                </a:solidFill>
+                <a:effectLst/>
+                <a:latin typeface="Söhne"/>
+              </a:rPr>
+              <a:t>SDRi</a:t>
+            </a:r>
+            <a:r>
+              <a:rPr lang="ko-KR" altLang="en-US" b="0" i="0" dirty="0">
+                <a:solidFill>
+                  <a:srgbClr val="374151"/>
+                </a:solidFill>
+                <a:effectLst/>
+                <a:latin typeface="Söhne"/>
+              </a:rPr>
               <a:t>은 분리된 음성 신호와 원본 음성 신호 간의 신호 대 신호 비</a:t>
             </a:r>
             <a:r>
@@ -1025,7 +2063,7 @@
                 <a:effectLst/>
                 <a:latin typeface="Söhne"/>
               </a:rPr>
-              <a:t>를 계산한 것입니다</a:t>
+              <a:t>를 계산한 것으로 다음과 같이 비교됩니다</a:t>
             </a:r>
             <a:r>
               <a:rPr lang="en-US" altLang="ko-KR" b="0" i="0" dirty="0">
@@ -1120,6 +2158,130 @@
           <a:bodyPr/>
           <a:lstStyle/>
           <a:p>
+            <a:pPr marL="0" marR="0" lvl="0" indent="0" algn="l" defTabSz="914400" rtl="0" eaLnBrk="1" fontAlgn="auto" latinLnBrk="1" hangingPunct="1">
+              <a:lnSpc>
+                <a:spcPct val="100000"/>
+              </a:lnSpc>
+              <a:spcBef>
+                <a:spcPts val="0"/>
+              </a:spcBef>
+              <a:spcAft>
+                <a:spcPts val="0"/>
+              </a:spcAft>
+              <a:buClrTx/>
+              <a:buSzTx/>
+              <a:buFontTx/>
+              <a:buNone/>
+              <a:tabLst/>
+              <a:defRPr/>
+            </a:pPr>
+            <a:r>
+              <a:rPr lang="ko-KR" altLang="en-US" dirty="0"/>
+              <a:t>저희가 </a:t>
+            </a:r>
+            <a:r>
+              <a:rPr lang="en-US" altLang="ko-KR" dirty="0"/>
+              <a:t>STT</a:t>
+            </a:r>
+            <a:r>
+              <a:rPr lang="ko-KR" altLang="en-US" dirty="0"/>
+              <a:t>모델을 학습할 때 사용할 음성 데이터는 </a:t>
+            </a:r>
+            <a:r>
+              <a:rPr lang="en-US" altLang="ko-KR" dirty="0" err="1"/>
+              <a:t>ksponspeech</a:t>
+            </a:r>
+            <a:r>
+              <a:rPr lang="ko-KR" altLang="en-US" dirty="0"/>
+              <a:t>입니다</a:t>
+            </a:r>
+            <a:r>
+              <a:rPr lang="en-US" altLang="ko-KR" dirty="0"/>
+              <a:t>. </a:t>
+            </a:r>
+            <a:r>
+              <a:rPr lang="ko-KR" altLang="en-US" b="0" i="0" dirty="0">
+                <a:solidFill>
+                  <a:srgbClr val="ECECEC"/>
+                </a:solidFill>
+                <a:effectLst/>
+                <a:latin typeface="-apple-system"/>
+              </a:rPr>
+              <a:t>해당 데이터셋은 약 </a:t>
+            </a:r>
+            <a:r>
+              <a:rPr lang="en-US" altLang="ko-KR" b="0" i="0" dirty="0">
+                <a:solidFill>
+                  <a:srgbClr val="ECECEC"/>
+                </a:solidFill>
+                <a:effectLst/>
+                <a:latin typeface="-apple-system"/>
+              </a:rPr>
+              <a:t>2000</a:t>
+            </a:r>
+            <a:r>
+              <a:rPr lang="ko-KR" altLang="en-US" b="0" i="0" dirty="0">
+                <a:solidFill>
+                  <a:srgbClr val="ECECEC"/>
+                </a:solidFill>
+                <a:effectLst/>
+                <a:latin typeface="-apple-system"/>
+              </a:rPr>
+              <a:t>여명의 </a:t>
+            </a:r>
+            <a:r>
+              <a:rPr lang="en-US" altLang="ko-KR" b="0" i="0" dirty="0">
+                <a:solidFill>
+                  <a:srgbClr val="ECECEC"/>
+                </a:solidFill>
+                <a:effectLst/>
+                <a:latin typeface="-apple-system"/>
+              </a:rPr>
+              <a:t>1,000</a:t>
+            </a:r>
+            <a:r>
+              <a:rPr lang="ko-KR" altLang="en-US" b="0" i="0" dirty="0">
+                <a:solidFill>
+                  <a:srgbClr val="ECECEC"/>
+                </a:solidFill>
+                <a:effectLst/>
+                <a:latin typeface="-apple-system"/>
+              </a:rPr>
+              <a:t>시간의 한국어 음성 데이터와 텍스트의 형태로 제공됩니다</a:t>
+            </a:r>
+            <a:r>
+              <a:rPr lang="en-US" altLang="ko-KR" b="0" i="0" dirty="0">
+                <a:solidFill>
+                  <a:srgbClr val="ECECEC"/>
+                </a:solidFill>
+                <a:effectLst/>
+                <a:latin typeface="-apple-system"/>
+              </a:rPr>
+              <a:t>. </a:t>
+            </a:r>
+            <a:r>
+              <a:rPr lang="ko-KR" altLang="en-US" b="0" i="0" dirty="0">
+                <a:solidFill>
+                  <a:srgbClr val="ECECEC"/>
+                </a:solidFill>
+                <a:effectLst/>
+                <a:latin typeface="-apple-system"/>
+              </a:rPr>
+              <a:t>두 사람이 다양한 주제로 대화하는 음성을 녹음하였습니다</a:t>
+            </a:r>
+            <a:r>
+              <a:rPr lang="en-US" altLang="ko-KR" b="0" i="0" dirty="0">
+                <a:solidFill>
+                  <a:srgbClr val="ECECEC"/>
+                </a:solidFill>
+                <a:effectLst/>
+                <a:latin typeface="-apple-system"/>
+              </a:rPr>
+              <a:t>. </a:t>
+            </a:r>
+            <a:endParaRPr lang="en-US" altLang="ko-KR" dirty="0"/>
+          </a:p>
+          <a:p>
             <a:endParaRPr lang="ko-KR" altLang="en-US" dirty="0"/>
           </a:p>
         </p:txBody>
@@ -1141,6 +2303,777 @@
           <a:p>
             <a:fld id="{928C4006-D583-4434-A25D-662BACC4BC65}" type="slidenum">
               <a:rPr lang="ko-KR" altLang="en-US" smtClean="0"/>
+              <a:t>11</a:t>
+            </a:fld>
+            <a:endParaRPr lang="ko-KR" altLang="en-US"/>
+          </a:p>
+        </p:txBody>
+      </p:sp>
+    </p:spTree>
+    <p:extLst>
+      <p:ext uri="{BB962C8B-B14F-4D97-AF65-F5344CB8AC3E}">
+        <p14:creationId xmlns:p14="http://schemas.microsoft.com/office/powerpoint/2010/main" val="1365161112"/>
+      </p:ext>
+    </p:extLst>
+  </p:cSld>
+  <p:clrMapOvr>
+    <a:masterClrMapping/>
+  </p:clrMapOvr>
+</p:notes>
+</file>
+
+<file path=ppt/notesSlides/notesSlide4.xml><?xml version="1.0" encoding="utf-8"?>
+<p:notes xmlns:a="http://schemas.openxmlformats.org/drawingml/2006/main" xmlns:r="http://schemas.openxmlformats.org/officeDocument/2006/relationships" xmlns:p="http://schemas.openxmlformats.org/presentationml/2006/main">
+  <p:cSld>
+    <p:spTree>
+      <p:nvGrpSpPr>
+        <p:cNvPr id="1" name=""/>
+        <p:cNvGrpSpPr/>
+        <p:nvPr/>
+      </p:nvGrpSpPr>
+      <p:grpSpPr>
+        <a:xfrm>
+          <a:off x="0" y="0"/>
+          <a:ext cx="0" cy="0"/>
+          <a:chOff x="0" y="0"/>
+          <a:chExt cx="0" cy="0"/>
+        </a:xfrm>
+      </p:grpSpPr>
+      <p:sp>
+        <p:nvSpPr>
+          <p:cNvPr id="2" name="슬라이드 이미지 개체 틀 1"/>
+          <p:cNvSpPr>
+            <a:spLocks noGrp="1" noRot="1" noChangeAspect="1"/>
+          </p:cNvSpPr>
+          <p:nvPr>
+            <p:ph type="sldImg"/>
+          </p:nvPr>
+        </p:nvSpPr>
+        <p:spPr/>
+      </p:sp>
+      <p:sp>
+        <p:nvSpPr>
+          <p:cNvPr id="3" name="슬라이드 노트 개체 틀 2"/>
+          <p:cNvSpPr>
+            <a:spLocks noGrp="1"/>
+          </p:cNvSpPr>
+          <p:nvPr>
+            <p:ph type="body" idx="1"/>
+          </p:nvPr>
+        </p:nvSpPr>
+        <p:spPr/>
+        <p:txBody>
+          <a:bodyPr/>
+          <a:lstStyle/>
+          <a:p>
+            <a:r>
+              <a:rPr lang="ko-KR" altLang="en-US" dirty="0"/>
+              <a:t>저희가 요약문 생성시 사용할 학습데이터는 다음과 같습니다</a:t>
+            </a:r>
+            <a:r>
+              <a:rPr lang="en-US" altLang="ko-KR" dirty="0"/>
+              <a:t>. </a:t>
+            </a:r>
+            <a:r>
+              <a:rPr lang="ko-KR" altLang="en-US" dirty="0"/>
+              <a:t>해당 데이터 셋은 다양한 방송 콘텐츠 대본 데이터로부터 생성 요약문을 도출한 방송 콘텐츠 대본 요약 </a:t>
+            </a:r>
+            <a:r>
+              <a:rPr lang="en-US" altLang="ko-KR" dirty="0"/>
+              <a:t>AI </a:t>
+            </a:r>
+            <a:r>
+              <a:rPr lang="ko-KR" altLang="en-US" dirty="0" err="1"/>
+              <a:t>데이터셋입니다</a:t>
+            </a:r>
+            <a:r>
+              <a:rPr lang="en-US" altLang="ko-KR" dirty="0"/>
+              <a:t>. </a:t>
+            </a:r>
+            <a:r>
+              <a:rPr lang="ko-KR" altLang="en-US" dirty="0"/>
+              <a:t>대본에서 생성 요약문을 추출하는 저희 조의 프로젝트에 적합한 데이터 셋이라고</a:t>
+            </a:r>
+            <a:r>
+              <a:rPr lang="en-US" altLang="ko-KR" dirty="0"/>
+              <a:t> </a:t>
+            </a:r>
+            <a:r>
+              <a:rPr lang="ko-KR" altLang="en-US" dirty="0"/>
+              <a:t>판단하였습니다</a:t>
+            </a:r>
+            <a:r>
+              <a:rPr lang="en-US" altLang="ko-KR" dirty="0"/>
+              <a:t>. </a:t>
+            </a:r>
+            <a:endParaRPr lang="ko-KR" altLang="en-US" dirty="0"/>
+          </a:p>
+        </p:txBody>
+      </p:sp>
+      <p:sp>
+        <p:nvSpPr>
+          <p:cNvPr id="4" name="슬라이드 번호 개체 틀 3"/>
+          <p:cNvSpPr>
+            <a:spLocks noGrp="1"/>
+          </p:cNvSpPr>
+          <p:nvPr>
+            <p:ph type="sldNum" sz="quarter" idx="5"/>
+          </p:nvPr>
+        </p:nvSpPr>
+        <p:spPr/>
+        <p:txBody>
+          <a:bodyPr/>
+          <a:lstStyle/>
+          <a:p>
+            <a:fld id="{928C4006-D583-4434-A25D-662BACC4BC65}" type="slidenum">
+              <a:rPr lang="ko-KR" altLang="en-US" smtClean="0"/>
+              <a:t>12</a:t>
+            </a:fld>
+            <a:endParaRPr lang="ko-KR" altLang="en-US"/>
+          </a:p>
+        </p:txBody>
+      </p:sp>
+    </p:spTree>
+    <p:extLst>
+      <p:ext uri="{BB962C8B-B14F-4D97-AF65-F5344CB8AC3E}">
+        <p14:creationId xmlns:p14="http://schemas.microsoft.com/office/powerpoint/2010/main" val="448535998"/>
+      </p:ext>
+    </p:extLst>
+  </p:cSld>
+  <p:clrMapOvr>
+    <a:masterClrMapping/>
+  </p:clrMapOvr>
+</p:notes>
+</file>
+
+<file path=ppt/notesSlides/notesSlide5.xml><?xml version="1.0" encoding="utf-8"?>
+<p:notes xmlns:a="http://schemas.openxmlformats.org/drawingml/2006/main" xmlns:r="http://schemas.openxmlformats.org/officeDocument/2006/relationships" xmlns:p="http://schemas.openxmlformats.org/presentationml/2006/main">
+  <p:cSld>
+    <p:spTree>
+      <p:nvGrpSpPr>
+        <p:cNvPr id="1" name=""/>
+        <p:cNvGrpSpPr/>
+        <p:nvPr/>
+      </p:nvGrpSpPr>
+      <p:grpSpPr>
+        <a:xfrm>
+          <a:off x="0" y="0"/>
+          <a:ext cx="0" cy="0"/>
+          <a:chOff x="0" y="0"/>
+          <a:chExt cx="0" cy="0"/>
+        </a:xfrm>
+      </p:grpSpPr>
+      <p:sp>
+        <p:nvSpPr>
+          <p:cNvPr id="2" name="슬라이드 이미지 개체 틀 1"/>
+          <p:cNvSpPr>
+            <a:spLocks noGrp="1" noRot="1" noChangeAspect="1"/>
+          </p:cNvSpPr>
+          <p:nvPr>
+            <p:ph type="sldImg"/>
+          </p:nvPr>
+        </p:nvSpPr>
+        <p:spPr/>
+      </p:sp>
+      <p:sp>
+        <p:nvSpPr>
+          <p:cNvPr id="3" name="슬라이드 노트 개체 틀 2"/>
+          <p:cNvSpPr>
+            <a:spLocks noGrp="1"/>
+          </p:cNvSpPr>
+          <p:nvPr>
+            <p:ph type="body" idx="1"/>
+          </p:nvPr>
+        </p:nvSpPr>
+        <p:spPr/>
+        <p:txBody>
+          <a:bodyPr/>
+          <a:lstStyle/>
+          <a:p>
+            <a:pPr marL="0" marR="0" lvl="0" indent="0" algn="l" defTabSz="914400" rtl="0" eaLnBrk="1" fontAlgn="auto" latinLnBrk="1" hangingPunct="1">
+              <a:lnSpc>
+                <a:spcPct val="100000"/>
+              </a:lnSpc>
+              <a:spcBef>
+                <a:spcPts val="0"/>
+              </a:spcBef>
+              <a:spcAft>
+                <a:spcPts val="0"/>
+              </a:spcAft>
+              <a:buClrTx/>
+              <a:buSzTx/>
+              <a:buFontTx/>
+              <a:buNone/>
+              <a:tabLst/>
+              <a:defRPr/>
+            </a:pPr>
+            <a:r>
+              <a:rPr lang="ko-KR" altLang="en-US" dirty="0"/>
+              <a:t>화자 분리에 사용할 </a:t>
+            </a:r>
+            <a:r>
+              <a:rPr lang="en-US" altLang="ko-KR" dirty="0"/>
+              <a:t>dataset</a:t>
+            </a:r>
+            <a:r>
+              <a:rPr lang="ko-KR" altLang="en-US" dirty="0"/>
+              <a:t>은 </a:t>
+            </a:r>
+            <a:r>
+              <a:rPr lang="en-US" altLang="ko-KR" dirty="0" err="1"/>
+              <a:t>librimix</a:t>
+            </a:r>
+            <a:r>
+              <a:rPr lang="ko-KR" altLang="en-US" dirty="0"/>
+              <a:t>라는 데이터 입니다</a:t>
+            </a:r>
+            <a:r>
+              <a:rPr lang="en-US" altLang="ko-KR" dirty="0"/>
+              <a:t>. 2</a:t>
+            </a:r>
+            <a:r>
+              <a:rPr lang="ko-KR" altLang="en-US" dirty="0"/>
+              <a:t>개 또는 </a:t>
+            </a:r>
+            <a:r>
+              <a:rPr lang="en-US" altLang="ko-KR" dirty="0"/>
+              <a:t>3</a:t>
+            </a:r>
+            <a:r>
+              <a:rPr lang="ko-KR" altLang="en-US" dirty="0"/>
+              <a:t>개의 말뭉치를 합쳐서 만들었고 노이즈가 포함된 데이터와 중첩 비율 별로 데이터를 제공</a:t>
+            </a:r>
+            <a:endParaRPr lang="en-US" altLang="ko-KR" dirty="0"/>
+          </a:p>
+          <a:p>
+            <a:pPr marL="0" marR="0" lvl="0" indent="0" algn="l" defTabSz="914400" rtl="0" eaLnBrk="1" fontAlgn="auto" latinLnBrk="1" hangingPunct="1">
+              <a:lnSpc>
+                <a:spcPct val="100000"/>
+              </a:lnSpc>
+              <a:spcBef>
+                <a:spcPts val="0"/>
+              </a:spcBef>
+              <a:spcAft>
+                <a:spcPts val="0"/>
+              </a:spcAft>
+              <a:buClrTx/>
+              <a:buSzTx/>
+              <a:buFontTx/>
+              <a:buNone/>
+              <a:tabLst/>
+              <a:defRPr/>
+            </a:pPr>
+            <a:endParaRPr lang="en-US" altLang="ko-KR" dirty="0"/>
+          </a:p>
+          <a:p>
+            <a:pPr marL="0" marR="0" lvl="0" indent="0" algn="l" defTabSz="914400" rtl="0" eaLnBrk="1" fontAlgn="auto" latinLnBrk="1" hangingPunct="1">
+              <a:lnSpc>
+                <a:spcPct val="100000"/>
+              </a:lnSpc>
+              <a:spcBef>
+                <a:spcPts val="0"/>
+              </a:spcBef>
+              <a:spcAft>
+                <a:spcPts val="0"/>
+              </a:spcAft>
+              <a:buClrTx/>
+              <a:buSzTx/>
+              <a:buFontTx/>
+              <a:buNone/>
+              <a:tabLst/>
+              <a:defRPr/>
+            </a:pPr>
+            <a:r>
+              <a:rPr lang="ko-KR" altLang="en-US" dirty="0"/>
+              <a:t>기존 사용된 던 데이터셋은 </a:t>
+            </a:r>
+            <a:r>
+              <a:rPr lang="en-US" altLang="ko-KR" dirty="0"/>
+              <a:t>c</a:t>
+            </a:r>
+            <a:r>
+              <a:rPr lang="ko-KR" altLang="en-US" dirty="0"/>
+              <a:t>번 그림과 같은 완전히 겹쳐진 데이터만 제공하는데 일반적인 상황에서는 </a:t>
+            </a:r>
+            <a:r>
+              <a:rPr lang="en-US" altLang="ko-KR" dirty="0"/>
+              <a:t>b</a:t>
+            </a:r>
+            <a:r>
+              <a:rPr lang="ko-KR" altLang="en-US" dirty="0"/>
+              <a:t>번 그림과 같이 </a:t>
+            </a:r>
+            <a:r>
+              <a:rPr lang="en-US" altLang="ko-KR" dirty="0"/>
+              <a:t>20% </a:t>
+            </a:r>
+            <a:r>
+              <a:rPr lang="ko-KR" altLang="en-US" dirty="0"/>
+              <a:t>미만으로 겹쳐지는 상황이 대부분이라 학습된 데이터 이외의 데이터에서는 성능 저하가 일어나서 고안된 데이터로 실제 해당 데이터로 학습된 모델에서 보다 더 나은 </a:t>
+            </a:r>
+            <a:r>
+              <a:rPr lang="en-US" altLang="ko-KR" dirty="0"/>
+              <a:t>generalize</a:t>
+            </a:r>
+            <a:r>
+              <a:rPr lang="ko-KR" altLang="en-US" dirty="0"/>
+              <a:t> 성능을 보입니다</a:t>
+            </a:r>
+            <a:r>
+              <a:rPr lang="en-US" altLang="ko-KR" dirty="0"/>
+              <a:t>. </a:t>
+            </a:r>
+          </a:p>
+          <a:p>
+            <a:endParaRPr lang="ko-KR" altLang="en-US" dirty="0"/>
+          </a:p>
+        </p:txBody>
+      </p:sp>
+      <p:sp>
+        <p:nvSpPr>
+          <p:cNvPr id="4" name="슬라이드 번호 개체 틀 3"/>
+          <p:cNvSpPr>
+            <a:spLocks noGrp="1"/>
+          </p:cNvSpPr>
+          <p:nvPr>
+            <p:ph type="sldNum" sz="quarter" idx="5"/>
+          </p:nvPr>
+        </p:nvSpPr>
+        <p:spPr/>
+        <p:txBody>
+          <a:bodyPr/>
+          <a:lstStyle/>
+          <a:p>
+            <a:fld id="{928C4006-D583-4434-A25D-662BACC4BC65}" type="slidenum">
+              <a:rPr lang="ko-KR" altLang="en-US" smtClean="0"/>
+              <a:t>13</a:t>
+            </a:fld>
+            <a:endParaRPr lang="ko-KR" altLang="en-US"/>
+          </a:p>
+        </p:txBody>
+      </p:sp>
+    </p:spTree>
+    <p:extLst>
+      <p:ext uri="{BB962C8B-B14F-4D97-AF65-F5344CB8AC3E}">
+        <p14:creationId xmlns:p14="http://schemas.microsoft.com/office/powerpoint/2010/main" val="511121159"/>
+      </p:ext>
+    </p:extLst>
+  </p:cSld>
+  <p:clrMapOvr>
+    <a:masterClrMapping/>
+  </p:clrMapOvr>
+</p:notes>
+</file>
+
+<file path=ppt/notesSlides/notesSlide6.xml><?xml version="1.0" encoding="utf-8"?>
+<p:notes xmlns:a="http://schemas.openxmlformats.org/drawingml/2006/main" xmlns:r="http://schemas.openxmlformats.org/officeDocument/2006/relationships" xmlns:p="http://schemas.openxmlformats.org/presentationml/2006/main">
+  <p:cSld>
+    <p:spTree>
+      <p:nvGrpSpPr>
+        <p:cNvPr id="1" name=""/>
+        <p:cNvGrpSpPr/>
+        <p:nvPr/>
+      </p:nvGrpSpPr>
+      <p:grpSpPr>
+        <a:xfrm>
+          <a:off x="0" y="0"/>
+          <a:ext cx="0" cy="0"/>
+          <a:chOff x="0" y="0"/>
+          <a:chExt cx="0" cy="0"/>
+        </a:xfrm>
+      </p:grpSpPr>
+      <p:sp>
+        <p:nvSpPr>
+          <p:cNvPr id="2" name="슬라이드 이미지 개체 틀 1"/>
+          <p:cNvSpPr>
+            <a:spLocks noGrp="1" noRot="1" noChangeAspect="1"/>
+          </p:cNvSpPr>
+          <p:nvPr>
+            <p:ph type="sldImg"/>
+          </p:nvPr>
+        </p:nvSpPr>
+        <p:spPr/>
+      </p:sp>
+      <p:sp>
+        <p:nvSpPr>
+          <p:cNvPr id="3" name="슬라이드 노트 개체 틀 2"/>
+          <p:cNvSpPr>
+            <a:spLocks noGrp="1"/>
+          </p:cNvSpPr>
+          <p:nvPr>
+            <p:ph type="body" idx="1"/>
+          </p:nvPr>
+        </p:nvSpPr>
+        <p:spPr/>
+        <p:txBody>
+          <a:bodyPr/>
+          <a:lstStyle/>
+          <a:p>
+            <a:r>
+              <a:rPr lang="en-US" altLang="ko-KR" dirty="0"/>
+              <a:t>STT</a:t>
+            </a:r>
+            <a:r>
+              <a:rPr lang="ko-KR" altLang="en-US" dirty="0"/>
+              <a:t>의 경우 일반 음성에서의 </a:t>
+            </a:r>
+            <a:r>
+              <a:rPr lang="en-US" altLang="ko-KR" dirty="0"/>
+              <a:t>STT</a:t>
+            </a:r>
+            <a:r>
+              <a:rPr lang="ko-KR" altLang="en-US" dirty="0"/>
+              <a:t>성능과 중첩된 음성에서의 </a:t>
+            </a:r>
+            <a:r>
+              <a:rPr lang="en-US" altLang="ko-KR" dirty="0"/>
+              <a:t>STT</a:t>
+            </a:r>
+            <a:r>
+              <a:rPr lang="ko-KR" altLang="en-US" dirty="0"/>
+              <a:t>성능을 비교할 것 입니다</a:t>
+            </a:r>
+            <a:r>
+              <a:rPr lang="en-US" altLang="ko-KR" dirty="0"/>
+              <a:t>. STT</a:t>
+            </a:r>
+            <a:r>
+              <a:rPr lang="ko-KR" altLang="en-US" dirty="0"/>
+              <a:t>성능은 다음과 같이 </a:t>
+            </a:r>
+            <a:r>
+              <a:rPr lang="en-US" altLang="ko-KR" dirty="0"/>
+              <a:t>WER</a:t>
+            </a:r>
+            <a:r>
+              <a:rPr lang="ko-KR" altLang="en-US" dirty="0"/>
+              <a:t>와 </a:t>
+            </a:r>
+            <a:r>
+              <a:rPr lang="en-US" altLang="ko-KR" dirty="0"/>
+              <a:t>CER</a:t>
+            </a:r>
+            <a:r>
+              <a:rPr lang="ko-KR" altLang="en-US" dirty="0"/>
+              <a:t>을 사용하여 비교를 할 것인데</a:t>
+            </a:r>
+            <a:r>
+              <a:rPr lang="en-US" altLang="ko-KR" dirty="0"/>
+              <a:t>, </a:t>
+            </a:r>
+            <a:r>
+              <a:rPr lang="ko-KR" altLang="en-US" dirty="0"/>
+              <a:t>이는 각각 문자 수준의 에러 비율과 단어 수준의 에러 비율을 구하는 평가 지표입니다</a:t>
+            </a:r>
+            <a:r>
+              <a:rPr lang="en-US" altLang="ko-KR" dirty="0"/>
+              <a:t>. </a:t>
+            </a:r>
+            <a:endParaRPr lang="ko-KR" altLang="en-US" dirty="0"/>
+          </a:p>
+        </p:txBody>
+      </p:sp>
+      <p:sp>
+        <p:nvSpPr>
+          <p:cNvPr id="4" name="슬라이드 번호 개체 틀 3"/>
+          <p:cNvSpPr>
+            <a:spLocks noGrp="1"/>
+          </p:cNvSpPr>
+          <p:nvPr>
+            <p:ph type="sldNum" sz="quarter" idx="5"/>
+          </p:nvPr>
+        </p:nvSpPr>
+        <p:spPr/>
+        <p:txBody>
+          <a:bodyPr/>
+          <a:lstStyle/>
+          <a:p>
+            <a:fld id="{928C4006-D583-4434-A25D-662BACC4BC65}" type="slidenum">
+              <a:rPr lang="ko-KR" altLang="en-US" smtClean="0"/>
+              <a:t>14</a:t>
+            </a:fld>
+            <a:endParaRPr lang="ko-KR" altLang="en-US"/>
+          </a:p>
+        </p:txBody>
+      </p:sp>
+    </p:spTree>
+    <p:extLst>
+      <p:ext uri="{BB962C8B-B14F-4D97-AF65-F5344CB8AC3E}">
+        <p14:creationId xmlns:p14="http://schemas.microsoft.com/office/powerpoint/2010/main" val="700987932"/>
+      </p:ext>
+    </p:extLst>
+  </p:cSld>
+  <p:clrMapOvr>
+    <a:masterClrMapping/>
+  </p:clrMapOvr>
+</p:notes>
+</file>
+
+<file path=ppt/notesSlides/notesSlide7.xml><?xml version="1.0" encoding="utf-8"?>
+<p:notes xmlns:a="http://schemas.openxmlformats.org/drawingml/2006/main" xmlns:r="http://schemas.openxmlformats.org/officeDocument/2006/relationships" xmlns:p="http://schemas.openxmlformats.org/presentationml/2006/main">
+  <p:cSld>
+    <p:spTree>
+      <p:nvGrpSpPr>
+        <p:cNvPr id="1" name=""/>
+        <p:cNvGrpSpPr/>
+        <p:nvPr/>
+      </p:nvGrpSpPr>
+      <p:grpSpPr>
+        <a:xfrm>
+          <a:off x="0" y="0"/>
+          <a:ext cx="0" cy="0"/>
+          <a:chOff x="0" y="0"/>
+          <a:chExt cx="0" cy="0"/>
+        </a:xfrm>
+      </p:grpSpPr>
+      <p:sp>
+        <p:nvSpPr>
+          <p:cNvPr id="2" name="슬라이드 이미지 개체 틀 1"/>
+          <p:cNvSpPr>
+            <a:spLocks noGrp="1" noRot="1" noChangeAspect="1"/>
+          </p:cNvSpPr>
+          <p:nvPr>
+            <p:ph type="sldImg"/>
+          </p:nvPr>
+        </p:nvSpPr>
+        <p:spPr/>
+      </p:sp>
+      <p:sp>
+        <p:nvSpPr>
+          <p:cNvPr id="3" name="슬라이드 노트 개체 틀 2"/>
+          <p:cNvSpPr>
+            <a:spLocks noGrp="1"/>
+          </p:cNvSpPr>
+          <p:nvPr>
+            <p:ph type="body" idx="1"/>
+          </p:nvPr>
+        </p:nvSpPr>
+        <p:spPr/>
+        <p:txBody>
+          <a:bodyPr/>
+          <a:lstStyle/>
+          <a:p>
+            <a:r>
+              <a:rPr lang="ko-KR" altLang="en-US" dirty="0"/>
+              <a:t>다음은 요약의 평가 기준입니다</a:t>
+            </a:r>
+            <a:r>
+              <a:rPr lang="en-US" altLang="ko-KR" dirty="0"/>
+              <a:t>. </a:t>
+            </a:r>
+            <a:r>
+              <a:rPr lang="ko-KR" altLang="en-US" dirty="0"/>
+              <a:t>저희 조는 화자 별 발화 내용이 구분된 경우 생성된 요약문과 구분을 하지 않고 생성된 요약문에 대해서 성능을 비교할 예정입니다</a:t>
+            </a:r>
+            <a:r>
+              <a:rPr lang="en-US" altLang="ko-KR" dirty="0"/>
+              <a:t>. </a:t>
+            </a:r>
+            <a:r>
+              <a:rPr lang="ko-KR" altLang="en-US" dirty="0"/>
+              <a:t>성능의 비교 지표는 다음과 같이 </a:t>
+            </a:r>
+            <a:r>
+              <a:rPr lang="en-US" altLang="ko-KR" dirty="0"/>
+              <a:t>rouge</a:t>
+            </a:r>
+            <a:r>
+              <a:rPr lang="ko-KR" altLang="en-US" dirty="0"/>
+              <a:t>와 </a:t>
+            </a:r>
+            <a:r>
+              <a:rPr lang="en-US" altLang="ko-KR" dirty="0"/>
+              <a:t>meteor</a:t>
+            </a:r>
+            <a:r>
+              <a:rPr lang="ko-KR" altLang="en-US" dirty="0"/>
+              <a:t>를 사용할 예정인데</a:t>
+            </a:r>
+            <a:r>
+              <a:rPr lang="en-US" altLang="ko-KR" dirty="0"/>
+              <a:t> Rouge</a:t>
+            </a:r>
+            <a:r>
+              <a:rPr lang="ko-KR" altLang="en-US" dirty="0"/>
+              <a:t>는 참조 요약문과 후보 요약문의 </a:t>
+            </a:r>
+            <a:r>
+              <a:rPr lang="en-US" altLang="ko-KR" dirty="0"/>
+              <a:t>LCS</a:t>
+            </a:r>
+            <a:r>
+              <a:rPr lang="ko-KR" altLang="en-US" dirty="0"/>
+              <a:t>길이를 구하는 방법이고</a:t>
+            </a:r>
+            <a:r>
+              <a:rPr lang="en-US" altLang="ko-KR" dirty="0"/>
+              <a:t>, meteor</a:t>
+            </a:r>
+            <a:r>
+              <a:rPr lang="ko-KR" altLang="en-US" dirty="0"/>
+              <a:t>의 경우는 요약문의 정밀도</a:t>
+            </a:r>
+            <a:r>
+              <a:rPr lang="en-US" altLang="ko-KR" dirty="0"/>
+              <a:t>, </a:t>
+            </a:r>
+            <a:r>
+              <a:rPr lang="ko-KR" altLang="en-US" dirty="0" err="1"/>
+              <a:t>재현율</a:t>
+            </a:r>
+            <a:r>
+              <a:rPr lang="en-US" altLang="ko-KR" dirty="0"/>
+              <a:t>, </a:t>
+            </a:r>
+            <a:r>
+              <a:rPr lang="en-US" altLang="ko-KR" dirty="0" err="1"/>
+              <a:t>F_mean</a:t>
+            </a:r>
+            <a:r>
+              <a:rPr lang="ko-KR" altLang="en-US" dirty="0"/>
+              <a:t>을 가중치로 곱하여 더하는 방식입니다</a:t>
+            </a:r>
+            <a:r>
+              <a:rPr lang="en-US" altLang="ko-KR" dirty="0"/>
+              <a:t>. </a:t>
+            </a:r>
+            <a:endParaRPr lang="ko-KR" altLang="en-US" dirty="0"/>
+          </a:p>
+        </p:txBody>
+      </p:sp>
+      <p:sp>
+        <p:nvSpPr>
+          <p:cNvPr id="4" name="슬라이드 번호 개체 틀 3"/>
+          <p:cNvSpPr>
+            <a:spLocks noGrp="1"/>
+          </p:cNvSpPr>
+          <p:nvPr>
+            <p:ph type="sldNum" sz="quarter" idx="5"/>
+          </p:nvPr>
+        </p:nvSpPr>
+        <p:spPr/>
+        <p:txBody>
+          <a:bodyPr/>
+          <a:lstStyle/>
+          <a:p>
+            <a:fld id="{928C4006-D583-4434-A25D-662BACC4BC65}" type="slidenum">
+              <a:rPr lang="ko-KR" altLang="en-US" smtClean="0"/>
+              <a:t>15</a:t>
+            </a:fld>
+            <a:endParaRPr lang="ko-KR" altLang="en-US"/>
+          </a:p>
+        </p:txBody>
+      </p:sp>
+    </p:spTree>
+    <p:extLst>
+      <p:ext uri="{BB962C8B-B14F-4D97-AF65-F5344CB8AC3E}">
+        <p14:creationId xmlns:p14="http://schemas.microsoft.com/office/powerpoint/2010/main" val="3182852161"/>
+      </p:ext>
+    </p:extLst>
+  </p:cSld>
+  <p:clrMapOvr>
+    <a:masterClrMapping/>
+  </p:clrMapOvr>
+</p:notes>
+</file>
+
+<file path=ppt/notesSlides/notesSlide8.xml><?xml version="1.0" encoding="utf-8"?>
+<p:notes xmlns:a="http://schemas.openxmlformats.org/drawingml/2006/main" xmlns:r="http://schemas.openxmlformats.org/officeDocument/2006/relationships" xmlns:p="http://schemas.openxmlformats.org/presentationml/2006/main">
+  <p:cSld>
+    <p:spTree>
+      <p:nvGrpSpPr>
+        <p:cNvPr id="1" name=""/>
+        <p:cNvGrpSpPr/>
+        <p:nvPr/>
+      </p:nvGrpSpPr>
+      <p:grpSpPr>
+        <a:xfrm>
+          <a:off x="0" y="0"/>
+          <a:ext cx="0" cy="0"/>
+          <a:chOff x="0" y="0"/>
+          <a:chExt cx="0" cy="0"/>
+        </a:xfrm>
+      </p:grpSpPr>
+      <p:sp>
+        <p:nvSpPr>
+          <p:cNvPr id="2" name="슬라이드 이미지 개체 틀 1"/>
+          <p:cNvSpPr>
+            <a:spLocks noGrp="1" noRot="1" noChangeAspect="1"/>
+          </p:cNvSpPr>
+          <p:nvPr>
+            <p:ph type="sldImg"/>
+          </p:nvPr>
+        </p:nvSpPr>
+        <p:spPr/>
+      </p:sp>
+      <p:sp>
+        <p:nvSpPr>
+          <p:cNvPr id="3" name="슬라이드 노트 개체 틀 2"/>
+          <p:cNvSpPr>
+            <a:spLocks noGrp="1"/>
+          </p:cNvSpPr>
+          <p:nvPr>
+            <p:ph type="body" idx="1"/>
+          </p:nvPr>
+        </p:nvSpPr>
+        <p:spPr/>
+        <p:txBody>
+          <a:bodyPr/>
+          <a:lstStyle/>
+          <a:p>
+            <a:r>
+              <a:rPr lang="ko-KR" altLang="en-US" dirty="0"/>
+              <a:t>저희 조는 이번 프로젝트를 통해 기존 시스템에 비해 다음과 같은 개선이 있을 것으로 기대하고 있습니다</a:t>
+            </a:r>
+            <a:r>
+              <a:rPr lang="en-US" altLang="ko-KR" dirty="0"/>
+              <a:t>. </a:t>
+            </a:r>
+            <a:r>
+              <a:rPr lang="ko-KR" altLang="en-US" dirty="0"/>
+              <a:t>첫번쨰는 음성이 중첩된 상황에서 </a:t>
+            </a:r>
+            <a:r>
+              <a:rPr lang="en-US" altLang="ko-KR" dirty="0"/>
+              <a:t>STT</a:t>
+            </a:r>
+            <a:r>
+              <a:rPr lang="ko-KR" altLang="en-US" dirty="0"/>
+              <a:t>성능 향상을 통한 요약 성능 개선이고</a:t>
+            </a:r>
+            <a:r>
+              <a:rPr lang="en-US" altLang="ko-KR" dirty="0"/>
+              <a:t>, </a:t>
+            </a:r>
+            <a:r>
+              <a:rPr lang="ko-KR" altLang="en-US" dirty="0"/>
+              <a:t>두번째는 화자 별 음성을 대본 형태로 변환하여 요약 성능 개선입니다</a:t>
+            </a:r>
+            <a:r>
+              <a:rPr lang="en-US" altLang="ko-KR" dirty="0"/>
+              <a:t>. </a:t>
+            </a:r>
+            <a:endParaRPr lang="ko-KR" altLang="en-US" dirty="0"/>
+          </a:p>
+        </p:txBody>
+      </p:sp>
+      <p:sp>
+        <p:nvSpPr>
+          <p:cNvPr id="4" name="슬라이드 번호 개체 틀 3"/>
+          <p:cNvSpPr>
+            <a:spLocks noGrp="1"/>
+          </p:cNvSpPr>
+          <p:nvPr>
+            <p:ph type="sldNum" sz="quarter" idx="5"/>
+          </p:nvPr>
+        </p:nvSpPr>
+        <p:spPr/>
+        <p:txBody>
+          <a:bodyPr/>
+          <a:lstStyle/>
+          <a:p>
+            <a:fld id="{928C4006-D583-4434-A25D-662BACC4BC65}" type="slidenum">
+              <a:rPr lang="ko-KR" altLang="en-US" smtClean="0"/>
               <a:t>16</a:t>
             </a:fld>
             <a:endParaRPr lang="ko-KR" altLang="en-US"/>
@@ -1151,6 +3084,98 @@
     <p:extLst>
       <p:ext uri="{BB962C8B-B14F-4D97-AF65-F5344CB8AC3E}">
         <p14:creationId xmlns:p14="http://schemas.microsoft.com/office/powerpoint/2010/main" val="4130318721"/>
+      </p:ext>
+    </p:extLst>
+  </p:cSld>
+  <p:clrMapOvr>
+    <a:masterClrMapping/>
+  </p:clrMapOvr>
+</p:notes>
+</file>
+
+<file path=ppt/notesSlides/notesSlide9.xml><?xml version="1.0" encoding="utf-8"?>
+<p:notes xmlns:a="http://schemas.openxmlformats.org/drawingml/2006/main" xmlns:r="http://schemas.openxmlformats.org/officeDocument/2006/relationships" xmlns:p="http://schemas.openxmlformats.org/presentationml/2006/main">
+  <p:cSld>
+    <p:spTree>
+      <p:nvGrpSpPr>
+        <p:cNvPr id="1" name=""/>
+        <p:cNvGrpSpPr/>
+        <p:nvPr/>
+      </p:nvGrpSpPr>
+      <p:grpSpPr>
+        <a:xfrm>
+          <a:off x="0" y="0"/>
+          <a:ext cx="0" cy="0"/>
+          <a:chOff x="0" y="0"/>
+          <a:chExt cx="0" cy="0"/>
+        </a:xfrm>
+      </p:grpSpPr>
+      <p:sp>
+        <p:nvSpPr>
+          <p:cNvPr id="2" name="슬라이드 이미지 개체 틀 1"/>
+          <p:cNvSpPr>
+            <a:spLocks noGrp="1" noRot="1" noChangeAspect="1"/>
+          </p:cNvSpPr>
+          <p:nvPr>
+            <p:ph type="sldImg"/>
+          </p:nvPr>
+        </p:nvSpPr>
+        <p:spPr/>
+      </p:sp>
+      <p:sp>
+        <p:nvSpPr>
+          <p:cNvPr id="3" name="슬라이드 노트 개체 틀 2"/>
+          <p:cNvSpPr>
+            <a:spLocks noGrp="1"/>
+          </p:cNvSpPr>
+          <p:nvPr>
+            <p:ph type="body" idx="1"/>
+          </p:nvPr>
+        </p:nvSpPr>
+        <p:spPr/>
+        <p:txBody>
+          <a:bodyPr/>
+          <a:lstStyle/>
+          <a:p>
+            <a:r>
+              <a:rPr lang="ko-KR" altLang="en-US" dirty="0"/>
+              <a:t>저희 조의 예상 스케쥴은 다음과 같습니다</a:t>
+            </a:r>
+            <a:r>
+              <a:rPr lang="en-US" altLang="ko-KR" dirty="0"/>
+              <a:t>. </a:t>
+            </a:r>
+            <a:endParaRPr lang="ko-KR" altLang="en-US" dirty="0"/>
+          </a:p>
+        </p:txBody>
+      </p:sp>
+      <p:sp>
+        <p:nvSpPr>
+          <p:cNvPr id="4" name="슬라이드 번호 개체 틀 3"/>
+          <p:cNvSpPr>
+            <a:spLocks noGrp="1"/>
+          </p:cNvSpPr>
+          <p:nvPr>
+            <p:ph type="sldNum" sz="quarter" idx="5"/>
+          </p:nvPr>
+        </p:nvSpPr>
+        <p:spPr/>
+        <p:txBody>
+          <a:bodyPr/>
+          <a:lstStyle/>
+          <a:p>
+            <a:fld id="{928C4006-D583-4434-A25D-662BACC4BC65}" type="slidenum">
+              <a:rPr lang="ko-KR" altLang="en-US" smtClean="0"/>
+              <a:t>17</a:t>
+            </a:fld>
+            <a:endParaRPr lang="ko-KR" altLang="en-US"/>
+          </a:p>
+        </p:txBody>
+      </p:sp>
+    </p:spTree>
+    <p:extLst>
+      <p:ext uri="{BB962C8B-B14F-4D97-AF65-F5344CB8AC3E}">
+        <p14:creationId xmlns:p14="http://schemas.microsoft.com/office/powerpoint/2010/main" val="633748150"/>
       </p:ext>
     </p:extLst>
   </p:cSld>
@@ -4627,18 +6652,17 @@
           <a:p>
             <a:pPr algn="ctr"/>
             <a:r>
+              <a:rPr lang="ko-KR" altLang="en-US" sz="4800" dirty="0"/>
+              <a:t>화자 분리와 </a:t>
+            </a:r>
+            <a:r>
               <a:rPr lang="en-US" altLang="ko-KR" sz="4800" dirty="0"/>
-              <a:t>Script format</a:t>
+              <a:t>script</a:t>
             </a:r>
             <a:r>
               <a:rPr lang="ko-KR" altLang="en-US" sz="4800" dirty="0"/>
-              <a:t>을 활용한 </a:t>
-            </a:r>
-            <a:r>
-              <a:rPr lang="en-US" altLang="ko-KR" sz="4800" dirty="0"/>
-              <a:t>Audio-summary</a:t>
-            </a:r>
-            <a:endParaRPr lang="ko-KR" altLang="en-US" sz="4800" dirty="0"/>
+              <a:t>를 활용한 뉴스 음성 요약 시스템</a:t>
+            </a:r>
           </a:p>
         </p:txBody>
       </p:sp>
@@ -5258,10 +7282,10 @@
       </p:sp>
       <p:pic>
         <p:nvPicPr>
-          <p:cNvPr id="17" name="그림 16">
+          <p:cNvPr id="4" name="그림 3">
             <a:extLst>
               <a:ext uri="{FF2B5EF4-FFF2-40B4-BE49-F238E27FC236}">
-                <a16:creationId xmlns:a16="http://schemas.microsoft.com/office/drawing/2014/main" id="{3232EA8B-06C9-A40C-6B19-2F2664A045BC}"/>
+                <a16:creationId xmlns:a16="http://schemas.microsoft.com/office/drawing/2014/main" id="{DD643923-619F-1AED-2971-4D943B68AC65}"/>
               </a:ext>
             </a:extLst>
           </p:cNvPr>
@@ -5278,8 +7302,8 @@
         </p:blipFill>
         <p:spPr>
           <a:xfrm>
-            <a:off x="185737" y="2160657"/>
-            <a:ext cx="8772525" cy="3448050"/>
+            <a:off x="1761486" y="1385813"/>
+            <a:ext cx="5410200" cy="4333875"/>
           </a:xfrm>
           <a:prstGeom prst="rect">
             <a:avLst/>
@@ -5330,7 +7354,7 @@
                                           </p:stCondLst>
                                         </p:cTn>
                                         <p:tgtEl>
-                                          <p:spTgt spid="17"/>
+                                          <p:spTgt spid="4"/>
                                         </p:tgtEl>
                                         <p:attrNameLst>
                                           <p:attrName>style.visibility</p:attrName>
@@ -5455,7 +7479,7 @@
           <p:nvPr/>
         </p:nvPicPr>
         <p:blipFill>
-          <a:blip r:embed="rId2"/>
+          <a:blip r:embed="rId3"/>
           <a:stretch>
             <a:fillRect/>
           </a:stretch>
@@ -5931,8 +7955,8 @@
         </p:nvSpPr>
         <p:spPr>
           <a:xfrm>
-            <a:off x="5752792" y="2492896"/>
-            <a:ext cx="3096344" cy="1200329"/>
+            <a:off x="953280" y="2420888"/>
+            <a:ext cx="7733520" cy="646331"/>
           </a:xfrm>
           <a:prstGeom prst="rect">
             <a:avLst/>
@@ -5957,7 +7981,7 @@
                 <a:latin typeface="맑은 고딕" panose="020B0503020000020004" pitchFamily="50" charset="-127"/>
                 <a:ea typeface="맑은 고딕" panose="020B0503020000020004" pitchFamily="50" charset="-127"/>
               </a:rPr>
-              <a:t>다양한 문서유형의 한국어 원문으로 </a:t>
+              <a:t>다양한 방송 대본 </a:t>
             </a:r>
             <a:r>
               <a:rPr lang="ko-KR" altLang="en-US" dirty="0" err="1">
@@ -5967,27 +7991,7 @@
                 <a:latin typeface="맑은 고딕" panose="020B0503020000020004" pitchFamily="50" charset="-127"/>
                 <a:ea typeface="맑은 고딕" panose="020B0503020000020004" pitchFamily="50" charset="-127"/>
               </a:rPr>
-              <a:t>추출요약문과</a:t>
-            </a:r>
-            <a:r>
-              <a:rPr lang="ko-KR" altLang="en-US" dirty="0">
-                <a:solidFill>
-                  <a:srgbClr val="000000"/>
-                </a:solidFill>
-                <a:latin typeface="맑은 고딕" panose="020B0503020000020004" pitchFamily="50" charset="-127"/>
-                <a:ea typeface="맑은 고딕" panose="020B0503020000020004" pitchFamily="50" charset="-127"/>
-              </a:rPr>
-              <a:t> </a:t>
-            </a:r>
-            <a:r>
-              <a:rPr lang="ko-KR" altLang="en-US" dirty="0" err="1">
-                <a:solidFill>
-                  <a:srgbClr val="000000"/>
-                </a:solidFill>
-                <a:latin typeface="맑은 고딕" panose="020B0503020000020004" pitchFamily="50" charset="-127"/>
-                <a:ea typeface="맑은 고딕" panose="020B0503020000020004" pitchFamily="50" charset="-127"/>
-              </a:rPr>
-              <a:t>생성요약문</a:t>
+              <a:t>데이터로부터생성요약문</a:t>
             </a:r>
             <a:r>
               <a:rPr lang="ko-KR" altLang="en-US" dirty="0">
@@ -6007,10 +8011,10 @@
       </p:sp>
       <p:pic>
         <p:nvPicPr>
-          <p:cNvPr id="7" name="그림 6">
+          <p:cNvPr id="5" name="그림 4">
             <a:extLst>
               <a:ext uri="{FF2B5EF4-FFF2-40B4-BE49-F238E27FC236}">
-                <a16:creationId xmlns:a16="http://schemas.microsoft.com/office/drawing/2014/main" id="{0E10B9D5-0AB1-5D88-B67E-F2709134795D}"/>
+                <a16:creationId xmlns:a16="http://schemas.microsoft.com/office/drawing/2014/main" id="{081E969C-362B-0D3A-B58A-17557097EAD3}"/>
               </a:ext>
             </a:extLst>
           </p:cNvPr>
@@ -6020,15 +8024,15 @@
           <p:nvPr/>
         </p:nvPicPr>
         <p:blipFill>
-          <a:blip r:embed="rId2"/>
+          <a:blip r:embed="rId3"/>
           <a:stretch>
             <a:fillRect/>
           </a:stretch>
         </p:blipFill>
         <p:spPr>
           <a:xfrm>
-            <a:off x="624896" y="2414777"/>
-            <a:ext cx="4903355" cy="3566716"/>
+            <a:off x="971600" y="2926552"/>
+            <a:ext cx="5570036" cy="2224095"/>
           </a:xfrm>
           <a:prstGeom prst="rect">
             <a:avLst/>
@@ -6419,7 +8423,7 @@
           <p:nvPr/>
         </p:nvPicPr>
         <p:blipFill>
-          <a:blip r:embed="rId2"/>
+          <a:blip r:embed="rId3"/>
           <a:stretch>
             <a:fillRect/>
           </a:stretch>
@@ -7696,48 +9700,6 @@
               <a:latin typeface="맑은 고딕" panose="020B0503020000020004" pitchFamily="50" charset="-127"/>
               <a:ea typeface="맑은 고딕" panose="020B0503020000020004" pitchFamily="50" charset="-127"/>
             </a:endParaRPr>
-          </a:p>
-          <a:p>
-            <a:pPr marL="0" indent="0">
-              <a:buNone/>
-            </a:pPr>
-            <a:endParaRPr lang="en-US" altLang="ko-KR" dirty="0">
-              <a:latin typeface="맑은 고딕" panose="020B0503020000020004" pitchFamily="50" charset="-127"/>
-              <a:ea typeface="맑은 고딕" panose="020B0503020000020004" pitchFamily="50" charset="-127"/>
-            </a:endParaRPr>
-          </a:p>
-          <a:p>
-            <a:pPr marL="0" indent="0">
-              <a:buNone/>
-            </a:pPr>
-            <a:r>
-              <a:rPr lang="en-US" altLang="ko-KR" dirty="0">
-                <a:latin typeface="맑은 고딕" panose="020B0503020000020004" pitchFamily="50" charset="-127"/>
-                <a:ea typeface="맑은 고딕" panose="020B0503020000020004" pitchFamily="50" charset="-127"/>
-              </a:rPr>
-              <a:t>3) </a:t>
-            </a:r>
-            <a:r>
-              <a:rPr lang="ko-KR" altLang="en-US" dirty="0">
-                <a:latin typeface="맑은 고딕" panose="020B0503020000020004" pitchFamily="50" charset="-127"/>
-                <a:ea typeface="맑은 고딕" panose="020B0503020000020004" pitchFamily="50" charset="-127"/>
-              </a:rPr>
-              <a:t>특히 일상 대화</a:t>
-            </a:r>
-            <a:r>
-              <a:rPr lang="en-US" altLang="ko-KR" dirty="0">
-                <a:latin typeface="맑은 고딕" panose="020B0503020000020004" pitchFamily="50" charset="-127"/>
-                <a:ea typeface="맑은 고딕" panose="020B0503020000020004" pitchFamily="50" charset="-127"/>
-              </a:rPr>
-              <a:t>, </a:t>
-            </a:r>
-            <a:r>
-              <a:rPr lang="ko-KR" altLang="en-US" dirty="0">
-                <a:latin typeface="맑은 고딕" panose="020B0503020000020004" pitchFamily="50" charset="-127"/>
-                <a:ea typeface="맑은 고딕" panose="020B0503020000020004" pitchFamily="50" charset="-127"/>
-              </a:rPr>
-              <a:t>토론과 같은 상황에서 요약 성능 개선 기대</a:t>
-            </a:r>
           </a:p>
         </p:txBody>
       </p:sp>
@@ -7816,7 +9778,7 @@
           <p:nvPr/>
         </p:nvPicPr>
         <p:blipFill>
-          <a:blip r:embed="rId2"/>
+          <a:blip r:embed="rId3"/>
           <a:stretch>
             <a:fillRect/>
           </a:stretch>

--- a/ppt/0403_2조_주제 발표.pptx
+++ b/ppt/0403_2조_주제 발표.pptx
@@ -667,6 +667,58 @@
       </pc:sldChg>
     </pc:docChg>
   </pc:docChgLst>
+  <pc:docChgLst>
+    <pc:chgData name="나 현희" userId="a7b73e83492eed8a" providerId="LiveId" clId="{B8747D04-A230-446C-931D-C4A96DAA135D}"/>
+    <pc:docChg chg="undo custSel modSld">
+      <pc:chgData name="나 현희" userId="a7b73e83492eed8a" providerId="LiveId" clId="{B8747D04-A230-446C-931D-C4A96DAA135D}" dt="2023-03-31T06:21:25.384" v="1167" actId="20577"/>
+      <pc:docMkLst>
+        <pc:docMk/>
+      </pc:docMkLst>
+      <pc:sldChg chg="modNotesTx">
+        <pc:chgData name="나 현희" userId="a7b73e83492eed8a" providerId="LiveId" clId="{B8747D04-A230-446C-931D-C4A96DAA135D}" dt="2023-03-31T05:45:06.899" v="69" actId="20577"/>
+        <pc:sldMkLst>
+          <pc:docMk/>
+          <pc:sldMk cId="1385364846" sldId="268"/>
+        </pc:sldMkLst>
+      </pc:sldChg>
+      <pc:sldChg chg="modNotesTx">
+        <pc:chgData name="나 현희" userId="a7b73e83492eed8a" providerId="LiveId" clId="{B8747D04-A230-446C-931D-C4A96DAA135D}" dt="2023-03-31T05:47:22.670" v="90" actId="20577"/>
+        <pc:sldMkLst>
+          <pc:docMk/>
+          <pc:sldMk cId="2854467813" sldId="270"/>
+        </pc:sldMkLst>
+      </pc:sldChg>
+      <pc:sldChg chg="delSp modSp mod modNotesTx">
+        <pc:chgData name="나 현희" userId="a7b73e83492eed8a" providerId="LiveId" clId="{B8747D04-A230-446C-931D-C4A96DAA135D}" dt="2023-03-31T06:21:25.384" v="1167" actId="20577"/>
+        <pc:sldMkLst>
+          <pc:docMk/>
+          <pc:sldMk cId="578698820" sldId="276"/>
+        </pc:sldMkLst>
+        <pc:spChg chg="del mod">
+          <ac:chgData name="나 현희" userId="a7b73e83492eed8a" providerId="LiveId" clId="{B8747D04-A230-446C-931D-C4A96DAA135D}" dt="2023-03-31T06:02:11.226" v="549" actId="21"/>
+          <ac:spMkLst>
+            <pc:docMk/>
+            <pc:sldMk cId="578698820" sldId="276"/>
+            <ac:spMk id="10" creationId="{BDBA28C2-416C-5E75-F319-243895AE4405}"/>
+          </ac:spMkLst>
+        </pc:spChg>
+      </pc:sldChg>
+      <pc:sldChg chg="modNotesTx">
+        <pc:chgData name="나 현희" userId="a7b73e83492eed8a" providerId="LiveId" clId="{B8747D04-A230-446C-931D-C4A96DAA135D}" dt="2023-03-31T05:59:29.236" v="532" actId="20577"/>
+        <pc:sldMkLst>
+          <pc:docMk/>
+          <pc:sldMk cId="2309608434" sldId="282"/>
+        </pc:sldMkLst>
+      </pc:sldChg>
+      <pc:sldChg chg="modNotesTx">
+        <pc:chgData name="나 현희" userId="a7b73e83492eed8a" providerId="LiveId" clId="{B8747D04-A230-446C-931D-C4A96DAA135D}" dt="2023-03-31T05:49:37.983" v="176" actId="20577"/>
+        <pc:sldMkLst>
+          <pc:docMk/>
+          <pc:sldMk cId="1257217762" sldId="285"/>
+        </pc:sldMkLst>
+      </pc:sldChg>
+    </pc:docChg>
+  </pc:docChgLst>
 </pc:chgInfo>
 </file>
 
@@ -1105,7 +1157,7 @@
           <a:p>
             <a:r>
               <a:rPr lang="ko-KR" altLang="en-US" dirty="0"/>
-              <a:t>음성 파일을 텍스트로 변화하여 </a:t>
+              <a:t>이에 따라 음성 파일을 텍스트로 변화하여 </a:t>
             </a:r>
             <a:r>
               <a:rPr lang="en-US" altLang="ko-KR" dirty="0"/>
@@ -1121,11 +1173,11 @@
             </a:r>
             <a:r>
               <a:rPr lang="ko-KR" altLang="en-US" dirty="0"/>
-              <a:t> 생각했습니다</a:t>
+              <a:t> 생각하여 주제를 선정했습니다</a:t>
             </a:r>
             <a:r>
               <a:rPr lang="en-US" altLang="ko-KR" dirty="0"/>
-              <a:t>.  </a:t>
+              <a:t>. </a:t>
             </a:r>
             <a:endParaRPr lang="ko-KR" altLang="en-US" dirty="0"/>
           </a:p>
@@ -2690,14 +2742,7 @@
           <a:p>
             <a:r>
               <a:rPr lang="ko-KR" altLang="en-US" dirty="0"/>
-              <a:t>다음으로 관련된 논문으로는 </a:t>
-            </a:r>
-            <a:endParaRPr lang="en-US" altLang="ko-KR" dirty="0"/>
-          </a:p>
-          <a:p>
-            <a:r>
-              <a:rPr lang="ko-KR" altLang="en-US" dirty="0"/>
-              <a:t>저희의 큰 키워드인 </a:t>
+              <a:t>다음으로 관련된 논문으로는 저희의 큰 키워드인 </a:t>
             </a:r>
             <a:r>
               <a:rPr lang="en-US" altLang="ko-KR" dirty="0"/>
@@ -2705,7 +2750,17 @@
             </a:r>
             <a:r>
               <a:rPr lang="ko-KR" altLang="en-US" dirty="0"/>
-              <a:t>으로 관련 연구를 찾아 </a:t>
+              <a:t>으로 관련 연구를 찾아보았습니다</a:t>
+            </a:r>
+            <a:r>
+              <a:rPr lang="en-US" altLang="ko-KR" dirty="0"/>
+              <a:t>. </a:t>
+            </a:r>
+          </a:p>
+          <a:p>
+            <a:r>
+              <a:rPr lang="ko-KR" altLang="en-US" dirty="0"/>
+              <a:t> </a:t>
             </a:r>
             <a:r>
               <a:rPr lang="en-US" altLang="ko-KR" dirty="0"/>
@@ -2874,7 +2929,7 @@
             </a:r>
             <a:r>
               <a:rPr lang="ko-KR" altLang="en-US" dirty="0"/>
-              <a:t>된 부분이 처리 되어 분리된 음성을 가지고 </a:t>
+              <a:t>된 부분이 처리 되어  </a:t>
             </a:r>
             <a:r>
               <a:rPr lang="en-US" altLang="ko-KR" dirty="0" err="1"/>
@@ -2882,7 +2937,15 @@
             </a:r>
             <a:r>
               <a:rPr lang="ko-KR" altLang="en-US" dirty="0"/>
-              <a:t>를 수행하여 출력된 </a:t>
+              <a:t>를 </a:t>
+            </a:r>
+            <a:r>
+              <a:rPr lang="ko-KR" altLang="en-US" dirty="0" err="1"/>
+              <a:t>수행할때</a:t>
+            </a:r>
+            <a:r>
+              <a:rPr lang="ko-KR" altLang="en-US" dirty="0"/>
+              <a:t>  출력된 </a:t>
             </a:r>
             <a:r>
               <a:rPr lang="en-US" altLang="ko-KR" dirty="0"/>
@@ -2898,11 +2961,19 @@
             </a:r>
             <a:r>
               <a:rPr lang="ko-KR" altLang="en-US" dirty="0"/>
-              <a:t>정확도를 상승시킬 계획입니다</a:t>
+              <a:t>정확도가 상승 </a:t>
+            </a:r>
+            <a:r>
+              <a:rPr lang="ko-KR" altLang="en-US" dirty="0" err="1"/>
+              <a:t>될거라고</a:t>
+            </a:r>
+            <a:r>
+              <a:rPr lang="ko-KR" altLang="en-US" dirty="0"/>
+              <a:t> 기대합니다</a:t>
             </a:r>
             <a:r>
               <a:rPr lang="en-US" altLang="ko-KR" dirty="0"/>
-              <a:t>.</a:t>
+              <a:t>. </a:t>
             </a:r>
           </a:p>
           <a:p>
@@ -3047,7 +3118,7 @@
           <a:p>
             <a:r>
               <a:rPr lang="ko-KR" altLang="en-US" dirty="0"/>
-              <a:t>위의 부분은 저희가 사용할 뉴스 데이터 예시를 일반적인 </a:t>
+              <a:t>위의 부분은 저희가 사용할 뉴스 데이터를 일반적인 </a:t>
             </a:r>
             <a:r>
               <a:rPr lang="en-US" altLang="ko-KR" dirty="0"/>
@@ -3055,7 +3126,7 @@
             </a:r>
             <a:r>
               <a:rPr lang="ko-KR" altLang="en-US" dirty="0"/>
-              <a:t>형식으로 출력이 된 모습이고</a:t>
+              <a:t>형식으로 기자의 말과 인터뷰 내용의 구분이 없이 출력이 된 모습이고</a:t>
             </a:r>
             <a:r>
               <a:rPr lang="en-US" altLang="ko-KR" dirty="0"/>
@@ -3065,7 +3136,15 @@
           <a:p>
             <a:r>
               <a:rPr lang="ko-KR" altLang="en-US" dirty="0"/>
-              <a:t>아래 부분은 저희가 요약에 사용할 </a:t>
+              <a:t>아래 부분은 저희가 요약 </a:t>
+            </a:r>
+            <a:r>
+              <a:rPr lang="en-US" altLang="ko-KR" dirty="0"/>
+              <a:t>input</a:t>
+            </a:r>
+            <a:r>
+              <a:rPr lang="ko-KR" altLang="en-US" dirty="0"/>
+              <a:t>으로 사용할 화자별로 구분 되어 있는 </a:t>
             </a:r>
             <a:r>
               <a:rPr lang="en-US" altLang="ko-KR" dirty="0"/>
@@ -3081,43 +3160,12 @@
             </a:r>
             <a:r>
               <a:rPr lang="ko-KR" altLang="en-US" dirty="0"/>
-              <a:t>입니다</a:t>
+              <a:t>예시입니다</a:t>
             </a:r>
             <a:r>
               <a:rPr lang="en-US" altLang="ko-KR" dirty="0"/>
               <a:t>. </a:t>
             </a:r>
-          </a:p>
-          <a:p>
-            <a:r>
-              <a:rPr lang="ko-KR" altLang="en-US" dirty="0"/>
-              <a:t>아래 부분처럼 화자별로 구분 되어 있는  </a:t>
-            </a:r>
-            <a:r>
-              <a:rPr lang="en-US" altLang="ko-KR" dirty="0"/>
-              <a:t>script </a:t>
-            </a:r>
-            <a:r>
-              <a:rPr lang="ko-KR" altLang="en-US" dirty="0"/>
-              <a:t>형식이 요약을 수행 </a:t>
-            </a:r>
-            <a:r>
-              <a:rPr lang="ko-KR" altLang="en-US" dirty="0" err="1"/>
-              <a:t>했을때의</a:t>
-            </a:r>
-            <a:r>
-              <a:rPr lang="ko-KR" altLang="en-US" dirty="0"/>
-              <a:t> 정확도 상승을 기대할 수 </a:t>
-            </a:r>
-            <a:r>
-              <a:rPr lang="ko-KR" altLang="en-US" dirty="0" err="1"/>
-              <a:t>있을것입니다</a:t>
-            </a:r>
-            <a:r>
-              <a:rPr lang="en-US" altLang="ko-KR" dirty="0"/>
-              <a:t>. </a:t>
-            </a:r>
-            <a:endParaRPr lang="ko-KR" altLang="en-US" dirty="0"/>
           </a:p>
         </p:txBody>
       </p:sp>
@@ -3498,6 +3546,14 @@
               <a:rPr lang="en-US" altLang="ko-KR" dirty="0" err="1"/>
               <a:t>espnet</a:t>
             </a:r>
+            <a:r>
+              <a:rPr lang="en-US" altLang="ko-KR" dirty="0"/>
+              <a:t>, LRS2</a:t>
+            </a:r>
+            <a:r>
+              <a:rPr lang="ko-KR" altLang="en-US" dirty="0"/>
+              <a:t>는 데이터셋</a:t>
+            </a:r>
             <a:endParaRPr lang="en-US" altLang="ko-KR" dirty="0"/>
           </a:p>
           <a:p>
@@ -3510,13 +3566,57 @@
               </a:spcAft>
               <a:buNone/>
             </a:pPr>
+            <a:endParaRPr lang="en-US" altLang="ko-KR" dirty="0"/>
+          </a:p>
+          <a:p>
+            <a:pPr marL="0" indent="0" algn="just" latinLnBrk="1">
+              <a:lnSpc>
+                <a:spcPct val="107000"/>
+              </a:lnSpc>
+              <a:spcAft>
+                <a:spcPts val="800"/>
+              </a:spcAft>
+              <a:buNone/>
+            </a:pPr>
             <a:r>
               <a:rPr lang="en-US" altLang="ko-KR" dirty="0" err="1"/>
-              <a:t>Espent</a:t>
+              <a:t>Paperswithcode</a:t>
+            </a:r>
+            <a:r>
+              <a:rPr lang="en-US" altLang="ko-KR" dirty="0"/>
+              <a:t> </a:t>
             </a:r>
             <a:r>
               <a:rPr lang="ko-KR" altLang="en-US" dirty="0"/>
-              <a:t>의 구조가 </a:t>
+              <a:t>에서 보면 </a:t>
+            </a:r>
+            <a:r>
+              <a:rPr lang="en-US" altLang="ko-KR" dirty="0" err="1"/>
+              <a:t>asr</a:t>
+            </a:r>
+            <a:r>
+              <a:rPr lang="en-US" altLang="ko-KR" dirty="0"/>
+              <a:t>(</a:t>
+            </a:r>
+            <a:r>
+              <a:rPr lang="ko-KR" altLang="en-US" dirty="0"/>
+              <a:t>자동 음성 인식</a:t>
+            </a:r>
+            <a:r>
+              <a:rPr lang="en-US" altLang="ko-KR" dirty="0"/>
+              <a:t>)</a:t>
+            </a:r>
+            <a:r>
+              <a:rPr lang="ko-KR" altLang="en-US" dirty="0"/>
+              <a:t>에</a:t>
+            </a:r>
+            <a:r>
+              <a:rPr lang="en-US" altLang="ko-KR" dirty="0"/>
+              <a:t> </a:t>
+            </a:r>
+            <a:r>
+              <a:rPr lang="ko-KR" altLang="en-US" dirty="0"/>
+              <a:t>사용된 모델에서 </a:t>
             </a:r>
             <a:r>
               <a:rPr lang="en-US" altLang="ko-KR" dirty="0"/>
@@ -3527,40 +3627,64 @@
               <a:t>Attenction</a:t>
             </a:r>
             <a:r>
-              <a:rPr lang="ko-KR" altLang="en-US" dirty="0"/>
-              <a:t>구조인데 </a:t>
-            </a:r>
-            <a:r>
-              <a:rPr lang="en-US" altLang="ko-KR" dirty="0" err="1"/>
-              <a:t>Paperswithcode</a:t>
-            </a:r>
-            <a:r>
               <a:rPr lang="en-US" altLang="ko-KR" dirty="0"/>
               <a:t> </a:t>
             </a:r>
             <a:r>
               <a:rPr lang="ko-KR" altLang="en-US" dirty="0"/>
-              <a:t>에서 보면 </a:t>
+              <a:t>모델을 사용하면 </a:t>
             </a:r>
             <a:r>
               <a:rPr lang="en-US" altLang="ko-KR" dirty="0" err="1"/>
-              <a:t>asr</a:t>
+              <a:t>wer</a:t>
+            </a:r>
+            <a:r>
+              <a:rPr lang="ko-KR" altLang="en-US" dirty="0"/>
+              <a:t>이 </a:t>
             </a:r>
             <a:r>
               <a:rPr lang="en-US" altLang="ko-KR" dirty="0"/>
-              <a:t>(</a:t>
+              <a:t>1.5</a:t>
             </a:r>
             <a:r>
               <a:rPr lang="ko-KR" altLang="en-US" dirty="0"/>
-              <a:t>자동 음성 인식</a:t>
+              <a:t> 으로 낮게 나와 오류가 적고 성능이 </a:t>
+            </a:r>
+            <a:r>
+              <a:rPr lang="ko-KR" altLang="en-US" dirty="0" err="1"/>
+              <a:t>좋은것으로</a:t>
+            </a:r>
+            <a:r>
+              <a:rPr lang="ko-KR" altLang="en-US" dirty="0"/>
+              <a:t> 확인</a:t>
+            </a:r>
+            <a:endParaRPr lang="en-US" altLang="ko-KR" dirty="0"/>
+          </a:p>
+          <a:p>
+            <a:pPr marL="0" indent="0" algn="just" latinLnBrk="1">
+              <a:lnSpc>
+                <a:spcPct val="107000"/>
+              </a:lnSpc>
+              <a:spcAft>
+                <a:spcPts val="800"/>
+              </a:spcAft>
+              <a:buNone/>
+            </a:pPr>
+            <a:r>
+              <a:rPr lang="ko-KR" altLang="en-US" dirty="0"/>
+              <a:t>그래서 저희 프로젝트 조건에 맞는 한국어가 지원되고 </a:t>
             </a:r>
             <a:r>
               <a:rPr lang="en-US" altLang="ko-KR" dirty="0"/>
-              <a:t>)</a:t>
+              <a:t>CTC/</a:t>
+            </a:r>
+            <a:r>
+              <a:rPr lang="en-US" altLang="ko-KR" dirty="0" err="1"/>
+              <a:t>Attenction</a:t>
             </a:r>
             <a:r>
               <a:rPr lang="ko-KR" altLang="en-US" dirty="0"/>
-              <a:t>에</a:t>
+              <a:t>을</a:t>
             </a:r>
             <a:r>
               <a:rPr lang="en-US" altLang="ko-KR" dirty="0"/>
@@ -3568,40 +3692,69 @@
             </a:r>
             <a:r>
               <a:rPr lang="ko-KR" altLang="en-US" dirty="0"/>
-              <a:t>사용된 모델에서 </a:t>
-            </a:r>
+              <a:t>사용하는 모델인 </a:t>
+            </a:r>
+            <a:r>
+              <a:rPr lang="en-US" altLang="ko-KR" dirty="0" err="1"/>
+              <a:t>espnet</a:t>
+            </a:r>
+            <a:r>
+              <a:rPr lang="ko-KR" altLang="en-US" dirty="0"/>
+              <a:t>을 사용</a:t>
+            </a:r>
+            <a:endParaRPr lang="en-US" altLang="ko-KR" dirty="0"/>
+          </a:p>
+          <a:p>
+            <a:pPr marL="0" indent="0" algn="just" latinLnBrk="1">
+              <a:lnSpc>
+                <a:spcPct val="107000"/>
+              </a:lnSpc>
+              <a:spcAft>
+                <a:spcPts val="800"/>
+              </a:spcAft>
+              <a:buNone/>
+            </a:pPr>
+            <a:endParaRPr lang="en-US" altLang="ko-KR" dirty="0"/>
+          </a:p>
+          <a:p>
+            <a:pPr marL="0" indent="0" algn="just" latinLnBrk="1">
+              <a:lnSpc>
+                <a:spcPct val="107000"/>
+              </a:lnSpc>
+              <a:spcAft>
+                <a:spcPts val="800"/>
+              </a:spcAft>
+              <a:buNone/>
+            </a:pPr>
             <a:r>
               <a:rPr lang="en-US" altLang="ko-KR" dirty="0"/>
-              <a:t>CTC/</a:t>
-            </a:r>
-            <a:r>
-              <a:rPr lang="en-US" altLang="ko-KR" dirty="0" err="1"/>
-              <a:t>Attenction</a:t>
+              <a:t>CTC:</a:t>
+            </a:r>
+            <a:r>
+              <a:rPr lang="ko-KR" altLang="en-US" dirty="0"/>
+              <a:t> 단어 시퀀스가 없더라도</a:t>
             </a:r>
             <a:r>
               <a:rPr lang="en-US" altLang="ko-KR" dirty="0"/>
-              <a:t> </a:t>
+              <a:t>, </a:t>
             </a:r>
             <a:r>
               <a:rPr lang="ko-KR" altLang="en-US" dirty="0"/>
-              <a:t>모델을 사용하면 </a:t>
-            </a:r>
-            <a:r>
-              <a:rPr lang="en-US" altLang="ko-KR" dirty="0" err="1"/>
-              <a:t>wer</a:t>
-            </a:r>
-            <a:r>
-              <a:rPr lang="ko-KR" altLang="en-US" dirty="0"/>
-              <a:t>이 </a:t>
-            </a:r>
-            <a:r>
-              <a:rPr lang="en-US" altLang="ko-KR" dirty="0"/>
-              <a:t>1.5</a:t>
-            </a:r>
-            <a:r>
-              <a:rPr lang="ko-KR" altLang="en-US" dirty="0"/>
-              <a:t>로 낮게 나와 사용하기로 함 </a:t>
-            </a:r>
+              <a:t>음성과 단어 만으로 쉽게 음성 시간상에 따른 단어 매핑이 가능</a:t>
+            </a:r>
+            <a:endParaRPr lang="en-US" altLang="ko-KR"/>
+          </a:p>
+          <a:p>
+            <a:pPr marL="0" indent="0" algn="just" latinLnBrk="1">
+              <a:lnSpc>
+                <a:spcPct val="107000"/>
+              </a:lnSpc>
+              <a:spcAft>
+                <a:spcPts val="800"/>
+              </a:spcAft>
+              <a:buNone/>
+            </a:pPr>
+            <a:endParaRPr lang="ko-KR" altLang="en-US" dirty="0"/>
           </a:p>
         </p:txBody>
       </p:sp>
@@ -14383,42 +14536,6 @@
           <a:p>
             <a:pPr algn="ctr"/>
             <a:endParaRPr lang="ko-KR" altLang="en-US"/>
-          </a:p>
-        </p:txBody>
-      </p:sp>
-      <p:sp>
-        <p:nvSpPr>
-          <p:cNvPr id="10" name="TextBox 9">
-            <a:extLst>
-              <a:ext uri="{FF2B5EF4-FFF2-40B4-BE49-F238E27FC236}">
-                <a16:creationId xmlns:a16="http://schemas.microsoft.com/office/drawing/2014/main" id="{BDBA28C2-416C-5E75-F319-243895AE4405}"/>
-              </a:ext>
-            </a:extLst>
-          </p:cNvPr>
-          <p:cNvSpPr txBox="1"/>
-          <p:nvPr/>
-        </p:nvSpPr>
-        <p:spPr>
-          <a:xfrm>
-            <a:off x="4427984" y="6018820"/>
-            <a:ext cx="1872208" cy="369332"/>
-          </a:xfrm>
-          <a:prstGeom prst="rect">
-            <a:avLst/>
-          </a:prstGeom>
-          <a:noFill/>
-        </p:spPr>
-        <p:txBody>
-          <a:bodyPr wrap="square" rtlCol="0">
-            <a:spAutoFit/>
-          </a:bodyPr>
-          <a:lstStyle/>
-          <a:p>
-            <a:r>
-              <a:rPr lang="en-US" altLang="ko-KR" dirty="0" err="1"/>
-              <a:t>paperswithcode</a:t>
-            </a:r>
-            <a:endParaRPr lang="ko-KR" altLang="en-US" dirty="0"/>
           </a:p>
         </p:txBody>
       </p:sp>

--- a/ppt/0403_2조_주제 발표.pptx
+++ b/ppt/0403_2조_주제 발표.pptx
@@ -5,7 +5,7 @@
     <p:sldMasterId id="2147483696" r:id="rId1"/>
   </p:sldMasterIdLst>
   <p:notesMasterIdLst>
-    <p:notesMasterId r:id="rId21"/>
+    <p:notesMasterId r:id="rId24"/>
   </p:notesMasterIdLst>
   <p:sldIdLst>
     <p:sldId id="256" r:id="rId2"/>
@@ -14,19 +14,22 @@
     <p:sldId id="270" r:id="rId5"/>
     <p:sldId id="285" r:id="rId6"/>
     <p:sldId id="282" r:id="rId7"/>
-    <p:sldId id="283" r:id="rId8"/>
-    <p:sldId id="284" r:id="rId9"/>
-    <p:sldId id="276" r:id="rId10"/>
-    <p:sldId id="287" r:id="rId11"/>
-    <p:sldId id="271" r:id="rId12"/>
-    <p:sldId id="277" r:id="rId13"/>
-    <p:sldId id="278" r:id="rId14"/>
-    <p:sldId id="279" r:id="rId15"/>
-    <p:sldId id="280" r:id="rId16"/>
-    <p:sldId id="281" r:id="rId17"/>
-    <p:sldId id="273" r:id="rId18"/>
-    <p:sldId id="274" r:id="rId19"/>
-    <p:sldId id="275" r:id="rId20"/>
+    <p:sldId id="288" r:id="rId8"/>
+    <p:sldId id="289" r:id="rId9"/>
+    <p:sldId id="290" r:id="rId10"/>
+    <p:sldId id="283" r:id="rId11"/>
+    <p:sldId id="284" r:id="rId12"/>
+    <p:sldId id="276" r:id="rId13"/>
+    <p:sldId id="287" r:id="rId14"/>
+    <p:sldId id="271" r:id="rId15"/>
+    <p:sldId id="277" r:id="rId16"/>
+    <p:sldId id="278" r:id="rId17"/>
+    <p:sldId id="279" r:id="rId18"/>
+    <p:sldId id="280" r:id="rId19"/>
+    <p:sldId id="281" r:id="rId20"/>
+    <p:sldId id="273" r:id="rId21"/>
+    <p:sldId id="274" r:id="rId22"/>
+    <p:sldId id="275" r:id="rId23"/>
   </p:sldIdLst>
   <p:sldSz cx="9144000" cy="6858000" type="screen4x3"/>
   <p:notesSz cx="6858000" cy="9144000"/>
@@ -150,7 +153,7 @@
 <file path=ppt/revisionInfo.xml><?xml version="1.0" encoding="utf-8"?>
 <p1510:revInfo xmlns:a="http://schemas.openxmlformats.org/drawingml/2006/main" xmlns:r="http://schemas.openxmlformats.org/officeDocument/2006/relationships" xmlns:p1510="http://schemas.microsoft.com/office/powerpoint/2015/10/main">
   <p1510:revLst>
-    <p1510:client id="{AC282E98-0482-4415-A832-5369105703C8}" v="6" dt="2023-03-31T02:25:45.497"/>
+    <p1510:client id="{0DFFC0BF-18C1-4C1F-850A-B5FF6271B00E}" v="71" dt="2023-04-02T06:24:37.475"/>
   </p1510:revLst>
 </p1510:revInfo>
 </file>
@@ -668,6 +671,177 @@
     </pc:docChg>
   </pc:docChgLst>
   <pc:docChgLst>
+    <pc:chgData name="나 현희" userId="a7b73e83492eed8a" providerId="LiveId" clId="{0DFFC0BF-18C1-4C1F-850A-B5FF6271B00E}"/>
+    <pc:docChg chg="custSel addSld modSld">
+      <pc:chgData name="나 현희" userId="a7b73e83492eed8a" providerId="LiveId" clId="{0DFFC0BF-18C1-4C1F-850A-B5FF6271B00E}" dt="2023-04-02T06:32:19.910" v="1019" actId="20577"/>
+      <pc:docMkLst>
+        <pc:docMk/>
+      </pc:docMkLst>
+      <pc:sldChg chg="modSp mod">
+        <pc:chgData name="나 현희" userId="a7b73e83492eed8a" providerId="LiveId" clId="{0DFFC0BF-18C1-4C1F-850A-B5FF6271B00E}" dt="2023-04-01T04:22:45.849" v="56" actId="20577"/>
+        <pc:sldMkLst>
+          <pc:docMk/>
+          <pc:sldMk cId="3379527580" sldId="256"/>
+        </pc:sldMkLst>
+        <pc:spChg chg="mod">
+          <ac:chgData name="나 현희" userId="a7b73e83492eed8a" providerId="LiveId" clId="{0DFFC0BF-18C1-4C1F-850A-B5FF6271B00E}" dt="2023-04-01T04:22:45.849" v="56" actId="20577"/>
+          <ac:spMkLst>
+            <pc:docMk/>
+            <pc:sldMk cId="3379527580" sldId="256"/>
+            <ac:spMk id="2" creationId="{00000000-0000-0000-0000-000000000000}"/>
+          </ac:spMkLst>
+        </pc:spChg>
+        <pc:spChg chg="mod">
+          <ac:chgData name="나 현희" userId="a7b73e83492eed8a" providerId="LiveId" clId="{0DFFC0BF-18C1-4C1F-850A-B5FF6271B00E}" dt="2023-03-31T07:02:15.302" v="28" actId="20577"/>
+          <ac:spMkLst>
+            <pc:docMk/>
+            <pc:sldMk cId="3379527580" sldId="256"/>
+            <ac:spMk id="3" creationId="{00000000-0000-0000-0000-000000000000}"/>
+          </ac:spMkLst>
+        </pc:spChg>
+      </pc:sldChg>
+      <pc:sldChg chg="modSp mod">
+        <pc:chgData name="나 현희" userId="a7b73e83492eed8a" providerId="LiveId" clId="{0DFFC0BF-18C1-4C1F-850A-B5FF6271B00E}" dt="2023-04-01T04:34:11.701" v="265" actId="20577"/>
+        <pc:sldMkLst>
+          <pc:docMk/>
+          <pc:sldMk cId="824250085" sldId="280"/>
+        </pc:sldMkLst>
+        <pc:spChg chg="mod">
+          <ac:chgData name="나 현희" userId="a7b73e83492eed8a" providerId="LiveId" clId="{0DFFC0BF-18C1-4C1F-850A-B5FF6271B00E}" dt="2023-04-01T04:34:11.701" v="265" actId="20577"/>
+          <ac:spMkLst>
+            <pc:docMk/>
+            <pc:sldMk cId="824250085" sldId="280"/>
+            <ac:spMk id="2" creationId="{00000000-0000-0000-0000-000000000000}"/>
+          </ac:spMkLst>
+        </pc:spChg>
+      </pc:sldChg>
+      <pc:sldChg chg="modNotesTx">
+        <pc:chgData name="나 현희" userId="a7b73e83492eed8a" providerId="LiveId" clId="{0DFFC0BF-18C1-4C1F-850A-B5FF6271B00E}" dt="2023-03-31T06:57:03.967" v="24" actId="20577"/>
+        <pc:sldMkLst>
+          <pc:docMk/>
+          <pc:sldMk cId="1257217762" sldId="285"/>
+        </pc:sldMkLst>
+      </pc:sldChg>
+      <pc:sldChg chg="addSp modSp new mod modNotesTx">
+        <pc:chgData name="나 현희" userId="a7b73e83492eed8a" providerId="LiveId" clId="{0DFFC0BF-18C1-4C1F-850A-B5FF6271B00E}" dt="2023-04-02T06:28:00.123" v="657" actId="20577"/>
+        <pc:sldMkLst>
+          <pc:docMk/>
+          <pc:sldMk cId="3407349212" sldId="288"/>
+        </pc:sldMkLst>
+        <pc:spChg chg="mod">
+          <ac:chgData name="나 현희" userId="a7b73e83492eed8a" providerId="LiveId" clId="{0DFFC0BF-18C1-4C1F-850A-B5FF6271B00E}" dt="2023-04-02T06:10:30.723" v="266"/>
+          <ac:spMkLst>
+            <pc:docMk/>
+            <pc:sldMk cId="3407349212" sldId="288"/>
+            <ac:spMk id="2" creationId="{0BC11CF3-C165-5C9A-9BDB-024B81B91944}"/>
+          </ac:spMkLst>
+        </pc:spChg>
+        <pc:spChg chg="mod">
+          <ac:chgData name="나 현희" userId="a7b73e83492eed8a" providerId="LiveId" clId="{0DFFC0BF-18C1-4C1F-850A-B5FF6271B00E}" dt="2023-04-02T06:14:08.188" v="377" actId="14100"/>
+          <ac:spMkLst>
+            <pc:docMk/>
+            <pc:sldMk cId="3407349212" sldId="288"/>
+            <ac:spMk id="3" creationId="{9BDA6ED2-294C-0996-9DB4-B6025911CC2B}"/>
+          </ac:spMkLst>
+        </pc:spChg>
+        <pc:spChg chg="add mod">
+          <ac:chgData name="나 현희" userId="a7b73e83492eed8a" providerId="LiveId" clId="{0DFFC0BF-18C1-4C1F-850A-B5FF6271B00E}" dt="2023-04-02T06:15:06.273" v="379" actId="1076"/>
+          <ac:spMkLst>
+            <pc:docMk/>
+            <pc:sldMk cId="3407349212" sldId="288"/>
+            <ac:spMk id="4" creationId="{6C319867-8058-7D36-E2CD-A5E148A7CCF1}"/>
+          </ac:spMkLst>
+        </pc:spChg>
+        <pc:picChg chg="add mod">
+          <ac:chgData name="나 현희" userId="a7b73e83492eed8a" providerId="LiveId" clId="{0DFFC0BF-18C1-4C1F-850A-B5FF6271B00E}" dt="2023-04-02T06:15:14.718" v="381" actId="1076"/>
+          <ac:picMkLst>
+            <pc:docMk/>
+            <pc:sldMk cId="3407349212" sldId="288"/>
+            <ac:picMk id="6" creationId="{14A7F91D-1B2A-F2B9-EDAE-B4658725D854}"/>
+          </ac:picMkLst>
+        </pc:picChg>
+      </pc:sldChg>
+      <pc:sldChg chg="addSp delSp modSp new mod delAnim modAnim modNotesTx">
+        <pc:chgData name="나 현희" userId="a7b73e83492eed8a" providerId="LiveId" clId="{0DFFC0BF-18C1-4C1F-850A-B5FF6271B00E}" dt="2023-04-02T06:28:22.819" v="726" actId="20577"/>
+        <pc:sldMkLst>
+          <pc:docMk/>
+          <pc:sldMk cId="1210131925" sldId="289"/>
+        </pc:sldMkLst>
+        <pc:spChg chg="mod">
+          <ac:chgData name="나 현희" userId="a7b73e83492eed8a" providerId="LiveId" clId="{0DFFC0BF-18C1-4C1F-850A-B5FF6271B00E}" dt="2023-04-02T06:15:21.149" v="383"/>
+          <ac:spMkLst>
+            <pc:docMk/>
+            <pc:sldMk cId="1210131925" sldId="289"/>
+            <ac:spMk id="2" creationId="{616FEB06-686E-9029-6FD5-A3916E465AC1}"/>
+          </ac:spMkLst>
+        </pc:spChg>
+        <pc:spChg chg="mod">
+          <ac:chgData name="나 현희" userId="a7b73e83492eed8a" providerId="LiveId" clId="{0DFFC0BF-18C1-4C1F-850A-B5FF6271B00E}" dt="2023-04-02T06:24:37.475" v="503" actId="255"/>
+          <ac:spMkLst>
+            <pc:docMk/>
+            <pc:sldMk cId="1210131925" sldId="289"/>
+            <ac:spMk id="3" creationId="{3C475B87-ECD7-60B5-1565-5B91095AE973}"/>
+          </ac:spMkLst>
+        </pc:spChg>
+        <pc:spChg chg="add del mod">
+          <ac:chgData name="나 현희" userId="a7b73e83492eed8a" providerId="LiveId" clId="{0DFFC0BF-18C1-4C1F-850A-B5FF6271B00E}" dt="2023-04-02T06:23:40.733" v="437" actId="478"/>
+          <ac:spMkLst>
+            <pc:docMk/>
+            <pc:sldMk cId="1210131925" sldId="289"/>
+            <ac:spMk id="4" creationId="{C250D627-0919-3E8F-267F-2A2F78D73997}"/>
+          </ac:spMkLst>
+        </pc:spChg>
+        <pc:picChg chg="add del mod">
+          <ac:chgData name="나 현희" userId="a7b73e83492eed8a" providerId="LiveId" clId="{0DFFC0BF-18C1-4C1F-850A-B5FF6271B00E}" dt="2023-04-02T06:23:38.468" v="436" actId="478"/>
+          <ac:picMkLst>
+            <pc:docMk/>
+            <pc:sldMk cId="1210131925" sldId="289"/>
+            <ac:picMk id="6" creationId="{00C4C412-7991-A580-6C46-998E1FE0303B}"/>
+          </ac:picMkLst>
+        </pc:picChg>
+      </pc:sldChg>
+      <pc:sldChg chg="addSp delSp modSp new mod modNotesTx">
+        <pc:chgData name="나 현희" userId="a7b73e83492eed8a" providerId="LiveId" clId="{0DFFC0BF-18C1-4C1F-850A-B5FF6271B00E}" dt="2023-04-02T06:32:19.910" v="1019" actId="20577"/>
+        <pc:sldMkLst>
+          <pc:docMk/>
+          <pc:sldMk cId="2799130324" sldId="290"/>
+        </pc:sldMkLst>
+        <pc:spChg chg="del">
+          <ac:chgData name="나 현희" userId="a7b73e83492eed8a" providerId="LiveId" clId="{0DFFC0BF-18C1-4C1F-850A-B5FF6271B00E}" dt="2023-04-02T06:26:12" v="507" actId="26606"/>
+          <ac:spMkLst>
+            <pc:docMk/>
+            <pc:sldMk cId="2799130324" sldId="290"/>
+            <ac:spMk id="2" creationId="{FACA7D74-56B0-7BF3-BF67-DA5F19BC5D52}"/>
+          </ac:spMkLst>
+        </pc:spChg>
+        <pc:spChg chg="del">
+          <ac:chgData name="나 현희" userId="a7b73e83492eed8a" providerId="LiveId" clId="{0DFFC0BF-18C1-4C1F-850A-B5FF6271B00E}" dt="2023-04-02T06:26:12" v="507" actId="26606"/>
+          <ac:spMkLst>
+            <pc:docMk/>
+            <pc:sldMk cId="2799130324" sldId="290"/>
+            <ac:spMk id="3" creationId="{121F066C-1CAE-B4C7-A6AB-D37AD8849B83}"/>
+          </ac:spMkLst>
+        </pc:spChg>
+        <pc:spChg chg="add mod">
+          <ac:chgData name="나 현희" userId="a7b73e83492eed8a" providerId="LiveId" clId="{0DFFC0BF-18C1-4C1F-850A-B5FF6271B00E}" dt="2023-04-02T06:26:19.987" v="508"/>
+          <ac:spMkLst>
+            <pc:docMk/>
+            <pc:sldMk cId="2799130324" sldId="290"/>
+            <ac:spMk id="10" creationId="{15E88B6D-BDA1-AFC4-2F37-8B15DD9E44DC}"/>
+          </ac:spMkLst>
+        </pc:spChg>
+        <pc:picChg chg="add mod">
+          <ac:chgData name="나 현희" userId="a7b73e83492eed8a" providerId="LiveId" clId="{0DFFC0BF-18C1-4C1F-850A-B5FF6271B00E}" dt="2023-04-02T06:26:12" v="507" actId="26606"/>
+          <ac:picMkLst>
+            <pc:docMk/>
+            <pc:sldMk cId="2799130324" sldId="290"/>
+            <ac:picMk id="5" creationId="{438814E9-D62E-D86F-55ED-947D53892BA6}"/>
+          </ac:picMkLst>
+        </pc:picChg>
+      </pc:sldChg>
+    </pc:docChg>
+  </pc:docChgLst>
+  <pc:docChgLst>
     <pc:chgData name="나 현희" userId="a7b73e83492eed8a" providerId="LiveId" clId="{B8747D04-A230-446C-931D-C4A96DAA135D}"/>
     <pc:docChg chg="undo custSel modSld">
       <pc:chgData name="나 현희" userId="a7b73e83492eed8a" providerId="LiveId" clId="{B8747D04-A230-446C-931D-C4A96DAA135D}" dt="2023-03-31T06:21:25.384" v="1167" actId="20577"/>
@@ -804,7 +978,7 @@
           <a:p>
             <a:fld id="{50138154-59DF-461E-B1C9-8D189C980A7E}" type="datetimeFigureOut">
               <a:rPr lang="ko-KR" altLang="en-US" smtClean="0"/>
-              <a:t>2023-03-31</a:t>
+              <a:t>2023-04-02</a:t>
             </a:fld>
             <a:endParaRPr lang="ko-KR" altLang="en-US"/>
           </a:p>
@@ -1264,206 +1438,50 @@
           <a:lstStyle/>
           <a:p>
             <a:r>
-              <a:rPr lang="ko-KR" altLang="en-US" b="0" i="0" dirty="0">
-                <a:solidFill>
-                  <a:srgbClr val="374151"/>
-                </a:solidFill>
-                <a:effectLst/>
-                <a:latin typeface="Söhne"/>
-              </a:rPr>
-              <a:t>저희가 사용할 화자 분리 모델은 다음과 같습니다</a:t>
-            </a:r>
-            <a:r>
-              <a:rPr lang="en-US" altLang="ko-KR" b="0" i="0" dirty="0">
-                <a:solidFill>
-                  <a:srgbClr val="374151"/>
-                </a:solidFill>
-                <a:effectLst/>
-                <a:latin typeface="Söhne"/>
-              </a:rPr>
+              <a:rPr lang="ko-KR" altLang="en-US" dirty="0"/>
+              <a:t>역할 분담으로 저는 </a:t>
+            </a:r>
+            <a:r>
+              <a:rPr lang="en-US" altLang="ko-KR" dirty="0" err="1"/>
+              <a:t>stt</a:t>
+            </a:r>
+            <a:r>
+              <a:rPr lang="en-US" altLang="ko-KR" dirty="0"/>
+              <a:t> </a:t>
+            </a:r>
+            <a:r>
+              <a:rPr lang="ko-KR" altLang="en-US" dirty="0"/>
+              <a:t>데이터 및 모델 학습</a:t>
+            </a:r>
+            <a:r>
+              <a:rPr lang="en-US" altLang="ko-KR" dirty="0"/>
+              <a:t>, </a:t>
+            </a:r>
+            <a:r>
+              <a:rPr lang="ko-KR" altLang="en-US" dirty="0"/>
+              <a:t>텍스트 후처리를 진행하고</a:t>
+            </a:r>
+            <a:r>
+              <a:rPr lang="en-US" altLang="ko-KR" dirty="0"/>
+              <a:t>, </a:t>
+            </a:r>
+            <a:r>
+              <a:rPr lang="ko-KR" altLang="en-US" dirty="0"/>
+              <a:t>신원철 학우는 화자 분리 데이터 및 모델 학습</a:t>
+            </a:r>
+            <a:r>
+              <a:rPr lang="en-US" altLang="ko-KR" dirty="0"/>
+              <a:t>, </a:t>
+            </a:r>
+            <a:r>
+              <a:rPr lang="ko-KR" altLang="en-US" dirty="0"/>
+              <a:t>요약을 진행 하기로 했습니다</a:t>
+            </a:r>
+            <a:r>
+              <a:rPr lang="en-US" altLang="ko-KR" dirty="0"/>
               <a:t>. </a:t>
             </a:r>
-            <a:r>
-              <a:rPr lang="ko-KR" altLang="en-US" b="0" i="0" dirty="0">
-                <a:solidFill>
-                  <a:srgbClr val="374151"/>
-                </a:solidFill>
-                <a:effectLst/>
-                <a:latin typeface="Söhne"/>
-              </a:rPr>
-              <a:t>해당 그래프는 저희가 사용할 </a:t>
-            </a:r>
-            <a:r>
-              <a:rPr lang="en-US" altLang="ko-KR" b="0" i="0" dirty="0" err="1">
-                <a:solidFill>
-                  <a:srgbClr val="374151"/>
-                </a:solidFill>
-                <a:effectLst/>
-                <a:latin typeface="Söhne"/>
-              </a:rPr>
-              <a:t>Librimix</a:t>
-            </a:r>
-            <a:r>
-              <a:rPr lang="en-US" altLang="ko-KR" b="0" i="0" dirty="0">
-                <a:solidFill>
-                  <a:srgbClr val="374151"/>
-                </a:solidFill>
-                <a:effectLst/>
-                <a:latin typeface="Söhne"/>
-              </a:rPr>
-              <a:t> dataset</a:t>
-            </a:r>
-            <a:r>
-              <a:rPr lang="ko-KR" altLang="en-US" b="0" i="0" dirty="0">
-                <a:solidFill>
-                  <a:srgbClr val="374151"/>
-                </a:solidFill>
-                <a:effectLst/>
-                <a:latin typeface="Söhne"/>
-              </a:rPr>
-              <a:t>을 기준으로 한 </a:t>
-            </a:r>
-            <a:r>
-              <a:rPr lang="ko-KR" altLang="en-US" b="0" i="0" dirty="0" err="1">
-                <a:solidFill>
-                  <a:srgbClr val="374151"/>
-                </a:solidFill>
-                <a:effectLst/>
-                <a:latin typeface="Söhne"/>
-              </a:rPr>
-              <a:t>모델별</a:t>
-            </a:r>
-            <a:r>
-              <a:rPr lang="ko-KR" altLang="en-US" b="0" i="0" dirty="0">
-                <a:solidFill>
-                  <a:srgbClr val="374151"/>
-                </a:solidFill>
-                <a:effectLst/>
-                <a:latin typeface="Söhne"/>
-              </a:rPr>
-              <a:t> </a:t>
-            </a:r>
-            <a:r>
-              <a:rPr lang="en-US" altLang="ko-KR" b="0" i="0" dirty="0" err="1">
-                <a:solidFill>
-                  <a:srgbClr val="374151"/>
-                </a:solidFill>
-                <a:effectLst/>
-                <a:latin typeface="Söhne"/>
-              </a:rPr>
-              <a:t>SDRi</a:t>
-            </a:r>
-            <a:r>
-              <a:rPr lang="en-US" altLang="ko-KR" b="0" i="0" dirty="0">
-                <a:solidFill>
-                  <a:srgbClr val="374151"/>
-                </a:solidFill>
-                <a:effectLst/>
-                <a:latin typeface="Söhne"/>
-              </a:rPr>
-              <a:t> </a:t>
-            </a:r>
-            <a:r>
-              <a:rPr lang="ko-KR" altLang="en-US" b="0" i="0" dirty="0">
-                <a:solidFill>
-                  <a:srgbClr val="374151"/>
-                </a:solidFill>
-                <a:effectLst/>
-                <a:latin typeface="Söhne"/>
-              </a:rPr>
-              <a:t>성능비교 그래프 입니다</a:t>
-            </a:r>
-            <a:r>
-              <a:rPr lang="en-US" altLang="ko-KR" b="0" i="0" dirty="0">
-                <a:solidFill>
-                  <a:srgbClr val="374151"/>
-                </a:solidFill>
-                <a:effectLst/>
-                <a:latin typeface="Söhne"/>
-              </a:rPr>
-              <a:t>. </a:t>
-            </a:r>
-            <a:r>
-              <a:rPr lang="ko-KR" altLang="en-US" b="0" i="0" dirty="0">
-                <a:solidFill>
-                  <a:srgbClr val="374151"/>
-                </a:solidFill>
-                <a:effectLst/>
-                <a:latin typeface="Söhne"/>
-              </a:rPr>
-              <a:t>저희가 사용할 모델의 성능은 그래프의 해당 지점에 위치합니다</a:t>
-            </a:r>
-            <a:r>
-              <a:rPr lang="en-US" altLang="ko-KR" b="0" i="0" dirty="0">
-                <a:solidFill>
-                  <a:srgbClr val="374151"/>
-                </a:solidFill>
-                <a:effectLst/>
-                <a:latin typeface="Söhne"/>
-              </a:rPr>
-              <a:t>. </a:t>
-            </a:r>
-          </a:p>
-          <a:p>
-            <a:endParaRPr lang="en-US" altLang="ko-KR" b="0" i="0" dirty="0">
-              <a:solidFill>
-                <a:srgbClr val="374151"/>
-              </a:solidFill>
-              <a:effectLst/>
-              <a:latin typeface="Söhne"/>
-            </a:endParaRPr>
-          </a:p>
-          <a:p>
-            <a:r>
-              <a:rPr lang="en-US" altLang="ko-KR" b="0" i="0" dirty="0" err="1">
-                <a:solidFill>
-                  <a:srgbClr val="374151"/>
-                </a:solidFill>
-                <a:effectLst/>
-                <a:latin typeface="Söhne"/>
-              </a:rPr>
-              <a:t>SDRi</a:t>
-            </a:r>
-            <a:r>
-              <a:rPr lang="ko-KR" altLang="en-US" b="0" i="0" dirty="0">
-                <a:solidFill>
-                  <a:srgbClr val="374151"/>
-                </a:solidFill>
-                <a:effectLst/>
-                <a:latin typeface="Söhne"/>
-              </a:rPr>
-              <a:t>은 분리된 음성 신호와 원본 음성 신호 간의 신호 대 신호 비</a:t>
-            </a:r>
-            <a:r>
-              <a:rPr lang="en-US" altLang="ko-KR" b="0" i="0" dirty="0">
-                <a:solidFill>
-                  <a:srgbClr val="374151"/>
-                </a:solidFill>
-                <a:effectLst/>
-                <a:latin typeface="Söhne"/>
-              </a:rPr>
-              <a:t>(ratio)</a:t>
-            </a:r>
-            <a:r>
-              <a:rPr lang="ko-KR" altLang="en-US" b="0" i="0" dirty="0">
-                <a:solidFill>
-                  <a:srgbClr val="374151"/>
-                </a:solidFill>
-                <a:effectLst/>
-                <a:latin typeface="Söhne"/>
-              </a:rPr>
-              <a:t>를 계산한 것으로 다음과 같이 비교됩니다</a:t>
-            </a:r>
-            <a:r>
-              <a:rPr lang="en-US" altLang="ko-KR" b="0" i="0" dirty="0">
-                <a:solidFill>
-                  <a:srgbClr val="374151"/>
-                </a:solidFill>
-                <a:effectLst/>
-                <a:latin typeface="Söhne"/>
-              </a:rPr>
-              <a:t>. </a:t>
-            </a:r>
+            <a:endParaRPr lang="ko-KR" altLang="en-US" dirty="0"/>
           </a:p>
         </p:txBody>
       </p:sp>
@@ -1493,7 +1511,7 @@
     </p:spTree>
     <p:extLst>
       <p:ext uri="{BB962C8B-B14F-4D97-AF65-F5344CB8AC3E}">
-        <p14:creationId xmlns:p14="http://schemas.microsoft.com/office/powerpoint/2010/main" val="2049252655"/>
+        <p14:creationId xmlns:p14="http://schemas.microsoft.com/office/powerpoint/2010/main" val="3159588261"/>
       </p:ext>
     </p:extLst>
   </p:cSld>
@@ -1547,130 +1565,235 @@
           <a:bodyPr/>
           <a:lstStyle/>
           <a:p>
-            <a:pPr marL="0" marR="0" lvl="0" indent="0" algn="l" defTabSz="914400" rtl="0" eaLnBrk="1" fontAlgn="auto" latinLnBrk="1" hangingPunct="1">
+            <a:pPr marL="0" indent="0" algn="just" latinLnBrk="1">
               <a:lnSpc>
-                <a:spcPct val="100000"/>
+                <a:spcPct val="107000"/>
               </a:lnSpc>
-              <a:spcBef>
-                <a:spcPts val="0"/>
-              </a:spcBef>
               <a:spcAft>
-                <a:spcPts val="0"/>
+                <a:spcPts val="800"/>
               </a:spcAft>
-              <a:buClrTx/>
-              <a:buSzTx/>
-              <a:buFontTx/>
               <a:buNone/>
-              <a:tabLst/>
-              <a:defRPr/>
             </a:pPr>
-            <a:r>
-              <a:rPr lang="ko-KR" altLang="en-US" dirty="0"/>
-              <a:t>저희가 </a:t>
-            </a:r>
             <a:r>
               <a:rPr lang="en-US" altLang="ko-KR" dirty="0"/>
               <a:t>STT</a:t>
             </a:r>
             <a:r>
               <a:rPr lang="ko-KR" altLang="en-US" dirty="0"/>
-              <a:t>모델을 학습할 때 사용할 음성 데이터는 </a:t>
+              <a:t>로 사용할 모델은 </a:t>
             </a:r>
             <a:r>
               <a:rPr lang="en-US" altLang="ko-KR" dirty="0" err="1"/>
-              <a:t>ksponspeech</a:t>
+              <a:t>espnet</a:t>
+            </a:r>
+            <a:r>
+              <a:rPr lang="en-US" altLang="ko-KR" dirty="0"/>
+              <a:t>, LRS2</a:t>
             </a:r>
             <a:r>
               <a:rPr lang="ko-KR" altLang="en-US" dirty="0"/>
-              <a:t>입니다</a:t>
+              <a:t>는 데이터셋</a:t>
+            </a:r>
+            <a:endParaRPr lang="en-US" altLang="ko-KR" dirty="0"/>
+          </a:p>
+          <a:p>
+            <a:pPr marL="0" indent="0" algn="just" latinLnBrk="1">
+              <a:lnSpc>
+                <a:spcPct val="107000"/>
+              </a:lnSpc>
+              <a:spcAft>
+                <a:spcPts val="800"/>
+              </a:spcAft>
+              <a:buNone/>
+            </a:pPr>
+            <a:endParaRPr lang="en-US" altLang="ko-KR" dirty="0"/>
+          </a:p>
+          <a:p>
+            <a:pPr marL="0" indent="0" algn="just" latinLnBrk="1">
+              <a:lnSpc>
+                <a:spcPct val="107000"/>
+              </a:lnSpc>
+              <a:spcAft>
+                <a:spcPts val="800"/>
+              </a:spcAft>
+              <a:buNone/>
+            </a:pPr>
+            <a:r>
+              <a:rPr lang="en-US" altLang="ko-KR" dirty="0" err="1"/>
+              <a:t>Paperswithcode</a:t>
             </a:r>
             <a:r>
               <a:rPr lang="en-US" altLang="ko-KR" dirty="0"/>
-              <a:t>. </a:t>
-            </a:r>
-            <a:r>
-              <a:rPr lang="ko-KR" altLang="en-US" b="0" i="0" dirty="0">
-                <a:solidFill>
-                  <a:srgbClr val="ECECEC"/>
-                </a:solidFill>
-                <a:effectLst/>
-                <a:latin typeface="-apple-system"/>
-              </a:rPr>
-              <a:t>해당 데이터셋은 약 </a:t>
-            </a:r>
-            <a:r>
-              <a:rPr lang="en-US" altLang="ko-KR" b="0" i="0" dirty="0">
-                <a:solidFill>
-                  <a:srgbClr val="ECECEC"/>
-                </a:solidFill>
-                <a:effectLst/>
-                <a:latin typeface="-apple-system"/>
-              </a:rPr>
-              <a:t>2000</a:t>
-            </a:r>
-            <a:r>
-              <a:rPr lang="ko-KR" altLang="en-US" b="0" i="0" dirty="0">
-                <a:solidFill>
-                  <a:srgbClr val="ECECEC"/>
-                </a:solidFill>
-                <a:effectLst/>
-                <a:latin typeface="-apple-system"/>
-              </a:rPr>
-              <a:t>여명의 </a:t>
-            </a:r>
-            <a:r>
-              <a:rPr lang="en-US" altLang="ko-KR" b="0" i="0" dirty="0">
-                <a:solidFill>
-                  <a:srgbClr val="ECECEC"/>
-                </a:solidFill>
-                <a:effectLst/>
-                <a:latin typeface="-apple-system"/>
-              </a:rPr>
-              <a:t>1,000</a:t>
-            </a:r>
-            <a:r>
-              <a:rPr lang="ko-KR" altLang="en-US" b="0" i="0" dirty="0">
-                <a:solidFill>
-                  <a:srgbClr val="ECECEC"/>
-                </a:solidFill>
-                <a:effectLst/>
-                <a:latin typeface="-apple-system"/>
-              </a:rPr>
-              <a:t>시간의 한국어 음성 데이터와 텍스트의 형태로 제공됩니다</a:t>
-            </a:r>
-            <a:r>
-              <a:rPr lang="en-US" altLang="ko-KR" b="0" i="0" dirty="0">
-                <a:solidFill>
-                  <a:srgbClr val="ECECEC"/>
-                </a:solidFill>
-                <a:effectLst/>
-                <a:latin typeface="-apple-system"/>
-              </a:rPr>
-              <a:t>. </a:t>
-            </a:r>
-            <a:r>
-              <a:rPr lang="ko-KR" altLang="en-US" b="0" i="0" dirty="0">
-                <a:solidFill>
-                  <a:srgbClr val="ECECEC"/>
-                </a:solidFill>
-                <a:effectLst/>
-                <a:latin typeface="-apple-system"/>
-              </a:rPr>
-              <a:t>두 사람이 다양한 주제로 대화하는 음성을 녹음하였습니다</a:t>
-            </a:r>
-            <a:r>
-              <a:rPr lang="en-US" altLang="ko-KR" b="0" i="0" dirty="0">
-                <a:solidFill>
-                  <a:srgbClr val="ECECEC"/>
-                </a:solidFill>
-                <a:effectLst/>
-                <a:latin typeface="-apple-system"/>
-              </a:rPr>
-              <a:t>. </a:t>
+              <a:t> </a:t>
+            </a:r>
+            <a:r>
+              <a:rPr lang="ko-KR" altLang="en-US" dirty="0"/>
+              <a:t>에서 보면 </a:t>
+            </a:r>
+            <a:r>
+              <a:rPr lang="en-US" altLang="ko-KR" dirty="0" err="1"/>
+              <a:t>asr</a:t>
+            </a:r>
+            <a:r>
+              <a:rPr lang="en-US" altLang="ko-KR" dirty="0"/>
+              <a:t>(</a:t>
+            </a:r>
+            <a:r>
+              <a:rPr lang="ko-KR" altLang="en-US" dirty="0"/>
+              <a:t>자동 음성 인식</a:t>
+            </a:r>
+            <a:r>
+              <a:rPr lang="en-US" altLang="ko-KR" dirty="0"/>
+              <a:t>)</a:t>
+            </a:r>
+            <a:r>
+              <a:rPr lang="ko-KR" altLang="en-US" dirty="0"/>
+              <a:t>에</a:t>
+            </a:r>
+            <a:r>
+              <a:rPr lang="en-US" altLang="ko-KR" dirty="0"/>
+              <a:t> </a:t>
+            </a:r>
+            <a:r>
+              <a:rPr lang="ko-KR" altLang="en-US" dirty="0"/>
+              <a:t>사용된 모델에서 </a:t>
+            </a:r>
+            <a:r>
+              <a:rPr lang="en-US" altLang="ko-KR" dirty="0"/>
+              <a:t>CTC/</a:t>
+            </a:r>
+            <a:r>
+              <a:rPr lang="en-US" altLang="ko-KR" dirty="0" err="1"/>
+              <a:t>Attenction</a:t>
+            </a:r>
+            <a:r>
+              <a:rPr lang="en-US" altLang="ko-KR" dirty="0"/>
+              <a:t> </a:t>
+            </a:r>
+            <a:r>
+              <a:rPr lang="ko-KR" altLang="en-US" dirty="0"/>
+              <a:t>모델을 사용하면 </a:t>
+            </a:r>
+            <a:r>
+              <a:rPr lang="en-US" altLang="ko-KR" dirty="0" err="1"/>
+              <a:t>wer</a:t>
+            </a:r>
+            <a:r>
+              <a:rPr lang="ko-KR" altLang="en-US" dirty="0"/>
+              <a:t>이 </a:t>
+            </a:r>
+            <a:r>
+              <a:rPr lang="en-US" altLang="ko-KR" dirty="0"/>
+              <a:t>1.5</a:t>
+            </a:r>
+            <a:r>
+              <a:rPr lang="ko-KR" altLang="en-US" dirty="0"/>
+              <a:t> 으로 낮게 나와 오류가 적고 성능이 </a:t>
+            </a:r>
+            <a:r>
+              <a:rPr lang="ko-KR" altLang="en-US" dirty="0" err="1"/>
+              <a:t>좋은것으로</a:t>
+            </a:r>
+            <a:r>
+              <a:rPr lang="ko-KR" altLang="en-US" dirty="0"/>
+              <a:t> 확인</a:t>
             </a:r>
             <a:endParaRPr lang="en-US" altLang="ko-KR" dirty="0"/>
           </a:p>
           <a:p>
+            <a:pPr marL="0" indent="0" algn="just" latinLnBrk="1">
+              <a:lnSpc>
+                <a:spcPct val="107000"/>
+              </a:lnSpc>
+              <a:spcAft>
+                <a:spcPts val="800"/>
+              </a:spcAft>
+              <a:buNone/>
+            </a:pPr>
+            <a:r>
+              <a:rPr lang="ko-KR" altLang="en-US" dirty="0"/>
+              <a:t>그래서 저희 프로젝트 조건에 맞는 한국어가 지원되고 </a:t>
+            </a:r>
+            <a:r>
+              <a:rPr lang="en-US" altLang="ko-KR" dirty="0"/>
+              <a:t>CTC/</a:t>
+            </a:r>
+            <a:r>
+              <a:rPr lang="en-US" altLang="ko-KR" dirty="0" err="1"/>
+              <a:t>Attenction</a:t>
+            </a:r>
+            <a:r>
+              <a:rPr lang="ko-KR" altLang="en-US" dirty="0"/>
+              <a:t>을</a:t>
+            </a:r>
+            <a:r>
+              <a:rPr lang="en-US" altLang="ko-KR" dirty="0"/>
+              <a:t> </a:t>
+            </a:r>
+            <a:r>
+              <a:rPr lang="ko-KR" altLang="en-US" dirty="0"/>
+              <a:t>사용하는 모델인 </a:t>
+            </a:r>
+            <a:r>
+              <a:rPr lang="en-US" altLang="ko-KR" dirty="0" err="1"/>
+              <a:t>espnet</a:t>
+            </a:r>
+            <a:r>
+              <a:rPr lang="ko-KR" altLang="en-US" dirty="0"/>
+              <a:t>을 사용</a:t>
+            </a:r>
+            <a:endParaRPr lang="en-US" altLang="ko-KR" dirty="0"/>
+          </a:p>
+          <a:p>
+            <a:pPr marL="0" indent="0" algn="just" latinLnBrk="1">
+              <a:lnSpc>
+                <a:spcPct val="107000"/>
+              </a:lnSpc>
+              <a:spcAft>
+                <a:spcPts val="800"/>
+              </a:spcAft>
+              <a:buNone/>
+            </a:pPr>
+            <a:endParaRPr lang="en-US" altLang="ko-KR" dirty="0"/>
+          </a:p>
+          <a:p>
+            <a:pPr marL="0" indent="0" algn="just" latinLnBrk="1">
+              <a:lnSpc>
+                <a:spcPct val="107000"/>
+              </a:lnSpc>
+              <a:spcAft>
+                <a:spcPts val="800"/>
+              </a:spcAft>
+              <a:buNone/>
+            </a:pPr>
+            <a:r>
+              <a:rPr lang="en-US" altLang="ko-KR" dirty="0"/>
+              <a:t>CTC:</a:t>
+            </a:r>
+            <a:r>
+              <a:rPr lang="ko-KR" altLang="en-US" dirty="0"/>
+              <a:t> 단어 시퀀스가 없더라도</a:t>
+            </a:r>
+            <a:r>
+              <a:rPr lang="en-US" altLang="ko-KR" dirty="0"/>
+              <a:t>, </a:t>
+            </a:r>
+            <a:r>
+              <a:rPr lang="ko-KR" altLang="en-US" dirty="0"/>
+              <a:t>음성과 단어 만으로 쉽게 음성 시간상에 따른 단어 매핑이 가능</a:t>
+            </a:r>
+            <a:endParaRPr lang="en-US" altLang="ko-KR"/>
+          </a:p>
+          <a:p>
+            <a:pPr marL="0" indent="0" algn="just" latinLnBrk="1">
+              <a:lnSpc>
+                <a:spcPct val="107000"/>
+              </a:lnSpc>
+              <a:spcAft>
+                <a:spcPts val="800"/>
+              </a:spcAft>
+              <a:buNone/>
+            </a:pPr>
             <a:endParaRPr lang="ko-KR" altLang="en-US" dirty="0"/>
           </a:p>
         </p:txBody>
@@ -1701,7 +1824,7 @@
     </p:spTree>
     <p:extLst>
       <p:ext uri="{BB962C8B-B14F-4D97-AF65-F5344CB8AC3E}">
-        <p14:creationId xmlns:p14="http://schemas.microsoft.com/office/powerpoint/2010/main" val="1365161112"/>
+        <p14:creationId xmlns:p14="http://schemas.microsoft.com/office/powerpoint/2010/main" val="1214517290"/>
       </p:ext>
     </p:extLst>
   </p:cSld>
@@ -1755,45 +1878,892 @@
           <a:bodyPr/>
           <a:lstStyle/>
           <a:p>
+            <a:pPr marL="0" indent="0" algn="just" latinLnBrk="1">
+              <a:lnSpc>
+                <a:spcPct val="107000"/>
+              </a:lnSpc>
+              <a:spcAft>
+                <a:spcPts val="800"/>
+              </a:spcAft>
+              <a:buNone/>
+            </a:pPr>
+            <a:r>
+              <a:rPr lang="ko-KR" altLang="en-US" sz="1200" kern="100" dirty="0">
+                <a:solidFill>
+                  <a:srgbClr val="111111"/>
+                </a:solidFill>
+                <a:effectLst/>
+                <a:latin typeface="Segoe UI" panose="020B0502040204020203" pitchFamily="34" charset="0"/>
+                <a:ea typeface="맑은 고딕" panose="020B0503020000020004" pitchFamily="50" charset="-127"/>
+                <a:cs typeface="Segoe UI" panose="020B0502040204020203" pitchFamily="34" charset="0"/>
+              </a:rPr>
+              <a:t>요약문 생성시 사용할 모델에 대해서 설명 드리겠습니다</a:t>
+            </a:r>
+            <a:r>
+              <a:rPr lang="en-US" altLang="ko-KR" sz="1200" kern="100" dirty="0">
+                <a:solidFill>
+                  <a:srgbClr val="111111"/>
+                </a:solidFill>
+                <a:effectLst/>
+                <a:latin typeface="Segoe UI" panose="020B0502040204020203" pitchFamily="34" charset="0"/>
+                <a:ea typeface="맑은 고딕" panose="020B0503020000020004" pitchFamily="50" charset="-127"/>
+                <a:cs typeface="Segoe UI" panose="020B0502040204020203" pitchFamily="34" charset="0"/>
+              </a:rPr>
+              <a:t>. </a:t>
+            </a:r>
+          </a:p>
+          <a:p>
+            <a:pPr marL="0" indent="0" algn="just" latinLnBrk="1">
+              <a:lnSpc>
+                <a:spcPct val="107000"/>
+              </a:lnSpc>
+              <a:spcAft>
+                <a:spcPts val="800"/>
+              </a:spcAft>
+              <a:buNone/>
+            </a:pPr>
+            <a:r>
+              <a:rPr lang="ko-KR" altLang="en-US" sz="1200" kern="100" dirty="0">
+                <a:solidFill>
+                  <a:srgbClr val="111111"/>
+                </a:solidFill>
+                <a:effectLst/>
+                <a:latin typeface="Segoe UI" panose="020B0502040204020203" pitchFamily="34" charset="0"/>
+                <a:ea typeface="맑은 고딕" panose="020B0503020000020004" pitchFamily="50" charset="-127"/>
+                <a:cs typeface="Segoe UI" panose="020B0502040204020203" pitchFamily="34" charset="0"/>
+              </a:rPr>
+              <a:t>텍스트를 요약하는 방법은 다음과 같이 두가지 방법이 있습니다</a:t>
+            </a:r>
+            <a:r>
+              <a:rPr lang="en-US" altLang="ko-KR" sz="1200" kern="100" dirty="0">
+                <a:solidFill>
+                  <a:srgbClr val="111111"/>
+                </a:solidFill>
+                <a:effectLst/>
+                <a:latin typeface="Segoe UI" panose="020B0502040204020203" pitchFamily="34" charset="0"/>
+                <a:ea typeface="맑은 고딕" panose="020B0503020000020004" pitchFamily="50" charset="-127"/>
+                <a:cs typeface="Segoe UI" panose="020B0502040204020203" pitchFamily="34" charset="0"/>
+              </a:rPr>
+              <a:t>. </a:t>
+            </a:r>
+          </a:p>
+          <a:p>
+            <a:pPr marL="342900" indent="-342900" algn="just" latinLnBrk="1">
+              <a:lnSpc>
+                <a:spcPct val="107000"/>
+              </a:lnSpc>
+              <a:spcAft>
+                <a:spcPts val="800"/>
+              </a:spcAft>
+              <a:buAutoNum type="arabicPeriod"/>
+            </a:pPr>
+            <a:endParaRPr lang="en-US" altLang="ko-KR" sz="1200" kern="100" dirty="0">
+              <a:solidFill>
+                <a:srgbClr val="111111"/>
+              </a:solidFill>
+              <a:effectLst/>
+              <a:latin typeface="Segoe UI" panose="020B0502040204020203" pitchFamily="34" charset="0"/>
+              <a:ea typeface="맑은 고딕" panose="020B0503020000020004" pitchFamily="50" charset="-127"/>
+              <a:cs typeface="Segoe UI" panose="020B0502040204020203" pitchFamily="34" charset="0"/>
+            </a:endParaRPr>
+          </a:p>
+          <a:p>
+            <a:pPr marL="342900" indent="-342900" algn="just" latinLnBrk="1">
+              <a:lnSpc>
+                <a:spcPct val="107000"/>
+              </a:lnSpc>
+              <a:spcAft>
+                <a:spcPts val="800"/>
+              </a:spcAft>
+              <a:buAutoNum type="arabicPeriod"/>
+            </a:pPr>
+            <a:r>
+              <a:rPr lang="ko-KR" altLang="ko-KR" sz="1200" kern="100" dirty="0">
+                <a:solidFill>
+                  <a:srgbClr val="111111"/>
+                </a:solidFill>
+                <a:effectLst/>
+                <a:latin typeface="Segoe UI" panose="020B0502040204020203" pitchFamily="34" charset="0"/>
+                <a:ea typeface="맑은 고딕" panose="020B0503020000020004" pitchFamily="50" charset="-127"/>
+                <a:cs typeface="Segoe UI" panose="020B0502040204020203" pitchFamily="34" charset="0"/>
+              </a:rPr>
+              <a:t>추출요약</a:t>
+            </a:r>
+            <a:r>
+              <a:rPr lang="en-US" altLang="ko-KR" sz="1200" kern="100" dirty="0">
+                <a:solidFill>
+                  <a:srgbClr val="111111"/>
+                </a:solidFill>
+                <a:effectLst/>
+                <a:latin typeface="Segoe UI" panose="020B0502040204020203" pitchFamily="34" charset="0"/>
+                <a:ea typeface="맑은 고딕" panose="020B0503020000020004" pitchFamily="50" charset="-127"/>
+                <a:cs typeface="Times New Roman" panose="02020603050405020304" pitchFamily="18" charset="0"/>
+              </a:rPr>
+              <a:t>(extraction) =&gt;</a:t>
+            </a:r>
+            <a:r>
+              <a:rPr lang="ko-KR" altLang="ko-KR" sz="1200" kern="100" dirty="0">
+                <a:solidFill>
+                  <a:srgbClr val="111111"/>
+                </a:solidFill>
+                <a:effectLst/>
+                <a:latin typeface="Segoe UI" panose="020B0502040204020203" pitchFamily="34" charset="0"/>
+                <a:ea typeface="맑은 고딕" panose="020B0503020000020004" pitchFamily="50" charset="-127"/>
+                <a:cs typeface="Segoe UI" panose="020B0502040204020203" pitchFamily="34" charset="0"/>
+              </a:rPr>
+              <a:t>문서에서</a:t>
+            </a:r>
+            <a:r>
+              <a:rPr lang="ko-KR" altLang="ko-KR" sz="1200" kern="100" dirty="0">
+                <a:solidFill>
+                  <a:srgbClr val="111111"/>
+                </a:solidFill>
+                <a:effectLst/>
+                <a:latin typeface="맑은 고딕" panose="020B0503020000020004" pitchFamily="50" charset="-127"/>
+                <a:ea typeface="Segoe UI" panose="020B0502040204020203" pitchFamily="34" charset="0"/>
+                <a:cs typeface="Times New Roman" panose="02020603050405020304" pitchFamily="18" charset="0"/>
+              </a:rPr>
+              <a:t> </a:t>
+            </a:r>
+            <a:r>
+              <a:rPr lang="ko-KR" altLang="ko-KR" sz="1200" kern="100" dirty="0">
+                <a:solidFill>
+                  <a:srgbClr val="111111"/>
+                </a:solidFill>
+                <a:effectLst/>
+                <a:latin typeface="Segoe UI" panose="020B0502040204020203" pitchFamily="34" charset="0"/>
+                <a:ea typeface="맑은 고딕" panose="020B0503020000020004" pitchFamily="50" charset="-127"/>
+                <a:cs typeface="Segoe UI" panose="020B0502040204020203" pitchFamily="34" charset="0"/>
+              </a:rPr>
+              <a:t>뽑은</a:t>
+            </a:r>
+            <a:r>
+              <a:rPr lang="ko-KR" altLang="ko-KR" sz="1200" kern="100" dirty="0">
+                <a:solidFill>
+                  <a:srgbClr val="111111"/>
+                </a:solidFill>
+                <a:effectLst/>
+                <a:latin typeface="맑은 고딕" panose="020B0503020000020004" pitchFamily="50" charset="-127"/>
+                <a:ea typeface="Segoe UI" panose="020B0502040204020203" pitchFamily="34" charset="0"/>
+                <a:cs typeface="Times New Roman" panose="02020603050405020304" pitchFamily="18" charset="0"/>
+              </a:rPr>
+              <a:t> </a:t>
+            </a:r>
+            <a:r>
+              <a:rPr lang="ko-KR" altLang="ko-KR" sz="1200" kern="100" dirty="0">
+                <a:solidFill>
+                  <a:srgbClr val="111111"/>
+                </a:solidFill>
+                <a:effectLst/>
+                <a:latin typeface="Segoe UI" panose="020B0502040204020203" pitchFamily="34" charset="0"/>
+                <a:ea typeface="맑은 고딕" panose="020B0503020000020004" pitchFamily="50" charset="-127"/>
+                <a:cs typeface="Segoe UI" panose="020B0502040204020203" pitchFamily="34" charset="0"/>
+              </a:rPr>
+              <a:t>단어를</a:t>
+            </a:r>
+            <a:r>
+              <a:rPr lang="ko-KR" altLang="ko-KR" sz="1200" kern="100" dirty="0">
+                <a:solidFill>
+                  <a:srgbClr val="111111"/>
+                </a:solidFill>
+                <a:effectLst/>
+                <a:latin typeface="맑은 고딕" panose="020B0503020000020004" pitchFamily="50" charset="-127"/>
+                <a:ea typeface="Segoe UI" panose="020B0502040204020203" pitchFamily="34" charset="0"/>
+                <a:cs typeface="Times New Roman" panose="02020603050405020304" pitchFamily="18" charset="0"/>
+              </a:rPr>
+              <a:t> </a:t>
+            </a:r>
+            <a:r>
+              <a:rPr lang="ko-KR" altLang="ko-KR" sz="1200" kern="100" dirty="0">
+                <a:solidFill>
+                  <a:srgbClr val="111111"/>
+                </a:solidFill>
+                <a:effectLst/>
+                <a:latin typeface="Segoe UI" panose="020B0502040204020203" pitchFamily="34" charset="0"/>
+                <a:ea typeface="맑은 고딕" panose="020B0503020000020004" pitchFamily="50" charset="-127"/>
+                <a:cs typeface="Segoe UI" panose="020B0502040204020203" pitchFamily="34" charset="0"/>
+              </a:rPr>
+              <a:t>조합해</a:t>
+            </a:r>
+            <a:r>
+              <a:rPr lang="ko-KR" altLang="ko-KR" sz="1200" kern="100" dirty="0">
+                <a:solidFill>
+                  <a:srgbClr val="111111"/>
+                </a:solidFill>
+                <a:effectLst/>
+                <a:latin typeface="맑은 고딕" panose="020B0503020000020004" pitchFamily="50" charset="-127"/>
+                <a:ea typeface="Segoe UI" panose="020B0502040204020203" pitchFamily="34" charset="0"/>
+                <a:cs typeface="Times New Roman" panose="02020603050405020304" pitchFamily="18" charset="0"/>
+              </a:rPr>
+              <a:t> </a:t>
+            </a:r>
+            <a:r>
+              <a:rPr lang="ko-KR" altLang="ko-KR" sz="1200" kern="100" dirty="0">
+                <a:solidFill>
+                  <a:srgbClr val="111111"/>
+                </a:solidFill>
+                <a:effectLst/>
+                <a:latin typeface="Segoe UI" panose="020B0502040204020203" pitchFamily="34" charset="0"/>
+                <a:ea typeface="맑은 고딕" panose="020B0503020000020004" pitchFamily="50" charset="-127"/>
+                <a:cs typeface="Segoe UI" panose="020B0502040204020203" pitchFamily="34" charset="0"/>
+              </a:rPr>
+              <a:t>문장을</a:t>
+            </a:r>
+            <a:r>
+              <a:rPr lang="ko-KR" altLang="ko-KR" sz="1200" kern="100" dirty="0">
+                <a:solidFill>
+                  <a:srgbClr val="111111"/>
+                </a:solidFill>
+                <a:effectLst/>
+                <a:latin typeface="맑은 고딕" panose="020B0503020000020004" pitchFamily="50" charset="-127"/>
+                <a:ea typeface="Segoe UI" panose="020B0502040204020203" pitchFamily="34" charset="0"/>
+                <a:cs typeface="Times New Roman" panose="02020603050405020304" pitchFamily="18" charset="0"/>
+              </a:rPr>
+              <a:t> </a:t>
+            </a:r>
+            <a:r>
+              <a:rPr lang="ko-KR" altLang="ko-KR" sz="1200" kern="100" dirty="0">
+                <a:solidFill>
+                  <a:srgbClr val="111111"/>
+                </a:solidFill>
+                <a:effectLst/>
+                <a:latin typeface="Segoe UI" panose="020B0502040204020203" pitchFamily="34" charset="0"/>
+                <a:ea typeface="맑은 고딕" panose="020B0503020000020004" pitchFamily="50" charset="-127"/>
+                <a:cs typeface="Segoe UI" panose="020B0502040204020203" pitchFamily="34" charset="0"/>
+              </a:rPr>
+              <a:t>생성</a:t>
+            </a:r>
+            <a:r>
+              <a:rPr lang="en-US" altLang="ko-KR" sz="1200" kern="100" dirty="0">
+                <a:solidFill>
+                  <a:srgbClr val="111111"/>
+                </a:solidFill>
+                <a:effectLst/>
+                <a:latin typeface="Segoe UI" panose="020B0502040204020203" pitchFamily="34" charset="0"/>
+                <a:ea typeface="맑은 고딕" panose="020B0503020000020004" pitchFamily="50" charset="-127"/>
+                <a:cs typeface="Times New Roman" panose="02020603050405020304" pitchFamily="18" charset="0"/>
+              </a:rPr>
+              <a:t>, </a:t>
+            </a:r>
+            <a:r>
+              <a:rPr lang="ko-KR" altLang="ko-KR" sz="1200" kern="100" dirty="0">
+                <a:solidFill>
+                  <a:srgbClr val="111111"/>
+                </a:solidFill>
+                <a:effectLst/>
+                <a:latin typeface="Segoe UI" panose="020B0502040204020203" pitchFamily="34" charset="0"/>
+                <a:ea typeface="맑은 고딕" panose="020B0503020000020004" pitchFamily="50" charset="-127"/>
+                <a:cs typeface="Segoe UI" panose="020B0502040204020203" pitchFamily="34" charset="0"/>
+              </a:rPr>
+              <a:t>입력의</a:t>
+            </a:r>
+            <a:r>
+              <a:rPr lang="ko-KR" altLang="ko-KR" sz="1200" kern="100" dirty="0">
+                <a:solidFill>
+                  <a:srgbClr val="111111"/>
+                </a:solidFill>
+                <a:effectLst/>
+                <a:latin typeface="맑은 고딕" panose="020B0503020000020004" pitchFamily="50" charset="-127"/>
+                <a:ea typeface="Segoe UI" panose="020B0502040204020203" pitchFamily="34" charset="0"/>
+                <a:cs typeface="Times New Roman" panose="02020603050405020304" pitchFamily="18" charset="0"/>
+              </a:rPr>
+              <a:t> </a:t>
+            </a:r>
+            <a:r>
+              <a:rPr lang="ko-KR" altLang="ko-KR" sz="1200" kern="100" dirty="0">
+                <a:solidFill>
+                  <a:srgbClr val="111111"/>
+                </a:solidFill>
+                <a:effectLst/>
+                <a:latin typeface="Segoe UI" panose="020B0502040204020203" pitchFamily="34" charset="0"/>
+                <a:ea typeface="맑은 고딕" panose="020B0503020000020004" pitchFamily="50" charset="-127"/>
+                <a:cs typeface="Segoe UI" panose="020B0502040204020203" pitchFamily="34" charset="0"/>
+              </a:rPr>
+              <a:t>문장</a:t>
+            </a:r>
+            <a:r>
+              <a:rPr lang="ko-KR" altLang="ko-KR" sz="1200" kern="100" dirty="0">
+                <a:solidFill>
+                  <a:srgbClr val="111111"/>
+                </a:solidFill>
+                <a:effectLst/>
+                <a:latin typeface="맑은 고딕" panose="020B0503020000020004" pitchFamily="50" charset="-127"/>
+                <a:ea typeface="Segoe UI" panose="020B0502040204020203" pitchFamily="34" charset="0"/>
+                <a:cs typeface="Times New Roman" panose="02020603050405020304" pitchFamily="18" charset="0"/>
+              </a:rPr>
+              <a:t> </a:t>
+            </a:r>
+            <a:r>
+              <a:rPr lang="ko-KR" altLang="ko-KR" sz="1200" kern="100" dirty="0">
+                <a:solidFill>
+                  <a:srgbClr val="111111"/>
+                </a:solidFill>
+                <a:effectLst/>
+                <a:latin typeface="Segoe UI" panose="020B0502040204020203" pitchFamily="34" charset="0"/>
+                <a:ea typeface="맑은 고딕" panose="020B0503020000020004" pitchFamily="50" charset="-127"/>
+                <a:cs typeface="Segoe UI" panose="020B0502040204020203" pitchFamily="34" charset="0"/>
+              </a:rPr>
+              <a:t>중</a:t>
+            </a:r>
+            <a:r>
+              <a:rPr lang="ko-KR" altLang="ko-KR" sz="1200" kern="100" dirty="0">
+                <a:solidFill>
+                  <a:srgbClr val="111111"/>
+                </a:solidFill>
+                <a:effectLst/>
+                <a:latin typeface="맑은 고딕" panose="020B0503020000020004" pitchFamily="50" charset="-127"/>
+                <a:ea typeface="Segoe UI" panose="020B0502040204020203" pitchFamily="34" charset="0"/>
+                <a:cs typeface="Times New Roman" panose="02020603050405020304" pitchFamily="18" charset="0"/>
+              </a:rPr>
+              <a:t> </a:t>
+            </a:r>
+            <a:r>
+              <a:rPr lang="ko-KR" altLang="ko-KR" sz="1200" kern="100" dirty="0">
+                <a:solidFill>
+                  <a:srgbClr val="111111"/>
+                </a:solidFill>
+                <a:effectLst/>
+                <a:latin typeface="Segoe UI" panose="020B0502040204020203" pitchFamily="34" charset="0"/>
+                <a:ea typeface="맑은 고딕" panose="020B0503020000020004" pitchFamily="50" charset="-127"/>
+                <a:cs typeface="Segoe UI" panose="020B0502040204020203" pitchFamily="34" charset="0"/>
+              </a:rPr>
+              <a:t>중요도가</a:t>
+            </a:r>
+            <a:r>
+              <a:rPr lang="ko-KR" altLang="ko-KR" sz="1200" kern="100" dirty="0">
+                <a:solidFill>
+                  <a:srgbClr val="111111"/>
+                </a:solidFill>
+                <a:effectLst/>
+                <a:latin typeface="맑은 고딕" panose="020B0503020000020004" pitchFamily="50" charset="-127"/>
+                <a:ea typeface="Segoe UI" panose="020B0502040204020203" pitchFamily="34" charset="0"/>
+                <a:cs typeface="Times New Roman" panose="02020603050405020304" pitchFamily="18" charset="0"/>
+              </a:rPr>
+              <a:t> </a:t>
+            </a:r>
+            <a:r>
+              <a:rPr lang="ko-KR" altLang="ko-KR" sz="1200" kern="100" dirty="0">
+                <a:solidFill>
+                  <a:srgbClr val="111111"/>
+                </a:solidFill>
+                <a:effectLst/>
+                <a:latin typeface="Segoe UI" panose="020B0502040204020203" pitchFamily="34" charset="0"/>
+                <a:ea typeface="맑은 고딕" panose="020B0503020000020004" pitchFamily="50" charset="-127"/>
+                <a:cs typeface="Segoe UI" panose="020B0502040204020203" pitchFamily="34" charset="0"/>
+              </a:rPr>
+              <a:t>높은</a:t>
+            </a:r>
+            <a:r>
+              <a:rPr lang="ko-KR" altLang="ko-KR" sz="1200" kern="100" dirty="0">
+                <a:solidFill>
+                  <a:srgbClr val="111111"/>
+                </a:solidFill>
+                <a:effectLst/>
+                <a:latin typeface="맑은 고딕" panose="020B0503020000020004" pitchFamily="50" charset="-127"/>
+                <a:ea typeface="Segoe UI" panose="020B0502040204020203" pitchFamily="34" charset="0"/>
+                <a:cs typeface="Times New Roman" panose="02020603050405020304" pitchFamily="18" charset="0"/>
+              </a:rPr>
+              <a:t> </a:t>
+            </a:r>
+            <a:r>
+              <a:rPr lang="ko-KR" altLang="ko-KR" sz="1200" kern="100" dirty="0">
+                <a:solidFill>
+                  <a:srgbClr val="111111"/>
+                </a:solidFill>
+                <a:effectLst/>
+                <a:latin typeface="Segoe UI" panose="020B0502040204020203" pitchFamily="34" charset="0"/>
+                <a:ea typeface="맑은 고딕" panose="020B0503020000020004" pitchFamily="50" charset="-127"/>
+                <a:cs typeface="Segoe UI" panose="020B0502040204020203" pitchFamily="34" charset="0"/>
+              </a:rPr>
+              <a:t>순으로</a:t>
+            </a:r>
+            <a:r>
+              <a:rPr lang="ko-KR" altLang="ko-KR" sz="1200" kern="100" dirty="0">
+                <a:solidFill>
+                  <a:srgbClr val="111111"/>
+                </a:solidFill>
+                <a:effectLst/>
+                <a:latin typeface="맑은 고딕" panose="020B0503020000020004" pitchFamily="50" charset="-127"/>
+                <a:ea typeface="Segoe UI" panose="020B0502040204020203" pitchFamily="34" charset="0"/>
+                <a:cs typeface="Times New Roman" panose="02020603050405020304" pitchFamily="18" charset="0"/>
+              </a:rPr>
+              <a:t> </a:t>
+            </a:r>
+            <a:r>
+              <a:rPr lang="en-US" altLang="ko-KR" sz="1200" kern="100" dirty="0">
+                <a:solidFill>
+                  <a:srgbClr val="111111"/>
+                </a:solidFill>
+                <a:effectLst/>
+                <a:latin typeface="맑은 고딕" panose="020B0503020000020004" pitchFamily="50" charset="-127"/>
+                <a:ea typeface="Segoe UI" panose="020B0502040204020203" pitchFamily="34" charset="0"/>
+                <a:cs typeface="Times New Roman" panose="02020603050405020304" pitchFamily="18" charset="0"/>
+              </a:rPr>
+              <a:t>n</a:t>
+            </a:r>
+            <a:r>
+              <a:rPr lang="ko-KR" altLang="ko-KR" sz="1200" kern="100" dirty="0">
+                <a:solidFill>
+                  <a:srgbClr val="111111"/>
+                </a:solidFill>
+                <a:effectLst/>
+                <a:latin typeface="Segoe UI" panose="020B0502040204020203" pitchFamily="34" charset="0"/>
+                <a:ea typeface="맑은 고딕" panose="020B0503020000020004" pitchFamily="50" charset="-127"/>
+                <a:cs typeface="Segoe UI" panose="020B0502040204020203" pitchFamily="34" charset="0"/>
+              </a:rPr>
+              <a:t>개의</a:t>
+            </a:r>
+            <a:r>
+              <a:rPr lang="ko-KR" altLang="ko-KR" sz="1200" kern="100" dirty="0">
+                <a:solidFill>
+                  <a:srgbClr val="111111"/>
+                </a:solidFill>
+                <a:effectLst/>
+                <a:latin typeface="맑은 고딕" panose="020B0503020000020004" pitchFamily="50" charset="-127"/>
+                <a:ea typeface="Segoe UI" panose="020B0502040204020203" pitchFamily="34" charset="0"/>
+                <a:cs typeface="Times New Roman" panose="02020603050405020304" pitchFamily="18" charset="0"/>
+              </a:rPr>
+              <a:t> </a:t>
+            </a:r>
+            <a:r>
+              <a:rPr lang="ko-KR" altLang="ko-KR" sz="1200" kern="100" dirty="0">
+                <a:solidFill>
+                  <a:srgbClr val="111111"/>
+                </a:solidFill>
+                <a:effectLst/>
+                <a:latin typeface="Segoe UI" panose="020B0502040204020203" pitchFamily="34" charset="0"/>
+                <a:ea typeface="맑은 고딕" panose="020B0503020000020004" pitchFamily="50" charset="-127"/>
+                <a:cs typeface="Segoe UI" panose="020B0502040204020203" pitchFamily="34" charset="0"/>
+              </a:rPr>
+              <a:t>문장을</a:t>
+            </a:r>
+            <a:r>
+              <a:rPr lang="ko-KR" altLang="ko-KR" sz="1200" kern="100" dirty="0">
+                <a:solidFill>
+                  <a:srgbClr val="111111"/>
+                </a:solidFill>
+                <a:effectLst/>
+                <a:latin typeface="맑은 고딕" panose="020B0503020000020004" pitchFamily="50" charset="-127"/>
+                <a:ea typeface="Segoe UI" panose="020B0502040204020203" pitchFamily="34" charset="0"/>
+                <a:cs typeface="Times New Roman" panose="02020603050405020304" pitchFamily="18" charset="0"/>
+              </a:rPr>
+              <a:t> </a:t>
+            </a:r>
+            <a:r>
+              <a:rPr lang="ko-KR" altLang="ko-KR" sz="1200" kern="100" dirty="0">
+                <a:solidFill>
+                  <a:srgbClr val="111111"/>
+                </a:solidFill>
+                <a:effectLst/>
+                <a:latin typeface="Segoe UI" panose="020B0502040204020203" pitchFamily="34" charset="0"/>
+                <a:ea typeface="맑은 고딕" panose="020B0503020000020004" pitchFamily="50" charset="-127"/>
+                <a:cs typeface="Segoe UI" panose="020B0502040204020203" pitchFamily="34" charset="0"/>
+              </a:rPr>
+              <a:t>뽑아</a:t>
+            </a:r>
+            <a:r>
+              <a:rPr lang="ko-KR" altLang="ko-KR" sz="1200" kern="100" dirty="0">
+                <a:solidFill>
+                  <a:srgbClr val="111111"/>
+                </a:solidFill>
+                <a:effectLst/>
+                <a:latin typeface="맑은 고딕" panose="020B0503020000020004" pitchFamily="50" charset="-127"/>
+                <a:ea typeface="Segoe UI" panose="020B0502040204020203" pitchFamily="34" charset="0"/>
+                <a:cs typeface="Times New Roman" panose="02020603050405020304" pitchFamily="18" charset="0"/>
+              </a:rPr>
+              <a:t> </a:t>
+            </a:r>
+            <a:r>
+              <a:rPr lang="ko-KR" altLang="ko-KR" sz="1200" kern="100" dirty="0">
+                <a:solidFill>
+                  <a:srgbClr val="111111"/>
+                </a:solidFill>
+                <a:effectLst/>
+                <a:latin typeface="Segoe UI" panose="020B0502040204020203" pitchFamily="34" charset="0"/>
+                <a:ea typeface="맑은 고딕" panose="020B0503020000020004" pitchFamily="50" charset="-127"/>
+                <a:cs typeface="Segoe UI" panose="020B0502040204020203" pitchFamily="34" charset="0"/>
+              </a:rPr>
+              <a:t>만든다</a:t>
+            </a:r>
+            <a:r>
+              <a:rPr lang="en-US" altLang="ko-KR" sz="1200" kern="100" dirty="0">
+                <a:solidFill>
+                  <a:srgbClr val="111111"/>
+                </a:solidFill>
+                <a:effectLst/>
+                <a:latin typeface="Segoe UI" panose="020B0502040204020203" pitchFamily="34" charset="0"/>
+                <a:ea typeface="맑은 고딕" panose="020B0503020000020004" pitchFamily="50" charset="-127"/>
+                <a:cs typeface="Times New Roman" panose="02020603050405020304" pitchFamily="18" charset="0"/>
+              </a:rPr>
+              <a:t>. </a:t>
+            </a:r>
+          </a:p>
+          <a:p>
+            <a:pPr marL="342900" indent="-342900" algn="just" latinLnBrk="1">
+              <a:lnSpc>
+                <a:spcPct val="107000"/>
+              </a:lnSpc>
+              <a:spcAft>
+                <a:spcPts val="800"/>
+              </a:spcAft>
+              <a:buAutoNum type="arabicPeriod"/>
+            </a:pPr>
+            <a:r>
+              <a:rPr lang="ko-KR" altLang="ko-KR" sz="1200" kern="100" dirty="0">
+                <a:solidFill>
+                  <a:srgbClr val="111111"/>
+                </a:solidFill>
+                <a:effectLst/>
+                <a:latin typeface="Segoe UI" panose="020B0502040204020203" pitchFamily="34" charset="0"/>
+                <a:ea typeface="맑은 고딕" panose="020B0503020000020004" pitchFamily="50" charset="-127"/>
+                <a:cs typeface="Segoe UI" panose="020B0502040204020203" pitchFamily="34" charset="0"/>
+              </a:rPr>
+              <a:t>생성요약</a:t>
+            </a:r>
+            <a:r>
+              <a:rPr lang="en-US" altLang="ko-KR" sz="1200" kern="100" dirty="0">
+                <a:solidFill>
+                  <a:srgbClr val="111111"/>
+                </a:solidFill>
+                <a:effectLst/>
+                <a:latin typeface="Segoe UI" panose="020B0502040204020203" pitchFamily="34" charset="0"/>
+                <a:ea typeface="맑은 고딕" panose="020B0503020000020004" pitchFamily="50" charset="-127"/>
+                <a:cs typeface="Times New Roman" panose="02020603050405020304" pitchFamily="18" charset="0"/>
+              </a:rPr>
+              <a:t>(abstraction) =&gt; </a:t>
+            </a:r>
+            <a:r>
+              <a:rPr lang="ko-KR" altLang="ko-KR" sz="1200" kern="100" dirty="0">
+                <a:solidFill>
+                  <a:srgbClr val="111111"/>
+                </a:solidFill>
+                <a:effectLst/>
+                <a:latin typeface="Segoe UI" panose="020B0502040204020203" pitchFamily="34" charset="0"/>
+                <a:ea typeface="맑은 고딕" panose="020B0503020000020004" pitchFamily="50" charset="-127"/>
+                <a:cs typeface="Segoe UI" panose="020B0502040204020203" pitchFamily="34" charset="0"/>
+              </a:rPr>
+              <a:t>의미가</a:t>
+            </a:r>
+            <a:r>
+              <a:rPr lang="ko-KR" altLang="ko-KR" sz="1200" kern="100" dirty="0">
+                <a:solidFill>
+                  <a:srgbClr val="111111"/>
+                </a:solidFill>
+                <a:effectLst/>
+                <a:latin typeface="맑은 고딕" panose="020B0503020000020004" pitchFamily="50" charset="-127"/>
+                <a:ea typeface="Segoe UI" panose="020B0502040204020203" pitchFamily="34" charset="0"/>
+                <a:cs typeface="Times New Roman" panose="02020603050405020304" pitchFamily="18" charset="0"/>
+              </a:rPr>
+              <a:t> </a:t>
+            </a:r>
+            <a:r>
+              <a:rPr lang="ko-KR" altLang="ko-KR" sz="1200" kern="100" dirty="0">
+                <a:solidFill>
+                  <a:srgbClr val="111111"/>
+                </a:solidFill>
+                <a:effectLst/>
+                <a:latin typeface="Segoe UI" panose="020B0502040204020203" pitchFamily="34" charset="0"/>
+                <a:ea typeface="맑은 고딕" panose="020B0503020000020004" pitchFamily="50" charset="-127"/>
+                <a:cs typeface="Segoe UI" panose="020B0502040204020203" pitchFamily="34" charset="0"/>
+              </a:rPr>
+              <a:t>바뀌지</a:t>
+            </a:r>
+            <a:r>
+              <a:rPr lang="ko-KR" altLang="ko-KR" sz="1200" kern="100" dirty="0">
+                <a:solidFill>
+                  <a:srgbClr val="111111"/>
+                </a:solidFill>
+                <a:effectLst/>
+                <a:latin typeface="맑은 고딕" panose="020B0503020000020004" pitchFamily="50" charset="-127"/>
+                <a:ea typeface="Segoe UI" panose="020B0502040204020203" pitchFamily="34" charset="0"/>
+                <a:cs typeface="Times New Roman" panose="02020603050405020304" pitchFamily="18" charset="0"/>
+              </a:rPr>
+              <a:t> </a:t>
+            </a:r>
+            <a:r>
+              <a:rPr lang="ko-KR" altLang="ko-KR" sz="1200" kern="100" dirty="0">
+                <a:solidFill>
+                  <a:srgbClr val="111111"/>
+                </a:solidFill>
+                <a:effectLst/>
+                <a:latin typeface="Segoe UI" panose="020B0502040204020203" pitchFamily="34" charset="0"/>
+                <a:ea typeface="맑은 고딕" panose="020B0503020000020004" pitchFamily="50" charset="-127"/>
+                <a:cs typeface="Segoe UI" panose="020B0502040204020203" pitchFamily="34" charset="0"/>
+              </a:rPr>
+              <a:t>않은</a:t>
+            </a:r>
+            <a:r>
+              <a:rPr lang="ko-KR" altLang="ko-KR" sz="1200" kern="100" dirty="0">
+                <a:solidFill>
+                  <a:srgbClr val="111111"/>
+                </a:solidFill>
+                <a:effectLst/>
+                <a:latin typeface="맑은 고딕" panose="020B0503020000020004" pitchFamily="50" charset="-127"/>
+                <a:ea typeface="Segoe UI" panose="020B0502040204020203" pitchFamily="34" charset="0"/>
+                <a:cs typeface="Times New Roman" panose="02020603050405020304" pitchFamily="18" charset="0"/>
+              </a:rPr>
+              <a:t> </a:t>
+            </a:r>
+            <a:r>
+              <a:rPr lang="ko-KR" altLang="ko-KR" sz="1200" kern="100" dirty="0">
+                <a:solidFill>
+                  <a:srgbClr val="111111"/>
+                </a:solidFill>
+                <a:effectLst/>
+                <a:latin typeface="Segoe UI" panose="020B0502040204020203" pitchFamily="34" charset="0"/>
+                <a:ea typeface="맑은 고딕" panose="020B0503020000020004" pitchFamily="50" charset="-127"/>
+                <a:cs typeface="Segoe UI" panose="020B0502040204020203" pitchFamily="34" charset="0"/>
+              </a:rPr>
+              <a:t>선에서</a:t>
+            </a:r>
+            <a:r>
+              <a:rPr lang="ko-KR" altLang="ko-KR" sz="1200" kern="100" dirty="0">
+                <a:solidFill>
+                  <a:srgbClr val="111111"/>
+                </a:solidFill>
+                <a:effectLst/>
+                <a:latin typeface="맑은 고딕" panose="020B0503020000020004" pitchFamily="50" charset="-127"/>
+                <a:ea typeface="Segoe UI" panose="020B0502040204020203" pitchFamily="34" charset="0"/>
+                <a:cs typeface="Times New Roman" panose="02020603050405020304" pitchFamily="18" charset="0"/>
+              </a:rPr>
+              <a:t> </a:t>
+            </a:r>
+            <a:r>
+              <a:rPr lang="ko-KR" altLang="ko-KR" sz="1200" kern="100" dirty="0">
+                <a:solidFill>
+                  <a:srgbClr val="111111"/>
+                </a:solidFill>
+                <a:effectLst/>
+                <a:latin typeface="Segoe UI" panose="020B0502040204020203" pitchFamily="34" charset="0"/>
+                <a:ea typeface="맑은 고딕" panose="020B0503020000020004" pitchFamily="50" charset="-127"/>
+                <a:cs typeface="Segoe UI" panose="020B0502040204020203" pitchFamily="34" charset="0"/>
+              </a:rPr>
+              <a:t>문서에서</a:t>
+            </a:r>
+            <a:r>
+              <a:rPr lang="ko-KR" altLang="ko-KR" sz="1200" kern="100" dirty="0">
+                <a:solidFill>
+                  <a:srgbClr val="111111"/>
+                </a:solidFill>
+                <a:effectLst/>
+                <a:latin typeface="맑은 고딕" panose="020B0503020000020004" pitchFamily="50" charset="-127"/>
+                <a:ea typeface="Segoe UI" panose="020B0502040204020203" pitchFamily="34" charset="0"/>
+                <a:cs typeface="Times New Roman" panose="02020603050405020304" pitchFamily="18" charset="0"/>
+              </a:rPr>
+              <a:t> </a:t>
+            </a:r>
+            <a:r>
+              <a:rPr lang="ko-KR" altLang="ko-KR" sz="1200" kern="100" dirty="0">
+                <a:solidFill>
+                  <a:srgbClr val="111111"/>
+                </a:solidFill>
+                <a:effectLst/>
+                <a:latin typeface="Segoe UI" panose="020B0502040204020203" pitchFamily="34" charset="0"/>
+                <a:ea typeface="맑은 고딕" panose="020B0503020000020004" pitchFamily="50" charset="-127"/>
+                <a:cs typeface="Segoe UI" panose="020B0502040204020203" pitchFamily="34" charset="0"/>
+              </a:rPr>
+              <a:t>쓰이지</a:t>
+            </a:r>
+            <a:r>
+              <a:rPr lang="ko-KR" altLang="ko-KR" sz="1200" kern="100" dirty="0">
+                <a:solidFill>
+                  <a:srgbClr val="111111"/>
+                </a:solidFill>
+                <a:effectLst/>
+                <a:latin typeface="맑은 고딕" panose="020B0503020000020004" pitchFamily="50" charset="-127"/>
+                <a:ea typeface="Segoe UI" panose="020B0502040204020203" pitchFamily="34" charset="0"/>
+                <a:cs typeface="Times New Roman" panose="02020603050405020304" pitchFamily="18" charset="0"/>
+              </a:rPr>
+              <a:t> </a:t>
+            </a:r>
+            <a:r>
+              <a:rPr lang="ko-KR" altLang="ko-KR" sz="1200" kern="100" dirty="0">
+                <a:solidFill>
+                  <a:srgbClr val="111111"/>
+                </a:solidFill>
+                <a:effectLst/>
+                <a:latin typeface="Segoe UI" panose="020B0502040204020203" pitchFamily="34" charset="0"/>
+                <a:ea typeface="맑은 고딕" panose="020B0503020000020004" pitchFamily="50" charset="-127"/>
+                <a:cs typeface="Segoe UI" panose="020B0502040204020203" pitchFamily="34" charset="0"/>
+              </a:rPr>
+              <a:t>않은</a:t>
+            </a:r>
+            <a:r>
+              <a:rPr lang="ko-KR" altLang="ko-KR" sz="1200" kern="100" dirty="0">
+                <a:solidFill>
+                  <a:srgbClr val="111111"/>
+                </a:solidFill>
+                <a:effectLst/>
+                <a:latin typeface="맑은 고딕" panose="020B0503020000020004" pitchFamily="50" charset="-127"/>
+                <a:ea typeface="Segoe UI" panose="020B0502040204020203" pitchFamily="34" charset="0"/>
+                <a:cs typeface="Times New Roman" panose="02020603050405020304" pitchFamily="18" charset="0"/>
+              </a:rPr>
+              <a:t> </a:t>
+            </a:r>
+            <a:r>
+              <a:rPr lang="ko-KR" altLang="ko-KR" sz="1200" kern="100" dirty="0">
+                <a:solidFill>
+                  <a:srgbClr val="111111"/>
+                </a:solidFill>
+                <a:effectLst/>
+                <a:latin typeface="Segoe UI" panose="020B0502040204020203" pitchFamily="34" charset="0"/>
+                <a:ea typeface="맑은 고딕" panose="020B0503020000020004" pitchFamily="50" charset="-127"/>
+                <a:cs typeface="Segoe UI" panose="020B0502040204020203" pitchFamily="34" charset="0"/>
+              </a:rPr>
+              <a:t>단어</a:t>
+            </a:r>
+            <a:r>
+              <a:rPr lang="ko-KR" altLang="ko-KR" sz="1200" kern="100" dirty="0">
+                <a:solidFill>
+                  <a:srgbClr val="111111"/>
+                </a:solidFill>
+                <a:effectLst/>
+                <a:latin typeface="맑은 고딕" panose="020B0503020000020004" pitchFamily="50" charset="-127"/>
+                <a:ea typeface="Segoe UI" panose="020B0502040204020203" pitchFamily="34" charset="0"/>
+                <a:cs typeface="Times New Roman" panose="02020603050405020304" pitchFamily="18" charset="0"/>
+              </a:rPr>
+              <a:t> </a:t>
+            </a:r>
+            <a:r>
+              <a:rPr lang="ko-KR" altLang="ko-KR" sz="1200" kern="100" dirty="0">
+                <a:solidFill>
+                  <a:srgbClr val="111111"/>
+                </a:solidFill>
+                <a:effectLst/>
+                <a:latin typeface="Segoe UI" panose="020B0502040204020203" pitchFamily="34" charset="0"/>
+                <a:ea typeface="맑은 고딕" panose="020B0503020000020004" pitchFamily="50" charset="-127"/>
+                <a:cs typeface="Segoe UI" panose="020B0502040204020203" pitchFamily="34" charset="0"/>
+              </a:rPr>
+              <a:t>또는</a:t>
+            </a:r>
+            <a:r>
+              <a:rPr lang="ko-KR" altLang="ko-KR" sz="1200" kern="100" dirty="0">
+                <a:solidFill>
+                  <a:srgbClr val="111111"/>
+                </a:solidFill>
+                <a:effectLst/>
+                <a:latin typeface="맑은 고딕" panose="020B0503020000020004" pitchFamily="50" charset="-127"/>
+                <a:ea typeface="Segoe UI" panose="020B0502040204020203" pitchFamily="34" charset="0"/>
+                <a:cs typeface="Times New Roman" panose="02020603050405020304" pitchFamily="18" charset="0"/>
+              </a:rPr>
+              <a:t> </a:t>
+            </a:r>
+            <a:r>
+              <a:rPr lang="ko-KR" altLang="ko-KR" sz="1200" kern="100" dirty="0">
+                <a:solidFill>
+                  <a:srgbClr val="111111"/>
+                </a:solidFill>
+                <a:effectLst/>
+                <a:latin typeface="Segoe UI" panose="020B0502040204020203" pitchFamily="34" charset="0"/>
+                <a:ea typeface="맑은 고딕" panose="020B0503020000020004" pitchFamily="50" charset="-127"/>
+                <a:cs typeface="Segoe UI" panose="020B0502040204020203" pitchFamily="34" charset="0"/>
+              </a:rPr>
+              <a:t>표현을</a:t>
+            </a:r>
+            <a:r>
+              <a:rPr lang="ko-KR" altLang="ko-KR" sz="1200" kern="100" dirty="0">
+                <a:solidFill>
+                  <a:srgbClr val="111111"/>
+                </a:solidFill>
+                <a:effectLst/>
+                <a:latin typeface="맑은 고딕" panose="020B0503020000020004" pitchFamily="50" charset="-127"/>
+                <a:ea typeface="Segoe UI" panose="020B0502040204020203" pitchFamily="34" charset="0"/>
+                <a:cs typeface="Times New Roman" panose="02020603050405020304" pitchFamily="18" charset="0"/>
+              </a:rPr>
+              <a:t> </a:t>
+            </a:r>
+            <a:r>
+              <a:rPr lang="ko-KR" altLang="ko-KR" sz="1200" kern="100" dirty="0">
+                <a:solidFill>
+                  <a:srgbClr val="111111"/>
+                </a:solidFill>
+                <a:effectLst/>
+                <a:latin typeface="Segoe UI" panose="020B0502040204020203" pitchFamily="34" charset="0"/>
+                <a:ea typeface="맑은 고딕" panose="020B0503020000020004" pitchFamily="50" charset="-127"/>
+                <a:cs typeface="Segoe UI" panose="020B0502040204020203" pitchFamily="34" charset="0"/>
+              </a:rPr>
+              <a:t>이용해</a:t>
+            </a:r>
+            <a:r>
+              <a:rPr lang="ko-KR" altLang="ko-KR" sz="1200" kern="100" dirty="0">
+                <a:solidFill>
+                  <a:srgbClr val="111111"/>
+                </a:solidFill>
+                <a:effectLst/>
+                <a:latin typeface="맑은 고딕" panose="020B0503020000020004" pitchFamily="50" charset="-127"/>
+                <a:ea typeface="Segoe UI" panose="020B0502040204020203" pitchFamily="34" charset="0"/>
+                <a:cs typeface="Times New Roman" panose="02020603050405020304" pitchFamily="18" charset="0"/>
+              </a:rPr>
+              <a:t> </a:t>
+            </a:r>
+            <a:r>
+              <a:rPr lang="ko-KR" altLang="ko-KR" sz="1200" kern="100" dirty="0">
+                <a:solidFill>
+                  <a:srgbClr val="111111"/>
+                </a:solidFill>
+                <a:effectLst/>
+                <a:latin typeface="Segoe UI" panose="020B0502040204020203" pitchFamily="34" charset="0"/>
+                <a:ea typeface="맑은 고딕" panose="020B0503020000020004" pitchFamily="50" charset="-127"/>
+                <a:cs typeface="Segoe UI" panose="020B0502040204020203" pitchFamily="34" charset="0"/>
+              </a:rPr>
+              <a:t>문장을</a:t>
+            </a:r>
+            <a:r>
+              <a:rPr lang="ko-KR" altLang="ko-KR" sz="1200" kern="100" dirty="0">
+                <a:solidFill>
+                  <a:srgbClr val="111111"/>
+                </a:solidFill>
+                <a:effectLst/>
+                <a:latin typeface="맑은 고딕" panose="020B0503020000020004" pitchFamily="50" charset="-127"/>
+                <a:ea typeface="Segoe UI" panose="020B0502040204020203" pitchFamily="34" charset="0"/>
+                <a:cs typeface="Times New Roman" panose="02020603050405020304" pitchFamily="18" charset="0"/>
+              </a:rPr>
+              <a:t> </a:t>
+            </a:r>
+            <a:r>
+              <a:rPr lang="ko-KR" altLang="ko-KR" sz="1200" kern="100" dirty="0">
+                <a:solidFill>
+                  <a:srgbClr val="111111"/>
+                </a:solidFill>
+                <a:effectLst/>
+                <a:latin typeface="Segoe UI" panose="020B0502040204020203" pitchFamily="34" charset="0"/>
+                <a:ea typeface="맑은 고딕" panose="020B0503020000020004" pitchFamily="50" charset="-127"/>
+                <a:cs typeface="Segoe UI" panose="020B0502040204020203" pitchFamily="34" charset="0"/>
+              </a:rPr>
+              <a:t>만들어낸다</a:t>
+            </a:r>
+            <a:r>
+              <a:rPr lang="en-US" altLang="ko-KR" sz="1200" kern="100" dirty="0">
+                <a:solidFill>
+                  <a:srgbClr val="111111"/>
+                </a:solidFill>
+                <a:effectLst/>
+                <a:latin typeface="Segoe UI" panose="020B0502040204020203" pitchFamily="34" charset="0"/>
+                <a:ea typeface="맑은 고딕" panose="020B0503020000020004" pitchFamily="50" charset="-127"/>
+                <a:cs typeface="Times New Roman" panose="02020603050405020304" pitchFamily="18" charset="0"/>
+              </a:rPr>
+              <a:t>.</a:t>
+            </a:r>
+          </a:p>
+          <a:p>
+            <a:endParaRPr lang="en-US" altLang="ko-KR" dirty="0"/>
+          </a:p>
+          <a:p>
             <a:r>
               <a:rPr lang="ko-KR" altLang="en-US" dirty="0"/>
-              <a:t>저희가 요약문 생성시 사용할 학습데이터는 다음과 같습니다</a:t>
+              <a:t>저희 조는 조금 더 자연스러운 요약문을 생성하기 위하여 </a:t>
             </a:r>
             <a:r>
               <a:rPr lang="en-US" altLang="ko-KR" dirty="0"/>
-              <a:t>. </a:t>
+              <a:t>GPT</a:t>
             </a:r>
             <a:r>
               <a:rPr lang="ko-KR" altLang="en-US" dirty="0"/>
-              <a:t>해당 데이터 셋은 다양한 방송 콘텐츠 대본 데이터로부터 생성 요약문을 도출한 방송 콘텐츠 대본 요약 </a:t>
+              <a:t>기반의 모델을 사용할 예정입니다</a:t>
             </a:r>
             <a:r>
               <a:rPr lang="en-US" altLang="ko-KR" dirty="0"/>
-              <a:t>AI </a:t>
-            </a:r>
-            <a:r>
-              <a:rPr lang="ko-KR" altLang="en-US" dirty="0" err="1"/>
-              <a:t>데이터셋입니다</a:t>
-            </a:r>
-            <a:r>
-              <a:rPr lang="en-US" altLang="ko-KR" dirty="0"/>
-              <a:t>. </a:t>
-            </a:r>
-            <a:r>
-              <a:rPr lang="ko-KR" altLang="en-US" dirty="0"/>
-              <a:t>대본에서 생성 요약문을 추출하는 저희 조의 프로젝트에 적합한 데이터 셋이라고</a:t>
-            </a:r>
-            <a:r>
-              <a:rPr lang="en-US" altLang="ko-KR" dirty="0"/>
-              <a:t> </a:t>
-            </a:r>
-            <a:r>
-              <a:rPr lang="ko-KR" altLang="en-US" dirty="0"/>
-              <a:t>판단하였습니다</a:t>
-            </a:r>
-            <a:r>
-              <a:rPr lang="en-US" altLang="ko-KR" dirty="0"/>
-              <a:t>. </a:t>
+              <a:t>.</a:t>
             </a:r>
             <a:endParaRPr lang="ko-KR" altLang="en-US" dirty="0"/>
           </a:p>
@@ -1825,7 +2795,7 @@
     </p:spTree>
     <p:extLst>
       <p:ext uri="{BB962C8B-B14F-4D97-AF65-F5344CB8AC3E}">
-        <p14:creationId xmlns:p14="http://schemas.microsoft.com/office/powerpoint/2010/main" val="448535998"/>
+        <p14:creationId xmlns:p14="http://schemas.microsoft.com/office/powerpoint/2010/main" val="1597135712"/>
       </p:ext>
     </p:extLst>
   </p:cSld>
@@ -1879,142 +2849,207 @@
           <a:bodyPr/>
           <a:lstStyle/>
           <a:p>
-            <a:pPr marL="0" marR="0" lvl="0" indent="0" algn="l" defTabSz="914400" rtl="0" eaLnBrk="1" fontAlgn="auto" latinLnBrk="1" hangingPunct="1">
-              <a:lnSpc>
-                <a:spcPct val="100000"/>
-              </a:lnSpc>
-              <a:spcBef>
-                <a:spcPts val="0"/>
-              </a:spcBef>
-              <a:spcAft>
-                <a:spcPts val="0"/>
-              </a:spcAft>
-              <a:buClrTx/>
-              <a:buSzTx/>
-              <a:buFontTx/>
-              <a:buNone/>
-              <a:tabLst/>
-              <a:defRPr/>
-            </a:pPr>
-            <a:r>
-              <a:rPr lang="ko-KR" altLang="en-US" dirty="0"/>
-              <a:t>화자 분리에 사용할 </a:t>
-            </a:r>
-            <a:r>
-              <a:rPr lang="en-US" altLang="ko-KR" dirty="0"/>
-              <a:t>dataset</a:t>
-            </a:r>
-            <a:r>
-              <a:rPr lang="ko-KR" altLang="en-US" dirty="0"/>
-              <a:t>은 </a:t>
-            </a:r>
-            <a:r>
-              <a:rPr lang="en-US" altLang="ko-KR" dirty="0" err="1"/>
-              <a:t>librimix</a:t>
-            </a:r>
-            <a:r>
-              <a:rPr lang="ko-KR" altLang="en-US" dirty="0"/>
-              <a:t>라는 데이터 입니다</a:t>
-            </a:r>
-            <a:r>
-              <a:rPr lang="en-US" altLang="ko-KR" dirty="0"/>
-              <a:t>. 2</a:t>
-            </a:r>
-            <a:r>
-              <a:rPr lang="ko-KR" altLang="en-US" dirty="0"/>
-              <a:t>개 또는 </a:t>
-            </a:r>
-            <a:r>
-              <a:rPr lang="en-US" altLang="ko-KR" dirty="0"/>
-              <a:t>3</a:t>
-            </a:r>
-            <a:r>
-              <a:rPr lang="ko-KR" altLang="en-US" dirty="0"/>
-              <a:t>개의 말뭉치를 합쳐서 만들었고 노이즈가 포함된 데이터와 중첩 비율 별로 데이터를 제공</a:t>
-            </a:r>
-            <a:endParaRPr lang="en-US" altLang="ko-KR" dirty="0"/>
-          </a:p>
-          <a:p>
-            <a:pPr marL="0" marR="0" lvl="0" indent="0" algn="l" defTabSz="914400" rtl="0" eaLnBrk="1" fontAlgn="auto" latinLnBrk="1" hangingPunct="1">
-              <a:lnSpc>
-                <a:spcPct val="100000"/>
-              </a:lnSpc>
-              <a:spcBef>
-                <a:spcPts val="0"/>
-              </a:spcBef>
-              <a:spcAft>
-                <a:spcPts val="0"/>
-              </a:spcAft>
-              <a:buClrTx/>
-              <a:buSzTx/>
-              <a:buFontTx/>
-              <a:buNone/>
-              <a:tabLst/>
-              <a:defRPr/>
-            </a:pPr>
-            <a:endParaRPr lang="en-US" altLang="ko-KR" dirty="0"/>
-          </a:p>
-          <a:p>
-            <a:pPr marL="0" marR="0" lvl="0" indent="0" algn="l" defTabSz="914400" rtl="0" eaLnBrk="1" fontAlgn="auto" latinLnBrk="1" hangingPunct="1">
-              <a:lnSpc>
-                <a:spcPct val="100000"/>
-              </a:lnSpc>
-              <a:spcBef>
-                <a:spcPts val="0"/>
-              </a:spcBef>
-              <a:spcAft>
-                <a:spcPts val="0"/>
-              </a:spcAft>
-              <a:buClrTx/>
-              <a:buSzTx/>
-              <a:buFontTx/>
-              <a:buNone/>
-              <a:tabLst/>
-              <a:defRPr/>
-            </a:pPr>
-            <a:r>
-              <a:rPr lang="ko-KR" altLang="en-US" dirty="0"/>
-              <a:t>기존 사용된 던 데이터셋은 </a:t>
-            </a:r>
-            <a:r>
-              <a:rPr lang="en-US" altLang="ko-KR" dirty="0"/>
-              <a:t>c</a:t>
-            </a:r>
-            <a:r>
-              <a:rPr lang="ko-KR" altLang="en-US" dirty="0"/>
-              <a:t>번 그림과 같은 완전히 겹쳐진 데이터만 제공하는데 일반적인 상황에서는 </a:t>
-            </a:r>
-            <a:r>
-              <a:rPr lang="en-US" altLang="ko-KR" dirty="0"/>
-              <a:t>b</a:t>
-            </a:r>
-            <a:r>
-              <a:rPr lang="ko-KR" altLang="en-US" dirty="0"/>
-              <a:t>번 그림과 같이 </a:t>
-            </a:r>
-            <a:r>
-              <a:rPr lang="en-US" altLang="ko-KR" dirty="0"/>
-              <a:t>20% </a:t>
-            </a:r>
-            <a:r>
-              <a:rPr lang="ko-KR" altLang="en-US" dirty="0"/>
-              <a:t>미만으로 겹쳐지는 상황이 대부분이라 학습된 데이터 이외의 데이터에서는 성능 저하가 일어나서 고안된 데이터로 실제 해당 데이터로 학습된 모델에서 보다 더 나은 </a:t>
-            </a:r>
-            <a:r>
-              <a:rPr lang="en-US" altLang="ko-KR" dirty="0"/>
-              <a:t>generalize</a:t>
-            </a:r>
-            <a:r>
-              <a:rPr lang="ko-KR" altLang="en-US" dirty="0"/>
-              <a:t> 성능을 보입니다</a:t>
-            </a:r>
-            <a:r>
-              <a:rPr lang="en-US" altLang="ko-KR" dirty="0"/>
+            <a:r>
+              <a:rPr lang="ko-KR" altLang="en-US" b="0" i="0" dirty="0">
+                <a:solidFill>
+                  <a:srgbClr val="374151"/>
+                </a:solidFill>
+                <a:effectLst/>
+                <a:latin typeface="Söhne"/>
+              </a:rPr>
+              <a:t>저희가 사용할 화자 분리 모델은 다음과 같습니다</a:t>
+            </a:r>
+            <a:r>
+              <a:rPr lang="en-US" altLang="ko-KR" b="0" i="0" dirty="0">
+                <a:solidFill>
+                  <a:srgbClr val="374151"/>
+                </a:solidFill>
+                <a:effectLst/>
+                <a:latin typeface="Söhne"/>
+              </a:rPr>
               <a:t>. </a:t>
             </a:r>
-          </a:p>
-          <a:p>
-            <a:endParaRPr lang="ko-KR" altLang="en-US" dirty="0"/>
+            <a:r>
+              <a:rPr lang="ko-KR" altLang="en-US" b="0" i="0" dirty="0">
+                <a:solidFill>
+                  <a:srgbClr val="374151"/>
+                </a:solidFill>
+                <a:effectLst/>
+                <a:latin typeface="Söhne"/>
+              </a:rPr>
+              <a:t>해당 그래프는 저희가 사용할 </a:t>
+            </a:r>
+            <a:r>
+              <a:rPr lang="en-US" altLang="ko-KR" b="0" i="0" dirty="0" err="1">
+                <a:solidFill>
+                  <a:srgbClr val="374151"/>
+                </a:solidFill>
+                <a:effectLst/>
+                <a:latin typeface="Söhne"/>
+              </a:rPr>
+              <a:t>Librimix</a:t>
+            </a:r>
+            <a:r>
+              <a:rPr lang="en-US" altLang="ko-KR" b="0" i="0" dirty="0">
+                <a:solidFill>
+                  <a:srgbClr val="374151"/>
+                </a:solidFill>
+                <a:effectLst/>
+                <a:latin typeface="Söhne"/>
+              </a:rPr>
+              <a:t> dataset</a:t>
+            </a:r>
+            <a:r>
+              <a:rPr lang="ko-KR" altLang="en-US" b="0" i="0" dirty="0">
+                <a:solidFill>
+                  <a:srgbClr val="374151"/>
+                </a:solidFill>
+                <a:effectLst/>
+                <a:latin typeface="Söhne"/>
+              </a:rPr>
+              <a:t>을 기준으로 한 </a:t>
+            </a:r>
+            <a:r>
+              <a:rPr lang="ko-KR" altLang="en-US" b="0" i="0" dirty="0" err="1">
+                <a:solidFill>
+                  <a:srgbClr val="374151"/>
+                </a:solidFill>
+                <a:effectLst/>
+                <a:latin typeface="Söhne"/>
+              </a:rPr>
+              <a:t>모델별</a:t>
+            </a:r>
+            <a:r>
+              <a:rPr lang="ko-KR" altLang="en-US" b="0" i="0" dirty="0">
+                <a:solidFill>
+                  <a:srgbClr val="374151"/>
+                </a:solidFill>
+                <a:effectLst/>
+                <a:latin typeface="Söhne"/>
+              </a:rPr>
+              <a:t> </a:t>
+            </a:r>
+            <a:r>
+              <a:rPr lang="en-US" altLang="ko-KR" b="0" i="0" dirty="0" err="1">
+                <a:solidFill>
+                  <a:srgbClr val="374151"/>
+                </a:solidFill>
+                <a:effectLst/>
+                <a:latin typeface="Söhne"/>
+              </a:rPr>
+              <a:t>SDRi</a:t>
+            </a:r>
+            <a:r>
+              <a:rPr lang="en-US" altLang="ko-KR" b="0" i="0" dirty="0">
+                <a:solidFill>
+                  <a:srgbClr val="374151"/>
+                </a:solidFill>
+                <a:effectLst/>
+                <a:latin typeface="Söhne"/>
+              </a:rPr>
+              <a:t> </a:t>
+            </a:r>
+            <a:r>
+              <a:rPr lang="ko-KR" altLang="en-US" b="0" i="0" dirty="0">
+                <a:solidFill>
+                  <a:srgbClr val="374151"/>
+                </a:solidFill>
+                <a:effectLst/>
+                <a:latin typeface="Söhne"/>
+              </a:rPr>
+              <a:t>성능비교 그래프 입니다</a:t>
+            </a:r>
+            <a:r>
+              <a:rPr lang="en-US" altLang="ko-KR" b="0" i="0" dirty="0">
+                <a:solidFill>
+                  <a:srgbClr val="374151"/>
+                </a:solidFill>
+                <a:effectLst/>
+                <a:latin typeface="Söhne"/>
+              </a:rPr>
+              <a:t>. </a:t>
+            </a:r>
+            <a:r>
+              <a:rPr lang="ko-KR" altLang="en-US" b="0" i="0" dirty="0">
+                <a:solidFill>
+                  <a:srgbClr val="374151"/>
+                </a:solidFill>
+                <a:effectLst/>
+                <a:latin typeface="Söhne"/>
+              </a:rPr>
+              <a:t>저희가 사용할 모델의 성능은 그래프의 해당 지점에 위치합니다</a:t>
+            </a:r>
+            <a:r>
+              <a:rPr lang="en-US" altLang="ko-KR" b="0" i="0" dirty="0">
+                <a:solidFill>
+                  <a:srgbClr val="374151"/>
+                </a:solidFill>
+                <a:effectLst/>
+                <a:latin typeface="Söhne"/>
+              </a:rPr>
+              <a:t>. </a:t>
+            </a:r>
+          </a:p>
+          <a:p>
+            <a:endParaRPr lang="en-US" altLang="ko-KR" b="0" i="0" dirty="0">
+              <a:solidFill>
+                <a:srgbClr val="374151"/>
+              </a:solidFill>
+              <a:effectLst/>
+              <a:latin typeface="Söhne"/>
+            </a:endParaRPr>
+          </a:p>
+          <a:p>
+            <a:r>
+              <a:rPr lang="en-US" altLang="ko-KR" b="0" i="0" dirty="0" err="1">
+                <a:solidFill>
+                  <a:srgbClr val="374151"/>
+                </a:solidFill>
+                <a:effectLst/>
+                <a:latin typeface="Söhne"/>
+              </a:rPr>
+              <a:t>SDRi</a:t>
+            </a:r>
+            <a:r>
+              <a:rPr lang="ko-KR" altLang="en-US" b="0" i="0" dirty="0">
+                <a:solidFill>
+                  <a:srgbClr val="374151"/>
+                </a:solidFill>
+                <a:effectLst/>
+                <a:latin typeface="Söhne"/>
+              </a:rPr>
+              <a:t>은 분리된 음성 신호와 원본 음성 신호 간의 신호 대 신호 비</a:t>
+            </a:r>
+            <a:r>
+              <a:rPr lang="en-US" altLang="ko-KR" b="0" i="0" dirty="0">
+                <a:solidFill>
+                  <a:srgbClr val="374151"/>
+                </a:solidFill>
+                <a:effectLst/>
+                <a:latin typeface="Söhne"/>
+              </a:rPr>
+              <a:t>(ratio)</a:t>
+            </a:r>
+            <a:r>
+              <a:rPr lang="ko-KR" altLang="en-US" b="0" i="0" dirty="0">
+                <a:solidFill>
+                  <a:srgbClr val="374151"/>
+                </a:solidFill>
+                <a:effectLst/>
+                <a:latin typeface="Söhne"/>
+              </a:rPr>
+              <a:t>를 계산한 것으로 다음과 같이 비교됩니다</a:t>
+            </a:r>
+            <a:r>
+              <a:rPr lang="en-US" altLang="ko-KR" b="0" i="0" dirty="0">
+                <a:solidFill>
+                  <a:srgbClr val="374151"/>
+                </a:solidFill>
+                <a:effectLst/>
+                <a:latin typeface="Söhne"/>
+              </a:rPr>
+              <a:t>. </a:t>
+            </a:r>
           </a:p>
         </p:txBody>
       </p:sp>
@@ -2044,7 +3079,7 @@
     </p:spTree>
     <p:extLst>
       <p:ext uri="{BB962C8B-B14F-4D97-AF65-F5344CB8AC3E}">
-        <p14:creationId xmlns:p14="http://schemas.microsoft.com/office/powerpoint/2010/main" val="511121159"/>
+        <p14:creationId xmlns:p14="http://schemas.microsoft.com/office/powerpoint/2010/main" val="2049252655"/>
       </p:ext>
     </p:extLst>
   </p:cSld>
@@ -2098,66 +3133,130 @@
           <a:bodyPr/>
           <a:lstStyle/>
           <a:p>
+            <a:pPr marL="0" marR="0" lvl="0" indent="0" algn="l" defTabSz="914400" rtl="0" eaLnBrk="1" fontAlgn="auto" latinLnBrk="1" hangingPunct="1">
+              <a:lnSpc>
+                <a:spcPct val="100000"/>
+              </a:lnSpc>
+              <a:spcBef>
+                <a:spcPts val="0"/>
+              </a:spcBef>
+              <a:spcAft>
+                <a:spcPts val="0"/>
+              </a:spcAft>
+              <a:buClrTx/>
+              <a:buSzTx/>
+              <a:buFontTx/>
+              <a:buNone/>
+              <a:tabLst/>
+              <a:defRPr/>
+            </a:pPr>
+            <a:r>
+              <a:rPr lang="ko-KR" altLang="en-US" dirty="0"/>
+              <a:t>저희가 </a:t>
+            </a:r>
             <a:r>
               <a:rPr lang="en-US" altLang="ko-KR" dirty="0"/>
               <a:t>STT</a:t>
             </a:r>
             <a:r>
               <a:rPr lang="ko-KR" altLang="en-US" dirty="0"/>
-              <a:t>의 경우 일반 음성에서의 </a:t>
-            </a:r>
-            <a:r>
-              <a:rPr lang="en-US" altLang="ko-KR" dirty="0"/>
-              <a:t>STT</a:t>
+              <a:t>모델을 학습할 때 사용할 음성 데이터는 </a:t>
+            </a:r>
+            <a:r>
+              <a:rPr lang="en-US" altLang="ko-KR" dirty="0" err="1"/>
+              <a:t>ksponspeech</a:t>
             </a:r>
             <a:r>
               <a:rPr lang="ko-KR" altLang="en-US" dirty="0"/>
-              <a:t>성능과 중첩된 음성에서의 </a:t>
-            </a:r>
-            <a:r>
-              <a:rPr lang="en-US" altLang="ko-KR" dirty="0"/>
-              <a:t>STT</a:t>
-            </a:r>
-            <a:r>
-              <a:rPr lang="ko-KR" altLang="en-US" dirty="0"/>
-              <a:t>성능을 비교할 것 입니다</a:t>
-            </a:r>
-            <a:r>
-              <a:rPr lang="en-US" altLang="ko-KR" dirty="0"/>
-              <a:t>. STT</a:t>
-            </a:r>
-            <a:r>
-              <a:rPr lang="ko-KR" altLang="en-US" dirty="0"/>
-              <a:t>성능은 다음과 같이 </a:t>
-            </a:r>
-            <a:r>
-              <a:rPr lang="en-US" altLang="ko-KR" dirty="0"/>
-              <a:t>WER</a:t>
-            </a:r>
-            <a:r>
-              <a:rPr lang="ko-KR" altLang="en-US" dirty="0"/>
-              <a:t>와 </a:t>
-            </a:r>
-            <a:r>
-              <a:rPr lang="en-US" altLang="ko-KR" dirty="0"/>
-              <a:t>CER</a:t>
-            </a:r>
-            <a:r>
-              <a:rPr lang="ko-KR" altLang="en-US" dirty="0"/>
-              <a:t>을 사용하여 비교를 할 것인데</a:t>
-            </a:r>
-            <a:r>
-              <a:rPr lang="en-US" altLang="ko-KR" dirty="0"/>
-              <a:t>, </a:t>
-            </a:r>
-            <a:r>
-              <a:rPr lang="ko-KR" altLang="en-US" dirty="0"/>
-              <a:t>이는 각각 문자 수준의 에러 비율과 단어 수준의 에러 비율을 구하는 평가 지표입니다</a:t>
+              <a:t>입니다</a:t>
             </a:r>
             <a:r>
               <a:rPr lang="en-US" altLang="ko-KR" dirty="0"/>
               <a:t>. </a:t>
             </a:r>
+            <a:r>
+              <a:rPr lang="ko-KR" altLang="en-US" b="0" i="0" dirty="0">
+                <a:solidFill>
+                  <a:srgbClr val="ECECEC"/>
+                </a:solidFill>
+                <a:effectLst/>
+                <a:latin typeface="-apple-system"/>
+              </a:rPr>
+              <a:t>해당 데이터셋은 약 </a:t>
+            </a:r>
+            <a:r>
+              <a:rPr lang="en-US" altLang="ko-KR" b="0" i="0" dirty="0">
+                <a:solidFill>
+                  <a:srgbClr val="ECECEC"/>
+                </a:solidFill>
+                <a:effectLst/>
+                <a:latin typeface="-apple-system"/>
+              </a:rPr>
+              <a:t>2000</a:t>
+            </a:r>
+            <a:r>
+              <a:rPr lang="ko-KR" altLang="en-US" b="0" i="0" dirty="0">
+                <a:solidFill>
+                  <a:srgbClr val="ECECEC"/>
+                </a:solidFill>
+                <a:effectLst/>
+                <a:latin typeface="-apple-system"/>
+              </a:rPr>
+              <a:t>여명의 </a:t>
+            </a:r>
+            <a:r>
+              <a:rPr lang="en-US" altLang="ko-KR" b="0" i="0" dirty="0">
+                <a:solidFill>
+                  <a:srgbClr val="ECECEC"/>
+                </a:solidFill>
+                <a:effectLst/>
+                <a:latin typeface="-apple-system"/>
+              </a:rPr>
+              <a:t>1,000</a:t>
+            </a:r>
+            <a:r>
+              <a:rPr lang="ko-KR" altLang="en-US" b="0" i="0" dirty="0">
+                <a:solidFill>
+                  <a:srgbClr val="ECECEC"/>
+                </a:solidFill>
+                <a:effectLst/>
+                <a:latin typeface="-apple-system"/>
+              </a:rPr>
+              <a:t>시간의 한국어 음성 데이터와 텍스트의 형태로 제공됩니다</a:t>
+            </a:r>
+            <a:r>
+              <a:rPr lang="en-US" altLang="ko-KR" b="0" i="0" dirty="0">
+                <a:solidFill>
+                  <a:srgbClr val="ECECEC"/>
+                </a:solidFill>
+                <a:effectLst/>
+                <a:latin typeface="-apple-system"/>
+              </a:rPr>
+              <a:t>. </a:t>
+            </a:r>
+            <a:r>
+              <a:rPr lang="ko-KR" altLang="en-US" b="0" i="0" dirty="0">
+                <a:solidFill>
+                  <a:srgbClr val="ECECEC"/>
+                </a:solidFill>
+                <a:effectLst/>
+                <a:latin typeface="-apple-system"/>
+              </a:rPr>
+              <a:t>두 사람이 다양한 주제로 대화하는 음성을 녹음하였습니다</a:t>
+            </a:r>
+            <a:r>
+              <a:rPr lang="en-US" altLang="ko-KR" b="0" i="0" dirty="0">
+                <a:solidFill>
+                  <a:srgbClr val="ECECEC"/>
+                </a:solidFill>
+                <a:effectLst/>
+                <a:latin typeface="-apple-system"/>
+              </a:rPr>
+              <a:t>. </a:t>
+            </a:r>
+            <a:endParaRPr lang="en-US" altLang="ko-KR" dirty="0"/>
+          </a:p>
+          <a:p>
             <a:endParaRPr lang="ko-KR" altLang="en-US" dirty="0"/>
           </a:p>
         </p:txBody>
@@ -2188,7 +3287,7 @@
     </p:spTree>
     <p:extLst>
       <p:ext uri="{BB962C8B-B14F-4D97-AF65-F5344CB8AC3E}">
-        <p14:creationId xmlns:p14="http://schemas.microsoft.com/office/powerpoint/2010/main" val="700987932"/>
+        <p14:creationId xmlns:p14="http://schemas.microsoft.com/office/powerpoint/2010/main" val="1365161112"/>
       </p:ext>
     </p:extLst>
   </p:cSld>
@@ -2244,7 +3343,7 @@
           <a:p>
             <a:r>
               <a:rPr lang="ko-KR" altLang="en-US" dirty="0"/>
-              <a:t>다음은 요약의 평가 기준입니다</a:t>
+              <a:t>저희가 요약문 생성시 사용할 학습데이터는 다음과 같습니다</a:t>
             </a:r>
             <a:r>
               <a:rPr lang="en-US" altLang="ko-KR" dirty="0"/>
@@ -2252,7 +3351,15 @@
             </a:r>
             <a:r>
               <a:rPr lang="ko-KR" altLang="en-US" dirty="0"/>
-              <a:t>저희 조는 화자 별 발화 내용이 구분된 경우 생성된 요약문과 구분을 하지 않고 생성된 요약문에 대해서 성능을 비교할 예정입니다</a:t>
+              <a:t>해당 데이터 셋은 다양한 방송 콘텐츠 대본 데이터로부터 생성 요약문을 도출한 방송 콘텐츠 대본 요약 </a:t>
+            </a:r>
+            <a:r>
+              <a:rPr lang="en-US" altLang="ko-KR" dirty="0"/>
+              <a:t>AI </a:t>
+            </a:r>
+            <a:r>
+              <a:rPr lang="ko-KR" altLang="en-US" dirty="0" err="1"/>
+              <a:t>데이터셋입니다</a:t>
             </a:r>
             <a:r>
               <a:rPr lang="en-US" altLang="ko-KR" dirty="0"/>
@@ -2260,67 +3367,15 @@
             </a:r>
             <a:r>
               <a:rPr lang="ko-KR" altLang="en-US" dirty="0"/>
-              <a:t>성능의 비교 지표는 다음과 같이 </a:t>
+              <a:t>대본에서 생성 요약문을 추출하는 저희 조의 프로젝트에 적합한 데이터 셋이라고</a:t>
             </a:r>
             <a:r>
               <a:rPr lang="en-US" altLang="ko-KR" dirty="0"/>
-              <a:t>rouge</a:t>
+              <a:t> </a:t>
             </a:r>
             <a:r>
               <a:rPr lang="ko-KR" altLang="en-US" dirty="0"/>
-              <a:t>와 </a:t>
-            </a:r>
-            <a:r>
-              <a:rPr lang="en-US" altLang="ko-KR" dirty="0"/>
-              <a:t>meteor</a:t>
-            </a:r>
-            <a:r>
-              <a:rPr lang="ko-KR" altLang="en-US" dirty="0"/>
-              <a:t>를 사용할 예정인데</a:t>
-            </a:r>
-            <a:r>
-              <a:rPr lang="en-US" altLang="ko-KR" dirty="0"/>
-              <a:t> Rouge</a:t>
-            </a:r>
-            <a:r>
-              <a:rPr lang="ko-KR" altLang="en-US" dirty="0"/>
-              <a:t>는 참조 요약문과 후보 요약문의 </a:t>
-            </a:r>
-            <a:r>
-              <a:rPr lang="en-US" altLang="ko-KR" dirty="0"/>
-              <a:t>LCS</a:t>
-            </a:r>
-            <a:r>
-              <a:rPr lang="ko-KR" altLang="en-US" dirty="0"/>
-              <a:t>길이를 구하는 방법이고</a:t>
-            </a:r>
-            <a:r>
-              <a:rPr lang="en-US" altLang="ko-KR" dirty="0"/>
-              <a:t>, meteor</a:t>
-            </a:r>
-            <a:r>
-              <a:rPr lang="ko-KR" altLang="en-US" dirty="0"/>
-              <a:t>의 경우는 요약문의 정밀도</a:t>
-            </a:r>
-            <a:r>
-              <a:rPr lang="en-US" altLang="ko-KR" dirty="0"/>
-              <a:t>, </a:t>
-            </a:r>
-            <a:r>
-              <a:rPr lang="ko-KR" altLang="en-US" dirty="0" err="1"/>
-              <a:t>재현율</a:t>
-            </a:r>
-            <a:r>
-              <a:rPr lang="en-US" altLang="ko-KR" dirty="0"/>
-              <a:t>, </a:t>
-            </a:r>
-            <a:r>
-              <a:rPr lang="en-US" altLang="ko-KR" dirty="0" err="1"/>
-              <a:t>F_mean</a:t>
-            </a:r>
-            <a:r>
-              <a:rPr lang="ko-KR" altLang="en-US" dirty="0"/>
-              <a:t>을 가중치로 곱하여 더하는 방식입니다</a:t>
+              <a:t>판단하였습니다</a:t>
             </a:r>
             <a:r>
               <a:rPr lang="en-US" altLang="ko-KR" dirty="0"/>
@@ -2356,7 +3411,7 @@
     </p:spTree>
     <p:extLst>
       <p:ext uri="{BB962C8B-B14F-4D97-AF65-F5344CB8AC3E}">
-        <p14:creationId xmlns:p14="http://schemas.microsoft.com/office/powerpoint/2010/main" val="3182852161"/>
+        <p14:creationId xmlns:p14="http://schemas.microsoft.com/office/powerpoint/2010/main" val="448535998"/>
       </p:ext>
     </p:extLst>
   </p:cSld>
@@ -2410,38 +3465,141 @@
           <a:bodyPr/>
           <a:lstStyle/>
           <a:p>
+            <a:pPr marL="0" marR="0" lvl="0" indent="0" algn="l" defTabSz="914400" rtl="0" eaLnBrk="1" fontAlgn="auto" latinLnBrk="1" hangingPunct="1">
+              <a:lnSpc>
+                <a:spcPct val="100000"/>
+              </a:lnSpc>
+              <a:spcBef>
+                <a:spcPts val="0"/>
+              </a:spcBef>
+              <a:spcAft>
+                <a:spcPts val="0"/>
+              </a:spcAft>
+              <a:buClrTx/>
+              <a:buSzTx/>
+              <a:buFontTx/>
+              <a:buNone/>
+              <a:tabLst/>
+              <a:defRPr/>
+            </a:pPr>
             <a:r>
               <a:rPr lang="ko-KR" altLang="en-US" dirty="0"/>
-              <a:t>저희 조는 이번 프로젝트를 통해 기존 시스템에 비해 다음과 같은 개선이 있을 것으로 기대하고 있습니다</a:t>
+              <a:t>화자 분리에 사용할 </a:t>
+            </a:r>
+            <a:r>
+              <a:rPr lang="en-US" altLang="ko-KR" dirty="0"/>
+              <a:t>dataset</a:t>
+            </a:r>
+            <a:r>
+              <a:rPr lang="ko-KR" altLang="en-US" dirty="0"/>
+              <a:t>은 </a:t>
+            </a:r>
+            <a:r>
+              <a:rPr lang="en-US" altLang="ko-KR" dirty="0" err="1"/>
+              <a:t>librimix</a:t>
+            </a:r>
+            <a:r>
+              <a:rPr lang="ko-KR" altLang="en-US" dirty="0"/>
+              <a:t>라는 데이터 입니다</a:t>
+            </a:r>
+            <a:r>
+              <a:rPr lang="en-US" altLang="ko-KR" dirty="0"/>
+              <a:t>. 2</a:t>
+            </a:r>
+            <a:r>
+              <a:rPr lang="ko-KR" altLang="en-US" dirty="0"/>
+              <a:t>개 또는 </a:t>
+            </a:r>
+            <a:r>
+              <a:rPr lang="en-US" altLang="ko-KR" dirty="0"/>
+              <a:t>3</a:t>
+            </a:r>
+            <a:r>
+              <a:rPr lang="ko-KR" altLang="en-US" dirty="0"/>
+              <a:t>개의 말뭉치를 합쳐서 만들었고 노이즈가 포함된 데이터와 중첩 비율 별로 데이터를 제공</a:t>
+            </a:r>
+            <a:endParaRPr lang="en-US" altLang="ko-KR" dirty="0"/>
+          </a:p>
+          <a:p>
+            <a:pPr marL="0" marR="0" lvl="0" indent="0" algn="l" defTabSz="914400" rtl="0" eaLnBrk="1" fontAlgn="auto" latinLnBrk="1" hangingPunct="1">
+              <a:lnSpc>
+                <a:spcPct val="100000"/>
+              </a:lnSpc>
+              <a:spcBef>
+                <a:spcPts val="0"/>
+              </a:spcBef>
+              <a:spcAft>
+                <a:spcPts val="0"/>
+              </a:spcAft>
+              <a:buClrTx/>
+              <a:buSzTx/>
+              <a:buFontTx/>
+              <a:buNone/>
+              <a:tabLst/>
+              <a:defRPr/>
+            </a:pPr>
+            <a:endParaRPr lang="en-US" altLang="ko-KR" dirty="0"/>
+          </a:p>
+          <a:p>
+            <a:pPr marL="0" marR="0" lvl="0" indent="0" algn="l" defTabSz="914400" rtl="0" eaLnBrk="1" fontAlgn="auto" latinLnBrk="1" hangingPunct="1">
+              <a:lnSpc>
+                <a:spcPct val="100000"/>
+              </a:lnSpc>
+              <a:spcBef>
+                <a:spcPts val="0"/>
+              </a:spcBef>
+              <a:spcAft>
+                <a:spcPts val="0"/>
+              </a:spcAft>
+              <a:buClrTx/>
+              <a:buSzTx/>
+              <a:buFontTx/>
+              <a:buNone/>
+              <a:tabLst/>
+              <a:defRPr/>
+            </a:pPr>
+            <a:r>
+              <a:rPr lang="ko-KR" altLang="en-US" dirty="0"/>
+              <a:t>기존 사용된 던 데이터셋은 </a:t>
+            </a:r>
+            <a:r>
+              <a:rPr lang="en-US" altLang="ko-KR" dirty="0"/>
+              <a:t>c</a:t>
+            </a:r>
+            <a:r>
+              <a:rPr lang="ko-KR" altLang="en-US" dirty="0"/>
+              <a:t>번 그림과 같은 완전히 겹쳐진 데이터만 제공하는데 일반적인 상황에서는 </a:t>
+            </a:r>
+            <a:r>
+              <a:rPr lang="en-US" altLang="ko-KR" dirty="0"/>
+              <a:t>b</a:t>
+            </a:r>
+            <a:r>
+              <a:rPr lang="ko-KR" altLang="en-US" dirty="0"/>
+              <a:t>번 그림과 같이 </a:t>
+            </a:r>
+            <a:r>
+              <a:rPr lang="en-US" altLang="ko-KR" dirty="0"/>
+              <a:t>20% </a:t>
+            </a:r>
+            <a:r>
+              <a:rPr lang="ko-KR" altLang="en-US" dirty="0"/>
+              <a:t>미만으로 겹쳐지는 상황이 대부분이라 학습된 데이터 이외의 데이터에서는 성능 저하가 일어나서 고안된 데이터로 실제 해당 데이터로 학습된 모델에서 보다 더 나은 </a:t>
+            </a:r>
+            <a:r>
+              <a:rPr lang="en-US" altLang="ko-KR" dirty="0"/>
+              <a:t>generalize</a:t>
+            </a:r>
+            <a:r>
+              <a:rPr lang="ko-KR" altLang="en-US" dirty="0"/>
+              <a:t> 성능을 보입니다</a:t>
             </a:r>
             <a:r>
               <a:rPr lang="en-US" altLang="ko-KR" dirty="0"/>
               <a:t>. </a:t>
             </a:r>
-            <a:r>
-              <a:rPr lang="ko-KR" altLang="en-US" dirty="0"/>
-              <a:t>첫번쨰는 음성이 중첩된 상황에서 </a:t>
-            </a:r>
-            <a:r>
-              <a:rPr lang="en-US" altLang="ko-KR" dirty="0"/>
-              <a:t>STT</a:t>
-            </a:r>
-            <a:r>
-              <a:rPr lang="ko-KR" altLang="en-US" dirty="0"/>
-              <a:t>성능 향상을 통한 요약 성능 개선이고</a:t>
-            </a:r>
-            <a:r>
-              <a:rPr lang="en-US" altLang="ko-KR" dirty="0"/>
-              <a:t>, </a:t>
-            </a:r>
-            <a:r>
-              <a:rPr lang="ko-KR" altLang="en-US" dirty="0"/>
-              <a:t>두번째는 화자 별 음성을 대본 형태로 변환하여 요약 성능 개선입니다</a:t>
-            </a:r>
-            <a:r>
-              <a:rPr lang="en-US" altLang="ko-KR" dirty="0"/>
-              <a:t>. </a:t>
-            </a:r>
+          </a:p>
+          <a:p>
             <a:endParaRPr lang="ko-KR" altLang="en-US" dirty="0"/>
           </a:p>
         </p:txBody>
@@ -2472,7 +3630,7 @@
     </p:spTree>
     <p:extLst>
       <p:ext uri="{BB962C8B-B14F-4D97-AF65-F5344CB8AC3E}">
-        <p14:creationId xmlns:p14="http://schemas.microsoft.com/office/powerpoint/2010/main" val="4130318721"/>
+        <p14:creationId xmlns:p14="http://schemas.microsoft.com/office/powerpoint/2010/main" val="511121159"/>
       </p:ext>
     </p:extLst>
   </p:cSld>
@@ -2527,8 +3685,60 @@
           <a:lstStyle/>
           <a:p>
             <a:r>
+              <a:rPr lang="en-US" altLang="ko-KR" dirty="0"/>
+              <a:t>STT</a:t>
+            </a:r>
+            <a:r>
               <a:rPr lang="ko-KR" altLang="en-US" dirty="0"/>
-              <a:t>저희 조의 예상 스케쥴은 다음과 같습니다</a:t>
+              <a:t>의 경우 일반 음성에서의 </a:t>
+            </a:r>
+            <a:r>
+              <a:rPr lang="en-US" altLang="ko-KR" dirty="0"/>
+              <a:t>STT</a:t>
+            </a:r>
+            <a:r>
+              <a:rPr lang="ko-KR" altLang="en-US" dirty="0"/>
+              <a:t>성능과 중첩된 음성에서의 </a:t>
+            </a:r>
+            <a:r>
+              <a:rPr lang="en-US" altLang="ko-KR" dirty="0"/>
+              <a:t>STT</a:t>
+            </a:r>
+            <a:r>
+              <a:rPr lang="ko-KR" altLang="en-US" dirty="0"/>
+              <a:t>성능을 비교할 것 입니다</a:t>
+            </a:r>
+            <a:r>
+              <a:rPr lang="en-US" altLang="ko-KR" dirty="0"/>
+              <a:t>. STT</a:t>
+            </a:r>
+            <a:r>
+              <a:rPr lang="ko-KR" altLang="en-US" dirty="0"/>
+              <a:t>성능은 다음과 같이 </a:t>
+            </a:r>
+            <a:r>
+              <a:rPr lang="en-US" altLang="ko-KR" dirty="0"/>
+              <a:t>WER</a:t>
+            </a:r>
+            <a:r>
+              <a:rPr lang="ko-KR" altLang="en-US" dirty="0"/>
+              <a:t>와 </a:t>
+            </a:r>
+            <a:r>
+              <a:rPr lang="en-US" altLang="ko-KR" dirty="0"/>
+              <a:t>CER</a:t>
+            </a:r>
+            <a:r>
+              <a:rPr lang="ko-KR" altLang="en-US" dirty="0"/>
+              <a:t>을 사용하여 비교를 할 것인데</a:t>
+            </a:r>
+            <a:r>
+              <a:rPr lang="en-US" altLang="ko-KR" dirty="0"/>
+              <a:t>, </a:t>
+            </a:r>
+            <a:r>
+              <a:rPr lang="ko-KR" altLang="en-US" dirty="0"/>
+              <a:t>이는 각각 문자 수준의 에러 비율과 단어 수준의 에러 비율을 구하는 평가 지표입니다</a:t>
             </a:r>
             <a:r>
               <a:rPr lang="en-US" altLang="ko-KR" dirty="0"/>
@@ -2564,7 +3774,291 @@
     </p:spTree>
     <p:extLst>
       <p:ext uri="{BB962C8B-B14F-4D97-AF65-F5344CB8AC3E}">
-        <p14:creationId xmlns:p14="http://schemas.microsoft.com/office/powerpoint/2010/main" val="633748150"/>
+        <p14:creationId xmlns:p14="http://schemas.microsoft.com/office/powerpoint/2010/main" val="700987932"/>
+      </p:ext>
+    </p:extLst>
+  </p:cSld>
+  <p:clrMapOvr>
+    <a:masterClrMapping/>
+  </p:clrMapOvr>
+</p:notes>
+</file>
+
+<file path=ppt/notesSlides/notesSlide18.xml><?xml version="1.0" encoding="utf-8"?>
+<p:notes xmlns:a="http://schemas.openxmlformats.org/drawingml/2006/main" xmlns:r="http://schemas.openxmlformats.org/officeDocument/2006/relationships" xmlns:p="http://schemas.openxmlformats.org/presentationml/2006/main">
+  <p:cSld>
+    <p:spTree>
+      <p:nvGrpSpPr>
+        <p:cNvPr id="1" name=""/>
+        <p:cNvGrpSpPr/>
+        <p:nvPr/>
+      </p:nvGrpSpPr>
+      <p:grpSpPr>
+        <a:xfrm>
+          <a:off x="0" y="0"/>
+          <a:ext cx="0" cy="0"/>
+          <a:chOff x="0" y="0"/>
+          <a:chExt cx="0" cy="0"/>
+        </a:xfrm>
+      </p:grpSpPr>
+      <p:sp>
+        <p:nvSpPr>
+          <p:cNvPr id="2" name="슬라이드 이미지 개체 틀 1"/>
+          <p:cNvSpPr>
+            <a:spLocks noGrp="1" noRot="1" noChangeAspect="1"/>
+          </p:cNvSpPr>
+          <p:nvPr>
+            <p:ph type="sldImg"/>
+          </p:nvPr>
+        </p:nvSpPr>
+        <p:spPr/>
+      </p:sp>
+      <p:sp>
+        <p:nvSpPr>
+          <p:cNvPr id="3" name="슬라이드 노트 개체 틀 2"/>
+          <p:cNvSpPr>
+            <a:spLocks noGrp="1"/>
+          </p:cNvSpPr>
+          <p:nvPr>
+            <p:ph type="body" idx="1"/>
+          </p:nvPr>
+        </p:nvSpPr>
+        <p:spPr/>
+        <p:txBody>
+          <a:bodyPr/>
+          <a:lstStyle/>
+          <a:p>
+            <a:r>
+              <a:rPr lang="ko-KR" altLang="en-US" dirty="0"/>
+              <a:t>다음은 요약의 평가 기준입니다</a:t>
+            </a:r>
+            <a:r>
+              <a:rPr lang="en-US" altLang="ko-KR" dirty="0"/>
+              <a:t>. </a:t>
+            </a:r>
+            <a:r>
+              <a:rPr lang="ko-KR" altLang="en-US" dirty="0"/>
+              <a:t>저희 조는 화자 별 발화 내용이 구분된 경우 생성된 요약문과 구분을 하지 않고 생성된 요약문에 대해서 성능을 비교할 예정입니다</a:t>
+            </a:r>
+            <a:r>
+              <a:rPr lang="en-US" altLang="ko-KR" dirty="0"/>
+              <a:t>. </a:t>
+            </a:r>
+            <a:r>
+              <a:rPr lang="ko-KR" altLang="en-US" dirty="0"/>
+              <a:t>성능의 비교 지표는 다음과 같이 </a:t>
+            </a:r>
+            <a:r>
+              <a:rPr lang="en-US" altLang="ko-KR" dirty="0"/>
+              <a:t>rouge</a:t>
+            </a:r>
+            <a:r>
+              <a:rPr lang="ko-KR" altLang="en-US" dirty="0"/>
+              <a:t>와 </a:t>
+            </a:r>
+            <a:r>
+              <a:rPr lang="en-US" altLang="ko-KR" dirty="0"/>
+              <a:t>meteor</a:t>
+            </a:r>
+            <a:r>
+              <a:rPr lang="ko-KR" altLang="en-US" dirty="0"/>
+              <a:t>를 사용할 예정인데</a:t>
+            </a:r>
+            <a:r>
+              <a:rPr lang="en-US" altLang="ko-KR" dirty="0"/>
+              <a:t> Rouge</a:t>
+            </a:r>
+            <a:r>
+              <a:rPr lang="ko-KR" altLang="en-US" dirty="0"/>
+              <a:t>는 참조 요약문과 후보 요약문의 </a:t>
+            </a:r>
+            <a:r>
+              <a:rPr lang="en-US" altLang="ko-KR" dirty="0"/>
+              <a:t>LCS</a:t>
+            </a:r>
+            <a:r>
+              <a:rPr lang="ko-KR" altLang="en-US" dirty="0"/>
+              <a:t>길이를 구하는 방법이고</a:t>
+            </a:r>
+            <a:r>
+              <a:rPr lang="en-US" altLang="ko-KR" dirty="0"/>
+              <a:t>, meteor</a:t>
+            </a:r>
+            <a:r>
+              <a:rPr lang="ko-KR" altLang="en-US" dirty="0"/>
+              <a:t>의 경우는 요약문의 정밀도</a:t>
+            </a:r>
+            <a:r>
+              <a:rPr lang="en-US" altLang="ko-KR" dirty="0"/>
+              <a:t>, </a:t>
+            </a:r>
+            <a:r>
+              <a:rPr lang="ko-KR" altLang="en-US" dirty="0" err="1"/>
+              <a:t>재현율</a:t>
+            </a:r>
+            <a:r>
+              <a:rPr lang="en-US" altLang="ko-KR" dirty="0"/>
+              <a:t>, </a:t>
+            </a:r>
+            <a:r>
+              <a:rPr lang="en-US" altLang="ko-KR" dirty="0" err="1"/>
+              <a:t>F_mean</a:t>
+            </a:r>
+            <a:r>
+              <a:rPr lang="ko-KR" altLang="en-US" dirty="0"/>
+              <a:t>을 가중치로 곱하여 더하는 방식입니다</a:t>
+            </a:r>
+            <a:r>
+              <a:rPr lang="en-US" altLang="ko-KR" dirty="0"/>
+              <a:t>. </a:t>
+            </a:r>
+            <a:endParaRPr lang="ko-KR" altLang="en-US" dirty="0"/>
+          </a:p>
+        </p:txBody>
+      </p:sp>
+      <p:sp>
+        <p:nvSpPr>
+          <p:cNvPr id="4" name="슬라이드 번호 개체 틀 3"/>
+          <p:cNvSpPr>
+            <a:spLocks noGrp="1"/>
+          </p:cNvSpPr>
+          <p:nvPr>
+            <p:ph type="sldNum" sz="quarter" idx="5"/>
+          </p:nvPr>
+        </p:nvSpPr>
+        <p:spPr/>
+        <p:txBody>
+          <a:bodyPr/>
+          <a:lstStyle/>
+          <a:p>
+            <a:fld id="{928C4006-D583-4434-A25D-662BACC4BC65}" type="slidenum">
+              <a:rPr lang="ko-KR" altLang="en-US" smtClean="0"/>
+              <a:t>19</a:t>
+            </a:fld>
+            <a:endParaRPr lang="ko-KR" altLang="en-US"/>
+          </a:p>
+        </p:txBody>
+      </p:sp>
+    </p:spTree>
+    <p:extLst>
+      <p:ext uri="{BB962C8B-B14F-4D97-AF65-F5344CB8AC3E}">
+        <p14:creationId xmlns:p14="http://schemas.microsoft.com/office/powerpoint/2010/main" val="3182852161"/>
+      </p:ext>
+    </p:extLst>
+  </p:cSld>
+  <p:clrMapOvr>
+    <a:masterClrMapping/>
+  </p:clrMapOvr>
+</p:notes>
+</file>
+
+<file path=ppt/notesSlides/notesSlide19.xml><?xml version="1.0" encoding="utf-8"?>
+<p:notes xmlns:a="http://schemas.openxmlformats.org/drawingml/2006/main" xmlns:r="http://schemas.openxmlformats.org/officeDocument/2006/relationships" xmlns:p="http://schemas.openxmlformats.org/presentationml/2006/main">
+  <p:cSld>
+    <p:spTree>
+      <p:nvGrpSpPr>
+        <p:cNvPr id="1" name=""/>
+        <p:cNvGrpSpPr/>
+        <p:nvPr/>
+      </p:nvGrpSpPr>
+      <p:grpSpPr>
+        <a:xfrm>
+          <a:off x="0" y="0"/>
+          <a:ext cx="0" cy="0"/>
+          <a:chOff x="0" y="0"/>
+          <a:chExt cx="0" cy="0"/>
+        </a:xfrm>
+      </p:grpSpPr>
+      <p:sp>
+        <p:nvSpPr>
+          <p:cNvPr id="2" name="슬라이드 이미지 개체 틀 1"/>
+          <p:cNvSpPr>
+            <a:spLocks noGrp="1" noRot="1" noChangeAspect="1"/>
+          </p:cNvSpPr>
+          <p:nvPr>
+            <p:ph type="sldImg"/>
+          </p:nvPr>
+        </p:nvSpPr>
+        <p:spPr/>
+      </p:sp>
+      <p:sp>
+        <p:nvSpPr>
+          <p:cNvPr id="3" name="슬라이드 노트 개체 틀 2"/>
+          <p:cNvSpPr>
+            <a:spLocks noGrp="1"/>
+          </p:cNvSpPr>
+          <p:nvPr>
+            <p:ph type="body" idx="1"/>
+          </p:nvPr>
+        </p:nvSpPr>
+        <p:spPr/>
+        <p:txBody>
+          <a:bodyPr/>
+          <a:lstStyle/>
+          <a:p>
+            <a:r>
+              <a:rPr lang="ko-KR" altLang="en-US" dirty="0"/>
+              <a:t>저희 조는 이번 프로젝트를 통해 기존 시스템에 비해 다음과 같은 개선이 있을 것으로 기대하고 있습니다</a:t>
+            </a:r>
+            <a:r>
+              <a:rPr lang="en-US" altLang="ko-KR" dirty="0"/>
+              <a:t>. </a:t>
+            </a:r>
+            <a:r>
+              <a:rPr lang="ko-KR" altLang="en-US" dirty="0"/>
+              <a:t>첫번쨰는 음성이 중첩된 상황에서 </a:t>
+            </a:r>
+            <a:r>
+              <a:rPr lang="en-US" altLang="ko-KR" dirty="0"/>
+              <a:t>STT</a:t>
+            </a:r>
+            <a:r>
+              <a:rPr lang="ko-KR" altLang="en-US" dirty="0"/>
+              <a:t>성능 향상을 통한 요약 성능 개선이고</a:t>
+            </a:r>
+            <a:r>
+              <a:rPr lang="en-US" altLang="ko-KR" dirty="0"/>
+              <a:t>, </a:t>
+            </a:r>
+            <a:r>
+              <a:rPr lang="ko-KR" altLang="en-US" dirty="0"/>
+              <a:t>두번째는 화자 별 음성을 대본 형태로 변환하여 요약 성능 개선입니다</a:t>
+            </a:r>
+            <a:r>
+              <a:rPr lang="en-US" altLang="ko-KR" dirty="0"/>
+              <a:t>. </a:t>
+            </a:r>
+            <a:endParaRPr lang="ko-KR" altLang="en-US" dirty="0"/>
+          </a:p>
+        </p:txBody>
+      </p:sp>
+      <p:sp>
+        <p:nvSpPr>
+          <p:cNvPr id="4" name="슬라이드 번호 개체 틀 3"/>
+          <p:cNvSpPr>
+            <a:spLocks noGrp="1"/>
+          </p:cNvSpPr>
+          <p:nvPr>
+            <p:ph type="sldNum" sz="quarter" idx="5"/>
+          </p:nvPr>
+        </p:nvSpPr>
+        <p:spPr/>
+        <p:txBody>
+          <a:bodyPr/>
+          <a:lstStyle/>
+          <a:p>
+            <a:fld id="{928C4006-D583-4434-A25D-662BACC4BC65}" type="slidenum">
+              <a:rPr lang="ko-KR" altLang="en-US" smtClean="0"/>
+              <a:t>20</a:t>
+            </a:fld>
+            <a:endParaRPr lang="ko-KR" altLang="en-US"/>
+          </a:p>
+        </p:txBody>
+      </p:sp>
+    </p:spTree>
+    <p:extLst>
+      <p:ext uri="{BB962C8B-B14F-4D97-AF65-F5344CB8AC3E}">
+        <p14:creationId xmlns:p14="http://schemas.microsoft.com/office/powerpoint/2010/main" val="4130318721"/>
       </p:ext>
     </p:extLst>
   </p:cSld>
@@ -2687,6 +4181,98 @@
     <p:extLst>
       <p:ext uri="{BB962C8B-B14F-4D97-AF65-F5344CB8AC3E}">
         <p14:creationId xmlns:p14="http://schemas.microsoft.com/office/powerpoint/2010/main" val="1194740728"/>
+      </p:ext>
+    </p:extLst>
+  </p:cSld>
+  <p:clrMapOvr>
+    <a:masterClrMapping/>
+  </p:clrMapOvr>
+</p:notes>
+</file>
+
+<file path=ppt/notesSlides/notesSlide20.xml><?xml version="1.0" encoding="utf-8"?>
+<p:notes xmlns:a="http://schemas.openxmlformats.org/drawingml/2006/main" xmlns:r="http://schemas.openxmlformats.org/officeDocument/2006/relationships" xmlns:p="http://schemas.openxmlformats.org/presentationml/2006/main">
+  <p:cSld>
+    <p:spTree>
+      <p:nvGrpSpPr>
+        <p:cNvPr id="1" name=""/>
+        <p:cNvGrpSpPr/>
+        <p:nvPr/>
+      </p:nvGrpSpPr>
+      <p:grpSpPr>
+        <a:xfrm>
+          <a:off x="0" y="0"/>
+          <a:ext cx="0" cy="0"/>
+          <a:chOff x="0" y="0"/>
+          <a:chExt cx="0" cy="0"/>
+        </a:xfrm>
+      </p:grpSpPr>
+      <p:sp>
+        <p:nvSpPr>
+          <p:cNvPr id="2" name="슬라이드 이미지 개체 틀 1"/>
+          <p:cNvSpPr>
+            <a:spLocks noGrp="1" noRot="1" noChangeAspect="1"/>
+          </p:cNvSpPr>
+          <p:nvPr>
+            <p:ph type="sldImg"/>
+          </p:nvPr>
+        </p:nvSpPr>
+        <p:spPr/>
+      </p:sp>
+      <p:sp>
+        <p:nvSpPr>
+          <p:cNvPr id="3" name="슬라이드 노트 개체 틀 2"/>
+          <p:cNvSpPr>
+            <a:spLocks noGrp="1"/>
+          </p:cNvSpPr>
+          <p:nvPr>
+            <p:ph type="body" idx="1"/>
+          </p:nvPr>
+        </p:nvSpPr>
+        <p:spPr/>
+        <p:txBody>
+          <a:bodyPr/>
+          <a:lstStyle/>
+          <a:p>
+            <a:r>
+              <a:rPr lang="ko-KR" altLang="en-US" dirty="0"/>
+              <a:t>저희 조의 예상 스케쥴은 다음과 같습니다</a:t>
+            </a:r>
+            <a:r>
+              <a:rPr lang="en-US" altLang="ko-KR" dirty="0"/>
+              <a:t>. </a:t>
+            </a:r>
+            <a:endParaRPr lang="ko-KR" altLang="en-US" dirty="0"/>
+          </a:p>
+        </p:txBody>
+      </p:sp>
+      <p:sp>
+        <p:nvSpPr>
+          <p:cNvPr id="4" name="슬라이드 번호 개체 틀 3"/>
+          <p:cNvSpPr>
+            <a:spLocks noGrp="1"/>
+          </p:cNvSpPr>
+          <p:nvPr>
+            <p:ph type="sldNum" sz="quarter" idx="5"/>
+          </p:nvPr>
+        </p:nvSpPr>
+        <p:spPr/>
+        <p:txBody>
+          <a:bodyPr/>
+          <a:lstStyle/>
+          <a:p>
+            <a:fld id="{928C4006-D583-4434-A25D-662BACC4BC65}" type="slidenum">
+              <a:rPr lang="ko-KR" altLang="en-US" smtClean="0"/>
+              <a:t>21</a:t>
+            </a:fld>
+            <a:endParaRPr lang="ko-KR" altLang="en-US"/>
+          </a:p>
+        </p:txBody>
+      </p:sp>
+    </p:spTree>
+    <p:extLst>
+      <p:ext uri="{BB962C8B-B14F-4D97-AF65-F5344CB8AC3E}">
+        <p14:creationId xmlns:p14="http://schemas.microsoft.com/office/powerpoint/2010/main" val="633748150"/>
       </p:ext>
     </p:extLst>
   </p:cSld>
@@ -2969,11 +4555,11 @@
             </a:r>
             <a:r>
               <a:rPr lang="ko-KR" altLang="en-US" dirty="0"/>
-              <a:t> 기대합니다</a:t>
+              <a:t> 기대하고</a:t>
             </a:r>
             <a:r>
               <a:rPr lang="en-US" altLang="ko-KR" dirty="0"/>
-              <a:t>. </a:t>
+              <a:t>, </a:t>
             </a:r>
           </a:p>
           <a:p>
@@ -3250,68 +4836,32 @@
           <a:lstStyle/>
           <a:p>
             <a:r>
+              <a:rPr lang="en-US" altLang="ko-KR" dirty="0" err="1"/>
+              <a:t>Gpt</a:t>
+            </a:r>
+            <a:r>
               <a:rPr lang="ko-KR" altLang="en-US" dirty="0"/>
-              <a:t>저희 프로젝트의 진행 과정을 블록 다이어그램으로 그려보았습니다</a:t>
+              <a:t>에 일반적인 </a:t>
             </a:r>
             <a:r>
               <a:rPr lang="en-US" altLang="ko-KR" dirty="0"/>
-              <a:t>.</a:t>
-            </a:r>
-          </a:p>
-          <a:p>
+              <a:t>text </a:t>
+            </a:r>
             <a:r>
               <a:rPr lang="ko-KR" altLang="en-US" dirty="0"/>
-              <a:t>오버랩 되어 있는 음성 데이터를  </a:t>
-            </a:r>
-            <a:r>
-              <a:rPr lang="en-US" altLang="ko-KR" dirty="0" err="1"/>
-              <a:t>vad</a:t>
-            </a:r>
-            <a:r>
-              <a:rPr lang="en-US" altLang="ko-KR" dirty="0"/>
-              <a:t> </a:t>
+              <a:t>형식으로 기자의 말과 인터뷰 내용의 구분이 없이 출력이 </a:t>
+            </a:r>
+            <a:r>
+              <a:rPr lang="ko-KR" altLang="en-US" dirty="0" err="1"/>
+              <a:t>된것을</a:t>
             </a:r>
             <a:r>
               <a:rPr lang="ko-KR" altLang="en-US" dirty="0"/>
-              <a:t>알고리즘으로 자른 다음 화자 분리를 수행합니다</a:t>
+              <a:t> 넣어 보았더니 아래와 같이 요약문을 출력해주었습니다</a:t>
             </a:r>
             <a:r>
               <a:rPr lang="en-US" altLang="ko-KR" dirty="0"/>
               <a:t>. </a:t>
-            </a:r>
-          </a:p>
-          <a:p>
-            <a:r>
-              <a:rPr lang="ko-KR" altLang="en-US" dirty="0"/>
-              <a:t>각 분리된 음성을 </a:t>
-            </a:r>
-            <a:r>
-              <a:rPr lang="en-US" altLang="ko-KR" dirty="0" err="1"/>
-              <a:t>stt</a:t>
-            </a:r>
-            <a:r>
-              <a:rPr lang="ko-KR" altLang="en-US" dirty="0"/>
-              <a:t>로 </a:t>
-            </a:r>
-            <a:r>
-              <a:rPr lang="en-US" altLang="ko-KR" dirty="0"/>
-              <a:t>text </a:t>
-            </a:r>
-            <a:r>
-              <a:rPr lang="ko-KR" altLang="en-US" dirty="0"/>
-              <a:t>출력을 하고 </a:t>
-            </a:r>
-            <a:r>
-              <a:rPr lang="en-US" altLang="ko-KR" dirty="0"/>
-              <a:t>script </a:t>
-            </a:r>
-            <a:r>
-              <a:rPr lang="ko-KR" altLang="en-US" dirty="0"/>
-              <a:t>형식으로 변환을 한 뒤 요약을 수행하는 과정입니다</a:t>
-            </a:r>
-            <a:r>
-              <a:rPr lang="en-US" altLang="ko-KR" dirty="0"/>
-              <a:t>.  </a:t>
             </a:r>
             <a:endParaRPr lang="ko-KR" altLang="en-US" dirty="0"/>
           </a:p>
@@ -3343,7 +4893,7 @@
     </p:spTree>
     <p:extLst>
       <p:ext uri="{BB962C8B-B14F-4D97-AF65-F5344CB8AC3E}">
-        <p14:creationId xmlns:p14="http://schemas.microsoft.com/office/powerpoint/2010/main" val="264363184"/>
+        <p14:creationId xmlns:p14="http://schemas.microsoft.com/office/powerpoint/2010/main" val="3737734013"/>
       </p:ext>
     </p:extLst>
   </p:cSld>
@@ -3399,49 +4949,16 @@
           <a:p>
             <a:r>
               <a:rPr lang="ko-KR" altLang="en-US" dirty="0"/>
-              <a:t>역할 분담으로 저는 </a:t>
-            </a:r>
-            <a:r>
-              <a:rPr lang="en-US" altLang="ko-KR" dirty="0" err="1"/>
-              <a:t>stt</a:t>
+              <a:t>다음은 대본 형식의 </a:t>
             </a:r>
             <a:r>
               <a:rPr lang="en-US" altLang="ko-KR" dirty="0"/>
-              <a:t> </a:t>
+              <a:t>text</a:t>
             </a:r>
             <a:r>
               <a:rPr lang="ko-KR" altLang="en-US" dirty="0"/>
-              <a:t>데이터 및 모델 학습</a:t>
-            </a:r>
-            <a:r>
-              <a:rPr lang="en-US" altLang="ko-KR" dirty="0"/>
-              <a:t>, </a:t>
-            </a:r>
-            <a:r>
-              <a:rPr lang="ko-KR" altLang="en-US" dirty="0"/>
-              <a:t>텍스트 후처리를 진행하고</a:t>
-            </a:r>
-            <a:r>
-              <a:rPr lang="en-US" altLang="ko-KR" dirty="0"/>
-              <a:t>, </a:t>
-            </a:r>
-            <a:r>
-              <a:rPr lang="ko-KR" altLang="en-US" dirty="0"/>
-              <a:t>신원철 학우는 화자 분리 데이터 및 모델 학습</a:t>
-            </a:r>
-            <a:r>
-              <a:rPr lang="en-US" altLang="ko-KR" dirty="0"/>
-              <a:t>, </a:t>
-            </a:r>
-            <a:r>
-              <a:rPr lang="ko-KR" altLang="en-US" dirty="0"/>
-              <a:t>요약을 진행 하기로 했습니다</a:t>
-            </a:r>
-            <a:r>
-              <a:rPr lang="en-US" altLang="ko-KR" dirty="0"/>
-              <a:t>. </a:t>
-            </a:r>
-            <a:endParaRPr lang="ko-KR" altLang="en-US" dirty="0"/>
+              <a:t>를 넣어주었는데</a:t>
+            </a:r>
           </a:p>
         </p:txBody>
       </p:sp>
@@ -3471,7 +4988,7 @@
     </p:spTree>
     <p:extLst>
       <p:ext uri="{BB962C8B-B14F-4D97-AF65-F5344CB8AC3E}">
-        <p14:creationId xmlns:p14="http://schemas.microsoft.com/office/powerpoint/2010/main" val="3159588261"/>
+        <p14:creationId xmlns:p14="http://schemas.microsoft.com/office/powerpoint/2010/main" val="3274817969"/>
       </p:ext>
     </p:extLst>
   </p:cSld>
@@ -3525,235 +5042,24 @@
           <a:bodyPr/>
           <a:lstStyle/>
           <a:p>
-            <a:pPr marL="0" indent="0" algn="just" latinLnBrk="1">
-              <a:lnSpc>
-                <a:spcPct val="107000"/>
-              </a:lnSpc>
-              <a:spcAft>
-                <a:spcPts val="800"/>
-              </a:spcAft>
-              <a:buNone/>
-            </a:pPr>
+            <a:r>
+              <a:rPr lang="ko-KR" altLang="en-US" dirty="0"/>
+              <a:t>이와 같이 전체 요약도 해주고 화자별로 요약을 해주는 결과를 볼 수 있습니다</a:t>
+            </a:r>
             <a:r>
               <a:rPr lang="en-US" altLang="ko-KR" dirty="0"/>
-              <a:t>STT</a:t>
-            </a:r>
+              <a:t>. </a:t>
+            </a:r>
+          </a:p>
+          <a:p>
             <a:r>
               <a:rPr lang="ko-KR" altLang="en-US" dirty="0"/>
-              <a:t>로 사용할 모델은 </a:t>
-            </a:r>
-            <a:r>
-              <a:rPr lang="en-US" altLang="ko-KR" dirty="0" err="1"/>
-              <a:t>espnet</a:t>
+              <a:t>저희는 분리된 화자별로 중요도를 구해서 중심 화자별로 요약을 제공할 계획입니다</a:t>
             </a:r>
             <a:r>
               <a:rPr lang="en-US" altLang="ko-KR" dirty="0"/>
-              <a:t>, LRS2</a:t>
-            </a:r>
-            <a:r>
-              <a:rPr lang="ko-KR" altLang="en-US" dirty="0"/>
-              <a:t>는 데이터셋</a:t>
-            </a:r>
-            <a:endParaRPr lang="en-US" altLang="ko-KR" dirty="0"/>
-          </a:p>
-          <a:p>
-            <a:pPr marL="0" indent="0" algn="just" latinLnBrk="1">
-              <a:lnSpc>
-                <a:spcPct val="107000"/>
-              </a:lnSpc>
-              <a:spcAft>
-                <a:spcPts val="800"/>
-              </a:spcAft>
-              <a:buNone/>
-            </a:pPr>
-            <a:endParaRPr lang="en-US" altLang="ko-KR" dirty="0"/>
-          </a:p>
-          <a:p>
-            <a:pPr marL="0" indent="0" algn="just" latinLnBrk="1">
-              <a:lnSpc>
-                <a:spcPct val="107000"/>
-              </a:lnSpc>
-              <a:spcAft>
-                <a:spcPts val="800"/>
-              </a:spcAft>
-              <a:buNone/>
-            </a:pPr>
-            <a:r>
-              <a:rPr lang="en-US" altLang="ko-KR" dirty="0" err="1"/>
-              <a:t>Paperswithcode</a:t>
-            </a:r>
-            <a:r>
-              <a:rPr lang="en-US" altLang="ko-KR" dirty="0"/>
-              <a:t> </a:t>
-            </a:r>
-            <a:r>
-              <a:rPr lang="ko-KR" altLang="en-US" dirty="0"/>
-              <a:t>에서 보면 </a:t>
-            </a:r>
-            <a:r>
-              <a:rPr lang="en-US" altLang="ko-KR" dirty="0" err="1"/>
-              <a:t>asr</a:t>
-            </a:r>
-            <a:r>
-              <a:rPr lang="en-US" altLang="ko-KR" dirty="0"/>
-              <a:t>(</a:t>
-            </a:r>
-            <a:r>
-              <a:rPr lang="ko-KR" altLang="en-US" dirty="0"/>
-              <a:t>자동 음성 인식</a:t>
-            </a:r>
-            <a:r>
-              <a:rPr lang="en-US" altLang="ko-KR" dirty="0"/>
-              <a:t>)</a:t>
-            </a:r>
-            <a:r>
-              <a:rPr lang="ko-KR" altLang="en-US" dirty="0"/>
-              <a:t>에</a:t>
-            </a:r>
-            <a:r>
-              <a:rPr lang="en-US" altLang="ko-KR" dirty="0"/>
-              <a:t> </a:t>
-            </a:r>
-            <a:r>
-              <a:rPr lang="ko-KR" altLang="en-US" dirty="0"/>
-              <a:t>사용된 모델에서 </a:t>
-            </a:r>
-            <a:r>
-              <a:rPr lang="en-US" altLang="ko-KR" dirty="0"/>
-              <a:t>CTC/</a:t>
-            </a:r>
-            <a:r>
-              <a:rPr lang="en-US" altLang="ko-KR" dirty="0" err="1"/>
-              <a:t>Attenction</a:t>
-            </a:r>
-            <a:r>
-              <a:rPr lang="en-US" altLang="ko-KR" dirty="0"/>
-              <a:t> </a:t>
-            </a:r>
-            <a:r>
-              <a:rPr lang="ko-KR" altLang="en-US" dirty="0"/>
-              <a:t>모델을 사용하면 </a:t>
-            </a:r>
-            <a:r>
-              <a:rPr lang="en-US" altLang="ko-KR" dirty="0" err="1"/>
-              <a:t>wer</a:t>
-            </a:r>
-            <a:r>
-              <a:rPr lang="ko-KR" altLang="en-US" dirty="0"/>
-              <a:t>이 </a:t>
-            </a:r>
-            <a:r>
-              <a:rPr lang="en-US" altLang="ko-KR" dirty="0"/>
-              <a:t>1.5</a:t>
-            </a:r>
-            <a:r>
-              <a:rPr lang="ko-KR" altLang="en-US" dirty="0"/>
-              <a:t> 으로 낮게 나와 오류가 적고 성능이 </a:t>
-            </a:r>
-            <a:r>
-              <a:rPr lang="ko-KR" altLang="en-US" dirty="0" err="1"/>
-              <a:t>좋은것으로</a:t>
-            </a:r>
-            <a:r>
-              <a:rPr lang="ko-KR" altLang="en-US" dirty="0"/>
-              <a:t> 확인</a:t>
-            </a:r>
-            <a:endParaRPr lang="en-US" altLang="ko-KR" dirty="0"/>
-          </a:p>
-          <a:p>
-            <a:pPr marL="0" indent="0" algn="just" latinLnBrk="1">
-              <a:lnSpc>
-                <a:spcPct val="107000"/>
-              </a:lnSpc>
-              <a:spcAft>
-                <a:spcPts val="800"/>
-              </a:spcAft>
-              <a:buNone/>
-            </a:pPr>
-            <a:r>
-              <a:rPr lang="ko-KR" altLang="en-US" dirty="0"/>
-              <a:t>그래서 저희 프로젝트 조건에 맞는 한국어가 지원되고 </a:t>
-            </a:r>
-            <a:r>
-              <a:rPr lang="en-US" altLang="ko-KR" dirty="0"/>
-              <a:t>CTC/</a:t>
-            </a:r>
-            <a:r>
-              <a:rPr lang="en-US" altLang="ko-KR" dirty="0" err="1"/>
-              <a:t>Attenction</a:t>
-            </a:r>
-            <a:r>
-              <a:rPr lang="ko-KR" altLang="en-US" dirty="0"/>
-              <a:t>을</a:t>
-            </a:r>
-            <a:r>
-              <a:rPr lang="en-US" altLang="ko-KR" dirty="0"/>
-              <a:t> </a:t>
-            </a:r>
-            <a:r>
-              <a:rPr lang="ko-KR" altLang="en-US" dirty="0"/>
-              <a:t>사용하는 모델인 </a:t>
-            </a:r>
-            <a:r>
-              <a:rPr lang="en-US" altLang="ko-KR" dirty="0" err="1"/>
-              <a:t>espnet</a:t>
-            </a:r>
-            <a:r>
-              <a:rPr lang="ko-KR" altLang="en-US" dirty="0"/>
-              <a:t>을 사용</a:t>
-            </a:r>
-            <a:endParaRPr lang="en-US" altLang="ko-KR" dirty="0"/>
-          </a:p>
-          <a:p>
-            <a:pPr marL="0" indent="0" algn="just" latinLnBrk="1">
-              <a:lnSpc>
-                <a:spcPct val="107000"/>
-              </a:lnSpc>
-              <a:spcAft>
-                <a:spcPts val="800"/>
-              </a:spcAft>
-              <a:buNone/>
-            </a:pPr>
-            <a:endParaRPr lang="en-US" altLang="ko-KR" dirty="0"/>
-          </a:p>
-          <a:p>
-            <a:pPr marL="0" indent="0" algn="just" latinLnBrk="1">
-              <a:lnSpc>
-                <a:spcPct val="107000"/>
-              </a:lnSpc>
-              <a:spcAft>
-                <a:spcPts val="800"/>
-              </a:spcAft>
-              <a:buNone/>
-            </a:pPr>
-            <a:r>
-              <a:rPr lang="en-US" altLang="ko-KR" dirty="0"/>
-              <a:t>CTC:</a:t>
-            </a:r>
-            <a:r>
-              <a:rPr lang="ko-KR" altLang="en-US" dirty="0"/>
-              <a:t> 단어 시퀀스가 없더라도</a:t>
-            </a:r>
-            <a:r>
-              <a:rPr lang="en-US" altLang="ko-KR" dirty="0"/>
-              <a:t>, </a:t>
-            </a:r>
-            <a:r>
-              <a:rPr lang="ko-KR" altLang="en-US" dirty="0"/>
-              <a:t>음성과 단어 만으로 쉽게 음성 시간상에 따른 단어 매핑이 가능</a:t>
-            </a:r>
-            <a:endParaRPr lang="en-US" altLang="ko-KR"/>
-          </a:p>
-          <a:p>
-            <a:pPr marL="0" indent="0" algn="just" latinLnBrk="1">
-              <a:lnSpc>
-                <a:spcPct val="107000"/>
-              </a:lnSpc>
-              <a:spcAft>
-                <a:spcPts val="800"/>
-              </a:spcAft>
-              <a:buNone/>
-            </a:pPr>
+              <a:t>.</a:t>
+            </a:r>
             <a:endParaRPr lang="ko-KR" altLang="en-US" dirty="0"/>
           </a:p>
         </p:txBody>
@@ -3784,7 +5090,7 @@
     </p:spTree>
     <p:extLst>
       <p:ext uri="{BB962C8B-B14F-4D97-AF65-F5344CB8AC3E}">
-        <p14:creationId xmlns:p14="http://schemas.microsoft.com/office/powerpoint/2010/main" val="1214517290"/>
+        <p14:creationId xmlns:p14="http://schemas.microsoft.com/office/powerpoint/2010/main" val="967002394"/>
       </p:ext>
     </p:extLst>
   </p:cSld>
@@ -3838,892 +5144,69 @@
           <a:bodyPr/>
           <a:lstStyle/>
           <a:p>
-            <a:pPr marL="0" indent="0" algn="just" latinLnBrk="1">
-              <a:lnSpc>
-                <a:spcPct val="107000"/>
-              </a:lnSpc>
-              <a:spcAft>
-                <a:spcPts val="800"/>
-              </a:spcAft>
-              <a:buNone/>
-            </a:pPr>
-            <a:r>
-              <a:rPr lang="ko-KR" altLang="en-US" sz="1200" kern="100" dirty="0">
-                <a:solidFill>
-                  <a:srgbClr val="111111"/>
-                </a:solidFill>
-                <a:effectLst/>
-                <a:latin typeface="Segoe UI" panose="020B0502040204020203" pitchFamily="34" charset="0"/>
-                <a:ea typeface="맑은 고딕" panose="020B0503020000020004" pitchFamily="50" charset="-127"/>
-                <a:cs typeface="Segoe UI" panose="020B0502040204020203" pitchFamily="34" charset="0"/>
-              </a:rPr>
-              <a:t>요약문 생성시 사용할 모델에 대해서 설명 드리겠습니다</a:t>
-            </a:r>
-            <a:r>
-              <a:rPr lang="en-US" altLang="ko-KR" sz="1200" kern="100" dirty="0">
-                <a:solidFill>
-                  <a:srgbClr val="111111"/>
-                </a:solidFill>
-                <a:effectLst/>
-                <a:latin typeface="Segoe UI" panose="020B0502040204020203" pitchFamily="34" charset="0"/>
-                <a:ea typeface="맑은 고딕" panose="020B0503020000020004" pitchFamily="50" charset="-127"/>
-                <a:cs typeface="Segoe UI" panose="020B0502040204020203" pitchFamily="34" charset="0"/>
-              </a:rPr>
-              <a:t>. </a:t>
-            </a:r>
-          </a:p>
-          <a:p>
-            <a:pPr marL="0" indent="0" algn="just" latinLnBrk="1">
-              <a:lnSpc>
-                <a:spcPct val="107000"/>
-              </a:lnSpc>
-              <a:spcAft>
-                <a:spcPts val="800"/>
-              </a:spcAft>
-              <a:buNone/>
-            </a:pPr>
-            <a:r>
-              <a:rPr lang="ko-KR" altLang="en-US" sz="1200" kern="100" dirty="0">
-                <a:solidFill>
-                  <a:srgbClr val="111111"/>
-                </a:solidFill>
-                <a:effectLst/>
-                <a:latin typeface="Segoe UI" panose="020B0502040204020203" pitchFamily="34" charset="0"/>
-                <a:ea typeface="맑은 고딕" panose="020B0503020000020004" pitchFamily="50" charset="-127"/>
-                <a:cs typeface="Segoe UI" panose="020B0502040204020203" pitchFamily="34" charset="0"/>
-              </a:rPr>
-              <a:t>텍스트를 요약하는 방법은 다음과 같이 두가지 방법이 있습니다</a:t>
-            </a:r>
-            <a:r>
-              <a:rPr lang="en-US" altLang="ko-KR" sz="1200" kern="100" dirty="0">
-                <a:solidFill>
-                  <a:srgbClr val="111111"/>
-                </a:solidFill>
-                <a:effectLst/>
-                <a:latin typeface="Segoe UI" panose="020B0502040204020203" pitchFamily="34" charset="0"/>
-                <a:ea typeface="맑은 고딕" panose="020B0503020000020004" pitchFamily="50" charset="-127"/>
-                <a:cs typeface="Segoe UI" panose="020B0502040204020203" pitchFamily="34" charset="0"/>
-              </a:rPr>
-              <a:t>. </a:t>
-            </a:r>
-          </a:p>
-          <a:p>
-            <a:pPr marL="342900" indent="-342900" algn="just" latinLnBrk="1">
-              <a:lnSpc>
-                <a:spcPct val="107000"/>
-              </a:lnSpc>
-              <a:spcAft>
-                <a:spcPts val="800"/>
-              </a:spcAft>
-              <a:buAutoNum type="arabicPeriod"/>
-            </a:pPr>
-            <a:endParaRPr lang="en-US" altLang="ko-KR" sz="1200" kern="100" dirty="0">
-              <a:solidFill>
-                <a:srgbClr val="111111"/>
-              </a:solidFill>
-              <a:effectLst/>
-              <a:latin typeface="Segoe UI" panose="020B0502040204020203" pitchFamily="34" charset="0"/>
-              <a:ea typeface="맑은 고딕" panose="020B0503020000020004" pitchFamily="50" charset="-127"/>
-              <a:cs typeface="Segoe UI" panose="020B0502040204020203" pitchFamily="34" charset="0"/>
-            </a:endParaRPr>
-          </a:p>
-          <a:p>
-            <a:pPr marL="342900" indent="-342900" algn="just" latinLnBrk="1">
-              <a:lnSpc>
-                <a:spcPct val="107000"/>
-              </a:lnSpc>
-              <a:spcAft>
-                <a:spcPts val="800"/>
-              </a:spcAft>
-              <a:buAutoNum type="arabicPeriod"/>
-            </a:pPr>
-            <a:r>
-              <a:rPr lang="ko-KR" altLang="ko-KR" sz="1200" kern="100" dirty="0">
-                <a:solidFill>
-                  <a:srgbClr val="111111"/>
-                </a:solidFill>
-                <a:effectLst/>
-                <a:latin typeface="Segoe UI" panose="020B0502040204020203" pitchFamily="34" charset="0"/>
-                <a:ea typeface="맑은 고딕" panose="020B0503020000020004" pitchFamily="50" charset="-127"/>
-                <a:cs typeface="Segoe UI" panose="020B0502040204020203" pitchFamily="34" charset="0"/>
-              </a:rPr>
-              <a:t>추출요약</a:t>
-            </a:r>
-            <a:r>
-              <a:rPr lang="en-US" altLang="ko-KR" sz="1200" kern="100" dirty="0">
-                <a:solidFill>
-                  <a:srgbClr val="111111"/>
-                </a:solidFill>
-                <a:effectLst/>
-                <a:latin typeface="Segoe UI" panose="020B0502040204020203" pitchFamily="34" charset="0"/>
-                <a:ea typeface="맑은 고딕" panose="020B0503020000020004" pitchFamily="50" charset="-127"/>
-                <a:cs typeface="Times New Roman" panose="02020603050405020304" pitchFamily="18" charset="0"/>
-              </a:rPr>
-              <a:t>(extraction) =&gt;</a:t>
-            </a:r>
-            <a:r>
-              <a:rPr lang="ko-KR" altLang="ko-KR" sz="1200" kern="100" dirty="0">
-                <a:solidFill>
-                  <a:srgbClr val="111111"/>
-                </a:solidFill>
-                <a:effectLst/>
-                <a:latin typeface="Segoe UI" panose="020B0502040204020203" pitchFamily="34" charset="0"/>
-                <a:ea typeface="맑은 고딕" panose="020B0503020000020004" pitchFamily="50" charset="-127"/>
-                <a:cs typeface="Segoe UI" panose="020B0502040204020203" pitchFamily="34" charset="0"/>
-              </a:rPr>
-              <a:t>문서에서</a:t>
-            </a:r>
-            <a:r>
-              <a:rPr lang="ko-KR" altLang="ko-KR" sz="1200" kern="100" dirty="0">
-                <a:solidFill>
-                  <a:srgbClr val="111111"/>
-                </a:solidFill>
-                <a:effectLst/>
-                <a:latin typeface="맑은 고딕" panose="020B0503020000020004" pitchFamily="50" charset="-127"/>
-                <a:ea typeface="Segoe UI" panose="020B0502040204020203" pitchFamily="34" charset="0"/>
-                <a:cs typeface="Times New Roman" panose="02020603050405020304" pitchFamily="18" charset="0"/>
-              </a:rPr>
-              <a:t> </a:t>
-            </a:r>
-            <a:r>
-              <a:rPr lang="ko-KR" altLang="ko-KR" sz="1200" kern="100" dirty="0">
-                <a:solidFill>
-                  <a:srgbClr val="111111"/>
-                </a:solidFill>
-                <a:effectLst/>
-                <a:latin typeface="Segoe UI" panose="020B0502040204020203" pitchFamily="34" charset="0"/>
-                <a:ea typeface="맑은 고딕" panose="020B0503020000020004" pitchFamily="50" charset="-127"/>
-                <a:cs typeface="Segoe UI" panose="020B0502040204020203" pitchFamily="34" charset="0"/>
-              </a:rPr>
-              <a:t>뽑은</a:t>
-            </a:r>
-            <a:r>
-              <a:rPr lang="ko-KR" altLang="ko-KR" sz="1200" kern="100" dirty="0">
-                <a:solidFill>
-                  <a:srgbClr val="111111"/>
-                </a:solidFill>
-                <a:effectLst/>
-                <a:latin typeface="맑은 고딕" panose="020B0503020000020004" pitchFamily="50" charset="-127"/>
-                <a:ea typeface="Segoe UI" panose="020B0502040204020203" pitchFamily="34" charset="0"/>
-                <a:cs typeface="Times New Roman" panose="02020603050405020304" pitchFamily="18" charset="0"/>
-              </a:rPr>
-              <a:t> </a:t>
-            </a:r>
-            <a:r>
-              <a:rPr lang="ko-KR" altLang="ko-KR" sz="1200" kern="100" dirty="0">
-                <a:solidFill>
-                  <a:srgbClr val="111111"/>
-                </a:solidFill>
-                <a:effectLst/>
-                <a:latin typeface="Segoe UI" panose="020B0502040204020203" pitchFamily="34" charset="0"/>
-                <a:ea typeface="맑은 고딕" panose="020B0503020000020004" pitchFamily="50" charset="-127"/>
-                <a:cs typeface="Segoe UI" panose="020B0502040204020203" pitchFamily="34" charset="0"/>
-              </a:rPr>
-              <a:t>단어를</a:t>
-            </a:r>
-            <a:r>
-              <a:rPr lang="ko-KR" altLang="ko-KR" sz="1200" kern="100" dirty="0">
-                <a:solidFill>
-                  <a:srgbClr val="111111"/>
-                </a:solidFill>
-                <a:effectLst/>
-                <a:latin typeface="맑은 고딕" panose="020B0503020000020004" pitchFamily="50" charset="-127"/>
-                <a:ea typeface="Segoe UI" panose="020B0502040204020203" pitchFamily="34" charset="0"/>
-                <a:cs typeface="Times New Roman" panose="02020603050405020304" pitchFamily="18" charset="0"/>
-              </a:rPr>
-              <a:t> </a:t>
-            </a:r>
-            <a:r>
-              <a:rPr lang="ko-KR" altLang="ko-KR" sz="1200" kern="100" dirty="0">
-                <a:solidFill>
-                  <a:srgbClr val="111111"/>
-                </a:solidFill>
-                <a:effectLst/>
-                <a:latin typeface="Segoe UI" panose="020B0502040204020203" pitchFamily="34" charset="0"/>
-                <a:ea typeface="맑은 고딕" panose="020B0503020000020004" pitchFamily="50" charset="-127"/>
-                <a:cs typeface="Segoe UI" panose="020B0502040204020203" pitchFamily="34" charset="0"/>
-              </a:rPr>
-              <a:t>조합해</a:t>
-            </a:r>
-            <a:r>
-              <a:rPr lang="ko-KR" altLang="ko-KR" sz="1200" kern="100" dirty="0">
-                <a:solidFill>
-                  <a:srgbClr val="111111"/>
-                </a:solidFill>
-                <a:effectLst/>
-                <a:latin typeface="맑은 고딕" panose="020B0503020000020004" pitchFamily="50" charset="-127"/>
-                <a:ea typeface="Segoe UI" panose="020B0502040204020203" pitchFamily="34" charset="0"/>
-                <a:cs typeface="Times New Roman" panose="02020603050405020304" pitchFamily="18" charset="0"/>
-              </a:rPr>
-              <a:t> </a:t>
-            </a:r>
-            <a:r>
-              <a:rPr lang="ko-KR" altLang="ko-KR" sz="1200" kern="100" dirty="0">
-                <a:solidFill>
-                  <a:srgbClr val="111111"/>
-                </a:solidFill>
-                <a:effectLst/>
-                <a:latin typeface="Segoe UI" panose="020B0502040204020203" pitchFamily="34" charset="0"/>
-                <a:ea typeface="맑은 고딕" panose="020B0503020000020004" pitchFamily="50" charset="-127"/>
-                <a:cs typeface="Segoe UI" panose="020B0502040204020203" pitchFamily="34" charset="0"/>
-              </a:rPr>
-              <a:t>문장을</a:t>
-            </a:r>
-            <a:r>
-              <a:rPr lang="ko-KR" altLang="ko-KR" sz="1200" kern="100" dirty="0">
-                <a:solidFill>
-                  <a:srgbClr val="111111"/>
-                </a:solidFill>
-                <a:effectLst/>
-                <a:latin typeface="맑은 고딕" panose="020B0503020000020004" pitchFamily="50" charset="-127"/>
-                <a:ea typeface="Segoe UI" panose="020B0502040204020203" pitchFamily="34" charset="0"/>
-                <a:cs typeface="Times New Roman" panose="02020603050405020304" pitchFamily="18" charset="0"/>
-              </a:rPr>
-              <a:t> </a:t>
-            </a:r>
-            <a:r>
-              <a:rPr lang="ko-KR" altLang="ko-KR" sz="1200" kern="100" dirty="0">
-                <a:solidFill>
-                  <a:srgbClr val="111111"/>
-                </a:solidFill>
-                <a:effectLst/>
-                <a:latin typeface="Segoe UI" panose="020B0502040204020203" pitchFamily="34" charset="0"/>
-                <a:ea typeface="맑은 고딕" panose="020B0503020000020004" pitchFamily="50" charset="-127"/>
-                <a:cs typeface="Segoe UI" panose="020B0502040204020203" pitchFamily="34" charset="0"/>
-              </a:rPr>
-              <a:t>생성</a:t>
-            </a:r>
-            <a:r>
-              <a:rPr lang="en-US" altLang="ko-KR" sz="1200" kern="100" dirty="0">
-                <a:solidFill>
-                  <a:srgbClr val="111111"/>
-                </a:solidFill>
-                <a:effectLst/>
-                <a:latin typeface="Segoe UI" panose="020B0502040204020203" pitchFamily="34" charset="0"/>
-                <a:ea typeface="맑은 고딕" panose="020B0503020000020004" pitchFamily="50" charset="-127"/>
-                <a:cs typeface="Times New Roman" panose="02020603050405020304" pitchFamily="18" charset="0"/>
-              </a:rPr>
-              <a:t>, </a:t>
-            </a:r>
-            <a:r>
-              <a:rPr lang="ko-KR" altLang="ko-KR" sz="1200" kern="100" dirty="0">
-                <a:solidFill>
-                  <a:srgbClr val="111111"/>
-                </a:solidFill>
-                <a:effectLst/>
-                <a:latin typeface="Segoe UI" panose="020B0502040204020203" pitchFamily="34" charset="0"/>
-                <a:ea typeface="맑은 고딕" panose="020B0503020000020004" pitchFamily="50" charset="-127"/>
-                <a:cs typeface="Segoe UI" panose="020B0502040204020203" pitchFamily="34" charset="0"/>
-              </a:rPr>
-              <a:t>입력의</a:t>
-            </a:r>
-            <a:r>
-              <a:rPr lang="ko-KR" altLang="ko-KR" sz="1200" kern="100" dirty="0">
-                <a:solidFill>
-                  <a:srgbClr val="111111"/>
-                </a:solidFill>
-                <a:effectLst/>
-                <a:latin typeface="맑은 고딕" panose="020B0503020000020004" pitchFamily="50" charset="-127"/>
-                <a:ea typeface="Segoe UI" panose="020B0502040204020203" pitchFamily="34" charset="0"/>
-                <a:cs typeface="Times New Roman" panose="02020603050405020304" pitchFamily="18" charset="0"/>
-              </a:rPr>
-              <a:t> </a:t>
-            </a:r>
-            <a:r>
-              <a:rPr lang="ko-KR" altLang="ko-KR" sz="1200" kern="100" dirty="0">
-                <a:solidFill>
-                  <a:srgbClr val="111111"/>
-                </a:solidFill>
-                <a:effectLst/>
-                <a:latin typeface="Segoe UI" panose="020B0502040204020203" pitchFamily="34" charset="0"/>
-                <a:ea typeface="맑은 고딕" panose="020B0503020000020004" pitchFamily="50" charset="-127"/>
-                <a:cs typeface="Segoe UI" panose="020B0502040204020203" pitchFamily="34" charset="0"/>
-              </a:rPr>
-              <a:t>문장</a:t>
-            </a:r>
-            <a:r>
-              <a:rPr lang="ko-KR" altLang="ko-KR" sz="1200" kern="100" dirty="0">
-                <a:solidFill>
-                  <a:srgbClr val="111111"/>
-                </a:solidFill>
-                <a:effectLst/>
-                <a:latin typeface="맑은 고딕" panose="020B0503020000020004" pitchFamily="50" charset="-127"/>
-                <a:ea typeface="Segoe UI" panose="020B0502040204020203" pitchFamily="34" charset="0"/>
-                <a:cs typeface="Times New Roman" panose="02020603050405020304" pitchFamily="18" charset="0"/>
-              </a:rPr>
-              <a:t> </a:t>
-            </a:r>
-            <a:r>
-              <a:rPr lang="ko-KR" altLang="ko-KR" sz="1200" kern="100" dirty="0">
-                <a:solidFill>
-                  <a:srgbClr val="111111"/>
-                </a:solidFill>
-                <a:effectLst/>
-                <a:latin typeface="Segoe UI" panose="020B0502040204020203" pitchFamily="34" charset="0"/>
-                <a:ea typeface="맑은 고딕" panose="020B0503020000020004" pitchFamily="50" charset="-127"/>
-                <a:cs typeface="Segoe UI" panose="020B0502040204020203" pitchFamily="34" charset="0"/>
-              </a:rPr>
-              <a:t>중</a:t>
-            </a:r>
-            <a:r>
-              <a:rPr lang="ko-KR" altLang="ko-KR" sz="1200" kern="100" dirty="0">
-                <a:solidFill>
-                  <a:srgbClr val="111111"/>
-                </a:solidFill>
-                <a:effectLst/>
-                <a:latin typeface="맑은 고딕" panose="020B0503020000020004" pitchFamily="50" charset="-127"/>
-                <a:ea typeface="Segoe UI" panose="020B0502040204020203" pitchFamily="34" charset="0"/>
-                <a:cs typeface="Times New Roman" panose="02020603050405020304" pitchFamily="18" charset="0"/>
-              </a:rPr>
-              <a:t> </a:t>
-            </a:r>
-            <a:r>
-              <a:rPr lang="ko-KR" altLang="ko-KR" sz="1200" kern="100" dirty="0">
-                <a:solidFill>
-                  <a:srgbClr val="111111"/>
-                </a:solidFill>
-                <a:effectLst/>
-                <a:latin typeface="Segoe UI" panose="020B0502040204020203" pitchFamily="34" charset="0"/>
-                <a:ea typeface="맑은 고딕" panose="020B0503020000020004" pitchFamily="50" charset="-127"/>
-                <a:cs typeface="Segoe UI" panose="020B0502040204020203" pitchFamily="34" charset="0"/>
-              </a:rPr>
-              <a:t>중요도가</a:t>
-            </a:r>
-            <a:r>
-              <a:rPr lang="ko-KR" altLang="ko-KR" sz="1200" kern="100" dirty="0">
-                <a:solidFill>
-                  <a:srgbClr val="111111"/>
-                </a:solidFill>
-                <a:effectLst/>
-                <a:latin typeface="맑은 고딕" panose="020B0503020000020004" pitchFamily="50" charset="-127"/>
-                <a:ea typeface="Segoe UI" panose="020B0502040204020203" pitchFamily="34" charset="0"/>
-                <a:cs typeface="Times New Roman" panose="02020603050405020304" pitchFamily="18" charset="0"/>
-              </a:rPr>
-              <a:t> </a:t>
-            </a:r>
-            <a:r>
-              <a:rPr lang="ko-KR" altLang="ko-KR" sz="1200" kern="100" dirty="0">
-                <a:solidFill>
-                  <a:srgbClr val="111111"/>
-                </a:solidFill>
-                <a:effectLst/>
-                <a:latin typeface="Segoe UI" panose="020B0502040204020203" pitchFamily="34" charset="0"/>
-                <a:ea typeface="맑은 고딕" panose="020B0503020000020004" pitchFamily="50" charset="-127"/>
-                <a:cs typeface="Segoe UI" panose="020B0502040204020203" pitchFamily="34" charset="0"/>
-              </a:rPr>
-              <a:t>높은</a:t>
-            </a:r>
-            <a:r>
-              <a:rPr lang="ko-KR" altLang="ko-KR" sz="1200" kern="100" dirty="0">
-                <a:solidFill>
-                  <a:srgbClr val="111111"/>
-                </a:solidFill>
-                <a:effectLst/>
-                <a:latin typeface="맑은 고딕" panose="020B0503020000020004" pitchFamily="50" charset="-127"/>
-                <a:ea typeface="Segoe UI" panose="020B0502040204020203" pitchFamily="34" charset="0"/>
-                <a:cs typeface="Times New Roman" panose="02020603050405020304" pitchFamily="18" charset="0"/>
-              </a:rPr>
-              <a:t> </a:t>
-            </a:r>
-            <a:r>
-              <a:rPr lang="ko-KR" altLang="ko-KR" sz="1200" kern="100" dirty="0">
-                <a:solidFill>
-                  <a:srgbClr val="111111"/>
-                </a:solidFill>
-                <a:effectLst/>
-                <a:latin typeface="Segoe UI" panose="020B0502040204020203" pitchFamily="34" charset="0"/>
-                <a:ea typeface="맑은 고딕" panose="020B0503020000020004" pitchFamily="50" charset="-127"/>
-                <a:cs typeface="Segoe UI" panose="020B0502040204020203" pitchFamily="34" charset="0"/>
-              </a:rPr>
-              <a:t>순으로</a:t>
-            </a:r>
-            <a:r>
-              <a:rPr lang="ko-KR" altLang="ko-KR" sz="1200" kern="100" dirty="0">
-                <a:solidFill>
-                  <a:srgbClr val="111111"/>
-                </a:solidFill>
-                <a:effectLst/>
-                <a:latin typeface="맑은 고딕" panose="020B0503020000020004" pitchFamily="50" charset="-127"/>
-                <a:ea typeface="Segoe UI" panose="020B0502040204020203" pitchFamily="34" charset="0"/>
-                <a:cs typeface="Times New Roman" panose="02020603050405020304" pitchFamily="18" charset="0"/>
-              </a:rPr>
-              <a:t> </a:t>
-            </a:r>
-            <a:r>
-              <a:rPr lang="en-US" altLang="ko-KR" sz="1200" kern="100" dirty="0">
-                <a:solidFill>
-                  <a:srgbClr val="111111"/>
-                </a:solidFill>
-                <a:effectLst/>
-                <a:latin typeface="맑은 고딕" panose="020B0503020000020004" pitchFamily="50" charset="-127"/>
-                <a:ea typeface="Segoe UI" panose="020B0502040204020203" pitchFamily="34" charset="0"/>
-                <a:cs typeface="Times New Roman" panose="02020603050405020304" pitchFamily="18" charset="0"/>
-              </a:rPr>
-              <a:t>n</a:t>
-            </a:r>
-            <a:r>
-              <a:rPr lang="ko-KR" altLang="ko-KR" sz="1200" kern="100" dirty="0">
-                <a:solidFill>
-                  <a:srgbClr val="111111"/>
-                </a:solidFill>
-                <a:effectLst/>
-                <a:latin typeface="Segoe UI" panose="020B0502040204020203" pitchFamily="34" charset="0"/>
-                <a:ea typeface="맑은 고딕" panose="020B0503020000020004" pitchFamily="50" charset="-127"/>
-                <a:cs typeface="Segoe UI" panose="020B0502040204020203" pitchFamily="34" charset="0"/>
-              </a:rPr>
-              <a:t>개의</a:t>
-            </a:r>
-            <a:r>
-              <a:rPr lang="ko-KR" altLang="ko-KR" sz="1200" kern="100" dirty="0">
-                <a:solidFill>
-                  <a:srgbClr val="111111"/>
-                </a:solidFill>
-                <a:effectLst/>
-                <a:latin typeface="맑은 고딕" panose="020B0503020000020004" pitchFamily="50" charset="-127"/>
-                <a:ea typeface="Segoe UI" panose="020B0502040204020203" pitchFamily="34" charset="0"/>
-                <a:cs typeface="Times New Roman" panose="02020603050405020304" pitchFamily="18" charset="0"/>
-              </a:rPr>
-              <a:t> </a:t>
-            </a:r>
-            <a:r>
-              <a:rPr lang="ko-KR" altLang="ko-KR" sz="1200" kern="100" dirty="0">
-                <a:solidFill>
-                  <a:srgbClr val="111111"/>
-                </a:solidFill>
-                <a:effectLst/>
-                <a:latin typeface="Segoe UI" panose="020B0502040204020203" pitchFamily="34" charset="0"/>
-                <a:ea typeface="맑은 고딕" panose="020B0503020000020004" pitchFamily="50" charset="-127"/>
-                <a:cs typeface="Segoe UI" panose="020B0502040204020203" pitchFamily="34" charset="0"/>
-              </a:rPr>
-              <a:t>문장을</a:t>
-            </a:r>
-            <a:r>
-              <a:rPr lang="ko-KR" altLang="ko-KR" sz="1200" kern="100" dirty="0">
-                <a:solidFill>
-                  <a:srgbClr val="111111"/>
-                </a:solidFill>
-                <a:effectLst/>
-                <a:latin typeface="맑은 고딕" panose="020B0503020000020004" pitchFamily="50" charset="-127"/>
-                <a:ea typeface="Segoe UI" panose="020B0502040204020203" pitchFamily="34" charset="0"/>
-                <a:cs typeface="Times New Roman" panose="02020603050405020304" pitchFamily="18" charset="0"/>
-              </a:rPr>
-              <a:t> </a:t>
-            </a:r>
-            <a:r>
-              <a:rPr lang="ko-KR" altLang="ko-KR" sz="1200" kern="100" dirty="0">
-                <a:solidFill>
-                  <a:srgbClr val="111111"/>
-                </a:solidFill>
-                <a:effectLst/>
-                <a:latin typeface="Segoe UI" panose="020B0502040204020203" pitchFamily="34" charset="0"/>
-                <a:ea typeface="맑은 고딕" panose="020B0503020000020004" pitchFamily="50" charset="-127"/>
-                <a:cs typeface="Segoe UI" panose="020B0502040204020203" pitchFamily="34" charset="0"/>
-              </a:rPr>
-              <a:t>뽑아</a:t>
-            </a:r>
-            <a:r>
-              <a:rPr lang="ko-KR" altLang="ko-KR" sz="1200" kern="100" dirty="0">
-                <a:solidFill>
-                  <a:srgbClr val="111111"/>
-                </a:solidFill>
-                <a:effectLst/>
-                <a:latin typeface="맑은 고딕" panose="020B0503020000020004" pitchFamily="50" charset="-127"/>
-                <a:ea typeface="Segoe UI" panose="020B0502040204020203" pitchFamily="34" charset="0"/>
-                <a:cs typeface="Times New Roman" panose="02020603050405020304" pitchFamily="18" charset="0"/>
-              </a:rPr>
-              <a:t> </a:t>
-            </a:r>
-            <a:r>
-              <a:rPr lang="ko-KR" altLang="ko-KR" sz="1200" kern="100" dirty="0">
-                <a:solidFill>
-                  <a:srgbClr val="111111"/>
-                </a:solidFill>
-                <a:effectLst/>
-                <a:latin typeface="Segoe UI" panose="020B0502040204020203" pitchFamily="34" charset="0"/>
-                <a:ea typeface="맑은 고딕" panose="020B0503020000020004" pitchFamily="50" charset="-127"/>
-                <a:cs typeface="Segoe UI" panose="020B0502040204020203" pitchFamily="34" charset="0"/>
-              </a:rPr>
-              <a:t>만든다</a:t>
-            </a:r>
-            <a:r>
-              <a:rPr lang="en-US" altLang="ko-KR" sz="1200" kern="100" dirty="0">
-                <a:solidFill>
-                  <a:srgbClr val="111111"/>
-                </a:solidFill>
-                <a:effectLst/>
-                <a:latin typeface="Segoe UI" panose="020B0502040204020203" pitchFamily="34" charset="0"/>
-                <a:ea typeface="맑은 고딕" panose="020B0503020000020004" pitchFamily="50" charset="-127"/>
-                <a:cs typeface="Times New Roman" panose="02020603050405020304" pitchFamily="18" charset="0"/>
-              </a:rPr>
-              <a:t>. </a:t>
-            </a:r>
-          </a:p>
-          <a:p>
-            <a:pPr marL="342900" indent="-342900" algn="just" latinLnBrk="1">
-              <a:lnSpc>
-                <a:spcPct val="107000"/>
-              </a:lnSpc>
-              <a:spcAft>
-                <a:spcPts val="800"/>
-              </a:spcAft>
-              <a:buAutoNum type="arabicPeriod"/>
-            </a:pPr>
-            <a:r>
-              <a:rPr lang="ko-KR" altLang="ko-KR" sz="1200" kern="100" dirty="0">
-                <a:solidFill>
-                  <a:srgbClr val="111111"/>
-                </a:solidFill>
-                <a:effectLst/>
-                <a:latin typeface="Segoe UI" panose="020B0502040204020203" pitchFamily="34" charset="0"/>
-                <a:ea typeface="맑은 고딕" panose="020B0503020000020004" pitchFamily="50" charset="-127"/>
-                <a:cs typeface="Segoe UI" panose="020B0502040204020203" pitchFamily="34" charset="0"/>
-              </a:rPr>
-              <a:t>생성요약</a:t>
-            </a:r>
-            <a:r>
-              <a:rPr lang="en-US" altLang="ko-KR" sz="1200" kern="100" dirty="0">
-                <a:solidFill>
-                  <a:srgbClr val="111111"/>
-                </a:solidFill>
-                <a:effectLst/>
-                <a:latin typeface="Segoe UI" panose="020B0502040204020203" pitchFamily="34" charset="0"/>
-                <a:ea typeface="맑은 고딕" panose="020B0503020000020004" pitchFamily="50" charset="-127"/>
-                <a:cs typeface="Times New Roman" panose="02020603050405020304" pitchFamily="18" charset="0"/>
-              </a:rPr>
-              <a:t>(abstraction) =&gt; </a:t>
-            </a:r>
-            <a:r>
-              <a:rPr lang="ko-KR" altLang="ko-KR" sz="1200" kern="100" dirty="0">
-                <a:solidFill>
-                  <a:srgbClr val="111111"/>
-                </a:solidFill>
-                <a:effectLst/>
-                <a:latin typeface="Segoe UI" panose="020B0502040204020203" pitchFamily="34" charset="0"/>
-                <a:ea typeface="맑은 고딕" panose="020B0503020000020004" pitchFamily="50" charset="-127"/>
-                <a:cs typeface="Segoe UI" panose="020B0502040204020203" pitchFamily="34" charset="0"/>
-              </a:rPr>
-              <a:t>의미가</a:t>
-            </a:r>
-            <a:r>
-              <a:rPr lang="ko-KR" altLang="ko-KR" sz="1200" kern="100" dirty="0">
-                <a:solidFill>
-                  <a:srgbClr val="111111"/>
-                </a:solidFill>
-                <a:effectLst/>
-                <a:latin typeface="맑은 고딕" panose="020B0503020000020004" pitchFamily="50" charset="-127"/>
-                <a:ea typeface="Segoe UI" panose="020B0502040204020203" pitchFamily="34" charset="0"/>
-                <a:cs typeface="Times New Roman" panose="02020603050405020304" pitchFamily="18" charset="0"/>
-              </a:rPr>
-              <a:t> </a:t>
-            </a:r>
-            <a:r>
-              <a:rPr lang="ko-KR" altLang="ko-KR" sz="1200" kern="100" dirty="0">
-                <a:solidFill>
-                  <a:srgbClr val="111111"/>
-                </a:solidFill>
-                <a:effectLst/>
-                <a:latin typeface="Segoe UI" panose="020B0502040204020203" pitchFamily="34" charset="0"/>
-                <a:ea typeface="맑은 고딕" panose="020B0503020000020004" pitchFamily="50" charset="-127"/>
-                <a:cs typeface="Segoe UI" panose="020B0502040204020203" pitchFamily="34" charset="0"/>
-              </a:rPr>
-              <a:t>바뀌지</a:t>
-            </a:r>
-            <a:r>
-              <a:rPr lang="ko-KR" altLang="ko-KR" sz="1200" kern="100" dirty="0">
-                <a:solidFill>
-                  <a:srgbClr val="111111"/>
-                </a:solidFill>
-                <a:effectLst/>
-                <a:latin typeface="맑은 고딕" panose="020B0503020000020004" pitchFamily="50" charset="-127"/>
-                <a:ea typeface="Segoe UI" panose="020B0502040204020203" pitchFamily="34" charset="0"/>
-                <a:cs typeface="Times New Roman" panose="02020603050405020304" pitchFamily="18" charset="0"/>
-              </a:rPr>
-              <a:t> </a:t>
-            </a:r>
-            <a:r>
-              <a:rPr lang="ko-KR" altLang="ko-KR" sz="1200" kern="100" dirty="0">
-                <a:solidFill>
-                  <a:srgbClr val="111111"/>
-                </a:solidFill>
-                <a:effectLst/>
-                <a:latin typeface="Segoe UI" panose="020B0502040204020203" pitchFamily="34" charset="0"/>
-                <a:ea typeface="맑은 고딕" panose="020B0503020000020004" pitchFamily="50" charset="-127"/>
-                <a:cs typeface="Segoe UI" panose="020B0502040204020203" pitchFamily="34" charset="0"/>
-              </a:rPr>
-              <a:t>않은</a:t>
-            </a:r>
-            <a:r>
-              <a:rPr lang="ko-KR" altLang="ko-KR" sz="1200" kern="100" dirty="0">
-                <a:solidFill>
-                  <a:srgbClr val="111111"/>
-                </a:solidFill>
-                <a:effectLst/>
-                <a:latin typeface="맑은 고딕" panose="020B0503020000020004" pitchFamily="50" charset="-127"/>
-                <a:ea typeface="Segoe UI" panose="020B0502040204020203" pitchFamily="34" charset="0"/>
-                <a:cs typeface="Times New Roman" panose="02020603050405020304" pitchFamily="18" charset="0"/>
-              </a:rPr>
-              <a:t> </a:t>
-            </a:r>
-            <a:r>
-              <a:rPr lang="ko-KR" altLang="ko-KR" sz="1200" kern="100" dirty="0">
-                <a:solidFill>
-                  <a:srgbClr val="111111"/>
-                </a:solidFill>
-                <a:effectLst/>
-                <a:latin typeface="Segoe UI" panose="020B0502040204020203" pitchFamily="34" charset="0"/>
-                <a:ea typeface="맑은 고딕" panose="020B0503020000020004" pitchFamily="50" charset="-127"/>
-                <a:cs typeface="Segoe UI" panose="020B0502040204020203" pitchFamily="34" charset="0"/>
-              </a:rPr>
-              <a:t>선에서</a:t>
-            </a:r>
-            <a:r>
-              <a:rPr lang="ko-KR" altLang="ko-KR" sz="1200" kern="100" dirty="0">
-                <a:solidFill>
-                  <a:srgbClr val="111111"/>
-                </a:solidFill>
-                <a:effectLst/>
-                <a:latin typeface="맑은 고딕" panose="020B0503020000020004" pitchFamily="50" charset="-127"/>
-                <a:ea typeface="Segoe UI" panose="020B0502040204020203" pitchFamily="34" charset="0"/>
-                <a:cs typeface="Times New Roman" panose="02020603050405020304" pitchFamily="18" charset="0"/>
-              </a:rPr>
-              <a:t> </a:t>
-            </a:r>
-            <a:r>
-              <a:rPr lang="ko-KR" altLang="ko-KR" sz="1200" kern="100" dirty="0">
-                <a:solidFill>
-                  <a:srgbClr val="111111"/>
-                </a:solidFill>
-                <a:effectLst/>
-                <a:latin typeface="Segoe UI" panose="020B0502040204020203" pitchFamily="34" charset="0"/>
-                <a:ea typeface="맑은 고딕" panose="020B0503020000020004" pitchFamily="50" charset="-127"/>
-                <a:cs typeface="Segoe UI" panose="020B0502040204020203" pitchFamily="34" charset="0"/>
-              </a:rPr>
-              <a:t>문서에서</a:t>
-            </a:r>
-            <a:r>
-              <a:rPr lang="ko-KR" altLang="ko-KR" sz="1200" kern="100" dirty="0">
-                <a:solidFill>
-                  <a:srgbClr val="111111"/>
-                </a:solidFill>
-                <a:effectLst/>
-                <a:latin typeface="맑은 고딕" panose="020B0503020000020004" pitchFamily="50" charset="-127"/>
-                <a:ea typeface="Segoe UI" panose="020B0502040204020203" pitchFamily="34" charset="0"/>
-                <a:cs typeface="Times New Roman" panose="02020603050405020304" pitchFamily="18" charset="0"/>
-              </a:rPr>
-              <a:t> </a:t>
-            </a:r>
-            <a:r>
-              <a:rPr lang="ko-KR" altLang="ko-KR" sz="1200" kern="100" dirty="0">
-                <a:solidFill>
-                  <a:srgbClr val="111111"/>
-                </a:solidFill>
-                <a:effectLst/>
-                <a:latin typeface="Segoe UI" panose="020B0502040204020203" pitchFamily="34" charset="0"/>
-                <a:ea typeface="맑은 고딕" panose="020B0503020000020004" pitchFamily="50" charset="-127"/>
-                <a:cs typeface="Segoe UI" panose="020B0502040204020203" pitchFamily="34" charset="0"/>
-              </a:rPr>
-              <a:t>쓰이지</a:t>
-            </a:r>
-            <a:r>
-              <a:rPr lang="ko-KR" altLang="ko-KR" sz="1200" kern="100" dirty="0">
-                <a:solidFill>
-                  <a:srgbClr val="111111"/>
-                </a:solidFill>
-                <a:effectLst/>
-                <a:latin typeface="맑은 고딕" panose="020B0503020000020004" pitchFamily="50" charset="-127"/>
-                <a:ea typeface="Segoe UI" panose="020B0502040204020203" pitchFamily="34" charset="0"/>
-                <a:cs typeface="Times New Roman" panose="02020603050405020304" pitchFamily="18" charset="0"/>
-              </a:rPr>
-              <a:t> </a:t>
-            </a:r>
-            <a:r>
-              <a:rPr lang="ko-KR" altLang="ko-KR" sz="1200" kern="100" dirty="0">
-                <a:solidFill>
-                  <a:srgbClr val="111111"/>
-                </a:solidFill>
-                <a:effectLst/>
-                <a:latin typeface="Segoe UI" panose="020B0502040204020203" pitchFamily="34" charset="0"/>
-                <a:ea typeface="맑은 고딕" panose="020B0503020000020004" pitchFamily="50" charset="-127"/>
-                <a:cs typeface="Segoe UI" panose="020B0502040204020203" pitchFamily="34" charset="0"/>
-              </a:rPr>
-              <a:t>않은</a:t>
-            </a:r>
-            <a:r>
-              <a:rPr lang="ko-KR" altLang="ko-KR" sz="1200" kern="100" dirty="0">
-                <a:solidFill>
-                  <a:srgbClr val="111111"/>
-                </a:solidFill>
-                <a:effectLst/>
-                <a:latin typeface="맑은 고딕" panose="020B0503020000020004" pitchFamily="50" charset="-127"/>
-                <a:ea typeface="Segoe UI" panose="020B0502040204020203" pitchFamily="34" charset="0"/>
-                <a:cs typeface="Times New Roman" panose="02020603050405020304" pitchFamily="18" charset="0"/>
-              </a:rPr>
-              <a:t> </a:t>
-            </a:r>
-            <a:r>
-              <a:rPr lang="ko-KR" altLang="ko-KR" sz="1200" kern="100" dirty="0">
-                <a:solidFill>
-                  <a:srgbClr val="111111"/>
-                </a:solidFill>
-                <a:effectLst/>
-                <a:latin typeface="Segoe UI" panose="020B0502040204020203" pitchFamily="34" charset="0"/>
-                <a:ea typeface="맑은 고딕" panose="020B0503020000020004" pitchFamily="50" charset="-127"/>
-                <a:cs typeface="Segoe UI" panose="020B0502040204020203" pitchFamily="34" charset="0"/>
-              </a:rPr>
-              <a:t>단어</a:t>
-            </a:r>
-            <a:r>
-              <a:rPr lang="ko-KR" altLang="ko-KR" sz="1200" kern="100" dirty="0">
-                <a:solidFill>
-                  <a:srgbClr val="111111"/>
-                </a:solidFill>
-                <a:effectLst/>
-                <a:latin typeface="맑은 고딕" panose="020B0503020000020004" pitchFamily="50" charset="-127"/>
-                <a:ea typeface="Segoe UI" panose="020B0502040204020203" pitchFamily="34" charset="0"/>
-                <a:cs typeface="Times New Roman" panose="02020603050405020304" pitchFamily="18" charset="0"/>
-              </a:rPr>
-              <a:t> </a:t>
-            </a:r>
-            <a:r>
-              <a:rPr lang="ko-KR" altLang="ko-KR" sz="1200" kern="100" dirty="0">
-                <a:solidFill>
-                  <a:srgbClr val="111111"/>
-                </a:solidFill>
-                <a:effectLst/>
-                <a:latin typeface="Segoe UI" panose="020B0502040204020203" pitchFamily="34" charset="0"/>
-                <a:ea typeface="맑은 고딕" panose="020B0503020000020004" pitchFamily="50" charset="-127"/>
-                <a:cs typeface="Segoe UI" panose="020B0502040204020203" pitchFamily="34" charset="0"/>
-              </a:rPr>
-              <a:t>또는</a:t>
-            </a:r>
-            <a:r>
-              <a:rPr lang="ko-KR" altLang="ko-KR" sz="1200" kern="100" dirty="0">
-                <a:solidFill>
-                  <a:srgbClr val="111111"/>
-                </a:solidFill>
-                <a:effectLst/>
-                <a:latin typeface="맑은 고딕" panose="020B0503020000020004" pitchFamily="50" charset="-127"/>
-                <a:ea typeface="Segoe UI" panose="020B0502040204020203" pitchFamily="34" charset="0"/>
-                <a:cs typeface="Times New Roman" panose="02020603050405020304" pitchFamily="18" charset="0"/>
-              </a:rPr>
-              <a:t> </a:t>
-            </a:r>
-            <a:r>
-              <a:rPr lang="ko-KR" altLang="ko-KR" sz="1200" kern="100" dirty="0">
-                <a:solidFill>
-                  <a:srgbClr val="111111"/>
-                </a:solidFill>
-                <a:effectLst/>
-                <a:latin typeface="Segoe UI" panose="020B0502040204020203" pitchFamily="34" charset="0"/>
-                <a:ea typeface="맑은 고딕" panose="020B0503020000020004" pitchFamily="50" charset="-127"/>
-                <a:cs typeface="Segoe UI" panose="020B0502040204020203" pitchFamily="34" charset="0"/>
-              </a:rPr>
-              <a:t>표현을</a:t>
-            </a:r>
-            <a:r>
-              <a:rPr lang="ko-KR" altLang="ko-KR" sz="1200" kern="100" dirty="0">
-                <a:solidFill>
-                  <a:srgbClr val="111111"/>
-                </a:solidFill>
-                <a:effectLst/>
-                <a:latin typeface="맑은 고딕" panose="020B0503020000020004" pitchFamily="50" charset="-127"/>
-                <a:ea typeface="Segoe UI" panose="020B0502040204020203" pitchFamily="34" charset="0"/>
-                <a:cs typeface="Times New Roman" panose="02020603050405020304" pitchFamily="18" charset="0"/>
-              </a:rPr>
-              <a:t> </a:t>
-            </a:r>
-            <a:r>
-              <a:rPr lang="ko-KR" altLang="ko-KR" sz="1200" kern="100" dirty="0">
-                <a:solidFill>
-                  <a:srgbClr val="111111"/>
-                </a:solidFill>
-                <a:effectLst/>
-                <a:latin typeface="Segoe UI" panose="020B0502040204020203" pitchFamily="34" charset="0"/>
-                <a:ea typeface="맑은 고딕" panose="020B0503020000020004" pitchFamily="50" charset="-127"/>
-                <a:cs typeface="Segoe UI" panose="020B0502040204020203" pitchFamily="34" charset="0"/>
-              </a:rPr>
-              <a:t>이용해</a:t>
-            </a:r>
-            <a:r>
-              <a:rPr lang="ko-KR" altLang="ko-KR" sz="1200" kern="100" dirty="0">
-                <a:solidFill>
-                  <a:srgbClr val="111111"/>
-                </a:solidFill>
-                <a:effectLst/>
-                <a:latin typeface="맑은 고딕" panose="020B0503020000020004" pitchFamily="50" charset="-127"/>
-                <a:ea typeface="Segoe UI" panose="020B0502040204020203" pitchFamily="34" charset="0"/>
-                <a:cs typeface="Times New Roman" panose="02020603050405020304" pitchFamily="18" charset="0"/>
-              </a:rPr>
-              <a:t> </a:t>
-            </a:r>
-            <a:r>
-              <a:rPr lang="ko-KR" altLang="ko-KR" sz="1200" kern="100" dirty="0">
-                <a:solidFill>
-                  <a:srgbClr val="111111"/>
-                </a:solidFill>
-                <a:effectLst/>
-                <a:latin typeface="Segoe UI" panose="020B0502040204020203" pitchFamily="34" charset="0"/>
-                <a:ea typeface="맑은 고딕" panose="020B0503020000020004" pitchFamily="50" charset="-127"/>
-                <a:cs typeface="Segoe UI" panose="020B0502040204020203" pitchFamily="34" charset="0"/>
-              </a:rPr>
-              <a:t>문장을</a:t>
-            </a:r>
-            <a:r>
-              <a:rPr lang="ko-KR" altLang="ko-KR" sz="1200" kern="100" dirty="0">
-                <a:solidFill>
-                  <a:srgbClr val="111111"/>
-                </a:solidFill>
-                <a:effectLst/>
-                <a:latin typeface="맑은 고딕" panose="020B0503020000020004" pitchFamily="50" charset="-127"/>
-                <a:ea typeface="Segoe UI" panose="020B0502040204020203" pitchFamily="34" charset="0"/>
-                <a:cs typeface="Times New Roman" panose="02020603050405020304" pitchFamily="18" charset="0"/>
-              </a:rPr>
-              <a:t> </a:t>
-            </a:r>
-            <a:r>
-              <a:rPr lang="ko-KR" altLang="ko-KR" sz="1200" kern="100" dirty="0">
-                <a:solidFill>
-                  <a:srgbClr val="111111"/>
-                </a:solidFill>
-                <a:effectLst/>
-                <a:latin typeface="Segoe UI" panose="020B0502040204020203" pitchFamily="34" charset="0"/>
-                <a:ea typeface="맑은 고딕" panose="020B0503020000020004" pitchFamily="50" charset="-127"/>
-                <a:cs typeface="Segoe UI" panose="020B0502040204020203" pitchFamily="34" charset="0"/>
-              </a:rPr>
-              <a:t>만들어낸다</a:t>
-            </a:r>
-            <a:r>
-              <a:rPr lang="en-US" altLang="ko-KR" sz="1200" kern="100" dirty="0">
-                <a:solidFill>
-                  <a:srgbClr val="111111"/>
-                </a:solidFill>
-                <a:effectLst/>
-                <a:latin typeface="Segoe UI" panose="020B0502040204020203" pitchFamily="34" charset="0"/>
-                <a:ea typeface="맑은 고딕" panose="020B0503020000020004" pitchFamily="50" charset="-127"/>
-                <a:cs typeface="Times New Roman" panose="02020603050405020304" pitchFamily="18" charset="0"/>
-              </a:rPr>
-              <a:t>.</a:t>
-            </a:r>
-          </a:p>
-          <a:p>
-            <a:endParaRPr lang="en-US" altLang="ko-KR" dirty="0"/>
-          </a:p>
-          <a:p>
             <a:r>
               <a:rPr lang="ko-KR" altLang="en-US" dirty="0"/>
-              <a:t>저희 조는 조금 더 자연스러운 요약문을 생성하기 위하여 </a:t>
-            </a:r>
-            <a:r>
-              <a:rPr lang="en-US" altLang="ko-KR" dirty="0"/>
-              <a:t>GPT</a:t>
-            </a:r>
-            <a:r>
-              <a:rPr lang="ko-KR" altLang="en-US" dirty="0"/>
-              <a:t>기반의 모델을 사용할 예정입니다</a:t>
+              <a:t>저희 프로젝트의 진행 과정을 블록 다이어그램으로 그려보았습니다</a:t>
             </a:r>
             <a:r>
               <a:rPr lang="en-US" altLang="ko-KR" dirty="0"/>
               <a:t>.</a:t>
+            </a:r>
+          </a:p>
+          <a:p>
+            <a:r>
+              <a:rPr lang="ko-KR" altLang="en-US" dirty="0"/>
+              <a:t>오버랩 되어 있는 음성 데이터를  </a:t>
+            </a:r>
+            <a:r>
+              <a:rPr lang="en-US" altLang="ko-KR" dirty="0" err="1"/>
+              <a:t>vad</a:t>
+            </a:r>
+            <a:r>
+              <a:rPr lang="en-US" altLang="ko-KR" dirty="0"/>
+              <a:t> </a:t>
+            </a:r>
+            <a:r>
+              <a:rPr lang="ko-KR" altLang="en-US" dirty="0"/>
+              <a:t>알고리즘으로 자른 다음 화자 분리를 수행합니다</a:t>
+            </a:r>
+            <a:r>
+              <a:rPr lang="en-US" altLang="ko-KR" dirty="0"/>
+              <a:t>. </a:t>
+            </a:r>
+          </a:p>
+          <a:p>
+            <a:r>
+              <a:rPr lang="ko-KR" altLang="en-US" dirty="0"/>
+              <a:t>각 분리된 음성을 </a:t>
+            </a:r>
+            <a:r>
+              <a:rPr lang="en-US" altLang="ko-KR" dirty="0" err="1"/>
+              <a:t>stt</a:t>
+            </a:r>
+            <a:r>
+              <a:rPr lang="ko-KR" altLang="en-US" dirty="0"/>
+              <a:t>로 </a:t>
+            </a:r>
+            <a:r>
+              <a:rPr lang="en-US" altLang="ko-KR" dirty="0"/>
+              <a:t>text </a:t>
+            </a:r>
+            <a:r>
+              <a:rPr lang="ko-KR" altLang="en-US" dirty="0"/>
+              <a:t>출력을 하고 </a:t>
+            </a:r>
+            <a:r>
+              <a:rPr lang="en-US" altLang="ko-KR" dirty="0"/>
+              <a:t>script </a:t>
+            </a:r>
+            <a:r>
+              <a:rPr lang="ko-KR" altLang="en-US" dirty="0"/>
+              <a:t>형식으로 변환을 한 뒤 요약을 수행하는 과정입니다</a:t>
+            </a:r>
+            <a:r>
+              <a:rPr lang="en-US" altLang="ko-KR" dirty="0"/>
+              <a:t>.  </a:t>
             </a:r>
             <a:endParaRPr lang="ko-KR" altLang="en-US" dirty="0"/>
           </a:p>
@@ -4755,7 +5238,7 @@
     </p:spTree>
     <p:extLst>
       <p:ext uri="{BB962C8B-B14F-4D97-AF65-F5344CB8AC3E}">
-        <p14:creationId xmlns:p14="http://schemas.microsoft.com/office/powerpoint/2010/main" val="1597135712"/>
+        <p14:creationId xmlns:p14="http://schemas.microsoft.com/office/powerpoint/2010/main" val="264363184"/>
       </p:ext>
     </p:extLst>
   </p:cSld>
@@ -8233,15 +8716,7 @@
             <a:pPr algn="ctr"/>
             <a:r>
               <a:rPr lang="ko-KR" altLang="en-US" sz="4800" dirty="0"/>
-              <a:t>화자 분리와 </a:t>
-            </a:r>
-            <a:r>
-              <a:rPr lang="en-US" altLang="ko-KR" sz="4800" dirty="0"/>
-              <a:t>script</a:t>
-            </a:r>
-            <a:r>
-              <a:rPr lang="ko-KR" altLang="en-US" sz="4800" dirty="0"/>
-              <a:t>를 활용한 뉴스 음성 요약 시스템</a:t>
+              <a:t>화자 분리와 대본을 활용한 뉴스 음성 요약 시스템</a:t>
             </a:r>
           </a:p>
         </p:txBody>
@@ -8279,7 +8754,7 @@
               <a:rPr lang="en-US" altLang="ko-KR" sz="1600" dirty="0">
                 <a:latin typeface="Times New Roman" pitchFamily="18" charset="0"/>
               </a:rPr>
-              <a:t>23. 03. 07</a:t>
+              <a:t>23. 03. 31</a:t>
             </a:r>
           </a:p>
           <a:p>
@@ -8386,6 +8861,467 @@
 </file>
 
 <file path=ppt/slides/slide10.xml><?xml version="1.0" encoding="utf-8"?>
+<p:sld xmlns:a="http://schemas.openxmlformats.org/drawingml/2006/main" xmlns:r="http://schemas.openxmlformats.org/officeDocument/2006/relationships" xmlns:p="http://schemas.openxmlformats.org/presentationml/2006/main">
+  <p:cSld>
+    <p:spTree>
+      <p:nvGrpSpPr>
+        <p:cNvPr id="1" name=""/>
+        <p:cNvGrpSpPr/>
+        <p:nvPr/>
+      </p:nvGrpSpPr>
+      <p:grpSpPr>
+        <a:xfrm>
+          <a:off x="0" y="0"/>
+          <a:ext cx="0" cy="0"/>
+          <a:chOff x="0" y="0"/>
+          <a:chExt cx="0" cy="0"/>
+        </a:xfrm>
+      </p:grpSpPr>
+      <p:sp>
+        <p:nvSpPr>
+          <p:cNvPr id="9" name="Title 1">
+            <a:extLst>
+              <a:ext uri="{FF2B5EF4-FFF2-40B4-BE49-F238E27FC236}">
+                <a16:creationId xmlns:a16="http://schemas.microsoft.com/office/drawing/2014/main" id="{030E5F0D-D3C8-E9E1-7883-785B51FF91AD}"/>
+              </a:ext>
+            </a:extLst>
+          </p:cNvPr>
+          <p:cNvSpPr>
+            <a:spLocks noGrp="1"/>
+          </p:cNvSpPr>
+          <p:nvPr>
+            <p:ph type="title"/>
+          </p:nvPr>
+        </p:nvSpPr>
+        <p:spPr>
+          <a:xfrm>
+            <a:off x="457200" y="533400"/>
+            <a:ext cx="8229600" cy="990600"/>
+          </a:xfrm>
+        </p:spPr>
+        <p:txBody>
+          <a:bodyPr anchor="ctr">
+            <a:normAutofit/>
+          </a:bodyPr>
+          <a:lstStyle/>
+          <a:p>
+            <a:r>
+              <a:rPr lang="en-US" dirty="0"/>
+              <a:t>Block diagram</a:t>
+            </a:r>
+          </a:p>
+        </p:txBody>
+      </p:sp>
+      <p:pic>
+        <p:nvPicPr>
+          <p:cNvPr id="8" name="내용 개체 틀 7">
+            <a:extLst>
+              <a:ext uri="{FF2B5EF4-FFF2-40B4-BE49-F238E27FC236}">
+                <a16:creationId xmlns:a16="http://schemas.microsoft.com/office/drawing/2014/main" id="{3AFC229F-F7B6-DC2A-8BE1-560A7BF127F3}"/>
+              </a:ext>
+            </a:extLst>
+          </p:cNvPr>
+          <p:cNvPicPr>
+            <a:picLocks noGrp="1" noChangeAspect="1"/>
+          </p:cNvPicPr>
+          <p:nvPr>
+            <p:ph idx="1"/>
+          </p:nvPr>
+        </p:nvPicPr>
+        <p:blipFill>
+          <a:blip r:embed="rId3">
+            <a:extLst>
+              <a:ext uri="{28A0092B-C50C-407E-A947-70E740481C1C}">
+                <a14:useLocalDpi xmlns:a14="http://schemas.microsoft.com/office/drawing/2010/main" val="0"/>
+              </a:ext>
+            </a:extLst>
+          </a:blip>
+          <a:stretch>
+            <a:fillRect/>
+          </a:stretch>
+        </p:blipFill>
+        <p:spPr>
+          <a:xfrm>
+            <a:off x="0" y="2262182"/>
+            <a:ext cx="9029428" cy="2866843"/>
+          </a:xfrm>
+          <a:noFill/>
+        </p:spPr>
+      </p:pic>
+    </p:spTree>
+    <p:extLst>
+      <p:ext uri="{BB962C8B-B14F-4D97-AF65-F5344CB8AC3E}">
+        <p14:creationId xmlns:p14="http://schemas.microsoft.com/office/powerpoint/2010/main" val="2987534817"/>
+      </p:ext>
+    </p:extLst>
+  </p:cSld>
+  <p:clrMapOvr>
+    <a:masterClrMapping/>
+  </p:clrMapOvr>
+</p:sld>
+</file>
+
+<file path=ppt/slides/slide11.xml><?xml version="1.0" encoding="utf-8"?>
+<p:sld xmlns:a="http://schemas.openxmlformats.org/drawingml/2006/main" xmlns:r="http://schemas.openxmlformats.org/officeDocument/2006/relationships" xmlns:p="http://schemas.openxmlformats.org/presentationml/2006/main">
+  <p:cSld>
+    <p:spTree>
+      <p:nvGrpSpPr>
+        <p:cNvPr id="1" name=""/>
+        <p:cNvGrpSpPr/>
+        <p:nvPr/>
+      </p:nvGrpSpPr>
+      <p:grpSpPr>
+        <a:xfrm>
+          <a:off x="0" y="0"/>
+          <a:ext cx="0" cy="0"/>
+          <a:chOff x="0" y="0"/>
+          <a:chExt cx="0" cy="0"/>
+        </a:xfrm>
+      </p:grpSpPr>
+      <p:sp>
+        <p:nvSpPr>
+          <p:cNvPr id="2" name="제목 1">
+            <a:extLst>
+              <a:ext uri="{FF2B5EF4-FFF2-40B4-BE49-F238E27FC236}">
+                <a16:creationId xmlns:a16="http://schemas.microsoft.com/office/drawing/2014/main" id="{386A0498-C6EF-7965-D0AB-04BE4C4E2DF3}"/>
+              </a:ext>
+            </a:extLst>
+          </p:cNvPr>
+          <p:cNvSpPr>
+            <a:spLocks noGrp="1"/>
+          </p:cNvSpPr>
+          <p:nvPr>
+            <p:ph type="title"/>
+          </p:nvPr>
+        </p:nvSpPr>
+        <p:spPr/>
+        <p:txBody>
+          <a:bodyPr/>
+          <a:lstStyle/>
+          <a:p>
+            <a:r>
+              <a:rPr lang="ko-KR" altLang="en-US" b="1" dirty="0">
+                <a:latin typeface="+mj-ea"/>
+              </a:rPr>
+              <a:t>역할 분담</a:t>
+            </a:r>
+          </a:p>
+        </p:txBody>
+      </p:sp>
+      <p:sp>
+        <p:nvSpPr>
+          <p:cNvPr id="3" name="내용 개체 틀 2">
+            <a:extLst>
+              <a:ext uri="{FF2B5EF4-FFF2-40B4-BE49-F238E27FC236}">
+                <a16:creationId xmlns:a16="http://schemas.microsoft.com/office/drawing/2014/main" id="{A3D0D166-3511-043D-68C4-6D1B2DBD39B5}"/>
+              </a:ext>
+            </a:extLst>
+          </p:cNvPr>
+          <p:cNvSpPr>
+            <a:spLocks noGrp="1"/>
+          </p:cNvSpPr>
+          <p:nvPr>
+            <p:ph idx="1"/>
+          </p:nvPr>
+        </p:nvSpPr>
+        <p:spPr/>
+        <p:txBody>
+          <a:bodyPr/>
+          <a:lstStyle/>
+          <a:p>
+            <a:endParaRPr lang="en-US" altLang="ko-KR" dirty="0"/>
+          </a:p>
+          <a:p>
+            <a:pPr marL="0" indent="0">
+              <a:buNone/>
+            </a:pPr>
+            <a:r>
+              <a:rPr lang="en-US" altLang="ko-KR" dirty="0">
+                <a:latin typeface="+mn-ea"/>
+              </a:rPr>
+              <a:t>1) </a:t>
+            </a:r>
+            <a:r>
+              <a:rPr lang="ko-KR" altLang="en-US" dirty="0">
+                <a:latin typeface="+mn-ea"/>
+              </a:rPr>
+              <a:t>나현희</a:t>
+            </a:r>
+            <a:endParaRPr lang="en-US" altLang="ko-KR" dirty="0">
+              <a:latin typeface="+mn-ea"/>
+            </a:endParaRPr>
+          </a:p>
+          <a:p>
+            <a:pPr marL="0" indent="0">
+              <a:buNone/>
+            </a:pPr>
+            <a:r>
+              <a:rPr lang="en-US" altLang="ko-KR" dirty="0">
+                <a:latin typeface="+mn-ea"/>
+              </a:rPr>
+              <a:t>      STT </a:t>
+            </a:r>
+            <a:r>
+              <a:rPr lang="ko-KR" altLang="en-US" dirty="0">
+                <a:latin typeface="+mn-ea"/>
+              </a:rPr>
+              <a:t>데이터 및 모델 학습</a:t>
+            </a:r>
+            <a:r>
+              <a:rPr lang="en-US" altLang="ko-KR" dirty="0">
+                <a:latin typeface="+mn-ea"/>
+              </a:rPr>
+              <a:t>,</a:t>
+            </a:r>
+            <a:r>
+              <a:rPr lang="ko-KR" altLang="en-US" dirty="0">
+                <a:latin typeface="+mn-ea"/>
+              </a:rPr>
+              <a:t> 텍스트 후처리 </a:t>
+            </a:r>
+            <a:endParaRPr lang="en-US" altLang="ko-KR" dirty="0">
+              <a:latin typeface="+mn-ea"/>
+            </a:endParaRPr>
+          </a:p>
+          <a:p>
+            <a:pPr marL="0" indent="0">
+              <a:buNone/>
+            </a:pPr>
+            <a:endParaRPr lang="en-US" altLang="ko-KR" dirty="0">
+              <a:latin typeface="+mn-ea"/>
+            </a:endParaRPr>
+          </a:p>
+          <a:p>
+            <a:pPr marL="0" indent="0">
+              <a:buNone/>
+            </a:pPr>
+            <a:r>
+              <a:rPr lang="en-US" altLang="ko-KR" dirty="0">
+                <a:latin typeface="+mn-ea"/>
+              </a:rPr>
+              <a:t>2) </a:t>
+            </a:r>
+            <a:r>
+              <a:rPr lang="ko-KR" altLang="en-US" dirty="0">
+                <a:latin typeface="+mn-ea"/>
+              </a:rPr>
+              <a:t>신원철 </a:t>
+            </a:r>
+            <a:endParaRPr lang="en-US" altLang="ko-KR" dirty="0">
+              <a:latin typeface="+mn-ea"/>
+            </a:endParaRPr>
+          </a:p>
+          <a:p>
+            <a:pPr marL="0" indent="0">
+              <a:buNone/>
+            </a:pPr>
+            <a:r>
+              <a:rPr lang="en-US" altLang="ko-KR" dirty="0">
+                <a:latin typeface="+mn-ea"/>
+              </a:rPr>
+              <a:t>      </a:t>
+            </a:r>
+            <a:r>
+              <a:rPr lang="ko-KR" altLang="en-US" dirty="0">
+                <a:latin typeface="+mn-ea"/>
+              </a:rPr>
+              <a:t>화자 분리 데이터 및 모델 학습</a:t>
+            </a:r>
+            <a:r>
+              <a:rPr lang="en-US" altLang="ko-KR" dirty="0">
+                <a:latin typeface="+mn-ea"/>
+              </a:rPr>
+              <a:t>, </a:t>
+            </a:r>
+            <a:r>
+              <a:rPr lang="ko-KR" altLang="en-US" dirty="0">
+                <a:latin typeface="+mn-ea"/>
+              </a:rPr>
+              <a:t>요약 </a:t>
+            </a:r>
+            <a:endParaRPr lang="en-US" altLang="ko-KR" dirty="0">
+              <a:latin typeface="+mn-ea"/>
+            </a:endParaRPr>
+          </a:p>
+        </p:txBody>
+      </p:sp>
+    </p:spTree>
+    <p:extLst>
+      <p:ext uri="{BB962C8B-B14F-4D97-AF65-F5344CB8AC3E}">
+        <p14:creationId xmlns:p14="http://schemas.microsoft.com/office/powerpoint/2010/main" val="3038027745"/>
+      </p:ext>
+    </p:extLst>
+  </p:cSld>
+  <p:clrMapOvr>
+    <a:masterClrMapping/>
+  </p:clrMapOvr>
+</p:sld>
+</file>
+
+<file path=ppt/slides/slide12.xml><?xml version="1.0" encoding="utf-8"?>
+<p:sld xmlns:a="http://schemas.openxmlformats.org/drawingml/2006/main" xmlns:r="http://schemas.openxmlformats.org/officeDocument/2006/relationships" xmlns:p="http://schemas.openxmlformats.org/presentationml/2006/main">
+  <p:cSld>
+    <p:spTree>
+      <p:nvGrpSpPr>
+        <p:cNvPr id="1" name=""/>
+        <p:cNvGrpSpPr/>
+        <p:nvPr/>
+      </p:nvGrpSpPr>
+      <p:grpSpPr>
+        <a:xfrm>
+          <a:off x="0" y="0"/>
+          <a:ext cx="0" cy="0"/>
+          <a:chOff x="0" y="0"/>
+          <a:chExt cx="0" cy="0"/>
+        </a:xfrm>
+      </p:grpSpPr>
+      <p:sp>
+        <p:nvSpPr>
+          <p:cNvPr id="2" name="제목 1"/>
+          <p:cNvSpPr>
+            <a:spLocks noGrp="1"/>
+          </p:cNvSpPr>
+          <p:nvPr>
+            <p:ph type="title"/>
+          </p:nvPr>
+        </p:nvSpPr>
+        <p:spPr/>
+        <p:txBody>
+          <a:bodyPr>
+            <a:normAutofit/>
+          </a:bodyPr>
+          <a:lstStyle/>
+          <a:p>
+            <a:r>
+              <a:rPr lang="ko-KR" altLang="en-US" b="1" dirty="0"/>
+              <a:t>사용 모델 선정</a:t>
+            </a:r>
+          </a:p>
+        </p:txBody>
+      </p:sp>
+      <p:sp>
+        <p:nvSpPr>
+          <p:cNvPr id="3" name="내용 개체 틀 2"/>
+          <p:cNvSpPr>
+            <a:spLocks noGrp="1"/>
+          </p:cNvSpPr>
+          <p:nvPr>
+            <p:ph idx="1"/>
+          </p:nvPr>
+        </p:nvSpPr>
+        <p:spPr/>
+        <p:txBody>
+          <a:bodyPr/>
+          <a:lstStyle/>
+          <a:p>
+            <a:r>
+              <a:rPr lang="en-US" altLang="ko-KR" dirty="0"/>
+              <a:t>1) STT(speak to text)- </a:t>
+            </a:r>
+            <a:r>
+              <a:rPr lang="en-US" altLang="ko-KR" b="1" dirty="0" err="1"/>
+              <a:t>ESPnet</a:t>
+            </a:r>
+            <a:endParaRPr lang="ko-KR" altLang="en-US" b="1" dirty="0"/>
+          </a:p>
+        </p:txBody>
+      </p:sp>
+      <p:pic>
+        <p:nvPicPr>
+          <p:cNvPr id="7" name="그림 6">
+            <a:extLst>
+              <a:ext uri="{FF2B5EF4-FFF2-40B4-BE49-F238E27FC236}">
+                <a16:creationId xmlns:a16="http://schemas.microsoft.com/office/drawing/2014/main" id="{00FE31DB-2684-91D2-29CC-533191FEAFBB}"/>
+              </a:ext>
+            </a:extLst>
+          </p:cNvPr>
+          <p:cNvPicPr>
+            <a:picLocks noChangeAspect="1"/>
+          </p:cNvPicPr>
+          <p:nvPr/>
+        </p:nvPicPr>
+        <p:blipFill>
+          <a:blip r:embed="rId3"/>
+          <a:stretch>
+            <a:fillRect/>
+          </a:stretch>
+        </p:blipFill>
+        <p:spPr>
+          <a:xfrm>
+            <a:off x="286362" y="2058380"/>
+            <a:ext cx="8571275" cy="3960440"/>
+          </a:xfrm>
+          <a:prstGeom prst="rect">
+            <a:avLst/>
+          </a:prstGeom>
+        </p:spPr>
+      </p:pic>
+      <p:sp>
+        <p:nvSpPr>
+          <p:cNvPr id="9" name="직사각형 8">
+            <a:extLst>
+              <a:ext uri="{FF2B5EF4-FFF2-40B4-BE49-F238E27FC236}">
+                <a16:creationId xmlns:a16="http://schemas.microsoft.com/office/drawing/2014/main" id="{91F7313C-B375-68C0-0611-FD1AB7E167A3}"/>
+              </a:ext>
+            </a:extLst>
+          </p:cNvPr>
+          <p:cNvSpPr/>
+          <p:nvPr/>
+        </p:nvSpPr>
+        <p:spPr>
+          <a:xfrm>
+            <a:off x="7862936" y="5077780"/>
+            <a:ext cx="720080" cy="360040"/>
+          </a:xfrm>
+          <a:prstGeom prst="rect">
+            <a:avLst/>
+          </a:prstGeom>
+          <a:noFill/>
+          <a:ln>
+            <a:solidFill>
+              <a:srgbClr val="FF0000"/>
+            </a:solidFill>
+          </a:ln>
+        </p:spPr>
+        <p:style>
+          <a:lnRef idx="2">
+            <a:schemeClr val="accent1">
+              <a:shade val="50000"/>
+            </a:schemeClr>
+          </a:lnRef>
+          <a:fillRef idx="1">
+            <a:schemeClr val="accent1"/>
+          </a:fillRef>
+          <a:effectRef idx="0">
+            <a:schemeClr val="accent1"/>
+          </a:effectRef>
+          <a:fontRef idx="minor">
+            <a:schemeClr val="lt1"/>
+          </a:fontRef>
+        </p:style>
+        <p:txBody>
+          <a:bodyPr rtlCol="0" anchor="ctr"/>
+          <a:lstStyle/>
+          <a:p>
+            <a:pPr algn="ctr"/>
+            <a:endParaRPr lang="ko-KR" altLang="en-US"/>
+          </a:p>
+        </p:txBody>
+      </p:sp>
+    </p:spTree>
+    <p:extLst>
+      <p:ext uri="{BB962C8B-B14F-4D97-AF65-F5344CB8AC3E}">
+        <p14:creationId xmlns:p14="http://schemas.microsoft.com/office/powerpoint/2010/main" val="578698820"/>
+      </p:ext>
+    </p:extLst>
+  </p:cSld>
+  <p:clrMapOvr>
+    <a:masterClrMapping/>
+  </p:clrMapOvr>
+</p:sld>
+</file>
+
+<file path=ppt/slides/slide13.xml><?xml version="1.0" encoding="utf-8"?>
 <p:sld xmlns:a="http://schemas.openxmlformats.org/drawingml/2006/main" xmlns:r="http://schemas.openxmlformats.org/officeDocument/2006/relationships" xmlns:p="http://schemas.openxmlformats.org/presentationml/2006/main">
   <p:cSld>
     <p:spTree>
@@ -8925,7 +9861,7 @@
 </p:sld>
 </file>
 
-<file path=ppt/slides/slide11.xml><?xml version="1.0" encoding="utf-8"?>
+<file path=ppt/slides/slide14.xml><?xml version="1.0" encoding="utf-8"?>
 <p:sld xmlns:a="http://schemas.openxmlformats.org/drawingml/2006/main" xmlns:r="http://schemas.openxmlformats.org/officeDocument/2006/relationships" xmlns:p="http://schemas.openxmlformats.org/presentationml/2006/main">
   <p:cSld>
     <p:spTree>
@@ -9518,7 +10454,7 @@
 </p:sld>
 </file>
 
-<file path=ppt/slides/slide12.xml><?xml version="1.0" encoding="utf-8"?>
+<file path=ppt/slides/slide15.xml><?xml version="1.0" encoding="utf-8"?>
 <p:sld xmlns:a="http://schemas.openxmlformats.org/drawingml/2006/main" xmlns:r="http://schemas.openxmlformats.org/officeDocument/2006/relationships" xmlns:p="http://schemas.openxmlformats.org/presentationml/2006/main">
   <p:cSld>
     <p:spTree>
@@ -9955,7 +10891,7 @@
 </p:sld>
 </file>
 
-<file path=ppt/slides/slide13.xml><?xml version="1.0" encoding="utf-8"?>
+<file path=ppt/slides/slide16.xml><?xml version="1.0" encoding="utf-8"?>
 <p:sld xmlns:a="http://schemas.openxmlformats.org/drawingml/2006/main" xmlns:r="http://schemas.openxmlformats.org/officeDocument/2006/relationships" xmlns:p="http://schemas.openxmlformats.org/presentationml/2006/main">
   <p:cSld>
     <p:spTree>
@@ -10172,7 +11108,7 @@
 </p:sld>
 </file>
 
-<file path=ppt/slides/slide14.xml><?xml version="1.0" encoding="utf-8"?>
+<file path=ppt/slides/slide17.xml><?xml version="1.0" encoding="utf-8"?>
 <p:sld xmlns:a="http://schemas.openxmlformats.org/drawingml/2006/main" xmlns:r="http://schemas.openxmlformats.org/officeDocument/2006/relationships" xmlns:p="http://schemas.openxmlformats.org/presentationml/2006/main">
   <p:cSld>
     <p:spTree>
@@ -10683,7 +11619,7 @@
 </p:sld>
 </file>
 
-<file path=ppt/slides/slide15.xml><?xml version="1.0" encoding="utf-8"?>
+<file path=ppt/slides/slide18.xml><?xml version="1.0" encoding="utf-8"?>
 <p:sld xmlns:a="http://schemas.openxmlformats.org/drawingml/2006/main" xmlns:r="http://schemas.openxmlformats.org/officeDocument/2006/relationships" xmlns:p="http://schemas.openxmlformats.org/presentationml/2006/main">
   <p:cSld>
     <p:spTree>
@@ -10717,8 +11653,17 @@
           <a:p>
             <a:r>
               <a:rPr lang="ko-KR" altLang="en-US" b="1" dirty="0"/>
-              <a:t>평가 기준</a:t>
-            </a:r>
+              <a:t>평가 기준  </a:t>
+            </a:r>
+            <a:r>
+              <a:rPr lang="en-US" altLang="ko-KR" b="1" dirty="0" err="1"/>
+              <a:t>stt</a:t>
+            </a:r>
+            <a:r>
+              <a:rPr lang="ko-KR" altLang="en-US" b="1"/>
+              <a:t>빼기 </a:t>
+            </a:r>
+            <a:endParaRPr lang="ko-KR" altLang="en-US" b="1" dirty="0"/>
           </a:p>
         </p:txBody>
       </p:sp>
@@ -11024,7 +11969,7 @@
 </p:sld>
 </file>
 
-<file path=ppt/slides/slide16.xml><?xml version="1.0" encoding="utf-8"?>
+<file path=ppt/slides/slide19.xml><?xml version="1.0" encoding="utf-8"?>
 <p:sld xmlns:a="http://schemas.openxmlformats.org/drawingml/2006/main" xmlns:r="http://schemas.openxmlformats.org/officeDocument/2006/relationships" xmlns:p="http://schemas.openxmlformats.org/presentationml/2006/main">
   <p:cSld>
     <p:spTree>
@@ -11682,7 +12627,7 @@
 </p:sld>
 </file>
 
-<file path=ppt/slides/slide17.xml><?xml version="1.0" encoding="utf-8"?>
+<file path=ppt/slides/slide2.xml><?xml version="1.0" encoding="utf-8"?>
 <p:sld xmlns:a="http://schemas.openxmlformats.org/drawingml/2006/main" xmlns:r="http://schemas.openxmlformats.org/officeDocument/2006/relationships" xmlns:p="http://schemas.openxmlformats.org/presentationml/2006/main">
   <p:cSld>
     <p:spTree>
@@ -11716,6 +12661,129 @@
           <a:p>
             <a:r>
               <a:rPr lang="en-US" altLang="ko-KR" dirty="0"/>
+              <a:t>Introduction</a:t>
+            </a:r>
+            <a:endParaRPr lang="ko-KR" altLang="en-US" dirty="0"/>
+          </a:p>
+        </p:txBody>
+      </p:sp>
+      <p:sp>
+        <p:nvSpPr>
+          <p:cNvPr id="3" name="내용 개체 틀 2"/>
+          <p:cNvSpPr>
+            <a:spLocks noGrp="1"/>
+          </p:cNvSpPr>
+          <p:nvPr>
+            <p:ph idx="1"/>
+          </p:nvPr>
+        </p:nvSpPr>
+        <p:spPr/>
+        <p:txBody>
+          <a:bodyPr/>
+          <a:lstStyle/>
+          <a:p>
+            <a:pPr marL="0" indent="0">
+              <a:buNone/>
+            </a:pPr>
+            <a:r>
+              <a:rPr lang="ko-KR" altLang="en-US" sz="2400" dirty="0"/>
+              <a:t>화자 분리와 </a:t>
+            </a:r>
+            <a:r>
+              <a:rPr lang="en-US" altLang="ko-KR" sz="2400" dirty="0"/>
+              <a:t>script</a:t>
+            </a:r>
+            <a:r>
+              <a:rPr lang="ko-KR" altLang="en-US" sz="2400" dirty="0"/>
+              <a:t>를 활용한 뉴스 음성 요약 시스템</a:t>
+            </a:r>
+            <a:endParaRPr lang="ko-KR" altLang="en-US" dirty="0"/>
+          </a:p>
+        </p:txBody>
+      </p:sp>
+      <p:pic>
+        <p:nvPicPr>
+          <p:cNvPr id="5" name="그림 4">
+            <a:extLst>
+              <a:ext uri="{FF2B5EF4-FFF2-40B4-BE49-F238E27FC236}">
+                <a16:creationId xmlns:a16="http://schemas.microsoft.com/office/drawing/2014/main" id="{B91FD414-0E81-010C-B963-35873DC96D85}"/>
+              </a:ext>
+            </a:extLst>
+          </p:cNvPr>
+          <p:cNvPicPr>
+            <a:picLocks noChangeAspect="1"/>
+          </p:cNvPicPr>
+          <p:nvPr/>
+        </p:nvPicPr>
+        <p:blipFill>
+          <a:blip r:embed="rId3">
+            <a:extLst>
+              <a:ext uri="{28A0092B-C50C-407E-A947-70E740481C1C}">
+                <a14:useLocalDpi xmlns:a14="http://schemas.microsoft.com/office/drawing/2010/main" val="0"/>
+              </a:ext>
+            </a:extLst>
+          </a:blip>
+          <a:stretch>
+            <a:fillRect/>
+          </a:stretch>
+        </p:blipFill>
+        <p:spPr>
+          <a:xfrm>
+            <a:off x="559897" y="2636912"/>
+            <a:ext cx="8024206" cy="2498656"/>
+          </a:xfrm>
+          <a:prstGeom prst="rect">
+            <a:avLst/>
+          </a:prstGeom>
+        </p:spPr>
+      </p:pic>
+    </p:spTree>
+    <p:extLst>
+      <p:ext uri="{BB962C8B-B14F-4D97-AF65-F5344CB8AC3E}">
+        <p14:creationId xmlns:p14="http://schemas.microsoft.com/office/powerpoint/2010/main" val="1385364846"/>
+      </p:ext>
+    </p:extLst>
+  </p:cSld>
+  <p:clrMapOvr>
+    <a:masterClrMapping/>
+  </p:clrMapOvr>
+</p:sld>
+</file>
+
+<file path=ppt/slides/slide20.xml><?xml version="1.0" encoding="utf-8"?>
+<p:sld xmlns:a="http://schemas.openxmlformats.org/drawingml/2006/main" xmlns:r="http://schemas.openxmlformats.org/officeDocument/2006/relationships" xmlns:p="http://schemas.openxmlformats.org/presentationml/2006/main">
+  <p:cSld>
+    <p:spTree>
+      <p:nvGrpSpPr>
+        <p:cNvPr id="1" name=""/>
+        <p:cNvGrpSpPr/>
+        <p:nvPr/>
+      </p:nvGrpSpPr>
+      <p:grpSpPr>
+        <a:xfrm>
+          <a:off x="0" y="0"/>
+          <a:ext cx="0" cy="0"/>
+          <a:chOff x="0" y="0"/>
+          <a:chExt cx="0" cy="0"/>
+        </a:xfrm>
+      </p:grpSpPr>
+      <p:sp>
+        <p:nvSpPr>
+          <p:cNvPr id="2" name="제목 1"/>
+          <p:cNvSpPr>
+            <a:spLocks noGrp="1"/>
+          </p:cNvSpPr>
+          <p:nvPr>
+            <p:ph type="title"/>
+          </p:nvPr>
+        </p:nvSpPr>
+        <p:spPr/>
+        <p:txBody>
+          <a:bodyPr/>
+          <a:lstStyle/>
+          <a:p>
+            <a:r>
+              <a:rPr lang="en-US" altLang="ko-KR" dirty="0"/>
               <a:t>Conclusions and Expected results</a:t>
             </a:r>
             <a:endParaRPr lang="ko-KR" altLang="en-US" dirty="0"/>
@@ -11836,7 +12904,7 @@
 </p:sld>
 </file>
 
-<file path=ppt/slides/slide18.xml><?xml version="1.0" encoding="utf-8"?>
+<file path=ppt/slides/slide21.xml><?xml version="1.0" encoding="utf-8"?>
 <p:sld xmlns:a="http://schemas.openxmlformats.org/drawingml/2006/main" xmlns:r="http://schemas.openxmlformats.org/officeDocument/2006/relationships" xmlns:p="http://schemas.openxmlformats.org/presentationml/2006/main">
   <p:cSld>
     <p:spTree>
@@ -11927,7 +12995,7 @@
 </p:sld>
 </file>
 
-<file path=ppt/slides/slide19.xml><?xml version="1.0" encoding="utf-8"?>
+<file path=ppt/slides/slide22.xml><?xml version="1.0" encoding="utf-8"?>
 <p:sld xmlns:a="http://schemas.openxmlformats.org/drawingml/2006/main" xmlns:r="http://schemas.openxmlformats.org/officeDocument/2006/relationships" xmlns:p="http://schemas.openxmlformats.org/presentationml/2006/main">
   <p:cSld>
     <p:spTree>
@@ -12250,129 +13318,6 @@
     <p:extLst>
       <p:ext uri="{BB962C8B-B14F-4D97-AF65-F5344CB8AC3E}">
         <p14:creationId xmlns:p14="http://schemas.microsoft.com/office/powerpoint/2010/main" val="555703855"/>
-      </p:ext>
-    </p:extLst>
-  </p:cSld>
-  <p:clrMapOvr>
-    <a:masterClrMapping/>
-  </p:clrMapOvr>
-</p:sld>
-</file>
-
-<file path=ppt/slides/slide2.xml><?xml version="1.0" encoding="utf-8"?>
-<p:sld xmlns:a="http://schemas.openxmlformats.org/drawingml/2006/main" xmlns:r="http://schemas.openxmlformats.org/officeDocument/2006/relationships" xmlns:p="http://schemas.openxmlformats.org/presentationml/2006/main">
-  <p:cSld>
-    <p:spTree>
-      <p:nvGrpSpPr>
-        <p:cNvPr id="1" name=""/>
-        <p:cNvGrpSpPr/>
-        <p:nvPr/>
-      </p:nvGrpSpPr>
-      <p:grpSpPr>
-        <a:xfrm>
-          <a:off x="0" y="0"/>
-          <a:ext cx="0" cy="0"/>
-          <a:chOff x="0" y="0"/>
-          <a:chExt cx="0" cy="0"/>
-        </a:xfrm>
-      </p:grpSpPr>
-      <p:sp>
-        <p:nvSpPr>
-          <p:cNvPr id="2" name="제목 1"/>
-          <p:cNvSpPr>
-            <a:spLocks noGrp="1"/>
-          </p:cNvSpPr>
-          <p:nvPr>
-            <p:ph type="title"/>
-          </p:nvPr>
-        </p:nvSpPr>
-        <p:spPr/>
-        <p:txBody>
-          <a:bodyPr/>
-          <a:lstStyle/>
-          <a:p>
-            <a:r>
-              <a:rPr lang="en-US" altLang="ko-KR" dirty="0"/>
-              <a:t>Introduction</a:t>
-            </a:r>
-            <a:endParaRPr lang="ko-KR" altLang="en-US" dirty="0"/>
-          </a:p>
-        </p:txBody>
-      </p:sp>
-      <p:sp>
-        <p:nvSpPr>
-          <p:cNvPr id="3" name="내용 개체 틀 2"/>
-          <p:cNvSpPr>
-            <a:spLocks noGrp="1"/>
-          </p:cNvSpPr>
-          <p:nvPr>
-            <p:ph idx="1"/>
-          </p:nvPr>
-        </p:nvSpPr>
-        <p:spPr/>
-        <p:txBody>
-          <a:bodyPr/>
-          <a:lstStyle/>
-          <a:p>
-            <a:pPr marL="0" indent="0">
-              <a:buNone/>
-            </a:pPr>
-            <a:r>
-              <a:rPr lang="ko-KR" altLang="en-US" sz="2400" dirty="0"/>
-              <a:t>화자 분리와 </a:t>
-            </a:r>
-            <a:r>
-              <a:rPr lang="en-US" altLang="ko-KR" sz="2400" dirty="0"/>
-              <a:t>script</a:t>
-            </a:r>
-            <a:r>
-              <a:rPr lang="ko-KR" altLang="en-US" sz="2400" dirty="0"/>
-              <a:t>를 활용한 뉴스 음성 요약 시스템</a:t>
-            </a:r>
-            <a:endParaRPr lang="ko-KR" altLang="en-US" dirty="0"/>
-          </a:p>
-        </p:txBody>
-      </p:sp>
-      <p:pic>
-        <p:nvPicPr>
-          <p:cNvPr id="5" name="그림 4">
-            <a:extLst>
-              <a:ext uri="{FF2B5EF4-FFF2-40B4-BE49-F238E27FC236}">
-                <a16:creationId xmlns:a16="http://schemas.microsoft.com/office/drawing/2014/main" id="{B91FD414-0E81-010C-B963-35873DC96D85}"/>
-              </a:ext>
-            </a:extLst>
-          </p:cNvPr>
-          <p:cNvPicPr>
-            <a:picLocks noChangeAspect="1"/>
-          </p:cNvPicPr>
-          <p:nvPr/>
-        </p:nvPicPr>
-        <p:blipFill>
-          <a:blip r:embed="rId3">
-            <a:extLst>
-              <a:ext uri="{28A0092B-C50C-407E-A947-70E740481C1C}">
-                <a14:useLocalDpi xmlns:a14="http://schemas.microsoft.com/office/drawing/2010/main" val="0"/>
-              </a:ext>
-            </a:extLst>
-          </a:blip>
-          <a:stretch>
-            <a:fillRect/>
-          </a:stretch>
-        </p:blipFill>
-        <p:spPr>
-          <a:xfrm>
-            <a:off x="559897" y="2636912"/>
-            <a:ext cx="8024206" cy="2498656"/>
-          </a:xfrm>
-          <a:prstGeom prst="rect">
-            <a:avLst/>
-          </a:prstGeom>
-        </p:spPr>
-      </p:pic>
-    </p:spTree>
-    <p:extLst>
-      <p:ext uri="{BB962C8B-B14F-4D97-AF65-F5344CB8AC3E}">
-        <p14:creationId xmlns:p14="http://schemas.microsoft.com/office/powerpoint/2010/main" val="1385364846"/>
       </p:ext>
     </p:extLst>
   </p:cSld>
@@ -14110,10 +15055,10 @@
       </p:grpSpPr>
       <p:sp>
         <p:nvSpPr>
-          <p:cNvPr id="9" name="Title 1">
+          <p:cNvPr id="2" name="제목 1">
             <a:extLst>
               <a:ext uri="{FF2B5EF4-FFF2-40B4-BE49-F238E27FC236}">
-                <a16:creationId xmlns:a16="http://schemas.microsoft.com/office/drawing/2014/main" id="{030E5F0D-D3C8-E9E1-7883-785B51FF91AD}"/>
+                <a16:creationId xmlns:a16="http://schemas.microsoft.com/office/drawing/2014/main" id="{0BC11CF3-C165-5C9A-9BDB-024B81B91944}"/>
               </a:ext>
             </a:extLst>
           </p:cNvPr>
@@ -14124,65 +15069,527 @@
             <p:ph type="title"/>
           </p:nvPr>
         </p:nvSpPr>
+        <p:spPr/>
+        <p:txBody>
+          <a:bodyPr/>
+          <a:lstStyle/>
+          <a:p>
+            <a:r>
+              <a:rPr lang="en-US" altLang="ko-KR" dirty="0"/>
+              <a:t>Detail</a:t>
+            </a:r>
+            <a:endParaRPr lang="ko-KR" altLang="en-US" dirty="0"/>
+          </a:p>
+        </p:txBody>
+      </p:sp>
+      <p:sp>
+        <p:nvSpPr>
+          <p:cNvPr id="3" name="내용 개체 틀 2">
+            <a:extLst>
+              <a:ext uri="{FF2B5EF4-FFF2-40B4-BE49-F238E27FC236}">
+                <a16:creationId xmlns:a16="http://schemas.microsoft.com/office/drawing/2014/main" id="{9BDA6ED2-294C-0996-9DB4-B6025911CC2B}"/>
+              </a:ext>
+            </a:extLst>
+          </p:cNvPr>
+          <p:cNvSpPr>
+            <a:spLocks noGrp="1"/>
+          </p:cNvSpPr>
+          <p:nvPr>
+            <p:ph idx="1"/>
+          </p:nvPr>
+        </p:nvSpPr>
         <p:spPr>
           <a:xfrm>
-            <a:off x="457200" y="533400"/>
-            <a:ext cx="8229600" cy="990600"/>
+            <a:off x="457200" y="1412776"/>
+            <a:ext cx="8229600" cy="2664296"/>
           </a:xfrm>
         </p:spPr>
         <p:txBody>
-          <a:bodyPr anchor="ctr">
-            <a:normAutofit/>
+          <a:bodyPr>
+            <a:noAutofit/>
           </a:bodyPr>
           <a:lstStyle/>
           <a:p>
-            <a:r>
-              <a:rPr lang="en-US" dirty="0"/>
-              <a:t>Block diagram</a:t>
-            </a:r>
+            <a:pPr marL="0" indent="0">
+              <a:buNone/>
+            </a:pPr>
+            <a:r>
+              <a:rPr lang="ko-KR" altLang="en-US" sz="1000" dirty="0"/>
+              <a:t>뉴스쇼가 묻고 미래가 답하다 </a:t>
+            </a:r>
+            <a:r>
+              <a:rPr lang="ko-KR" altLang="en-US" sz="1000" dirty="0" err="1"/>
+              <a:t>쇼미</a:t>
+            </a:r>
+            <a:r>
+              <a:rPr lang="ko-KR" altLang="en-US" sz="1000" dirty="0"/>
+              <a:t> 탑 대한민국의 판을 읽어보는 시간입니다</a:t>
+            </a:r>
+            <a:r>
+              <a:rPr lang="en-US" altLang="ko-KR" sz="1000" dirty="0"/>
+              <a:t>.  </a:t>
+            </a:r>
+            <a:r>
+              <a:rPr lang="ko-KR" altLang="en-US" sz="1000" dirty="0" err="1"/>
+              <a:t>뉴스쇼</a:t>
+            </a:r>
+            <a:r>
+              <a:rPr lang="ko-KR" altLang="en-US" sz="1000" dirty="0"/>
+              <a:t> 기획특집 뉴스쇼가 묻고 미래가 답하다 줄여서 쇼이다</a:t>
+            </a:r>
+            <a:r>
+              <a:rPr lang="en-US" altLang="ko-KR" sz="1000" dirty="0"/>
+              <a:t>.  </a:t>
+            </a:r>
+            <a:r>
+              <a:rPr lang="ko-KR" altLang="en-US" sz="1000" dirty="0"/>
+              <a:t>오늘은 어린이날 </a:t>
+            </a:r>
+            <a:r>
+              <a:rPr lang="en-US" altLang="ko-KR" sz="1000" dirty="0"/>
+              <a:t>100</a:t>
+            </a:r>
+            <a:r>
+              <a:rPr lang="ko-KR" altLang="en-US" sz="1000" dirty="0"/>
+              <a:t>주년을 맞아서 특별히 이분을 모셨습니다</a:t>
+            </a:r>
+            <a:r>
+              <a:rPr lang="en-US" altLang="ko-KR" sz="1000" dirty="0"/>
+              <a:t>.  </a:t>
+            </a:r>
+            <a:r>
+              <a:rPr lang="ko-KR" altLang="en-US" sz="1000" dirty="0"/>
+              <a:t>어린아이부터 어른까지 상처받은 마음을 치유해 주시는 분이죠</a:t>
+            </a:r>
+            <a:r>
+              <a:rPr lang="en-US" altLang="ko-KR" sz="1000" dirty="0"/>
+              <a:t>.  </a:t>
+            </a:r>
+            <a:r>
+              <a:rPr lang="ko-KR" altLang="en-US" sz="1000" dirty="0"/>
+              <a:t>정신과 전문의 오은영 박사 스튜디오에 </a:t>
+            </a:r>
+            <a:r>
+              <a:rPr lang="ko-KR" altLang="en-US" sz="1000" dirty="0" err="1"/>
+              <a:t>나와주셨어요</a:t>
+            </a:r>
+            <a:r>
+              <a:rPr lang="en-US" altLang="ko-KR" sz="1000" dirty="0"/>
+              <a:t>.  </a:t>
+            </a:r>
+            <a:r>
+              <a:rPr lang="ko-KR" altLang="en-US" sz="1000" dirty="0"/>
+              <a:t>어서 오십시오 안녕하세요</a:t>
+            </a:r>
+            <a:r>
+              <a:rPr lang="en-US" altLang="ko-KR" sz="1000" dirty="0"/>
+              <a:t>. </a:t>
+            </a:r>
+            <a:r>
+              <a:rPr lang="ko-KR" altLang="en-US" sz="1000" dirty="0"/>
+              <a:t>아니 저는 항상 박사님 앞에만 서면 저도 목소리가 이렇게 예뻐질까 곱게 말해야 될 것 같아요</a:t>
+            </a:r>
+            <a:r>
+              <a:rPr lang="en-US" altLang="ko-KR" sz="1000" dirty="0"/>
+              <a:t>.  </a:t>
+            </a:r>
+            <a:r>
+              <a:rPr lang="ko-KR" altLang="en-US" sz="1000" dirty="0"/>
+              <a:t>벌써 뉴스쇼에 지금 한 세 번째 네 번째 </a:t>
+            </a:r>
+            <a:r>
+              <a:rPr lang="ko-KR" altLang="en-US" sz="1000" dirty="0" err="1"/>
+              <a:t>와주시는</a:t>
+            </a:r>
+            <a:r>
+              <a:rPr lang="ko-KR" altLang="en-US" sz="1000" dirty="0"/>
+              <a:t> 이제는 정말 반가운 얼굴 너무 익숙한 얼굴 </a:t>
+            </a:r>
+            <a:r>
+              <a:rPr lang="ko-KR" altLang="en-US" sz="1000" dirty="0" err="1"/>
+              <a:t>금쪽</a:t>
+            </a:r>
+            <a:r>
+              <a:rPr lang="ko-KR" altLang="en-US" sz="1000" dirty="0"/>
+              <a:t> 같은 휴일 어린이날인데 박사님도 자녀 한 명 두셨잖아요</a:t>
+            </a:r>
+            <a:r>
+              <a:rPr lang="en-US" altLang="ko-KR" sz="1000" dirty="0"/>
+              <a:t>.  </a:t>
+            </a:r>
+            <a:r>
+              <a:rPr lang="ko-KR" altLang="en-US" sz="1000" dirty="0"/>
+              <a:t>그렇죠 성인 아내 성인입니다</a:t>
+            </a:r>
+            <a:r>
+              <a:rPr lang="en-US" altLang="ko-KR" sz="1000" dirty="0"/>
+              <a:t>. </a:t>
+            </a:r>
+            <a:r>
+              <a:rPr lang="ko-KR" altLang="en-US" sz="1000" dirty="0"/>
+              <a:t>네 </a:t>
+            </a:r>
+            <a:r>
+              <a:rPr lang="en-US" altLang="ko-KR" sz="1000" dirty="0"/>
+              <a:t>24</a:t>
+            </a:r>
+            <a:r>
+              <a:rPr lang="ko-KR" altLang="en-US" sz="1000" dirty="0"/>
+              <a:t>살 </a:t>
+            </a:r>
+            <a:r>
+              <a:rPr lang="ko-KR" altLang="en-US" sz="1000" dirty="0" err="1"/>
+              <a:t>어린이날하고는</a:t>
+            </a:r>
+            <a:r>
+              <a:rPr lang="ko-KR" altLang="en-US" sz="1000" dirty="0"/>
+              <a:t> 크게 상관은 없어 그래도 </a:t>
+            </a:r>
+            <a:r>
+              <a:rPr lang="ko-KR" altLang="en-US" sz="1000" dirty="0" err="1"/>
+              <a:t>어린이날은요</a:t>
+            </a:r>
+            <a:r>
+              <a:rPr lang="ko-KR" altLang="en-US" sz="1000" dirty="0"/>
+              <a:t> 큰 자녀라도 왠지 선물 주면 되게 좋아할 것 같아요</a:t>
+            </a:r>
+            <a:r>
+              <a:rPr lang="en-US" altLang="ko-KR" sz="1000" dirty="0"/>
+              <a:t>. </a:t>
+            </a:r>
+            <a:r>
+              <a:rPr lang="ko-KR" altLang="en-US" sz="1000" dirty="0"/>
+              <a:t>아니 그럼 아들이 지금 </a:t>
+            </a:r>
+            <a:r>
+              <a:rPr lang="en-US" altLang="ko-KR" sz="1000" dirty="0"/>
+              <a:t>24</a:t>
+            </a:r>
+            <a:r>
+              <a:rPr lang="ko-KR" altLang="en-US" sz="1000" dirty="0"/>
+              <a:t>살인데도 지금도 뭐 좀 챙겨주세요</a:t>
+            </a:r>
+            <a:r>
+              <a:rPr lang="en-US" altLang="ko-KR" sz="1000" dirty="0"/>
+              <a:t>. </a:t>
+            </a:r>
+            <a:r>
+              <a:rPr lang="ko-KR" altLang="en-US" sz="1000" dirty="0"/>
+              <a:t>뭐 좀 그런 편이죠</a:t>
+            </a:r>
+            <a:r>
+              <a:rPr lang="en-US" altLang="ko-KR" sz="1000" dirty="0"/>
+              <a:t>. </a:t>
+            </a:r>
+            <a:r>
+              <a:rPr lang="ko-KR" altLang="en-US" sz="1000" dirty="0"/>
+              <a:t>꼭 어린이날만은 아닌데요</a:t>
+            </a:r>
+            <a:r>
+              <a:rPr lang="en-US" altLang="ko-KR" sz="1000" dirty="0"/>
+              <a:t>. </a:t>
+            </a:r>
+          </a:p>
+          <a:p>
+            <a:pPr marL="0" indent="0">
+              <a:buNone/>
+            </a:pPr>
+            <a:r>
+              <a:rPr lang="ko-KR" altLang="en-US" sz="1000" dirty="0"/>
+              <a:t>왜 어릴 때 키웠던 추억이 좀 기억나면서 괜히 고민형 이런 거 있으면 한 번 더 보게 되죠</a:t>
+            </a:r>
+            <a:r>
+              <a:rPr lang="en-US" altLang="ko-KR" sz="1000" dirty="0"/>
+              <a:t>. </a:t>
+            </a:r>
+            <a:r>
+              <a:rPr lang="ko-KR" altLang="en-US" sz="1000" dirty="0"/>
+              <a:t>그러면 아들의 </a:t>
+            </a:r>
+            <a:r>
+              <a:rPr lang="en-US" altLang="ko-KR" sz="1000" dirty="0"/>
+              <a:t>24</a:t>
+            </a:r>
+            <a:r>
+              <a:rPr lang="ko-KR" altLang="en-US" sz="1000" dirty="0"/>
+              <a:t>살 아들의 반응은 고민이 형 건데요</a:t>
+            </a:r>
+            <a:r>
+              <a:rPr lang="en-US" altLang="ko-KR" sz="1000" dirty="0"/>
+              <a:t>. </a:t>
+            </a:r>
+            <a:r>
+              <a:rPr lang="ko-KR" altLang="en-US" sz="1000" dirty="0"/>
+              <a:t>좋아하죠</a:t>
+            </a:r>
+            <a:r>
+              <a:rPr lang="en-US" altLang="ko-KR" sz="1000" dirty="0"/>
+              <a:t>. </a:t>
+            </a:r>
+            <a:r>
+              <a:rPr lang="ko-KR" altLang="en-US" sz="1000" dirty="0" err="1"/>
+              <a:t>그렇군요</a:t>
+            </a:r>
+            <a:r>
+              <a:rPr lang="en-US" altLang="ko-KR" sz="1000" dirty="0"/>
+              <a:t>. </a:t>
+            </a:r>
+            <a:r>
+              <a:rPr lang="ko-KR" altLang="en-US" sz="1000" dirty="0"/>
+              <a:t>아니 사실은 이제 어린이날 저도 집에 지금 어린이 두고 출근한 거 아니겠습니까 어린이날 아이 생일날 크리스마스 날 이럴 때 엄마가 일하러 간다</a:t>
+            </a:r>
+            <a:r>
+              <a:rPr lang="en-US" altLang="ko-KR" sz="1000" dirty="0"/>
+              <a:t>.  </a:t>
+            </a:r>
+            <a:r>
+              <a:rPr lang="ko-KR" altLang="en-US" sz="1000" dirty="0"/>
+              <a:t>아빠가 일하러 간다</a:t>
+            </a:r>
+            <a:r>
+              <a:rPr lang="en-US" altLang="ko-KR" sz="1000" dirty="0"/>
+              <a:t>. </a:t>
+            </a:r>
+            <a:r>
+              <a:rPr lang="ko-KR" altLang="en-US" sz="1000" dirty="0"/>
+              <a:t>이런 집들이 많아요</a:t>
+            </a:r>
+            <a:r>
+              <a:rPr lang="en-US" altLang="ko-KR" sz="1000" dirty="0"/>
+              <a:t>.  </a:t>
+            </a:r>
+            <a:r>
+              <a:rPr lang="ko-KR" altLang="en-US" sz="1000" dirty="0"/>
+              <a:t>많아요</a:t>
+            </a:r>
+            <a:r>
+              <a:rPr lang="en-US" altLang="ko-KR" sz="1000" dirty="0"/>
+              <a:t>. </a:t>
+            </a:r>
+            <a:r>
+              <a:rPr lang="ko-KR" altLang="en-US" sz="1000" dirty="0"/>
+              <a:t>그럼 괜히 죄 짓는 것 같고 미안하고 박사님도 아이 어렸을 때 그러셨어요</a:t>
+            </a:r>
+            <a:r>
+              <a:rPr lang="en-US" altLang="ko-KR" sz="1000" dirty="0"/>
+              <a:t>. </a:t>
+            </a:r>
+            <a:r>
+              <a:rPr lang="ko-KR" altLang="en-US" sz="1000" dirty="0"/>
+              <a:t>저도 그런 마음이 많았죠</a:t>
+            </a:r>
+            <a:r>
+              <a:rPr lang="en-US" altLang="ko-KR" sz="1000" dirty="0"/>
+              <a:t>. </a:t>
+            </a:r>
+            <a:r>
+              <a:rPr lang="ko-KR" altLang="en-US" sz="1000" dirty="0"/>
+              <a:t>뭐 집에서 아이들 양육하는 엄마는 또 그 엄마 나름대로 또 일하는 엄마들은 또 일하는 </a:t>
+            </a:r>
+            <a:r>
+              <a:rPr lang="ko-KR" altLang="en-US" sz="1000" dirty="0" err="1"/>
+              <a:t>엄마들대로</a:t>
+            </a:r>
+            <a:r>
+              <a:rPr lang="ko-KR" altLang="en-US" sz="1000" dirty="0"/>
+              <a:t> 다 미안한 마음이 있는 것 같아요</a:t>
+            </a:r>
+            <a:r>
+              <a:rPr lang="en-US" altLang="ko-KR" sz="1000" dirty="0"/>
+              <a:t>. </a:t>
+            </a:r>
+            <a:r>
+              <a:rPr lang="ko-KR" altLang="en-US" sz="1000" dirty="0"/>
+              <a:t>그 그런데 특히 </a:t>
+            </a:r>
+            <a:r>
+              <a:rPr lang="ko-KR" altLang="en-US" sz="1000" dirty="0" err="1"/>
+              <a:t>워킹맘들은</a:t>
+            </a:r>
+            <a:r>
+              <a:rPr lang="ko-KR" altLang="en-US" sz="1000" dirty="0"/>
+              <a:t> 그렇게 미안해지는 순간들이 되게 많은데 어떻게 하면 아이가 </a:t>
+            </a:r>
+            <a:r>
+              <a:rPr lang="ko-KR" altLang="en-US" sz="1000" dirty="0" err="1"/>
+              <a:t>서운해하지</a:t>
+            </a:r>
+            <a:r>
+              <a:rPr lang="ko-KR" altLang="en-US" sz="1000" dirty="0"/>
+              <a:t> 않고 엄마도 덜 미안해질까 뭐 이런 방법은 없을까요</a:t>
+            </a:r>
+            <a:r>
+              <a:rPr lang="en-US" altLang="ko-KR" sz="1000" dirty="0"/>
+              <a:t>. </a:t>
+            </a:r>
+            <a:r>
+              <a:rPr lang="ko-KR" altLang="en-US" sz="1000" dirty="0" err="1"/>
+              <a:t>방법이라기보다는</a:t>
+            </a:r>
+            <a:r>
+              <a:rPr lang="ko-KR" altLang="en-US" sz="1000" dirty="0"/>
+              <a:t> </a:t>
+            </a:r>
+            <a:r>
+              <a:rPr lang="ko-KR" altLang="en-US" sz="1000" dirty="0" err="1"/>
+              <a:t>저는요</a:t>
+            </a:r>
+            <a:r>
+              <a:rPr lang="ko-KR" altLang="en-US" sz="1000" dirty="0"/>
+              <a:t> 일단 제일 중요한 게요 같이 있을 때 잘해주면 돼요 그 때 또 잘해줘라 네 그리고 제일 중요한 거는 저는 이제 이 말씀 많이 드리는데요</a:t>
+            </a:r>
+            <a:r>
+              <a:rPr lang="en-US" altLang="ko-KR" sz="1000" dirty="0"/>
+              <a:t>.  </a:t>
+            </a:r>
+            <a:r>
+              <a:rPr lang="ko-KR" altLang="en-US" sz="1000" dirty="0"/>
+              <a:t>오늘 하루에 최선 저 이거 굉장히 강조해요</a:t>
+            </a:r>
+            <a:r>
+              <a:rPr lang="en-US" altLang="ko-KR" sz="1000" dirty="0"/>
+              <a:t>. </a:t>
+            </a:r>
+            <a:r>
+              <a:rPr lang="ko-KR" altLang="en-US" sz="1000" dirty="0"/>
+              <a:t>근데 우리가 보통 최선 그러면 전에 드라마 대사도 있었잖아요</a:t>
+            </a:r>
+            <a:r>
+              <a:rPr lang="en-US" altLang="ko-KR" sz="1000" dirty="0"/>
+              <a:t>.  </a:t>
+            </a:r>
+            <a:r>
+              <a:rPr lang="ko-KR" altLang="en-US" sz="1000" dirty="0"/>
+              <a:t>이게 최선입니까 뭐 이런 거요</a:t>
+            </a:r>
+            <a:r>
+              <a:rPr lang="en-US" altLang="ko-KR" sz="1000" dirty="0"/>
+              <a:t>. </a:t>
+            </a:r>
+            <a:r>
+              <a:rPr lang="ko-KR" altLang="en-US" sz="1000" dirty="0"/>
+              <a:t>그래서 엄청나게 열심히 했어요</a:t>
+            </a:r>
+            <a:r>
+              <a:rPr lang="en-US" altLang="ko-KR" sz="1000" dirty="0"/>
+              <a:t>. </a:t>
+            </a:r>
+            <a:r>
+              <a:rPr lang="ko-KR" altLang="en-US" sz="1000" dirty="0"/>
+              <a:t>공부를 한다면 왜 밤새서 </a:t>
+            </a:r>
+            <a:r>
+              <a:rPr lang="ko-KR" altLang="en-US" sz="1000" dirty="0" err="1"/>
+              <a:t>쌍코피</a:t>
+            </a:r>
+            <a:r>
+              <a:rPr lang="ko-KR" altLang="en-US" sz="1000" dirty="0"/>
+              <a:t> 터지는 거 이런 거 맞아요</a:t>
+            </a:r>
+            <a:r>
+              <a:rPr lang="en-US" altLang="ko-KR" sz="1000" dirty="0"/>
+              <a:t>.  </a:t>
+            </a:r>
+            <a:r>
+              <a:rPr lang="ko-KR" altLang="en-US" sz="1000" dirty="0"/>
+              <a:t>이렇게 최선을 다해서 엄청나게 좋은 결과가 있는 것을 최선이라고 생각하시는데요</a:t>
+            </a:r>
+            <a:r>
+              <a:rPr lang="en-US" altLang="ko-KR" sz="1000" dirty="0"/>
+              <a:t>.  </a:t>
+            </a:r>
+            <a:r>
+              <a:rPr lang="ko-KR" altLang="en-US" sz="1000" dirty="0"/>
+              <a:t>양육은 내가 편안하게 언제나 지속적으로 할 수 있는 범주 내에서 내가 오늘 이걸 잘 내가 운영하고 잘 다룰 수 있다 하는 범주 내에서 그냥 열심히 하는 거 그게 오늘 하루의 최선이거든요</a:t>
+            </a:r>
+            <a:r>
+              <a:rPr lang="en-US" altLang="ko-KR" sz="1000" dirty="0"/>
+              <a:t>. </a:t>
+            </a:r>
+            <a:endParaRPr lang="ko-KR" altLang="en-US" sz="1000" dirty="0"/>
+          </a:p>
+        </p:txBody>
+      </p:sp>
+      <p:sp>
+        <p:nvSpPr>
+          <p:cNvPr id="4" name="화살표: 아래쪽 3">
+            <a:extLst>
+              <a:ext uri="{FF2B5EF4-FFF2-40B4-BE49-F238E27FC236}">
+                <a16:creationId xmlns:a16="http://schemas.microsoft.com/office/drawing/2014/main" id="{6C319867-8058-7D36-E2CD-A5E148A7CCF1}"/>
+              </a:ext>
+            </a:extLst>
+          </p:cNvPr>
+          <p:cNvSpPr/>
+          <p:nvPr/>
+        </p:nvSpPr>
+        <p:spPr>
+          <a:xfrm>
+            <a:off x="4139952" y="4055947"/>
+            <a:ext cx="504056" cy="432048"/>
+          </a:xfrm>
+          <a:prstGeom prst="downArrow">
+            <a:avLst/>
+          </a:prstGeom>
+        </p:spPr>
+        <p:style>
+          <a:lnRef idx="2">
+            <a:schemeClr val="accent1">
+              <a:shade val="50000"/>
+            </a:schemeClr>
+          </a:lnRef>
+          <a:fillRef idx="1">
+            <a:schemeClr val="accent1"/>
+          </a:fillRef>
+          <a:effectRef idx="0">
+            <a:schemeClr val="accent1"/>
+          </a:effectRef>
+          <a:fontRef idx="minor">
+            <a:schemeClr val="lt1"/>
+          </a:fontRef>
+        </p:style>
+        <p:txBody>
+          <a:bodyPr rtlCol="0" anchor="ctr"/>
+          <a:lstStyle/>
+          <a:p>
+            <a:pPr algn="ctr"/>
+            <a:endParaRPr lang="ko-KR" altLang="en-US"/>
           </a:p>
         </p:txBody>
       </p:sp>
       <p:pic>
         <p:nvPicPr>
-          <p:cNvPr id="8" name="내용 개체 틀 7">
+          <p:cNvPr id="6" name="그림 5">
             <a:extLst>
               <a:ext uri="{FF2B5EF4-FFF2-40B4-BE49-F238E27FC236}">
-                <a16:creationId xmlns:a16="http://schemas.microsoft.com/office/drawing/2014/main" id="{3AFC229F-F7B6-DC2A-8BE1-560A7BF127F3}"/>
+                <a16:creationId xmlns:a16="http://schemas.microsoft.com/office/drawing/2014/main" id="{14A7F91D-1B2A-F2B9-EDAE-B4658725D854}"/>
               </a:ext>
             </a:extLst>
           </p:cNvPr>
           <p:cNvPicPr>
-            <a:picLocks noGrp="1" noChangeAspect="1"/>
+            <a:picLocks noChangeAspect="1"/>
           </p:cNvPicPr>
-          <p:nvPr>
-            <p:ph idx="1"/>
-          </p:nvPr>
+          <p:nvPr/>
         </p:nvPicPr>
         <p:blipFill>
-          <a:blip r:embed="rId3">
-            <a:extLst>
-              <a:ext uri="{28A0092B-C50C-407E-A947-70E740481C1C}">
-                <a14:useLocalDpi xmlns:a14="http://schemas.microsoft.com/office/drawing/2010/main" val="0"/>
-              </a:ext>
-            </a:extLst>
-          </a:blip>
+          <a:blip r:embed="rId3"/>
           <a:stretch>
             <a:fillRect/>
           </a:stretch>
         </p:blipFill>
         <p:spPr>
           <a:xfrm>
-            <a:off x="0" y="2262182"/>
-            <a:ext cx="9029428" cy="2866843"/>
+            <a:off x="600075" y="4549874"/>
+            <a:ext cx="7943850" cy="1790700"/>
           </a:xfrm>
-          <a:noFill/>
+          <a:prstGeom prst="rect">
+            <a:avLst/>
+          </a:prstGeom>
         </p:spPr>
       </p:pic>
     </p:spTree>
     <p:extLst>
       <p:ext uri="{BB962C8B-B14F-4D97-AF65-F5344CB8AC3E}">
-        <p14:creationId xmlns:p14="http://schemas.microsoft.com/office/powerpoint/2010/main" val="2987534817"/>
+        <p14:creationId xmlns:p14="http://schemas.microsoft.com/office/powerpoint/2010/main" val="3407349212"/>
       </p:ext>
     </p:extLst>
   </p:cSld>
@@ -14214,7 +15621,7 @@
           <p:cNvPr id="2" name="제목 1">
             <a:extLst>
               <a:ext uri="{FF2B5EF4-FFF2-40B4-BE49-F238E27FC236}">
-                <a16:creationId xmlns:a16="http://schemas.microsoft.com/office/drawing/2014/main" id="{386A0498-C6EF-7965-D0AB-04BE4C4E2DF3}"/>
+                <a16:creationId xmlns:a16="http://schemas.microsoft.com/office/drawing/2014/main" id="{616FEB06-686E-9029-6FD5-A3916E465AC1}"/>
               </a:ext>
             </a:extLst>
           </p:cNvPr>
@@ -14231,11 +15638,10 @@
           <a:lstStyle/>
           <a:p>
             <a:r>
-              <a:rPr lang="ko-KR" altLang="en-US" b="1" dirty="0">
-                <a:latin typeface="+mj-ea"/>
-              </a:rPr>
-              <a:t>역할 분담</a:t>
-            </a:r>
+              <a:rPr lang="en-US" altLang="ko-KR" dirty="0"/>
+              <a:t>Detail</a:t>
+            </a:r>
+            <a:endParaRPr lang="ko-KR" altLang="en-US" dirty="0"/>
           </a:p>
         </p:txBody>
       </p:sp>
@@ -14244,7 +15650,7 @@
           <p:cNvPr id="3" name="내용 개체 틀 2">
             <a:extLst>
               <a:ext uri="{FF2B5EF4-FFF2-40B4-BE49-F238E27FC236}">
-                <a16:creationId xmlns:a16="http://schemas.microsoft.com/office/drawing/2014/main" id="{A3D0D166-3511-043D-68C4-6D1B2DBD39B5}"/>
+                <a16:creationId xmlns:a16="http://schemas.microsoft.com/office/drawing/2014/main" id="{3C475B87-ECD7-60B5-1565-5B91095AE973}"/>
               </a:ext>
             </a:extLst>
           </p:cNvPr>
@@ -14255,131 +15661,442 @@
             <p:ph idx="1"/>
           </p:nvPr>
         </p:nvSpPr>
-        <p:spPr/>
+        <p:spPr>
+          <a:xfrm>
+            <a:off x="457200" y="1600200"/>
+            <a:ext cx="8229600" cy="4421088"/>
+          </a:xfrm>
+        </p:spPr>
         <p:txBody>
-          <a:bodyPr/>
+          <a:bodyPr>
+            <a:noAutofit/>
+          </a:bodyPr>
           <a:lstStyle/>
-          <a:p>
-            <a:endParaRPr lang="en-US" altLang="ko-KR" dirty="0"/>
-          </a:p>
           <a:p>
             <a:pPr marL="0" indent="0">
               <a:buNone/>
             </a:pPr>
-            <a:r>
-              <a:rPr lang="en-US" altLang="ko-KR" dirty="0">
-                <a:latin typeface="+mn-ea"/>
-              </a:rPr>
-              <a:t>1) </a:t>
-            </a:r>
-            <a:r>
-              <a:rPr lang="ko-KR" altLang="en-US" dirty="0">
-                <a:latin typeface="+mn-ea"/>
-              </a:rPr>
-              <a:t>나현희</a:t>
-            </a:r>
-            <a:endParaRPr lang="en-US" altLang="ko-KR" dirty="0">
-              <a:latin typeface="+mn-ea"/>
-            </a:endParaRPr>
+            <a:endParaRPr lang="ko-KR" altLang="en-US" sz="1100" dirty="0"/>
           </a:p>
           <a:p>
             <a:pPr marL="0" indent="0">
               <a:buNone/>
             </a:pPr>
             <a:r>
-              <a:rPr lang="en-US" altLang="ko-KR" dirty="0">
-                <a:latin typeface="+mn-ea"/>
-              </a:rPr>
-              <a:t>      STT </a:t>
-            </a:r>
-            <a:r>
-              <a:rPr lang="ko-KR" altLang="en-US" dirty="0">
-                <a:latin typeface="+mn-ea"/>
-              </a:rPr>
-              <a:t>데이터 및 모델 학습</a:t>
-            </a:r>
-            <a:r>
-              <a:rPr lang="en-US" altLang="ko-KR" dirty="0">
-                <a:latin typeface="+mn-ea"/>
-              </a:rPr>
-              <a:t>,</a:t>
-            </a:r>
-            <a:r>
-              <a:rPr lang="ko-KR" altLang="en-US" dirty="0">
-                <a:latin typeface="+mn-ea"/>
-              </a:rPr>
-              <a:t> 텍스트 후처리 </a:t>
-            </a:r>
-            <a:endParaRPr lang="en-US" altLang="ko-KR" dirty="0">
-              <a:latin typeface="+mn-ea"/>
-            </a:endParaRPr>
+              <a:rPr lang="ko-KR" altLang="en-US" sz="1100" dirty="0"/>
+              <a:t>음성</a:t>
+            </a:r>
+            <a:r>
+              <a:rPr lang="en-US" altLang="ko-KR" sz="1100" dirty="0"/>
+              <a:t>1: </a:t>
+            </a:r>
+            <a:r>
+              <a:rPr lang="ko-KR" altLang="en-US" sz="1100" dirty="0"/>
+              <a:t>대한민국의 판을 읽어보는 시간입니다</a:t>
+            </a:r>
+            <a:r>
+              <a:rPr lang="en-US" altLang="ko-KR" sz="1100" dirty="0"/>
+              <a:t>. </a:t>
+            </a:r>
           </a:p>
           <a:p>
             <a:pPr marL="0" indent="0">
               <a:buNone/>
             </a:pPr>
-            <a:endParaRPr lang="en-US" altLang="ko-KR" dirty="0">
-              <a:latin typeface="+mn-ea"/>
-            </a:endParaRPr>
+            <a:r>
+              <a:rPr lang="ko-KR" altLang="en-US" sz="1100" dirty="0" err="1"/>
+              <a:t>뉴스쇼</a:t>
+            </a:r>
+            <a:r>
+              <a:rPr lang="ko-KR" altLang="en-US" sz="1100" dirty="0"/>
+              <a:t> 기획특집 뉴스쇼가 묻고 미래가 답하다 줄여서 쇼이다</a:t>
+            </a:r>
+            <a:r>
+              <a:rPr lang="en-US" altLang="ko-KR" sz="1100" dirty="0"/>
+              <a:t>. </a:t>
+            </a:r>
           </a:p>
           <a:p>
             <a:pPr marL="0" indent="0">
               <a:buNone/>
             </a:pPr>
             <a:r>
-              <a:rPr lang="en-US" altLang="ko-KR" dirty="0">
-                <a:latin typeface="+mn-ea"/>
-              </a:rPr>
-              <a:t>2) </a:t>
-            </a:r>
-            <a:r>
-              <a:rPr lang="ko-KR" altLang="en-US" dirty="0">
-                <a:latin typeface="+mn-ea"/>
-              </a:rPr>
-              <a:t>신원철 </a:t>
-            </a:r>
-            <a:endParaRPr lang="en-US" altLang="ko-KR" dirty="0">
-              <a:latin typeface="+mn-ea"/>
-            </a:endParaRPr>
+              <a:rPr lang="ko-KR" altLang="en-US" sz="1100" dirty="0"/>
+              <a:t>오늘은 어린이날 </a:t>
+            </a:r>
+            <a:r>
+              <a:rPr lang="en-US" altLang="ko-KR" sz="1100" dirty="0"/>
+              <a:t>100</a:t>
+            </a:r>
+            <a:r>
+              <a:rPr lang="ko-KR" altLang="en-US" sz="1100" dirty="0"/>
+              <a:t>주년을 맞아서 특별히 이분을 모셨습니다</a:t>
+            </a:r>
+            <a:r>
+              <a:rPr lang="en-US" altLang="ko-KR" sz="1100" dirty="0"/>
+              <a:t>. </a:t>
+            </a:r>
           </a:p>
           <a:p>
             <a:pPr marL="0" indent="0">
               <a:buNone/>
             </a:pPr>
             <a:r>
-              <a:rPr lang="en-US" altLang="ko-KR" dirty="0">
-                <a:latin typeface="+mn-ea"/>
-              </a:rPr>
-              <a:t>      </a:t>
-            </a:r>
-            <a:r>
-              <a:rPr lang="ko-KR" altLang="en-US" dirty="0">
-                <a:latin typeface="+mn-ea"/>
-              </a:rPr>
-              <a:t>화자 분리 데이터 및 모델 학습</a:t>
-            </a:r>
-            <a:r>
-              <a:rPr lang="en-US" altLang="ko-KR" dirty="0">
-                <a:latin typeface="+mn-ea"/>
-              </a:rPr>
-              <a:t>, </a:t>
-            </a:r>
-            <a:r>
-              <a:rPr lang="ko-KR" altLang="en-US" dirty="0">
-                <a:latin typeface="+mn-ea"/>
-              </a:rPr>
-              <a:t>요약 </a:t>
-            </a:r>
-            <a:endParaRPr lang="en-US" altLang="ko-KR" dirty="0">
-              <a:latin typeface="+mn-ea"/>
-            </a:endParaRPr>
+              <a:rPr lang="ko-KR" altLang="en-US" sz="1100" dirty="0"/>
+              <a:t>어린아이부터 어른까지 상처받은 마음을 치유해 주시는 분이죠</a:t>
+            </a:r>
+            <a:r>
+              <a:rPr lang="en-US" altLang="ko-KR" sz="1100" dirty="0"/>
+              <a:t>. </a:t>
+            </a:r>
+          </a:p>
+          <a:p>
+            <a:pPr marL="0" indent="0">
+              <a:buNone/>
+            </a:pPr>
+            <a:r>
+              <a:rPr lang="ko-KR" altLang="en-US" sz="1100" dirty="0"/>
+              <a:t>정신과 전문의 오은영 박사 스튜디오에 </a:t>
+            </a:r>
+            <a:r>
+              <a:rPr lang="ko-KR" altLang="en-US" sz="1100" dirty="0" err="1"/>
+              <a:t>나와주셨어요</a:t>
+            </a:r>
+            <a:r>
+              <a:rPr lang="en-US" altLang="ko-KR" sz="1100" dirty="0"/>
+              <a:t>. </a:t>
+            </a:r>
+          </a:p>
+          <a:p>
+            <a:pPr marL="0" indent="0">
+              <a:buNone/>
+            </a:pPr>
+            <a:r>
+              <a:rPr lang="ko-KR" altLang="en-US" sz="1100" dirty="0"/>
+              <a:t>어서 오십시오</a:t>
+            </a:r>
+          </a:p>
+          <a:p>
+            <a:pPr marL="0" indent="0">
+              <a:buNone/>
+            </a:pPr>
+            <a:r>
+              <a:rPr lang="ko-KR" altLang="en-US" sz="1100" dirty="0"/>
+              <a:t>음성</a:t>
+            </a:r>
+            <a:r>
+              <a:rPr lang="en-US" altLang="ko-KR" sz="1100" dirty="0"/>
+              <a:t>2: </a:t>
+            </a:r>
+            <a:r>
+              <a:rPr lang="ko-KR" altLang="en-US" sz="1100" dirty="0"/>
+              <a:t>안녕하세요</a:t>
+            </a:r>
+            <a:r>
+              <a:rPr lang="en-US" altLang="ko-KR" sz="1100" dirty="0"/>
+              <a:t>.</a:t>
+            </a:r>
+          </a:p>
+          <a:p>
+            <a:pPr marL="0" indent="0">
+              <a:buNone/>
+            </a:pPr>
+            <a:r>
+              <a:rPr lang="ko-KR" altLang="en-US" sz="1100" dirty="0"/>
+              <a:t>음성</a:t>
+            </a:r>
+            <a:r>
+              <a:rPr lang="en-US" altLang="ko-KR" sz="1100" dirty="0"/>
+              <a:t>1: </a:t>
+            </a:r>
+            <a:r>
+              <a:rPr lang="ko-KR" altLang="en-US" sz="1100" dirty="0"/>
+              <a:t>아니 저는 항상 박사님 앞에만 서면 저도 목소리가 이렇게 예뻐질까 곱게 말해야 될 것 같아요</a:t>
+            </a:r>
+            <a:r>
+              <a:rPr lang="en-US" altLang="ko-KR" sz="1100" dirty="0"/>
+              <a:t>. </a:t>
+            </a:r>
+          </a:p>
+          <a:p>
+            <a:pPr marL="0" indent="0">
+              <a:buNone/>
+            </a:pPr>
+            <a:r>
+              <a:rPr lang="ko-KR" altLang="en-US" sz="1100" dirty="0"/>
+              <a:t>벌써 뉴스쇼에 지금 한 세 번째 네 번째 </a:t>
+            </a:r>
+            <a:r>
+              <a:rPr lang="ko-KR" altLang="en-US" sz="1100" dirty="0" err="1"/>
+              <a:t>와주시는</a:t>
+            </a:r>
+            <a:r>
+              <a:rPr lang="ko-KR" altLang="en-US" sz="1100" dirty="0"/>
+              <a:t> 이제는 정말 반가운 얼굴 너무</a:t>
+            </a:r>
+          </a:p>
+          <a:p>
+            <a:pPr marL="0" indent="0">
+              <a:buNone/>
+            </a:pPr>
+            <a:r>
+              <a:rPr lang="ko-KR" altLang="en-US" sz="1100" dirty="0"/>
+              <a:t>음성</a:t>
+            </a:r>
+            <a:r>
+              <a:rPr lang="en-US" altLang="ko-KR" sz="1100" dirty="0"/>
+              <a:t>2: </a:t>
+            </a:r>
+            <a:r>
+              <a:rPr lang="ko-KR" altLang="en-US" sz="1100" dirty="0"/>
+              <a:t>익숙한 얼굴</a:t>
+            </a:r>
+          </a:p>
+          <a:p>
+            <a:pPr marL="0" indent="0">
+              <a:buNone/>
+            </a:pPr>
+            <a:r>
+              <a:rPr lang="ko-KR" altLang="en-US" sz="1100" dirty="0"/>
+              <a:t>음성</a:t>
+            </a:r>
+            <a:r>
+              <a:rPr lang="en-US" altLang="ko-KR" sz="1100" dirty="0"/>
+              <a:t>1: </a:t>
+            </a:r>
+            <a:r>
+              <a:rPr lang="ko-KR" altLang="en-US" sz="1100" dirty="0" err="1"/>
+              <a:t>금쪽</a:t>
+            </a:r>
+            <a:r>
+              <a:rPr lang="ko-KR" altLang="en-US" sz="1100" dirty="0"/>
+              <a:t> 같은 휴일 어린이날인데 박사님도 자녀 한 명 두셨잖아요</a:t>
+            </a:r>
+            <a:r>
+              <a:rPr lang="en-US" altLang="ko-KR" sz="1100" dirty="0"/>
+              <a:t>. </a:t>
+            </a:r>
+          </a:p>
+          <a:p>
+            <a:pPr marL="0" indent="0">
+              <a:buNone/>
+            </a:pPr>
+            <a:r>
+              <a:rPr lang="ko-KR" altLang="en-US" sz="1100" dirty="0"/>
+              <a:t>그렇죠 성인</a:t>
+            </a:r>
+          </a:p>
+          <a:p>
+            <a:pPr marL="0" indent="0">
+              <a:buNone/>
+            </a:pPr>
+            <a:r>
+              <a:rPr lang="ko-KR" altLang="en-US" sz="1100" dirty="0"/>
+              <a:t>음성</a:t>
+            </a:r>
+            <a:r>
+              <a:rPr lang="en-US" altLang="ko-KR" sz="1100" dirty="0"/>
+              <a:t>2: </a:t>
+            </a:r>
+            <a:r>
+              <a:rPr lang="ko-KR" altLang="en-US" sz="1100" dirty="0"/>
+              <a:t>아내 성인입니다</a:t>
+            </a:r>
+            <a:r>
+              <a:rPr lang="en-US" altLang="ko-KR" sz="1100" dirty="0"/>
+              <a:t>. </a:t>
+            </a:r>
+            <a:r>
+              <a:rPr lang="ko-KR" altLang="en-US" sz="1100" dirty="0"/>
+              <a:t>네 </a:t>
+            </a:r>
+            <a:r>
+              <a:rPr lang="en-US" altLang="ko-KR" sz="1100" dirty="0"/>
+              <a:t>24</a:t>
+            </a:r>
+            <a:r>
+              <a:rPr lang="ko-KR" altLang="en-US" sz="1100" dirty="0"/>
+              <a:t>살</a:t>
+            </a:r>
+          </a:p>
+          <a:p>
+            <a:pPr marL="0" indent="0">
+              <a:buNone/>
+            </a:pPr>
+            <a:r>
+              <a:rPr lang="ko-KR" altLang="en-US" sz="1100" dirty="0"/>
+              <a:t>음성</a:t>
+            </a:r>
+            <a:r>
+              <a:rPr lang="en-US" altLang="ko-KR" sz="1100" dirty="0"/>
+              <a:t>1: </a:t>
+            </a:r>
+            <a:r>
+              <a:rPr lang="ko-KR" altLang="en-US" sz="1100" dirty="0" err="1"/>
+              <a:t>어린이날하고는</a:t>
+            </a:r>
+            <a:r>
+              <a:rPr lang="ko-KR" altLang="en-US" sz="1100" dirty="0"/>
+              <a:t> 크게 상관은 없어</a:t>
+            </a:r>
+          </a:p>
+          <a:p>
+            <a:pPr marL="0" indent="0">
+              <a:buNone/>
+            </a:pPr>
+            <a:r>
+              <a:rPr lang="ko-KR" altLang="en-US" sz="1100" dirty="0"/>
+              <a:t>음성</a:t>
+            </a:r>
+            <a:r>
+              <a:rPr lang="en-US" altLang="ko-KR" sz="1100" dirty="0"/>
+              <a:t>2: </a:t>
+            </a:r>
+            <a:r>
+              <a:rPr lang="ko-KR" altLang="en-US" sz="1100" dirty="0"/>
+              <a:t>그래도 </a:t>
+            </a:r>
+            <a:r>
+              <a:rPr lang="ko-KR" altLang="en-US" sz="1100" dirty="0" err="1"/>
+              <a:t>어린이날은요</a:t>
+            </a:r>
+            <a:r>
+              <a:rPr lang="ko-KR" altLang="en-US" sz="1100" dirty="0"/>
+              <a:t> 큰 자녀라도 왠지 선물 주면 되게 좋아할 것 같아요</a:t>
+            </a:r>
+            <a:r>
+              <a:rPr lang="en-US" altLang="ko-KR" sz="1100" dirty="0"/>
+              <a:t>.</a:t>
+            </a:r>
+          </a:p>
+          <a:p>
+            <a:pPr marL="0" indent="0">
+              <a:buNone/>
+            </a:pPr>
+            <a:r>
+              <a:rPr lang="ko-KR" altLang="en-US" sz="1100" dirty="0"/>
+              <a:t>음성</a:t>
+            </a:r>
+            <a:r>
+              <a:rPr lang="en-US" altLang="ko-KR" sz="1100" dirty="0"/>
+              <a:t>1: </a:t>
+            </a:r>
+            <a:r>
+              <a:rPr lang="ko-KR" altLang="en-US" sz="1100" dirty="0"/>
+              <a:t>아니 그럼 아들이 지금 </a:t>
+            </a:r>
+            <a:r>
+              <a:rPr lang="en-US" altLang="ko-KR" sz="1100" dirty="0"/>
+              <a:t>24</a:t>
+            </a:r>
+            <a:r>
+              <a:rPr lang="ko-KR" altLang="en-US" sz="1100" dirty="0"/>
+              <a:t>살인데도 지금도 뭐 좀 챙겨주세요</a:t>
+            </a:r>
+            <a:r>
+              <a:rPr lang="en-US" altLang="ko-KR" sz="1100" dirty="0"/>
+              <a:t>.</a:t>
+            </a:r>
+          </a:p>
+          <a:p>
+            <a:pPr marL="0" indent="0">
+              <a:buNone/>
+            </a:pPr>
+            <a:r>
+              <a:rPr lang="ko-KR" altLang="en-US" sz="1100" dirty="0"/>
+              <a:t>음성</a:t>
+            </a:r>
+            <a:r>
+              <a:rPr lang="en-US" altLang="ko-KR" sz="1100" dirty="0"/>
+              <a:t>2: </a:t>
+            </a:r>
+            <a:r>
+              <a:rPr lang="ko-KR" altLang="en-US" sz="1100" dirty="0"/>
+              <a:t>뭐 좀 그런 편이죠</a:t>
+            </a:r>
+            <a:r>
+              <a:rPr lang="en-US" altLang="ko-KR" sz="1100" dirty="0"/>
+              <a:t>. </a:t>
+            </a:r>
+            <a:r>
+              <a:rPr lang="ko-KR" altLang="en-US" sz="1100" dirty="0"/>
+              <a:t>꼭 어린이날만은 아닌데요</a:t>
+            </a:r>
+            <a:r>
+              <a:rPr lang="en-US" altLang="ko-KR" sz="1100" dirty="0"/>
+              <a:t>. </a:t>
+            </a:r>
+          </a:p>
+          <a:p>
+            <a:pPr marL="0" indent="0">
+              <a:buNone/>
+            </a:pPr>
+            <a:r>
+              <a:rPr lang="ko-KR" altLang="en-US" sz="1100" dirty="0"/>
+              <a:t>왜 어릴 때 키웠던 추억이 좀 기억나면서 괜히 고민형 이런 거 있으면 한 번 더 보게 되죠</a:t>
+            </a:r>
+            <a:r>
+              <a:rPr lang="en-US" altLang="ko-KR" sz="1100" dirty="0"/>
+              <a:t>.</a:t>
+            </a:r>
+          </a:p>
+          <a:p>
+            <a:pPr marL="0" indent="0">
+              <a:buNone/>
+            </a:pPr>
+            <a:r>
+              <a:rPr lang="ko-KR" altLang="en-US" sz="1100" dirty="0"/>
+              <a:t>음성</a:t>
+            </a:r>
+            <a:r>
+              <a:rPr lang="en-US" altLang="ko-KR" sz="1100" dirty="0"/>
+              <a:t>1: </a:t>
+            </a:r>
+            <a:r>
+              <a:rPr lang="ko-KR" altLang="en-US" sz="1100" dirty="0"/>
+              <a:t>그러면 아들의 </a:t>
+            </a:r>
+            <a:r>
+              <a:rPr lang="en-US" altLang="ko-KR" sz="1100" dirty="0"/>
+              <a:t>24</a:t>
+            </a:r>
+            <a:r>
+              <a:rPr lang="ko-KR" altLang="en-US" sz="1100" dirty="0"/>
+              <a:t>살 아들의 반응은 고민이 형 건데요</a:t>
+            </a:r>
+            <a:r>
+              <a:rPr lang="en-US" altLang="ko-KR" sz="1100" dirty="0"/>
+              <a:t>.</a:t>
+            </a:r>
+          </a:p>
+          <a:p>
+            <a:pPr marL="0" indent="0">
+              <a:buNone/>
+            </a:pPr>
+            <a:r>
+              <a:rPr lang="ko-KR" altLang="en-US" sz="1100" dirty="0"/>
+              <a:t>음성</a:t>
+            </a:r>
+            <a:r>
+              <a:rPr lang="en-US" altLang="ko-KR" sz="1100" dirty="0"/>
+              <a:t>2: </a:t>
+            </a:r>
+            <a:r>
+              <a:rPr lang="ko-KR" altLang="en-US" sz="1100" dirty="0"/>
+              <a:t>좋아하죠</a:t>
+            </a:r>
+            <a:r>
+              <a:rPr lang="en-US" altLang="ko-KR" sz="1100" dirty="0"/>
+              <a:t>. </a:t>
+            </a:r>
+            <a:endParaRPr lang="ko-KR" altLang="en-US" sz="1100" dirty="0"/>
           </a:p>
         </p:txBody>
       </p:sp>
     </p:spTree>
     <p:extLst>
       <p:ext uri="{BB962C8B-B14F-4D97-AF65-F5344CB8AC3E}">
-        <p14:creationId xmlns:p14="http://schemas.microsoft.com/office/powerpoint/2010/main" val="3038027745"/>
+        <p14:creationId xmlns:p14="http://schemas.microsoft.com/office/powerpoint/2010/main" val="1210131925"/>
       </p:ext>
     </p:extLst>
   </p:cSld>
@@ -14408,7 +16125,13 @@
       </p:grpSpPr>
       <p:sp>
         <p:nvSpPr>
-          <p:cNvPr id="2" name="제목 1"/>
+          <p:cNvPr id="10" name="Title 1">
+            <a:extLst>
+              <a:ext uri="{FF2B5EF4-FFF2-40B4-BE49-F238E27FC236}">
+                <a16:creationId xmlns:a16="http://schemas.microsoft.com/office/drawing/2014/main" id="{15E88B6D-BDA1-AFC4-2F37-8B15DD9E44DC}"/>
+              </a:ext>
+            </a:extLst>
+          </p:cNvPr>
           <p:cNvSpPr>
             <a:spLocks noGrp="1"/>
           </p:cNvSpPr>
@@ -14416,53 +16139,30 @@
             <p:ph type="title"/>
           </p:nvPr>
         </p:nvSpPr>
-        <p:spPr/>
-        <p:txBody>
-          <a:bodyPr>
-            <a:normAutofit/>
-          </a:bodyPr>
-          <a:lstStyle/>
-          <a:p>
-            <a:r>
-              <a:rPr lang="ko-KR" altLang="en-US" b="1" dirty="0"/>
-              <a:t>사용 모델 선정</a:t>
-            </a:r>
-          </a:p>
-        </p:txBody>
-      </p:sp>
-      <p:sp>
-        <p:nvSpPr>
-          <p:cNvPr id="3" name="내용 개체 틀 2"/>
-          <p:cNvSpPr>
-            <a:spLocks noGrp="1"/>
-          </p:cNvSpPr>
-          <p:nvPr>
-            <p:ph idx="1"/>
-          </p:nvPr>
-        </p:nvSpPr>
-        <p:spPr/>
+        <p:spPr>
+          <a:xfrm>
+            <a:off x="457200" y="533400"/>
+            <a:ext cx="8229600" cy="990600"/>
+          </a:xfrm>
+        </p:spPr>
         <p:txBody>
           <a:bodyPr/>
           <a:lstStyle/>
           <a:p>
             <a:r>
               <a:rPr lang="en-US" altLang="ko-KR" dirty="0"/>
-              <a:t>1) STT(speak to text)- </a:t>
-            </a:r>
-            <a:r>
-              <a:rPr lang="en-US" altLang="ko-KR" b="1" dirty="0" err="1"/>
-              <a:t>ESPnet</a:t>
-            </a:r>
-            <a:endParaRPr lang="ko-KR" altLang="en-US" b="1" dirty="0"/>
+              <a:t>Detail</a:t>
+            </a:r>
+            <a:endParaRPr lang="en-US" dirty="0"/>
           </a:p>
         </p:txBody>
       </p:sp>
       <p:pic>
         <p:nvPicPr>
-          <p:cNvPr id="7" name="그림 6">
+          <p:cNvPr id="5" name="그림 4">
             <a:extLst>
               <a:ext uri="{FF2B5EF4-FFF2-40B4-BE49-F238E27FC236}">
-                <a16:creationId xmlns:a16="http://schemas.microsoft.com/office/drawing/2014/main" id="{00FE31DB-2684-91D2-29CC-533191FEAFBB}"/>
+                <a16:creationId xmlns:a16="http://schemas.microsoft.com/office/drawing/2014/main" id="{438814E9-D62E-D86F-55ED-947D53892BA6}"/>
               </a:ext>
             </a:extLst>
           </p:cNvPr>
@@ -14479,70 +16179,19 @@
         </p:blipFill>
         <p:spPr>
           <a:xfrm>
-            <a:off x="286362" y="2058380"/>
-            <a:ext cx="8571275" cy="3960440"/>
-          </a:xfrm>
-          <a:prstGeom prst="rect">
-            <a:avLst/>
-          </a:prstGeom>
-        </p:spPr>
-      </p:pic>
-      <p:sp>
-        <p:nvSpPr>
-          <p:cNvPr id="9" name="직사각형 8">
-            <a:extLst>
-              <a:ext uri="{FF2B5EF4-FFF2-40B4-BE49-F238E27FC236}">
-                <a16:creationId xmlns:a16="http://schemas.microsoft.com/office/drawing/2014/main" id="{91F7313C-B375-68C0-0611-FD1AB7E167A3}"/>
-              </a:ext>
-            </a:extLst>
-          </p:cNvPr>
-          <p:cNvSpPr/>
-          <p:nvPr/>
-        </p:nvSpPr>
-        <p:spPr>
-          <a:xfrm>
-            <a:off x="7862936" y="5077780"/>
-            <a:ext cx="720080" cy="360040"/>
+            <a:off x="457200" y="1991487"/>
+            <a:ext cx="8229600" cy="4094226"/>
           </a:xfrm>
           <a:prstGeom prst="rect">
             <a:avLst/>
           </a:prstGeom>
           <a:noFill/>
-          <a:ln>
-            <a:solidFill>
-              <a:srgbClr val="FF0000"/>
-            </a:solidFill>
-          </a:ln>
         </p:spPr>
-        <p:style>
-          <a:lnRef idx="2">
-            <a:schemeClr val="accent1">
-              <a:shade val="50000"/>
-            </a:schemeClr>
-          </a:lnRef>
-          <a:fillRef idx="1">
-            <a:schemeClr val="accent1"/>
-          </a:fillRef>
-          <a:effectRef idx="0">
-            <a:schemeClr val="accent1"/>
-          </a:effectRef>
-          <a:fontRef idx="minor">
-            <a:schemeClr val="lt1"/>
-          </a:fontRef>
-        </p:style>
-        <p:txBody>
-          <a:bodyPr rtlCol="0" anchor="ctr"/>
-          <a:lstStyle/>
-          <a:p>
-            <a:pPr algn="ctr"/>
-            <a:endParaRPr lang="ko-KR" altLang="en-US"/>
-          </a:p>
-        </p:txBody>
-      </p:sp>
+      </p:pic>
     </p:spTree>
     <p:extLst>
       <p:ext uri="{BB962C8B-B14F-4D97-AF65-F5344CB8AC3E}">
-        <p14:creationId xmlns:p14="http://schemas.microsoft.com/office/powerpoint/2010/main" val="578698820"/>
+        <p14:creationId xmlns:p14="http://schemas.microsoft.com/office/powerpoint/2010/main" val="2799130324"/>
       </p:ext>
     </p:extLst>
   </p:cSld>

--- a/ppt/0403_2조_주제 발표.pptx
+++ b/ppt/0403_2조_주제 발표.pptx
@@ -201,157 +201,6 @@
             <ac:picMk id="5" creationId="{31260C76-1E47-947E-B7D7-871E3C6BE02F}"/>
           </ac:picMkLst>
         </pc:picChg>
-      </pc:sldChg>
-    </pc:docChg>
-  </pc:docChgLst>
-  <pc:docChgLst>
-    <pc:chgData name="나 현희" userId="a7b73e83492eed8a" providerId="LiveId" clId="{AC282E98-0482-4415-A832-5369105703C8}"/>
-    <pc:docChg chg="custSel addSld delSld modSld">
-      <pc:chgData name="나 현희" userId="a7b73e83492eed8a" providerId="LiveId" clId="{AC282E98-0482-4415-A832-5369105703C8}" dt="2023-03-31T02:26:19.607" v="4821" actId="20577"/>
-      <pc:docMkLst>
-        <pc:docMk/>
-      </pc:docMkLst>
-      <pc:sldChg chg="modSp mod modNotesTx">
-        <pc:chgData name="나 현희" userId="a7b73e83492eed8a" providerId="LiveId" clId="{AC282E98-0482-4415-A832-5369105703C8}" dt="2023-03-31T00:53:22.707" v="2919" actId="20577"/>
-        <pc:sldMkLst>
-          <pc:docMk/>
-          <pc:sldMk cId="1385364846" sldId="268"/>
-        </pc:sldMkLst>
-        <pc:spChg chg="mod">
-          <ac:chgData name="나 현희" userId="a7b73e83492eed8a" providerId="LiveId" clId="{AC282E98-0482-4415-A832-5369105703C8}" dt="2023-03-31T00:38:44.910" v="30"/>
-          <ac:spMkLst>
-            <pc:docMk/>
-            <pc:sldMk cId="1385364846" sldId="268"/>
-            <ac:spMk id="3" creationId="{00000000-0000-0000-0000-000000000000}"/>
-          </ac:spMkLst>
-        </pc:spChg>
-      </pc:sldChg>
-      <pc:sldChg chg="modNotesTx">
-        <pc:chgData name="나 현희" userId="a7b73e83492eed8a" providerId="LiveId" clId="{AC282E98-0482-4415-A832-5369105703C8}" dt="2023-03-31T00:43:16.534" v="1166" actId="20577"/>
-        <pc:sldMkLst>
-          <pc:docMk/>
-          <pc:sldMk cId="3435006861" sldId="269"/>
-        </pc:sldMkLst>
-      </pc:sldChg>
-      <pc:sldChg chg="modNotesTx">
-        <pc:chgData name="나 현희" userId="a7b73e83492eed8a" providerId="LiveId" clId="{AC282E98-0482-4415-A832-5369105703C8}" dt="2023-03-31T00:53:43.396" v="2976" actId="20577"/>
-        <pc:sldMkLst>
-          <pc:docMk/>
-          <pc:sldMk cId="2854467813" sldId="270"/>
-        </pc:sldMkLst>
-      </pc:sldChg>
-      <pc:sldChg chg="addSp delSp modSp mod modNotesTx">
-        <pc:chgData name="나 현희" userId="a7b73e83492eed8a" providerId="LiveId" clId="{AC282E98-0482-4415-A832-5369105703C8}" dt="2023-03-31T02:26:19.607" v="4821" actId="20577"/>
-        <pc:sldMkLst>
-          <pc:docMk/>
-          <pc:sldMk cId="578698820" sldId="276"/>
-        </pc:sldMkLst>
-        <pc:spChg chg="mod">
-          <ac:chgData name="나 현희" userId="a7b73e83492eed8a" providerId="LiveId" clId="{AC282E98-0482-4415-A832-5369105703C8}" dt="2023-03-31T02:04:58.190" v="4290" actId="20577"/>
-          <ac:spMkLst>
-            <pc:docMk/>
-            <pc:sldMk cId="578698820" sldId="276"/>
-            <ac:spMk id="3" creationId="{00000000-0000-0000-0000-000000000000}"/>
-          </ac:spMkLst>
-        </pc:spChg>
-        <pc:spChg chg="del mod">
-          <ac:chgData name="나 현희" userId="a7b73e83492eed8a" providerId="LiveId" clId="{AC282E98-0482-4415-A832-5369105703C8}" dt="2023-03-31T02:05:30.328" v="4299"/>
-          <ac:spMkLst>
-            <pc:docMk/>
-            <pc:sldMk cId="578698820" sldId="276"/>
-            <ac:spMk id="4" creationId="{382A40D3-AE2B-211D-ED46-A6B85BBE1F69}"/>
-          </ac:spMkLst>
-        </pc:spChg>
-        <pc:spChg chg="add del mod">
-          <ac:chgData name="나 현희" userId="a7b73e83492eed8a" providerId="LiveId" clId="{AC282E98-0482-4415-A832-5369105703C8}" dt="2023-03-31T02:05:49.219" v="4301" actId="478"/>
-          <ac:spMkLst>
-            <pc:docMk/>
-            <pc:sldMk cId="578698820" sldId="276"/>
-            <ac:spMk id="8" creationId="{3F9FA0CA-205B-7695-2643-336EDE8E47B5}"/>
-          </ac:spMkLst>
-        </pc:spChg>
-        <pc:spChg chg="add mod">
-          <ac:chgData name="나 현희" userId="a7b73e83492eed8a" providerId="LiveId" clId="{AC282E98-0482-4415-A832-5369105703C8}" dt="2023-03-31T02:14:10.617" v="4397" actId="1076"/>
-          <ac:spMkLst>
-            <pc:docMk/>
-            <pc:sldMk cId="578698820" sldId="276"/>
-            <ac:spMk id="9" creationId="{91F7313C-B375-68C0-0611-FD1AB7E167A3}"/>
-          </ac:spMkLst>
-        </pc:spChg>
-        <pc:spChg chg="add mod">
-          <ac:chgData name="나 현희" userId="a7b73e83492eed8a" providerId="LiveId" clId="{AC282E98-0482-4415-A832-5369105703C8}" dt="2023-03-31T02:14:55.683" v="4416" actId="1076"/>
-          <ac:spMkLst>
-            <pc:docMk/>
-            <pc:sldMk cId="578698820" sldId="276"/>
-            <ac:spMk id="10" creationId="{BDBA28C2-416C-5E75-F319-243895AE4405}"/>
-          </ac:spMkLst>
-        </pc:spChg>
-        <pc:graphicFrameChg chg="del modGraphic">
-          <ac:chgData name="나 현희" userId="a7b73e83492eed8a" providerId="LiveId" clId="{AC282E98-0482-4415-A832-5369105703C8}" dt="2023-03-31T02:05:08.557" v="4292" actId="21"/>
-          <ac:graphicFrameMkLst>
-            <pc:docMk/>
-            <pc:sldMk cId="578698820" sldId="276"/>
-            <ac:graphicFrameMk id="6" creationId="{C8986374-37A3-C93C-D0D9-49A2AF266851}"/>
-          </ac:graphicFrameMkLst>
-        </pc:graphicFrameChg>
-        <pc:picChg chg="add mod">
-          <ac:chgData name="나 현희" userId="a7b73e83492eed8a" providerId="LiveId" clId="{AC282E98-0482-4415-A832-5369105703C8}" dt="2023-03-31T02:14:07.526" v="4396" actId="1076"/>
-          <ac:picMkLst>
-            <pc:docMk/>
-            <pc:sldMk cId="578698820" sldId="276"/>
-            <ac:picMk id="7" creationId="{00FE31DB-2684-91D2-29CC-533191FEAFBB}"/>
-          </ac:picMkLst>
-        </pc:picChg>
-      </pc:sldChg>
-      <pc:sldChg chg="modNotesTx">
-        <pc:chgData name="나 현희" userId="a7b73e83492eed8a" providerId="LiveId" clId="{AC282E98-0482-4415-A832-5369105703C8}" dt="2023-03-31T00:56:12.344" v="3632" actId="20577"/>
-        <pc:sldMkLst>
-          <pc:docMk/>
-          <pc:sldMk cId="2309608434" sldId="282"/>
-        </pc:sldMkLst>
-      </pc:sldChg>
-      <pc:sldChg chg="modNotesTx">
-        <pc:chgData name="나 현희" userId="a7b73e83492eed8a" providerId="LiveId" clId="{AC282E98-0482-4415-A832-5369105703C8}" dt="2023-03-31T00:58:50.105" v="4234" actId="20577"/>
-        <pc:sldMkLst>
-          <pc:docMk/>
-          <pc:sldMk cId="2987534817" sldId="283"/>
-        </pc:sldMkLst>
-      </pc:sldChg>
-      <pc:sldChg chg="modNotesTx">
-        <pc:chgData name="나 현희" userId="a7b73e83492eed8a" providerId="LiveId" clId="{AC282E98-0482-4415-A832-5369105703C8}" dt="2023-03-31T00:53:10.907" v="2907" actId="20577"/>
-        <pc:sldMkLst>
-          <pc:docMk/>
-          <pc:sldMk cId="3038027745" sldId="284"/>
-        </pc:sldMkLst>
-      </pc:sldChg>
-      <pc:sldChg chg="modSp mod modNotesTx">
-        <pc:chgData name="나 현희" userId="a7b73e83492eed8a" providerId="LiveId" clId="{AC282E98-0482-4415-A832-5369105703C8}" dt="2023-03-31T00:51:32.424" v="2602" actId="20577"/>
-        <pc:sldMkLst>
-          <pc:docMk/>
-          <pc:sldMk cId="1257217762" sldId="285"/>
-        </pc:sldMkLst>
-        <pc:spChg chg="mod">
-          <ac:chgData name="나 현희" userId="a7b73e83492eed8a" providerId="LiveId" clId="{AC282E98-0482-4415-A832-5369105703C8}" dt="2023-03-31T00:47:03.462" v="1675" actId="20577"/>
-          <ac:spMkLst>
-            <pc:docMk/>
-            <pc:sldMk cId="1257217762" sldId="285"/>
-            <ac:spMk id="3" creationId="{B59B17D0-9100-A75C-27E3-D778775921B7}"/>
-          </ac:spMkLst>
-        </pc:spChg>
-      </pc:sldChg>
-      <pc:sldChg chg="new del">
-        <pc:chgData name="나 현희" userId="a7b73e83492eed8a" providerId="LiveId" clId="{AC282E98-0482-4415-A832-5369105703C8}" dt="2023-03-31T01:52:12.454" v="4237" actId="47"/>
-        <pc:sldMkLst>
-          <pc:docMk/>
-          <pc:sldMk cId="2425042883" sldId="286"/>
-        </pc:sldMkLst>
-      </pc:sldChg>
-      <pc:sldChg chg="add">
-        <pc:chgData name="나 현희" userId="a7b73e83492eed8a" providerId="LiveId" clId="{AC282E98-0482-4415-A832-5369105703C8}" dt="2023-03-31T01:52:08.824" v="4236"/>
-        <pc:sldMkLst>
-          <pc:docMk/>
-          <pc:sldMk cId="2699996474" sldId="287"/>
-        </pc:sldMkLst>
       </pc:sldChg>
     </pc:docChg>
   </pc:docChgLst>
@@ -667,6 +516,157 @@
       </pc:sldChg>
     </pc:docChg>
   </pc:docChgLst>
+  <pc:docChgLst>
+    <pc:chgData name="나 현희" userId="a7b73e83492eed8a" providerId="LiveId" clId="{AC282E98-0482-4415-A832-5369105703C8}"/>
+    <pc:docChg chg="custSel addSld delSld modSld">
+      <pc:chgData name="나 현희" userId="a7b73e83492eed8a" providerId="LiveId" clId="{AC282E98-0482-4415-A832-5369105703C8}" dt="2023-03-31T02:26:19.607" v="4821" actId="20577"/>
+      <pc:docMkLst>
+        <pc:docMk/>
+      </pc:docMkLst>
+      <pc:sldChg chg="modSp mod modNotesTx">
+        <pc:chgData name="나 현희" userId="a7b73e83492eed8a" providerId="LiveId" clId="{AC282E98-0482-4415-A832-5369105703C8}" dt="2023-03-31T00:53:22.707" v="2919" actId="20577"/>
+        <pc:sldMkLst>
+          <pc:docMk/>
+          <pc:sldMk cId="1385364846" sldId="268"/>
+        </pc:sldMkLst>
+        <pc:spChg chg="mod">
+          <ac:chgData name="나 현희" userId="a7b73e83492eed8a" providerId="LiveId" clId="{AC282E98-0482-4415-A832-5369105703C8}" dt="2023-03-31T00:38:44.910" v="30"/>
+          <ac:spMkLst>
+            <pc:docMk/>
+            <pc:sldMk cId="1385364846" sldId="268"/>
+            <ac:spMk id="3" creationId="{00000000-0000-0000-0000-000000000000}"/>
+          </ac:spMkLst>
+        </pc:spChg>
+      </pc:sldChg>
+      <pc:sldChg chg="modNotesTx">
+        <pc:chgData name="나 현희" userId="a7b73e83492eed8a" providerId="LiveId" clId="{AC282E98-0482-4415-A832-5369105703C8}" dt="2023-03-31T00:43:16.534" v="1166" actId="20577"/>
+        <pc:sldMkLst>
+          <pc:docMk/>
+          <pc:sldMk cId="3435006861" sldId="269"/>
+        </pc:sldMkLst>
+      </pc:sldChg>
+      <pc:sldChg chg="modNotesTx">
+        <pc:chgData name="나 현희" userId="a7b73e83492eed8a" providerId="LiveId" clId="{AC282E98-0482-4415-A832-5369105703C8}" dt="2023-03-31T00:53:43.396" v="2976" actId="20577"/>
+        <pc:sldMkLst>
+          <pc:docMk/>
+          <pc:sldMk cId="2854467813" sldId="270"/>
+        </pc:sldMkLst>
+      </pc:sldChg>
+      <pc:sldChg chg="addSp delSp modSp mod modNotesTx">
+        <pc:chgData name="나 현희" userId="a7b73e83492eed8a" providerId="LiveId" clId="{AC282E98-0482-4415-A832-5369105703C8}" dt="2023-03-31T02:26:19.607" v="4821" actId="20577"/>
+        <pc:sldMkLst>
+          <pc:docMk/>
+          <pc:sldMk cId="578698820" sldId="276"/>
+        </pc:sldMkLst>
+        <pc:spChg chg="mod">
+          <ac:chgData name="나 현희" userId="a7b73e83492eed8a" providerId="LiveId" clId="{AC282E98-0482-4415-A832-5369105703C8}" dt="2023-03-31T02:04:58.190" v="4290" actId="20577"/>
+          <ac:spMkLst>
+            <pc:docMk/>
+            <pc:sldMk cId="578698820" sldId="276"/>
+            <ac:spMk id="3" creationId="{00000000-0000-0000-0000-000000000000}"/>
+          </ac:spMkLst>
+        </pc:spChg>
+        <pc:spChg chg="del mod">
+          <ac:chgData name="나 현희" userId="a7b73e83492eed8a" providerId="LiveId" clId="{AC282E98-0482-4415-A832-5369105703C8}" dt="2023-03-31T02:05:30.328" v="4299"/>
+          <ac:spMkLst>
+            <pc:docMk/>
+            <pc:sldMk cId="578698820" sldId="276"/>
+            <ac:spMk id="4" creationId="{382A40D3-AE2B-211D-ED46-A6B85BBE1F69}"/>
+          </ac:spMkLst>
+        </pc:spChg>
+        <pc:spChg chg="add del mod">
+          <ac:chgData name="나 현희" userId="a7b73e83492eed8a" providerId="LiveId" clId="{AC282E98-0482-4415-A832-5369105703C8}" dt="2023-03-31T02:05:49.219" v="4301" actId="478"/>
+          <ac:spMkLst>
+            <pc:docMk/>
+            <pc:sldMk cId="578698820" sldId="276"/>
+            <ac:spMk id="8" creationId="{3F9FA0CA-205B-7695-2643-336EDE8E47B5}"/>
+          </ac:spMkLst>
+        </pc:spChg>
+        <pc:spChg chg="add mod">
+          <ac:chgData name="나 현희" userId="a7b73e83492eed8a" providerId="LiveId" clId="{AC282E98-0482-4415-A832-5369105703C8}" dt="2023-03-31T02:14:10.617" v="4397" actId="1076"/>
+          <ac:spMkLst>
+            <pc:docMk/>
+            <pc:sldMk cId="578698820" sldId="276"/>
+            <ac:spMk id="9" creationId="{91F7313C-B375-68C0-0611-FD1AB7E167A3}"/>
+          </ac:spMkLst>
+        </pc:spChg>
+        <pc:spChg chg="add mod">
+          <ac:chgData name="나 현희" userId="a7b73e83492eed8a" providerId="LiveId" clId="{AC282E98-0482-4415-A832-5369105703C8}" dt="2023-03-31T02:14:55.683" v="4416" actId="1076"/>
+          <ac:spMkLst>
+            <pc:docMk/>
+            <pc:sldMk cId="578698820" sldId="276"/>
+            <ac:spMk id="10" creationId="{BDBA28C2-416C-5E75-F319-243895AE4405}"/>
+          </ac:spMkLst>
+        </pc:spChg>
+        <pc:graphicFrameChg chg="del modGraphic">
+          <ac:chgData name="나 현희" userId="a7b73e83492eed8a" providerId="LiveId" clId="{AC282E98-0482-4415-A832-5369105703C8}" dt="2023-03-31T02:05:08.557" v="4292" actId="21"/>
+          <ac:graphicFrameMkLst>
+            <pc:docMk/>
+            <pc:sldMk cId="578698820" sldId="276"/>
+            <ac:graphicFrameMk id="6" creationId="{C8986374-37A3-C93C-D0D9-49A2AF266851}"/>
+          </ac:graphicFrameMkLst>
+        </pc:graphicFrameChg>
+        <pc:picChg chg="add mod">
+          <ac:chgData name="나 현희" userId="a7b73e83492eed8a" providerId="LiveId" clId="{AC282E98-0482-4415-A832-5369105703C8}" dt="2023-03-31T02:14:07.526" v="4396" actId="1076"/>
+          <ac:picMkLst>
+            <pc:docMk/>
+            <pc:sldMk cId="578698820" sldId="276"/>
+            <ac:picMk id="7" creationId="{00FE31DB-2684-91D2-29CC-533191FEAFBB}"/>
+          </ac:picMkLst>
+        </pc:picChg>
+      </pc:sldChg>
+      <pc:sldChg chg="modNotesTx">
+        <pc:chgData name="나 현희" userId="a7b73e83492eed8a" providerId="LiveId" clId="{AC282E98-0482-4415-A832-5369105703C8}" dt="2023-03-31T00:56:12.344" v="3632" actId="20577"/>
+        <pc:sldMkLst>
+          <pc:docMk/>
+          <pc:sldMk cId="2309608434" sldId="282"/>
+        </pc:sldMkLst>
+      </pc:sldChg>
+      <pc:sldChg chg="modNotesTx">
+        <pc:chgData name="나 현희" userId="a7b73e83492eed8a" providerId="LiveId" clId="{AC282E98-0482-4415-A832-5369105703C8}" dt="2023-03-31T00:58:50.105" v="4234" actId="20577"/>
+        <pc:sldMkLst>
+          <pc:docMk/>
+          <pc:sldMk cId="2987534817" sldId="283"/>
+        </pc:sldMkLst>
+      </pc:sldChg>
+      <pc:sldChg chg="modNotesTx">
+        <pc:chgData name="나 현희" userId="a7b73e83492eed8a" providerId="LiveId" clId="{AC282E98-0482-4415-A832-5369105703C8}" dt="2023-03-31T00:53:10.907" v="2907" actId="20577"/>
+        <pc:sldMkLst>
+          <pc:docMk/>
+          <pc:sldMk cId="3038027745" sldId="284"/>
+        </pc:sldMkLst>
+      </pc:sldChg>
+      <pc:sldChg chg="modSp mod modNotesTx">
+        <pc:chgData name="나 현희" userId="a7b73e83492eed8a" providerId="LiveId" clId="{AC282E98-0482-4415-A832-5369105703C8}" dt="2023-03-31T00:51:32.424" v="2602" actId="20577"/>
+        <pc:sldMkLst>
+          <pc:docMk/>
+          <pc:sldMk cId="1257217762" sldId="285"/>
+        </pc:sldMkLst>
+        <pc:spChg chg="mod">
+          <ac:chgData name="나 현희" userId="a7b73e83492eed8a" providerId="LiveId" clId="{AC282E98-0482-4415-A832-5369105703C8}" dt="2023-03-31T00:47:03.462" v="1675" actId="20577"/>
+          <ac:spMkLst>
+            <pc:docMk/>
+            <pc:sldMk cId="1257217762" sldId="285"/>
+            <ac:spMk id="3" creationId="{B59B17D0-9100-A75C-27E3-D778775921B7}"/>
+          </ac:spMkLst>
+        </pc:spChg>
+      </pc:sldChg>
+      <pc:sldChg chg="new del">
+        <pc:chgData name="나 현희" userId="a7b73e83492eed8a" providerId="LiveId" clId="{AC282E98-0482-4415-A832-5369105703C8}" dt="2023-03-31T01:52:12.454" v="4237" actId="47"/>
+        <pc:sldMkLst>
+          <pc:docMk/>
+          <pc:sldMk cId="2425042883" sldId="286"/>
+        </pc:sldMkLst>
+      </pc:sldChg>
+      <pc:sldChg chg="add">
+        <pc:chgData name="나 현희" userId="a7b73e83492eed8a" providerId="LiveId" clId="{AC282E98-0482-4415-A832-5369105703C8}" dt="2023-03-31T01:52:08.824" v="4236"/>
+        <pc:sldMkLst>
+          <pc:docMk/>
+          <pc:sldMk cId="2699996474" sldId="287"/>
+        </pc:sldMkLst>
+      </pc:sldChg>
+    </pc:docChg>
+  </pc:docChgLst>
 </pc:chgInfo>
 </file>
 
@@ -3953,7 +3953,7 @@
               <a:t>, </a:t>
             </a:r>
             <a:r>
-              <a:rPr lang="ko-KR" altLang="ko-KR" sz="1200" kern="100" dirty="0">
+              <a:rPr lang="ko-KR" altLang="ko-KR" sz="1200" kern="100">
                 <a:solidFill>
                   <a:srgbClr val="111111"/>
                 </a:solidFill>
@@ -3962,10 +3962,10 @@
                 <a:ea typeface="맑은 고딕" panose="020B0503020000020004" pitchFamily="50" charset="-127"/>
                 <a:cs typeface="Segoe UI" panose="020B0502040204020203" pitchFamily="34" charset="0"/>
               </a:rPr>
-              <a:t>입력의</a:t>
-            </a:r>
-            <a:r>
-              <a:rPr lang="ko-KR" altLang="ko-KR" sz="1200" kern="100" dirty="0">
+              <a:t>입력</a:t>
+            </a:r>
+            <a:r>
+              <a:rPr lang="ko-KR" altLang="ko-KR" sz="1200" kern="100">
                 <a:solidFill>
                   <a:srgbClr val="111111"/>
                 </a:solidFill>

--- a/ppt/0403_2조_주제 발표.pptx
+++ b/ppt/0403_2조_주제 발표.pptx
@@ -5,7 +5,7 @@
     <p:sldMasterId id="2147483696" r:id="rId1"/>
   </p:sldMasterIdLst>
   <p:notesMasterIdLst>
-    <p:notesMasterId r:id="rId21"/>
+    <p:notesMasterId r:id="rId20"/>
   </p:notesMasterIdLst>
   <p:sldIdLst>
     <p:sldId id="256" r:id="rId2"/>
@@ -22,11 +22,10 @@
     <p:sldId id="277" r:id="rId13"/>
     <p:sldId id="278" r:id="rId14"/>
     <p:sldId id="279" r:id="rId15"/>
-    <p:sldId id="280" r:id="rId16"/>
-    <p:sldId id="281" r:id="rId17"/>
-    <p:sldId id="273" r:id="rId18"/>
-    <p:sldId id="274" r:id="rId19"/>
-    <p:sldId id="275" r:id="rId20"/>
+    <p:sldId id="281" r:id="rId16"/>
+    <p:sldId id="273" r:id="rId17"/>
+    <p:sldId id="274" r:id="rId18"/>
+    <p:sldId id="275" r:id="rId19"/>
   </p:sldIdLst>
   <p:sldSz cx="9144000" cy="6858000" type="screen4x3"/>
   <p:notesSz cx="6858000" cy="9144000"/>
@@ -752,7 +751,7 @@
           <a:p>
             <a:fld id="{50138154-59DF-461E-B1C9-8D189C980A7E}" type="datetimeFigureOut">
               <a:rPr lang="ko-KR" altLang="en-US" smtClean="0"/>
-              <a:t>2023-03-31</a:t>
+              <a:t>2023-04-02</a:t>
             </a:fld>
             <a:endParaRPr lang="ko-KR" altLang="en-US"/>
           </a:p>
@@ -2047,40 +2046,28 @@
           <a:lstStyle/>
           <a:p>
             <a:r>
+              <a:rPr lang="ko-KR" altLang="en-US" dirty="0"/>
+              <a:t>다음은 요약의 평가 기준입니다</a:t>
+            </a:r>
+            <a:r>
               <a:rPr lang="en-US" altLang="ko-KR" dirty="0"/>
-              <a:t>STT</a:t>
+              <a:t>. </a:t>
             </a:r>
             <a:r>
               <a:rPr lang="ko-KR" altLang="en-US" dirty="0"/>
-              <a:t>의 경우 일반 음성에서의 </a:t>
+              <a:t>저희 조는 화자 별 발화 내용이 구분된 경우 생성된 요약문과 구분을 하지 않고 생성된 요약문에 대해서 성능을 비교할 예정입니다</a:t>
             </a:r>
             <a:r>
               <a:rPr lang="en-US" altLang="ko-KR" dirty="0"/>
-              <a:t>STT</a:t>
+              <a:t>. </a:t>
             </a:r>
             <a:r>
               <a:rPr lang="ko-KR" altLang="en-US" dirty="0"/>
-              <a:t>성능과 중첩된 음성에서의 </a:t>
+              <a:t>성능의 비교 지표는 다음과 같이 </a:t>
             </a:r>
             <a:r>
               <a:rPr lang="en-US" altLang="ko-KR" dirty="0"/>
-              <a:t>STT</a:t>
-            </a:r>
-            <a:r>
-              <a:rPr lang="ko-KR" altLang="en-US" dirty="0"/>
-              <a:t>성능을 비교할 것 입니다</a:t>
-            </a:r>
-            <a:r>
-              <a:rPr lang="en-US" altLang="ko-KR" dirty="0"/>
-              <a:t>. STT</a:t>
-            </a:r>
-            <a:r>
-              <a:rPr lang="ko-KR" altLang="en-US" dirty="0"/>
-              <a:t>성능은 다음과 같이 </a:t>
-            </a:r>
-            <a:r>
-              <a:rPr lang="en-US" altLang="ko-KR" dirty="0"/>
-              <a:t>WER</a:t>
+              <a:t>rouge</a:t>
             </a:r>
             <a:r>
               <a:rPr lang="ko-KR" altLang="en-US" dirty="0"/>
@@ -2088,19 +2075,55 @@
             </a:r>
             <a:r>
               <a:rPr lang="en-US" altLang="ko-KR" dirty="0"/>
-              <a:t>CER</a:t>
+              <a:t>meteor</a:t>
             </a:r>
             <a:r>
               <a:rPr lang="ko-KR" altLang="en-US" dirty="0"/>
-              <a:t>을 사용하여 비교를 할 것인데</a:t>
+              <a:t>를 사용할 예정인데</a:t>
+            </a:r>
+            <a:r>
+              <a:rPr lang="en-US" altLang="ko-KR" dirty="0"/>
+              <a:t> Rouge</a:t>
+            </a:r>
+            <a:r>
+              <a:rPr lang="ko-KR" altLang="en-US" dirty="0"/>
+              <a:t>는 참조 요약문과 후보 요약문의 </a:t>
+            </a:r>
+            <a:r>
+              <a:rPr lang="en-US" altLang="ko-KR" dirty="0"/>
+              <a:t>LCS</a:t>
+            </a:r>
+            <a:r>
+              <a:rPr lang="ko-KR" altLang="en-US" dirty="0"/>
+              <a:t>길이를 구하는 방법이고</a:t>
+            </a:r>
+            <a:r>
+              <a:rPr lang="en-US" altLang="ko-KR" dirty="0"/>
+              <a:t>, meteor</a:t>
+            </a:r>
+            <a:r>
+              <a:rPr lang="ko-KR" altLang="en-US" dirty="0"/>
+              <a:t>의 경우는 요약문의 정밀도</a:t>
             </a:r>
             <a:r>
               <a:rPr lang="en-US" altLang="ko-KR" dirty="0"/>
               <a:t>, </a:t>
             </a:r>
             <a:r>
+              <a:rPr lang="ko-KR" altLang="en-US" dirty="0" err="1"/>
+              <a:t>재현율</a:t>
+            </a:r>
+            <a:r>
+              <a:rPr lang="en-US" altLang="ko-KR" dirty="0"/>
+              <a:t>, </a:t>
+            </a:r>
+            <a:r>
+              <a:rPr lang="en-US" altLang="ko-KR" dirty="0" err="1"/>
+              <a:t>F_mean</a:t>
+            </a:r>
+            <a:r>
               <a:rPr lang="ko-KR" altLang="en-US" dirty="0"/>
-              <a:t>이는 각각 문자 수준의 에러 비율과 단어 수준의 에러 비율을 구하는 평가 지표입니다</a:t>
+              <a:t>을 가중치로 곱하여 더하는 방식입니다</a:t>
             </a:r>
             <a:r>
               <a:rPr lang="en-US" altLang="ko-KR" dirty="0"/>
@@ -2136,7 +2159,7 @@
     </p:spTree>
     <p:extLst>
       <p:ext uri="{BB962C8B-B14F-4D97-AF65-F5344CB8AC3E}">
-        <p14:creationId xmlns:p14="http://schemas.microsoft.com/office/powerpoint/2010/main" val="700987932"/>
+        <p14:creationId xmlns:p14="http://schemas.microsoft.com/office/powerpoint/2010/main" val="3182852161"/>
       </p:ext>
     </p:extLst>
   </p:cSld>
@@ -2192,7 +2215,7 @@
           <a:p>
             <a:r>
               <a:rPr lang="ko-KR" altLang="en-US" dirty="0"/>
-              <a:t>다음은 요약의 평가 기준입니다</a:t>
+              <a:t>저희 조는 이번 프로젝트를 통해 기존 시스템에 비해 다음과 같은 개선이 있을 것으로 기대하고 있습니다</a:t>
             </a:r>
             <a:r>
               <a:rPr lang="en-US" altLang="ko-KR" dirty="0"/>
@@ -2200,75 +2223,23 @@
             </a:r>
             <a:r>
               <a:rPr lang="ko-KR" altLang="en-US" dirty="0"/>
-              <a:t>저희 조는 화자 별 발화 내용이 구분된 경우 생성된 요약문과 구분을 하지 않고 생성된 요약문에 대해서 성능을 비교할 예정입니다</a:t>
+              <a:t>첫번쨰는 음성이 중첩된 상황에서 </a:t>
             </a:r>
             <a:r>
               <a:rPr lang="en-US" altLang="ko-KR" dirty="0"/>
-              <a:t>. </a:t>
+              <a:t>STT</a:t>
             </a:r>
             <a:r>
               <a:rPr lang="ko-KR" altLang="en-US" dirty="0"/>
-              <a:t>성능의 비교 지표는 다음과 같이 </a:t>
-            </a:r>
-            <a:r>
-              <a:rPr lang="en-US" altLang="ko-KR" dirty="0"/>
-              <a:t>rouge</a:t>
-            </a:r>
-            <a:r>
-              <a:rPr lang="ko-KR" altLang="en-US" dirty="0"/>
-              <a:t>와 </a:t>
-            </a:r>
-            <a:r>
-              <a:rPr lang="en-US" altLang="ko-KR" dirty="0"/>
-              <a:t>meteor</a:t>
-            </a:r>
-            <a:r>
-              <a:rPr lang="ko-KR" altLang="en-US" dirty="0"/>
-              <a:t>를 사용할 예정인데</a:t>
-            </a:r>
-            <a:r>
-              <a:rPr lang="en-US" altLang="ko-KR" dirty="0"/>
-              <a:t> Rouge</a:t>
-            </a:r>
-            <a:r>
-              <a:rPr lang="ko-KR" altLang="en-US" dirty="0"/>
-              <a:t>는 참조 요약문과 후보 요약문의 </a:t>
-            </a:r>
-            <a:r>
-              <a:rPr lang="en-US" altLang="ko-KR" dirty="0"/>
-              <a:t>LCS</a:t>
-            </a:r>
-            <a:r>
-              <a:rPr lang="ko-KR" altLang="en-US" dirty="0"/>
-              <a:t>길이를 구하는 방법이고</a:t>
-            </a:r>
-            <a:r>
-              <a:rPr lang="en-US" altLang="ko-KR" dirty="0"/>
-              <a:t>, meteor</a:t>
-            </a:r>
-            <a:r>
-              <a:rPr lang="ko-KR" altLang="en-US" dirty="0"/>
-              <a:t>의 경우는 요약문의 정밀도</a:t>
+              <a:t>성능 향상을 통한 요약 성능 개선이고</a:t>
             </a:r>
             <a:r>
               <a:rPr lang="en-US" altLang="ko-KR" dirty="0"/>
               <a:t>, </a:t>
             </a:r>
             <a:r>
-              <a:rPr lang="ko-KR" altLang="en-US" dirty="0" err="1"/>
-              <a:t>재현율</a:t>
-            </a:r>
-            <a:r>
-              <a:rPr lang="en-US" altLang="ko-KR" dirty="0"/>
-              <a:t>, </a:t>
-            </a:r>
-            <a:r>
-              <a:rPr lang="en-US" altLang="ko-KR" dirty="0" err="1"/>
-              <a:t>F_mean</a:t>
-            </a:r>
-            <a:r>
               <a:rPr lang="ko-KR" altLang="en-US" dirty="0"/>
-              <a:t>을 가중치로 곱하여 더하는 방식입니다</a:t>
+              <a:t>두번째는 화자 별 음성을 대본 형태로 변환하여 요약 성능 개선입니다</a:t>
             </a:r>
             <a:r>
               <a:rPr lang="en-US" altLang="ko-KR" dirty="0"/>
@@ -2304,7 +2275,7 @@
     </p:spTree>
     <p:extLst>
       <p:ext uri="{BB962C8B-B14F-4D97-AF65-F5344CB8AC3E}">
-        <p14:creationId xmlns:p14="http://schemas.microsoft.com/office/powerpoint/2010/main" val="3182852161"/>
+        <p14:creationId xmlns:p14="http://schemas.microsoft.com/office/powerpoint/2010/main" val="4130318721"/>
       </p:ext>
     </p:extLst>
   </p:cSld>
@@ -2360,31 +2331,7 @@
           <a:p>
             <a:r>
               <a:rPr lang="ko-KR" altLang="en-US" dirty="0"/>
-              <a:t>저희 조는 이번 프로젝트를 통해 기존 시스템에 비해 다음과 같은 개선이 있을 것으로 기대하고 있습니다</a:t>
-            </a:r>
-            <a:r>
-              <a:rPr lang="en-US" altLang="ko-KR" dirty="0"/>
-              <a:t>. </a:t>
-            </a:r>
-            <a:r>
-              <a:rPr lang="ko-KR" altLang="en-US" dirty="0"/>
-              <a:t>첫번쨰는 음성이 중첩된 상황에서 </a:t>
-            </a:r>
-            <a:r>
-              <a:rPr lang="en-US" altLang="ko-KR" dirty="0"/>
-              <a:t>STT</a:t>
-            </a:r>
-            <a:r>
-              <a:rPr lang="ko-KR" altLang="en-US" dirty="0"/>
-              <a:t>성능 향상을 통한 요약 성능 개선이고</a:t>
-            </a:r>
-            <a:r>
-              <a:rPr lang="en-US" altLang="ko-KR" dirty="0"/>
-              <a:t>, </a:t>
-            </a:r>
-            <a:r>
-              <a:rPr lang="ko-KR" altLang="en-US" dirty="0"/>
-              <a:t>두번째는 화자 별 음성을 대본 형태로 변환하여 요약 성능 개선입니다</a:t>
+              <a:t>저희 조의 예상 스케쥴은 다음과 같습니다</a:t>
             </a:r>
             <a:r>
               <a:rPr lang="en-US" altLang="ko-KR" dirty="0"/>
@@ -2412,98 +2359,6 @@
             <a:fld id="{928C4006-D583-4434-A25D-662BACC4BC65}" type="slidenum">
               <a:rPr lang="ko-KR" altLang="en-US" smtClean="0"/>
               <a:t>17</a:t>
-            </a:fld>
-            <a:endParaRPr lang="ko-KR" altLang="en-US"/>
-          </a:p>
-        </p:txBody>
-      </p:sp>
-    </p:spTree>
-    <p:extLst>
-      <p:ext uri="{BB962C8B-B14F-4D97-AF65-F5344CB8AC3E}">
-        <p14:creationId xmlns:p14="http://schemas.microsoft.com/office/powerpoint/2010/main" val="4130318721"/>
-      </p:ext>
-    </p:extLst>
-  </p:cSld>
-  <p:clrMapOvr>
-    <a:masterClrMapping/>
-  </p:clrMapOvr>
-</p:notes>
-</file>
-
-<file path=ppt/notesSlides/notesSlide17.xml><?xml version="1.0" encoding="utf-8"?>
-<p:notes xmlns:a="http://schemas.openxmlformats.org/drawingml/2006/main" xmlns:r="http://schemas.openxmlformats.org/officeDocument/2006/relationships" xmlns:p="http://schemas.openxmlformats.org/presentationml/2006/main">
-  <p:cSld>
-    <p:spTree>
-      <p:nvGrpSpPr>
-        <p:cNvPr id="1" name=""/>
-        <p:cNvGrpSpPr/>
-        <p:nvPr/>
-      </p:nvGrpSpPr>
-      <p:grpSpPr>
-        <a:xfrm>
-          <a:off x="0" y="0"/>
-          <a:ext cx="0" cy="0"/>
-          <a:chOff x="0" y="0"/>
-          <a:chExt cx="0" cy="0"/>
-        </a:xfrm>
-      </p:grpSpPr>
-      <p:sp>
-        <p:nvSpPr>
-          <p:cNvPr id="2" name="슬라이드 이미지 개체 틀 1"/>
-          <p:cNvSpPr>
-            <a:spLocks noGrp="1" noRot="1" noChangeAspect="1"/>
-          </p:cNvSpPr>
-          <p:nvPr>
-            <p:ph type="sldImg"/>
-          </p:nvPr>
-        </p:nvSpPr>
-        <p:spPr/>
-      </p:sp>
-      <p:sp>
-        <p:nvSpPr>
-          <p:cNvPr id="3" name="슬라이드 노트 개체 틀 2"/>
-          <p:cNvSpPr>
-            <a:spLocks noGrp="1"/>
-          </p:cNvSpPr>
-          <p:nvPr>
-            <p:ph type="body" idx="1"/>
-          </p:nvPr>
-        </p:nvSpPr>
-        <p:spPr/>
-        <p:txBody>
-          <a:bodyPr/>
-          <a:lstStyle/>
-          <a:p>
-            <a:r>
-              <a:rPr lang="ko-KR" altLang="en-US" dirty="0"/>
-              <a:t>저희 조의 예상 스케쥴은 다음과 같습니다</a:t>
-            </a:r>
-            <a:r>
-              <a:rPr lang="en-US" altLang="ko-KR" dirty="0"/>
-              <a:t>. </a:t>
-            </a:r>
-            <a:endParaRPr lang="ko-KR" altLang="en-US" dirty="0"/>
-          </a:p>
-        </p:txBody>
-      </p:sp>
-      <p:sp>
-        <p:nvSpPr>
-          <p:cNvPr id="4" name="슬라이드 번호 개체 틀 3"/>
-          <p:cNvSpPr>
-            <a:spLocks noGrp="1"/>
-          </p:cNvSpPr>
-          <p:nvPr>
-            <p:ph type="sldNum" sz="quarter" idx="5"/>
-          </p:nvPr>
-        </p:nvSpPr>
-        <p:spPr/>
-        <p:txBody>
-          <a:bodyPr/>
-          <a:lstStyle/>
-          <a:p>
-            <a:fld id="{928C4006-D583-4434-A25D-662BACC4BC65}" type="slidenum">
-              <a:rPr lang="ko-KR" altLang="en-US" smtClean="0"/>
-              <a:t>18</a:t>
             </a:fld>
             <a:endParaRPr lang="ko-KR" altLang="en-US"/>
           </a:p>
@@ -10592,13 +10447,29 @@
                 <a:latin typeface="맑은 고딕" panose="020B0503020000020004" pitchFamily="50" charset="-127"/>
                 <a:ea typeface="맑은 고딕" panose="020B0503020000020004" pitchFamily="50" charset="-127"/>
               </a:rPr>
-              <a:t>1) STT</a:t>
-            </a:r>
-          </a:p>
-          <a:p>
-            <a:pPr marL="457200" indent="-457200">
-              <a:buAutoNum type="arabicParenR"/>
-            </a:pPr>
+              <a:t>1. </a:t>
+            </a:r>
+            <a:r>
+              <a:rPr lang="ko-KR" altLang="en-US" dirty="0">
+                <a:latin typeface="맑은 고딕" panose="020B0503020000020004" pitchFamily="50" charset="-127"/>
+                <a:ea typeface="맑은 고딕" panose="020B0503020000020004" pitchFamily="50" charset="-127"/>
+              </a:rPr>
+              <a:t>화자 별 발화</a:t>
+            </a:r>
+            <a:r>
+              <a:rPr lang="en-US" altLang="ko-KR" dirty="0">
+                <a:latin typeface="맑은 고딕" panose="020B0503020000020004" pitchFamily="50" charset="-127"/>
+                <a:ea typeface="맑은 고딕" panose="020B0503020000020004" pitchFamily="50" charset="-127"/>
+              </a:rPr>
+              <a:t> </a:t>
+            </a:r>
+            <a:r>
+              <a:rPr lang="ko-KR" altLang="en-US" dirty="0">
+                <a:latin typeface="맑은 고딕" panose="020B0503020000020004" pitchFamily="50" charset="-127"/>
+                <a:ea typeface="맑은 고딕" panose="020B0503020000020004" pitchFamily="50" charset="-127"/>
+              </a:rPr>
+              <a:t>내용이 구분된 경우</a:t>
+            </a:r>
             <a:endParaRPr lang="en-US" altLang="ko-KR" dirty="0">
               <a:latin typeface="맑은 고딕" panose="020B0503020000020004" pitchFamily="50" charset="-127"/>
               <a:ea typeface="맑은 고딕" panose="020B0503020000020004" pitchFamily="50" charset="-127"/>
@@ -10613,71 +10484,15 @@
                 <a:latin typeface="맑은 고딕" panose="020B0503020000020004" pitchFamily="50" charset="-127"/>
                 <a:ea typeface="맑은 고딕" panose="020B0503020000020004" pitchFamily="50" charset="-127"/>
               </a:rPr>
-              <a:t>1. </a:t>
+              <a:t>2. </a:t>
             </a:r>
             <a:r>
               <a:rPr lang="ko-KR" altLang="en-US" dirty="0">
                 <a:latin typeface="맑은 고딕" panose="020B0503020000020004" pitchFamily="50" charset="-127"/>
                 <a:ea typeface="맑은 고딕" panose="020B0503020000020004" pitchFamily="50" charset="-127"/>
               </a:rPr>
-              <a:t>일반 음성에서의 </a:t>
-            </a:r>
-            <a:r>
-              <a:rPr lang="en-US" altLang="ko-KR" dirty="0">
-                <a:latin typeface="맑은 고딕" panose="020B0503020000020004" pitchFamily="50" charset="-127"/>
-                <a:ea typeface="맑은 고딕" panose="020B0503020000020004" pitchFamily="50" charset="-127"/>
-              </a:rPr>
-              <a:t>STT </a:t>
-            </a:r>
-            <a:r>
-              <a:rPr lang="ko-KR" altLang="en-US" dirty="0">
-                <a:latin typeface="맑은 고딕" panose="020B0503020000020004" pitchFamily="50" charset="-127"/>
-                <a:ea typeface="맑은 고딕" panose="020B0503020000020004" pitchFamily="50" charset="-127"/>
-              </a:rPr>
-              <a:t>성능</a:t>
-            </a:r>
-            <a:endParaRPr lang="en-US" altLang="ko-KR" dirty="0">
-              <a:latin typeface="맑은 고딕" panose="020B0503020000020004" pitchFamily="50" charset="-127"/>
-              <a:ea typeface="맑은 고딕" panose="020B0503020000020004" pitchFamily="50" charset="-127"/>
-            </a:endParaRPr>
-          </a:p>
-          <a:p>
-            <a:pPr marL="0" indent="0">
-              <a:buNone/>
-            </a:pPr>
-            <a:r>
-              <a:rPr lang="en-US" altLang="ko-KR" dirty="0">
-                <a:latin typeface="맑은 고딕" panose="020B0503020000020004" pitchFamily="50" charset="-127"/>
-                <a:ea typeface="맑은 고딕" panose="020B0503020000020004" pitchFamily="50" charset="-127"/>
-              </a:rPr>
-              <a:t>2. </a:t>
-            </a:r>
-            <a:r>
-              <a:rPr lang="ko-KR" altLang="en-US" dirty="0">
-                <a:latin typeface="맑은 고딕" panose="020B0503020000020004" pitchFamily="50" charset="-127"/>
-                <a:ea typeface="맑은 고딕" panose="020B0503020000020004" pitchFamily="50" charset="-127"/>
-              </a:rPr>
-              <a:t>중첩된 음성에서의 </a:t>
-            </a:r>
-            <a:r>
-              <a:rPr lang="en-US" altLang="ko-KR" dirty="0">
-                <a:latin typeface="맑은 고딕" panose="020B0503020000020004" pitchFamily="50" charset="-127"/>
-                <a:ea typeface="맑은 고딕" panose="020B0503020000020004" pitchFamily="50" charset="-127"/>
-              </a:rPr>
-              <a:t>STT </a:t>
-            </a:r>
-            <a:r>
-              <a:rPr lang="ko-KR" altLang="en-US" dirty="0">
-                <a:latin typeface="맑은 고딕" panose="020B0503020000020004" pitchFamily="50" charset="-127"/>
-                <a:ea typeface="맑은 고딕" panose="020B0503020000020004" pitchFamily="50" charset="-127"/>
-              </a:rPr>
-              <a:t>성능</a:t>
-            </a:r>
-          </a:p>
-          <a:p>
-            <a:pPr marL="0" indent="0">
-              <a:buNone/>
-            </a:pPr>
+              <a:t>화자 별 발화 내용이 구분되지 않은 경우</a:t>
+            </a:r>
             <a:endParaRPr lang="en-US" altLang="ko-KR" dirty="0"/>
           </a:p>
           <a:p>
@@ -10693,7 +10508,7 @@
           <p:cNvPr id="4" name="TextBox 3">
             <a:extLst>
               <a:ext uri="{FF2B5EF4-FFF2-40B4-BE49-F238E27FC236}">
-                <a16:creationId xmlns:a16="http://schemas.microsoft.com/office/drawing/2014/main" id="{CA3C1C5D-B7F3-8805-9568-13E868B5EA93}"/>
+                <a16:creationId xmlns:a16="http://schemas.microsoft.com/office/drawing/2014/main" id="{C3F5D6B6-B684-8B0D-FB60-02C325DD5DD2}"/>
               </a:ext>
             </a:extLst>
           </p:cNvPr>
@@ -10702,8 +10517,8 @@
         </p:nvSpPr>
         <p:spPr>
           <a:xfrm>
-            <a:off x="971600" y="3573016"/>
-            <a:ext cx="5050904" cy="2492990"/>
+            <a:off x="611560" y="2924944"/>
+            <a:ext cx="5616624" cy="2677656"/>
           </a:xfrm>
           <a:prstGeom prst="rect">
             <a:avLst/>
@@ -10718,7 +10533,7 @@
           <a:p>
             <a:pPr algn="l"/>
             <a:r>
-              <a:rPr lang="en-US" altLang="ko-KR" sz="1600" b="1" i="0" dirty="0">
+              <a:rPr lang="en-US" altLang="ko-KR" sz="1400" b="1" i="0" dirty="0">
                 <a:solidFill>
                   <a:schemeClr val="tx1">
                     <a:lumMod val="95000"/>
@@ -10729,12 +10544,59 @@
                 <a:latin typeface="맑은 고딕" panose="020B0503020000020004" pitchFamily="50" charset="-127"/>
                 <a:ea typeface="맑은 고딕" panose="020B0503020000020004" pitchFamily="50" charset="-127"/>
               </a:rPr>
-              <a:t>WER(Word Error Rate)</a:t>
+              <a:t>ROUGE(</a:t>
+            </a:r>
+            <a:r>
+              <a:rPr lang="en-US" altLang="ko-KR" sz="1400" b="1" i="0" dirty="0">
+                <a:solidFill>
+                  <a:srgbClr val="111111"/>
+                </a:solidFill>
+                <a:effectLst/>
+                <a:latin typeface="맑은 고딕" panose="020B0503020000020004" pitchFamily="50" charset="-127"/>
+                <a:ea typeface="맑은 고딕" panose="020B0503020000020004" pitchFamily="50" charset="-127"/>
+              </a:rPr>
+              <a:t>Recall-Oriented Understudy for </a:t>
+            </a:r>
+            <a:r>
+              <a:rPr lang="en-US" altLang="ko-KR" sz="1400" b="1" i="0" dirty="0" err="1">
+                <a:solidFill>
+                  <a:srgbClr val="111111"/>
+                </a:solidFill>
+                <a:effectLst/>
+                <a:latin typeface="맑은 고딕" panose="020B0503020000020004" pitchFamily="50" charset="-127"/>
+                <a:ea typeface="맑은 고딕" panose="020B0503020000020004" pitchFamily="50" charset="-127"/>
+              </a:rPr>
+              <a:t>Gisting</a:t>
+            </a:r>
+            <a:r>
+              <a:rPr lang="en-US" altLang="ko-KR" sz="1400" b="1" i="0" dirty="0">
+                <a:solidFill>
+                  <a:srgbClr val="111111"/>
+                </a:solidFill>
+                <a:effectLst/>
+                <a:latin typeface="맑은 고딕" panose="020B0503020000020004" pitchFamily="50" charset="-127"/>
+                <a:ea typeface="맑은 고딕" panose="020B0503020000020004" pitchFamily="50" charset="-127"/>
+              </a:rPr>
+              <a:t> Evaluation</a:t>
+            </a:r>
+            <a:r>
+              <a:rPr lang="en-US" altLang="ko-KR" sz="1400" b="1" i="0" dirty="0">
+                <a:solidFill>
+                  <a:schemeClr val="tx1">
+                    <a:lumMod val="95000"/>
+                    <a:lumOff val="5000"/>
+                  </a:schemeClr>
+                </a:solidFill>
+                <a:effectLst/>
+                <a:latin typeface="맑은 고딕" panose="020B0503020000020004" pitchFamily="50" charset="-127"/>
+                <a:ea typeface="맑은 고딕" panose="020B0503020000020004" pitchFamily="50" charset="-127"/>
+              </a:rPr>
+              <a:t>)</a:t>
             </a:r>
           </a:p>
           <a:p>
             <a:pPr algn="l"/>
-            <a:endParaRPr lang="en-US" altLang="ko-KR" sz="1600" b="1" i="0" dirty="0">
+            <a:endParaRPr lang="en-US" altLang="ko-KR" sz="1400" b="1" i="0" dirty="0">
               <a:solidFill>
                 <a:schemeClr val="tx1">
                   <a:lumMod val="95000"/>
@@ -10749,16 +10611,36 @@
           <a:p>
             <a:pPr algn="l"/>
             <a:r>
-              <a:rPr lang="ko-KR" altLang="en-US" sz="1600" dirty="0">
+              <a:rPr lang="ko-KR" altLang="en-US" sz="1400" dirty="0">
                 <a:solidFill>
                   <a:srgbClr val="000000"/>
                 </a:solidFill>
                 <a:latin typeface="맑은 고딕" panose="020B0503020000020004" pitchFamily="50" charset="-127"/>
                 <a:ea typeface="맑은 고딕" panose="020B0503020000020004" pitchFamily="50" charset="-127"/>
               </a:rPr>
-              <a:t>결과와 정답을 비교하여 문자 수준에서 발생한 에러의 비율</a:t>
-            </a:r>
-            <a:endParaRPr lang="en-US" altLang="ko-KR" sz="1600" dirty="0">
+              <a:t>참조 요약문과 후보 요약문의 가장 긴 공통 부분 수열</a:t>
+            </a:r>
+            <a:r>
+              <a:rPr lang="en-US" altLang="ko-KR" sz="1400" dirty="0">
+                <a:solidFill>
+                  <a:srgbClr val="000000"/>
+                </a:solidFill>
+                <a:latin typeface="맑은 고딕" panose="020B0503020000020004" pitchFamily="50" charset="-127"/>
+                <a:ea typeface="맑은 고딕" panose="020B0503020000020004" pitchFamily="50" charset="-127"/>
+              </a:rPr>
+              <a:t>(LCS)</a:t>
+            </a:r>
+            <a:r>
+              <a:rPr lang="ko-KR" altLang="en-US" sz="1400" dirty="0">
+                <a:solidFill>
+                  <a:srgbClr val="000000"/>
+                </a:solidFill>
+                <a:latin typeface="맑은 고딕" panose="020B0503020000020004" pitchFamily="50" charset="-127"/>
+                <a:ea typeface="맑은 고딕" panose="020B0503020000020004" pitchFamily="50" charset="-127"/>
+              </a:rPr>
+              <a:t>의 길이</a:t>
+            </a:r>
+            <a:endParaRPr lang="en-US" altLang="ko-KR" sz="1400" dirty="0">
               <a:solidFill>
                 <a:srgbClr val="000000"/>
               </a:solidFill>
@@ -10768,10 +10650,11 @@
           </a:p>
           <a:p>
             <a:pPr algn="l"/>
-            <a:endParaRPr lang="en-US" altLang="ko-KR" sz="1600" dirty="0">
+            <a:endParaRPr lang="en-US" altLang="ko-KR" sz="1400" b="1" i="0" dirty="0">
               <a:solidFill>
                 <a:srgbClr val="000000"/>
               </a:solidFill>
+              <a:effectLst/>
               <a:latin typeface="맑은 고딕" panose="020B0503020000020004" pitchFamily="50" charset="-127"/>
               <a:ea typeface="맑은 고딕" panose="020B0503020000020004" pitchFamily="50" charset="-127"/>
             </a:endParaRPr>
@@ -10779,7 +10662,18 @@
           <a:p>
             <a:pPr algn="l"/>
             <a:r>
-              <a:rPr lang="en-US" altLang="ko-KR" sz="1600" b="1" i="0" dirty="0">
+              <a:rPr lang="en-US" altLang="ko-KR" sz="1400" b="1" i="0" dirty="0">
+                <a:solidFill>
+                  <a:srgbClr val="111111"/>
+                </a:solidFill>
+                <a:effectLst/>
+                <a:latin typeface="맑은 고딕" panose="020B0503020000020004" pitchFamily="50" charset="-127"/>
+                <a:ea typeface="맑은 고딕" panose="020B0503020000020004" pitchFamily="50" charset="-127"/>
+              </a:rPr>
+              <a:t>METEOR</a:t>
+            </a:r>
+            <a:r>
+              <a:rPr lang="en-US" altLang="ko-KR" sz="1400" b="1" i="0" dirty="0">
                 <a:solidFill>
                   <a:schemeClr val="tx1">
                     <a:lumMod val="95000"/>
@@ -10790,39 +10684,48 @@
                 <a:latin typeface="맑은 고딕" panose="020B0503020000020004" pitchFamily="50" charset="-127"/>
                 <a:ea typeface="맑은 고딕" panose="020B0503020000020004" pitchFamily="50" charset="-127"/>
               </a:rPr>
-              <a:t>CER(</a:t>
-            </a:r>
-            <a:r>
-              <a:rPr lang="en-US" altLang="ko-KR" sz="1600" b="1" dirty="0">
+              <a:t>(</a:t>
+            </a:r>
+            <a:r>
+              <a:rPr lang="en-US" altLang="ko-KR" sz="1400" b="1" i="0" dirty="0">
+                <a:solidFill>
+                  <a:srgbClr val="111111"/>
+                </a:solidFill>
+                <a:effectLst/>
+                <a:latin typeface="맑은 고딕" panose="020B0503020000020004" pitchFamily="50" charset="-127"/>
+                <a:ea typeface="맑은 고딕" panose="020B0503020000020004" pitchFamily="50" charset="-127"/>
+              </a:rPr>
+              <a:t>Metric for Evaluation of Translation with Explicit </a:t>
+            </a:r>
+            <a:r>
+              <a:rPr lang="en-US" altLang="ko-KR" sz="1400" b="1" i="0" dirty="0" err="1">
+                <a:solidFill>
+                  <a:srgbClr val="111111"/>
+                </a:solidFill>
+                <a:effectLst/>
+                <a:latin typeface="맑은 고딕" panose="020B0503020000020004" pitchFamily="50" charset="-127"/>
+                <a:ea typeface="맑은 고딕" panose="020B0503020000020004" pitchFamily="50" charset="-127"/>
+              </a:rPr>
+              <a:t>ORdering</a:t>
+            </a:r>
+            <a:r>
+              <a:rPr lang="en-US" altLang="ko-KR" sz="1400" b="1" i="0" dirty="0">
                 <a:solidFill>
                   <a:schemeClr val="tx1">
                     <a:lumMod val="95000"/>
                     <a:lumOff val="5000"/>
                   </a:schemeClr>
                 </a:solidFill>
-                <a:latin typeface="맑은 고딕" panose="020B0503020000020004" pitchFamily="50" charset="-127"/>
-                <a:ea typeface="맑은 고딕" panose="020B0503020000020004" pitchFamily="50" charset="-127"/>
-              </a:rPr>
-              <a:t>Character</a:t>
-            </a:r>
-            <a:r>
-              <a:rPr lang="en-US" altLang="ko-KR" sz="1600" b="1" i="0" dirty="0">
-                <a:solidFill>
-                  <a:schemeClr val="tx1">
-                    <a:lumMod val="95000"/>
-                    <a:lumOff val="5000"/>
-                  </a:schemeClr>
-                </a:solidFill>
-                <a:effectLst/>
-                <a:latin typeface="맑은 고딕" panose="020B0503020000020004" pitchFamily="50" charset="-127"/>
-                <a:ea typeface="맑은 고딕" panose="020B0503020000020004" pitchFamily="50" charset="-127"/>
-              </a:rPr>
-              <a:t> Error Rate)</a:t>
+                <a:effectLst/>
+                <a:latin typeface="맑은 고딕" panose="020B0503020000020004" pitchFamily="50" charset="-127"/>
+                <a:ea typeface="맑은 고딕" panose="020B0503020000020004" pitchFamily="50" charset="-127"/>
+              </a:rPr>
+              <a:t>)</a:t>
             </a:r>
           </a:p>
           <a:p>
             <a:pPr algn="l"/>
-            <a:endParaRPr lang="en-US" altLang="ko-KR" sz="1600" b="1" i="0" dirty="0">
+            <a:endParaRPr lang="en-US" altLang="ko-KR" sz="1400" b="1" i="0" dirty="0">
               <a:solidFill>
                 <a:schemeClr val="tx1">
                   <a:lumMod val="95000"/>
@@ -10837,23 +10740,260 @@
           <a:p>
             <a:pPr algn="l"/>
             <a:r>
-              <a:rPr lang="ko-KR" altLang="en-US" sz="1600" dirty="0">
-                <a:solidFill>
-                  <a:srgbClr val="000000"/>
-                </a:solidFill>
-                <a:latin typeface="맑은 고딕" panose="020B0503020000020004" pitchFamily="50" charset="-127"/>
-                <a:ea typeface="맑은 고딕" panose="020B0503020000020004" pitchFamily="50" charset="-127"/>
-              </a:rPr>
-              <a:t>결과와 정답을 비교하여 단어 수준에서 발생한 에러의 비율</a:t>
-            </a:r>
+              <a:rPr lang="en-US" altLang="ko-KR" sz="1400" b="0" i="0" dirty="0">
+                <a:solidFill>
+                  <a:srgbClr val="111111"/>
+                </a:solidFill>
+                <a:effectLst/>
+                <a:latin typeface="맑은 고딕" panose="020B0503020000020004" pitchFamily="50" charset="-127"/>
+                <a:ea typeface="맑은 고딕" panose="020B0503020000020004" pitchFamily="50" charset="-127"/>
+              </a:rPr>
+              <a:t>METEOR = (</a:t>
+            </a:r>
+            <a:r>
+              <a:rPr lang="el-GR" altLang="ko-KR" sz="1400" b="0" i="0" dirty="0">
+                <a:solidFill>
+                  <a:srgbClr val="111111"/>
+                </a:solidFill>
+                <a:effectLst/>
+                <a:latin typeface="-apple-system"/>
+                <a:ea typeface="맑은 고딕" panose="020B0503020000020004" pitchFamily="50" charset="-127"/>
+              </a:rPr>
+              <a:t>α × </a:t>
+            </a:r>
+            <a:r>
+              <a:rPr lang="en-US" altLang="ko-KR" sz="1400" b="0" i="0" dirty="0">
+                <a:solidFill>
+                  <a:srgbClr val="111111"/>
+                </a:solidFill>
+                <a:effectLst/>
+                <a:latin typeface="맑은 고딕" panose="020B0503020000020004" pitchFamily="50" charset="-127"/>
+                <a:ea typeface="맑은 고딕" panose="020B0503020000020004" pitchFamily="50" charset="-127"/>
+              </a:rPr>
+              <a:t>P + (1 - </a:t>
+            </a:r>
+            <a:r>
+              <a:rPr lang="el-GR" altLang="ko-KR" sz="1400" b="0" i="0" dirty="0">
+                <a:solidFill>
+                  <a:srgbClr val="111111"/>
+                </a:solidFill>
+                <a:effectLst/>
+                <a:latin typeface="-apple-system"/>
+                <a:ea typeface="맑은 고딕" panose="020B0503020000020004" pitchFamily="50" charset="-127"/>
+              </a:rPr>
+              <a:t>α) × </a:t>
+            </a:r>
+            <a:r>
+              <a:rPr lang="en-US" altLang="ko-KR" sz="1400" b="0" i="0" dirty="0">
+                <a:solidFill>
+                  <a:srgbClr val="111111"/>
+                </a:solidFill>
+                <a:effectLst/>
+                <a:latin typeface="맑은 고딕" panose="020B0503020000020004" pitchFamily="50" charset="-127"/>
+                <a:ea typeface="맑은 고딕" panose="020B0503020000020004" pitchFamily="50" charset="-127"/>
+              </a:rPr>
+              <a:t>R + </a:t>
+            </a:r>
+            <a:r>
+              <a:rPr lang="el-GR" altLang="ko-KR" sz="1400" b="0" i="0" dirty="0">
+                <a:solidFill>
+                  <a:srgbClr val="111111"/>
+                </a:solidFill>
+                <a:effectLst/>
+                <a:latin typeface="-apple-system"/>
+                <a:ea typeface="맑은 고딕" panose="020B0503020000020004" pitchFamily="50" charset="-127"/>
+              </a:rPr>
+              <a:t>β × </a:t>
+            </a:r>
+            <a:r>
+              <a:rPr lang="en-US" altLang="ko-KR" sz="1400" b="0" i="0" dirty="0" err="1">
+                <a:solidFill>
+                  <a:srgbClr val="111111"/>
+                </a:solidFill>
+                <a:effectLst/>
+                <a:latin typeface="맑은 고딕" panose="020B0503020000020004" pitchFamily="50" charset="-127"/>
+                <a:ea typeface="맑은 고딕" panose="020B0503020000020004" pitchFamily="50" charset="-127"/>
+              </a:rPr>
+              <a:t>F_mean</a:t>
+            </a:r>
+            <a:r>
+              <a:rPr lang="en-US" altLang="ko-KR" sz="1400" b="0" i="0" dirty="0">
+                <a:solidFill>
+                  <a:srgbClr val="111111"/>
+                </a:solidFill>
+                <a:effectLst/>
+                <a:latin typeface="맑은 고딕" panose="020B0503020000020004" pitchFamily="50" charset="-127"/>
+                <a:ea typeface="맑은 고딕" panose="020B0503020000020004" pitchFamily="50" charset="-127"/>
+              </a:rPr>
+              <a:t>) ^ </a:t>
+            </a:r>
+            <a:r>
+              <a:rPr lang="el-GR" altLang="ko-KR" sz="1400" b="0" i="0" dirty="0">
+                <a:solidFill>
+                  <a:srgbClr val="111111"/>
+                </a:solidFill>
+                <a:effectLst/>
+                <a:latin typeface="-apple-system"/>
+                <a:ea typeface="맑은 고딕" panose="020B0503020000020004" pitchFamily="50" charset="-127"/>
+              </a:rPr>
+              <a:t>γ</a:t>
+            </a:r>
+            <a:endParaRPr lang="en-US" altLang="ko-KR" sz="1400" b="0" i="0" dirty="0">
+              <a:solidFill>
+                <a:srgbClr val="111111"/>
+              </a:solidFill>
+              <a:effectLst/>
+              <a:latin typeface="맑은 고딕" panose="020B0503020000020004" pitchFamily="50" charset="-127"/>
+              <a:ea typeface="맑은 고딕" panose="020B0503020000020004" pitchFamily="50" charset="-127"/>
+            </a:endParaRPr>
           </a:p>
           <a:p>
             <a:pPr algn="l"/>
-            <a:endParaRPr lang="ko-KR" altLang="en-US" sz="1200" dirty="0">
+            <a:endParaRPr lang="en-US" altLang="ko-KR" sz="1400" dirty="0">
+              <a:solidFill>
+                <a:srgbClr val="111111"/>
+              </a:solidFill>
+              <a:latin typeface="맑은 고딕" panose="020B0503020000020004" pitchFamily="50" charset="-127"/>
+              <a:ea typeface="맑은 고딕" panose="020B0503020000020004" pitchFamily="50" charset="-127"/>
+            </a:endParaRPr>
+          </a:p>
+          <a:p>
+            <a:pPr algn="l"/>
+            <a:r>
+              <a:rPr lang="en-US" altLang="ko-KR" sz="1400" b="0" i="0" dirty="0">
+                <a:solidFill>
+                  <a:srgbClr val="111111"/>
+                </a:solidFill>
+                <a:effectLst/>
+                <a:latin typeface="맑은 고딕" panose="020B0503020000020004" pitchFamily="50" charset="-127"/>
+                <a:ea typeface="맑은 고딕" panose="020B0503020000020004" pitchFamily="50" charset="-127"/>
+              </a:rPr>
+              <a:t>P: </a:t>
+            </a:r>
+            <a:r>
+              <a:rPr lang="ko-KR" altLang="en-US" sz="1400" b="0" i="0" dirty="0">
+                <a:solidFill>
+                  <a:srgbClr val="111111"/>
+                </a:solidFill>
+                <a:effectLst/>
+                <a:latin typeface="맑은 고딕" panose="020B0503020000020004" pitchFamily="50" charset="-127"/>
+                <a:ea typeface="맑은 고딕" panose="020B0503020000020004" pitchFamily="50" charset="-127"/>
+              </a:rPr>
+              <a:t>정밀도</a:t>
+            </a:r>
+            <a:endParaRPr lang="en-US" altLang="ko-KR" sz="1400" dirty="0">
+              <a:solidFill>
+                <a:srgbClr val="111111"/>
+              </a:solidFill>
+              <a:latin typeface="맑은 고딕" panose="020B0503020000020004" pitchFamily="50" charset="-127"/>
+              <a:ea typeface="맑은 고딕" panose="020B0503020000020004" pitchFamily="50" charset="-127"/>
+            </a:endParaRPr>
+          </a:p>
+          <a:p>
+            <a:pPr algn="l"/>
+            <a:r>
+              <a:rPr lang="en-US" altLang="ko-KR" sz="1400" b="0" i="0" dirty="0">
+                <a:solidFill>
+                  <a:srgbClr val="111111"/>
+                </a:solidFill>
+                <a:effectLst/>
+                <a:latin typeface="맑은 고딕" panose="020B0503020000020004" pitchFamily="50" charset="-127"/>
+                <a:ea typeface="맑은 고딕" panose="020B0503020000020004" pitchFamily="50" charset="-127"/>
+              </a:rPr>
+              <a:t>R</a:t>
+            </a:r>
+            <a:r>
+              <a:rPr lang="en-US" altLang="ko-KR" sz="1400" dirty="0">
+                <a:solidFill>
+                  <a:srgbClr val="111111"/>
+                </a:solidFill>
+                <a:latin typeface="맑은 고딕" panose="020B0503020000020004" pitchFamily="50" charset="-127"/>
+                <a:ea typeface="맑은 고딕" panose="020B0503020000020004" pitchFamily="50" charset="-127"/>
+              </a:rPr>
+              <a:t>: </a:t>
+            </a:r>
+            <a:r>
+              <a:rPr lang="ko-KR" altLang="en-US" sz="1400" b="0" i="0" dirty="0" err="1">
+                <a:solidFill>
+                  <a:srgbClr val="111111"/>
+                </a:solidFill>
+                <a:effectLst/>
+                <a:latin typeface="맑은 고딕" panose="020B0503020000020004" pitchFamily="50" charset="-127"/>
+                <a:ea typeface="맑은 고딕" panose="020B0503020000020004" pitchFamily="50" charset="-127"/>
+              </a:rPr>
+              <a:t>재현율</a:t>
+            </a:r>
+            <a:endParaRPr lang="en-US" altLang="ko-KR" sz="1400" dirty="0">
+              <a:solidFill>
+                <a:srgbClr val="111111"/>
+              </a:solidFill>
+              <a:latin typeface="맑은 고딕" panose="020B0503020000020004" pitchFamily="50" charset="-127"/>
+              <a:ea typeface="맑은 고딕" panose="020B0503020000020004" pitchFamily="50" charset="-127"/>
+            </a:endParaRPr>
+          </a:p>
+          <a:p>
+            <a:pPr algn="l"/>
+            <a:r>
+              <a:rPr lang="en-US" altLang="ko-KR" sz="1400" b="0" i="0" dirty="0" err="1">
+                <a:solidFill>
+                  <a:srgbClr val="111111"/>
+                </a:solidFill>
+                <a:effectLst/>
+                <a:latin typeface="맑은 고딕" panose="020B0503020000020004" pitchFamily="50" charset="-127"/>
+                <a:ea typeface="맑은 고딕" panose="020B0503020000020004" pitchFamily="50" charset="-127"/>
+              </a:rPr>
+              <a:t>F_mean</a:t>
+            </a:r>
+            <a:r>
+              <a:rPr lang="en-US" altLang="ko-KR" sz="1400" b="0" i="0" dirty="0">
+                <a:solidFill>
+                  <a:srgbClr val="111111"/>
+                </a:solidFill>
+                <a:effectLst/>
+                <a:latin typeface="맑은 고딕" panose="020B0503020000020004" pitchFamily="50" charset="-127"/>
+                <a:ea typeface="맑은 고딕" panose="020B0503020000020004" pitchFamily="50" charset="-127"/>
+              </a:rPr>
+              <a:t>:</a:t>
+            </a:r>
+            <a:r>
+              <a:rPr lang="ko-KR" altLang="en-US" sz="1400" b="0" i="0" dirty="0">
+                <a:solidFill>
+                  <a:srgbClr val="111111"/>
+                </a:solidFill>
+                <a:effectLst/>
+                <a:latin typeface="맑은 고딕" panose="020B0503020000020004" pitchFamily="50" charset="-127"/>
+                <a:ea typeface="맑은 고딕" panose="020B0503020000020004" pitchFamily="50" charset="-127"/>
+              </a:rPr>
+              <a:t> </a:t>
+            </a:r>
+            <a:r>
+              <a:rPr lang="en-US" altLang="ko-KR" sz="1400" b="0" i="0" dirty="0">
+                <a:solidFill>
+                  <a:srgbClr val="111111"/>
+                </a:solidFill>
+                <a:effectLst/>
+                <a:latin typeface="맑은 고딕" panose="020B0503020000020004" pitchFamily="50" charset="-127"/>
+                <a:ea typeface="맑은 고딕" panose="020B0503020000020004" pitchFamily="50" charset="-127"/>
+              </a:rPr>
+              <a:t>F1 score</a:t>
+            </a:r>
+            <a:r>
+              <a:rPr lang="ko-KR" altLang="en-US" sz="1400" b="0" i="0" dirty="0">
+                <a:solidFill>
+                  <a:srgbClr val="111111"/>
+                </a:solidFill>
+                <a:effectLst/>
+                <a:latin typeface="맑은 고딕" panose="020B0503020000020004" pitchFamily="50" charset="-127"/>
+                <a:ea typeface="맑은 고딕" panose="020B0503020000020004" pitchFamily="50" charset="-127"/>
+              </a:rPr>
+              <a:t>의 평균값</a:t>
+            </a:r>
+            <a:endParaRPr lang="ko-KR" altLang="en-US" sz="1400" dirty="0">
               <a:solidFill>
                 <a:srgbClr val="000000"/>
               </a:solidFill>
-              <a:latin typeface="Spoqa Han Sans"/>
+              <a:latin typeface="맑은 고딕" panose="020B0503020000020004" pitchFamily="50" charset="-127"/>
+              <a:ea typeface="맑은 고딕" panose="020B0503020000020004" pitchFamily="50" charset="-127"/>
             </a:endParaRPr>
           </a:p>
         </p:txBody>
@@ -10861,7 +11001,7 @@
     </p:spTree>
     <p:extLst>
       <p:ext uri="{BB962C8B-B14F-4D97-AF65-F5344CB8AC3E}">
-        <p14:creationId xmlns:p14="http://schemas.microsoft.com/office/powerpoint/2010/main" val="824250085"/>
+        <p14:creationId xmlns:p14="http://schemas.microsoft.com/office/powerpoint/2010/main" val="2727106780"/>
       </p:ext>
     </p:extLst>
   </p:cSld>
@@ -10904,664 +11044,6 @@
           <a:lstStyle/>
           <a:p>
             <a:r>
-              <a:rPr lang="ko-KR" altLang="en-US" b="1" dirty="0"/>
-              <a:t>평가 기준</a:t>
-            </a:r>
-          </a:p>
-        </p:txBody>
-      </p:sp>
-      <p:sp>
-        <p:nvSpPr>
-          <p:cNvPr id="3" name="내용 개체 틀 2"/>
-          <p:cNvSpPr>
-            <a:spLocks noGrp="1"/>
-          </p:cNvSpPr>
-          <p:nvPr>
-            <p:ph idx="1"/>
-          </p:nvPr>
-        </p:nvSpPr>
-        <p:spPr/>
-        <p:txBody>
-          <a:bodyPr/>
-          <a:lstStyle/>
-          <a:p>
-            <a:pPr marL="0" indent="0">
-              <a:buNone/>
-            </a:pPr>
-            <a:r>
-              <a:rPr lang="en-US" altLang="ko-KR" dirty="0">
-                <a:latin typeface="맑은 고딕" panose="020B0503020000020004" pitchFamily="50" charset="-127"/>
-                <a:ea typeface="맑은 고딕" panose="020B0503020000020004" pitchFamily="50" charset="-127"/>
-              </a:rPr>
-              <a:t>2) </a:t>
-            </a:r>
-            <a:r>
-              <a:rPr lang="ko-KR" altLang="en-US" dirty="0">
-                <a:latin typeface="맑은 고딕" panose="020B0503020000020004" pitchFamily="50" charset="-127"/>
-                <a:ea typeface="맑은 고딕" panose="020B0503020000020004" pitchFamily="50" charset="-127"/>
-              </a:rPr>
-              <a:t>요약</a:t>
-            </a:r>
-            <a:endParaRPr lang="en-US" altLang="ko-KR" dirty="0">
-              <a:latin typeface="맑은 고딕" panose="020B0503020000020004" pitchFamily="50" charset="-127"/>
-              <a:ea typeface="맑은 고딕" panose="020B0503020000020004" pitchFamily="50" charset="-127"/>
-            </a:endParaRPr>
-          </a:p>
-          <a:p>
-            <a:pPr marL="457200" indent="-457200">
-              <a:buAutoNum type="arabicParenR"/>
-            </a:pPr>
-            <a:endParaRPr lang="en-US" altLang="ko-KR" dirty="0">
-              <a:latin typeface="맑은 고딕" panose="020B0503020000020004" pitchFamily="50" charset="-127"/>
-              <a:ea typeface="맑은 고딕" panose="020B0503020000020004" pitchFamily="50" charset="-127"/>
-            </a:endParaRPr>
-          </a:p>
-          <a:p>
-            <a:pPr marL="0" indent="0">
-              <a:buNone/>
-            </a:pPr>
-            <a:r>
-              <a:rPr lang="en-US" altLang="ko-KR" dirty="0">
-                <a:latin typeface="맑은 고딕" panose="020B0503020000020004" pitchFamily="50" charset="-127"/>
-                <a:ea typeface="맑은 고딕" panose="020B0503020000020004" pitchFamily="50" charset="-127"/>
-              </a:rPr>
-              <a:t>1. </a:t>
-            </a:r>
-            <a:r>
-              <a:rPr lang="ko-KR" altLang="en-US" dirty="0">
-                <a:latin typeface="맑은 고딕" panose="020B0503020000020004" pitchFamily="50" charset="-127"/>
-                <a:ea typeface="맑은 고딕" panose="020B0503020000020004" pitchFamily="50" charset="-127"/>
-              </a:rPr>
-              <a:t>화자 별 발화</a:t>
-            </a:r>
-            <a:r>
-              <a:rPr lang="en-US" altLang="ko-KR" dirty="0">
-                <a:latin typeface="맑은 고딕" panose="020B0503020000020004" pitchFamily="50" charset="-127"/>
-                <a:ea typeface="맑은 고딕" panose="020B0503020000020004" pitchFamily="50" charset="-127"/>
-              </a:rPr>
-              <a:t> </a:t>
-            </a:r>
-            <a:r>
-              <a:rPr lang="ko-KR" altLang="en-US" dirty="0">
-                <a:latin typeface="맑은 고딕" panose="020B0503020000020004" pitchFamily="50" charset="-127"/>
-                <a:ea typeface="맑은 고딕" panose="020B0503020000020004" pitchFamily="50" charset="-127"/>
-              </a:rPr>
-              <a:t>내용이 구분된 경우</a:t>
-            </a:r>
-            <a:endParaRPr lang="en-US" altLang="ko-KR" dirty="0">
-              <a:latin typeface="맑은 고딕" panose="020B0503020000020004" pitchFamily="50" charset="-127"/>
-              <a:ea typeface="맑은 고딕" panose="020B0503020000020004" pitchFamily="50" charset="-127"/>
-            </a:endParaRPr>
-          </a:p>
-          <a:p>
-            <a:pPr marL="0" indent="0">
-              <a:buNone/>
-            </a:pPr>
-            <a:r>
-              <a:rPr lang="en-US" altLang="ko-KR" dirty="0">
-                <a:latin typeface="맑은 고딕" panose="020B0503020000020004" pitchFamily="50" charset="-127"/>
-                <a:ea typeface="맑은 고딕" panose="020B0503020000020004" pitchFamily="50" charset="-127"/>
-              </a:rPr>
-              <a:t>2. </a:t>
-            </a:r>
-            <a:r>
-              <a:rPr lang="ko-KR" altLang="en-US" dirty="0">
-                <a:latin typeface="맑은 고딕" panose="020B0503020000020004" pitchFamily="50" charset="-127"/>
-                <a:ea typeface="맑은 고딕" panose="020B0503020000020004" pitchFamily="50" charset="-127"/>
-              </a:rPr>
-              <a:t>화자 별 발화 내용이 구분되지 않은 경우</a:t>
-            </a:r>
-            <a:endParaRPr lang="en-US" altLang="ko-KR" dirty="0"/>
-          </a:p>
-          <a:p>
-            <a:pPr marL="457200" indent="-457200">
-              <a:buAutoNum type="arabicParenR"/>
-            </a:pPr>
-            <a:endParaRPr lang="ko-KR" altLang="en-US" dirty="0"/>
-          </a:p>
-        </p:txBody>
-      </p:sp>
-      <p:sp>
-        <p:nvSpPr>
-          <p:cNvPr id="4" name="TextBox 3">
-            <a:extLst>
-              <a:ext uri="{FF2B5EF4-FFF2-40B4-BE49-F238E27FC236}">
-                <a16:creationId xmlns:a16="http://schemas.microsoft.com/office/drawing/2014/main" id="{C3F5D6B6-B684-8B0D-FB60-02C325DD5DD2}"/>
-              </a:ext>
-            </a:extLst>
-          </p:cNvPr>
-          <p:cNvSpPr txBox="1"/>
-          <p:nvPr/>
-        </p:nvSpPr>
-        <p:spPr>
-          <a:xfrm>
-            <a:off x="1043608" y="3646944"/>
-            <a:ext cx="5616624" cy="2677656"/>
-          </a:xfrm>
-          <a:prstGeom prst="rect">
-            <a:avLst/>
-          </a:prstGeom>
-          <a:noFill/>
-        </p:spPr>
-        <p:txBody>
-          <a:bodyPr wrap="square">
-            <a:spAutoFit/>
-          </a:bodyPr>
-          <a:lstStyle/>
-          <a:p>
-            <a:pPr algn="l"/>
-            <a:r>
-              <a:rPr lang="en-US" altLang="ko-KR" sz="1400" b="1" i="0" dirty="0">
-                <a:solidFill>
-                  <a:schemeClr val="tx1">
-                    <a:lumMod val="95000"/>
-                    <a:lumOff val="5000"/>
-                  </a:schemeClr>
-                </a:solidFill>
-                <a:effectLst/>
-                <a:latin typeface="맑은 고딕" panose="020B0503020000020004" pitchFamily="50" charset="-127"/>
-                <a:ea typeface="맑은 고딕" panose="020B0503020000020004" pitchFamily="50" charset="-127"/>
-              </a:rPr>
-              <a:t>ROUGE(</a:t>
-            </a:r>
-            <a:r>
-              <a:rPr lang="en-US" altLang="ko-KR" sz="1400" b="1" i="0" dirty="0">
-                <a:solidFill>
-                  <a:srgbClr val="111111"/>
-                </a:solidFill>
-                <a:effectLst/>
-                <a:latin typeface="맑은 고딕" panose="020B0503020000020004" pitchFamily="50" charset="-127"/>
-                <a:ea typeface="맑은 고딕" panose="020B0503020000020004" pitchFamily="50" charset="-127"/>
-              </a:rPr>
-              <a:t>Recall-Oriented Understudy for </a:t>
-            </a:r>
-            <a:r>
-              <a:rPr lang="en-US" altLang="ko-KR" sz="1400" b="1" i="0" dirty="0" err="1">
-                <a:solidFill>
-                  <a:srgbClr val="111111"/>
-                </a:solidFill>
-                <a:effectLst/>
-                <a:latin typeface="맑은 고딕" panose="020B0503020000020004" pitchFamily="50" charset="-127"/>
-                <a:ea typeface="맑은 고딕" panose="020B0503020000020004" pitchFamily="50" charset="-127"/>
-              </a:rPr>
-              <a:t>Gisting</a:t>
-            </a:r>
-            <a:r>
-              <a:rPr lang="en-US" altLang="ko-KR" sz="1400" b="1" i="0" dirty="0">
-                <a:solidFill>
-                  <a:srgbClr val="111111"/>
-                </a:solidFill>
-                <a:effectLst/>
-                <a:latin typeface="맑은 고딕" panose="020B0503020000020004" pitchFamily="50" charset="-127"/>
-                <a:ea typeface="맑은 고딕" panose="020B0503020000020004" pitchFamily="50" charset="-127"/>
-              </a:rPr>
-              <a:t> Evaluation</a:t>
-            </a:r>
-            <a:r>
-              <a:rPr lang="en-US" altLang="ko-KR" sz="1400" b="1" i="0" dirty="0">
-                <a:solidFill>
-                  <a:schemeClr val="tx1">
-                    <a:lumMod val="95000"/>
-                    <a:lumOff val="5000"/>
-                  </a:schemeClr>
-                </a:solidFill>
-                <a:effectLst/>
-                <a:latin typeface="맑은 고딕" panose="020B0503020000020004" pitchFamily="50" charset="-127"/>
-                <a:ea typeface="맑은 고딕" panose="020B0503020000020004" pitchFamily="50" charset="-127"/>
-              </a:rPr>
-              <a:t>)</a:t>
-            </a:r>
-          </a:p>
-          <a:p>
-            <a:pPr algn="l"/>
-            <a:endParaRPr lang="en-US" altLang="ko-KR" sz="1400" b="1" i="0" dirty="0">
-              <a:solidFill>
-                <a:schemeClr val="tx1">
-                  <a:lumMod val="95000"/>
-                  <a:lumOff val="5000"/>
-                </a:schemeClr>
-              </a:solidFill>
-              <a:effectLst/>
-              <a:latin typeface="맑은 고딕" panose="020B0503020000020004" pitchFamily="50" charset="-127"/>
-              <a:ea typeface="맑은 고딕" panose="020B0503020000020004" pitchFamily="50" charset="-127"/>
-            </a:endParaRPr>
-          </a:p>
-          <a:p>
-            <a:pPr algn="l"/>
-            <a:r>
-              <a:rPr lang="ko-KR" altLang="en-US" sz="1400" dirty="0">
-                <a:solidFill>
-                  <a:srgbClr val="000000"/>
-                </a:solidFill>
-                <a:latin typeface="맑은 고딕" panose="020B0503020000020004" pitchFamily="50" charset="-127"/>
-                <a:ea typeface="맑은 고딕" panose="020B0503020000020004" pitchFamily="50" charset="-127"/>
-              </a:rPr>
-              <a:t>참조 요약문과 후보 요약문의 가장 긴 공통 부분 수열</a:t>
-            </a:r>
-            <a:r>
-              <a:rPr lang="en-US" altLang="ko-KR" sz="1400" dirty="0">
-                <a:solidFill>
-                  <a:srgbClr val="000000"/>
-                </a:solidFill>
-                <a:latin typeface="맑은 고딕" panose="020B0503020000020004" pitchFamily="50" charset="-127"/>
-                <a:ea typeface="맑은 고딕" panose="020B0503020000020004" pitchFamily="50" charset="-127"/>
-              </a:rPr>
-              <a:t>(LCS)</a:t>
-            </a:r>
-            <a:r>
-              <a:rPr lang="ko-KR" altLang="en-US" sz="1400" dirty="0">
-                <a:solidFill>
-                  <a:srgbClr val="000000"/>
-                </a:solidFill>
-                <a:latin typeface="맑은 고딕" panose="020B0503020000020004" pitchFamily="50" charset="-127"/>
-                <a:ea typeface="맑은 고딕" panose="020B0503020000020004" pitchFamily="50" charset="-127"/>
-              </a:rPr>
-              <a:t>의 길이</a:t>
-            </a:r>
-            <a:endParaRPr lang="en-US" altLang="ko-KR" sz="1400" dirty="0">
-              <a:solidFill>
-                <a:srgbClr val="000000"/>
-              </a:solidFill>
-              <a:latin typeface="맑은 고딕" panose="020B0503020000020004" pitchFamily="50" charset="-127"/>
-              <a:ea typeface="맑은 고딕" panose="020B0503020000020004" pitchFamily="50" charset="-127"/>
-            </a:endParaRPr>
-          </a:p>
-          <a:p>
-            <a:pPr algn="l"/>
-            <a:endParaRPr lang="en-US" altLang="ko-KR" sz="1400" b="1" i="0" dirty="0">
-              <a:solidFill>
-                <a:srgbClr val="000000"/>
-              </a:solidFill>
-              <a:effectLst/>
-              <a:latin typeface="맑은 고딕" panose="020B0503020000020004" pitchFamily="50" charset="-127"/>
-              <a:ea typeface="맑은 고딕" panose="020B0503020000020004" pitchFamily="50" charset="-127"/>
-            </a:endParaRPr>
-          </a:p>
-          <a:p>
-            <a:pPr algn="l"/>
-            <a:r>
-              <a:rPr lang="en-US" altLang="ko-KR" sz="1400" b="1" i="0" dirty="0">
-                <a:solidFill>
-                  <a:srgbClr val="111111"/>
-                </a:solidFill>
-                <a:effectLst/>
-                <a:latin typeface="맑은 고딕" panose="020B0503020000020004" pitchFamily="50" charset="-127"/>
-                <a:ea typeface="맑은 고딕" panose="020B0503020000020004" pitchFamily="50" charset="-127"/>
-              </a:rPr>
-              <a:t>METEOR</a:t>
-            </a:r>
-            <a:r>
-              <a:rPr lang="en-US" altLang="ko-KR" sz="1400" b="1" i="0" dirty="0">
-                <a:solidFill>
-                  <a:schemeClr val="tx1">
-                    <a:lumMod val="95000"/>
-                    <a:lumOff val="5000"/>
-                  </a:schemeClr>
-                </a:solidFill>
-                <a:effectLst/>
-                <a:latin typeface="맑은 고딕" panose="020B0503020000020004" pitchFamily="50" charset="-127"/>
-                <a:ea typeface="맑은 고딕" panose="020B0503020000020004" pitchFamily="50" charset="-127"/>
-              </a:rPr>
-              <a:t>(</a:t>
-            </a:r>
-            <a:r>
-              <a:rPr lang="en-US" altLang="ko-KR" sz="1400" b="1" i="0" dirty="0">
-                <a:solidFill>
-                  <a:srgbClr val="111111"/>
-                </a:solidFill>
-                <a:effectLst/>
-                <a:latin typeface="맑은 고딕" panose="020B0503020000020004" pitchFamily="50" charset="-127"/>
-                <a:ea typeface="맑은 고딕" panose="020B0503020000020004" pitchFamily="50" charset="-127"/>
-              </a:rPr>
-              <a:t>Metric for Evaluation of Translation with Explicit </a:t>
-            </a:r>
-            <a:r>
-              <a:rPr lang="en-US" altLang="ko-KR" sz="1400" b="1" i="0" dirty="0" err="1">
-                <a:solidFill>
-                  <a:srgbClr val="111111"/>
-                </a:solidFill>
-                <a:effectLst/>
-                <a:latin typeface="맑은 고딕" panose="020B0503020000020004" pitchFamily="50" charset="-127"/>
-                <a:ea typeface="맑은 고딕" panose="020B0503020000020004" pitchFamily="50" charset="-127"/>
-              </a:rPr>
-              <a:t>ORdering</a:t>
-            </a:r>
-            <a:r>
-              <a:rPr lang="en-US" altLang="ko-KR" sz="1400" b="1" i="0" dirty="0">
-                <a:solidFill>
-                  <a:schemeClr val="tx1">
-                    <a:lumMod val="95000"/>
-                    <a:lumOff val="5000"/>
-                  </a:schemeClr>
-                </a:solidFill>
-                <a:effectLst/>
-                <a:latin typeface="맑은 고딕" panose="020B0503020000020004" pitchFamily="50" charset="-127"/>
-                <a:ea typeface="맑은 고딕" panose="020B0503020000020004" pitchFamily="50" charset="-127"/>
-              </a:rPr>
-              <a:t>)</a:t>
-            </a:r>
-          </a:p>
-          <a:p>
-            <a:pPr algn="l"/>
-            <a:endParaRPr lang="en-US" altLang="ko-KR" sz="1400" b="1" i="0" dirty="0">
-              <a:solidFill>
-                <a:schemeClr val="tx1">
-                  <a:lumMod val="95000"/>
-                  <a:lumOff val="5000"/>
-                </a:schemeClr>
-              </a:solidFill>
-              <a:effectLst/>
-              <a:latin typeface="맑은 고딕" panose="020B0503020000020004" pitchFamily="50" charset="-127"/>
-              <a:ea typeface="맑은 고딕" panose="020B0503020000020004" pitchFamily="50" charset="-127"/>
-            </a:endParaRPr>
-          </a:p>
-          <a:p>
-            <a:pPr algn="l"/>
-            <a:r>
-              <a:rPr lang="en-US" altLang="ko-KR" sz="1400" b="0" i="0" dirty="0">
-                <a:solidFill>
-                  <a:srgbClr val="111111"/>
-                </a:solidFill>
-                <a:effectLst/>
-                <a:latin typeface="맑은 고딕" panose="020B0503020000020004" pitchFamily="50" charset="-127"/>
-                <a:ea typeface="맑은 고딕" panose="020B0503020000020004" pitchFamily="50" charset="-127"/>
-              </a:rPr>
-              <a:t>METEOR = (</a:t>
-            </a:r>
-            <a:r>
-              <a:rPr lang="el-GR" altLang="ko-KR" sz="1400" b="0" i="0" dirty="0">
-                <a:solidFill>
-                  <a:srgbClr val="111111"/>
-                </a:solidFill>
-                <a:effectLst/>
-                <a:latin typeface="-apple-system"/>
-                <a:ea typeface="맑은 고딕" panose="020B0503020000020004" pitchFamily="50" charset="-127"/>
-              </a:rPr>
-              <a:t>α × </a:t>
-            </a:r>
-            <a:r>
-              <a:rPr lang="en-US" altLang="ko-KR" sz="1400" b="0" i="0" dirty="0">
-                <a:solidFill>
-                  <a:srgbClr val="111111"/>
-                </a:solidFill>
-                <a:effectLst/>
-                <a:latin typeface="맑은 고딕" panose="020B0503020000020004" pitchFamily="50" charset="-127"/>
-                <a:ea typeface="맑은 고딕" panose="020B0503020000020004" pitchFamily="50" charset="-127"/>
-              </a:rPr>
-              <a:t>P + (1 - </a:t>
-            </a:r>
-            <a:r>
-              <a:rPr lang="el-GR" altLang="ko-KR" sz="1400" b="0" i="0" dirty="0">
-                <a:solidFill>
-                  <a:srgbClr val="111111"/>
-                </a:solidFill>
-                <a:effectLst/>
-                <a:latin typeface="-apple-system"/>
-                <a:ea typeface="맑은 고딕" panose="020B0503020000020004" pitchFamily="50" charset="-127"/>
-              </a:rPr>
-              <a:t>α) × </a:t>
-            </a:r>
-            <a:r>
-              <a:rPr lang="en-US" altLang="ko-KR" sz="1400" b="0" i="0" dirty="0">
-                <a:solidFill>
-                  <a:srgbClr val="111111"/>
-                </a:solidFill>
-                <a:effectLst/>
-                <a:latin typeface="맑은 고딕" panose="020B0503020000020004" pitchFamily="50" charset="-127"/>
-                <a:ea typeface="맑은 고딕" panose="020B0503020000020004" pitchFamily="50" charset="-127"/>
-              </a:rPr>
-              <a:t>R + </a:t>
-            </a:r>
-            <a:r>
-              <a:rPr lang="el-GR" altLang="ko-KR" sz="1400" b="0" i="0" dirty="0">
-                <a:solidFill>
-                  <a:srgbClr val="111111"/>
-                </a:solidFill>
-                <a:effectLst/>
-                <a:latin typeface="-apple-system"/>
-                <a:ea typeface="맑은 고딕" panose="020B0503020000020004" pitchFamily="50" charset="-127"/>
-              </a:rPr>
-              <a:t>β × </a:t>
-            </a:r>
-            <a:r>
-              <a:rPr lang="en-US" altLang="ko-KR" sz="1400" b="0" i="0" dirty="0" err="1">
-                <a:solidFill>
-                  <a:srgbClr val="111111"/>
-                </a:solidFill>
-                <a:effectLst/>
-                <a:latin typeface="맑은 고딕" panose="020B0503020000020004" pitchFamily="50" charset="-127"/>
-                <a:ea typeface="맑은 고딕" panose="020B0503020000020004" pitchFamily="50" charset="-127"/>
-              </a:rPr>
-              <a:t>F_mean</a:t>
-            </a:r>
-            <a:r>
-              <a:rPr lang="en-US" altLang="ko-KR" sz="1400" b="0" i="0" dirty="0">
-                <a:solidFill>
-                  <a:srgbClr val="111111"/>
-                </a:solidFill>
-                <a:effectLst/>
-                <a:latin typeface="맑은 고딕" panose="020B0503020000020004" pitchFamily="50" charset="-127"/>
-                <a:ea typeface="맑은 고딕" panose="020B0503020000020004" pitchFamily="50" charset="-127"/>
-              </a:rPr>
-              <a:t>) ^ </a:t>
-            </a:r>
-            <a:r>
-              <a:rPr lang="el-GR" altLang="ko-KR" sz="1400" b="0" i="0" dirty="0">
-                <a:solidFill>
-                  <a:srgbClr val="111111"/>
-                </a:solidFill>
-                <a:effectLst/>
-                <a:latin typeface="-apple-system"/>
-                <a:ea typeface="맑은 고딕" panose="020B0503020000020004" pitchFamily="50" charset="-127"/>
-              </a:rPr>
-              <a:t>γ</a:t>
-            </a:r>
-            <a:endParaRPr lang="en-US" altLang="ko-KR" sz="1400" b="0" i="0" dirty="0">
-              <a:solidFill>
-                <a:srgbClr val="111111"/>
-              </a:solidFill>
-              <a:effectLst/>
-              <a:latin typeface="맑은 고딕" panose="020B0503020000020004" pitchFamily="50" charset="-127"/>
-              <a:ea typeface="맑은 고딕" panose="020B0503020000020004" pitchFamily="50" charset="-127"/>
-            </a:endParaRPr>
-          </a:p>
-          <a:p>
-            <a:pPr algn="l"/>
-            <a:endParaRPr lang="en-US" altLang="ko-KR" sz="1400" dirty="0">
-              <a:solidFill>
-                <a:srgbClr val="111111"/>
-              </a:solidFill>
-              <a:latin typeface="맑은 고딕" panose="020B0503020000020004" pitchFamily="50" charset="-127"/>
-              <a:ea typeface="맑은 고딕" panose="020B0503020000020004" pitchFamily="50" charset="-127"/>
-            </a:endParaRPr>
-          </a:p>
-          <a:p>
-            <a:pPr algn="l"/>
-            <a:r>
-              <a:rPr lang="en-US" altLang="ko-KR" sz="1400" b="0" i="0" dirty="0">
-                <a:solidFill>
-                  <a:srgbClr val="111111"/>
-                </a:solidFill>
-                <a:effectLst/>
-                <a:latin typeface="맑은 고딕" panose="020B0503020000020004" pitchFamily="50" charset="-127"/>
-                <a:ea typeface="맑은 고딕" panose="020B0503020000020004" pitchFamily="50" charset="-127"/>
-              </a:rPr>
-              <a:t>P: </a:t>
-            </a:r>
-            <a:r>
-              <a:rPr lang="ko-KR" altLang="en-US" sz="1400" b="0" i="0" dirty="0">
-                <a:solidFill>
-                  <a:srgbClr val="111111"/>
-                </a:solidFill>
-                <a:effectLst/>
-                <a:latin typeface="맑은 고딕" panose="020B0503020000020004" pitchFamily="50" charset="-127"/>
-                <a:ea typeface="맑은 고딕" panose="020B0503020000020004" pitchFamily="50" charset="-127"/>
-              </a:rPr>
-              <a:t>정밀도</a:t>
-            </a:r>
-            <a:endParaRPr lang="en-US" altLang="ko-KR" sz="1400" dirty="0">
-              <a:solidFill>
-                <a:srgbClr val="111111"/>
-              </a:solidFill>
-              <a:latin typeface="맑은 고딕" panose="020B0503020000020004" pitchFamily="50" charset="-127"/>
-              <a:ea typeface="맑은 고딕" panose="020B0503020000020004" pitchFamily="50" charset="-127"/>
-            </a:endParaRPr>
-          </a:p>
-          <a:p>
-            <a:pPr algn="l"/>
-            <a:r>
-              <a:rPr lang="en-US" altLang="ko-KR" sz="1400" b="0" i="0" dirty="0">
-                <a:solidFill>
-                  <a:srgbClr val="111111"/>
-                </a:solidFill>
-                <a:effectLst/>
-                <a:latin typeface="맑은 고딕" panose="020B0503020000020004" pitchFamily="50" charset="-127"/>
-                <a:ea typeface="맑은 고딕" panose="020B0503020000020004" pitchFamily="50" charset="-127"/>
-              </a:rPr>
-              <a:t>R</a:t>
-            </a:r>
-            <a:r>
-              <a:rPr lang="en-US" altLang="ko-KR" sz="1400" dirty="0">
-                <a:solidFill>
-                  <a:srgbClr val="111111"/>
-                </a:solidFill>
-                <a:latin typeface="맑은 고딕" panose="020B0503020000020004" pitchFamily="50" charset="-127"/>
-                <a:ea typeface="맑은 고딕" panose="020B0503020000020004" pitchFamily="50" charset="-127"/>
-              </a:rPr>
-              <a:t>: </a:t>
-            </a:r>
-            <a:r>
-              <a:rPr lang="ko-KR" altLang="en-US" sz="1400" b="0" i="0" dirty="0" err="1">
-                <a:solidFill>
-                  <a:srgbClr val="111111"/>
-                </a:solidFill>
-                <a:effectLst/>
-                <a:latin typeface="맑은 고딕" panose="020B0503020000020004" pitchFamily="50" charset="-127"/>
-                <a:ea typeface="맑은 고딕" panose="020B0503020000020004" pitchFamily="50" charset="-127"/>
-              </a:rPr>
-              <a:t>재현율</a:t>
-            </a:r>
-            <a:endParaRPr lang="en-US" altLang="ko-KR" sz="1400" dirty="0">
-              <a:solidFill>
-                <a:srgbClr val="111111"/>
-              </a:solidFill>
-              <a:latin typeface="맑은 고딕" panose="020B0503020000020004" pitchFamily="50" charset="-127"/>
-              <a:ea typeface="맑은 고딕" panose="020B0503020000020004" pitchFamily="50" charset="-127"/>
-            </a:endParaRPr>
-          </a:p>
-          <a:p>
-            <a:pPr algn="l"/>
-            <a:r>
-              <a:rPr lang="en-US" altLang="ko-KR" sz="1400" b="0" i="0" dirty="0" err="1">
-                <a:solidFill>
-                  <a:srgbClr val="111111"/>
-                </a:solidFill>
-                <a:effectLst/>
-                <a:latin typeface="맑은 고딕" panose="020B0503020000020004" pitchFamily="50" charset="-127"/>
-                <a:ea typeface="맑은 고딕" panose="020B0503020000020004" pitchFamily="50" charset="-127"/>
-              </a:rPr>
-              <a:t>F_mean</a:t>
-            </a:r>
-            <a:r>
-              <a:rPr lang="en-US" altLang="ko-KR" sz="1400" b="0" i="0" dirty="0">
-                <a:solidFill>
-                  <a:srgbClr val="111111"/>
-                </a:solidFill>
-                <a:effectLst/>
-                <a:latin typeface="맑은 고딕" panose="020B0503020000020004" pitchFamily="50" charset="-127"/>
-                <a:ea typeface="맑은 고딕" panose="020B0503020000020004" pitchFamily="50" charset="-127"/>
-              </a:rPr>
-              <a:t>:</a:t>
-            </a:r>
-            <a:r>
-              <a:rPr lang="ko-KR" altLang="en-US" sz="1400" b="0" i="0" dirty="0">
-                <a:solidFill>
-                  <a:srgbClr val="111111"/>
-                </a:solidFill>
-                <a:effectLst/>
-                <a:latin typeface="맑은 고딕" panose="020B0503020000020004" pitchFamily="50" charset="-127"/>
-                <a:ea typeface="맑은 고딕" panose="020B0503020000020004" pitchFamily="50" charset="-127"/>
-              </a:rPr>
-              <a:t> </a:t>
-            </a:r>
-            <a:r>
-              <a:rPr lang="en-US" altLang="ko-KR" sz="1400" b="0" i="0" dirty="0">
-                <a:solidFill>
-                  <a:srgbClr val="111111"/>
-                </a:solidFill>
-                <a:effectLst/>
-                <a:latin typeface="맑은 고딕" panose="020B0503020000020004" pitchFamily="50" charset="-127"/>
-                <a:ea typeface="맑은 고딕" panose="020B0503020000020004" pitchFamily="50" charset="-127"/>
-              </a:rPr>
-              <a:t>F1 score</a:t>
-            </a:r>
-            <a:r>
-              <a:rPr lang="ko-KR" altLang="en-US" sz="1400" b="0" i="0" dirty="0">
-                <a:solidFill>
-                  <a:srgbClr val="111111"/>
-                </a:solidFill>
-                <a:effectLst/>
-                <a:latin typeface="맑은 고딕" panose="020B0503020000020004" pitchFamily="50" charset="-127"/>
-                <a:ea typeface="맑은 고딕" panose="020B0503020000020004" pitchFamily="50" charset="-127"/>
-              </a:rPr>
-              <a:t>의 평균값</a:t>
-            </a:r>
-            <a:endParaRPr lang="ko-KR" altLang="en-US" sz="1400" dirty="0">
-              <a:solidFill>
-                <a:srgbClr val="000000"/>
-              </a:solidFill>
-              <a:latin typeface="맑은 고딕" panose="020B0503020000020004" pitchFamily="50" charset="-127"/>
-              <a:ea typeface="맑은 고딕" panose="020B0503020000020004" pitchFamily="50" charset="-127"/>
-            </a:endParaRPr>
-          </a:p>
-        </p:txBody>
-      </p:sp>
-    </p:spTree>
-    <p:extLst>
-      <p:ext uri="{BB962C8B-B14F-4D97-AF65-F5344CB8AC3E}">
-        <p14:creationId xmlns:p14="http://schemas.microsoft.com/office/powerpoint/2010/main" val="2727106780"/>
-      </p:ext>
-    </p:extLst>
-  </p:cSld>
-  <p:clrMapOvr>
-    <a:masterClrMapping/>
-  </p:clrMapOvr>
-</p:sld>
-</file>
-
-<file path=ppt/slides/slide17.xml><?xml version="1.0" encoding="utf-8"?>
-<p:sld xmlns:a="http://schemas.openxmlformats.org/drawingml/2006/main" xmlns:r="http://schemas.openxmlformats.org/officeDocument/2006/relationships" xmlns:p="http://schemas.openxmlformats.org/presentationml/2006/main">
-  <p:cSld>
-    <p:spTree>
-      <p:nvGrpSpPr>
-        <p:cNvPr id="1" name=""/>
-        <p:cNvGrpSpPr/>
-        <p:nvPr/>
-      </p:nvGrpSpPr>
-      <p:grpSpPr>
-        <a:xfrm>
-          <a:off x="0" y="0"/>
-          <a:ext cx="0" cy="0"/>
-          <a:chOff x="0" y="0"/>
-          <a:chExt cx="0" cy="0"/>
-        </a:xfrm>
-      </p:grpSpPr>
-      <p:sp>
-        <p:nvSpPr>
-          <p:cNvPr id="2" name="제목 1"/>
-          <p:cNvSpPr>
-            <a:spLocks noGrp="1"/>
-          </p:cNvSpPr>
-          <p:nvPr>
-            <p:ph type="title"/>
-          </p:nvPr>
-        </p:nvSpPr>
-        <p:spPr/>
-        <p:txBody>
-          <a:bodyPr/>
-          <a:lstStyle/>
-          <a:p>
-            <a:r>
               <a:rPr lang="en-US" altLang="ko-KR" dirty="0"/>
               <a:t>Conclusions and Expected results</a:t>
             </a:r>
@@ -11683,7 +11165,7 @@
 </p:sld>
 </file>
 
-<file path=ppt/slides/slide18.xml><?xml version="1.0" encoding="utf-8"?>
+<file path=ppt/slides/slide17.xml><?xml version="1.0" encoding="utf-8"?>
 <p:sld xmlns:a="http://schemas.openxmlformats.org/drawingml/2006/main" xmlns:r="http://schemas.openxmlformats.org/officeDocument/2006/relationships" xmlns:p="http://schemas.openxmlformats.org/presentationml/2006/main">
   <p:cSld>
     <p:spTree>
@@ -11774,7 +11256,7 @@
 </p:sld>
 </file>
 
-<file path=ppt/slides/slide19.xml><?xml version="1.0" encoding="utf-8"?>
+<file path=ppt/slides/slide18.xml><?xml version="1.0" encoding="utf-8"?>
 <p:sld xmlns:a="http://schemas.openxmlformats.org/drawingml/2006/main" xmlns:r="http://schemas.openxmlformats.org/officeDocument/2006/relationships" xmlns:p="http://schemas.openxmlformats.org/presentationml/2006/main">
   <p:cSld>
     <p:spTree>

--- a/ppt/0403_2조_주제 발표.pptx
+++ b/ppt/0403_2조_주제 발표.pptx
@@ -5,7 +5,7 @@
     <p:sldMasterId id="2147483696" r:id="rId1"/>
   </p:sldMasterIdLst>
   <p:notesMasterIdLst>
-    <p:notesMasterId r:id="rId20"/>
+    <p:notesMasterId r:id="rId23"/>
   </p:notesMasterIdLst>
   <p:sldIdLst>
     <p:sldId id="256" r:id="rId2"/>
@@ -14,18 +14,21 @@
     <p:sldId id="270" r:id="rId5"/>
     <p:sldId id="285" r:id="rId6"/>
     <p:sldId id="282" r:id="rId7"/>
-    <p:sldId id="283" r:id="rId8"/>
-    <p:sldId id="284" r:id="rId9"/>
-    <p:sldId id="276" r:id="rId10"/>
-    <p:sldId id="287" r:id="rId11"/>
-    <p:sldId id="271" r:id="rId12"/>
-    <p:sldId id="277" r:id="rId13"/>
-    <p:sldId id="278" r:id="rId14"/>
-    <p:sldId id="279" r:id="rId15"/>
-    <p:sldId id="281" r:id="rId16"/>
-    <p:sldId id="273" r:id="rId17"/>
-    <p:sldId id="274" r:id="rId18"/>
-    <p:sldId id="275" r:id="rId19"/>
+    <p:sldId id="288" r:id="rId8"/>
+    <p:sldId id="289" r:id="rId9"/>
+    <p:sldId id="290" r:id="rId10"/>
+    <p:sldId id="283" r:id="rId11"/>
+    <p:sldId id="284" r:id="rId12"/>
+    <p:sldId id="276" r:id="rId13"/>
+    <p:sldId id="287" r:id="rId14"/>
+    <p:sldId id="271" r:id="rId15"/>
+    <p:sldId id="277" r:id="rId16"/>
+    <p:sldId id="278" r:id="rId17"/>
+    <p:sldId id="279" r:id="rId18"/>
+    <p:sldId id="281" r:id="rId19"/>
+    <p:sldId id="273" r:id="rId20"/>
+    <p:sldId id="274" r:id="rId21"/>
+    <p:sldId id="275" r:id="rId22"/>
   </p:sldIdLst>
   <p:sldSz cx="9144000" cy="6858000" type="screen4x3"/>
   <p:notesSz cx="6858000" cy="9144000"/>
@@ -149,524 +152,9 @@
 <file path=ppt/revisionInfo.xml><?xml version="1.0" encoding="utf-8"?>
 <p1510:revInfo xmlns:a="http://schemas.openxmlformats.org/drawingml/2006/main" xmlns:r="http://schemas.openxmlformats.org/officeDocument/2006/relationships" xmlns:p1510="http://schemas.microsoft.com/office/powerpoint/2015/10/main">
   <p1510:revLst>
-    <p1510:client id="{AC282E98-0482-4415-A832-5369105703C8}" v="6" dt="2023-03-31T02:25:45.497"/>
+    <p1510:client id="{0DFFC0BF-18C1-4C1F-850A-B5FF6271B00E}" v="71" dt="2023-04-02T06:24:37.475"/>
   </p1510:revLst>
 </p1510:revInfo>
-</file>
-
-<file path=ppt/changesInfos/changesInfo1.xml><?xml version="1.0" encoding="utf-8"?>
-<pc:chgInfo xmlns:a="http://schemas.openxmlformats.org/drawingml/2006/main" xmlns:r="http://schemas.openxmlformats.org/officeDocument/2006/relationships" xmlns:ac="http://schemas.microsoft.com/office/drawing/2013/main/command" xmlns:pc="http://schemas.microsoft.com/office/powerpoint/2013/main/command">
-  <pc:docChgLst>
-    <pc:chgData name="나 현희" userId="a7b73e83492eed8a" providerId="LiveId" clId="{823688B9-5DA3-4A7C-834A-DA5E203EF322}"/>
-    <pc:docChg chg="custSel delSld modSld">
-      <pc:chgData name="나 현희" userId="a7b73e83492eed8a" providerId="LiveId" clId="{823688B9-5DA3-4A7C-834A-DA5E203EF322}" dt="2023-03-30T11:15:05.253" v="4" actId="47"/>
-      <pc:docMkLst>
-        <pc:docMk/>
-      </pc:docMkLst>
-      <pc:sldChg chg="del">
-        <pc:chgData name="나 현희" userId="a7b73e83492eed8a" providerId="LiveId" clId="{823688B9-5DA3-4A7C-834A-DA5E203EF322}" dt="2023-03-30T11:15:05.253" v="4" actId="47"/>
-        <pc:sldMkLst>
-          <pc:docMk/>
-          <pc:sldMk cId="958563621" sldId="272"/>
-        </pc:sldMkLst>
-      </pc:sldChg>
-      <pc:sldChg chg="addSp delSp modSp mod">
-        <pc:chgData name="나 현희" userId="a7b73e83492eed8a" providerId="LiveId" clId="{823688B9-5DA3-4A7C-834A-DA5E203EF322}" dt="2023-03-30T11:14:40.567" v="3" actId="27614"/>
-        <pc:sldMkLst>
-          <pc:docMk/>
-          <pc:sldMk cId="3439183929" sldId="274"/>
-        </pc:sldMkLst>
-        <pc:spChg chg="mod">
-          <ac:chgData name="나 현희" userId="a7b73e83492eed8a" providerId="LiveId" clId="{823688B9-5DA3-4A7C-834A-DA5E203EF322}" dt="2023-03-30T11:14:36.031" v="2" actId="26606"/>
-          <ac:spMkLst>
-            <pc:docMk/>
-            <pc:sldMk cId="3439183929" sldId="274"/>
-            <ac:spMk id="2" creationId="{00000000-0000-0000-0000-000000000000}"/>
-          </ac:spMkLst>
-        </pc:spChg>
-        <pc:spChg chg="del">
-          <ac:chgData name="나 현희" userId="a7b73e83492eed8a" providerId="LiveId" clId="{823688B9-5DA3-4A7C-834A-DA5E203EF322}" dt="2023-03-30T11:14:36.031" v="2" actId="26606"/>
-          <ac:spMkLst>
-            <pc:docMk/>
-            <pc:sldMk cId="3439183929" sldId="274"/>
-            <ac:spMk id="3" creationId="{00000000-0000-0000-0000-000000000000}"/>
-          </ac:spMkLst>
-        </pc:spChg>
-        <pc:picChg chg="add mod">
-          <ac:chgData name="나 현희" userId="a7b73e83492eed8a" providerId="LiveId" clId="{823688B9-5DA3-4A7C-834A-DA5E203EF322}" dt="2023-03-30T11:14:40.567" v="3" actId="27614"/>
-          <ac:picMkLst>
-            <pc:docMk/>
-            <pc:sldMk cId="3439183929" sldId="274"/>
-            <ac:picMk id="5" creationId="{31260C76-1E47-947E-B7D7-871E3C6BE02F}"/>
-          </ac:picMkLst>
-        </pc:picChg>
-      </pc:sldChg>
-    </pc:docChg>
-  </pc:docChgLst>
-  <pc:docChgLst>
-    <pc:chgData name="나 현희" userId="a7b73e83492eed8a" providerId="LiveId" clId="{E36B562A-AFFE-425F-8162-21B1082B809F}"/>
-    <pc:docChg chg="undo custSel addSld modSld sldOrd">
-      <pc:chgData name="나 현희" userId="a7b73e83492eed8a" providerId="LiveId" clId="{E36B562A-AFFE-425F-8162-21B1082B809F}" dt="2023-03-29T10:26:43.744" v="1895" actId="2711"/>
-      <pc:docMkLst>
-        <pc:docMk/>
-      </pc:docMkLst>
-      <pc:sldChg chg="modSp mod">
-        <pc:chgData name="나 현희" userId="a7b73e83492eed8a" providerId="LiveId" clId="{E36B562A-AFFE-425F-8162-21B1082B809F}" dt="2023-03-29T09:16:56.014" v="1460" actId="255"/>
-        <pc:sldMkLst>
-          <pc:docMk/>
-          <pc:sldMk cId="3379527580" sldId="256"/>
-        </pc:sldMkLst>
-        <pc:spChg chg="mod">
-          <ac:chgData name="나 현희" userId="a7b73e83492eed8a" providerId="LiveId" clId="{E36B562A-AFFE-425F-8162-21B1082B809F}" dt="2023-03-29T09:16:56.014" v="1460" actId="255"/>
-          <ac:spMkLst>
-            <pc:docMk/>
-            <pc:sldMk cId="3379527580" sldId="256"/>
-            <ac:spMk id="2" creationId="{00000000-0000-0000-0000-000000000000}"/>
-          </ac:spMkLst>
-        </pc:spChg>
-        <pc:spChg chg="mod">
-          <ac:chgData name="나 현희" userId="a7b73e83492eed8a" providerId="LiveId" clId="{E36B562A-AFFE-425F-8162-21B1082B809F}" dt="2023-03-28T11:09:47.511" v="107" actId="20577"/>
-          <ac:spMkLst>
-            <pc:docMk/>
-            <pc:sldMk cId="3379527580" sldId="256"/>
-            <ac:spMk id="3" creationId="{00000000-0000-0000-0000-000000000000}"/>
-          </ac:spMkLst>
-        </pc:spChg>
-      </pc:sldChg>
-      <pc:sldChg chg="addSp delSp modSp mod">
-        <pc:chgData name="나 현희" userId="a7b73e83492eed8a" providerId="LiveId" clId="{E36B562A-AFFE-425F-8162-21B1082B809F}" dt="2023-03-29T09:19:43.119" v="1480" actId="113"/>
-        <pc:sldMkLst>
-          <pc:docMk/>
-          <pc:sldMk cId="1385364846" sldId="268"/>
-        </pc:sldMkLst>
-        <pc:spChg chg="mod">
-          <ac:chgData name="나 현희" userId="a7b73e83492eed8a" providerId="LiveId" clId="{E36B562A-AFFE-425F-8162-21B1082B809F}" dt="2023-03-29T09:19:43.119" v="1480" actId="113"/>
-          <ac:spMkLst>
-            <pc:docMk/>
-            <pc:sldMk cId="1385364846" sldId="268"/>
-            <ac:spMk id="3" creationId="{00000000-0000-0000-0000-000000000000}"/>
-          </ac:spMkLst>
-        </pc:spChg>
-        <pc:picChg chg="add del mod">
-          <ac:chgData name="나 현희" userId="a7b73e83492eed8a" providerId="LiveId" clId="{E36B562A-AFFE-425F-8162-21B1082B809F}" dt="2023-03-28T11:14:02.695" v="182"/>
-          <ac:picMkLst>
-            <pc:docMk/>
-            <pc:sldMk cId="1385364846" sldId="268"/>
-            <ac:picMk id="4" creationId="{4BF78E9B-7111-1FBE-B5A3-15A7FAD7D42A}"/>
-          </ac:picMkLst>
-        </pc:picChg>
-        <pc:picChg chg="add mod">
-          <ac:chgData name="나 현희" userId="a7b73e83492eed8a" providerId="LiveId" clId="{E36B562A-AFFE-425F-8162-21B1082B809F}" dt="2023-03-29T09:18:43.265" v="1477" actId="1076"/>
-          <ac:picMkLst>
-            <pc:docMk/>
-            <pc:sldMk cId="1385364846" sldId="268"/>
-            <ac:picMk id="5" creationId="{B91FD414-0E81-010C-B963-35873DC96D85}"/>
-          </ac:picMkLst>
-        </pc:picChg>
-      </pc:sldChg>
-      <pc:sldChg chg="modSp mod">
-        <pc:chgData name="나 현희" userId="a7b73e83492eed8a" providerId="LiveId" clId="{E36B562A-AFFE-425F-8162-21B1082B809F}" dt="2023-03-29T10:02:33.064" v="1808" actId="20577"/>
-        <pc:sldMkLst>
-          <pc:docMk/>
-          <pc:sldMk cId="3435006861" sldId="269"/>
-        </pc:sldMkLst>
-        <pc:spChg chg="mod">
-          <ac:chgData name="나 현희" userId="a7b73e83492eed8a" providerId="LiveId" clId="{E36B562A-AFFE-425F-8162-21B1082B809F}" dt="2023-03-29T10:02:33.064" v="1808" actId="20577"/>
-          <ac:spMkLst>
-            <pc:docMk/>
-            <pc:sldMk cId="3435006861" sldId="269"/>
-            <ac:spMk id="3" creationId="{00000000-0000-0000-0000-000000000000}"/>
-          </ac:spMkLst>
-        </pc:spChg>
-      </pc:sldChg>
-      <pc:sldChg chg="addSp delSp modSp mod modClrScheme chgLayout">
-        <pc:chgData name="나 현희" userId="a7b73e83492eed8a" providerId="LiveId" clId="{E36B562A-AFFE-425F-8162-21B1082B809F}" dt="2023-03-29T05:13:57.781" v="996" actId="1076"/>
-        <pc:sldMkLst>
-          <pc:docMk/>
-          <pc:sldMk cId="2854467813" sldId="270"/>
-        </pc:sldMkLst>
-        <pc:spChg chg="mod">
-          <ac:chgData name="나 현희" userId="a7b73e83492eed8a" providerId="LiveId" clId="{E36B562A-AFFE-425F-8162-21B1082B809F}" dt="2023-03-29T04:43:32.066" v="421" actId="26606"/>
-          <ac:spMkLst>
-            <pc:docMk/>
-            <pc:sldMk cId="2854467813" sldId="270"/>
-            <ac:spMk id="2" creationId="{00000000-0000-0000-0000-000000000000}"/>
-          </ac:spMkLst>
-        </pc:spChg>
-        <pc:spChg chg="mod ord">
-          <ac:chgData name="나 현희" userId="a7b73e83492eed8a" providerId="LiveId" clId="{E36B562A-AFFE-425F-8162-21B1082B809F}" dt="2023-03-29T04:43:47.209" v="425" actId="14100"/>
-          <ac:spMkLst>
-            <pc:docMk/>
-            <pc:sldMk cId="2854467813" sldId="270"/>
-            <ac:spMk id="3" creationId="{00000000-0000-0000-0000-000000000000}"/>
-          </ac:spMkLst>
-        </pc:spChg>
-        <pc:spChg chg="add del mod">
-          <ac:chgData name="나 현희" userId="a7b73e83492eed8a" providerId="LiveId" clId="{E36B562A-AFFE-425F-8162-21B1082B809F}" dt="2023-03-29T05:13:57.781" v="996" actId="1076"/>
-          <ac:spMkLst>
-            <pc:docMk/>
-            <pc:sldMk cId="2854467813" sldId="270"/>
-            <ac:spMk id="5" creationId="{1D570C7F-A61F-A3AA-9893-F33078C29ED9}"/>
-          </ac:spMkLst>
-        </pc:spChg>
-        <pc:picChg chg="add del mod">
-          <ac:chgData name="나 현희" userId="a7b73e83492eed8a" providerId="LiveId" clId="{E36B562A-AFFE-425F-8162-21B1082B809F}" dt="2023-03-29T04:43:39.852" v="424" actId="14100"/>
-          <ac:picMkLst>
-            <pc:docMk/>
-            <pc:sldMk cId="2854467813" sldId="270"/>
-            <ac:picMk id="4" creationId="{5038752B-0BA5-FA98-5360-9E98095EED42}"/>
-          </ac:picMkLst>
-        </pc:picChg>
-      </pc:sldChg>
-      <pc:sldChg chg="modSp mod">
-        <pc:chgData name="나 현희" userId="a7b73e83492eed8a" providerId="LiveId" clId="{E36B562A-AFFE-425F-8162-21B1082B809F}" dt="2023-03-29T09:20:49.190" v="1486" actId="20577"/>
-        <pc:sldMkLst>
-          <pc:docMk/>
-          <pc:sldMk cId="555703855" sldId="275"/>
-        </pc:sldMkLst>
-        <pc:spChg chg="mod">
-          <ac:chgData name="나 현희" userId="a7b73e83492eed8a" providerId="LiveId" clId="{E36B562A-AFFE-425F-8162-21B1082B809F}" dt="2023-03-29T09:20:49.190" v="1486" actId="20577"/>
-          <ac:spMkLst>
-            <pc:docMk/>
-            <pc:sldMk cId="555703855" sldId="275"/>
-            <ac:spMk id="3" creationId="{00000000-0000-0000-0000-000000000000}"/>
-          </ac:spMkLst>
-        </pc:spChg>
-      </pc:sldChg>
-      <pc:sldChg chg="addSp delSp modSp new mod">
-        <pc:chgData name="나 현희" userId="a7b73e83492eed8a" providerId="LiveId" clId="{E36B562A-AFFE-425F-8162-21B1082B809F}" dt="2023-03-29T10:23:26.595" v="1848"/>
-        <pc:sldMkLst>
-          <pc:docMk/>
-          <pc:sldMk cId="2309608434" sldId="282"/>
-        </pc:sldMkLst>
-        <pc:spChg chg="mod">
-          <ac:chgData name="나 현희" userId="a7b73e83492eed8a" providerId="LiveId" clId="{E36B562A-AFFE-425F-8162-21B1082B809F}" dt="2023-03-29T10:23:26.595" v="1848"/>
-          <ac:spMkLst>
-            <pc:docMk/>
-            <pc:sldMk cId="2309608434" sldId="282"/>
-            <ac:spMk id="2" creationId="{4584FCED-5556-BEAA-7F77-9AF998B2D726}"/>
-          </ac:spMkLst>
-        </pc:spChg>
-        <pc:spChg chg="del">
-          <ac:chgData name="나 현희" userId="a7b73e83492eed8a" providerId="LiveId" clId="{E36B562A-AFFE-425F-8162-21B1082B809F}" dt="2023-03-29T04:48:31.816" v="436"/>
-          <ac:spMkLst>
-            <pc:docMk/>
-            <pc:sldMk cId="2309608434" sldId="282"/>
-            <ac:spMk id="3" creationId="{0D89A1B0-6B70-EE3E-95BF-AB8138EF698E}"/>
-          </ac:spMkLst>
-        </pc:spChg>
-        <pc:spChg chg="add del mod">
-          <ac:chgData name="나 현희" userId="a7b73e83492eed8a" providerId="LiveId" clId="{E36B562A-AFFE-425F-8162-21B1082B809F}" dt="2023-03-29T09:20:41.493" v="1482" actId="478"/>
-          <ac:spMkLst>
-            <pc:docMk/>
-            <pc:sldMk cId="2309608434" sldId="282"/>
-            <ac:spMk id="3" creationId="{7B6B42F5-4DCC-AC1F-E8D4-1D0410FECA86}"/>
-          </ac:spMkLst>
-        </pc:spChg>
-        <pc:spChg chg="add mod">
-          <ac:chgData name="나 현희" userId="a7b73e83492eed8a" providerId="LiveId" clId="{E36B562A-AFFE-425F-8162-21B1082B809F}" dt="2023-03-29T09:59:58.801" v="1553" actId="1076"/>
-          <ac:spMkLst>
-            <pc:docMk/>
-            <pc:sldMk cId="2309608434" sldId="282"/>
-            <ac:spMk id="6" creationId="{9499AAC6-58C0-A370-20F7-1115E27FB465}"/>
-          </ac:spMkLst>
-        </pc:spChg>
-        <pc:spChg chg="add del mod">
-          <ac:chgData name="나 현희" userId="a7b73e83492eed8a" providerId="LiveId" clId="{E36B562A-AFFE-425F-8162-21B1082B809F}" dt="2023-03-29T09:53:45.595" v="1490" actId="21"/>
-          <ac:spMkLst>
-            <pc:docMk/>
-            <pc:sldMk cId="2309608434" sldId="282"/>
-            <ac:spMk id="8" creationId="{00051471-5153-7781-09B9-F0B04CE605CD}"/>
-          </ac:spMkLst>
-        </pc:spChg>
-        <pc:spChg chg="add mod">
-          <ac:chgData name="나 현희" userId="a7b73e83492eed8a" providerId="LiveId" clId="{E36B562A-AFFE-425F-8162-21B1082B809F}" dt="2023-03-29T09:59:44.899" v="1550" actId="1076"/>
-          <ac:spMkLst>
-            <pc:docMk/>
-            <pc:sldMk cId="2309608434" sldId="282"/>
-            <ac:spMk id="9" creationId="{7B22D482-9957-9E71-1B1A-EBD794E982F1}"/>
-          </ac:spMkLst>
-        </pc:spChg>
-        <pc:spChg chg="add mod">
-          <ac:chgData name="나 현희" userId="a7b73e83492eed8a" providerId="LiveId" clId="{E36B562A-AFFE-425F-8162-21B1082B809F}" dt="2023-03-29T09:59:47.597" v="1551" actId="1076"/>
-          <ac:spMkLst>
-            <pc:docMk/>
-            <pc:sldMk cId="2309608434" sldId="282"/>
-            <ac:spMk id="10" creationId="{C7E9DBB9-F090-1F78-6012-CA651B54BADB}"/>
-          </ac:spMkLst>
-        </pc:spChg>
-        <pc:picChg chg="add del mod">
-          <ac:chgData name="나 현희" userId="a7b73e83492eed8a" providerId="LiveId" clId="{E36B562A-AFFE-425F-8162-21B1082B809F}" dt="2023-03-29T09:20:35.247" v="1481" actId="478"/>
-          <ac:picMkLst>
-            <pc:docMk/>
-            <pc:sldMk cId="2309608434" sldId="282"/>
-            <ac:picMk id="4" creationId="{A5AAC8FE-59F4-FF91-9F98-F409EE021299}"/>
-          </ac:picMkLst>
-        </pc:picChg>
-      </pc:sldChg>
-      <pc:sldChg chg="addSp delSp modSp new mod ord">
-        <pc:chgData name="나 현희" userId="a7b73e83492eed8a" providerId="LiveId" clId="{E36B562A-AFFE-425F-8162-21B1082B809F}" dt="2023-03-29T10:23:18.311" v="1847"/>
-        <pc:sldMkLst>
-          <pc:docMk/>
-          <pc:sldMk cId="2987534817" sldId="283"/>
-        </pc:sldMkLst>
-        <pc:spChg chg="add del">
-          <ac:chgData name="나 현희" userId="a7b73e83492eed8a" providerId="LiveId" clId="{E36B562A-AFFE-425F-8162-21B1082B809F}" dt="2023-03-29T04:49:14.894" v="441" actId="26606"/>
-          <ac:spMkLst>
-            <pc:docMk/>
-            <pc:sldMk cId="2987534817" sldId="283"/>
-            <ac:spMk id="2" creationId="{8E8DF86B-C607-1782-7618-EA6CABE91ED0}"/>
-          </ac:spMkLst>
-        </pc:spChg>
-        <pc:spChg chg="add del mod">
-          <ac:chgData name="나 현희" userId="a7b73e83492eed8a" providerId="LiveId" clId="{E36B562A-AFFE-425F-8162-21B1082B809F}" dt="2023-03-29T10:16:43.928" v="1814"/>
-          <ac:spMkLst>
-            <pc:docMk/>
-            <pc:sldMk cId="2987534817" sldId="283"/>
-            <ac:spMk id="3" creationId="{4C72C4A0-D691-EDEA-59CC-4FAE1B44DCE1}"/>
-          </ac:spMkLst>
-        </pc:spChg>
-        <pc:spChg chg="del">
-          <ac:chgData name="나 현희" userId="a7b73e83492eed8a" providerId="LiveId" clId="{E36B562A-AFFE-425F-8162-21B1082B809F}" dt="2023-03-29T04:49:12.960" v="438"/>
-          <ac:spMkLst>
-            <pc:docMk/>
-            <pc:sldMk cId="2987534817" sldId="283"/>
-            <ac:spMk id="3" creationId="{DC57AD02-6E6A-746F-3A9A-D700A53FF422}"/>
-          </ac:spMkLst>
-        </pc:spChg>
-        <pc:spChg chg="add del">
-          <ac:chgData name="나 현희" userId="a7b73e83492eed8a" providerId="LiveId" clId="{E36B562A-AFFE-425F-8162-21B1082B809F}" dt="2023-03-29T10:14:42.620" v="1813" actId="22"/>
-          <ac:spMkLst>
-            <pc:docMk/>
-            <pc:sldMk cId="2987534817" sldId="283"/>
-            <ac:spMk id="6" creationId="{CC639CD8-BD37-7B2C-DC92-195CD4369063}"/>
-          </ac:spMkLst>
-        </pc:spChg>
-        <pc:spChg chg="add mod">
-          <ac:chgData name="나 현희" userId="a7b73e83492eed8a" providerId="LiveId" clId="{E36B562A-AFFE-425F-8162-21B1082B809F}" dt="2023-03-29T10:16:49.303" v="1815" actId="26606"/>
-          <ac:spMkLst>
-            <pc:docMk/>
-            <pc:sldMk cId="2987534817" sldId="283"/>
-            <ac:spMk id="9" creationId="{030E5F0D-D3C8-E9E1-7883-785B51FF91AD}"/>
-          </ac:spMkLst>
-        </pc:spChg>
-        <pc:picChg chg="add del mod">
-          <ac:chgData name="나 현희" userId="a7b73e83492eed8a" providerId="LiveId" clId="{E36B562A-AFFE-425F-8162-21B1082B809F}" dt="2023-03-29T10:14:18.100" v="1811" actId="478"/>
-          <ac:picMkLst>
-            <pc:docMk/>
-            <pc:sldMk cId="2987534817" sldId="283"/>
-            <ac:picMk id="4" creationId="{1AA08522-4346-4588-C929-2645D790F095}"/>
-          </ac:picMkLst>
-        </pc:picChg>
-        <pc:picChg chg="add mod">
-          <ac:chgData name="나 현희" userId="a7b73e83492eed8a" providerId="LiveId" clId="{E36B562A-AFFE-425F-8162-21B1082B809F}" dt="2023-03-29T10:17:06.359" v="1818" actId="14100"/>
-          <ac:picMkLst>
-            <pc:docMk/>
-            <pc:sldMk cId="2987534817" sldId="283"/>
-            <ac:picMk id="8" creationId="{3AFC229F-F7B6-DC2A-8BE1-560A7BF127F3}"/>
-          </ac:picMkLst>
-        </pc:picChg>
-      </pc:sldChg>
-      <pc:sldChg chg="modSp new mod">
-        <pc:chgData name="나 현희" userId="a7b73e83492eed8a" providerId="LiveId" clId="{E36B562A-AFFE-425F-8162-21B1082B809F}" dt="2023-03-29T10:26:43.744" v="1895" actId="2711"/>
-        <pc:sldMkLst>
-          <pc:docMk/>
-          <pc:sldMk cId="3038027745" sldId="284"/>
-        </pc:sldMkLst>
-        <pc:spChg chg="mod">
-          <ac:chgData name="나 현희" userId="a7b73e83492eed8a" providerId="LiveId" clId="{E36B562A-AFFE-425F-8162-21B1082B809F}" dt="2023-03-29T10:26:38.672" v="1894" actId="2711"/>
-          <ac:spMkLst>
-            <pc:docMk/>
-            <pc:sldMk cId="3038027745" sldId="284"/>
-            <ac:spMk id="2" creationId="{386A0498-C6EF-7965-D0AB-04BE4C4E2DF3}"/>
-          </ac:spMkLst>
-        </pc:spChg>
-        <pc:spChg chg="mod">
-          <ac:chgData name="나 현희" userId="a7b73e83492eed8a" providerId="LiveId" clId="{E36B562A-AFFE-425F-8162-21B1082B809F}" dt="2023-03-29T10:26:43.744" v="1895" actId="2711"/>
-          <ac:spMkLst>
-            <pc:docMk/>
-            <pc:sldMk cId="3038027745" sldId="284"/>
-            <ac:spMk id="3" creationId="{A3D0D166-3511-043D-68C4-6D1B2DBD39B5}"/>
-          </ac:spMkLst>
-        </pc:spChg>
-      </pc:sldChg>
-      <pc:sldChg chg="modSp new mod ord">
-        <pc:chgData name="나 현희" userId="a7b73e83492eed8a" providerId="LiveId" clId="{E36B562A-AFFE-425F-8162-21B1082B809F}" dt="2023-03-29T10:26:20.413" v="1893" actId="2711"/>
-        <pc:sldMkLst>
-          <pc:docMk/>
-          <pc:sldMk cId="1257217762" sldId="285"/>
-        </pc:sldMkLst>
-        <pc:spChg chg="mod">
-          <ac:chgData name="나 현희" userId="a7b73e83492eed8a" providerId="LiveId" clId="{E36B562A-AFFE-425F-8162-21B1082B809F}" dt="2023-03-29T10:21:28.479" v="1843" actId="20577"/>
-          <ac:spMkLst>
-            <pc:docMk/>
-            <pc:sldMk cId="1257217762" sldId="285"/>
-            <ac:spMk id="2" creationId="{E0D239D0-9873-5F7D-8055-9236B0CE70E2}"/>
-          </ac:spMkLst>
-        </pc:spChg>
-        <pc:spChg chg="mod">
-          <ac:chgData name="나 현희" userId="a7b73e83492eed8a" providerId="LiveId" clId="{E36B562A-AFFE-425F-8162-21B1082B809F}" dt="2023-03-29T10:26:20.413" v="1893" actId="2711"/>
-          <ac:spMkLst>
-            <pc:docMk/>
-            <pc:sldMk cId="1257217762" sldId="285"/>
-            <ac:spMk id="3" creationId="{B59B17D0-9100-A75C-27E3-D778775921B7}"/>
-          </ac:spMkLst>
-        </pc:spChg>
-      </pc:sldChg>
-    </pc:docChg>
-  </pc:docChgLst>
-  <pc:docChgLst>
-    <pc:chgData name="나 현희" userId="a7b73e83492eed8a" providerId="LiveId" clId="{AC282E98-0482-4415-A832-5369105703C8}"/>
-    <pc:docChg chg="custSel addSld delSld modSld">
-      <pc:chgData name="나 현희" userId="a7b73e83492eed8a" providerId="LiveId" clId="{AC282E98-0482-4415-A832-5369105703C8}" dt="2023-03-31T02:26:19.607" v="4821" actId="20577"/>
-      <pc:docMkLst>
-        <pc:docMk/>
-      </pc:docMkLst>
-      <pc:sldChg chg="modSp mod modNotesTx">
-        <pc:chgData name="나 현희" userId="a7b73e83492eed8a" providerId="LiveId" clId="{AC282E98-0482-4415-A832-5369105703C8}" dt="2023-03-31T00:53:22.707" v="2919" actId="20577"/>
-        <pc:sldMkLst>
-          <pc:docMk/>
-          <pc:sldMk cId="1385364846" sldId="268"/>
-        </pc:sldMkLst>
-        <pc:spChg chg="mod">
-          <ac:chgData name="나 현희" userId="a7b73e83492eed8a" providerId="LiveId" clId="{AC282E98-0482-4415-A832-5369105703C8}" dt="2023-03-31T00:38:44.910" v="30"/>
-          <ac:spMkLst>
-            <pc:docMk/>
-            <pc:sldMk cId="1385364846" sldId="268"/>
-            <ac:spMk id="3" creationId="{00000000-0000-0000-0000-000000000000}"/>
-          </ac:spMkLst>
-        </pc:spChg>
-      </pc:sldChg>
-      <pc:sldChg chg="modNotesTx">
-        <pc:chgData name="나 현희" userId="a7b73e83492eed8a" providerId="LiveId" clId="{AC282E98-0482-4415-A832-5369105703C8}" dt="2023-03-31T00:43:16.534" v="1166" actId="20577"/>
-        <pc:sldMkLst>
-          <pc:docMk/>
-          <pc:sldMk cId="3435006861" sldId="269"/>
-        </pc:sldMkLst>
-      </pc:sldChg>
-      <pc:sldChg chg="modNotesTx">
-        <pc:chgData name="나 현희" userId="a7b73e83492eed8a" providerId="LiveId" clId="{AC282E98-0482-4415-A832-5369105703C8}" dt="2023-03-31T00:53:43.396" v="2976" actId="20577"/>
-        <pc:sldMkLst>
-          <pc:docMk/>
-          <pc:sldMk cId="2854467813" sldId="270"/>
-        </pc:sldMkLst>
-      </pc:sldChg>
-      <pc:sldChg chg="addSp delSp modSp mod modNotesTx">
-        <pc:chgData name="나 현희" userId="a7b73e83492eed8a" providerId="LiveId" clId="{AC282E98-0482-4415-A832-5369105703C8}" dt="2023-03-31T02:26:19.607" v="4821" actId="20577"/>
-        <pc:sldMkLst>
-          <pc:docMk/>
-          <pc:sldMk cId="578698820" sldId="276"/>
-        </pc:sldMkLst>
-        <pc:spChg chg="mod">
-          <ac:chgData name="나 현희" userId="a7b73e83492eed8a" providerId="LiveId" clId="{AC282E98-0482-4415-A832-5369105703C8}" dt="2023-03-31T02:04:58.190" v="4290" actId="20577"/>
-          <ac:spMkLst>
-            <pc:docMk/>
-            <pc:sldMk cId="578698820" sldId="276"/>
-            <ac:spMk id="3" creationId="{00000000-0000-0000-0000-000000000000}"/>
-          </ac:spMkLst>
-        </pc:spChg>
-        <pc:spChg chg="del mod">
-          <ac:chgData name="나 현희" userId="a7b73e83492eed8a" providerId="LiveId" clId="{AC282E98-0482-4415-A832-5369105703C8}" dt="2023-03-31T02:05:30.328" v="4299"/>
-          <ac:spMkLst>
-            <pc:docMk/>
-            <pc:sldMk cId="578698820" sldId="276"/>
-            <ac:spMk id="4" creationId="{382A40D3-AE2B-211D-ED46-A6B85BBE1F69}"/>
-          </ac:spMkLst>
-        </pc:spChg>
-        <pc:spChg chg="add del mod">
-          <ac:chgData name="나 현희" userId="a7b73e83492eed8a" providerId="LiveId" clId="{AC282E98-0482-4415-A832-5369105703C8}" dt="2023-03-31T02:05:49.219" v="4301" actId="478"/>
-          <ac:spMkLst>
-            <pc:docMk/>
-            <pc:sldMk cId="578698820" sldId="276"/>
-            <ac:spMk id="8" creationId="{3F9FA0CA-205B-7695-2643-336EDE8E47B5}"/>
-          </ac:spMkLst>
-        </pc:spChg>
-        <pc:spChg chg="add mod">
-          <ac:chgData name="나 현희" userId="a7b73e83492eed8a" providerId="LiveId" clId="{AC282E98-0482-4415-A832-5369105703C8}" dt="2023-03-31T02:14:10.617" v="4397" actId="1076"/>
-          <ac:spMkLst>
-            <pc:docMk/>
-            <pc:sldMk cId="578698820" sldId="276"/>
-            <ac:spMk id="9" creationId="{91F7313C-B375-68C0-0611-FD1AB7E167A3}"/>
-          </ac:spMkLst>
-        </pc:spChg>
-        <pc:spChg chg="add mod">
-          <ac:chgData name="나 현희" userId="a7b73e83492eed8a" providerId="LiveId" clId="{AC282E98-0482-4415-A832-5369105703C8}" dt="2023-03-31T02:14:55.683" v="4416" actId="1076"/>
-          <ac:spMkLst>
-            <pc:docMk/>
-            <pc:sldMk cId="578698820" sldId="276"/>
-            <ac:spMk id="10" creationId="{BDBA28C2-416C-5E75-F319-243895AE4405}"/>
-          </ac:spMkLst>
-        </pc:spChg>
-        <pc:graphicFrameChg chg="del modGraphic">
-          <ac:chgData name="나 현희" userId="a7b73e83492eed8a" providerId="LiveId" clId="{AC282E98-0482-4415-A832-5369105703C8}" dt="2023-03-31T02:05:08.557" v="4292" actId="21"/>
-          <ac:graphicFrameMkLst>
-            <pc:docMk/>
-            <pc:sldMk cId="578698820" sldId="276"/>
-            <ac:graphicFrameMk id="6" creationId="{C8986374-37A3-C93C-D0D9-49A2AF266851}"/>
-          </ac:graphicFrameMkLst>
-        </pc:graphicFrameChg>
-        <pc:picChg chg="add mod">
-          <ac:chgData name="나 현희" userId="a7b73e83492eed8a" providerId="LiveId" clId="{AC282E98-0482-4415-A832-5369105703C8}" dt="2023-03-31T02:14:07.526" v="4396" actId="1076"/>
-          <ac:picMkLst>
-            <pc:docMk/>
-            <pc:sldMk cId="578698820" sldId="276"/>
-            <ac:picMk id="7" creationId="{00FE31DB-2684-91D2-29CC-533191FEAFBB}"/>
-          </ac:picMkLst>
-        </pc:picChg>
-      </pc:sldChg>
-      <pc:sldChg chg="modNotesTx">
-        <pc:chgData name="나 현희" userId="a7b73e83492eed8a" providerId="LiveId" clId="{AC282E98-0482-4415-A832-5369105703C8}" dt="2023-03-31T00:56:12.344" v="3632" actId="20577"/>
-        <pc:sldMkLst>
-          <pc:docMk/>
-          <pc:sldMk cId="2309608434" sldId="282"/>
-        </pc:sldMkLst>
-      </pc:sldChg>
-      <pc:sldChg chg="modNotesTx">
-        <pc:chgData name="나 현희" userId="a7b73e83492eed8a" providerId="LiveId" clId="{AC282E98-0482-4415-A832-5369105703C8}" dt="2023-03-31T00:58:50.105" v="4234" actId="20577"/>
-        <pc:sldMkLst>
-          <pc:docMk/>
-          <pc:sldMk cId="2987534817" sldId="283"/>
-        </pc:sldMkLst>
-      </pc:sldChg>
-      <pc:sldChg chg="modNotesTx">
-        <pc:chgData name="나 현희" userId="a7b73e83492eed8a" providerId="LiveId" clId="{AC282E98-0482-4415-A832-5369105703C8}" dt="2023-03-31T00:53:10.907" v="2907" actId="20577"/>
-        <pc:sldMkLst>
-          <pc:docMk/>
-          <pc:sldMk cId="3038027745" sldId="284"/>
-        </pc:sldMkLst>
-      </pc:sldChg>
-      <pc:sldChg chg="modSp mod modNotesTx">
-        <pc:chgData name="나 현희" userId="a7b73e83492eed8a" providerId="LiveId" clId="{AC282E98-0482-4415-A832-5369105703C8}" dt="2023-03-31T00:51:32.424" v="2602" actId="20577"/>
-        <pc:sldMkLst>
-          <pc:docMk/>
-          <pc:sldMk cId="1257217762" sldId="285"/>
-        </pc:sldMkLst>
-        <pc:spChg chg="mod">
-          <ac:chgData name="나 현희" userId="a7b73e83492eed8a" providerId="LiveId" clId="{AC282E98-0482-4415-A832-5369105703C8}" dt="2023-03-31T00:47:03.462" v="1675" actId="20577"/>
-          <ac:spMkLst>
-            <pc:docMk/>
-            <pc:sldMk cId="1257217762" sldId="285"/>
-            <ac:spMk id="3" creationId="{B59B17D0-9100-A75C-27E3-D778775921B7}"/>
-          </ac:spMkLst>
-        </pc:spChg>
-      </pc:sldChg>
-      <pc:sldChg chg="new del">
-        <pc:chgData name="나 현희" userId="a7b73e83492eed8a" providerId="LiveId" clId="{AC282E98-0482-4415-A832-5369105703C8}" dt="2023-03-31T01:52:12.454" v="4237" actId="47"/>
-        <pc:sldMkLst>
-          <pc:docMk/>
-          <pc:sldMk cId="2425042883" sldId="286"/>
-        </pc:sldMkLst>
-      </pc:sldChg>
-      <pc:sldChg chg="add">
-        <pc:chgData name="나 현희" userId="a7b73e83492eed8a" providerId="LiveId" clId="{AC282E98-0482-4415-A832-5369105703C8}" dt="2023-03-31T01:52:08.824" v="4236"/>
-        <pc:sldMkLst>
-          <pc:docMk/>
-          <pc:sldMk cId="2699996474" sldId="287"/>
-        </pc:sldMkLst>
-      </pc:sldChg>
-    </pc:docChg>
-  </pc:docChgLst>
-</pc:chgInfo>
 </file>
 
 <file path=ppt/notesMasters/notesMaster1.xml><?xml version="1.0" encoding="utf-8"?>
@@ -1104,7 +592,7 @@
           <a:p>
             <a:r>
               <a:rPr lang="ko-KR" altLang="en-US" dirty="0"/>
-              <a:t>음성 파일을 텍스트로 변화하여 </a:t>
+              <a:t>이에 따라 음성 파일을 텍스트로 변화하여 </a:t>
             </a:r>
             <a:r>
               <a:rPr lang="en-US" altLang="ko-KR" dirty="0"/>
@@ -1120,11 +608,11 @@
             </a:r>
             <a:r>
               <a:rPr lang="ko-KR" altLang="en-US" dirty="0"/>
-              <a:t> 생각했습니다</a:t>
+              <a:t> 생각하여 주제를 선정했습니다</a:t>
             </a:r>
             <a:r>
               <a:rPr lang="en-US" altLang="ko-KR" dirty="0"/>
-              <a:t>.  </a:t>
+              <a:t>. </a:t>
             </a:r>
             <a:endParaRPr lang="ko-KR" altLang="en-US" dirty="0"/>
           </a:p>
@@ -1211,206 +699,50 @@
           <a:lstStyle/>
           <a:p>
             <a:r>
-              <a:rPr lang="ko-KR" altLang="en-US" b="0" i="0" dirty="0">
-                <a:solidFill>
-                  <a:srgbClr val="374151"/>
-                </a:solidFill>
-                <a:effectLst/>
-                <a:latin typeface="Söhne"/>
-              </a:rPr>
-              <a:t>저희가 사용할 화자 분리 모델은 다음과 같습니다</a:t>
-            </a:r>
-            <a:r>
-              <a:rPr lang="en-US" altLang="ko-KR" b="0" i="0" dirty="0">
-                <a:solidFill>
-                  <a:srgbClr val="374151"/>
-                </a:solidFill>
-                <a:effectLst/>
-                <a:latin typeface="Söhne"/>
-              </a:rPr>
+              <a:rPr lang="ko-KR" altLang="en-US" dirty="0"/>
+              <a:t>역할 분담으로 저는 </a:t>
+            </a:r>
+            <a:r>
+              <a:rPr lang="en-US" altLang="ko-KR" dirty="0" err="1"/>
+              <a:t>stt</a:t>
+            </a:r>
+            <a:r>
+              <a:rPr lang="en-US" altLang="ko-KR" dirty="0"/>
+              <a:t> </a:t>
+            </a:r>
+            <a:r>
+              <a:rPr lang="ko-KR" altLang="en-US" dirty="0"/>
+              <a:t>데이터 및 모델 학습</a:t>
+            </a:r>
+            <a:r>
+              <a:rPr lang="en-US" altLang="ko-KR" dirty="0"/>
+              <a:t>, </a:t>
+            </a:r>
+            <a:r>
+              <a:rPr lang="ko-KR" altLang="en-US" dirty="0"/>
+              <a:t>텍스트 후처리를 진행하고</a:t>
+            </a:r>
+            <a:r>
+              <a:rPr lang="en-US" altLang="ko-KR" dirty="0"/>
+              <a:t>, </a:t>
+            </a:r>
+            <a:r>
+              <a:rPr lang="ko-KR" altLang="en-US" dirty="0"/>
+              <a:t>신원철 학우는 화자 분리 데이터 및 모델 학습</a:t>
+            </a:r>
+            <a:r>
+              <a:rPr lang="en-US" altLang="ko-KR" dirty="0"/>
+              <a:t>, </a:t>
+            </a:r>
+            <a:r>
+              <a:rPr lang="ko-KR" altLang="en-US" dirty="0"/>
+              <a:t>요약을 진행 하기로 했습니다</a:t>
+            </a:r>
+            <a:r>
+              <a:rPr lang="en-US" altLang="ko-KR" dirty="0"/>
               <a:t>. </a:t>
             </a:r>
-            <a:r>
-              <a:rPr lang="ko-KR" altLang="en-US" b="0" i="0" dirty="0">
-                <a:solidFill>
-                  <a:srgbClr val="374151"/>
-                </a:solidFill>
-                <a:effectLst/>
-                <a:latin typeface="Söhne"/>
-              </a:rPr>
-              <a:t>해당 그래프는 저희가 사용할 </a:t>
-            </a:r>
-            <a:r>
-              <a:rPr lang="en-US" altLang="ko-KR" b="0" i="0" dirty="0" err="1">
-                <a:solidFill>
-                  <a:srgbClr val="374151"/>
-                </a:solidFill>
-                <a:effectLst/>
-                <a:latin typeface="Söhne"/>
-              </a:rPr>
-              <a:t>Librimix</a:t>
-            </a:r>
-            <a:r>
-              <a:rPr lang="en-US" altLang="ko-KR" b="0" i="0" dirty="0">
-                <a:solidFill>
-                  <a:srgbClr val="374151"/>
-                </a:solidFill>
-                <a:effectLst/>
-                <a:latin typeface="Söhne"/>
-              </a:rPr>
-              <a:t> dataset</a:t>
-            </a:r>
-            <a:r>
-              <a:rPr lang="ko-KR" altLang="en-US" b="0" i="0" dirty="0">
-                <a:solidFill>
-                  <a:srgbClr val="374151"/>
-                </a:solidFill>
-                <a:effectLst/>
-                <a:latin typeface="Söhne"/>
-              </a:rPr>
-              <a:t>을 기준으로 한 </a:t>
-            </a:r>
-            <a:r>
-              <a:rPr lang="ko-KR" altLang="en-US" b="0" i="0" dirty="0" err="1">
-                <a:solidFill>
-                  <a:srgbClr val="374151"/>
-                </a:solidFill>
-                <a:effectLst/>
-                <a:latin typeface="Söhne"/>
-              </a:rPr>
-              <a:t>모델별</a:t>
-            </a:r>
-            <a:r>
-              <a:rPr lang="ko-KR" altLang="en-US" b="0" i="0" dirty="0">
-                <a:solidFill>
-                  <a:srgbClr val="374151"/>
-                </a:solidFill>
-                <a:effectLst/>
-                <a:latin typeface="Söhne"/>
-              </a:rPr>
-              <a:t> </a:t>
-            </a:r>
-            <a:r>
-              <a:rPr lang="en-US" altLang="ko-KR" b="0" i="0" dirty="0" err="1">
-                <a:solidFill>
-                  <a:srgbClr val="374151"/>
-                </a:solidFill>
-                <a:effectLst/>
-                <a:latin typeface="Söhne"/>
-              </a:rPr>
-              <a:t>SDRi</a:t>
-            </a:r>
-            <a:r>
-              <a:rPr lang="en-US" altLang="ko-KR" b="0" i="0" dirty="0">
-                <a:solidFill>
-                  <a:srgbClr val="374151"/>
-                </a:solidFill>
-                <a:effectLst/>
-                <a:latin typeface="Söhne"/>
-              </a:rPr>
-              <a:t> </a:t>
-            </a:r>
-            <a:r>
-              <a:rPr lang="ko-KR" altLang="en-US" b="0" i="0" dirty="0">
-                <a:solidFill>
-                  <a:srgbClr val="374151"/>
-                </a:solidFill>
-                <a:effectLst/>
-                <a:latin typeface="Söhne"/>
-              </a:rPr>
-              <a:t>성능비교 그래프 입니다</a:t>
-            </a:r>
-            <a:r>
-              <a:rPr lang="en-US" altLang="ko-KR" b="0" i="0" dirty="0">
-                <a:solidFill>
-                  <a:srgbClr val="374151"/>
-                </a:solidFill>
-                <a:effectLst/>
-                <a:latin typeface="Söhne"/>
-              </a:rPr>
-              <a:t>. </a:t>
-            </a:r>
-            <a:r>
-              <a:rPr lang="ko-KR" altLang="en-US" b="0" i="0" dirty="0">
-                <a:solidFill>
-                  <a:srgbClr val="374151"/>
-                </a:solidFill>
-                <a:effectLst/>
-                <a:latin typeface="Söhne"/>
-              </a:rPr>
-              <a:t>저희가 사용할 모델의 성능은 그래프의 해당 지점에 위치합니다</a:t>
-            </a:r>
-            <a:r>
-              <a:rPr lang="en-US" altLang="ko-KR" b="0" i="0" dirty="0">
-                <a:solidFill>
-                  <a:srgbClr val="374151"/>
-                </a:solidFill>
-                <a:effectLst/>
-                <a:latin typeface="Söhne"/>
-              </a:rPr>
-              <a:t>. </a:t>
-            </a:r>
-          </a:p>
-          <a:p>
-            <a:endParaRPr lang="en-US" altLang="ko-KR" b="0" i="0" dirty="0">
-              <a:solidFill>
-                <a:srgbClr val="374151"/>
-              </a:solidFill>
-              <a:effectLst/>
-              <a:latin typeface="Söhne"/>
-            </a:endParaRPr>
-          </a:p>
-          <a:p>
-            <a:r>
-              <a:rPr lang="en-US" altLang="ko-KR" b="0" i="0" dirty="0" err="1">
-                <a:solidFill>
-                  <a:srgbClr val="374151"/>
-                </a:solidFill>
-                <a:effectLst/>
-                <a:latin typeface="Söhne"/>
-              </a:rPr>
-              <a:t>SDRi</a:t>
-            </a:r>
-            <a:r>
-              <a:rPr lang="ko-KR" altLang="en-US" b="0" i="0" dirty="0">
-                <a:solidFill>
-                  <a:srgbClr val="374151"/>
-                </a:solidFill>
-                <a:effectLst/>
-                <a:latin typeface="Söhne"/>
-              </a:rPr>
-              <a:t>은 분리된 음성 신호와 원본 음성 신호 간의 신호 대 신호 비</a:t>
-            </a:r>
-            <a:r>
-              <a:rPr lang="en-US" altLang="ko-KR" b="0" i="0" dirty="0">
-                <a:solidFill>
-                  <a:srgbClr val="374151"/>
-                </a:solidFill>
-                <a:effectLst/>
-                <a:latin typeface="Söhne"/>
-              </a:rPr>
-              <a:t>(ratio)</a:t>
-            </a:r>
-            <a:r>
-              <a:rPr lang="ko-KR" altLang="en-US" b="0" i="0" dirty="0">
-                <a:solidFill>
-                  <a:srgbClr val="374151"/>
-                </a:solidFill>
-                <a:effectLst/>
-                <a:latin typeface="Söhne"/>
-              </a:rPr>
-              <a:t>를 계산한 것으로 다음과 같이 비교됩니다</a:t>
-            </a:r>
-            <a:r>
-              <a:rPr lang="en-US" altLang="ko-KR" b="0" i="0" dirty="0">
-                <a:solidFill>
-                  <a:srgbClr val="374151"/>
-                </a:solidFill>
-                <a:effectLst/>
-                <a:latin typeface="Söhne"/>
-              </a:rPr>
-              <a:t>. </a:t>
-            </a:r>
+            <a:endParaRPr lang="ko-KR" altLang="en-US" dirty="0"/>
           </a:p>
         </p:txBody>
       </p:sp>
@@ -1440,7 +772,7 @@
     </p:spTree>
     <p:extLst>
       <p:ext uri="{BB962C8B-B14F-4D97-AF65-F5344CB8AC3E}">
-        <p14:creationId xmlns:p14="http://schemas.microsoft.com/office/powerpoint/2010/main" val="2049252655"/>
+        <p14:creationId xmlns:p14="http://schemas.microsoft.com/office/powerpoint/2010/main" val="3159588261"/>
       </p:ext>
     </p:extLst>
   </p:cSld>
@@ -1494,130 +826,235 @@
           <a:bodyPr/>
           <a:lstStyle/>
           <a:p>
-            <a:pPr marL="0" marR="0" lvl="0" indent="0" algn="l" defTabSz="914400" rtl="0" eaLnBrk="1" fontAlgn="auto" latinLnBrk="1" hangingPunct="1">
+            <a:pPr marL="0" indent="0" algn="just" latinLnBrk="1">
               <a:lnSpc>
-                <a:spcPct val="100000"/>
+                <a:spcPct val="107000"/>
               </a:lnSpc>
-              <a:spcBef>
-                <a:spcPts val="0"/>
-              </a:spcBef>
               <a:spcAft>
-                <a:spcPts val="0"/>
+                <a:spcPts val="800"/>
               </a:spcAft>
-              <a:buClrTx/>
-              <a:buSzTx/>
-              <a:buFontTx/>
               <a:buNone/>
-              <a:tabLst/>
-              <a:defRPr/>
             </a:pPr>
-            <a:r>
-              <a:rPr lang="ko-KR" altLang="en-US" dirty="0"/>
-              <a:t>저희가 </a:t>
-            </a:r>
             <a:r>
               <a:rPr lang="en-US" altLang="ko-KR" dirty="0"/>
               <a:t>STT</a:t>
             </a:r>
             <a:r>
               <a:rPr lang="ko-KR" altLang="en-US" dirty="0"/>
-              <a:t>모델을 학습할 때 사용할 음성 데이터는 </a:t>
+              <a:t>로 사용할 모델은 </a:t>
             </a:r>
             <a:r>
               <a:rPr lang="en-US" altLang="ko-KR" dirty="0" err="1"/>
-              <a:t>ksponspeech</a:t>
+              <a:t>espnet</a:t>
+            </a:r>
+            <a:r>
+              <a:rPr lang="en-US" altLang="ko-KR" dirty="0"/>
+              <a:t>, LRS2</a:t>
             </a:r>
             <a:r>
               <a:rPr lang="ko-KR" altLang="en-US" dirty="0"/>
-              <a:t>입니다</a:t>
+              <a:t>는 데이터셋</a:t>
+            </a:r>
+            <a:endParaRPr lang="en-US" altLang="ko-KR" dirty="0"/>
+          </a:p>
+          <a:p>
+            <a:pPr marL="0" indent="0" algn="just" latinLnBrk="1">
+              <a:lnSpc>
+                <a:spcPct val="107000"/>
+              </a:lnSpc>
+              <a:spcAft>
+                <a:spcPts val="800"/>
+              </a:spcAft>
+              <a:buNone/>
+            </a:pPr>
+            <a:endParaRPr lang="en-US" altLang="ko-KR" dirty="0"/>
+          </a:p>
+          <a:p>
+            <a:pPr marL="0" indent="0" algn="just" latinLnBrk="1">
+              <a:lnSpc>
+                <a:spcPct val="107000"/>
+              </a:lnSpc>
+              <a:spcAft>
+                <a:spcPts val="800"/>
+              </a:spcAft>
+              <a:buNone/>
+            </a:pPr>
+            <a:r>
+              <a:rPr lang="en-US" altLang="ko-KR" dirty="0" err="1"/>
+              <a:t>Paperswithcode</a:t>
             </a:r>
             <a:r>
               <a:rPr lang="en-US" altLang="ko-KR" dirty="0"/>
-              <a:t>. </a:t>
-            </a:r>
-            <a:r>
-              <a:rPr lang="ko-KR" altLang="en-US" b="0" i="0" dirty="0">
-                <a:solidFill>
-                  <a:srgbClr val="ECECEC"/>
-                </a:solidFill>
-                <a:effectLst/>
-                <a:latin typeface="-apple-system"/>
-              </a:rPr>
-              <a:t>해당 데이터셋은 약 </a:t>
-            </a:r>
-            <a:r>
-              <a:rPr lang="en-US" altLang="ko-KR" b="0" i="0" dirty="0">
-                <a:solidFill>
-                  <a:srgbClr val="ECECEC"/>
-                </a:solidFill>
-                <a:effectLst/>
-                <a:latin typeface="-apple-system"/>
-              </a:rPr>
-              <a:t>2000</a:t>
-            </a:r>
-            <a:r>
-              <a:rPr lang="ko-KR" altLang="en-US" b="0" i="0" dirty="0">
-                <a:solidFill>
-                  <a:srgbClr val="ECECEC"/>
-                </a:solidFill>
-                <a:effectLst/>
-                <a:latin typeface="-apple-system"/>
-              </a:rPr>
-              <a:t>여명의 </a:t>
-            </a:r>
-            <a:r>
-              <a:rPr lang="en-US" altLang="ko-KR" b="0" i="0" dirty="0">
-                <a:solidFill>
-                  <a:srgbClr val="ECECEC"/>
-                </a:solidFill>
-                <a:effectLst/>
-                <a:latin typeface="-apple-system"/>
-              </a:rPr>
-              <a:t>1,000</a:t>
-            </a:r>
-            <a:r>
-              <a:rPr lang="ko-KR" altLang="en-US" b="0" i="0" dirty="0">
-                <a:solidFill>
-                  <a:srgbClr val="ECECEC"/>
-                </a:solidFill>
-                <a:effectLst/>
-                <a:latin typeface="-apple-system"/>
-              </a:rPr>
-              <a:t>시간의 한국어 음성 데이터와 텍스트의 형태로 제공됩니다</a:t>
-            </a:r>
-            <a:r>
-              <a:rPr lang="en-US" altLang="ko-KR" b="0" i="0" dirty="0">
-                <a:solidFill>
-                  <a:srgbClr val="ECECEC"/>
-                </a:solidFill>
-                <a:effectLst/>
-                <a:latin typeface="-apple-system"/>
-              </a:rPr>
-              <a:t>. </a:t>
-            </a:r>
-            <a:r>
-              <a:rPr lang="ko-KR" altLang="en-US" b="0" i="0" dirty="0">
-                <a:solidFill>
-                  <a:srgbClr val="ECECEC"/>
-                </a:solidFill>
-                <a:effectLst/>
-                <a:latin typeface="-apple-system"/>
-              </a:rPr>
-              <a:t>두 사람이 다양한 주제로 대화하는 음성을 녹음하였습니다</a:t>
-            </a:r>
-            <a:r>
-              <a:rPr lang="en-US" altLang="ko-KR" b="0" i="0" dirty="0">
-                <a:solidFill>
-                  <a:srgbClr val="ECECEC"/>
-                </a:solidFill>
-                <a:effectLst/>
-                <a:latin typeface="-apple-system"/>
-              </a:rPr>
-              <a:t>. </a:t>
+              <a:t> </a:t>
+            </a:r>
+            <a:r>
+              <a:rPr lang="ko-KR" altLang="en-US" dirty="0"/>
+              <a:t>에서 보면 </a:t>
+            </a:r>
+            <a:r>
+              <a:rPr lang="en-US" altLang="ko-KR" dirty="0" err="1"/>
+              <a:t>asr</a:t>
+            </a:r>
+            <a:r>
+              <a:rPr lang="en-US" altLang="ko-KR" dirty="0"/>
+              <a:t>(</a:t>
+            </a:r>
+            <a:r>
+              <a:rPr lang="ko-KR" altLang="en-US" dirty="0"/>
+              <a:t>자동 음성 인식</a:t>
+            </a:r>
+            <a:r>
+              <a:rPr lang="en-US" altLang="ko-KR" dirty="0"/>
+              <a:t>)</a:t>
+            </a:r>
+            <a:r>
+              <a:rPr lang="ko-KR" altLang="en-US" dirty="0"/>
+              <a:t>에</a:t>
+            </a:r>
+            <a:r>
+              <a:rPr lang="en-US" altLang="ko-KR" dirty="0"/>
+              <a:t> </a:t>
+            </a:r>
+            <a:r>
+              <a:rPr lang="ko-KR" altLang="en-US" dirty="0"/>
+              <a:t>사용된 모델에서 </a:t>
+            </a:r>
+            <a:r>
+              <a:rPr lang="en-US" altLang="ko-KR" dirty="0"/>
+              <a:t>CTC/</a:t>
+            </a:r>
+            <a:r>
+              <a:rPr lang="en-US" altLang="ko-KR" dirty="0" err="1"/>
+              <a:t>Attenction</a:t>
+            </a:r>
+            <a:r>
+              <a:rPr lang="en-US" altLang="ko-KR" dirty="0"/>
+              <a:t> </a:t>
+            </a:r>
+            <a:r>
+              <a:rPr lang="ko-KR" altLang="en-US" dirty="0"/>
+              <a:t>모델을 사용하면 </a:t>
+            </a:r>
+            <a:r>
+              <a:rPr lang="en-US" altLang="ko-KR" dirty="0" err="1"/>
+              <a:t>wer</a:t>
+            </a:r>
+            <a:r>
+              <a:rPr lang="ko-KR" altLang="en-US" dirty="0"/>
+              <a:t>이 </a:t>
+            </a:r>
+            <a:r>
+              <a:rPr lang="en-US" altLang="ko-KR" dirty="0"/>
+              <a:t>1.5</a:t>
+            </a:r>
+            <a:r>
+              <a:rPr lang="ko-KR" altLang="en-US" dirty="0"/>
+              <a:t> 으로 낮게 나와 오류가 적고 성능이 </a:t>
+            </a:r>
+            <a:r>
+              <a:rPr lang="ko-KR" altLang="en-US" dirty="0" err="1"/>
+              <a:t>좋은것으로</a:t>
+            </a:r>
+            <a:r>
+              <a:rPr lang="ko-KR" altLang="en-US" dirty="0"/>
+              <a:t> 확인</a:t>
             </a:r>
             <a:endParaRPr lang="en-US" altLang="ko-KR" dirty="0"/>
           </a:p>
           <a:p>
+            <a:pPr marL="0" indent="0" algn="just" latinLnBrk="1">
+              <a:lnSpc>
+                <a:spcPct val="107000"/>
+              </a:lnSpc>
+              <a:spcAft>
+                <a:spcPts val="800"/>
+              </a:spcAft>
+              <a:buNone/>
+            </a:pPr>
+            <a:r>
+              <a:rPr lang="ko-KR" altLang="en-US" dirty="0"/>
+              <a:t>그래서 저희 프로젝트 조건에 맞는 한국어가 지원되고 </a:t>
+            </a:r>
+            <a:r>
+              <a:rPr lang="en-US" altLang="ko-KR" dirty="0"/>
+              <a:t>CTC/</a:t>
+            </a:r>
+            <a:r>
+              <a:rPr lang="en-US" altLang="ko-KR" dirty="0" err="1"/>
+              <a:t>Attenction</a:t>
+            </a:r>
+            <a:r>
+              <a:rPr lang="ko-KR" altLang="en-US" dirty="0"/>
+              <a:t>을</a:t>
+            </a:r>
+            <a:r>
+              <a:rPr lang="en-US" altLang="ko-KR" dirty="0"/>
+              <a:t> </a:t>
+            </a:r>
+            <a:r>
+              <a:rPr lang="ko-KR" altLang="en-US" dirty="0"/>
+              <a:t>사용하는 모델인 </a:t>
+            </a:r>
+            <a:r>
+              <a:rPr lang="en-US" altLang="ko-KR" dirty="0" err="1"/>
+              <a:t>espnet</a:t>
+            </a:r>
+            <a:r>
+              <a:rPr lang="ko-KR" altLang="en-US" dirty="0"/>
+              <a:t>을 사용</a:t>
+            </a:r>
+            <a:endParaRPr lang="en-US" altLang="ko-KR" dirty="0"/>
+          </a:p>
+          <a:p>
+            <a:pPr marL="0" indent="0" algn="just" latinLnBrk="1">
+              <a:lnSpc>
+                <a:spcPct val="107000"/>
+              </a:lnSpc>
+              <a:spcAft>
+                <a:spcPts val="800"/>
+              </a:spcAft>
+              <a:buNone/>
+            </a:pPr>
+            <a:endParaRPr lang="en-US" altLang="ko-KR" dirty="0"/>
+          </a:p>
+          <a:p>
+            <a:pPr marL="0" indent="0" algn="just" latinLnBrk="1">
+              <a:lnSpc>
+                <a:spcPct val="107000"/>
+              </a:lnSpc>
+              <a:spcAft>
+                <a:spcPts val="800"/>
+              </a:spcAft>
+              <a:buNone/>
+            </a:pPr>
+            <a:r>
+              <a:rPr lang="en-US" altLang="ko-KR" dirty="0"/>
+              <a:t>CTC:</a:t>
+            </a:r>
+            <a:r>
+              <a:rPr lang="ko-KR" altLang="en-US" dirty="0"/>
+              <a:t> 단어 시퀀스가 없더라도</a:t>
+            </a:r>
+            <a:r>
+              <a:rPr lang="en-US" altLang="ko-KR" dirty="0"/>
+              <a:t>, </a:t>
+            </a:r>
+            <a:r>
+              <a:rPr lang="ko-KR" altLang="en-US" dirty="0"/>
+              <a:t>음성과 단어 만으로 쉽게 음성 시간상에 따른 단어 매핑이 가능</a:t>
+            </a:r>
+            <a:endParaRPr lang="en-US" altLang="ko-KR"/>
+          </a:p>
+          <a:p>
+            <a:pPr marL="0" indent="0" algn="just" latinLnBrk="1">
+              <a:lnSpc>
+                <a:spcPct val="107000"/>
+              </a:lnSpc>
+              <a:spcAft>
+                <a:spcPts val="800"/>
+              </a:spcAft>
+              <a:buNone/>
+            </a:pPr>
             <a:endParaRPr lang="ko-KR" altLang="en-US" dirty="0"/>
           </a:p>
         </p:txBody>
@@ -1648,7 +1085,7 @@
     </p:spTree>
     <p:extLst>
       <p:ext uri="{BB962C8B-B14F-4D97-AF65-F5344CB8AC3E}">
-        <p14:creationId xmlns:p14="http://schemas.microsoft.com/office/powerpoint/2010/main" val="1365161112"/>
+        <p14:creationId xmlns:p14="http://schemas.microsoft.com/office/powerpoint/2010/main" val="1214517290"/>
       </p:ext>
     </p:extLst>
   </p:cSld>
@@ -1702,45 +1139,892 @@
           <a:bodyPr/>
           <a:lstStyle/>
           <a:p>
+            <a:pPr marL="0" indent="0" algn="just" latinLnBrk="1">
+              <a:lnSpc>
+                <a:spcPct val="107000"/>
+              </a:lnSpc>
+              <a:spcAft>
+                <a:spcPts val="800"/>
+              </a:spcAft>
+              <a:buNone/>
+            </a:pPr>
+            <a:r>
+              <a:rPr lang="ko-KR" altLang="en-US" sz="1200" kern="100" dirty="0">
+                <a:solidFill>
+                  <a:srgbClr val="111111"/>
+                </a:solidFill>
+                <a:effectLst/>
+                <a:latin typeface="Segoe UI" panose="020B0502040204020203" pitchFamily="34" charset="0"/>
+                <a:ea typeface="맑은 고딕" panose="020B0503020000020004" pitchFamily="50" charset="-127"/>
+                <a:cs typeface="Segoe UI" panose="020B0502040204020203" pitchFamily="34" charset="0"/>
+              </a:rPr>
+              <a:t>요약문 생성시 사용할 모델에 대해서 설명 드리겠습니다</a:t>
+            </a:r>
+            <a:r>
+              <a:rPr lang="en-US" altLang="ko-KR" sz="1200" kern="100" dirty="0">
+                <a:solidFill>
+                  <a:srgbClr val="111111"/>
+                </a:solidFill>
+                <a:effectLst/>
+                <a:latin typeface="Segoe UI" panose="020B0502040204020203" pitchFamily="34" charset="0"/>
+                <a:ea typeface="맑은 고딕" panose="020B0503020000020004" pitchFamily="50" charset="-127"/>
+                <a:cs typeface="Segoe UI" panose="020B0502040204020203" pitchFamily="34" charset="0"/>
+              </a:rPr>
+              <a:t>. </a:t>
+            </a:r>
+          </a:p>
+          <a:p>
+            <a:pPr marL="0" indent="0" algn="just" latinLnBrk="1">
+              <a:lnSpc>
+                <a:spcPct val="107000"/>
+              </a:lnSpc>
+              <a:spcAft>
+                <a:spcPts val="800"/>
+              </a:spcAft>
+              <a:buNone/>
+            </a:pPr>
+            <a:r>
+              <a:rPr lang="ko-KR" altLang="en-US" sz="1200" kern="100" dirty="0">
+                <a:solidFill>
+                  <a:srgbClr val="111111"/>
+                </a:solidFill>
+                <a:effectLst/>
+                <a:latin typeface="Segoe UI" panose="020B0502040204020203" pitchFamily="34" charset="0"/>
+                <a:ea typeface="맑은 고딕" panose="020B0503020000020004" pitchFamily="50" charset="-127"/>
+                <a:cs typeface="Segoe UI" panose="020B0502040204020203" pitchFamily="34" charset="0"/>
+              </a:rPr>
+              <a:t>텍스트를 요약하는 방법은 다음과 같이 두가지 방법이 있습니다</a:t>
+            </a:r>
+            <a:r>
+              <a:rPr lang="en-US" altLang="ko-KR" sz="1200" kern="100" dirty="0">
+                <a:solidFill>
+                  <a:srgbClr val="111111"/>
+                </a:solidFill>
+                <a:effectLst/>
+                <a:latin typeface="Segoe UI" panose="020B0502040204020203" pitchFamily="34" charset="0"/>
+                <a:ea typeface="맑은 고딕" panose="020B0503020000020004" pitchFamily="50" charset="-127"/>
+                <a:cs typeface="Segoe UI" panose="020B0502040204020203" pitchFamily="34" charset="0"/>
+              </a:rPr>
+              <a:t>. </a:t>
+            </a:r>
+          </a:p>
+          <a:p>
+            <a:pPr marL="342900" indent="-342900" algn="just" latinLnBrk="1">
+              <a:lnSpc>
+                <a:spcPct val="107000"/>
+              </a:lnSpc>
+              <a:spcAft>
+                <a:spcPts val="800"/>
+              </a:spcAft>
+              <a:buAutoNum type="arabicPeriod"/>
+            </a:pPr>
+            <a:endParaRPr lang="en-US" altLang="ko-KR" sz="1200" kern="100" dirty="0">
+              <a:solidFill>
+                <a:srgbClr val="111111"/>
+              </a:solidFill>
+              <a:effectLst/>
+              <a:latin typeface="Segoe UI" panose="020B0502040204020203" pitchFamily="34" charset="0"/>
+              <a:ea typeface="맑은 고딕" panose="020B0503020000020004" pitchFamily="50" charset="-127"/>
+              <a:cs typeface="Segoe UI" panose="020B0502040204020203" pitchFamily="34" charset="0"/>
+            </a:endParaRPr>
+          </a:p>
+          <a:p>
+            <a:pPr marL="342900" indent="-342900" algn="just" latinLnBrk="1">
+              <a:lnSpc>
+                <a:spcPct val="107000"/>
+              </a:lnSpc>
+              <a:spcAft>
+                <a:spcPts val="800"/>
+              </a:spcAft>
+              <a:buAutoNum type="arabicPeriod"/>
+            </a:pPr>
+            <a:r>
+              <a:rPr lang="ko-KR" altLang="ko-KR" sz="1200" kern="100" dirty="0">
+                <a:solidFill>
+                  <a:srgbClr val="111111"/>
+                </a:solidFill>
+                <a:effectLst/>
+                <a:latin typeface="Segoe UI" panose="020B0502040204020203" pitchFamily="34" charset="0"/>
+                <a:ea typeface="맑은 고딕" panose="020B0503020000020004" pitchFamily="50" charset="-127"/>
+                <a:cs typeface="Segoe UI" panose="020B0502040204020203" pitchFamily="34" charset="0"/>
+              </a:rPr>
+              <a:t>추출요약</a:t>
+            </a:r>
+            <a:r>
+              <a:rPr lang="en-US" altLang="ko-KR" sz="1200" kern="100" dirty="0">
+                <a:solidFill>
+                  <a:srgbClr val="111111"/>
+                </a:solidFill>
+                <a:effectLst/>
+                <a:latin typeface="Segoe UI" panose="020B0502040204020203" pitchFamily="34" charset="0"/>
+                <a:ea typeface="맑은 고딕" panose="020B0503020000020004" pitchFamily="50" charset="-127"/>
+                <a:cs typeface="Times New Roman" panose="02020603050405020304" pitchFamily="18" charset="0"/>
+              </a:rPr>
+              <a:t>(extraction) =&gt;</a:t>
+            </a:r>
+            <a:r>
+              <a:rPr lang="ko-KR" altLang="ko-KR" sz="1200" kern="100" dirty="0">
+                <a:solidFill>
+                  <a:srgbClr val="111111"/>
+                </a:solidFill>
+                <a:effectLst/>
+                <a:latin typeface="Segoe UI" panose="020B0502040204020203" pitchFamily="34" charset="0"/>
+                <a:ea typeface="맑은 고딕" panose="020B0503020000020004" pitchFamily="50" charset="-127"/>
+                <a:cs typeface="Segoe UI" panose="020B0502040204020203" pitchFamily="34" charset="0"/>
+              </a:rPr>
+              <a:t>문서에서</a:t>
+            </a:r>
+            <a:r>
+              <a:rPr lang="ko-KR" altLang="ko-KR" sz="1200" kern="100" dirty="0">
+                <a:solidFill>
+                  <a:srgbClr val="111111"/>
+                </a:solidFill>
+                <a:effectLst/>
+                <a:latin typeface="맑은 고딕" panose="020B0503020000020004" pitchFamily="50" charset="-127"/>
+                <a:ea typeface="Segoe UI" panose="020B0502040204020203" pitchFamily="34" charset="0"/>
+                <a:cs typeface="Times New Roman" panose="02020603050405020304" pitchFamily="18" charset="0"/>
+              </a:rPr>
+              <a:t> </a:t>
+            </a:r>
+            <a:r>
+              <a:rPr lang="ko-KR" altLang="ko-KR" sz="1200" kern="100" dirty="0">
+                <a:solidFill>
+                  <a:srgbClr val="111111"/>
+                </a:solidFill>
+                <a:effectLst/>
+                <a:latin typeface="Segoe UI" panose="020B0502040204020203" pitchFamily="34" charset="0"/>
+                <a:ea typeface="맑은 고딕" panose="020B0503020000020004" pitchFamily="50" charset="-127"/>
+                <a:cs typeface="Segoe UI" panose="020B0502040204020203" pitchFamily="34" charset="0"/>
+              </a:rPr>
+              <a:t>뽑은</a:t>
+            </a:r>
+            <a:r>
+              <a:rPr lang="ko-KR" altLang="ko-KR" sz="1200" kern="100" dirty="0">
+                <a:solidFill>
+                  <a:srgbClr val="111111"/>
+                </a:solidFill>
+                <a:effectLst/>
+                <a:latin typeface="맑은 고딕" panose="020B0503020000020004" pitchFamily="50" charset="-127"/>
+                <a:ea typeface="Segoe UI" panose="020B0502040204020203" pitchFamily="34" charset="0"/>
+                <a:cs typeface="Times New Roman" panose="02020603050405020304" pitchFamily="18" charset="0"/>
+              </a:rPr>
+              <a:t> </a:t>
+            </a:r>
+            <a:r>
+              <a:rPr lang="ko-KR" altLang="ko-KR" sz="1200" kern="100" dirty="0">
+                <a:solidFill>
+                  <a:srgbClr val="111111"/>
+                </a:solidFill>
+                <a:effectLst/>
+                <a:latin typeface="Segoe UI" panose="020B0502040204020203" pitchFamily="34" charset="0"/>
+                <a:ea typeface="맑은 고딕" panose="020B0503020000020004" pitchFamily="50" charset="-127"/>
+                <a:cs typeface="Segoe UI" panose="020B0502040204020203" pitchFamily="34" charset="0"/>
+              </a:rPr>
+              <a:t>단어를</a:t>
+            </a:r>
+            <a:r>
+              <a:rPr lang="ko-KR" altLang="ko-KR" sz="1200" kern="100" dirty="0">
+                <a:solidFill>
+                  <a:srgbClr val="111111"/>
+                </a:solidFill>
+                <a:effectLst/>
+                <a:latin typeface="맑은 고딕" panose="020B0503020000020004" pitchFamily="50" charset="-127"/>
+                <a:ea typeface="Segoe UI" panose="020B0502040204020203" pitchFamily="34" charset="0"/>
+                <a:cs typeface="Times New Roman" panose="02020603050405020304" pitchFamily="18" charset="0"/>
+              </a:rPr>
+              <a:t> </a:t>
+            </a:r>
+            <a:r>
+              <a:rPr lang="ko-KR" altLang="ko-KR" sz="1200" kern="100" dirty="0">
+                <a:solidFill>
+                  <a:srgbClr val="111111"/>
+                </a:solidFill>
+                <a:effectLst/>
+                <a:latin typeface="Segoe UI" panose="020B0502040204020203" pitchFamily="34" charset="0"/>
+                <a:ea typeface="맑은 고딕" panose="020B0503020000020004" pitchFamily="50" charset="-127"/>
+                <a:cs typeface="Segoe UI" panose="020B0502040204020203" pitchFamily="34" charset="0"/>
+              </a:rPr>
+              <a:t>조합해</a:t>
+            </a:r>
+            <a:r>
+              <a:rPr lang="ko-KR" altLang="ko-KR" sz="1200" kern="100" dirty="0">
+                <a:solidFill>
+                  <a:srgbClr val="111111"/>
+                </a:solidFill>
+                <a:effectLst/>
+                <a:latin typeface="맑은 고딕" panose="020B0503020000020004" pitchFamily="50" charset="-127"/>
+                <a:ea typeface="Segoe UI" panose="020B0502040204020203" pitchFamily="34" charset="0"/>
+                <a:cs typeface="Times New Roman" panose="02020603050405020304" pitchFamily="18" charset="0"/>
+              </a:rPr>
+              <a:t> </a:t>
+            </a:r>
+            <a:r>
+              <a:rPr lang="ko-KR" altLang="ko-KR" sz="1200" kern="100" dirty="0">
+                <a:solidFill>
+                  <a:srgbClr val="111111"/>
+                </a:solidFill>
+                <a:effectLst/>
+                <a:latin typeface="Segoe UI" panose="020B0502040204020203" pitchFamily="34" charset="0"/>
+                <a:ea typeface="맑은 고딕" panose="020B0503020000020004" pitchFamily="50" charset="-127"/>
+                <a:cs typeface="Segoe UI" panose="020B0502040204020203" pitchFamily="34" charset="0"/>
+              </a:rPr>
+              <a:t>문장을</a:t>
+            </a:r>
+            <a:r>
+              <a:rPr lang="ko-KR" altLang="ko-KR" sz="1200" kern="100" dirty="0">
+                <a:solidFill>
+                  <a:srgbClr val="111111"/>
+                </a:solidFill>
+                <a:effectLst/>
+                <a:latin typeface="맑은 고딕" panose="020B0503020000020004" pitchFamily="50" charset="-127"/>
+                <a:ea typeface="Segoe UI" panose="020B0502040204020203" pitchFamily="34" charset="0"/>
+                <a:cs typeface="Times New Roman" panose="02020603050405020304" pitchFamily="18" charset="0"/>
+              </a:rPr>
+              <a:t> </a:t>
+            </a:r>
+            <a:r>
+              <a:rPr lang="ko-KR" altLang="ko-KR" sz="1200" kern="100" dirty="0">
+                <a:solidFill>
+                  <a:srgbClr val="111111"/>
+                </a:solidFill>
+                <a:effectLst/>
+                <a:latin typeface="Segoe UI" panose="020B0502040204020203" pitchFamily="34" charset="0"/>
+                <a:ea typeface="맑은 고딕" panose="020B0503020000020004" pitchFamily="50" charset="-127"/>
+                <a:cs typeface="Segoe UI" panose="020B0502040204020203" pitchFamily="34" charset="0"/>
+              </a:rPr>
+              <a:t>생성</a:t>
+            </a:r>
+            <a:r>
+              <a:rPr lang="en-US" altLang="ko-KR" sz="1200" kern="100" dirty="0">
+                <a:solidFill>
+                  <a:srgbClr val="111111"/>
+                </a:solidFill>
+                <a:effectLst/>
+                <a:latin typeface="Segoe UI" panose="020B0502040204020203" pitchFamily="34" charset="0"/>
+                <a:ea typeface="맑은 고딕" panose="020B0503020000020004" pitchFamily="50" charset="-127"/>
+                <a:cs typeface="Times New Roman" panose="02020603050405020304" pitchFamily="18" charset="0"/>
+              </a:rPr>
+              <a:t>, </a:t>
+            </a:r>
+            <a:r>
+              <a:rPr lang="ko-KR" altLang="ko-KR" sz="1200" kern="100" dirty="0">
+                <a:solidFill>
+                  <a:srgbClr val="111111"/>
+                </a:solidFill>
+                <a:effectLst/>
+                <a:latin typeface="Segoe UI" panose="020B0502040204020203" pitchFamily="34" charset="0"/>
+                <a:ea typeface="맑은 고딕" panose="020B0503020000020004" pitchFamily="50" charset="-127"/>
+                <a:cs typeface="Segoe UI" panose="020B0502040204020203" pitchFamily="34" charset="0"/>
+              </a:rPr>
+              <a:t>입력의</a:t>
+            </a:r>
+            <a:r>
+              <a:rPr lang="ko-KR" altLang="ko-KR" sz="1200" kern="100" dirty="0">
+                <a:solidFill>
+                  <a:srgbClr val="111111"/>
+                </a:solidFill>
+                <a:effectLst/>
+                <a:latin typeface="맑은 고딕" panose="020B0503020000020004" pitchFamily="50" charset="-127"/>
+                <a:ea typeface="Segoe UI" panose="020B0502040204020203" pitchFamily="34" charset="0"/>
+                <a:cs typeface="Times New Roman" panose="02020603050405020304" pitchFamily="18" charset="0"/>
+              </a:rPr>
+              <a:t> </a:t>
+            </a:r>
+            <a:r>
+              <a:rPr lang="ko-KR" altLang="ko-KR" sz="1200" kern="100" dirty="0">
+                <a:solidFill>
+                  <a:srgbClr val="111111"/>
+                </a:solidFill>
+                <a:effectLst/>
+                <a:latin typeface="Segoe UI" panose="020B0502040204020203" pitchFamily="34" charset="0"/>
+                <a:ea typeface="맑은 고딕" panose="020B0503020000020004" pitchFamily="50" charset="-127"/>
+                <a:cs typeface="Segoe UI" panose="020B0502040204020203" pitchFamily="34" charset="0"/>
+              </a:rPr>
+              <a:t>문장</a:t>
+            </a:r>
+            <a:r>
+              <a:rPr lang="ko-KR" altLang="ko-KR" sz="1200" kern="100" dirty="0">
+                <a:solidFill>
+                  <a:srgbClr val="111111"/>
+                </a:solidFill>
+                <a:effectLst/>
+                <a:latin typeface="맑은 고딕" panose="020B0503020000020004" pitchFamily="50" charset="-127"/>
+                <a:ea typeface="Segoe UI" panose="020B0502040204020203" pitchFamily="34" charset="0"/>
+                <a:cs typeface="Times New Roman" panose="02020603050405020304" pitchFamily="18" charset="0"/>
+              </a:rPr>
+              <a:t> </a:t>
+            </a:r>
+            <a:r>
+              <a:rPr lang="ko-KR" altLang="ko-KR" sz="1200" kern="100" dirty="0">
+                <a:solidFill>
+                  <a:srgbClr val="111111"/>
+                </a:solidFill>
+                <a:effectLst/>
+                <a:latin typeface="Segoe UI" panose="020B0502040204020203" pitchFamily="34" charset="0"/>
+                <a:ea typeface="맑은 고딕" panose="020B0503020000020004" pitchFamily="50" charset="-127"/>
+                <a:cs typeface="Segoe UI" panose="020B0502040204020203" pitchFamily="34" charset="0"/>
+              </a:rPr>
+              <a:t>중</a:t>
+            </a:r>
+            <a:r>
+              <a:rPr lang="ko-KR" altLang="ko-KR" sz="1200" kern="100" dirty="0">
+                <a:solidFill>
+                  <a:srgbClr val="111111"/>
+                </a:solidFill>
+                <a:effectLst/>
+                <a:latin typeface="맑은 고딕" panose="020B0503020000020004" pitchFamily="50" charset="-127"/>
+                <a:ea typeface="Segoe UI" panose="020B0502040204020203" pitchFamily="34" charset="0"/>
+                <a:cs typeface="Times New Roman" panose="02020603050405020304" pitchFamily="18" charset="0"/>
+              </a:rPr>
+              <a:t> </a:t>
+            </a:r>
+            <a:r>
+              <a:rPr lang="ko-KR" altLang="ko-KR" sz="1200" kern="100" dirty="0">
+                <a:solidFill>
+                  <a:srgbClr val="111111"/>
+                </a:solidFill>
+                <a:effectLst/>
+                <a:latin typeface="Segoe UI" panose="020B0502040204020203" pitchFamily="34" charset="0"/>
+                <a:ea typeface="맑은 고딕" panose="020B0503020000020004" pitchFamily="50" charset="-127"/>
+                <a:cs typeface="Segoe UI" panose="020B0502040204020203" pitchFamily="34" charset="0"/>
+              </a:rPr>
+              <a:t>중요도가</a:t>
+            </a:r>
+            <a:r>
+              <a:rPr lang="ko-KR" altLang="ko-KR" sz="1200" kern="100" dirty="0">
+                <a:solidFill>
+                  <a:srgbClr val="111111"/>
+                </a:solidFill>
+                <a:effectLst/>
+                <a:latin typeface="맑은 고딕" panose="020B0503020000020004" pitchFamily="50" charset="-127"/>
+                <a:ea typeface="Segoe UI" panose="020B0502040204020203" pitchFamily="34" charset="0"/>
+                <a:cs typeface="Times New Roman" panose="02020603050405020304" pitchFamily="18" charset="0"/>
+              </a:rPr>
+              <a:t> </a:t>
+            </a:r>
+            <a:r>
+              <a:rPr lang="ko-KR" altLang="ko-KR" sz="1200" kern="100" dirty="0">
+                <a:solidFill>
+                  <a:srgbClr val="111111"/>
+                </a:solidFill>
+                <a:effectLst/>
+                <a:latin typeface="Segoe UI" panose="020B0502040204020203" pitchFamily="34" charset="0"/>
+                <a:ea typeface="맑은 고딕" panose="020B0503020000020004" pitchFamily="50" charset="-127"/>
+                <a:cs typeface="Segoe UI" panose="020B0502040204020203" pitchFamily="34" charset="0"/>
+              </a:rPr>
+              <a:t>높은</a:t>
+            </a:r>
+            <a:r>
+              <a:rPr lang="ko-KR" altLang="ko-KR" sz="1200" kern="100" dirty="0">
+                <a:solidFill>
+                  <a:srgbClr val="111111"/>
+                </a:solidFill>
+                <a:effectLst/>
+                <a:latin typeface="맑은 고딕" panose="020B0503020000020004" pitchFamily="50" charset="-127"/>
+                <a:ea typeface="Segoe UI" panose="020B0502040204020203" pitchFamily="34" charset="0"/>
+                <a:cs typeface="Times New Roman" panose="02020603050405020304" pitchFamily="18" charset="0"/>
+              </a:rPr>
+              <a:t> </a:t>
+            </a:r>
+            <a:r>
+              <a:rPr lang="ko-KR" altLang="ko-KR" sz="1200" kern="100" dirty="0">
+                <a:solidFill>
+                  <a:srgbClr val="111111"/>
+                </a:solidFill>
+                <a:effectLst/>
+                <a:latin typeface="Segoe UI" panose="020B0502040204020203" pitchFamily="34" charset="0"/>
+                <a:ea typeface="맑은 고딕" panose="020B0503020000020004" pitchFamily="50" charset="-127"/>
+                <a:cs typeface="Segoe UI" panose="020B0502040204020203" pitchFamily="34" charset="0"/>
+              </a:rPr>
+              <a:t>순으로</a:t>
+            </a:r>
+            <a:r>
+              <a:rPr lang="ko-KR" altLang="ko-KR" sz="1200" kern="100" dirty="0">
+                <a:solidFill>
+                  <a:srgbClr val="111111"/>
+                </a:solidFill>
+                <a:effectLst/>
+                <a:latin typeface="맑은 고딕" panose="020B0503020000020004" pitchFamily="50" charset="-127"/>
+                <a:ea typeface="Segoe UI" panose="020B0502040204020203" pitchFamily="34" charset="0"/>
+                <a:cs typeface="Times New Roman" panose="02020603050405020304" pitchFamily="18" charset="0"/>
+              </a:rPr>
+              <a:t> </a:t>
+            </a:r>
+            <a:r>
+              <a:rPr lang="en-US" altLang="ko-KR" sz="1200" kern="100" dirty="0">
+                <a:solidFill>
+                  <a:srgbClr val="111111"/>
+                </a:solidFill>
+                <a:effectLst/>
+                <a:latin typeface="맑은 고딕" panose="020B0503020000020004" pitchFamily="50" charset="-127"/>
+                <a:ea typeface="Segoe UI" panose="020B0502040204020203" pitchFamily="34" charset="0"/>
+                <a:cs typeface="Times New Roman" panose="02020603050405020304" pitchFamily="18" charset="0"/>
+              </a:rPr>
+              <a:t>n</a:t>
+            </a:r>
+            <a:r>
+              <a:rPr lang="ko-KR" altLang="ko-KR" sz="1200" kern="100" dirty="0">
+                <a:solidFill>
+                  <a:srgbClr val="111111"/>
+                </a:solidFill>
+                <a:effectLst/>
+                <a:latin typeface="Segoe UI" panose="020B0502040204020203" pitchFamily="34" charset="0"/>
+                <a:ea typeface="맑은 고딕" panose="020B0503020000020004" pitchFamily="50" charset="-127"/>
+                <a:cs typeface="Segoe UI" panose="020B0502040204020203" pitchFamily="34" charset="0"/>
+              </a:rPr>
+              <a:t>개의</a:t>
+            </a:r>
+            <a:r>
+              <a:rPr lang="ko-KR" altLang="ko-KR" sz="1200" kern="100" dirty="0">
+                <a:solidFill>
+                  <a:srgbClr val="111111"/>
+                </a:solidFill>
+                <a:effectLst/>
+                <a:latin typeface="맑은 고딕" panose="020B0503020000020004" pitchFamily="50" charset="-127"/>
+                <a:ea typeface="Segoe UI" panose="020B0502040204020203" pitchFamily="34" charset="0"/>
+                <a:cs typeface="Times New Roman" panose="02020603050405020304" pitchFamily="18" charset="0"/>
+              </a:rPr>
+              <a:t> </a:t>
+            </a:r>
+            <a:r>
+              <a:rPr lang="ko-KR" altLang="ko-KR" sz="1200" kern="100" dirty="0">
+                <a:solidFill>
+                  <a:srgbClr val="111111"/>
+                </a:solidFill>
+                <a:effectLst/>
+                <a:latin typeface="Segoe UI" panose="020B0502040204020203" pitchFamily="34" charset="0"/>
+                <a:ea typeface="맑은 고딕" panose="020B0503020000020004" pitchFamily="50" charset="-127"/>
+                <a:cs typeface="Segoe UI" panose="020B0502040204020203" pitchFamily="34" charset="0"/>
+              </a:rPr>
+              <a:t>문장을</a:t>
+            </a:r>
+            <a:r>
+              <a:rPr lang="ko-KR" altLang="ko-KR" sz="1200" kern="100" dirty="0">
+                <a:solidFill>
+                  <a:srgbClr val="111111"/>
+                </a:solidFill>
+                <a:effectLst/>
+                <a:latin typeface="맑은 고딕" panose="020B0503020000020004" pitchFamily="50" charset="-127"/>
+                <a:ea typeface="Segoe UI" panose="020B0502040204020203" pitchFamily="34" charset="0"/>
+                <a:cs typeface="Times New Roman" panose="02020603050405020304" pitchFamily="18" charset="0"/>
+              </a:rPr>
+              <a:t> </a:t>
+            </a:r>
+            <a:r>
+              <a:rPr lang="ko-KR" altLang="ko-KR" sz="1200" kern="100" dirty="0">
+                <a:solidFill>
+                  <a:srgbClr val="111111"/>
+                </a:solidFill>
+                <a:effectLst/>
+                <a:latin typeface="Segoe UI" panose="020B0502040204020203" pitchFamily="34" charset="0"/>
+                <a:ea typeface="맑은 고딕" panose="020B0503020000020004" pitchFamily="50" charset="-127"/>
+                <a:cs typeface="Segoe UI" panose="020B0502040204020203" pitchFamily="34" charset="0"/>
+              </a:rPr>
+              <a:t>뽑아</a:t>
+            </a:r>
+            <a:r>
+              <a:rPr lang="ko-KR" altLang="ko-KR" sz="1200" kern="100" dirty="0">
+                <a:solidFill>
+                  <a:srgbClr val="111111"/>
+                </a:solidFill>
+                <a:effectLst/>
+                <a:latin typeface="맑은 고딕" panose="020B0503020000020004" pitchFamily="50" charset="-127"/>
+                <a:ea typeface="Segoe UI" panose="020B0502040204020203" pitchFamily="34" charset="0"/>
+                <a:cs typeface="Times New Roman" panose="02020603050405020304" pitchFamily="18" charset="0"/>
+              </a:rPr>
+              <a:t> </a:t>
+            </a:r>
+            <a:r>
+              <a:rPr lang="ko-KR" altLang="ko-KR" sz="1200" kern="100" dirty="0">
+                <a:solidFill>
+                  <a:srgbClr val="111111"/>
+                </a:solidFill>
+                <a:effectLst/>
+                <a:latin typeface="Segoe UI" panose="020B0502040204020203" pitchFamily="34" charset="0"/>
+                <a:ea typeface="맑은 고딕" panose="020B0503020000020004" pitchFamily="50" charset="-127"/>
+                <a:cs typeface="Segoe UI" panose="020B0502040204020203" pitchFamily="34" charset="0"/>
+              </a:rPr>
+              <a:t>만든다</a:t>
+            </a:r>
+            <a:r>
+              <a:rPr lang="en-US" altLang="ko-KR" sz="1200" kern="100" dirty="0">
+                <a:solidFill>
+                  <a:srgbClr val="111111"/>
+                </a:solidFill>
+                <a:effectLst/>
+                <a:latin typeface="Segoe UI" panose="020B0502040204020203" pitchFamily="34" charset="0"/>
+                <a:ea typeface="맑은 고딕" panose="020B0503020000020004" pitchFamily="50" charset="-127"/>
+                <a:cs typeface="Times New Roman" panose="02020603050405020304" pitchFamily="18" charset="0"/>
+              </a:rPr>
+              <a:t>. </a:t>
+            </a:r>
+          </a:p>
+          <a:p>
+            <a:pPr marL="342900" indent="-342900" algn="just" latinLnBrk="1">
+              <a:lnSpc>
+                <a:spcPct val="107000"/>
+              </a:lnSpc>
+              <a:spcAft>
+                <a:spcPts val="800"/>
+              </a:spcAft>
+              <a:buAutoNum type="arabicPeriod"/>
+            </a:pPr>
+            <a:r>
+              <a:rPr lang="ko-KR" altLang="ko-KR" sz="1200" kern="100" dirty="0">
+                <a:solidFill>
+                  <a:srgbClr val="111111"/>
+                </a:solidFill>
+                <a:effectLst/>
+                <a:latin typeface="Segoe UI" panose="020B0502040204020203" pitchFamily="34" charset="0"/>
+                <a:ea typeface="맑은 고딕" panose="020B0503020000020004" pitchFamily="50" charset="-127"/>
+                <a:cs typeface="Segoe UI" panose="020B0502040204020203" pitchFamily="34" charset="0"/>
+              </a:rPr>
+              <a:t>생성요약</a:t>
+            </a:r>
+            <a:r>
+              <a:rPr lang="en-US" altLang="ko-KR" sz="1200" kern="100" dirty="0">
+                <a:solidFill>
+                  <a:srgbClr val="111111"/>
+                </a:solidFill>
+                <a:effectLst/>
+                <a:latin typeface="Segoe UI" panose="020B0502040204020203" pitchFamily="34" charset="0"/>
+                <a:ea typeface="맑은 고딕" panose="020B0503020000020004" pitchFamily="50" charset="-127"/>
+                <a:cs typeface="Times New Roman" panose="02020603050405020304" pitchFamily="18" charset="0"/>
+              </a:rPr>
+              <a:t>(abstraction) =&gt; </a:t>
+            </a:r>
+            <a:r>
+              <a:rPr lang="ko-KR" altLang="ko-KR" sz="1200" kern="100" dirty="0">
+                <a:solidFill>
+                  <a:srgbClr val="111111"/>
+                </a:solidFill>
+                <a:effectLst/>
+                <a:latin typeface="Segoe UI" panose="020B0502040204020203" pitchFamily="34" charset="0"/>
+                <a:ea typeface="맑은 고딕" panose="020B0503020000020004" pitchFamily="50" charset="-127"/>
+                <a:cs typeface="Segoe UI" panose="020B0502040204020203" pitchFamily="34" charset="0"/>
+              </a:rPr>
+              <a:t>의미가</a:t>
+            </a:r>
+            <a:r>
+              <a:rPr lang="ko-KR" altLang="ko-KR" sz="1200" kern="100" dirty="0">
+                <a:solidFill>
+                  <a:srgbClr val="111111"/>
+                </a:solidFill>
+                <a:effectLst/>
+                <a:latin typeface="맑은 고딕" panose="020B0503020000020004" pitchFamily="50" charset="-127"/>
+                <a:ea typeface="Segoe UI" panose="020B0502040204020203" pitchFamily="34" charset="0"/>
+                <a:cs typeface="Times New Roman" panose="02020603050405020304" pitchFamily="18" charset="0"/>
+              </a:rPr>
+              <a:t> </a:t>
+            </a:r>
+            <a:r>
+              <a:rPr lang="ko-KR" altLang="ko-KR" sz="1200" kern="100" dirty="0">
+                <a:solidFill>
+                  <a:srgbClr val="111111"/>
+                </a:solidFill>
+                <a:effectLst/>
+                <a:latin typeface="Segoe UI" panose="020B0502040204020203" pitchFamily="34" charset="0"/>
+                <a:ea typeface="맑은 고딕" panose="020B0503020000020004" pitchFamily="50" charset="-127"/>
+                <a:cs typeface="Segoe UI" panose="020B0502040204020203" pitchFamily="34" charset="0"/>
+              </a:rPr>
+              <a:t>바뀌지</a:t>
+            </a:r>
+            <a:r>
+              <a:rPr lang="ko-KR" altLang="ko-KR" sz="1200" kern="100" dirty="0">
+                <a:solidFill>
+                  <a:srgbClr val="111111"/>
+                </a:solidFill>
+                <a:effectLst/>
+                <a:latin typeface="맑은 고딕" panose="020B0503020000020004" pitchFamily="50" charset="-127"/>
+                <a:ea typeface="Segoe UI" panose="020B0502040204020203" pitchFamily="34" charset="0"/>
+                <a:cs typeface="Times New Roman" panose="02020603050405020304" pitchFamily="18" charset="0"/>
+              </a:rPr>
+              <a:t> </a:t>
+            </a:r>
+            <a:r>
+              <a:rPr lang="ko-KR" altLang="ko-KR" sz="1200" kern="100" dirty="0">
+                <a:solidFill>
+                  <a:srgbClr val="111111"/>
+                </a:solidFill>
+                <a:effectLst/>
+                <a:latin typeface="Segoe UI" panose="020B0502040204020203" pitchFamily="34" charset="0"/>
+                <a:ea typeface="맑은 고딕" panose="020B0503020000020004" pitchFamily="50" charset="-127"/>
+                <a:cs typeface="Segoe UI" panose="020B0502040204020203" pitchFamily="34" charset="0"/>
+              </a:rPr>
+              <a:t>않은</a:t>
+            </a:r>
+            <a:r>
+              <a:rPr lang="ko-KR" altLang="ko-KR" sz="1200" kern="100" dirty="0">
+                <a:solidFill>
+                  <a:srgbClr val="111111"/>
+                </a:solidFill>
+                <a:effectLst/>
+                <a:latin typeface="맑은 고딕" panose="020B0503020000020004" pitchFamily="50" charset="-127"/>
+                <a:ea typeface="Segoe UI" panose="020B0502040204020203" pitchFamily="34" charset="0"/>
+                <a:cs typeface="Times New Roman" panose="02020603050405020304" pitchFamily="18" charset="0"/>
+              </a:rPr>
+              <a:t> </a:t>
+            </a:r>
+            <a:r>
+              <a:rPr lang="ko-KR" altLang="ko-KR" sz="1200" kern="100" dirty="0">
+                <a:solidFill>
+                  <a:srgbClr val="111111"/>
+                </a:solidFill>
+                <a:effectLst/>
+                <a:latin typeface="Segoe UI" panose="020B0502040204020203" pitchFamily="34" charset="0"/>
+                <a:ea typeface="맑은 고딕" panose="020B0503020000020004" pitchFamily="50" charset="-127"/>
+                <a:cs typeface="Segoe UI" panose="020B0502040204020203" pitchFamily="34" charset="0"/>
+              </a:rPr>
+              <a:t>선에서</a:t>
+            </a:r>
+            <a:r>
+              <a:rPr lang="ko-KR" altLang="ko-KR" sz="1200" kern="100" dirty="0">
+                <a:solidFill>
+                  <a:srgbClr val="111111"/>
+                </a:solidFill>
+                <a:effectLst/>
+                <a:latin typeface="맑은 고딕" panose="020B0503020000020004" pitchFamily="50" charset="-127"/>
+                <a:ea typeface="Segoe UI" panose="020B0502040204020203" pitchFamily="34" charset="0"/>
+                <a:cs typeface="Times New Roman" panose="02020603050405020304" pitchFamily="18" charset="0"/>
+              </a:rPr>
+              <a:t> </a:t>
+            </a:r>
+            <a:r>
+              <a:rPr lang="ko-KR" altLang="ko-KR" sz="1200" kern="100" dirty="0">
+                <a:solidFill>
+                  <a:srgbClr val="111111"/>
+                </a:solidFill>
+                <a:effectLst/>
+                <a:latin typeface="Segoe UI" panose="020B0502040204020203" pitchFamily="34" charset="0"/>
+                <a:ea typeface="맑은 고딕" panose="020B0503020000020004" pitchFamily="50" charset="-127"/>
+                <a:cs typeface="Segoe UI" panose="020B0502040204020203" pitchFamily="34" charset="0"/>
+              </a:rPr>
+              <a:t>문서에서</a:t>
+            </a:r>
+            <a:r>
+              <a:rPr lang="ko-KR" altLang="ko-KR" sz="1200" kern="100" dirty="0">
+                <a:solidFill>
+                  <a:srgbClr val="111111"/>
+                </a:solidFill>
+                <a:effectLst/>
+                <a:latin typeface="맑은 고딕" panose="020B0503020000020004" pitchFamily="50" charset="-127"/>
+                <a:ea typeface="Segoe UI" panose="020B0502040204020203" pitchFamily="34" charset="0"/>
+                <a:cs typeface="Times New Roman" panose="02020603050405020304" pitchFamily="18" charset="0"/>
+              </a:rPr>
+              <a:t> </a:t>
+            </a:r>
+            <a:r>
+              <a:rPr lang="ko-KR" altLang="ko-KR" sz="1200" kern="100" dirty="0">
+                <a:solidFill>
+                  <a:srgbClr val="111111"/>
+                </a:solidFill>
+                <a:effectLst/>
+                <a:latin typeface="Segoe UI" panose="020B0502040204020203" pitchFamily="34" charset="0"/>
+                <a:ea typeface="맑은 고딕" panose="020B0503020000020004" pitchFamily="50" charset="-127"/>
+                <a:cs typeface="Segoe UI" panose="020B0502040204020203" pitchFamily="34" charset="0"/>
+              </a:rPr>
+              <a:t>쓰이지</a:t>
+            </a:r>
+            <a:r>
+              <a:rPr lang="ko-KR" altLang="ko-KR" sz="1200" kern="100" dirty="0">
+                <a:solidFill>
+                  <a:srgbClr val="111111"/>
+                </a:solidFill>
+                <a:effectLst/>
+                <a:latin typeface="맑은 고딕" panose="020B0503020000020004" pitchFamily="50" charset="-127"/>
+                <a:ea typeface="Segoe UI" panose="020B0502040204020203" pitchFamily="34" charset="0"/>
+                <a:cs typeface="Times New Roman" panose="02020603050405020304" pitchFamily="18" charset="0"/>
+              </a:rPr>
+              <a:t> </a:t>
+            </a:r>
+            <a:r>
+              <a:rPr lang="ko-KR" altLang="ko-KR" sz="1200" kern="100" dirty="0">
+                <a:solidFill>
+                  <a:srgbClr val="111111"/>
+                </a:solidFill>
+                <a:effectLst/>
+                <a:latin typeface="Segoe UI" panose="020B0502040204020203" pitchFamily="34" charset="0"/>
+                <a:ea typeface="맑은 고딕" panose="020B0503020000020004" pitchFamily="50" charset="-127"/>
+                <a:cs typeface="Segoe UI" panose="020B0502040204020203" pitchFamily="34" charset="0"/>
+              </a:rPr>
+              <a:t>않은</a:t>
+            </a:r>
+            <a:r>
+              <a:rPr lang="ko-KR" altLang="ko-KR" sz="1200" kern="100" dirty="0">
+                <a:solidFill>
+                  <a:srgbClr val="111111"/>
+                </a:solidFill>
+                <a:effectLst/>
+                <a:latin typeface="맑은 고딕" panose="020B0503020000020004" pitchFamily="50" charset="-127"/>
+                <a:ea typeface="Segoe UI" panose="020B0502040204020203" pitchFamily="34" charset="0"/>
+                <a:cs typeface="Times New Roman" panose="02020603050405020304" pitchFamily="18" charset="0"/>
+              </a:rPr>
+              <a:t> </a:t>
+            </a:r>
+            <a:r>
+              <a:rPr lang="ko-KR" altLang="ko-KR" sz="1200" kern="100" dirty="0">
+                <a:solidFill>
+                  <a:srgbClr val="111111"/>
+                </a:solidFill>
+                <a:effectLst/>
+                <a:latin typeface="Segoe UI" panose="020B0502040204020203" pitchFamily="34" charset="0"/>
+                <a:ea typeface="맑은 고딕" panose="020B0503020000020004" pitchFamily="50" charset="-127"/>
+                <a:cs typeface="Segoe UI" panose="020B0502040204020203" pitchFamily="34" charset="0"/>
+              </a:rPr>
+              <a:t>단어</a:t>
+            </a:r>
+            <a:r>
+              <a:rPr lang="ko-KR" altLang="ko-KR" sz="1200" kern="100" dirty="0">
+                <a:solidFill>
+                  <a:srgbClr val="111111"/>
+                </a:solidFill>
+                <a:effectLst/>
+                <a:latin typeface="맑은 고딕" panose="020B0503020000020004" pitchFamily="50" charset="-127"/>
+                <a:ea typeface="Segoe UI" panose="020B0502040204020203" pitchFamily="34" charset="0"/>
+                <a:cs typeface="Times New Roman" panose="02020603050405020304" pitchFamily="18" charset="0"/>
+              </a:rPr>
+              <a:t> </a:t>
+            </a:r>
+            <a:r>
+              <a:rPr lang="ko-KR" altLang="ko-KR" sz="1200" kern="100" dirty="0">
+                <a:solidFill>
+                  <a:srgbClr val="111111"/>
+                </a:solidFill>
+                <a:effectLst/>
+                <a:latin typeface="Segoe UI" panose="020B0502040204020203" pitchFamily="34" charset="0"/>
+                <a:ea typeface="맑은 고딕" panose="020B0503020000020004" pitchFamily="50" charset="-127"/>
+                <a:cs typeface="Segoe UI" panose="020B0502040204020203" pitchFamily="34" charset="0"/>
+              </a:rPr>
+              <a:t>또는</a:t>
+            </a:r>
+            <a:r>
+              <a:rPr lang="ko-KR" altLang="ko-KR" sz="1200" kern="100" dirty="0">
+                <a:solidFill>
+                  <a:srgbClr val="111111"/>
+                </a:solidFill>
+                <a:effectLst/>
+                <a:latin typeface="맑은 고딕" panose="020B0503020000020004" pitchFamily="50" charset="-127"/>
+                <a:ea typeface="Segoe UI" panose="020B0502040204020203" pitchFamily="34" charset="0"/>
+                <a:cs typeface="Times New Roman" panose="02020603050405020304" pitchFamily="18" charset="0"/>
+              </a:rPr>
+              <a:t> </a:t>
+            </a:r>
+            <a:r>
+              <a:rPr lang="ko-KR" altLang="ko-KR" sz="1200" kern="100" dirty="0">
+                <a:solidFill>
+                  <a:srgbClr val="111111"/>
+                </a:solidFill>
+                <a:effectLst/>
+                <a:latin typeface="Segoe UI" panose="020B0502040204020203" pitchFamily="34" charset="0"/>
+                <a:ea typeface="맑은 고딕" panose="020B0503020000020004" pitchFamily="50" charset="-127"/>
+                <a:cs typeface="Segoe UI" panose="020B0502040204020203" pitchFamily="34" charset="0"/>
+              </a:rPr>
+              <a:t>표현을</a:t>
+            </a:r>
+            <a:r>
+              <a:rPr lang="ko-KR" altLang="ko-KR" sz="1200" kern="100" dirty="0">
+                <a:solidFill>
+                  <a:srgbClr val="111111"/>
+                </a:solidFill>
+                <a:effectLst/>
+                <a:latin typeface="맑은 고딕" panose="020B0503020000020004" pitchFamily="50" charset="-127"/>
+                <a:ea typeface="Segoe UI" panose="020B0502040204020203" pitchFamily="34" charset="0"/>
+                <a:cs typeface="Times New Roman" panose="02020603050405020304" pitchFamily="18" charset="0"/>
+              </a:rPr>
+              <a:t> </a:t>
+            </a:r>
+            <a:r>
+              <a:rPr lang="ko-KR" altLang="ko-KR" sz="1200" kern="100" dirty="0">
+                <a:solidFill>
+                  <a:srgbClr val="111111"/>
+                </a:solidFill>
+                <a:effectLst/>
+                <a:latin typeface="Segoe UI" panose="020B0502040204020203" pitchFamily="34" charset="0"/>
+                <a:ea typeface="맑은 고딕" panose="020B0503020000020004" pitchFamily="50" charset="-127"/>
+                <a:cs typeface="Segoe UI" panose="020B0502040204020203" pitchFamily="34" charset="0"/>
+              </a:rPr>
+              <a:t>이용해</a:t>
+            </a:r>
+            <a:r>
+              <a:rPr lang="ko-KR" altLang="ko-KR" sz="1200" kern="100" dirty="0">
+                <a:solidFill>
+                  <a:srgbClr val="111111"/>
+                </a:solidFill>
+                <a:effectLst/>
+                <a:latin typeface="맑은 고딕" panose="020B0503020000020004" pitchFamily="50" charset="-127"/>
+                <a:ea typeface="Segoe UI" panose="020B0502040204020203" pitchFamily="34" charset="0"/>
+                <a:cs typeface="Times New Roman" panose="02020603050405020304" pitchFamily="18" charset="0"/>
+              </a:rPr>
+              <a:t> </a:t>
+            </a:r>
+            <a:r>
+              <a:rPr lang="ko-KR" altLang="ko-KR" sz="1200" kern="100" dirty="0">
+                <a:solidFill>
+                  <a:srgbClr val="111111"/>
+                </a:solidFill>
+                <a:effectLst/>
+                <a:latin typeface="Segoe UI" panose="020B0502040204020203" pitchFamily="34" charset="0"/>
+                <a:ea typeface="맑은 고딕" panose="020B0503020000020004" pitchFamily="50" charset="-127"/>
+                <a:cs typeface="Segoe UI" panose="020B0502040204020203" pitchFamily="34" charset="0"/>
+              </a:rPr>
+              <a:t>문장을</a:t>
+            </a:r>
+            <a:r>
+              <a:rPr lang="ko-KR" altLang="ko-KR" sz="1200" kern="100" dirty="0">
+                <a:solidFill>
+                  <a:srgbClr val="111111"/>
+                </a:solidFill>
+                <a:effectLst/>
+                <a:latin typeface="맑은 고딕" panose="020B0503020000020004" pitchFamily="50" charset="-127"/>
+                <a:ea typeface="Segoe UI" panose="020B0502040204020203" pitchFamily="34" charset="0"/>
+                <a:cs typeface="Times New Roman" panose="02020603050405020304" pitchFamily="18" charset="0"/>
+              </a:rPr>
+              <a:t> </a:t>
+            </a:r>
+            <a:r>
+              <a:rPr lang="ko-KR" altLang="ko-KR" sz="1200" kern="100" dirty="0">
+                <a:solidFill>
+                  <a:srgbClr val="111111"/>
+                </a:solidFill>
+                <a:effectLst/>
+                <a:latin typeface="Segoe UI" panose="020B0502040204020203" pitchFamily="34" charset="0"/>
+                <a:ea typeface="맑은 고딕" panose="020B0503020000020004" pitchFamily="50" charset="-127"/>
+                <a:cs typeface="Segoe UI" panose="020B0502040204020203" pitchFamily="34" charset="0"/>
+              </a:rPr>
+              <a:t>만들어낸다</a:t>
+            </a:r>
+            <a:r>
+              <a:rPr lang="en-US" altLang="ko-KR" sz="1200" kern="100" dirty="0">
+                <a:solidFill>
+                  <a:srgbClr val="111111"/>
+                </a:solidFill>
+                <a:effectLst/>
+                <a:latin typeface="Segoe UI" panose="020B0502040204020203" pitchFamily="34" charset="0"/>
+                <a:ea typeface="맑은 고딕" panose="020B0503020000020004" pitchFamily="50" charset="-127"/>
+                <a:cs typeface="Times New Roman" panose="02020603050405020304" pitchFamily="18" charset="0"/>
+              </a:rPr>
+              <a:t>.</a:t>
+            </a:r>
+          </a:p>
+          <a:p>
+            <a:endParaRPr lang="en-US" altLang="ko-KR" dirty="0"/>
+          </a:p>
+          <a:p>
             <a:r>
               <a:rPr lang="ko-KR" altLang="en-US" dirty="0"/>
-              <a:t>저희가 요약문 생성시 사용할 학습데이터는 다음과 같습니다</a:t>
+              <a:t>저희 조는 조금 더 자연스러운 요약문을 생성하기 위하여 </a:t>
             </a:r>
             <a:r>
               <a:rPr lang="en-US" altLang="ko-KR" dirty="0"/>
-              <a:t>. </a:t>
+              <a:t>GPT</a:t>
             </a:r>
             <a:r>
               <a:rPr lang="ko-KR" altLang="en-US" dirty="0"/>
-              <a:t>해당 데이터 셋은 다양한 방송 콘텐츠 대본 데이터로부터 생성 요약문을 도출한 방송 콘텐츠 대본 요약 </a:t>
+              <a:t>기반의 모델을 사용할 예정입니다</a:t>
             </a:r>
             <a:r>
               <a:rPr lang="en-US" altLang="ko-KR" dirty="0"/>
-              <a:t>AI </a:t>
-            </a:r>
-            <a:r>
-              <a:rPr lang="ko-KR" altLang="en-US" dirty="0" err="1"/>
-              <a:t>데이터셋입니다</a:t>
-            </a:r>
-            <a:r>
-              <a:rPr lang="en-US" altLang="ko-KR" dirty="0"/>
-              <a:t>. </a:t>
-            </a:r>
-            <a:r>
-              <a:rPr lang="ko-KR" altLang="en-US" dirty="0"/>
-              <a:t>대본에서 생성 요약문을 추출하는 저희 조의 프로젝트에 적합한 데이터 셋이라고</a:t>
-            </a:r>
-            <a:r>
-              <a:rPr lang="en-US" altLang="ko-KR" dirty="0"/>
-              <a:t> </a:t>
-            </a:r>
-            <a:r>
-              <a:rPr lang="ko-KR" altLang="en-US" dirty="0"/>
-              <a:t>판단하였습니다</a:t>
-            </a:r>
-            <a:r>
-              <a:rPr lang="en-US" altLang="ko-KR" dirty="0"/>
-              <a:t>. </a:t>
+              <a:t>.</a:t>
             </a:r>
             <a:endParaRPr lang="ko-KR" altLang="en-US" dirty="0"/>
           </a:p>
@@ -1772,7 +2056,7 @@
     </p:spTree>
     <p:extLst>
       <p:ext uri="{BB962C8B-B14F-4D97-AF65-F5344CB8AC3E}">
-        <p14:creationId xmlns:p14="http://schemas.microsoft.com/office/powerpoint/2010/main" val="448535998"/>
+        <p14:creationId xmlns:p14="http://schemas.microsoft.com/office/powerpoint/2010/main" val="1597135712"/>
       </p:ext>
     </p:extLst>
   </p:cSld>
@@ -1826,142 +2110,207 @@
           <a:bodyPr/>
           <a:lstStyle/>
           <a:p>
-            <a:pPr marL="0" marR="0" lvl="0" indent="0" algn="l" defTabSz="914400" rtl="0" eaLnBrk="1" fontAlgn="auto" latinLnBrk="1" hangingPunct="1">
-              <a:lnSpc>
-                <a:spcPct val="100000"/>
-              </a:lnSpc>
-              <a:spcBef>
-                <a:spcPts val="0"/>
-              </a:spcBef>
-              <a:spcAft>
-                <a:spcPts val="0"/>
-              </a:spcAft>
-              <a:buClrTx/>
-              <a:buSzTx/>
-              <a:buFontTx/>
-              <a:buNone/>
-              <a:tabLst/>
-              <a:defRPr/>
-            </a:pPr>
-            <a:r>
-              <a:rPr lang="ko-KR" altLang="en-US" dirty="0"/>
-              <a:t>화자 분리에 사용할 </a:t>
-            </a:r>
-            <a:r>
-              <a:rPr lang="en-US" altLang="ko-KR" dirty="0"/>
-              <a:t>dataset</a:t>
-            </a:r>
-            <a:r>
-              <a:rPr lang="ko-KR" altLang="en-US" dirty="0"/>
-              <a:t>은 </a:t>
-            </a:r>
-            <a:r>
-              <a:rPr lang="en-US" altLang="ko-KR" dirty="0" err="1"/>
-              <a:t>librimix</a:t>
-            </a:r>
-            <a:r>
-              <a:rPr lang="ko-KR" altLang="en-US" dirty="0"/>
-              <a:t>라는 데이터 입니다</a:t>
-            </a:r>
-            <a:r>
-              <a:rPr lang="en-US" altLang="ko-KR" dirty="0"/>
-              <a:t>. 2</a:t>
-            </a:r>
-            <a:r>
-              <a:rPr lang="ko-KR" altLang="en-US" dirty="0"/>
-              <a:t>개 또는 </a:t>
-            </a:r>
-            <a:r>
-              <a:rPr lang="en-US" altLang="ko-KR" dirty="0"/>
-              <a:t>3</a:t>
-            </a:r>
-            <a:r>
-              <a:rPr lang="ko-KR" altLang="en-US" dirty="0"/>
-              <a:t>개의 말뭉치를 합쳐서 만들었고 노이즈가 포함된 데이터와 중첩 비율 별로 데이터를 제공</a:t>
-            </a:r>
-            <a:endParaRPr lang="en-US" altLang="ko-KR" dirty="0"/>
-          </a:p>
-          <a:p>
-            <a:pPr marL="0" marR="0" lvl="0" indent="0" algn="l" defTabSz="914400" rtl="0" eaLnBrk="1" fontAlgn="auto" latinLnBrk="1" hangingPunct="1">
-              <a:lnSpc>
-                <a:spcPct val="100000"/>
-              </a:lnSpc>
-              <a:spcBef>
-                <a:spcPts val="0"/>
-              </a:spcBef>
-              <a:spcAft>
-                <a:spcPts val="0"/>
-              </a:spcAft>
-              <a:buClrTx/>
-              <a:buSzTx/>
-              <a:buFontTx/>
-              <a:buNone/>
-              <a:tabLst/>
-              <a:defRPr/>
-            </a:pPr>
-            <a:endParaRPr lang="en-US" altLang="ko-KR" dirty="0"/>
-          </a:p>
-          <a:p>
-            <a:pPr marL="0" marR="0" lvl="0" indent="0" algn="l" defTabSz="914400" rtl="0" eaLnBrk="1" fontAlgn="auto" latinLnBrk="1" hangingPunct="1">
-              <a:lnSpc>
-                <a:spcPct val="100000"/>
-              </a:lnSpc>
-              <a:spcBef>
-                <a:spcPts val="0"/>
-              </a:spcBef>
-              <a:spcAft>
-                <a:spcPts val="0"/>
-              </a:spcAft>
-              <a:buClrTx/>
-              <a:buSzTx/>
-              <a:buFontTx/>
-              <a:buNone/>
-              <a:tabLst/>
-              <a:defRPr/>
-            </a:pPr>
-            <a:r>
-              <a:rPr lang="ko-KR" altLang="en-US" dirty="0"/>
-              <a:t>기존 사용된 던 데이터셋은 </a:t>
-            </a:r>
-            <a:r>
-              <a:rPr lang="en-US" altLang="ko-KR" dirty="0"/>
-              <a:t>c</a:t>
-            </a:r>
-            <a:r>
-              <a:rPr lang="ko-KR" altLang="en-US" dirty="0"/>
-              <a:t>번 그림과 같은 완전히 겹쳐진 데이터만 제공하는데 일반적인 상황에서는 </a:t>
-            </a:r>
-            <a:r>
-              <a:rPr lang="en-US" altLang="ko-KR" dirty="0"/>
-              <a:t>b</a:t>
-            </a:r>
-            <a:r>
-              <a:rPr lang="ko-KR" altLang="en-US" dirty="0"/>
-              <a:t>번 그림과 같이 </a:t>
-            </a:r>
-            <a:r>
-              <a:rPr lang="en-US" altLang="ko-KR" dirty="0"/>
-              <a:t>20% </a:t>
-            </a:r>
-            <a:r>
-              <a:rPr lang="ko-KR" altLang="en-US" dirty="0"/>
-              <a:t>미만으로 겹쳐지는 상황이 대부분이라 학습된 데이터 이외의 데이터에서는 성능 저하가 일어나서 고안된 데이터로 실제 해당 데이터로 학습된 모델에서 보다 더 나은 </a:t>
-            </a:r>
-            <a:r>
-              <a:rPr lang="en-US" altLang="ko-KR" dirty="0"/>
-              <a:t>generalize</a:t>
-            </a:r>
-            <a:r>
-              <a:rPr lang="ko-KR" altLang="en-US" dirty="0"/>
-              <a:t> 성능을 보입니다</a:t>
-            </a:r>
-            <a:r>
-              <a:rPr lang="en-US" altLang="ko-KR" dirty="0"/>
+            <a:r>
+              <a:rPr lang="ko-KR" altLang="en-US" b="0" i="0" dirty="0">
+                <a:solidFill>
+                  <a:srgbClr val="374151"/>
+                </a:solidFill>
+                <a:effectLst/>
+                <a:latin typeface="Söhne"/>
+              </a:rPr>
+              <a:t>저희가 사용할 화자 분리 모델은 다음과 같습니다</a:t>
+            </a:r>
+            <a:r>
+              <a:rPr lang="en-US" altLang="ko-KR" b="0" i="0" dirty="0">
+                <a:solidFill>
+                  <a:srgbClr val="374151"/>
+                </a:solidFill>
+                <a:effectLst/>
+                <a:latin typeface="Söhne"/>
+              </a:rPr>
               <a:t>. </a:t>
             </a:r>
-          </a:p>
-          <a:p>
-            <a:endParaRPr lang="ko-KR" altLang="en-US" dirty="0"/>
+            <a:r>
+              <a:rPr lang="ko-KR" altLang="en-US" b="0" i="0" dirty="0">
+                <a:solidFill>
+                  <a:srgbClr val="374151"/>
+                </a:solidFill>
+                <a:effectLst/>
+                <a:latin typeface="Söhne"/>
+              </a:rPr>
+              <a:t>해당 그래프는 저희가 사용할 </a:t>
+            </a:r>
+            <a:r>
+              <a:rPr lang="en-US" altLang="ko-KR" b="0" i="0" dirty="0" err="1">
+                <a:solidFill>
+                  <a:srgbClr val="374151"/>
+                </a:solidFill>
+                <a:effectLst/>
+                <a:latin typeface="Söhne"/>
+              </a:rPr>
+              <a:t>Librimix</a:t>
+            </a:r>
+            <a:r>
+              <a:rPr lang="en-US" altLang="ko-KR" b="0" i="0" dirty="0">
+                <a:solidFill>
+                  <a:srgbClr val="374151"/>
+                </a:solidFill>
+                <a:effectLst/>
+                <a:latin typeface="Söhne"/>
+              </a:rPr>
+              <a:t> dataset</a:t>
+            </a:r>
+            <a:r>
+              <a:rPr lang="ko-KR" altLang="en-US" b="0" i="0" dirty="0">
+                <a:solidFill>
+                  <a:srgbClr val="374151"/>
+                </a:solidFill>
+                <a:effectLst/>
+                <a:latin typeface="Söhne"/>
+              </a:rPr>
+              <a:t>을 기준으로 한 </a:t>
+            </a:r>
+            <a:r>
+              <a:rPr lang="ko-KR" altLang="en-US" b="0" i="0" dirty="0" err="1">
+                <a:solidFill>
+                  <a:srgbClr val="374151"/>
+                </a:solidFill>
+                <a:effectLst/>
+                <a:latin typeface="Söhne"/>
+              </a:rPr>
+              <a:t>모델별</a:t>
+            </a:r>
+            <a:r>
+              <a:rPr lang="ko-KR" altLang="en-US" b="0" i="0" dirty="0">
+                <a:solidFill>
+                  <a:srgbClr val="374151"/>
+                </a:solidFill>
+                <a:effectLst/>
+                <a:latin typeface="Söhne"/>
+              </a:rPr>
+              <a:t> </a:t>
+            </a:r>
+            <a:r>
+              <a:rPr lang="en-US" altLang="ko-KR" b="0" i="0" dirty="0" err="1">
+                <a:solidFill>
+                  <a:srgbClr val="374151"/>
+                </a:solidFill>
+                <a:effectLst/>
+                <a:latin typeface="Söhne"/>
+              </a:rPr>
+              <a:t>SDRi</a:t>
+            </a:r>
+            <a:r>
+              <a:rPr lang="en-US" altLang="ko-KR" b="0" i="0" dirty="0">
+                <a:solidFill>
+                  <a:srgbClr val="374151"/>
+                </a:solidFill>
+                <a:effectLst/>
+                <a:latin typeface="Söhne"/>
+              </a:rPr>
+              <a:t> </a:t>
+            </a:r>
+            <a:r>
+              <a:rPr lang="ko-KR" altLang="en-US" b="0" i="0" dirty="0">
+                <a:solidFill>
+                  <a:srgbClr val="374151"/>
+                </a:solidFill>
+                <a:effectLst/>
+                <a:latin typeface="Söhne"/>
+              </a:rPr>
+              <a:t>성능비교 그래프 입니다</a:t>
+            </a:r>
+            <a:r>
+              <a:rPr lang="en-US" altLang="ko-KR" b="0" i="0" dirty="0">
+                <a:solidFill>
+                  <a:srgbClr val="374151"/>
+                </a:solidFill>
+                <a:effectLst/>
+                <a:latin typeface="Söhne"/>
+              </a:rPr>
+              <a:t>. </a:t>
+            </a:r>
+            <a:r>
+              <a:rPr lang="ko-KR" altLang="en-US" b="0" i="0" dirty="0">
+                <a:solidFill>
+                  <a:srgbClr val="374151"/>
+                </a:solidFill>
+                <a:effectLst/>
+                <a:latin typeface="Söhne"/>
+              </a:rPr>
+              <a:t>저희가 사용할 모델의 성능은 그래프의 해당 지점에 위치합니다</a:t>
+            </a:r>
+            <a:r>
+              <a:rPr lang="en-US" altLang="ko-KR" b="0" i="0" dirty="0">
+                <a:solidFill>
+                  <a:srgbClr val="374151"/>
+                </a:solidFill>
+                <a:effectLst/>
+                <a:latin typeface="Söhne"/>
+              </a:rPr>
+              <a:t>. </a:t>
+            </a:r>
+          </a:p>
+          <a:p>
+            <a:endParaRPr lang="en-US" altLang="ko-KR" b="0" i="0" dirty="0">
+              <a:solidFill>
+                <a:srgbClr val="374151"/>
+              </a:solidFill>
+              <a:effectLst/>
+              <a:latin typeface="Söhne"/>
+            </a:endParaRPr>
+          </a:p>
+          <a:p>
+            <a:r>
+              <a:rPr lang="en-US" altLang="ko-KR" b="0" i="0" dirty="0" err="1">
+                <a:solidFill>
+                  <a:srgbClr val="374151"/>
+                </a:solidFill>
+                <a:effectLst/>
+                <a:latin typeface="Söhne"/>
+              </a:rPr>
+              <a:t>SDRi</a:t>
+            </a:r>
+            <a:r>
+              <a:rPr lang="ko-KR" altLang="en-US" b="0" i="0" dirty="0">
+                <a:solidFill>
+                  <a:srgbClr val="374151"/>
+                </a:solidFill>
+                <a:effectLst/>
+                <a:latin typeface="Söhne"/>
+              </a:rPr>
+              <a:t>은 분리된 음성 신호와 원본 음성 신호 간의 신호 대 신호 비</a:t>
+            </a:r>
+            <a:r>
+              <a:rPr lang="en-US" altLang="ko-KR" b="0" i="0" dirty="0">
+                <a:solidFill>
+                  <a:srgbClr val="374151"/>
+                </a:solidFill>
+                <a:effectLst/>
+                <a:latin typeface="Söhne"/>
+              </a:rPr>
+              <a:t>(ratio)</a:t>
+            </a:r>
+            <a:r>
+              <a:rPr lang="ko-KR" altLang="en-US" b="0" i="0" dirty="0">
+                <a:solidFill>
+                  <a:srgbClr val="374151"/>
+                </a:solidFill>
+                <a:effectLst/>
+                <a:latin typeface="Söhne"/>
+              </a:rPr>
+              <a:t>를 계산한 것으로 다음과 같이 비교됩니다</a:t>
+            </a:r>
+            <a:r>
+              <a:rPr lang="en-US" altLang="ko-KR" b="0" i="0" dirty="0">
+                <a:solidFill>
+                  <a:srgbClr val="374151"/>
+                </a:solidFill>
+                <a:effectLst/>
+                <a:latin typeface="Söhne"/>
+              </a:rPr>
+              <a:t>. </a:t>
+            </a:r>
           </a:p>
         </p:txBody>
       </p:sp>
@@ -1991,7 +2340,7 @@
     </p:spTree>
     <p:extLst>
       <p:ext uri="{BB962C8B-B14F-4D97-AF65-F5344CB8AC3E}">
-        <p14:creationId xmlns:p14="http://schemas.microsoft.com/office/powerpoint/2010/main" val="511121159"/>
+        <p14:creationId xmlns:p14="http://schemas.microsoft.com/office/powerpoint/2010/main" val="2049252655"/>
       </p:ext>
     </p:extLst>
   </p:cSld>
@@ -2045,90 +2394,130 @@
           <a:bodyPr/>
           <a:lstStyle/>
           <a:p>
+            <a:pPr marL="0" marR="0" lvl="0" indent="0" algn="l" defTabSz="914400" rtl="0" eaLnBrk="1" fontAlgn="auto" latinLnBrk="1" hangingPunct="1">
+              <a:lnSpc>
+                <a:spcPct val="100000"/>
+              </a:lnSpc>
+              <a:spcBef>
+                <a:spcPts val="0"/>
+              </a:spcBef>
+              <a:spcAft>
+                <a:spcPts val="0"/>
+              </a:spcAft>
+              <a:buClrTx/>
+              <a:buSzTx/>
+              <a:buFontTx/>
+              <a:buNone/>
+              <a:tabLst/>
+              <a:defRPr/>
+            </a:pPr>
             <a:r>
               <a:rPr lang="ko-KR" altLang="en-US" dirty="0"/>
-              <a:t>다음은 요약의 평가 기준입니다</a:t>
+              <a:t>저희가 </a:t>
+            </a:r>
+            <a:r>
+              <a:rPr lang="en-US" altLang="ko-KR" dirty="0"/>
+              <a:t>STT</a:t>
+            </a:r>
+            <a:r>
+              <a:rPr lang="ko-KR" altLang="en-US" dirty="0"/>
+              <a:t>모델을 학습할 때 사용할 음성 데이터는 </a:t>
+            </a:r>
+            <a:r>
+              <a:rPr lang="en-US" altLang="ko-KR" dirty="0" err="1"/>
+              <a:t>ksponspeech</a:t>
+            </a:r>
+            <a:r>
+              <a:rPr lang="ko-KR" altLang="en-US" dirty="0"/>
+              <a:t>입니다</a:t>
             </a:r>
             <a:r>
               <a:rPr lang="en-US" altLang="ko-KR" dirty="0"/>
               <a:t>. </a:t>
             </a:r>
             <a:r>
-              <a:rPr lang="ko-KR" altLang="en-US" dirty="0"/>
-              <a:t>저희 조는 화자 별 발화 내용이 구분된 경우 생성된 요약문과 구분을 하지 않고 생성된 요약문에 대해서 성능을 비교할 예정입니다</a:t>
-            </a:r>
-            <a:r>
-              <a:rPr lang="en-US" altLang="ko-KR" dirty="0"/>
+              <a:rPr lang="ko-KR" altLang="en-US" b="0" i="0" dirty="0">
+                <a:solidFill>
+                  <a:srgbClr val="ECECEC"/>
+                </a:solidFill>
+                <a:effectLst/>
+                <a:latin typeface="-apple-system"/>
+              </a:rPr>
+              <a:t>해당 데이터셋은 약 </a:t>
+            </a:r>
+            <a:r>
+              <a:rPr lang="en-US" altLang="ko-KR" b="0" i="0" dirty="0">
+                <a:solidFill>
+                  <a:srgbClr val="ECECEC"/>
+                </a:solidFill>
+                <a:effectLst/>
+                <a:latin typeface="-apple-system"/>
+              </a:rPr>
+              <a:t>2000</a:t>
+            </a:r>
+            <a:r>
+              <a:rPr lang="ko-KR" altLang="en-US" b="0" i="0" dirty="0">
+                <a:solidFill>
+                  <a:srgbClr val="ECECEC"/>
+                </a:solidFill>
+                <a:effectLst/>
+                <a:latin typeface="-apple-system"/>
+              </a:rPr>
+              <a:t>여명의 </a:t>
+            </a:r>
+            <a:r>
+              <a:rPr lang="en-US" altLang="ko-KR" b="0" i="0" dirty="0">
+                <a:solidFill>
+                  <a:srgbClr val="ECECEC"/>
+                </a:solidFill>
+                <a:effectLst/>
+                <a:latin typeface="-apple-system"/>
+              </a:rPr>
+              <a:t>1,000</a:t>
+            </a:r>
+            <a:r>
+              <a:rPr lang="ko-KR" altLang="en-US" b="0" i="0" dirty="0">
+                <a:solidFill>
+                  <a:srgbClr val="ECECEC"/>
+                </a:solidFill>
+                <a:effectLst/>
+                <a:latin typeface="-apple-system"/>
+              </a:rPr>
+              <a:t>시간의 한국어 음성 데이터와 텍스트의 형태로 제공됩니다</a:t>
+            </a:r>
+            <a:r>
+              <a:rPr lang="en-US" altLang="ko-KR" b="0" i="0" dirty="0">
+                <a:solidFill>
+                  <a:srgbClr val="ECECEC"/>
+                </a:solidFill>
+                <a:effectLst/>
+                <a:latin typeface="-apple-system"/>
+              </a:rPr>
               <a:t>. </a:t>
             </a:r>
             <a:r>
-              <a:rPr lang="ko-KR" altLang="en-US" dirty="0"/>
-              <a:t>성능의 비교 지표는 다음과 같이 </a:t>
-            </a:r>
-            <a:r>
-              <a:rPr lang="en-US" altLang="ko-KR" dirty="0"/>
-              <a:t>rouge</a:t>
-            </a:r>
-            <a:r>
-              <a:rPr lang="ko-KR" altLang="en-US" dirty="0"/>
-              <a:t>와 </a:t>
-            </a:r>
-            <a:r>
-              <a:rPr lang="en-US" altLang="ko-KR" dirty="0"/>
-              <a:t>meteor</a:t>
-            </a:r>
-            <a:r>
-              <a:rPr lang="ko-KR" altLang="en-US" dirty="0"/>
-              <a:t>를 사용할 예정인데</a:t>
-            </a:r>
-            <a:r>
-              <a:rPr lang="en-US" altLang="ko-KR" dirty="0"/>
-              <a:t> Rouge</a:t>
-            </a:r>
-            <a:r>
-              <a:rPr lang="ko-KR" altLang="en-US" dirty="0"/>
-              <a:t>는 참조 요약문과 후보 요약문의 </a:t>
-            </a:r>
-            <a:r>
-              <a:rPr lang="en-US" altLang="ko-KR" dirty="0"/>
-              <a:t>LCS</a:t>
-            </a:r>
-            <a:r>
-              <a:rPr lang="ko-KR" altLang="en-US" dirty="0"/>
-              <a:t>길이를 구하는 방법이고</a:t>
-            </a:r>
-            <a:r>
-              <a:rPr lang="en-US" altLang="ko-KR" dirty="0"/>
-              <a:t>, meteor</a:t>
-            </a:r>
-            <a:r>
-              <a:rPr lang="ko-KR" altLang="en-US" dirty="0"/>
-              <a:t>의 경우는 요약문의 정밀도</a:t>
-            </a:r>
-            <a:r>
-              <a:rPr lang="en-US" altLang="ko-KR" dirty="0"/>
-              <a:t>, </a:t>
-            </a:r>
-            <a:r>
-              <a:rPr lang="ko-KR" altLang="en-US" dirty="0" err="1"/>
-              <a:t>재현율</a:t>
-            </a:r>
-            <a:r>
-              <a:rPr lang="en-US" altLang="ko-KR" dirty="0"/>
-              <a:t>, </a:t>
-            </a:r>
-            <a:r>
-              <a:rPr lang="en-US" altLang="ko-KR" dirty="0" err="1"/>
-              <a:t>F_mean</a:t>
-            </a:r>
-            <a:r>
-              <a:rPr lang="ko-KR" altLang="en-US" dirty="0"/>
-              <a:t>을 가중치로 곱하여 더하는 방식입니다</a:t>
-            </a:r>
-            <a:r>
-              <a:rPr lang="en-US" altLang="ko-KR" dirty="0"/>
+              <a:rPr lang="ko-KR" altLang="en-US" b="0" i="0" dirty="0">
+                <a:solidFill>
+                  <a:srgbClr val="ECECEC"/>
+                </a:solidFill>
+                <a:effectLst/>
+                <a:latin typeface="-apple-system"/>
+              </a:rPr>
+              <a:t>두 사람이 다양한 주제로 대화하는 음성을 녹음하였습니다</a:t>
+            </a:r>
+            <a:r>
+              <a:rPr lang="en-US" altLang="ko-KR" b="0" i="0" dirty="0">
+                <a:solidFill>
+                  <a:srgbClr val="ECECEC"/>
+                </a:solidFill>
+                <a:effectLst/>
+                <a:latin typeface="-apple-system"/>
+              </a:rPr>
               <a:t>. </a:t>
             </a:r>
+            <a:endParaRPr lang="en-US" altLang="ko-KR" dirty="0"/>
+          </a:p>
+          <a:p>
             <a:endParaRPr lang="ko-KR" altLang="en-US" dirty="0"/>
           </a:p>
         </p:txBody>
@@ -2159,7 +2548,7 @@
     </p:spTree>
     <p:extLst>
       <p:ext uri="{BB962C8B-B14F-4D97-AF65-F5344CB8AC3E}">
-        <p14:creationId xmlns:p14="http://schemas.microsoft.com/office/powerpoint/2010/main" val="3182852161"/>
+        <p14:creationId xmlns:p14="http://schemas.microsoft.com/office/powerpoint/2010/main" val="1365161112"/>
       </p:ext>
     </p:extLst>
   </p:cSld>
@@ -2215,7 +2604,7 @@
           <a:p>
             <a:r>
               <a:rPr lang="ko-KR" altLang="en-US" dirty="0"/>
-              <a:t>저희 조는 이번 프로젝트를 통해 기존 시스템에 비해 다음과 같은 개선이 있을 것으로 기대하고 있습니다</a:t>
+              <a:t>저희가 요약문 생성시 사용할 학습데이터는 다음과 같습니다</a:t>
             </a:r>
             <a:r>
               <a:rPr lang="en-US" altLang="ko-KR" dirty="0"/>
@@ -2223,23 +2612,31 @@
             </a:r>
             <a:r>
               <a:rPr lang="ko-KR" altLang="en-US" dirty="0"/>
-              <a:t>첫번쨰는 음성이 중첩된 상황에서 </a:t>
+              <a:t>해당 데이터 셋은 다양한 방송 콘텐츠 대본 데이터로부터 생성 요약문을 도출한 방송 콘텐츠 대본 요약 </a:t>
             </a:r>
             <a:r>
               <a:rPr lang="en-US" altLang="ko-KR" dirty="0"/>
-              <a:t>STT</a:t>
+              <a:t>AI </a:t>
+            </a:r>
+            <a:r>
+              <a:rPr lang="ko-KR" altLang="en-US" dirty="0" err="1"/>
+              <a:t>데이터셋입니다</a:t>
+            </a:r>
+            <a:r>
+              <a:rPr lang="en-US" altLang="ko-KR" dirty="0"/>
+              <a:t>. </a:t>
             </a:r>
             <a:r>
               <a:rPr lang="ko-KR" altLang="en-US" dirty="0"/>
-              <a:t>성능 향상을 통한 요약 성능 개선이고</a:t>
+              <a:t>대본에서 생성 요약문을 추출하는 저희 조의 프로젝트에 적합한 데이터 셋이라고</a:t>
             </a:r>
             <a:r>
               <a:rPr lang="en-US" altLang="ko-KR" dirty="0"/>
-              <a:t>, </a:t>
+              <a:t> </a:t>
             </a:r>
             <a:r>
               <a:rPr lang="ko-KR" altLang="en-US" dirty="0"/>
-              <a:t>두번째는 화자 별 음성을 대본 형태로 변환하여 요약 성능 개선입니다</a:t>
+              <a:t>판단하였습니다</a:t>
             </a:r>
             <a:r>
               <a:rPr lang="en-US" altLang="ko-KR" dirty="0"/>
@@ -2275,7 +2672,7 @@
     </p:spTree>
     <p:extLst>
       <p:ext uri="{BB962C8B-B14F-4D97-AF65-F5344CB8AC3E}">
-        <p14:creationId xmlns:p14="http://schemas.microsoft.com/office/powerpoint/2010/main" val="4130318721"/>
+        <p14:creationId xmlns:p14="http://schemas.microsoft.com/office/powerpoint/2010/main" val="448535998"/>
       </p:ext>
     </p:extLst>
   </p:cSld>
@@ -2329,14 +2726,141 @@
           <a:bodyPr/>
           <a:lstStyle/>
           <a:p>
+            <a:pPr marL="0" marR="0" lvl="0" indent="0" algn="l" defTabSz="914400" rtl="0" eaLnBrk="1" fontAlgn="auto" latinLnBrk="1" hangingPunct="1">
+              <a:lnSpc>
+                <a:spcPct val="100000"/>
+              </a:lnSpc>
+              <a:spcBef>
+                <a:spcPts val="0"/>
+              </a:spcBef>
+              <a:spcAft>
+                <a:spcPts val="0"/>
+              </a:spcAft>
+              <a:buClrTx/>
+              <a:buSzTx/>
+              <a:buFontTx/>
+              <a:buNone/>
+              <a:tabLst/>
+              <a:defRPr/>
+            </a:pPr>
             <a:r>
               <a:rPr lang="ko-KR" altLang="en-US" dirty="0"/>
-              <a:t>저희 조의 예상 스케쥴은 다음과 같습니다</a:t>
+              <a:t>화자 분리에 사용할 </a:t>
+            </a:r>
+            <a:r>
+              <a:rPr lang="en-US" altLang="ko-KR" dirty="0"/>
+              <a:t>dataset</a:t>
+            </a:r>
+            <a:r>
+              <a:rPr lang="ko-KR" altLang="en-US" dirty="0"/>
+              <a:t>은 </a:t>
+            </a:r>
+            <a:r>
+              <a:rPr lang="en-US" altLang="ko-KR" dirty="0" err="1"/>
+              <a:t>librimix</a:t>
+            </a:r>
+            <a:r>
+              <a:rPr lang="ko-KR" altLang="en-US" dirty="0"/>
+              <a:t>라는 데이터 입니다</a:t>
+            </a:r>
+            <a:r>
+              <a:rPr lang="en-US" altLang="ko-KR" dirty="0"/>
+              <a:t>. 2</a:t>
+            </a:r>
+            <a:r>
+              <a:rPr lang="ko-KR" altLang="en-US" dirty="0"/>
+              <a:t>개 또는 </a:t>
+            </a:r>
+            <a:r>
+              <a:rPr lang="en-US" altLang="ko-KR" dirty="0"/>
+              <a:t>3</a:t>
+            </a:r>
+            <a:r>
+              <a:rPr lang="ko-KR" altLang="en-US" dirty="0"/>
+              <a:t>개의 말뭉치를 합쳐서 만들었고 노이즈가 포함된 데이터와 중첩 비율 별로 데이터를 제공</a:t>
+            </a:r>
+            <a:endParaRPr lang="en-US" altLang="ko-KR" dirty="0"/>
+          </a:p>
+          <a:p>
+            <a:pPr marL="0" marR="0" lvl="0" indent="0" algn="l" defTabSz="914400" rtl="0" eaLnBrk="1" fontAlgn="auto" latinLnBrk="1" hangingPunct="1">
+              <a:lnSpc>
+                <a:spcPct val="100000"/>
+              </a:lnSpc>
+              <a:spcBef>
+                <a:spcPts val="0"/>
+              </a:spcBef>
+              <a:spcAft>
+                <a:spcPts val="0"/>
+              </a:spcAft>
+              <a:buClrTx/>
+              <a:buSzTx/>
+              <a:buFontTx/>
+              <a:buNone/>
+              <a:tabLst/>
+              <a:defRPr/>
+            </a:pPr>
+            <a:endParaRPr lang="en-US" altLang="ko-KR" dirty="0"/>
+          </a:p>
+          <a:p>
+            <a:pPr marL="0" marR="0" lvl="0" indent="0" algn="l" defTabSz="914400" rtl="0" eaLnBrk="1" fontAlgn="auto" latinLnBrk="1" hangingPunct="1">
+              <a:lnSpc>
+                <a:spcPct val="100000"/>
+              </a:lnSpc>
+              <a:spcBef>
+                <a:spcPts val="0"/>
+              </a:spcBef>
+              <a:spcAft>
+                <a:spcPts val="0"/>
+              </a:spcAft>
+              <a:buClrTx/>
+              <a:buSzTx/>
+              <a:buFontTx/>
+              <a:buNone/>
+              <a:tabLst/>
+              <a:defRPr/>
+            </a:pPr>
+            <a:r>
+              <a:rPr lang="ko-KR" altLang="en-US" dirty="0"/>
+              <a:t>기존 사용된 던 데이터셋은 </a:t>
+            </a:r>
+            <a:r>
+              <a:rPr lang="en-US" altLang="ko-KR" dirty="0"/>
+              <a:t>c</a:t>
+            </a:r>
+            <a:r>
+              <a:rPr lang="ko-KR" altLang="en-US" dirty="0"/>
+              <a:t>번 그림과 같은 완전히 겹쳐진 데이터만 제공하는데 일반적인 상황에서는 </a:t>
+            </a:r>
+            <a:r>
+              <a:rPr lang="en-US" altLang="ko-KR" dirty="0"/>
+              <a:t>b</a:t>
+            </a:r>
+            <a:r>
+              <a:rPr lang="ko-KR" altLang="en-US" dirty="0"/>
+              <a:t>번 그림과 같이 </a:t>
+            </a:r>
+            <a:r>
+              <a:rPr lang="en-US" altLang="ko-KR" dirty="0"/>
+              <a:t>20% </a:t>
+            </a:r>
+            <a:r>
+              <a:rPr lang="ko-KR" altLang="en-US" dirty="0"/>
+              <a:t>미만으로 겹쳐지는 상황이 대부분이라 학습된 데이터 이외의 데이터에서는 성능 저하가 일어나서 고안된 데이터로 실제 해당 데이터로 학습된 모델에서 보다 더 나은 </a:t>
+            </a:r>
+            <a:r>
+              <a:rPr lang="en-US" altLang="ko-KR" dirty="0"/>
+              <a:t>generalize</a:t>
+            </a:r>
+            <a:r>
+              <a:rPr lang="ko-KR" altLang="en-US" dirty="0"/>
+              <a:t> 성능을 보입니다</a:t>
             </a:r>
             <a:r>
               <a:rPr lang="en-US" altLang="ko-KR" dirty="0"/>
               <a:t>. </a:t>
             </a:r>
+          </a:p>
+          <a:p>
             <a:endParaRPr lang="ko-KR" altLang="en-US" dirty="0"/>
           </a:p>
         </p:txBody>
@@ -2359,6 +2883,382 @@
             <a:fld id="{928C4006-D583-4434-A25D-662BACC4BC65}" type="slidenum">
               <a:rPr lang="ko-KR" altLang="en-US" smtClean="0"/>
               <a:t>17</a:t>
+            </a:fld>
+            <a:endParaRPr lang="ko-KR" altLang="en-US"/>
+          </a:p>
+        </p:txBody>
+      </p:sp>
+    </p:spTree>
+    <p:extLst>
+      <p:ext uri="{BB962C8B-B14F-4D97-AF65-F5344CB8AC3E}">
+        <p14:creationId xmlns:p14="http://schemas.microsoft.com/office/powerpoint/2010/main" val="511121159"/>
+      </p:ext>
+    </p:extLst>
+  </p:cSld>
+  <p:clrMapOvr>
+    <a:masterClrMapping/>
+  </p:clrMapOvr>
+</p:notes>
+</file>
+
+<file path=ppt/notesSlides/notesSlide17.xml><?xml version="1.0" encoding="utf-8"?>
+<p:notes xmlns:a="http://schemas.openxmlformats.org/drawingml/2006/main" xmlns:r="http://schemas.openxmlformats.org/officeDocument/2006/relationships" xmlns:p="http://schemas.openxmlformats.org/presentationml/2006/main">
+  <p:cSld>
+    <p:spTree>
+      <p:nvGrpSpPr>
+        <p:cNvPr id="1" name=""/>
+        <p:cNvGrpSpPr/>
+        <p:nvPr/>
+      </p:nvGrpSpPr>
+      <p:grpSpPr>
+        <a:xfrm>
+          <a:off x="0" y="0"/>
+          <a:ext cx="0" cy="0"/>
+          <a:chOff x="0" y="0"/>
+          <a:chExt cx="0" cy="0"/>
+        </a:xfrm>
+      </p:grpSpPr>
+      <p:sp>
+        <p:nvSpPr>
+          <p:cNvPr id="2" name="슬라이드 이미지 개체 틀 1"/>
+          <p:cNvSpPr>
+            <a:spLocks noGrp="1" noRot="1" noChangeAspect="1"/>
+          </p:cNvSpPr>
+          <p:nvPr>
+            <p:ph type="sldImg"/>
+          </p:nvPr>
+        </p:nvSpPr>
+        <p:spPr/>
+      </p:sp>
+      <p:sp>
+        <p:nvSpPr>
+          <p:cNvPr id="3" name="슬라이드 노트 개체 틀 2"/>
+          <p:cNvSpPr>
+            <a:spLocks noGrp="1"/>
+          </p:cNvSpPr>
+          <p:nvPr>
+            <p:ph type="body" idx="1"/>
+          </p:nvPr>
+        </p:nvSpPr>
+        <p:spPr/>
+        <p:txBody>
+          <a:bodyPr/>
+          <a:lstStyle/>
+          <a:p>
+            <a:r>
+              <a:rPr lang="ko-KR" altLang="en-US" dirty="0"/>
+              <a:t>다음은 요약의 평가 기준입니다</a:t>
+            </a:r>
+            <a:r>
+              <a:rPr lang="en-US" altLang="ko-KR" dirty="0"/>
+              <a:t>. </a:t>
+            </a:r>
+            <a:r>
+              <a:rPr lang="ko-KR" altLang="en-US" dirty="0"/>
+              <a:t>저희 조는 화자 별 발화 내용이 구분된 경우 생성된 요약문과 구분을 하지 않고 생성된 요약문에 대해서 성능을 비교할 예정입니다</a:t>
+            </a:r>
+            <a:r>
+              <a:rPr lang="en-US" altLang="ko-KR" dirty="0"/>
+              <a:t>. </a:t>
+            </a:r>
+            <a:r>
+              <a:rPr lang="ko-KR" altLang="en-US" dirty="0"/>
+              <a:t>성능의 비교 지표는 다음과 같이 </a:t>
+            </a:r>
+            <a:r>
+              <a:rPr lang="en-US" altLang="ko-KR" dirty="0"/>
+              <a:t>rouge</a:t>
+            </a:r>
+            <a:r>
+              <a:rPr lang="ko-KR" altLang="en-US" dirty="0"/>
+              <a:t>와 </a:t>
+            </a:r>
+            <a:r>
+              <a:rPr lang="en-US" altLang="ko-KR" dirty="0"/>
+              <a:t>meteor</a:t>
+            </a:r>
+            <a:r>
+              <a:rPr lang="ko-KR" altLang="en-US" dirty="0"/>
+              <a:t>를 사용할 예정인데</a:t>
+            </a:r>
+            <a:r>
+              <a:rPr lang="en-US" altLang="ko-KR" dirty="0"/>
+              <a:t> Rouge</a:t>
+            </a:r>
+            <a:r>
+              <a:rPr lang="ko-KR" altLang="en-US" dirty="0"/>
+              <a:t>는 참조 요약문과 후보 요약문의 </a:t>
+            </a:r>
+            <a:r>
+              <a:rPr lang="en-US" altLang="ko-KR" dirty="0"/>
+              <a:t>LCS</a:t>
+            </a:r>
+            <a:r>
+              <a:rPr lang="ko-KR" altLang="en-US" dirty="0"/>
+              <a:t>길이를 구하는 방법이고</a:t>
+            </a:r>
+            <a:r>
+              <a:rPr lang="en-US" altLang="ko-KR" dirty="0"/>
+              <a:t>, meteor</a:t>
+            </a:r>
+            <a:r>
+              <a:rPr lang="ko-KR" altLang="en-US" dirty="0"/>
+              <a:t>의 경우는 요약문의 정밀도</a:t>
+            </a:r>
+            <a:r>
+              <a:rPr lang="en-US" altLang="ko-KR" dirty="0"/>
+              <a:t>, </a:t>
+            </a:r>
+            <a:r>
+              <a:rPr lang="ko-KR" altLang="en-US" dirty="0" err="1"/>
+              <a:t>재현율</a:t>
+            </a:r>
+            <a:r>
+              <a:rPr lang="en-US" altLang="ko-KR" dirty="0"/>
+              <a:t>, </a:t>
+            </a:r>
+            <a:r>
+              <a:rPr lang="en-US" altLang="ko-KR" dirty="0" err="1"/>
+              <a:t>F_mean</a:t>
+            </a:r>
+            <a:r>
+              <a:rPr lang="ko-KR" altLang="en-US" dirty="0"/>
+              <a:t>을 가중치로 곱하여 더하는 방식입니다</a:t>
+            </a:r>
+            <a:r>
+              <a:rPr lang="en-US" altLang="ko-KR" dirty="0"/>
+              <a:t>. </a:t>
+            </a:r>
+            <a:endParaRPr lang="ko-KR" altLang="en-US" dirty="0"/>
+          </a:p>
+        </p:txBody>
+      </p:sp>
+      <p:sp>
+        <p:nvSpPr>
+          <p:cNvPr id="4" name="슬라이드 번호 개체 틀 3"/>
+          <p:cNvSpPr>
+            <a:spLocks noGrp="1"/>
+          </p:cNvSpPr>
+          <p:nvPr>
+            <p:ph type="sldNum" sz="quarter" idx="5"/>
+          </p:nvPr>
+        </p:nvSpPr>
+        <p:spPr/>
+        <p:txBody>
+          <a:bodyPr/>
+          <a:lstStyle/>
+          <a:p>
+            <a:fld id="{928C4006-D583-4434-A25D-662BACC4BC65}" type="slidenum">
+              <a:rPr lang="ko-KR" altLang="en-US" smtClean="0"/>
+              <a:t>18</a:t>
+            </a:fld>
+            <a:endParaRPr lang="ko-KR" altLang="en-US"/>
+          </a:p>
+        </p:txBody>
+      </p:sp>
+    </p:spTree>
+    <p:extLst>
+      <p:ext uri="{BB962C8B-B14F-4D97-AF65-F5344CB8AC3E}">
+        <p14:creationId xmlns:p14="http://schemas.microsoft.com/office/powerpoint/2010/main" val="3182852161"/>
+      </p:ext>
+    </p:extLst>
+  </p:cSld>
+  <p:clrMapOvr>
+    <a:masterClrMapping/>
+  </p:clrMapOvr>
+</p:notes>
+</file>
+
+<file path=ppt/notesSlides/notesSlide18.xml><?xml version="1.0" encoding="utf-8"?>
+<p:notes xmlns:a="http://schemas.openxmlformats.org/drawingml/2006/main" xmlns:r="http://schemas.openxmlformats.org/officeDocument/2006/relationships" xmlns:p="http://schemas.openxmlformats.org/presentationml/2006/main">
+  <p:cSld>
+    <p:spTree>
+      <p:nvGrpSpPr>
+        <p:cNvPr id="1" name=""/>
+        <p:cNvGrpSpPr/>
+        <p:nvPr/>
+      </p:nvGrpSpPr>
+      <p:grpSpPr>
+        <a:xfrm>
+          <a:off x="0" y="0"/>
+          <a:ext cx="0" cy="0"/>
+          <a:chOff x="0" y="0"/>
+          <a:chExt cx="0" cy="0"/>
+        </a:xfrm>
+      </p:grpSpPr>
+      <p:sp>
+        <p:nvSpPr>
+          <p:cNvPr id="2" name="슬라이드 이미지 개체 틀 1"/>
+          <p:cNvSpPr>
+            <a:spLocks noGrp="1" noRot="1" noChangeAspect="1"/>
+          </p:cNvSpPr>
+          <p:nvPr>
+            <p:ph type="sldImg"/>
+          </p:nvPr>
+        </p:nvSpPr>
+        <p:spPr/>
+      </p:sp>
+      <p:sp>
+        <p:nvSpPr>
+          <p:cNvPr id="3" name="슬라이드 노트 개체 틀 2"/>
+          <p:cNvSpPr>
+            <a:spLocks noGrp="1"/>
+          </p:cNvSpPr>
+          <p:nvPr>
+            <p:ph type="body" idx="1"/>
+          </p:nvPr>
+        </p:nvSpPr>
+        <p:spPr/>
+        <p:txBody>
+          <a:bodyPr/>
+          <a:lstStyle/>
+          <a:p>
+            <a:r>
+              <a:rPr lang="ko-KR" altLang="en-US" dirty="0"/>
+              <a:t>저희 조는 이번 프로젝트를 통해 기존 시스템에 비해 다음과 같은 개선이 있을 것으로 기대하고 있습니다</a:t>
+            </a:r>
+            <a:r>
+              <a:rPr lang="en-US" altLang="ko-KR" dirty="0"/>
+              <a:t>. </a:t>
+            </a:r>
+            <a:r>
+              <a:rPr lang="ko-KR" altLang="en-US" dirty="0"/>
+              <a:t>첫번쨰는 음성이 중첩된 상황에서 </a:t>
+            </a:r>
+            <a:r>
+              <a:rPr lang="en-US" altLang="ko-KR" dirty="0"/>
+              <a:t>STT</a:t>
+            </a:r>
+            <a:r>
+              <a:rPr lang="ko-KR" altLang="en-US" dirty="0"/>
+              <a:t>성능 향상을 통한 요약 성능 개선이고</a:t>
+            </a:r>
+            <a:r>
+              <a:rPr lang="en-US" altLang="ko-KR" dirty="0"/>
+              <a:t>, </a:t>
+            </a:r>
+            <a:r>
+              <a:rPr lang="ko-KR" altLang="en-US" dirty="0"/>
+              <a:t>두번째는 화자 별 음성을 대본 형태로 변환하여 요약 성능 개선입니다</a:t>
+            </a:r>
+            <a:r>
+              <a:rPr lang="en-US" altLang="ko-KR" dirty="0"/>
+              <a:t>. </a:t>
+            </a:r>
+            <a:endParaRPr lang="ko-KR" altLang="en-US" dirty="0"/>
+          </a:p>
+        </p:txBody>
+      </p:sp>
+      <p:sp>
+        <p:nvSpPr>
+          <p:cNvPr id="4" name="슬라이드 번호 개체 틀 3"/>
+          <p:cNvSpPr>
+            <a:spLocks noGrp="1"/>
+          </p:cNvSpPr>
+          <p:nvPr>
+            <p:ph type="sldNum" sz="quarter" idx="5"/>
+          </p:nvPr>
+        </p:nvSpPr>
+        <p:spPr/>
+        <p:txBody>
+          <a:bodyPr/>
+          <a:lstStyle/>
+          <a:p>
+            <a:fld id="{928C4006-D583-4434-A25D-662BACC4BC65}" type="slidenum">
+              <a:rPr lang="ko-KR" altLang="en-US" smtClean="0"/>
+              <a:t>19</a:t>
+            </a:fld>
+            <a:endParaRPr lang="ko-KR" altLang="en-US"/>
+          </a:p>
+        </p:txBody>
+      </p:sp>
+    </p:spTree>
+    <p:extLst>
+      <p:ext uri="{BB962C8B-B14F-4D97-AF65-F5344CB8AC3E}">
+        <p14:creationId xmlns:p14="http://schemas.microsoft.com/office/powerpoint/2010/main" val="4130318721"/>
+      </p:ext>
+    </p:extLst>
+  </p:cSld>
+  <p:clrMapOvr>
+    <a:masterClrMapping/>
+  </p:clrMapOvr>
+</p:notes>
+</file>
+
+<file path=ppt/notesSlides/notesSlide19.xml><?xml version="1.0" encoding="utf-8"?>
+<p:notes xmlns:a="http://schemas.openxmlformats.org/drawingml/2006/main" xmlns:r="http://schemas.openxmlformats.org/officeDocument/2006/relationships" xmlns:p="http://schemas.openxmlformats.org/presentationml/2006/main">
+  <p:cSld>
+    <p:spTree>
+      <p:nvGrpSpPr>
+        <p:cNvPr id="1" name=""/>
+        <p:cNvGrpSpPr/>
+        <p:nvPr/>
+      </p:nvGrpSpPr>
+      <p:grpSpPr>
+        <a:xfrm>
+          <a:off x="0" y="0"/>
+          <a:ext cx="0" cy="0"/>
+          <a:chOff x="0" y="0"/>
+          <a:chExt cx="0" cy="0"/>
+        </a:xfrm>
+      </p:grpSpPr>
+      <p:sp>
+        <p:nvSpPr>
+          <p:cNvPr id="2" name="슬라이드 이미지 개체 틀 1"/>
+          <p:cNvSpPr>
+            <a:spLocks noGrp="1" noRot="1" noChangeAspect="1"/>
+          </p:cNvSpPr>
+          <p:nvPr>
+            <p:ph type="sldImg"/>
+          </p:nvPr>
+        </p:nvSpPr>
+        <p:spPr/>
+      </p:sp>
+      <p:sp>
+        <p:nvSpPr>
+          <p:cNvPr id="3" name="슬라이드 노트 개체 틀 2"/>
+          <p:cNvSpPr>
+            <a:spLocks noGrp="1"/>
+          </p:cNvSpPr>
+          <p:nvPr>
+            <p:ph type="body" idx="1"/>
+          </p:nvPr>
+        </p:nvSpPr>
+        <p:spPr/>
+        <p:txBody>
+          <a:bodyPr/>
+          <a:lstStyle/>
+          <a:p>
+            <a:r>
+              <a:rPr lang="ko-KR" altLang="en-US" dirty="0"/>
+              <a:t>저희 조의 예상 스케쥴은 다음과 같습니다</a:t>
+            </a:r>
+            <a:r>
+              <a:rPr lang="en-US" altLang="ko-KR" dirty="0"/>
+              <a:t>. </a:t>
+            </a:r>
+            <a:endParaRPr lang="ko-KR" altLang="en-US" dirty="0"/>
+          </a:p>
+        </p:txBody>
+      </p:sp>
+      <p:sp>
+        <p:nvSpPr>
+          <p:cNvPr id="4" name="슬라이드 번호 개체 틀 3"/>
+          <p:cNvSpPr>
+            <a:spLocks noGrp="1"/>
+          </p:cNvSpPr>
+          <p:nvPr>
+            <p:ph type="sldNum" sz="quarter" idx="5"/>
+          </p:nvPr>
+        </p:nvSpPr>
+        <p:spPr/>
+        <p:txBody>
+          <a:bodyPr/>
+          <a:lstStyle/>
+          <a:p>
+            <a:fld id="{928C4006-D583-4434-A25D-662BACC4BC65}" type="slidenum">
+              <a:rPr lang="ko-KR" altLang="en-US" smtClean="0"/>
+              <a:t>20</a:t>
             </a:fld>
             <a:endParaRPr lang="ko-KR" altLang="en-US"/>
           </a:p>
@@ -2545,14 +3445,7 @@
           <a:p>
             <a:r>
               <a:rPr lang="ko-KR" altLang="en-US" dirty="0"/>
-              <a:t>다음으로 관련된 논문으로는 </a:t>
-            </a:r>
-            <a:endParaRPr lang="en-US" altLang="ko-KR" dirty="0"/>
-          </a:p>
-          <a:p>
-            <a:r>
-              <a:rPr lang="ko-KR" altLang="en-US" dirty="0"/>
-              <a:t>저희의 큰 키워드인 </a:t>
+              <a:t>다음으로 관련된 논문으로는 저희의 큰 키워드인 </a:t>
             </a:r>
             <a:r>
               <a:rPr lang="en-US" altLang="ko-KR" dirty="0"/>
@@ -2560,7 +3453,17 @@
             </a:r>
             <a:r>
               <a:rPr lang="ko-KR" altLang="en-US" dirty="0"/>
-              <a:t>으로 관련 연구를 찾아 </a:t>
+              <a:t>으로 관련 연구를 찾아보았습니다</a:t>
+            </a:r>
+            <a:r>
+              <a:rPr lang="en-US" altLang="ko-KR" dirty="0"/>
+              <a:t>. </a:t>
+            </a:r>
+          </a:p>
+          <a:p>
+            <a:r>
+              <a:rPr lang="ko-KR" altLang="en-US" dirty="0"/>
+              <a:t> </a:t>
             </a:r>
             <a:r>
               <a:rPr lang="en-US" altLang="ko-KR" dirty="0"/>
@@ -2729,7 +3632,7 @@
             </a:r>
             <a:r>
               <a:rPr lang="ko-KR" altLang="en-US" dirty="0"/>
-              <a:t>된 부분이 처리 되어 분리된 음성을 가지고 </a:t>
+              <a:t>된 부분이 처리 되어  </a:t>
             </a:r>
             <a:r>
               <a:rPr lang="en-US" altLang="ko-KR" dirty="0" err="1"/>
@@ -2737,7 +3640,15 @@
             </a:r>
             <a:r>
               <a:rPr lang="ko-KR" altLang="en-US" dirty="0"/>
-              <a:t>를 수행하여 출력된 </a:t>
+              <a:t>를 </a:t>
+            </a:r>
+            <a:r>
+              <a:rPr lang="ko-KR" altLang="en-US" dirty="0" err="1"/>
+              <a:t>수행할때</a:t>
+            </a:r>
+            <a:r>
+              <a:rPr lang="ko-KR" altLang="en-US" dirty="0"/>
+              <a:t>  출력된 </a:t>
             </a:r>
             <a:r>
               <a:rPr lang="en-US" altLang="ko-KR" dirty="0"/>
@@ -2753,11 +3664,19 @@
             </a:r>
             <a:r>
               <a:rPr lang="ko-KR" altLang="en-US" dirty="0"/>
-              <a:t>정확도를 상승시킬 계획입니다</a:t>
+              <a:t>정확도가 상승 </a:t>
+            </a:r>
+            <a:r>
+              <a:rPr lang="ko-KR" altLang="en-US" dirty="0" err="1"/>
+              <a:t>될거라고</a:t>
+            </a:r>
+            <a:r>
+              <a:rPr lang="ko-KR" altLang="en-US" dirty="0"/>
+              <a:t> 기대하고</a:t>
             </a:r>
             <a:r>
               <a:rPr lang="en-US" altLang="ko-KR" dirty="0"/>
-              <a:t>.</a:t>
+              <a:t>, </a:t>
             </a:r>
           </a:p>
           <a:p>
@@ -2902,7 +3821,7 @@
           <a:p>
             <a:r>
               <a:rPr lang="ko-KR" altLang="en-US" dirty="0"/>
-              <a:t>위의 부분은 저희가 사용할 뉴스 데이터 예시를 일반적인 </a:t>
+              <a:t>위의 부분은 저희가 사용할 뉴스 데이터를 일반적인 </a:t>
             </a:r>
             <a:r>
               <a:rPr lang="en-US" altLang="ko-KR" dirty="0"/>
@@ -2910,7 +3829,7 @@
             </a:r>
             <a:r>
               <a:rPr lang="ko-KR" altLang="en-US" dirty="0"/>
-              <a:t>형식으로 출력이 된 모습이고</a:t>
+              <a:t>형식으로 기자의 말과 인터뷰 내용의 구분이 없이 출력이 된 모습이고</a:t>
             </a:r>
             <a:r>
               <a:rPr lang="en-US" altLang="ko-KR" dirty="0"/>
@@ -2920,7 +3839,15 @@
           <a:p>
             <a:r>
               <a:rPr lang="ko-KR" altLang="en-US" dirty="0"/>
-              <a:t>아래 부분은 저희가 요약에 사용할 </a:t>
+              <a:t>아래 부분은 저희가 요약 </a:t>
+            </a:r>
+            <a:r>
+              <a:rPr lang="en-US" altLang="ko-KR" dirty="0"/>
+              <a:t>input</a:t>
+            </a:r>
+            <a:r>
+              <a:rPr lang="ko-KR" altLang="en-US" dirty="0"/>
+              <a:t>으로 사용할 화자별로 구분 되어 있는 </a:t>
             </a:r>
             <a:r>
               <a:rPr lang="en-US" altLang="ko-KR" dirty="0"/>
@@ -2936,43 +3863,12 @@
             </a:r>
             <a:r>
               <a:rPr lang="ko-KR" altLang="en-US" dirty="0"/>
-              <a:t>입니다</a:t>
+              <a:t>예시입니다</a:t>
             </a:r>
             <a:r>
               <a:rPr lang="en-US" altLang="ko-KR" dirty="0"/>
               <a:t>. </a:t>
             </a:r>
-          </a:p>
-          <a:p>
-            <a:r>
-              <a:rPr lang="ko-KR" altLang="en-US" dirty="0"/>
-              <a:t>아래 부분처럼 화자별로 구분 되어 있는  </a:t>
-            </a:r>
-            <a:r>
-              <a:rPr lang="en-US" altLang="ko-KR" dirty="0"/>
-              <a:t>script </a:t>
-            </a:r>
-            <a:r>
-              <a:rPr lang="ko-KR" altLang="en-US" dirty="0"/>
-              <a:t>형식이 요약을 수행 </a:t>
-            </a:r>
-            <a:r>
-              <a:rPr lang="ko-KR" altLang="en-US" dirty="0" err="1"/>
-              <a:t>했을때의</a:t>
-            </a:r>
-            <a:r>
-              <a:rPr lang="ko-KR" altLang="en-US" dirty="0"/>
-              <a:t> 정확도 상승을 기대할 수 </a:t>
-            </a:r>
-            <a:r>
-              <a:rPr lang="ko-KR" altLang="en-US" dirty="0" err="1"/>
-              <a:t>있을것입니다</a:t>
-            </a:r>
-            <a:r>
-              <a:rPr lang="en-US" altLang="ko-KR" dirty="0"/>
-              <a:t>. </a:t>
-            </a:r>
-            <a:endParaRPr lang="ko-KR" altLang="en-US" dirty="0"/>
           </a:p>
         </p:txBody>
       </p:sp>
@@ -3057,68 +3953,32 @@
           <a:lstStyle/>
           <a:p>
             <a:r>
+              <a:rPr lang="en-US" altLang="ko-KR" dirty="0" err="1"/>
+              <a:t>Gpt</a:t>
+            </a:r>
+            <a:r>
               <a:rPr lang="ko-KR" altLang="en-US" dirty="0"/>
-              <a:t>저희 프로젝트의 진행 과정을 블록 다이어그램으로 그려보았습니다</a:t>
+              <a:t>에 일반적인 </a:t>
             </a:r>
             <a:r>
               <a:rPr lang="en-US" altLang="ko-KR" dirty="0"/>
-              <a:t>.</a:t>
-            </a:r>
-          </a:p>
-          <a:p>
+              <a:t>text </a:t>
+            </a:r>
             <a:r>
               <a:rPr lang="ko-KR" altLang="en-US" dirty="0"/>
-              <a:t>오버랩 되어 있는 음성 데이터를  </a:t>
-            </a:r>
-            <a:r>
-              <a:rPr lang="en-US" altLang="ko-KR" dirty="0" err="1"/>
-              <a:t>vad</a:t>
-            </a:r>
-            <a:r>
-              <a:rPr lang="en-US" altLang="ko-KR" dirty="0"/>
-              <a:t> </a:t>
+              <a:t>형식으로 기자의 말과 인터뷰 내용의 구분이 없이 출력이 </a:t>
+            </a:r>
+            <a:r>
+              <a:rPr lang="ko-KR" altLang="en-US" dirty="0" err="1"/>
+              <a:t>된것을</a:t>
             </a:r>
             <a:r>
               <a:rPr lang="ko-KR" altLang="en-US" dirty="0"/>
-              <a:t>알고리즘으로 자른 다음 화자 분리를 수행합니다</a:t>
+              <a:t> 넣어 보았더니 아래와 같이 요약문을 출력해주었습니다</a:t>
             </a:r>
             <a:r>
               <a:rPr lang="en-US" altLang="ko-KR" dirty="0"/>
               <a:t>. </a:t>
-            </a:r>
-          </a:p>
-          <a:p>
-            <a:r>
-              <a:rPr lang="ko-KR" altLang="en-US" dirty="0"/>
-              <a:t>각 분리된 음성을 </a:t>
-            </a:r>
-            <a:r>
-              <a:rPr lang="en-US" altLang="ko-KR" dirty="0" err="1"/>
-              <a:t>stt</a:t>
-            </a:r>
-            <a:r>
-              <a:rPr lang="ko-KR" altLang="en-US" dirty="0"/>
-              <a:t>로 </a:t>
-            </a:r>
-            <a:r>
-              <a:rPr lang="en-US" altLang="ko-KR" dirty="0"/>
-              <a:t>text </a:t>
-            </a:r>
-            <a:r>
-              <a:rPr lang="ko-KR" altLang="en-US" dirty="0"/>
-              <a:t>출력을 하고 </a:t>
-            </a:r>
-            <a:r>
-              <a:rPr lang="en-US" altLang="ko-KR" dirty="0"/>
-              <a:t>script </a:t>
-            </a:r>
-            <a:r>
-              <a:rPr lang="ko-KR" altLang="en-US" dirty="0"/>
-              <a:t>형식으로 변환을 한 뒤 요약을 수행하는 과정입니다</a:t>
-            </a:r>
-            <a:r>
-              <a:rPr lang="en-US" altLang="ko-KR" dirty="0"/>
-              <a:t>.  </a:t>
             </a:r>
             <a:endParaRPr lang="ko-KR" altLang="en-US" dirty="0"/>
           </a:p>
@@ -3150,7 +4010,7 @@
     </p:spTree>
     <p:extLst>
       <p:ext uri="{BB962C8B-B14F-4D97-AF65-F5344CB8AC3E}">
-        <p14:creationId xmlns:p14="http://schemas.microsoft.com/office/powerpoint/2010/main" val="264363184"/>
+        <p14:creationId xmlns:p14="http://schemas.microsoft.com/office/powerpoint/2010/main" val="3737734013"/>
       </p:ext>
     </p:extLst>
   </p:cSld>
@@ -3206,49 +4066,16 @@
           <a:p>
             <a:r>
               <a:rPr lang="ko-KR" altLang="en-US" dirty="0"/>
-              <a:t>역할 분담으로 저는 </a:t>
-            </a:r>
-            <a:r>
-              <a:rPr lang="en-US" altLang="ko-KR" dirty="0" err="1"/>
-              <a:t>stt</a:t>
+              <a:t>다음은 대본 형식의 </a:t>
             </a:r>
             <a:r>
               <a:rPr lang="en-US" altLang="ko-KR" dirty="0"/>
-              <a:t> </a:t>
+              <a:t>text</a:t>
             </a:r>
             <a:r>
               <a:rPr lang="ko-KR" altLang="en-US" dirty="0"/>
-              <a:t>데이터 및 모델 학습</a:t>
-            </a:r>
-            <a:r>
-              <a:rPr lang="en-US" altLang="ko-KR" dirty="0"/>
-              <a:t>, </a:t>
-            </a:r>
-            <a:r>
-              <a:rPr lang="ko-KR" altLang="en-US" dirty="0"/>
-              <a:t>텍스트 후처리를 진행하고</a:t>
-            </a:r>
-            <a:r>
-              <a:rPr lang="en-US" altLang="ko-KR" dirty="0"/>
-              <a:t>, </a:t>
-            </a:r>
-            <a:r>
-              <a:rPr lang="ko-KR" altLang="en-US" dirty="0"/>
-              <a:t>신원철 학우는 화자 분리 데이터 및 모델 학습</a:t>
-            </a:r>
-            <a:r>
-              <a:rPr lang="en-US" altLang="ko-KR" dirty="0"/>
-              <a:t>, </a:t>
-            </a:r>
-            <a:r>
-              <a:rPr lang="ko-KR" altLang="en-US" dirty="0"/>
-              <a:t>요약을 진행 하기로 했습니다</a:t>
-            </a:r>
-            <a:r>
-              <a:rPr lang="en-US" altLang="ko-KR" dirty="0"/>
-              <a:t>. </a:t>
-            </a:r>
-            <a:endParaRPr lang="ko-KR" altLang="en-US" dirty="0"/>
+              <a:t>를 넣어주었는데</a:t>
+            </a:r>
           </a:p>
         </p:txBody>
       </p:sp>
@@ -3278,7 +4105,7 @@
     </p:spTree>
     <p:extLst>
       <p:ext uri="{BB962C8B-B14F-4D97-AF65-F5344CB8AC3E}">
-        <p14:creationId xmlns:p14="http://schemas.microsoft.com/office/powerpoint/2010/main" val="3159588261"/>
+        <p14:creationId xmlns:p14="http://schemas.microsoft.com/office/powerpoint/2010/main" val="3274817969"/>
       </p:ext>
     </p:extLst>
   </p:cSld>
@@ -3332,131 +4159,25 @@
           <a:bodyPr/>
           <a:lstStyle/>
           <a:p>
-            <a:pPr marL="0" indent="0" algn="just" latinLnBrk="1">
-              <a:lnSpc>
-                <a:spcPct val="107000"/>
-              </a:lnSpc>
-              <a:spcAft>
-                <a:spcPts val="800"/>
-              </a:spcAft>
-              <a:buNone/>
-            </a:pPr>
+            <a:r>
+              <a:rPr lang="ko-KR" altLang="en-US" dirty="0"/>
+              <a:t>이와 같이 전체 요약도 해주고 화자별로 요약을 해주는 결과를 볼 수 있습니다</a:t>
+            </a:r>
             <a:r>
               <a:rPr lang="en-US" altLang="ko-KR" dirty="0"/>
-              <a:t>STT</a:t>
-            </a:r>
+              <a:t>. </a:t>
+            </a:r>
+          </a:p>
+          <a:p>
             <a:r>
               <a:rPr lang="ko-KR" altLang="en-US" dirty="0"/>
-              <a:t>로 사용할 모델은 </a:t>
-            </a:r>
-            <a:r>
-              <a:rPr lang="en-US" altLang="ko-KR" dirty="0" err="1"/>
-              <a:t>espnet</a:t>
-            </a:r>
-            <a:endParaRPr lang="en-US" altLang="ko-KR" dirty="0"/>
-          </a:p>
-          <a:p>
-            <a:pPr marL="0" indent="0" algn="just" latinLnBrk="1">
-              <a:lnSpc>
-                <a:spcPct val="107000"/>
-              </a:lnSpc>
-              <a:spcAft>
-                <a:spcPts val="800"/>
-              </a:spcAft>
-              <a:buNone/>
-            </a:pPr>
-            <a:r>
-              <a:rPr lang="en-US" altLang="ko-KR" dirty="0" err="1"/>
-              <a:t>Espent</a:t>
-            </a:r>
-            <a:r>
-              <a:rPr lang="ko-KR" altLang="en-US" dirty="0"/>
-              <a:t>의 구조가 </a:t>
+              <a:t>저희는 분리된 화자별로 중요도를 구해서 중심 화자별로 요약을 제공할 계획입니다</a:t>
             </a:r>
             <a:r>
               <a:rPr lang="en-US" altLang="ko-KR" dirty="0"/>
-              <a:t>CTC/</a:t>
-            </a:r>
-            <a:r>
-              <a:rPr lang="en-US" altLang="ko-KR" dirty="0" err="1"/>
-              <a:t>Attenction</a:t>
-            </a:r>
-            <a:r>
-              <a:rPr lang="ko-KR" altLang="en-US" dirty="0"/>
-              <a:t>구조인데 </a:t>
-            </a:r>
-            <a:r>
-              <a:rPr lang="en-US" altLang="ko-KR" dirty="0" err="1"/>
-              <a:t>Paperswithcode</a:t>
-            </a:r>
-            <a:r>
-              <a:rPr lang="en-US" altLang="ko-KR" dirty="0"/>
-              <a:t> </a:t>
-            </a:r>
-            <a:r>
-              <a:rPr lang="ko-KR" altLang="en-US" dirty="0"/>
-              <a:t>에서 보면 </a:t>
-            </a:r>
-            <a:r>
-              <a:rPr lang="en-US" altLang="ko-KR" dirty="0" err="1"/>
-              <a:t>asr</a:t>
-            </a:r>
-            <a:r>
-              <a:rPr lang="en-US" altLang="ko-KR" dirty="0"/>
-              <a:t>(</a:t>
-            </a:r>
-            <a:r>
-              <a:rPr lang="ko-KR" altLang="en-US" dirty="0"/>
-              <a:t>자동 음성 인식</a:t>
-            </a:r>
-            <a:r>
-              <a:rPr lang="en-US" altLang="ko-KR" dirty="0"/>
-              <a:t>)</a:t>
-            </a:r>
-            <a:r>
-              <a:rPr lang="ko-KR" altLang="en-US" dirty="0"/>
-              <a:t>에</a:t>
-            </a:r>
-            <a:r>
-              <a:rPr lang="en-US" altLang="ko-KR" dirty="0"/>
-              <a:t> </a:t>
-            </a:r>
-            <a:r>
-              <a:rPr lang="ko-KR" altLang="en-US" dirty="0"/>
-              <a:t>사용된 모델에서 </a:t>
-            </a:r>
-            <a:r>
-              <a:rPr lang="en-US" altLang="ko-KR" dirty="0"/>
-              <a:t>CTC/</a:t>
-            </a:r>
-            <a:r>
-              <a:rPr lang="en-US" altLang="ko-KR" dirty="0" err="1"/>
-              <a:t>Attenction</a:t>
-            </a:r>
-            <a:r>
-              <a:rPr lang="en-US" altLang="ko-KR" dirty="0"/>
-              <a:t> </a:t>
-            </a:r>
-            <a:r>
-              <a:rPr lang="ko-KR" altLang="en-US" dirty="0"/>
-              <a:t>모델을 사용하면 </a:t>
-            </a:r>
-            <a:r>
-              <a:rPr lang="en-US" altLang="ko-KR" dirty="0" err="1"/>
-              <a:t>wer</a:t>
-            </a:r>
-            <a:r>
-              <a:rPr lang="ko-KR" altLang="en-US" dirty="0"/>
-              <a:t>이 </a:t>
-            </a:r>
-            <a:r>
-              <a:rPr lang="en-US" altLang="ko-KR" dirty="0"/>
-              <a:t>1.5</a:t>
-            </a:r>
-            <a:r>
-              <a:rPr lang="ko-KR" altLang="en-US" dirty="0"/>
-              <a:t>로 낮게 나와 사용하기로 함 </a:t>
-            </a:r>
+              <a:t>.</a:t>
+            </a:r>
+            <a:endParaRPr lang="ko-KR" altLang="en-US" dirty="0"/>
           </a:p>
         </p:txBody>
       </p:sp>
@@ -3486,7 +4207,7 @@
     </p:spTree>
     <p:extLst>
       <p:ext uri="{BB962C8B-B14F-4D97-AF65-F5344CB8AC3E}">
-        <p14:creationId xmlns:p14="http://schemas.microsoft.com/office/powerpoint/2010/main" val="1214517290"/>
+        <p14:creationId xmlns:p14="http://schemas.microsoft.com/office/powerpoint/2010/main" val="967002394"/>
       </p:ext>
     </p:extLst>
   </p:cSld>
@@ -3540,892 +4261,69 @@
           <a:bodyPr/>
           <a:lstStyle/>
           <a:p>
-            <a:pPr marL="0" indent="0" algn="just" latinLnBrk="1">
-              <a:lnSpc>
-                <a:spcPct val="107000"/>
-              </a:lnSpc>
-              <a:spcAft>
-                <a:spcPts val="800"/>
-              </a:spcAft>
-              <a:buNone/>
-            </a:pPr>
-            <a:r>
-              <a:rPr lang="ko-KR" altLang="en-US" sz="1200" kern="100" dirty="0">
-                <a:solidFill>
-                  <a:srgbClr val="111111"/>
-                </a:solidFill>
-                <a:effectLst/>
-                <a:latin typeface="Segoe UI" panose="020B0502040204020203" pitchFamily="34" charset="0"/>
-                <a:ea typeface="맑은 고딕" panose="020B0503020000020004" pitchFamily="50" charset="-127"/>
-                <a:cs typeface="Segoe UI" panose="020B0502040204020203" pitchFamily="34" charset="0"/>
-              </a:rPr>
-              <a:t>요약문 생성시 사용할 모델에 대해서 설명 드리겠습니다</a:t>
-            </a:r>
-            <a:r>
-              <a:rPr lang="en-US" altLang="ko-KR" sz="1200" kern="100" dirty="0">
-                <a:solidFill>
-                  <a:srgbClr val="111111"/>
-                </a:solidFill>
-                <a:effectLst/>
-                <a:latin typeface="Segoe UI" panose="020B0502040204020203" pitchFamily="34" charset="0"/>
-                <a:ea typeface="맑은 고딕" panose="020B0503020000020004" pitchFamily="50" charset="-127"/>
-                <a:cs typeface="Segoe UI" panose="020B0502040204020203" pitchFamily="34" charset="0"/>
-              </a:rPr>
-              <a:t>. </a:t>
-            </a:r>
-          </a:p>
-          <a:p>
-            <a:pPr marL="0" indent="0" algn="just" latinLnBrk="1">
-              <a:lnSpc>
-                <a:spcPct val="107000"/>
-              </a:lnSpc>
-              <a:spcAft>
-                <a:spcPts val="800"/>
-              </a:spcAft>
-              <a:buNone/>
-            </a:pPr>
-            <a:r>
-              <a:rPr lang="ko-KR" altLang="en-US" sz="1200" kern="100" dirty="0">
-                <a:solidFill>
-                  <a:srgbClr val="111111"/>
-                </a:solidFill>
-                <a:effectLst/>
-                <a:latin typeface="Segoe UI" panose="020B0502040204020203" pitchFamily="34" charset="0"/>
-                <a:ea typeface="맑은 고딕" panose="020B0503020000020004" pitchFamily="50" charset="-127"/>
-                <a:cs typeface="Segoe UI" panose="020B0502040204020203" pitchFamily="34" charset="0"/>
-              </a:rPr>
-              <a:t>텍스트를 요약하는 방법은 다음과 같이 두가지 방법이 있습니다</a:t>
-            </a:r>
-            <a:r>
-              <a:rPr lang="en-US" altLang="ko-KR" sz="1200" kern="100" dirty="0">
-                <a:solidFill>
-                  <a:srgbClr val="111111"/>
-                </a:solidFill>
-                <a:effectLst/>
-                <a:latin typeface="Segoe UI" panose="020B0502040204020203" pitchFamily="34" charset="0"/>
-                <a:ea typeface="맑은 고딕" panose="020B0503020000020004" pitchFamily="50" charset="-127"/>
-                <a:cs typeface="Segoe UI" panose="020B0502040204020203" pitchFamily="34" charset="0"/>
-              </a:rPr>
-              <a:t>. </a:t>
-            </a:r>
-          </a:p>
-          <a:p>
-            <a:pPr marL="342900" indent="-342900" algn="just" latinLnBrk="1">
-              <a:lnSpc>
-                <a:spcPct val="107000"/>
-              </a:lnSpc>
-              <a:spcAft>
-                <a:spcPts val="800"/>
-              </a:spcAft>
-              <a:buAutoNum type="arabicPeriod"/>
-            </a:pPr>
-            <a:endParaRPr lang="en-US" altLang="ko-KR" sz="1200" kern="100" dirty="0">
-              <a:solidFill>
-                <a:srgbClr val="111111"/>
-              </a:solidFill>
-              <a:effectLst/>
-              <a:latin typeface="Segoe UI" panose="020B0502040204020203" pitchFamily="34" charset="0"/>
-              <a:ea typeface="맑은 고딕" panose="020B0503020000020004" pitchFamily="50" charset="-127"/>
-              <a:cs typeface="Segoe UI" panose="020B0502040204020203" pitchFamily="34" charset="0"/>
-            </a:endParaRPr>
-          </a:p>
-          <a:p>
-            <a:pPr marL="342900" indent="-342900" algn="just" latinLnBrk="1">
-              <a:lnSpc>
-                <a:spcPct val="107000"/>
-              </a:lnSpc>
-              <a:spcAft>
-                <a:spcPts val="800"/>
-              </a:spcAft>
-              <a:buAutoNum type="arabicPeriod"/>
-            </a:pPr>
-            <a:r>
-              <a:rPr lang="ko-KR" altLang="ko-KR" sz="1200" kern="100" dirty="0">
-                <a:solidFill>
-                  <a:srgbClr val="111111"/>
-                </a:solidFill>
-                <a:effectLst/>
-                <a:latin typeface="Segoe UI" panose="020B0502040204020203" pitchFamily="34" charset="0"/>
-                <a:ea typeface="맑은 고딕" panose="020B0503020000020004" pitchFamily="50" charset="-127"/>
-                <a:cs typeface="Segoe UI" panose="020B0502040204020203" pitchFamily="34" charset="0"/>
-              </a:rPr>
-              <a:t>추출요약</a:t>
-            </a:r>
-            <a:r>
-              <a:rPr lang="en-US" altLang="ko-KR" sz="1200" kern="100" dirty="0">
-                <a:solidFill>
-                  <a:srgbClr val="111111"/>
-                </a:solidFill>
-                <a:effectLst/>
-                <a:latin typeface="Segoe UI" panose="020B0502040204020203" pitchFamily="34" charset="0"/>
-                <a:ea typeface="맑은 고딕" panose="020B0503020000020004" pitchFamily="50" charset="-127"/>
-                <a:cs typeface="Times New Roman" panose="02020603050405020304" pitchFamily="18" charset="0"/>
-              </a:rPr>
-              <a:t>(extraction) =&gt;</a:t>
-            </a:r>
-            <a:r>
-              <a:rPr lang="ko-KR" altLang="ko-KR" sz="1200" kern="100" dirty="0">
-                <a:solidFill>
-                  <a:srgbClr val="111111"/>
-                </a:solidFill>
-                <a:effectLst/>
-                <a:latin typeface="Segoe UI" panose="020B0502040204020203" pitchFamily="34" charset="0"/>
-                <a:ea typeface="맑은 고딕" panose="020B0503020000020004" pitchFamily="50" charset="-127"/>
-                <a:cs typeface="Segoe UI" panose="020B0502040204020203" pitchFamily="34" charset="0"/>
-              </a:rPr>
-              <a:t>문서에서</a:t>
-            </a:r>
-            <a:r>
-              <a:rPr lang="ko-KR" altLang="ko-KR" sz="1200" kern="100" dirty="0">
-                <a:solidFill>
-                  <a:srgbClr val="111111"/>
-                </a:solidFill>
-                <a:effectLst/>
-                <a:latin typeface="맑은 고딕" panose="020B0503020000020004" pitchFamily="50" charset="-127"/>
-                <a:ea typeface="Segoe UI" panose="020B0502040204020203" pitchFamily="34" charset="0"/>
-                <a:cs typeface="Times New Roman" panose="02020603050405020304" pitchFamily="18" charset="0"/>
-              </a:rPr>
-              <a:t> </a:t>
-            </a:r>
-            <a:r>
-              <a:rPr lang="ko-KR" altLang="ko-KR" sz="1200" kern="100" dirty="0">
-                <a:solidFill>
-                  <a:srgbClr val="111111"/>
-                </a:solidFill>
-                <a:effectLst/>
-                <a:latin typeface="Segoe UI" panose="020B0502040204020203" pitchFamily="34" charset="0"/>
-                <a:ea typeface="맑은 고딕" panose="020B0503020000020004" pitchFamily="50" charset="-127"/>
-                <a:cs typeface="Segoe UI" panose="020B0502040204020203" pitchFamily="34" charset="0"/>
-              </a:rPr>
-              <a:t>뽑은</a:t>
-            </a:r>
-            <a:r>
-              <a:rPr lang="ko-KR" altLang="ko-KR" sz="1200" kern="100" dirty="0">
-                <a:solidFill>
-                  <a:srgbClr val="111111"/>
-                </a:solidFill>
-                <a:effectLst/>
-                <a:latin typeface="맑은 고딕" panose="020B0503020000020004" pitchFamily="50" charset="-127"/>
-                <a:ea typeface="Segoe UI" panose="020B0502040204020203" pitchFamily="34" charset="0"/>
-                <a:cs typeface="Times New Roman" panose="02020603050405020304" pitchFamily="18" charset="0"/>
-              </a:rPr>
-              <a:t> </a:t>
-            </a:r>
-            <a:r>
-              <a:rPr lang="ko-KR" altLang="ko-KR" sz="1200" kern="100" dirty="0">
-                <a:solidFill>
-                  <a:srgbClr val="111111"/>
-                </a:solidFill>
-                <a:effectLst/>
-                <a:latin typeface="Segoe UI" panose="020B0502040204020203" pitchFamily="34" charset="0"/>
-                <a:ea typeface="맑은 고딕" panose="020B0503020000020004" pitchFamily="50" charset="-127"/>
-                <a:cs typeface="Segoe UI" panose="020B0502040204020203" pitchFamily="34" charset="0"/>
-              </a:rPr>
-              <a:t>단어를</a:t>
-            </a:r>
-            <a:r>
-              <a:rPr lang="ko-KR" altLang="ko-KR" sz="1200" kern="100" dirty="0">
-                <a:solidFill>
-                  <a:srgbClr val="111111"/>
-                </a:solidFill>
-                <a:effectLst/>
-                <a:latin typeface="맑은 고딕" panose="020B0503020000020004" pitchFamily="50" charset="-127"/>
-                <a:ea typeface="Segoe UI" panose="020B0502040204020203" pitchFamily="34" charset="0"/>
-                <a:cs typeface="Times New Roman" panose="02020603050405020304" pitchFamily="18" charset="0"/>
-              </a:rPr>
-              <a:t> </a:t>
-            </a:r>
-            <a:r>
-              <a:rPr lang="ko-KR" altLang="ko-KR" sz="1200" kern="100" dirty="0">
-                <a:solidFill>
-                  <a:srgbClr val="111111"/>
-                </a:solidFill>
-                <a:effectLst/>
-                <a:latin typeface="Segoe UI" panose="020B0502040204020203" pitchFamily="34" charset="0"/>
-                <a:ea typeface="맑은 고딕" panose="020B0503020000020004" pitchFamily="50" charset="-127"/>
-                <a:cs typeface="Segoe UI" panose="020B0502040204020203" pitchFamily="34" charset="0"/>
-              </a:rPr>
-              <a:t>조합해</a:t>
-            </a:r>
-            <a:r>
-              <a:rPr lang="ko-KR" altLang="ko-KR" sz="1200" kern="100" dirty="0">
-                <a:solidFill>
-                  <a:srgbClr val="111111"/>
-                </a:solidFill>
-                <a:effectLst/>
-                <a:latin typeface="맑은 고딕" panose="020B0503020000020004" pitchFamily="50" charset="-127"/>
-                <a:ea typeface="Segoe UI" panose="020B0502040204020203" pitchFamily="34" charset="0"/>
-                <a:cs typeface="Times New Roman" panose="02020603050405020304" pitchFamily="18" charset="0"/>
-              </a:rPr>
-              <a:t> </a:t>
-            </a:r>
-            <a:r>
-              <a:rPr lang="ko-KR" altLang="ko-KR" sz="1200" kern="100" dirty="0">
-                <a:solidFill>
-                  <a:srgbClr val="111111"/>
-                </a:solidFill>
-                <a:effectLst/>
-                <a:latin typeface="Segoe UI" panose="020B0502040204020203" pitchFamily="34" charset="0"/>
-                <a:ea typeface="맑은 고딕" panose="020B0503020000020004" pitchFamily="50" charset="-127"/>
-                <a:cs typeface="Segoe UI" panose="020B0502040204020203" pitchFamily="34" charset="0"/>
-              </a:rPr>
-              <a:t>문장을</a:t>
-            </a:r>
-            <a:r>
-              <a:rPr lang="ko-KR" altLang="ko-KR" sz="1200" kern="100" dirty="0">
-                <a:solidFill>
-                  <a:srgbClr val="111111"/>
-                </a:solidFill>
-                <a:effectLst/>
-                <a:latin typeface="맑은 고딕" panose="020B0503020000020004" pitchFamily="50" charset="-127"/>
-                <a:ea typeface="Segoe UI" panose="020B0502040204020203" pitchFamily="34" charset="0"/>
-                <a:cs typeface="Times New Roman" panose="02020603050405020304" pitchFamily="18" charset="0"/>
-              </a:rPr>
-              <a:t> </a:t>
-            </a:r>
-            <a:r>
-              <a:rPr lang="ko-KR" altLang="ko-KR" sz="1200" kern="100" dirty="0">
-                <a:solidFill>
-                  <a:srgbClr val="111111"/>
-                </a:solidFill>
-                <a:effectLst/>
-                <a:latin typeface="Segoe UI" panose="020B0502040204020203" pitchFamily="34" charset="0"/>
-                <a:ea typeface="맑은 고딕" panose="020B0503020000020004" pitchFamily="50" charset="-127"/>
-                <a:cs typeface="Segoe UI" panose="020B0502040204020203" pitchFamily="34" charset="0"/>
-              </a:rPr>
-              <a:t>생성</a:t>
-            </a:r>
-            <a:r>
-              <a:rPr lang="en-US" altLang="ko-KR" sz="1200" kern="100" dirty="0">
-                <a:solidFill>
-                  <a:srgbClr val="111111"/>
-                </a:solidFill>
-                <a:effectLst/>
-                <a:latin typeface="Segoe UI" panose="020B0502040204020203" pitchFamily="34" charset="0"/>
-                <a:ea typeface="맑은 고딕" panose="020B0503020000020004" pitchFamily="50" charset="-127"/>
-                <a:cs typeface="Times New Roman" panose="02020603050405020304" pitchFamily="18" charset="0"/>
-              </a:rPr>
-              <a:t>, </a:t>
-            </a:r>
-            <a:r>
-              <a:rPr lang="ko-KR" altLang="ko-KR" sz="1200" kern="100">
-                <a:solidFill>
-                  <a:srgbClr val="111111"/>
-                </a:solidFill>
-                <a:effectLst/>
-                <a:latin typeface="Segoe UI" panose="020B0502040204020203" pitchFamily="34" charset="0"/>
-                <a:ea typeface="맑은 고딕" panose="020B0503020000020004" pitchFamily="50" charset="-127"/>
-                <a:cs typeface="Segoe UI" panose="020B0502040204020203" pitchFamily="34" charset="0"/>
-              </a:rPr>
-              <a:t>입력</a:t>
-            </a:r>
-            <a:r>
-              <a:rPr lang="ko-KR" altLang="ko-KR" sz="1200" kern="100">
-                <a:solidFill>
-                  <a:srgbClr val="111111"/>
-                </a:solidFill>
-                <a:effectLst/>
-                <a:latin typeface="맑은 고딕" panose="020B0503020000020004" pitchFamily="50" charset="-127"/>
-                <a:ea typeface="Segoe UI" panose="020B0502040204020203" pitchFamily="34" charset="0"/>
-                <a:cs typeface="Times New Roman" panose="02020603050405020304" pitchFamily="18" charset="0"/>
-              </a:rPr>
-              <a:t> </a:t>
-            </a:r>
-            <a:r>
-              <a:rPr lang="ko-KR" altLang="ko-KR" sz="1200" kern="100" dirty="0">
-                <a:solidFill>
-                  <a:srgbClr val="111111"/>
-                </a:solidFill>
-                <a:effectLst/>
-                <a:latin typeface="Segoe UI" panose="020B0502040204020203" pitchFamily="34" charset="0"/>
-                <a:ea typeface="맑은 고딕" panose="020B0503020000020004" pitchFamily="50" charset="-127"/>
-                <a:cs typeface="Segoe UI" panose="020B0502040204020203" pitchFamily="34" charset="0"/>
-              </a:rPr>
-              <a:t>문장</a:t>
-            </a:r>
-            <a:r>
-              <a:rPr lang="ko-KR" altLang="ko-KR" sz="1200" kern="100" dirty="0">
-                <a:solidFill>
-                  <a:srgbClr val="111111"/>
-                </a:solidFill>
-                <a:effectLst/>
-                <a:latin typeface="맑은 고딕" panose="020B0503020000020004" pitchFamily="50" charset="-127"/>
-                <a:ea typeface="Segoe UI" panose="020B0502040204020203" pitchFamily="34" charset="0"/>
-                <a:cs typeface="Times New Roman" panose="02020603050405020304" pitchFamily="18" charset="0"/>
-              </a:rPr>
-              <a:t> </a:t>
-            </a:r>
-            <a:r>
-              <a:rPr lang="ko-KR" altLang="ko-KR" sz="1200" kern="100" dirty="0">
-                <a:solidFill>
-                  <a:srgbClr val="111111"/>
-                </a:solidFill>
-                <a:effectLst/>
-                <a:latin typeface="Segoe UI" panose="020B0502040204020203" pitchFamily="34" charset="0"/>
-                <a:ea typeface="맑은 고딕" panose="020B0503020000020004" pitchFamily="50" charset="-127"/>
-                <a:cs typeface="Segoe UI" panose="020B0502040204020203" pitchFamily="34" charset="0"/>
-              </a:rPr>
-              <a:t>중</a:t>
-            </a:r>
-            <a:r>
-              <a:rPr lang="ko-KR" altLang="ko-KR" sz="1200" kern="100" dirty="0">
-                <a:solidFill>
-                  <a:srgbClr val="111111"/>
-                </a:solidFill>
-                <a:effectLst/>
-                <a:latin typeface="맑은 고딕" panose="020B0503020000020004" pitchFamily="50" charset="-127"/>
-                <a:ea typeface="Segoe UI" panose="020B0502040204020203" pitchFamily="34" charset="0"/>
-                <a:cs typeface="Times New Roman" panose="02020603050405020304" pitchFamily="18" charset="0"/>
-              </a:rPr>
-              <a:t> </a:t>
-            </a:r>
-            <a:r>
-              <a:rPr lang="ko-KR" altLang="ko-KR" sz="1200" kern="100" dirty="0">
-                <a:solidFill>
-                  <a:srgbClr val="111111"/>
-                </a:solidFill>
-                <a:effectLst/>
-                <a:latin typeface="Segoe UI" panose="020B0502040204020203" pitchFamily="34" charset="0"/>
-                <a:ea typeface="맑은 고딕" panose="020B0503020000020004" pitchFamily="50" charset="-127"/>
-                <a:cs typeface="Segoe UI" panose="020B0502040204020203" pitchFamily="34" charset="0"/>
-              </a:rPr>
-              <a:t>중요도가</a:t>
-            </a:r>
-            <a:r>
-              <a:rPr lang="ko-KR" altLang="ko-KR" sz="1200" kern="100" dirty="0">
-                <a:solidFill>
-                  <a:srgbClr val="111111"/>
-                </a:solidFill>
-                <a:effectLst/>
-                <a:latin typeface="맑은 고딕" panose="020B0503020000020004" pitchFamily="50" charset="-127"/>
-                <a:ea typeface="Segoe UI" panose="020B0502040204020203" pitchFamily="34" charset="0"/>
-                <a:cs typeface="Times New Roman" panose="02020603050405020304" pitchFamily="18" charset="0"/>
-              </a:rPr>
-              <a:t> </a:t>
-            </a:r>
-            <a:r>
-              <a:rPr lang="ko-KR" altLang="ko-KR" sz="1200" kern="100" dirty="0">
-                <a:solidFill>
-                  <a:srgbClr val="111111"/>
-                </a:solidFill>
-                <a:effectLst/>
-                <a:latin typeface="Segoe UI" panose="020B0502040204020203" pitchFamily="34" charset="0"/>
-                <a:ea typeface="맑은 고딕" panose="020B0503020000020004" pitchFamily="50" charset="-127"/>
-                <a:cs typeface="Segoe UI" panose="020B0502040204020203" pitchFamily="34" charset="0"/>
-              </a:rPr>
-              <a:t>높은</a:t>
-            </a:r>
-            <a:r>
-              <a:rPr lang="ko-KR" altLang="ko-KR" sz="1200" kern="100" dirty="0">
-                <a:solidFill>
-                  <a:srgbClr val="111111"/>
-                </a:solidFill>
-                <a:effectLst/>
-                <a:latin typeface="맑은 고딕" panose="020B0503020000020004" pitchFamily="50" charset="-127"/>
-                <a:ea typeface="Segoe UI" panose="020B0502040204020203" pitchFamily="34" charset="0"/>
-                <a:cs typeface="Times New Roman" panose="02020603050405020304" pitchFamily="18" charset="0"/>
-              </a:rPr>
-              <a:t> </a:t>
-            </a:r>
-            <a:r>
-              <a:rPr lang="ko-KR" altLang="ko-KR" sz="1200" kern="100" dirty="0">
-                <a:solidFill>
-                  <a:srgbClr val="111111"/>
-                </a:solidFill>
-                <a:effectLst/>
-                <a:latin typeface="Segoe UI" panose="020B0502040204020203" pitchFamily="34" charset="0"/>
-                <a:ea typeface="맑은 고딕" panose="020B0503020000020004" pitchFamily="50" charset="-127"/>
-                <a:cs typeface="Segoe UI" panose="020B0502040204020203" pitchFamily="34" charset="0"/>
-              </a:rPr>
-              <a:t>순으로</a:t>
-            </a:r>
-            <a:r>
-              <a:rPr lang="ko-KR" altLang="ko-KR" sz="1200" kern="100" dirty="0">
-                <a:solidFill>
-                  <a:srgbClr val="111111"/>
-                </a:solidFill>
-                <a:effectLst/>
-                <a:latin typeface="맑은 고딕" panose="020B0503020000020004" pitchFamily="50" charset="-127"/>
-                <a:ea typeface="Segoe UI" panose="020B0502040204020203" pitchFamily="34" charset="0"/>
-                <a:cs typeface="Times New Roman" panose="02020603050405020304" pitchFamily="18" charset="0"/>
-              </a:rPr>
-              <a:t> </a:t>
-            </a:r>
-            <a:r>
-              <a:rPr lang="en-US" altLang="ko-KR" sz="1200" kern="100" dirty="0">
-                <a:solidFill>
-                  <a:srgbClr val="111111"/>
-                </a:solidFill>
-                <a:effectLst/>
-                <a:latin typeface="맑은 고딕" panose="020B0503020000020004" pitchFamily="50" charset="-127"/>
-                <a:ea typeface="Segoe UI" panose="020B0502040204020203" pitchFamily="34" charset="0"/>
-                <a:cs typeface="Times New Roman" panose="02020603050405020304" pitchFamily="18" charset="0"/>
-              </a:rPr>
-              <a:t>n</a:t>
-            </a:r>
-            <a:r>
-              <a:rPr lang="ko-KR" altLang="ko-KR" sz="1200" kern="100" dirty="0">
-                <a:solidFill>
-                  <a:srgbClr val="111111"/>
-                </a:solidFill>
-                <a:effectLst/>
-                <a:latin typeface="Segoe UI" panose="020B0502040204020203" pitchFamily="34" charset="0"/>
-                <a:ea typeface="맑은 고딕" panose="020B0503020000020004" pitchFamily="50" charset="-127"/>
-                <a:cs typeface="Segoe UI" panose="020B0502040204020203" pitchFamily="34" charset="0"/>
-              </a:rPr>
-              <a:t>개의</a:t>
-            </a:r>
-            <a:r>
-              <a:rPr lang="ko-KR" altLang="ko-KR" sz="1200" kern="100" dirty="0">
-                <a:solidFill>
-                  <a:srgbClr val="111111"/>
-                </a:solidFill>
-                <a:effectLst/>
-                <a:latin typeface="맑은 고딕" panose="020B0503020000020004" pitchFamily="50" charset="-127"/>
-                <a:ea typeface="Segoe UI" panose="020B0502040204020203" pitchFamily="34" charset="0"/>
-                <a:cs typeface="Times New Roman" panose="02020603050405020304" pitchFamily="18" charset="0"/>
-              </a:rPr>
-              <a:t> </a:t>
-            </a:r>
-            <a:r>
-              <a:rPr lang="ko-KR" altLang="ko-KR" sz="1200" kern="100" dirty="0">
-                <a:solidFill>
-                  <a:srgbClr val="111111"/>
-                </a:solidFill>
-                <a:effectLst/>
-                <a:latin typeface="Segoe UI" panose="020B0502040204020203" pitchFamily="34" charset="0"/>
-                <a:ea typeface="맑은 고딕" panose="020B0503020000020004" pitchFamily="50" charset="-127"/>
-                <a:cs typeface="Segoe UI" panose="020B0502040204020203" pitchFamily="34" charset="0"/>
-              </a:rPr>
-              <a:t>문장을</a:t>
-            </a:r>
-            <a:r>
-              <a:rPr lang="ko-KR" altLang="ko-KR" sz="1200" kern="100" dirty="0">
-                <a:solidFill>
-                  <a:srgbClr val="111111"/>
-                </a:solidFill>
-                <a:effectLst/>
-                <a:latin typeface="맑은 고딕" panose="020B0503020000020004" pitchFamily="50" charset="-127"/>
-                <a:ea typeface="Segoe UI" panose="020B0502040204020203" pitchFamily="34" charset="0"/>
-                <a:cs typeface="Times New Roman" panose="02020603050405020304" pitchFamily="18" charset="0"/>
-              </a:rPr>
-              <a:t> </a:t>
-            </a:r>
-            <a:r>
-              <a:rPr lang="ko-KR" altLang="ko-KR" sz="1200" kern="100" dirty="0">
-                <a:solidFill>
-                  <a:srgbClr val="111111"/>
-                </a:solidFill>
-                <a:effectLst/>
-                <a:latin typeface="Segoe UI" panose="020B0502040204020203" pitchFamily="34" charset="0"/>
-                <a:ea typeface="맑은 고딕" panose="020B0503020000020004" pitchFamily="50" charset="-127"/>
-                <a:cs typeface="Segoe UI" panose="020B0502040204020203" pitchFamily="34" charset="0"/>
-              </a:rPr>
-              <a:t>뽑아</a:t>
-            </a:r>
-            <a:r>
-              <a:rPr lang="ko-KR" altLang="ko-KR" sz="1200" kern="100" dirty="0">
-                <a:solidFill>
-                  <a:srgbClr val="111111"/>
-                </a:solidFill>
-                <a:effectLst/>
-                <a:latin typeface="맑은 고딕" panose="020B0503020000020004" pitchFamily="50" charset="-127"/>
-                <a:ea typeface="Segoe UI" panose="020B0502040204020203" pitchFamily="34" charset="0"/>
-                <a:cs typeface="Times New Roman" panose="02020603050405020304" pitchFamily="18" charset="0"/>
-              </a:rPr>
-              <a:t> </a:t>
-            </a:r>
-            <a:r>
-              <a:rPr lang="ko-KR" altLang="ko-KR" sz="1200" kern="100" dirty="0">
-                <a:solidFill>
-                  <a:srgbClr val="111111"/>
-                </a:solidFill>
-                <a:effectLst/>
-                <a:latin typeface="Segoe UI" panose="020B0502040204020203" pitchFamily="34" charset="0"/>
-                <a:ea typeface="맑은 고딕" panose="020B0503020000020004" pitchFamily="50" charset="-127"/>
-                <a:cs typeface="Segoe UI" panose="020B0502040204020203" pitchFamily="34" charset="0"/>
-              </a:rPr>
-              <a:t>만든다</a:t>
-            </a:r>
-            <a:r>
-              <a:rPr lang="en-US" altLang="ko-KR" sz="1200" kern="100" dirty="0">
-                <a:solidFill>
-                  <a:srgbClr val="111111"/>
-                </a:solidFill>
-                <a:effectLst/>
-                <a:latin typeface="Segoe UI" panose="020B0502040204020203" pitchFamily="34" charset="0"/>
-                <a:ea typeface="맑은 고딕" panose="020B0503020000020004" pitchFamily="50" charset="-127"/>
-                <a:cs typeface="Times New Roman" panose="02020603050405020304" pitchFamily="18" charset="0"/>
-              </a:rPr>
-              <a:t>. </a:t>
-            </a:r>
-          </a:p>
-          <a:p>
-            <a:pPr marL="342900" indent="-342900" algn="just" latinLnBrk="1">
-              <a:lnSpc>
-                <a:spcPct val="107000"/>
-              </a:lnSpc>
-              <a:spcAft>
-                <a:spcPts val="800"/>
-              </a:spcAft>
-              <a:buAutoNum type="arabicPeriod"/>
-            </a:pPr>
-            <a:r>
-              <a:rPr lang="ko-KR" altLang="ko-KR" sz="1200" kern="100" dirty="0">
-                <a:solidFill>
-                  <a:srgbClr val="111111"/>
-                </a:solidFill>
-                <a:effectLst/>
-                <a:latin typeface="Segoe UI" panose="020B0502040204020203" pitchFamily="34" charset="0"/>
-                <a:ea typeface="맑은 고딕" panose="020B0503020000020004" pitchFamily="50" charset="-127"/>
-                <a:cs typeface="Segoe UI" panose="020B0502040204020203" pitchFamily="34" charset="0"/>
-              </a:rPr>
-              <a:t>생성요약</a:t>
-            </a:r>
-            <a:r>
-              <a:rPr lang="en-US" altLang="ko-KR" sz="1200" kern="100" dirty="0">
-                <a:solidFill>
-                  <a:srgbClr val="111111"/>
-                </a:solidFill>
-                <a:effectLst/>
-                <a:latin typeface="Segoe UI" panose="020B0502040204020203" pitchFamily="34" charset="0"/>
-                <a:ea typeface="맑은 고딕" panose="020B0503020000020004" pitchFamily="50" charset="-127"/>
-                <a:cs typeface="Times New Roman" panose="02020603050405020304" pitchFamily="18" charset="0"/>
-              </a:rPr>
-              <a:t>(abstraction) =&gt; </a:t>
-            </a:r>
-            <a:r>
-              <a:rPr lang="ko-KR" altLang="ko-KR" sz="1200" kern="100" dirty="0">
-                <a:solidFill>
-                  <a:srgbClr val="111111"/>
-                </a:solidFill>
-                <a:effectLst/>
-                <a:latin typeface="Segoe UI" panose="020B0502040204020203" pitchFamily="34" charset="0"/>
-                <a:ea typeface="맑은 고딕" panose="020B0503020000020004" pitchFamily="50" charset="-127"/>
-                <a:cs typeface="Segoe UI" panose="020B0502040204020203" pitchFamily="34" charset="0"/>
-              </a:rPr>
-              <a:t>의미가</a:t>
-            </a:r>
-            <a:r>
-              <a:rPr lang="ko-KR" altLang="ko-KR" sz="1200" kern="100" dirty="0">
-                <a:solidFill>
-                  <a:srgbClr val="111111"/>
-                </a:solidFill>
-                <a:effectLst/>
-                <a:latin typeface="맑은 고딕" panose="020B0503020000020004" pitchFamily="50" charset="-127"/>
-                <a:ea typeface="Segoe UI" panose="020B0502040204020203" pitchFamily="34" charset="0"/>
-                <a:cs typeface="Times New Roman" panose="02020603050405020304" pitchFamily="18" charset="0"/>
-              </a:rPr>
-              <a:t> </a:t>
-            </a:r>
-            <a:r>
-              <a:rPr lang="ko-KR" altLang="ko-KR" sz="1200" kern="100" dirty="0">
-                <a:solidFill>
-                  <a:srgbClr val="111111"/>
-                </a:solidFill>
-                <a:effectLst/>
-                <a:latin typeface="Segoe UI" panose="020B0502040204020203" pitchFamily="34" charset="0"/>
-                <a:ea typeface="맑은 고딕" panose="020B0503020000020004" pitchFamily="50" charset="-127"/>
-                <a:cs typeface="Segoe UI" panose="020B0502040204020203" pitchFamily="34" charset="0"/>
-              </a:rPr>
-              <a:t>바뀌지</a:t>
-            </a:r>
-            <a:r>
-              <a:rPr lang="ko-KR" altLang="ko-KR" sz="1200" kern="100" dirty="0">
-                <a:solidFill>
-                  <a:srgbClr val="111111"/>
-                </a:solidFill>
-                <a:effectLst/>
-                <a:latin typeface="맑은 고딕" panose="020B0503020000020004" pitchFamily="50" charset="-127"/>
-                <a:ea typeface="Segoe UI" panose="020B0502040204020203" pitchFamily="34" charset="0"/>
-                <a:cs typeface="Times New Roman" panose="02020603050405020304" pitchFamily="18" charset="0"/>
-              </a:rPr>
-              <a:t> </a:t>
-            </a:r>
-            <a:r>
-              <a:rPr lang="ko-KR" altLang="ko-KR" sz="1200" kern="100" dirty="0">
-                <a:solidFill>
-                  <a:srgbClr val="111111"/>
-                </a:solidFill>
-                <a:effectLst/>
-                <a:latin typeface="Segoe UI" panose="020B0502040204020203" pitchFamily="34" charset="0"/>
-                <a:ea typeface="맑은 고딕" panose="020B0503020000020004" pitchFamily="50" charset="-127"/>
-                <a:cs typeface="Segoe UI" panose="020B0502040204020203" pitchFamily="34" charset="0"/>
-              </a:rPr>
-              <a:t>않은</a:t>
-            </a:r>
-            <a:r>
-              <a:rPr lang="ko-KR" altLang="ko-KR" sz="1200" kern="100" dirty="0">
-                <a:solidFill>
-                  <a:srgbClr val="111111"/>
-                </a:solidFill>
-                <a:effectLst/>
-                <a:latin typeface="맑은 고딕" panose="020B0503020000020004" pitchFamily="50" charset="-127"/>
-                <a:ea typeface="Segoe UI" panose="020B0502040204020203" pitchFamily="34" charset="0"/>
-                <a:cs typeface="Times New Roman" panose="02020603050405020304" pitchFamily="18" charset="0"/>
-              </a:rPr>
-              <a:t> </a:t>
-            </a:r>
-            <a:r>
-              <a:rPr lang="ko-KR" altLang="ko-KR" sz="1200" kern="100" dirty="0">
-                <a:solidFill>
-                  <a:srgbClr val="111111"/>
-                </a:solidFill>
-                <a:effectLst/>
-                <a:latin typeface="Segoe UI" panose="020B0502040204020203" pitchFamily="34" charset="0"/>
-                <a:ea typeface="맑은 고딕" panose="020B0503020000020004" pitchFamily="50" charset="-127"/>
-                <a:cs typeface="Segoe UI" panose="020B0502040204020203" pitchFamily="34" charset="0"/>
-              </a:rPr>
-              <a:t>선에서</a:t>
-            </a:r>
-            <a:r>
-              <a:rPr lang="ko-KR" altLang="ko-KR" sz="1200" kern="100" dirty="0">
-                <a:solidFill>
-                  <a:srgbClr val="111111"/>
-                </a:solidFill>
-                <a:effectLst/>
-                <a:latin typeface="맑은 고딕" panose="020B0503020000020004" pitchFamily="50" charset="-127"/>
-                <a:ea typeface="Segoe UI" panose="020B0502040204020203" pitchFamily="34" charset="0"/>
-                <a:cs typeface="Times New Roman" panose="02020603050405020304" pitchFamily="18" charset="0"/>
-              </a:rPr>
-              <a:t> </a:t>
-            </a:r>
-            <a:r>
-              <a:rPr lang="ko-KR" altLang="ko-KR" sz="1200" kern="100" dirty="0">
-                <a:solidFill>
-                  <a:srgbClr val="111111"/>
-                </a:solidFill>
-                <a:effectLst/>
-                <a:latin typeface="Segoe UI" panose="020B0502040204020203" pitchFamily="34" charset="0"/>
-                <a:ea typeface="맑은 고딕" panose="020B0503020000020004" pitchFamily="50" charset="-127"/>
-                <a:cs typeface="Segoe UI" panose="020B0502040204020203" pitchFamily="34" charset="0"/>
-              </a:rPr>
-              <a:t>문서에서</a:t>
-            </a:r>
-            <a:r>
-              <a:rPr lang="ko-KR" altLang="ko-KR" sz="1200" kern="100" dirty="0">
-                <a:solidFill>
-                  <a:srgbClr val="111111"/>
-                </a:solidFill>
-                <a:effectLst/>
-                <a:latin typeface="맑은 고딕" panose="020B0503020000020004" pitchFamily="50" charset="-127"/>
-                <a:ea typeface="Segoe UI" panose="020B0502040204020203" pitchFamily="34" charset="0"/>
-                <a:cs typeface="Times New Roman" panose="02020603050405020304" pitchFamily="18" charset="0"/>
-              </a:rPr>
-              <a:t> </a:t>
-            </a:r>
-            <a:r>
-              <a:rPr lang="ko-KR" altLang="ko-KR" sz="1200" kern="100" dirty="0">
-                <a:solidFill>
-                  <a:srgbClr val="111111"/>
-                </a:solidFill>
-                <a:effectLst/>
-                <a:latin typeface="Segoe UI" panose="020B0502040204020203" pitchFamily="34" charset="0"/>
-                <a:ea typeface="맑은 고딕" panose="020B0503020000020004" pitchFamily="50" charset="-127"/>
-                <a:cs typeface="Segoe UI" panose="020B0502040204020203" pitchFamily="34" charset="0"/>
-              </a:rPr>
-              <a:t>쓰이지</a:t>
-            </a:r>
-            <a:r>
-              <a:rPr lang="ko-KR" altLang="ko-KR" sz="1200" kern="100" dirty="0">
-                <a:solidFill>
-                  <a:srgbClr val="111111"/>
-                </a:solidFill>
-                <a:effectLst/>
-                <a:latin typeface="맑은 고딕" panose="020B0503020000020004" pitchFamily="50" charset="-127"/>
-                <a:ea typeface="Segoe UI" panose="020B0502040204020203" pitchFamily="34" charset="0"/>
-                <a:cs typeface="Times New Roman" panose="02020603050405020304" pitchFamily="18" charset="0"/>
-              </a:rPr>
-              <a:t> </a:t>
-            </a:r>
-            <a:r>
-              <a:rPr lang="ko-KR" altLang="ko-KR" sz="1200" kern="100" dirty="0">
-                <a:solidFill>
-                  <a:srgbClr val="111111"/>
-                </a:solidFill>
-                <a:effectLst/>
-                <a:latin typeface="Segoe UI" panose="020B0502040204020203" pitchFamily="34" charset="0"/>
-                <a:ea typeface="맑은 고딕" panose="020B0503020000020004" pitchFamily="50" charset="-127"/>
-                <a:cs typeface="Segoe UI" panose="020B0502040204020203" pitchFamily="34" charset="0"/>
-              </a:rPr>
-              <a:t>않은</a:t>
-            </a:r>
-            <a:r>
-              <a:rPr lang="ko-KR" altLang="ko-KR" sz="1200" kern="100" dirty="0">
-                <a:solidFill>
-                  <a:srgbClr val="111111"/>
-                </a:solidFill>
-                <a:effectLst/>
-                <a:latin typeface="맑은 고딕" panose="020B0503020000020004" pitchFamily="50" charset="-127"/>
-                <a:ea typeface="Segoe UI" panose="020B0502040204020203" pitchFamily="34" charset="0"/>
-                <a:cs typeface="Times New Roman" panose="02020603050405020304" pitchFamily="18" charset="0"/>
-              </a:rPr>
-              <a:t> </a:t>
-            </a:r>
-            <a:r>
-              <a:rPr lang="ko-KR" altLang="ko-KR" sz="1200" kern="100" dirty="0">
-                <a:solidFill>
-                  <a:srgbClr val="111111"/>
-                </a:solidFill>
-                <a:effectLst/>
-                <a:latin typeface="Segoe UI" panose="020B0502040204020203" pitchFamily="34" charset="0"/>
-                <a:ea typeface="맑은 고딕" panose="020B0503020000020004" pitchFamily="50" charset="-127"/>
-                <a:cs typeface="Segoe UI" panose="020B0502040204020203" pitchFamily="34" charset="0"/>
-              </a:rPr>
-              <a:t>단어</a:t>
-            </a:r>
-            <a:r>
-              <a:rPr lang="ko-KR" altLang="ko-KR" sz="1200" kern="100" dirty="0">
-                <a:solidFill>
-                  <a:srgbClr val="111111"/>
-                </a:solidFill>
-                <a:effectLst/>
-                <a:latin typeface="맑은 고딕" panose="020B0503020000020004" pitchFamily="50" charset="-127"/>
-                <a:ea typeface="Segoe UI" panose="020B0502040204020203" pitchFamily="34" charset="0"/>
-                <a:cs typeface="Times New Roman" panose="02020603050405020304" pitchFamily="18" charset="0"/>
-              </a:rPr>
-              <a:t> </a:t>
-            </a:r>
-            <a:r>
-              <a:rPr lang="ko-KR" altLang="ko-KR" sz="1200" kern="100" dirty="0">
-                <a:solidFill>
-                  <a:srgbClr val="111111"/>
-                </a:solidFill>
-                <a:effectLst/>
-                <a:latin typeface="Segoe UI" panose="020B0502040204020203" pitchFamily="34" charset="0"/>
-                <a:ea typeface="맑은 고딕" panose="020B0503020000020004" pitchFamily="50" charset="-127"/>
-                <a:cs typeface="Segoe UI" panose="020B0502040204020203" pitchFamily="34" charset="0"/>
-              </a:rPr>
-              <a:t>또는</a:t>
-            </a:r>
-            <a:r>
-              <a:rPr lang="ko-KR" altLang="ko-KR" sz="1200" kern="100" dirty="0">
-                <a:solidFill>
-                  <a:srgbClr val="111111"/>
-                </a:solidFill>
-                <a:effectLst/>
-                <a:latin typeface="맑은 고딕" panose="020B0503020000020004" pitchFamily="50" charset="-127"/>
-                <a:ea typeface="Segoe UI" panose="020B0502040204020203" pitchFamily="34" charset="0"/>
-                <a:cs typeface="Times New Roman" panose="02020603050405020304" pitchFamily="18" charset="0"/>
-              </a:rPr>
-              <a:t> </a:t>
-            </a:r>
-            <a:r>
-              <a:rPr lang="ko-KR" altLang="ko-KR" sz="1200" kern="100" dirty="0">
-                <a:solidFill>
-                  <a:srgbClr val="111111"/>
-                </a:solidFill>
-                <a:effectLst/>
-                <a:latin typeface="Segoe UI" panose="020B0502040204020203" pitchFamily="34" charset="0"/>
-                <a:ea typeface="맑은 고딕" panose="020B0503020000020004" pitchFamily="50" charset="-127"/>
-                <a:cs typeface="Segoe UI" panose="020B0502040204020203" pitchFamily="34" charset="0"/>
-              </a:rPr>
-              <a:t>표현을</a:t>
-            </a:r>
-            <a:r>
-              <a:rPr lang="ko-KR" altLang="ko-KR" sz="1200" kern="100" dirty="0">
-                <a:solidFill>
-                  <a:srgbClr val="111111"/>
-                </a:solidFill>
-                <a:effectLst/>
-                <a:latin typeface="맑은 고딕" panose="020B0503020000020004" pitchFamily="50" charset="-127"/>
-                <a:ea typeface="Segoe UI" panose="020B0502040204020203" pitchFamily="34" charset="0"/>
-                <a:cs typeface="Times New Roman" panose="02020603050405020304" pitchFamily="18" charset="0"/>
-              </a:rPr>
-              <a:t> </a:t>
-            </a:r>
-            <a:r>
-              <a:rPr lang="ko-KR" altLang="ko-KR" sz="1200" kern="100" dirty="0">
-                <a:solidFill>
-                  <a:srgbClr val="111111"/>
-                </a:solidFill>
-                <a:effectLst/>
-                <a:latin typeface="Segoe UI" panose="020B0502040204020203" pitchFamily="34" charset="0"/>
-                <a:ea typeface="맑은 고딕" panose="020B0503020000020004" pitchFamily="50" charset="-127"/>
-                <a:cs typeface="Segoe UI" panose="020B0502040204020203" pitchFamily="34" charset="0"/>
-              </a:rPr>
-              <a:t>이용해</a:t>
-            </a:r>
-            <a:r>
-              <a:rPr lang="ko-KR" altLang="ko-KR" sz="1200" kern="100" dirty="0">
-                <a:solidFill>
-                  <a:srgbClr val="111111"/>
-                </a:solidFill>
-                <a:effectLst/>
-                <a:latin typeface="맑은 고딕" panose="020B0503020000020004" pitchFamily="50" charset="-127"/>
-                <a:ea typeface="Segoe UI" panose="020B0502040204020203" pitchFamily="34" charset="0"/>
-                <a:cs typeface="Times New Roman" panose="02020603050405020304" pitchFamily="18" charset="0"/>
-              </a:rPr>
-              <a:t> </a:t>
-            </a:r>
-            <a:r>
-              <a:rPr lang="ko-KR" altLang="ko-KR" sz="1200" kern="100" dirty="0">
-                <a:solidFill>
-                  <a:srgbClr val="111111"/>
-                </a:solidFill>
-                <a:effectLst/>
-                <a:latin typeface="Segoe UI" panose="020B0502040204020203" pitchFamily="34" charset="0"/>
-                <a:ea typeface="맑은 고딕" panose="020B0503020000020004" pitchFamily="50" charset="-127"/>
-                <a:cs typeface="Segoe UI" panose="020B0502040204020203" pitchFamily="34" charset="0"/>
-              </a:rPr>
-              <a:t>문장을</a:t>
-            </a:r>
-            <a:r>
-              <a:rPr lang="ko-KR" altLang="ko-KR" sz="1200" kern="100" dirty="0">
-                <a:solidFill>
-                  <a:srgbClr val="111111"/>
-                </a:solidFill>
-                <a:effectLst/>
-                <a:latin typeface="맑은 고딕" panose="020B0503020000020004" pitchFamily="50" charset="-127"/>
-                <a:ea typeface="Segoe UI" panose="020B0502040204020203" pitchFamily="34" charset="0"/>
-                <a:cs typeface="Times New Roman" panose="02020603050405020304" pitchFamily="18" charset="0"/>
-              </a:rPr>
-              <a:t> </a:t>
-            </a:r>
-            <a:r>
-              <a:rPr lang="ko-KR" altLang="ko-KR" sz="1200" kern="100" dirty="0">
-                <a:solidFill>
-                  <a:srgbClr val="111111"/>
-                </a:solidFill>
-                <a:effectLst/>
-                <a:latin typeface="Segoe UI" panose="020B0502040204020203" pitchFamily="34" charset="0"/>
-                <a:ea typeface="맑은 고딕" panose="020B0503020000020004" pitchFamily="50" charset="-127"/>
-                <a:cs typeface="Segoe UI" panose="020B0502040204020203" pitchFamily="34" charset="0"/>
-              </a:rPr>
-              <a:t>만들어낸다</a:t>
-            </a:r>
-            <a:r>
-              <a:rPr lang="en-US" altLang="ko-KR" sz="1200" kern="100" dirty="0">
-                <a:solidFill>
-                  <a:srgbClr val="111111"/>
-                </a:solidFill>
-                <a:effectLst/>
-                <a:latin typeface="Segoe UI" panose="020B0502040204020203" pitchFamily="34" charset="0"/>
-                <a:ea typeface="맑은 고딕" panose="020B0503020000020004" pitchFamily="50" charset="-127"/>
-                <a:cs typeface="Times New Roman" panose="02020603050405020304" pitchFamily="18" charset="0"/>
-              </a:rPr>
-              <a:t>.</a:t>
-            </a:r>
-          </a:p>
-          <a:p>
-            <a:endParaRPr lang="en-US" altLang="ko-KR" dirty="0"/>
-          </a:p>
-          <a:p>
             <a:r>
               <a:rPr lang="ko-KR" altLang="en-US" dirty="0"/>
-              <a:t>저희 조는 조금 더 자연스러운 요약문을 생성하기 위하여 </a:t>
-            </a:r>
-            <a:r>
-              <a:rPr lang="en-US" altLang="ko-KR" dirty="0"/>
-              <a:t>GPT</a:t>
-            </a:r>
-            <a:r>
-              <a:rPr lang="ko-KR" altLang="en-US" dirty="0"/>
-              <a:t>기반의 모델을 사용할 예정입니다</a:t>
+              <a:t>저희 프로젝트의 진행 과정을 블록 다이어그램으로 그려보았습니다</a:t>
             </a:r>
             <a:r>
               <a:rPr lang="en-US" altLang="ko-KR" dirty="0"/>
               <a:t>.</a:t>
+            </a:r>
+          </a:p>
+          <a:p>
+            <a:r>
+              <a:rPr lang="ko-KR" altLang="en-US" dirty="0"/>
+              <a:t>오버랩 되어 있는 음성 데이터를  </a:t>
+            </a:r>
+            <a:r>
+              <a:rPr lang="en-US" altLang="ko-KR" dirty="0" err="1"/>
+              <a:t>vad</a:t>
+            </a:r>
+            <a:r>
+              <a:rPr lang="en-US" altLang="ko-KR" dirty="0"/>
+              <a:t> </a:t>
+            </a:r>
+            <a:r>
+              <a:rPr lang="ko-KR" altLang="en-US" dirty="0"/>
+              <a:t>알고리즘으로 자른 다음 화자 분리를 수행합니다</a:t>
+            </a:r>
+            <a:r>
+              <a:rPr lang="en-US" altLang="ko-KR" dirty="0"/>
+              <a:t>. </a:t>
+            </a:r>
+          </a:p>
+          <a:p>
+            <a:r>
+              <a:rPr lang="ko-KR" altLang="en-US" dirty="0"/>
+              <a:t>각 분리된 음성을 </a:t>
+            </a:r>
+            <a:r>
+              <a:rPr lang="en-US" altLang="ko-KR" dirty="0" err="1"/>
+              <a:t>stt</a:t>
+            </a:r>
+            <a:r>
+              <a:rPr lang="ko-KR" altLang="en-US" dirty="0"/>
+              <a:t>로 </a:t>
+            </a:r>
+            <a:r>
+              <a:rPr lang="en-US" altLang="ko-KR" dirty="0"/>
+              <a:t>text </a:t>
+            </a:r>
+            <a:r>
+              <a:rPr lang="ko-KR" altLang="en-US" dirty="0"/>
+              <a:t>출력을 하고 </a:t>
+            </a:r>
+            <a:r>
+              <a:rPr lang="en-US" altLang="ko-KR" dirty="0"/>
+              <a:t>script </a:t>
+            </a:r>
+            <a:r>
+              <a:rPr lang="ko-KR" altLang="en-US" dirty="0"/>
+              <a:t>형식으로 변환을 한 뒤 요약을 수행하는 과정입니다</a:t>
+            </a:r>
+            <a:r>
+              <a:rPr lang="en-US" altLang="ko-KR" dirty="0"/>
+              <a:t>.  </a:t>
             </a:r>
             <a:endParaRPr lang="ko-KR" altLang="en-US" dirty="0"/>
           </a:p>
@@ -4457,7 +4355,7 @@
     </p:spTree>
     <p:extLst>
       <p:ext uri="{BB962C8B-B14F-4D97-AF65-F5344CB8AC3E}">
-        <p14:creationId xmlns:p14="http://schemas.microsoft.com/office/powerpoint/2010/main" val="1597135712"/>
+        <p14:creationId xmlns:p14="http://schemas.microsoft.com/office/powerpoint/2010/main" val="264363184"/>
       </p:ext>
     </p:extLst>
   </p:cSld>
@@ -7935,15 +7833,7 @@
             <a:pPr algn="ctr"/>
             <a:r>
               <a:rPr lang="ko-KR" altLang="en-US" sz="4800" dirty="0"/>
-              <a:t>화자 분리와 </a:t>
-            </a:r>
-            <a:r>
-              <a:rPr lang="en-US" altLang="ko-KR" sz="4800" dirty="0"/>
-              <a:t>script</a:t>
-            </a:r>
-            <a:r>
-              <a:rPr lang="ko-KR" altLang="en-US" sz="4800" dirty="0"/>
-              <a:t>를 활용한 뉴스 음성 요약 시스템</a:t>
+              <a:t>화자 분리와 대본을 활용한 뉴스 음성 요약 시스템</a:t>
             </a:r>
           </a:p>
         </p:txBody>
@@ -7981,7 +7871,7 @@
               <a:rPr lang="en-US" altLang="ko-KR" sz="1600" dirty="0">
                 <a:latin typeface="Times New Roman" pitchFamily="18" charset="0"/>
               </a:rPr>
-              <a:t>23. 03. 07</a:t>
+              <a:t>23. 03. 31</a:t>
             </a:r>
           </a:p>
           <a:p>
@@ -8088,6 +7978,467 @@
 </file>
 
 <file path=ppt/slides/slide10.xml><?xml version="1.0" encoding="utf-8"?>
+<p:sld xmlns:a="http://schemas.openxmlformats.org/drawingml/2006/main" xmlns:r="http://schemas.openxmlformats.org/officeDocument/2006/relationships" xmlns:p="http://schemas.openxmlformats.org/presentationml/2006/main">
+  <p:cSld>
+    <p:spTree>
+      <p:nvGrpSpPr>
+        <p:cNvPr id="1" name=""/>
+        <p:cNvGrpSpPr/>
+        <p:nvPr/>
+      </p:nvGrpSpPr>
+      <p:grpSpPr>
+        <a:xfrm>
+          <a:off x="0" y="0"/>
+          <a:ext cx="0" cy="0"/>
+          <a:chOff x="0" y="0"/>
+          <a:chExt cx="0" cy="0"/>
+        </a:xfrm>
+      </p:grpSpPr>
+      <p:sp>
+        <p:nvSpPr>
+          <p:cNvPr id="9" name="Title 1">
+            <a:extLst>
+              <a:ext uri="{FF2B5EF4-FFF2-40B4-BE49-F238E27FC236}">
+                <a16:creationId xmlns:a16="http://schemas.microsoft.com/office/drawing/2014/main" id="{030E5F0D-D3C8-E9E1-7883-785B51FF91AD}"/>
+              </a:ext>
+            </a:extLst>
+          </p:cNvPr>
+          <p:cNvSpPr>
+            <a:spLocks noGrp="1"/>
+          </p:cNvSpPr>
+          <p:nvPr>
+            <p:ph type="title"/>
+          </p:nvPr>
+        </p:nvSpPr>
+        <p:spPr>
+          <a:xfrm>
+            <a:off x="457200" y="533400"/>
+            <a:ext cx="8229600" cy="990600"/>
+          </a:xfrm>
+        </p:spPr>
+        <p:txBody>
+          <a:bodyPr anchor="ctr">
+            <a:normAutofit/>
+          </a:bodyPr>
+          <a:lstStyle/>
+          <a:p>
+            <a:r>
+              <a:rPr lang="en-US" dirty="0"/>
+              <a:t>Block diagram</a:t>
+            </a:r>
+          </a:p>
+        </p:txBody>
+      </p:sp>
+      <p:pic>
+        <p:nvPicPr>
+          <p:cNvPr id="8" name="내용 개체 틀 7">
+            <a:extLst>
+              <a:ext uri="{FF2B5EF4-FFF2-40B4-BE49-F238E27FC236}">
+                <a16:creationId xmlns:a16="http://schemas.microsoft.com/office/drawing/2014/main" id="{3AFC229F-F7B6-DC2A-8BE1-560A7BF127F3}"/>
+              </a:ext>
+            </a:extLst>
+          </p:cNvPr>
+          <p:cNvPicPr>
+            <a:picLocks noGrp="1" noChangeAspect="1"/>
+          </p:cNvPicPr>
+          <p:nvPr>
+            <p:ph idx="1"/>
+          </p:nvPr>
+        </p:nvPicPr>
+        <p:blipFill>
+          <a:blip r:embed="rId3">
+            <a:extLst>
+              <a:ext uri="{28A0092B-C50C-407E-A947-70E740481C1C}">
+                <a14:useLocalDpi xmlns:a14="http://schemas.microsoft.com/office/drawing/2010/main" val="0"/>
+              </a:ext>
+            </a:extLst>
+          </a:blip>
+          <a:stretch>
+            <a:fillRect/>
+          </a:stretch>
+        </p:blipFill>
+        <p:spPr>
+          <a:xfrm>
+            <a:off x="0" y="2262182"/>
+            <a:ext cx="9029428" cy="2866843"/>
+          </a:xfrm>
+          <a:noFill/>
+        </p:spPr>
+      </p:pic>
+    </p:spTree>
+    <p:extLst>
+      <p:ext uri="{BB962C8B-B14F-4D97-AF65-F5344CB8AC3E}">
+        <p14:creationId xmlns:p14="http://schemas.microsoft.com/office/powerpoint/2010/main" val="2987534817"/>
+      </p:ext>
+    </p:extLst>
+  </p:cSld>
+  <p:clrMapOvr>
+    <a:masterClrMapping/>
+  </p:clrMapOvr>
+</p:sld>
+</file>
+
+<file path=ppt/slides/slide11.xml><?xml version="1.0" encoding="utf-8"?>
+<p:sld xmlns:a="http://schemas.openxmlformats.org/drawingml/2006/main" xmlns:r="http://schemas.openxmlformats.org/officeDocument/2006/relationships" xmlns:p="http://schemas.openxmlformats.org/presentationml/2006/main">
+  <p:cSld>
+    <p:spTree>
+      <p:nvGrpSpPr>
+        <p:cNvPr id="1" name=""/>
+        <p:cNvGrpSpPr/>
+        <p:nvPr/>
+      </p:nvGrpSpPr>
+      <p:grpSpPr>
+        <a:xfrm>
+          <a:off x="0" y="0"/>
+          <a:ext cx="0" cy="0"/>
+          <a:chOff x="0" y="0"/>
+          <a:chExt cx="0" cy="0"/>
+        </a:xfrm>
+      </p:grpSpPr>
+      <p:sp>
+        <p:nvSpPr>
+          <p:cNvPr id="2" name="제목 1">
+            <a:extLst>
+              <a:ext uri="{FF2B5EF4-FFF2-40B4-BE49-F238E27FC236}">
+                <a16:creationId xmlns:a16="http://schemas.microsoft.com/office/drawing/2014/main" id="{386A0498-C6EF-7965-D0AB-04BE4C4E2DF3}"/>
+              </a:ext>
+            </a:extLst>
+          </p:cNvPr>
+          <p:cNvSpPr>
+            <a:spLocks noGrp="1"/>
+          </p:cNvSpPr>
+          <p:nvPr>
+            <p:ph type="title"/>
+          </p:nvPr>
+        </p:nvSpPr>
+        <p:spPr/>
+        <p:txBody>
+          <a:bodyPr/>
+          <a:lstStyle/>
+          <a:p>
+            <a:r>
+              <a:rPr lang="ko-KR" altLang="en-US" b="1" dirty="0">
+                <a:latin typeface="+mj-ea"/>
+              </a:rPr>
+              <a:t>역할 분담</a:t>
+            </a:r>
+          </a:p>
+        </p:txBody>
+      </p:sp>
+      <p:sp>
+        <p:nvSpPr>
+          <p:cNvPr id="3" name="내용 개체 틀 2">
+            <a:extLst>
+              <a:ext uri="{FF2B5EF4-FFF2-40B4-BE49-F238E27FC236}">
+                <a16:creationId xmlns:a16="http://schemas.microsoft.com/office/drawing/2014/main" id="{A3D0D166-3511-043D-68C4-6D1B2DBD39B5}"/>
+              </a:ext>
+            </a:extLst>
+          </p:cNvPr>
+          <p:cNvSpPr>
+            <a:spLocks noGrp="1"/>
+          </p:cNvSpPr>
+          <p:nvPr>
+            <p:ph idx="1"/>
+          </p:nvPr>
+        </p:nvSpPr>
+        <p:spPr/>
+        <p:txBody>
+          <a:bodyPr/>
+          <a:lstStyle/>
+          <a:p>
+            <a:endParaRPr lang="en-US" altLang="ko-KR" dirty="0"/>
+          </a:p>
+          <a:p>
+            <a:pPr marL="0" indent="0">
+              <a:buNone/>
+            </a:pPr>
+            <a:r>
+              <a:rPr lang="en-US" altLang="ko-KR" dirty="0">
+                <a:latin typeface="+mn-ea"/>
+              </a:rPr>
+              <a:t>1) </a:t>
+            </a:r>
+            <a:r>
+              <a:rPr lang="ko-KR" altLang="en-US" dirty="0">
+                <a:latin typeface="+mn-ea"/>
+              </a:rPr>
+              <a:t>나현희</a:t>
+            </a:r>
+            <a:endParaRPr lang="en-US" altLang="ko-KR" dirty="0">
+              <a:latin typeface="+mn-ea"/>
+            </a:endParaRPr>
+          </a:p>
+          <a:p>
+            <a:pPr marL="0" indent="0">
+              <a:buNone/>
+            </a:pPr>
+            <a:r>
+              <a:rPr lang="en-US" altLang="ko-KR" dirty="0">
+                <a:latin typeface="+mn-ea"/>
+              </a:rPr>
+              <a:t>      STT </a:t>
+            </a:r>
+            <a:r>
+              <a:rPr lang="ko-KR" altLang="en-US" dirty="0">
+                <a:latin typeface="+mn-ea"/>
+              </a:rPr>
+              <a:t>데이터 및 모델 학습</a:t>
+            </a:r>
+            <a:r>
+              <a:rPr lang="en-US" altLang="ko-KR" dirty="0">
+                <a:latin typeface="+mn-ea"/>
+              </a:rPr>
+              <a:t>,</a:t>
+            </a:r>
+            <a:r>
+              <a:rPr lang="ko-KR" altLang="en-US" dirty="0">
+                <a:latin typeface="+mn-ea"/>
+              </a:rPr>
+              <a:t> 텍스트 후처리 </a:t>
+            </a:r>
+            <a:endParaRPr lang="en-US" altLang="ko-KR" dirty="0">
+              <a:latin typeface="+mn-ea"/>
+            </a:endParaRPr>
+          </a:p>
+          <a:p>
+            <a:pPr marL="0" indent="0">
+              <a:buNone/>
+            </a:pPr>
+            <a:endParaRPr lang="en-US" altLang="ko-KR" dirty="0">
+              <a:latin typeface="+mn-ea"/>
+            </a:endParaRPr>
+          </a:p>
+          <a:p>
+            <a:pPr marL="0" indent="0">
+              <a:buNone/>
+            </a:pPr>
+            <a:r>
+              <a:rPr lang="en-US" altLang="ko-KR" dirty="0">
+                <a:latin typeface="+mn-ea"/>
+              </a:rPr>
+              <a:t>2) </a:t>
+            </a:r>
+            <a:r>
+              <a:rPr lang="ko-KR" altLang="en-US" dirty="0">
+                <a:latin typeface="+mn-ea"/>
+              </a:rPr>
+              <a:t>신원철 </a:t>
+            </a:r>
+            <a:endParaRPr lang="en-US" altLang="ko-KR" dirty="0">
+              <a:latin typeface="+mn-ea"/>
+            </a:endParaRPr>
+          </a:p>
+          <a:p>
+            <a:pPr marL="0" indent="0">
+              <a:buNone/>
+            </a:pPr>
+            <a:r>
+              <a:rPr lang="en-US" altLang="ko-KR" dirty="0">
+                <a:latin typeface="+mn-ea"/>
+              </a:rPr>
+              <a:t>      </a:t>
+            </a:r>
+            <a:r>
+              <a:rPr lang="ko-KR" altLang="en-US" dirty="0">
+                <a:latin typeface="+mn-ea"/>
+              </a:rPr>
+              <a:t>화자 분리 데이터 및 모델 학습</a:t>
+            </a:r>
+            <a:r>
+              <a:rPr lang="en-US" altLang="ko-KR" dirty="0">
+                <a:latin typeface="+mn-ea"/>
+              </a:rPr>
+              <a:t>, </a:t>
+            </a:r>
+            <a:r>
+              <a:rPr lang="ko-KR" altLang="en-US" dirty="0">
+                <a:latin typeface="+mn-ea"/>
+              </a:rPr>
+              <a:t>요약 </a:t>
+            </a:r>
+            <a:endParaRPr lang="en-US" altLang="ko-KR" dirty="0">
+              <a:latin typeface="+mn-ea"/>
+            </a:endParaRPr>
+          </a:p>
+        </p:txBody>
+      </p:sp>
+    </p:spTree>
+    <p:extLst>
+      <p:ext uri="{BB962C8B-B14F-4D97-AF65-F5344CB8AC3E}">
+        <p14:creationId xmlns:p14="http://schemas.microsoft.com/office/powerpoint/2010/main" val="3038027745"/>
+      </p:ext>
+    </p:extLst>
+  </p:cSld>
+  <p:clrMapOvr>
+    <a:masterClrMapping/>
+  </p:clrMapOvr>
+</p:sld>
+</file>
+
+<file path=ppt/slides/slide12.xml><?xml version="1.0" encoding="utf-8"?>
+<p:sld xmlns:a="http://schemas.openxmlformats.org/drawingml/2006/main" xmlns:r="http://schemas.openxmlformats.org/officeDocument/2006/relationships" xmlns:p="http://schemas.openxmlformats.org/presentationml/2006/main">
+  <p:cSld>
+    <p:spTree>
+      <p:nvGrpSpPr>
+        <p:cNvPr id="1" name=""/>
+        <p:cNvGrpSpPr/>
+        <p:nvPr/>
+      </p:nvGrpSpPr>
+      <p:grpSpPr>
+        <a:xfrm>
+          <a:off x="0" y="0"/>
+          <a:ext cx="0" cy="0"/>
+          <a:chOff x="0" y="0"/>
+          <a:chExt cx="0" cy="0"/>
+        </a:xfrm>
+      </p:grpSpPr>
+      <p:sp>
+        <p:nvSpPr>
+          <p:cNvPr id="2" name="제목 1"/>
+          <p:cNvSpPr>
+            <a:spLocks noGrp="1"/>
+          </p:cNvSpPr>
+          <p:nvPr>
+            <p:ph type="title"/>
+          </p:nvPr>
+        </p:nvSpPr>
+        <p:spPr/>
+        <p:txBody>
+          <a:bodyPr>
+            <a:normAutofit/>
+          </a:bodyPr>
+          <a:lstStyle/>
+          <a:p>
+            <a:r>
+              <a:rPr lang="ko-KR" altLang="en-US" b="1" dirty="0"/>
+              <a:t>사용 모델 선정</a:t>
+            </a:r>
+          </a:p>
+        </p:txBody>
+      </p:sp>
+      <p:sp>
+        <p:nvSpPr>
+          <p:cNvPr id="3" name="내용 개체 틀 2"/>
+          <p:cNvSpPr>
+            <a:spLocks noGrp="1"/>
+          </p:cNvSpPr>
+          <p:nvPr>
+            <p:ph idx="1"/>
+          </p:nvPr>
+        </p:nvSpPr>
+        <p:spPr/>
+        <p:txBody>
+          <a:bodyPr/>
+          <a:lstStyle/>
+          <a:p>
+            <a:r>
+              <a:rPr lang="en-US" altLang="ko-KR" dirty="0"/>
+              <a:t>1) STT(speak to text)- </a:t>
+            </a:r>
+            <a:r>
+              <a:rPr lang="en-US" altLang="ko-KR" b="1" dirty="0" err="1"/>
+              <a:t>ESPnet</a:t>
+            </a:r>
+            <a:endParaRPr lang="ko-KR" altLang="en-US" b="1" dirty="0"/>
+          </a:p>
+        </p:txBody>
+      </p:sp>
+      <p:pic>
+        <p:nvPicPr>
+          <p:cNvPr id="7" name="그림 6">
+            <a:extLst>
+              <a:ext uri="{FF2B5EF4-FFF2-40B4-BE49-F238E27FC236}">
+                <a16:creationId xmlns:a16="http://schemas.microsoft.com/office/drawing/2014/main" id="{00FE31DB-2684-91D2-29CC-533191FEAFBB}"/>
+              </a:ext>
+            </a:extLst>
+          </p:cNvPr>
+          <p:cNvPicPr>
+            <a:picLocks noChangeAspect="1"/>
+          </p:cNvPicPr>
+          <p:nvPr/>
+        </p:nvPicPr>
+        <p:blipFill>
+          <a:blip r:embed="rId3"/>
+          <a:stretch>
+            <a:fillRect/>
+          </a:stretch>
+        </p:blipFill>
+        <p:spPr>
+          <a:xfrm>
+            <a:off x="286362" y="2058380"/>
+            <a:ext cx="8571275" cy="3960440"/>
+          </a:xfrm>
+          <a:prstGeom prst="rect">
+            <a:avLst/>
+          </a:prstGeom>
+        </p:spPr>
+      </p:pic>
+      <p:sp>
+        <p:nvSpPr>
+          <p:cNvPr id="9" name="직사각형 8">
+            <a:extLst>
+              <a:ext uri="{FF2B5EF4-FFF2-40B4-BE49-F238E27FC236}">
+                <a16:creationId xmlns:a16="http://schemas.microsoft.com/office/drawing/2014/main" id="{91F7313C-B375-68C0-0611-FD1AB7E167A3}"/>
+              </a:ext>
+            </a:extLst>
+          </p:cNvPr>
+          <p:cNvSpPr/>
+          <p:nvPr/>
+        </p:nvSpPr>
+        <p:spPr>
+          <a:xfrm>
+            <a:off x="7862936" y="5077780"/>
+            <a:ext cx="720080" cy="360040"/>
+          </a:xfrm>
+          <a:prstGeom prst="rect">
+            <a:avLst/>
+          </a:prstGeom>
+          <a:noFill/>
+          <a:ln>
+            <a:solidFill>
+              <a:srgbClr val="FF0000"/>
+            </a:solidFill>
+          </a:ln>
+        </p:spPr>
+        <p:style>
+          <a:lnRef idx="2">
+            <a:schemeClr val="accent1">
+              <a:shade val="50000"/>
+            </a:schemeClr>
+          </a:lnRef>
+          <a:fillRef idx="1">
+            <a:schemeClr val="accent1"/>
+          </a:fillRef>
+          <a:effectRef idx="0">
+            <a:schemeClr val="accent1"/>
+          </a:effectRef>
+          <a:fontRef idx="minor">
+            <a:schemeClr val="lt1"/>
+          </a:fontRef>
+        </p:style>
+        <p:txBody>
+          <a:bodyPr rtlCol="0" anchor="ctr"/>
+          <a:lstStyle/>
+          <a:p>
+            <a:pPr algn="ctr"/>
+            <a:endParaRPr lang="ko-KR" altLang="en-US"/>
+          </a:p>
+        </p:txBody>
+      </p:sp>
+    </p:spTree>
+    <p:extLst>
+      <p:ext uri="{BB962C8B-B14F-4D97-AF65-F5344CB8AC3E}">
+        <p14:creationId xmlns:p14="http://schemas.microsoft.com/office/powerpoint/2010/main" val="578698820"/>
+      </p:ext>
+    </p:extLst>
+  </p:cSld>
+  <p:clrMapOvr>
+    <a:masterClrMapping/>
+  </p:clrMapOvr>
+</p:sld>
+</file>
+
+<file path=ppt/slides/slide13.xml><?xml version="1.0" encoding="utf-8"?>
 <p:sld xmlns:a="http://schemas.openxmlformats.org/drawingml/2006/main" xmlns:r="http://schemas.openxmlformats.org/officeDocument/2006/relationships" xmlns:p="http://schemas.openxmlformats.org/presentationml/2006/main">
   <p:cSld>
     <p:spTree>
@@ -8627,7 +8978,7 @@
 </p:sld>
 </file>
 
-<file path=ppt/slides/slide11.xml><?xml version="1.0" encoding="utf-8"?>
+<file path=ppt/slides/slide14.xml><?xml version="1.0" encoding="utf-8"?>
 <p:sld xmlns:a="http://schemas.openxmlformats.org/drawingml/2006/main" xmlns:r="http://schemas.openxmlformats.org/officeDocument/2006/relationships" xmlns:p="http://schemas.openxmlformats.org/presentationml/2006/main">
   <p:cSld>
     <p:spTree>
@@ -9220,7 +9571,7 @@
 </p:sld>
 </file>
 
-<file path=ppt/slides/slide12.xml><?xml version="1.0" encoding="utf-8"?>
+<file path=ppt/slides/slide15.xml><?xml version="1.0" encoding="utf-8"?>
 <p:sld xmlns:a="http://schemas.openxmlformats.org/drawingml/2006/main" xmlns:r="http://schemas.openxmlformats.org/officeDocument/2006/relationships" xmlns:p="http://schemas.openxmlformats.org/presentationml/2006/main">
   <p:cSld>
     <p:spTree>
@@ -9657,7 +10008,7 @@
 </p:sld>
 </file>
 
-<file path=ppt/slides/slide13.xml><?xml version="1.0" encoding="utf-8"?>
+<file path=ppt/slides/slide16.xml><?xml version="1.0" encoding="utf-8"?>
 <p:sld xmlns:a="http://schemas.openxmlformats.org/drawingml/2006/main" xmlns:r="http://schemas.openxmlformats.org/officeDocument/2006/relationships" xmlns:p="http://schemas.openxmlformats.org/presentationml/2006/main">
   <p:cSld>
     <p:spTree>
@@ -9874,7 +10225,7 @@
 </p:sld>
 </file>
 
-<file path=ppt/slides/slide14.xml><?xml version="1.0" encoding="utf-8"?>
+<file path=ppt/slides/slide17.xml><?xml version="1.0" encoding="utf-8"?>
 <p:sld xmlns:a="http://schemas.openxmlformats.org/drawingml/2006/main" xmlns:r="http://schemas.openxmlformats.org/officeDocument/2006/relationships" xmlns:p="http://schemas.openxmlformats.org/presentationml/2006/main">
   <p:cSld>
     <p:spTree>
@@ -10385,7 +10736,7 @@
 </p:sld>
 </file>
 
-<file path=ppt/slides/slide15.xml><?xml version="1.0" encoding="utf-8"?>
+<file path=ppt/slides/slide18.xml><?xml version="1.0" encoding="utf-8"?>
 <p:sld xmlns:a="http://schemas.openxmlformats.org/drawingml/2006/main" xmlns:r="http://schemas.openxmlformats.org/officeDocument/2006/relationships" xmlns:p="http://schemas.openxmlformats.org/presentationml/2006/main">
   <p:cSld>
     <p:spTree>
@@ -10517,7 +10868,7 @@
         </p:nvSpPr>
         <p:spPr>
           <a:xfrm>
-            <a:off x="611560" y="2924944"/>
+            <a:off x="827584" y="3068960"/>
             <a:ext cx="5616624" cy="2677656"/>
           </a:xfrm>
           <a:prstGeom prst="rect">
@@ -11011,7 +11362,7 @@
 </p:sld>
 </file>
 
-<file path=ppt/slides/slide16.xml><?xml version="1.0" encoding="utf-8"?>
+<file path=ppt/slides/slide19.xml><?xml version="1.0" encoding="utf-8"?>
 <p:sld xmlns:a="http://schemas.openxmlformats.org/drawingml/2006/main" xmlns:r="http://schemas.openxmlformats.org/officeDocument/2006/relationships" xmlns:p="http://schemas.openxmlformats.org/presentationml/2006/main">
   <p:cSld>
     <p:spTree>
@@ -11165,7 +11516,130 @@
 </p:sld>
 </file>
 
-<file path=ppt/slides/slide17.xml><?xml version="1.0" encoding="utf-8"?>
+<file path=ppt/slides/slide2.xml><?xml version="1.0" encoding="utf-8"?>
+<p:sld xmlns:a="http://schemas.openxmlformats.org/drawingml/2006/main" xmlns:r="http://schemas.openxmlformats.org/officeDocument/2006/relationships" xmlns:p="http://schemas.openxmlformats.org/presentationml/2006/main">
+  <p:cSld>
+    <p:spTree>
+      <p:nvGrpSpPr>
+        <p:cNvPr id="1" name=""/>
+        <p:cNvGrpSpPr/>
+        <p:nvPr/>
+      </p:nvGrpSpPr>
+      <p:grpSpPr>
+        <a:xfrm>
+          <a:off x="0" y="0"/>
+          <a:ext cx="0" cy="0"/>
+          <a:chOff x="0" y="0"/>
+          <a:chExt cx="0" cy="0"/>
+        </a:xfrm>
+      </p:grpSpPr>
+      <p:sp>
+        <p:nvSpPr>
+          <p:cNvPr id="2" name="제목 1"/>
+          <p:cNvSpPr>
+            <a:spLocks noGrp="1"/>
+          </p:cNvSpPr>
+          <p:nvPr>
+            <p:ph type="title"/>
+          </p:nvPr>
+        </p:nvSpPr>
+        <p:spPr/>
+        <p:txBody>
+          <a:bodyPr/>
+          <a:lstStyle/>
+          <a:p>
+            <a:r>
+              <a:rPr lang="en-US" altLang="ko-KR" dirty="0"/>
+              <a:t>Introduction</a:t>
+            </a:r>
+            <a:endParaRPr lang="ko-KR" altLang="en-US" dirty="0"/>
+          </a:p>
+        </p:txBody>
+      </p:sp>
+      <p:sp>
+        <p:nvSpPr>
+          <p:cNvPr id="3" name="내용 개체 틀 2"/>
+          <p:cNvSpPr>
+            <a:spLocks noGrp="1"/>
+          </p:cNvSpPr>
+          <p:nvPr>
+            <p:ph idx="1"/>
+          </p:nvPr>
+        </p:nvSpPr>
+        <p:spPr/>
+        <p:txBody>
+          <a:bodyPr/>
+          <a:lstStyle/>
+          <a:p>
+            <a:pPr marL="0" indent="0">
+              <a:buNone/>
+            </a:pPr>
+            <a:r>
+              <a:rPr lang="ko-KR" altLang="en-US" sz="2400" dirty="0"/>
+              <a:t>화자 분리와 </a:t>
+            </a:r>
+            <a:r>
+              <a:rPr lang="en-US" altLang="ko-KR" sz="2400" dirty="0"/>
+              <a:t>script</a:t>
+            </a:r>
+            <a:r>
+              <a:rPr lang="ko-KR" altLang="en-US" sz="2400" dirty="0"/>
+              <a:t>를 활용한 뉴스 음성 요약 시스템</a:t>
+            </a:r>
+            <a:endParaRPr lang="ko-KR" altLang="en-US" dirty="0"/>
+          </a:p>
+        </p:txBody>
+      </p:sp>
+      <p:pic>
+        <p:nvPicPr>
+          <p:cNvPr id="5" name="그림 4">
+            <a:extLst>
+              <a:ext uri="{FF2B5EF4-FFF2-40B4-BE49-F238E27FC236}">
+                <a16:creationId xmlns:a16="http://schemas.microsoft.com/office/drawing/2014/main" id="{B91FD414-0E81-010C-B963-35873DC96D85}"/>
+              </a:ext>
+            </a:extLst>
+          </p:cNvPr>
+          <p:cNvPicPr>
+            <a:picLocks noChangeAspect="1"/>
+          </p:cNvPicPr>
+          <p:nvPr/>
+        </p:nvPicPr>
+        <p:blipFill>
+          <a:blip r:embed="rId3">
+            <a:extLst>
+              <a:ext uri="{28A0092B-C50C-407E-A947-70E740481C1C}">
+                <a14:useLocalDpi xmlns:a14="http://schemas.microsoft.com/office/drawing/2010/main" val="0"/>
+              </a:ext>
+            </a:extLst>
+          </a:blip>
+          <a:stretch>
+            <a:fillRect/>
+          </a:stretch>
+        </p:blipFill>
+        <p:spPr>
+          <a:xfrm>
+            <a:off x="559897" y="2636912"/>
+            <a:ext cx="8024206" cy="2498656"/>
+          </a:xfrm>
+          <a:prstGeom prst="rect">
+            <a:avLst/>
+          </a:prstGeom>
+        </p:spPr>
+      </p:pic>
+    </p:spTree>
+    <p:extLst>
+      <p:ext uri="{BB962C8B-B14F-4D97-AF65-F5344CB8AC3E}">
+        <p14:creationId xmlns:p14="http://schemas.microsoft.com/office/powerpoint/2010/main" val="1385364846"/>
+      </p:ext>
+    </p:extLst>
+  </p:cSld>
+  <p:clrMapOvr>
+    <a:masterClrMapping/>
+  </p:clrMapOvr>
+</p:sld>
+</file>
+
+<file path=ppt/slides/slide20.xml><?xml version="1.0" encoding="utf-8"?>
 <p:sld xmlns:a="http://schemas.openxmlformats.org/drawingml/2006/main" xmlns:r="http://schemas.openxmlformats.org/officeDocument/2006/relationships" xmlns:p="http://schemas.openxmlformats.org/presentationml/2006/main">
   <p:cSld>
     <p:spTree>
@@ -11256,7 +11730,7 @@
 </p:sld>
 </file>
 
-<file path=ppt/slides/slide18.xml><?xml version="1.0" encoding="utf-8"?>
+<file path=ppt/slides/slide21.xml><?xml version="1.0" encoding="utf-8"?>
 <p:sld xmlns:a="http://schemas.openxmlformats.org/drawingml/2006/main" xmlns:r="http://schemas.openxmlformats.org/officeDocument/2006/relationships" xmlns:p="http://schemas.openxmlformats.org/presentationml/2006/main">
   <p:cSld>
     <p:spTree>
@@ -11579,129 +12053,6 @@
     <p:extLst>
       <p:ext uri="{BB962C8B-B14F-4D97-AF65-F5344CB8AC3E}">
         <p14:creationId xmlns:p14="http://schemas.microsoft.com/office/powerpoint/2010/main" val="555703855"/>
-      </p:ext>
-    </p:extLst>
-  </p:cSld>
-  <p:clrMapOvr>
-    <a:masterClrMapping/>
-  </p:clrMapOvr>
-</p:sld>
-</file>
-
-<file path=ppt/slides/slide2.xml><?xml version="1.0" encoding="utf-8"?>
-<p:sld xmlns:a="http://schemas.openxmlformats.org/drawingml/2006/main" xmlns:r="http://schemas.openxmlformats.org/officeDocument/2006/relationships" xmlns:p="http://schemas.openxmlformats.org/presentationml/2006/main">
-  <p:cSld>
-    <p:spTree>
-      <p:nvGrpSpPr>
-        <p:cNvPr id="1" name=""/>
-        <p:cNvGrpSpPr/>
-        <p:nvPr/>
-      </p:nvGrpSpPr>
-      <p:grpSpPr>
-        <a:xfrm>
-          <a:off x="0" y="0"/>
-          <a:ext cx="0" cy="0"/>
-          <a:chOff x="0" y="0"/>
-          <a:chExt cx="0" cy="0"/>
-        </a:xfrm>
-      </p:grpSpPr>
-      <p:sp>
-        <p:nvSpPr>
-          <p:cNvPr id="2" name="제목 1"/>
-          <p:cNvSpPr>
-            <a:spLocks noGrp="1"/>
-          </p:cNvSpPr>
-          <p:nvPr>
-            <p:ph type="title"/>
-          </p:nvPr>
-        </p:nvSpPr>
-        <p:spPr/>
-        <p:txBody>
-          <a:bodyPr/>
-          <a:lstStyle/>
-          <a:p>
-            <a:r>
-              <a:rPr lang="en-US" altLang="ko-KR" dirty="0"/>
-              <a:t>Introduction</a:t>
-            </a:r>
-            <a:endParaRPr lang="ko-KR" altLang="en-US" dirty="0"/>
-          </a:p>
-        </p:txBody>
-      </p:sp>
-      <p:sp>
-        <p:nvSpPr>
-          <p:cNvPr id="3" name="내용 개체 틀 2"/>
-          <p:cNvSpPr>
-            <a:spLocks noGrp="1"/>
-          </p:cNvSpPr>
-          <p:nvPr>
-            <p:ph idx="1"/>
-          </p:nvPr>
-        </p:nvSpPr>
-        <p:spPr/>
-        <p:txBody>
-          <a:bodyPr/>
-          <a:lstStyle/>
-          <a:p>
-            <a:pPr marL="0" indent="0">
-              <a:buNone/>
-            </a:pPr>
-            <a:r>
-              <a:rPr lang="ko-KR" altLang="en-US" sz="2400" dirty="0"/>
-              <a:t>화자 분리와 </a:t>
-            </a:r>
-            <a:r>
-              <a:rPr lang="en-US" altLang="ko-KR" sz="2400" dirty="0"/>
-              <a:t>script</a:t>
-            </a:r>
-            <a:r>
-              <a:rPr lang="ko-KR" altLang="en-US" sz="2400" dirty="0"/>
-              <a:t>를 활용한 뉴스 음성 요약 시스템</a:t>
-            </a:r>
-            <a:endParaRPr lang="ko-KR" altLang="en-US" dirty="0"/>
-          </a:p>
-        </p:txBody>
-      </p:sp>
-      <p:pic>
-        <p:nvPicPr>
-          <p:cNvPr id="5" name="그림 4">
-            <a:extLst>
-              <a:ext uri="{FF2B5EF4-FFF2-40B4-BE49-F238E27FC236}">
-                <a16:creationId xmlns:a16="http://schemas.microsoft.com/office/drawing/2014/main" id="{B91FD414-0E81-010C-B963-35873DC96D85}"/>
-              </a:ext>
-            </a:extLst>
-          </p:cNvPr>
-          <p:cNvPicPr>
-            <a:picLocks noChangeAspect="1"/>
-          </p:cNvPicPr>
-          <p:nvPr/>
-        </p:nvPicPr>
-        <p:blipFill>
-          <a:blip r:embed="rId3">
-            <a:extLst>
-              <a:ext uri="{28A0092B-C50C-407E-A947-70E740481C1C}">
-                <a14:useLocalDpi xmlns:a14="http://schemas.microsoft.com/office/drawing/2010/main" val="0"/>
-              </a:ext>
-            </a:extLst>
-          </a:blip>
-          <a:stretch>
-            <a:fillRect/>
-          </a:stretch>
-        </p:blipFill>
-        <p:spPr>
-          <a:xfrm>
-            <a:off x="559897" y="2636912"/>
-            <a:ext cx="8024206" cy="2498656"/>
-          </a:xfrm>
-          <a:prstGeom prst="rect">
-            <a:avLst/>
-          </a:prstGeom>
-        </p:spPr>
-      </p:pic>
-    </p:spTree>
-    <p:extLst>
-      <p:ext uri="{BB962C8B-B14F-4D97-AF65-F5344CB8AC3E}">
-        <p14:creationId xmlns:p14="http://schemas.microsoft.com/office/powerpoint/2010/main" val="1385364846"/>
       </p:ext>
     </p:extLst>
   </p:cSld>
@@ -12331,13 +12682,14 @@
           </a:bodyPr>
           <a:lstStyle/>
           <a:p>
-            <a:pPr algn="just" latinLnBrk="1">
+            <a:pPr marL="0" indent="0" algn="just" latinLnBrk="1">
               <a:lnSpc>
                 <a:spcPct val="107000"/>
               </a:lnSpc>
               <a:spcAft>
                 <a:spcPts val="800"/>
               </a:spcAft>
+              <a:buNone/>
             </a:pPr>
             <a:r>
               <a:rPr lang="ko-KR" altLang="ko-KR" sz="1300" kern="100" dirty="0">
@@ -13439,10 +13791,10 @@
       </p:grpSpPr>
       <p:sp>
         <p:nvSpPr>
-          <p:cNvPr id="9" name="Title 1">
+          <p:cNvPr id="2" name="제목 1">
             <a:extLst>
               <a:ext uri="{FF2B5EF4-FFF2-40B4-BE49-F238E27FC236}">
-                <a16:creationId xmlns:a16="http://schemas.microsoft.com/office/drawing/2014/main" id="{030E5F0D-D3C8-E9E1-7883-785B51FF91AD}"/>
+                <a16:creationId xmlns:a16="http://schemas.microsoft.com/office/drawing/2014/main" id="{0BC11CF3-C165-5C9A-9BDB-024B81B91944}"/>
               </a:ext>
             </a:extLst>
           </p:cNvPr>
@@ -13453,65 +13805,474 @@
             <p:ph type="title"/>
           </p:nvPr>
         </p:nvSpPr>
+        <p:spPr/>
+        <p:txBody>
+          <a:bodyPr/>
+          <a:lstStyle/>
+          <a:p>
+            <a:r>
+              <a:rPr lang="en-US" altLang="ko-KR" dirty="0"/>
+              <a:t>Detail</a:t>
+            </a:r>
+            <a:endParaRPr lang="ko-KR" altLang="en-US" dirty="0"/>
+          </a:p>
+        </p:txBody>
+      </p:sp>
+      <p:sp>
+        <p:nvSpPr>
+          <p:cNvPr id="3" name="내용 개체 틀 2">
+            <a:extLst>
+              <a:ext uri="{FF2B5EF4-FFF2-40B4-BE49-F238E27FC236}">
+                <a16:creationId xmlns:a16="http://schemas.microsoft.com/office/drawing/2014/main" id="{9BDA6ED2-294C-0996-9DB4-B6025911CC2B}"/>
+              </a:ext>
+            </a:extLst>
+          </p:cNvPr>
+          <p:cNvSpPr>
+            <a:spLocks noGrp="1"/>
+          </p:cNvSpPr>
+          <p:nvPr>
+            <p:ph idx="1"/>
+          </p:nvPr>
+        </p:nvSpPr>
         <p:spPr>
           <a:xfrm>
-            <a:off x="457200" y="533400"/>
-            <a:ext cx="8229600" cy="990600"/>
+            <a:off x="457200" y="1412776"/>
+            <a:ext cx="8229600" cy="2664296"/>
           </a:xfrm>
         </p:spPr>
         <p:txBody>
-          <a:bodyPr anchor="ctr">
-            <a:normAutofit/>
+          <a:bodyPr>
+            <a:noAutofit/>
           </a:bodyPr>
           <a:lstStyle/>
           <a:p>
-            <a:r>
-              <a:rPr lang="en-US" dirty="0"/>
-              <a:t>Block diagram</a:t>
-            </a:r>
+            <a:pPr marL="0" indent="0">
+              <a:buNone/>
+            </a:pPr>
+            <a:r>
+              <a:rPr lang="ko-KR" altLang="en-US" sz="1400" dirty="0">
+                <a:latin typeface="함초롬바탕" panose="02030604000101010101" pitchFamily="18" charset="-127"/>
+                <a:ea typeface="함초롬바탕" panose="02030604000101010101" pitchFamily="18" charset="-127"/>
+                <a:cs typeface="함초롬바탕" panose="02030604000101010101" pitchFamily="18" charset="-127"/>
+              </a:rPr>
+              <a:t>뉴스쇼가 묻고 미래가 답하다 </a:t>
+            </a:r>
+            <a:r>
+              <a:rPr lang="ko-KR" altLang="en-US" sz="1400" dirty="0" err="1">
+                <a:latin typeface="함초롬바탕" panose="02030604000101010101" pitchFamily="18" charset="-127"/>
+                <a:ea typeface="함초롬바탕" panose="02030604000101010101" pitchFamily="18" charset="-127"/>
+                <a:cs typeface="함초롬바탕" panose="02030604000101010101" pitchFamily="18" charset="-127"/>
+              </a:rPr>
+              <a:t>쇼미</a:t>
+            </a:r>
+            <a:r>
+              <a:rPr lang="ko-KR" altLang="en-US" sz="1400" dirty="0">
+                <a:latin typeface="함초롬바탕" panose="02030604000101010101" pitchFamily="18" charset="-127"/>
+                <a:ea typeface="함초롬바탕" panose="02030604000101010101" pitchFamily="18" charset="-127"/>
+                <a:cs typeface="함초롬바탕" panose="02030604000101010101" pitchFamily="18" charset="-127"/>
+              </a:rPr>
+              <a:t> 탑 대한민국의 판을 읽어보는 시간입니다</a:t>
+            </a:r>
+            <a:r>
+              <a:rPr lang="en-US" altLang="ko-KR" sz="1400" dirty="0">
+                <a:latin typeface="함초롬바탕" panose="02030604000101010101" pitchFamily="18" charset="-127"/>
+                <a:ea typeface="함초롬바탕" panose="02030604000101010101" pitchFamily="18" charset="-127"/>
+                <a:cs typeface="함초롬바탕" panose="02030604000101010101" pitchFamily="18" charset="-127"/>
+              </a:rPr>
+              <a:t>.  </a:t>
+            </a:r>
+            <a:r>
+              <a:rPr lang="ko-KR" altLang="en-US" sz="1400" dirty="0" err="1">
+                <a:latin typeface="함초롬바탕" panose="02030604000101010101" pitchFamily="18" charset="-127"/>
+                <a:ea typeface="함초롬바탕" panose="02030604000101010101" pitchFamily="18" charset="-127"/>
+                <a:cs typeface="함초롬바탕" panose="02030604000101010101" pitchFamily="18" charset="-127"/>
+              </a:rPr>
+              <a:t>뉴스쇼</a:t>
+            </a:r>
+            <a:r>
+              <a:rPr lang="ko-KR" altLang="en-US" sz="1400" dirty="0">
+                <a:latin typeface="함초롬바탕" panose="02030604000101010101" pitchFamily="18" charset="-127"/>
+                <a:ea typeface="함초롬바탕" panose="02030604000101010101" pitchFamily="18" charset="-127"/>
+                <a:cs typeface="함초롬바탕" panose="02030604000101010101" pitchFamily="18" charset="-127"/>
+              </a:rPr>
+              <a:t> 기획특집 뉴스쇼가 묻고 미래가 답하다 줄여서 쇼이다</a:t>
+            </a:r>
+            <a:r>
+              <a:rPr lang="en-US" altLang="ko-KR" sz="1400" dirty="0">
+                <a:latin typeface="함초롬바탕" panose="02030604000101010101" pitchFamily="18" charset="-127"/>
+                <a:ea typeface="함초롬바탕" panose="02030604000101010101" pitchFamily="18" charset="-127"/>
+                <a:cs typeface="함초롬바탕" panose="02030604000101010101" pitchFamily="18" charset="-127"/>
+              </a:rPr>
+              <a:t>.  </a:t>
+            </a:r>
+            <a:r>
+              <a:rPr lang="ko-KR" altLang="en-US" sz="1400" dirty="0">
+                <a:latin typeface="함초롬바탕" panose="02030604000101010101" pitchFamily="18" charset="-127"/>
+                <a:ea typeface="함초롬바탕" panose="02030604000101010101" pitchFamily="18" charset="-127"/>
+                <a:cs typeface="함초롬바탕" panose="02030604000101010101" pitchFamily="18" charset="-127"/>
+              </a:rPr>
+              <a:t>오늘은 어린이날 </a:t>
+            </a:r>
+            <a:r>
+              <a:rPr lang="en-US" altLang="ko-KR" sz="1400" dirty="0">
+                <a:latin typeface="함초롬바탕" panose="02030604000101010101" pitchFamily="18" charset="-127"/>
+                <a:ea typeface="함초롬바탕" panose="02030604000101010101" pitchFamily="18" charset="-127"/>
+                <a:cs typeface="함초롬바탕" panose="02030604000101010101" pitchFamily="18" charset="-127"/>
+              </a:rPr>
+              <a:t>100</a:t>
+            </a:r>
+            <a:r>
+              <a:rPr lang="ko-KR" altLang="en-US" sz="1400" dirty="0">
+                <a:latin typeface="함초롬바탕" panose="02030604000101010101" pitchFamily="18" charset="-127"/>
+                <a:ea typeface="함초롬바탕" panose="02030604000101010101" pitchFamily="18" charset="-127"/>
+                <a:cs typeface="함초롬바탕" panose="02030604000101010101" pitchFamily="18" charset="-127"/>
+              </a:rPr>
+              <a:t>주년을 맞아서 특별히 이분을 모셨습니다</a:t>
+            </a:r>
+            <a:r>
+              <a:rPr lang="en-US" altLang="ko-KR" sz="1400" dirty="0">
+                <a:latin typeface="함초롬바탕" panose="02030604000101010101" pitchFamily="18" charset="-127"/>
+                <a:ea typeface="함초롬바탕" panose="02030604000101010101" pitchFamily="18" charset="-127"/>
+                <a:cs typeface="함초롬바탕" panose="02030604000101010101" pitchFamily="18" charset="-127"/>
+              </a:rPr>
+              <a:t>.  </a:t>
+            </a:r>
+            <a:r>
+              <a:rPr lang="ko-KR" altLang="en-US" sz="1400" dirty="0">
+                <a:latin typeface="함초롬바탕" panose="02030604000101010101" pitchFamily="18" charset="-127"/>
+                <a:ea typeface="함초롬바탕" panose="02030604000101010101" pitchFamily="18" charset="-127"/>
+                <a:cs typeface="함초롬바탕" panose="02030604000101010101" pitchFamily="18" charset="-127"/>
+              </a:rPr>
+              <a:t>어린아이부터 어른까지 상처받은 마음을 치유해 주시는 분이죠</a:t>
+            </a:r>
+            <a:r>
+              <a:rPr lang="en-US" altLang="ko-KR" sz="1400" dirty="0">
+                <a:latin typeface="함초롬바탕" panose="02030604000101010101" pitchFamily="18" charset="-127"/>
+                <a:ea typeface="함초롬바탕" panose="02030604000101010101" pitchFamily="18" charset="-127"/>
+                <a:cs typeface="함초롬바탕" panose="02030604000101010101" pitchFamily="18" charset="-127"/>
+              </a:rPr>
+              <a:t>.  </a:t>
+            </a:r>
+            <a:r>
+              <a:rPr lang="ko-KR" altLang="en-US" sz="1400" dirty="0">
+                <a:latin typeface="함초롬바탕" panose="02030604000101010101" pitchFamily="18" charset="-127"/>
+                <a:ea typeface="함초롬바탕" panose="02030604000101010101" pitchFamily="18" charset="-127"/>
+                <a:cs typeface="함초롬바탕" panose="02030604000101010101" pitchFamily="18" charset="-127"/>
+              </a:rPr>
+              <a:t>정신과 전문의 오은영 박사 스튜디오에 </a:t>
+            </a:r>
+            <a:r>
+              <a:rPr lang="ko-KR" altLang="en-US" sz="1400" dirty="0" err="1">
+                <a:latin typeface="함초롬바탕" panose="02030604000101010101" pitchFamily="18" charset="-127"/>
+                <a:ea typeface="함초롬바탕" panose="02030604000101010101" pitchFamily="18" charset="-127"/>
+                <a:cs typeface="함초롬바탕" panose="02030604000101010101" pitchFamily="18" charset="-127"/>
+              </a:rPr>
+              <a:t>나와주셨어요</a:t>
+            </a:r>
+            <a:r>
+              <a:rPr lang="en-US" altLang="ko-KR" sz="1400" dirty="0">
+                <a:latin typeface="함초롬바탕" panose="02030604000101010101" pitchFamily="18" charset="-127"/>
+                <a:ea typeface="함초롬바탕" panose="02030604000101010101" pitchFamily="18" charset="-127"/>
+                <a:cs typeface="함초롬바탕" panose="02030604000101010101" pitchFamily="18" charset="-127"/>
+              </a:rPr>
+              <a:t>.  </a:t>
+            </a:r>
+            <a:r>
+              <a:rPr lang="ko-KR" altLang="en-US" sz="1400" dirty="0">
+                <a:latin typeface="함초롬바탕" panose="02030604000101010101" pitchFamily="18" charset="-127"/>
+                <a:ea typeface="함초롬바탕" panose="02030604000101010101" pitchFamily="18" charset="-127"/>
+                <a:cs typeface="함초롬바탕" panose="02030604000101010101" pitchFamily="18" charset="-127"/>
+              </a:rPr>
+              <a:t>어서 오십시오 안녕하세요</a:t>
+            </a:r>
+            <a:r>
+              <a:rPr lang="en-US" altLang="ko-KR" sz="1400" dirty="0">
+                <a:latin typeface="함초롬바탕" panose="02030604000101010101" pitchFamily="18" charset="-127"/>
+                <a:ea typeface="함초롬바탕" panose="02030604000101010101" pitchFamily="18" charset="-127"/>
+                <a:cs typeface="함초롬바탕" panose="02030604000101010101" pitchFamily="18" charset="-127"/>
+              </a:rPr>
+              <a:t>. </a:t>
+            </a:r>
+            <a:r>
+              <a:rPr lang="ko-KR" altLang="en-US" sz="1400" dirty="0">
+                <a:latin typeface="함초롬바탕" panose="02030604000101010101" pitchFamily="18" charset="-127"/>
+                <a:ea typeface="함초롬바탕" panose="02030604000101010101" pitchFamily="18" charset="-127"/>
+                <a:cs typeface="함초롬바탕" panose="02030604000101010101" pitchFamily="18" charset="-127"/>
+              </a:rPr>
+              <a:t>아니 저는 항상 박사님 앞에만 서면 저도 목소리가 이렇게 예뻐질까 곱게 말해야 될 것 같아요</a:t>
+            </a:r>
+            <a:r>
+              <a:rPr lang="en-US" altLang="ko-KR" sz="1400" dirty="0">
+                <a:latin typeface="함초롬바탕" panose="02030604000101010101" pitchFamily="18" charset="-127"/>
+                <a:ea typeface="함초롬바탕" panose="02030604000101010101" pitchFamily="18" charset="-127"/>
+                <a:cs typeface="함초롬바탕" panose="02030604000101010101" pitchFamily="18" charset="-127"/>
+              </a:rPr>
+              <a:t>.  </a:t>
+            </a:r>
+            <a:r>
+              <a:rPr lang="ko-KR" altLang="en-US" sz="1400" dirty="0">
+                <a:latin typeface="함초롬바탕" panose="02030604000101010101" pitchFamily="18" charset="-127"/>
+                <a:ea typeface="함초롬바탕" panose="02030604000101010101" pitchFamily="18" charset="-127"/>
+                <a:cs typeface="함초롬바탕" panose="02030604000101010101" pitchFamily="18" charset="-127"/>
+              </a:rPr>
+              <a:t>벌써 뉴스쇼에 지금 한 세 번째 네 번째 </a:t>
+            </a:r>
+            <a:r>
+              <a:rPr lang="ko-KR" altLang="en-US" sz="1400" dirty="0" err="1">
+                <a:latin typeface="함초롬바탕" panose="02030604000101010101" pitchFamily="18" charset="-127"/>
+                <a:ea typeface="함초롬바탕" panose="02030604000101010101" pitchFamily="18" charset="-127"/>
+                <a:cs typeface="함초롬바탕" panose="02030604000101010101" pitchFamily="18" charset="-127"/>
+              </a:rPr>
+              <a:t>와주시는</a:t>
+            </a:r>
+            <a:r>
+              <a:rPr lang="ko-KR" altLang="en-US" sz="1400" dirty="0">
+                <a:latin typeface="함초롬바탕" panose="02030604000101010101" pitchFamily="18" charset="-127"/>
+                <a:ea typeface="함초롬바탕" panose="02030604000101010101" pitchFamily="18" charset="-127"/>
+                <a:cs typeface="함초롬바탕" panose="02030604000101010101" pitchFamily="18" charset="-127"/>
+              </a:rPr>
+              <a:t> 이제는 정말 반가운 얼굴 너무 익숙한 얼굴 </a:t>
+            </a:r>
+            <a:r>
+              <a:rPr lang="ko-KR" altLang="en-US" sz="1400" dirty="0" err="1">
+                <a:latin typeface="함초롬바탕" panose="02030604000101010101" pitchFamily="18" charset="-127"/>
+                <a:ea typeface="함초롬바탕" panose="02030604000101010101" pitchFamily="18" charset="-127"/>
+                <a:cs typeface="함초롬바탕" panose="02030604000101010101" pitchFamily="18" charset="-127"/>
+              </a:rPr>
+              <a:t>금쪽</a:t>
+            </a:r>
+            <a:r>
+              <a:rPr lang="ko-KR" altLang="en-US" sz="1400" dirty="0">
+                <a:latin typeface="함초롬바탕" panose="02030604000101010101" pitchFamily="18" charset="-127"/>
+                <a:ea typeface="함초롬바탕" panose="02030604000101010101" pitchFamily="18" charset="-127"/>
+                <a:cs typeface="함초롬바탕" panose="02030604000101010101" pitchFamily="18" charset="-127"/>
+              </a:rPr>
+              <a:t> 같은 휴일 어린이날인데 박사님도 자녀 한 명 두셨잖아요</a:t>
+            </a:r>
+            <a:r>
+              <a:rPr lang="en-US" altLang="ko-KR" sz="1400" dirty="0">
+                <a:latin typeface="함초롬바탕" panose="02030604000101010101" pitchFamily="18" charset="-127"/>
+                <a:ea typeface="함초롬바탕" panose="02030604000101010101" pitchFamily="18" charset="-127"/>
+                <a:cs typeface="함초롬바탕" panose="02030604000101010101" pitchFamily="18" charset="-127"/>
+              </a:rPr>
+              <a:t>.  </a:t>
+            </a:r>
+            <a:r>
+              <a:rPr lang="ko-KR" altLang="en-US" sz="1400" dirty="0">
+                <a:latin typeface="함초롬바탕" panose="02030604000101010101" pitchFamily="18" charset="-127"/>
+                <a:ea typeface="함초롬바탕" panose="02030604000101010101" pitchFamily="18" charset="-127"/>
+                <a:cs typeface="함초롬바탕" panose="02030604000101010101" pitchFamily="18" charset="-127"/>
+              </a:rPr>
+              <a:t>그렇죠 성인 아내 성인입니다</a:t>
+            </a:r>
+            <a:r>
+              <a:rPr lang="en-US" altLang="ko-KR" sz="1400" dirty="0">
+                <a:latin typeface="함초롬바탕" panose="02030604000101010101" pitchFamily="18" charset="-127"/>
+                <a:ea typeface="함초롬바탕" panose="02030604000101010101" pitchFamily="18" charset="-127"/>
+                <a:cs typeface="함초롬바탕" panose="02030604000101010101" pitchFamily="18" charset="-127"/>
+              </a:rPr>
+              <a:t>. </a:t>
+            </a:r>
+            <a:r>
+              <a:rPr lang="ko-KR" altLang="en-US" sz="1400" dirty="0">
+                <a:latin typeface="함초롬바탕" panose="02030604000101010101" pitchFamily="18" charset="-127"/>
+                <a:ea typeface="함초롬바탕" panose="02030604000101010101" pitchFamily="18" charset="-127"/>
+                <a:cs typeface="함초롬바탕" panose="02030604000101010101" pitchFamily="18" charset="-127"/>
+              </a:rPr>
+              <a:t>네 </a:t>
+            </a:r>
+            <a:r>
+              <a:rPr lang="en-US" altLang="ko-KR" sz="1400" dirty="0">
+                <a:latin typeface="함초롬바탕" panose="02030604000101010101" pitchFamily="18" charset="-127"/>
+                <a:ea typeface="함초롬바탕" panose="02030604000101010101" pitchFamily="18" charset="-127"/>
+                <a:cs typeface="함초롬바탕" panose="02030604000101010101" pitchFamily="18" charset="-127"/>
+              </a:rPr>
+              <a:t>24</a:t>
+            </a:r>
+            <a:r>
+              <a:rPr lang="ko-KR" altLang="en-US" sz="1400" dirty="0">
+                <a:latin typeface="함초롬바탕" panose="02030604000101010101" pitchFamily="18" charset="-127"/>
+                <a:ea typeface="함초롬바탕" panose="02030604000101010101" pitchFamily="18" charset="-127"/>
+                <a:cs typeface="함초롬바탕" panose="02030604000101010101" pitchFamily="18" charset="-127"/>
+              </a:rPr>
+              <a:t>살 </a:t>
+            </a:r>
+            <a:r>
+              <a:rPr lang="ko-KR" altLang="en-US" sz="1400" dirty="0" err="1">
+                <a:latin typeface="함초롬바탕" panose="02030604000101010101" pitchFamily="18" charset="-127"/>
+                <a:ea typeface="함초롬바탕" panose="02030604000101010101" pitchFamily="18" charset="-127"/>
+                <a:cs typeface="함초롬바탕" panose="02030604000101010101" pitchFamily="18" charset="-127"/>
+              </a:rPr>
+              <a:t>어린이날하고는</a:t>
+            </a:r>
+            <a:r>
+              <a:rPr lang="ko-KR" altLang="en-US" sz="1400" dirty="0">
+                <a:latin typeface="함초롬바탕" panose="02030604000101010101" pitchFamily="18" charset="-127"/>
+                <a:ea typeface="함초롬바탕" panose="02030604000101010101" pitchFamily="18" charset="-127"/>
+                <a:cs typeface="함초롬바탕" panose="02030604000101010101" pitchFamily="18" charset="-127"/>
+              </a:rPr>
+              <a:t> 크게 상관은 없어 그래도 </a:t>
+            </a:r>
+            <a:r>
+              <a:rPr lang="ko-KR" altLang="en-US" sz="1400" dirty="0" err="1">
+                <a:latin typeface="함초롬바탕" panose="02030604000101010101" pitchFamily="18" charset="-127"/>
+                <a:ea typeface="함초롬바탕" panose="02030604000101010101" pitchFamily="18" charset="-127"/>
+                <a:cs typeface="함초롬바탕" panose="02030604000101010101" pitchFamily="18" charset="-127"/>
+              </a:rPr>
+              <a:t>어린이날은요</a:t>
+            </a:r>
+            <a:r>
+              <a:rPr lang="ko-KR" altLang="en-US" sz="1400" dirty="0">
+                <a:latin typeface="함초롬바탕" panose="02030604000101010101" pitchFamily="18" charset="-127"/>
+                <a:ea typeface="함초롬바탕" panose="02030604000101010101" pitchFamily="18" charset="-127"/>
+                <a:cs typeface="함초롬바탕" panose="02030604000101010101" pitchFamily="18" charset="-127"/>
+              </a:rPr>
+              <a:t> 큰 자녀라도 왠지 선물 주면 되게 좋아할 것 같아요</a:t>
+            </a:r>
+            <a:r>
+              <a:rPr lang="en-US" altLang="ko-KR" sz="1400" dirty="0">
+                <a:latin typeface="함초롬바탕" panose="02030604000101010101" pitchFamily="18" charset="-127"/>
+                <a:ea typeface="함초롬바탕" panose="02030604000101010101" pitchFamily="18" charset="-127"/>
+                <a:cs typeface="함초롬바탕" panose="02030604000101010101" pitchFamily="18" charset="-127"/>
+              </a:rPr>
+              <a:t>. </a:t>
+            </a:r>
+            <a:r>
+              <a:rPr lang="ko-KR" altLang="en-US" sz="1400" dirty="0">
+                <a:latin typeface="함초롬바탕" panose="02030604000101010101" pitchFamily="18" charset="-127"/>
+                <a:ea typeface="함초롬바탕" panose="02030604000101010101" pitchFamily="18" charset="-127"/>
+                <a:cs typeface="함초롬바탕" panose="02030604000101010101" pitchFamily="18" charset="-127"/>
+              </a:rPr>
+              <a:t>아니 그럼 아들이 지금 </a:t>
+            </a:r>
+            <a:r>
+              <a:rPr lang="en-US" altLang="ko-KR" sz="1400" dirty="0">
+                <a:latin typeface="함초롬바탕" panose="02030604000101010101" pitchFamily="18" charset="-127"/>
+                <a:ea typeface="함초롬바탕" panose="02030604000101010101" pitchFamily="18" charset="-127"/>
+                <a:cs typeface="함초롬바탕" panose="02030604000101010101" pitchFamily="18" charset="-127"/>
+              </a:rPr>
+              <a:t>24</a:t>
+            </a:r>
+            <a:r>
+              <a:rPr lang="ko-KR" altLang="en-US" sz="1400" dirty="0">
+                <a:latin typeface="함초롬바탕" panose="02030604000101010101" pitchFamily="18" charset="-127"/>
+                <a:ea typeface="함초롬바탕" panose="02030604000101010101" pitchFamily="18" charset="-127"/>
+                <a:cs typeface="함초롬바탕" panose="02030604000101010101" pitchFamily="18" charset="-127"/>
+              </a:rPr>
+              <a:t>살인데도 지금도 뭐 좀 챙겨주세요</a:t>
+            </a:r>
+            <a:r>
+              <a:rPr lang="en-US" altLang="ko-KR" sz="1400" dirty="0">
+                <a:latin typeface="함초롬바탕" panose="02030604000101010101" pitchFamily="18" charset="-127"/>
+                <a:ea typeface="함초롬바탕" panose="02030604000101010101" pitchFamily="18" charset="-127"/>
+                <a:cs typeface="함초롬바탕" panose="02030604000101010101" pitchFamily="18" charset="-127"/>
+              </a:rPr>
+              <a:t>. …(</a:t>
+            </a:r>
+            <a:r>
+              <a:rPr lang="ko-KR" altLang="en-US" sz="1400" dirty="0">
+                <a:latin typeface="함초롬바탕" panose="02030604000101010101" pitchFamily="18" charset="-127"/>
+                <a:ea typeface="함초롬바탕" panose="02030604000101010101" pitchFamily="18" charset="-127"/>
+                <a:cs typeface="함초롬바탕" panose="02030604000101010101" pitchFamily="18" charset="-127"/>
+              </a:rPr>
+              <a:t>후략</a:t>
+            </a:r>
+            <a:r>
+              <a:rPr lang="en-US" altLang="ko-KR" sz="1400" dirty="0">
+                <a:latin typeface="함초롬바탕" panose="02030604000101010101" pitchFamily="18" charset="-127"/>
+                <a:ea typeface="함초롬바탕" panose="02030604000101010101" pitchFamily="18" charset="-127"/>
+                <a:cs typeface="함초롬바탕" panose="02030604000101010101" pitchFamily="18" charset="-127"/>
+              </a:rPr>
+              <a:t>)</a:t>
+            </a:r>
+            <a:endParaRPr lang="ko-KR" altLang="en-US" sz="1400" dirty="0">
+              <a:latin typeface="함초롬바탕" panose="02030604000101010101" pitchFamily="18" charset="-127"/>
+              <a:ea typeface="함초롬바탕" panose="02030604000101010101" pitchFamily="18" charset="-127"/>
+              <a:cs typeface="함초롬바탕" panose="02030604000101010101" pitchFamily="18" charset="-127"/>
+            </a:endParaRPr>
+          </a:p>
+        </p:txBody>
+      </p:sp>
+      <p:sp>
+        <p:nvSpPr>
+          <p:cNvPr id="4" name="화살표: 아래쪽 3">
+            <a:extLst>
+              <a:ext uri="{FF2B5EF4-FFF2-40B4-BE49-F238E27FC236}">
+                <a16:creationId xmlns:a16="http://schemas.microsoft.com/office/drawing/2014/main" id="{6C319867-8058-7D36-E2CD-A5E148A7CCF1}"/>
+              </a:ext>
+            </a:extLst>
+          </p:cNvPr>
+          <p:cNvSpPr/>
+          <p:nvPr/>
+        </p:nvSpPr>
+        <p:spPr>
+          <a:xfrm>
+            <a:off x="4211960" y="3626728"/>
+            <a:ext cx="504056" cy="432048"/>
+          </a:xfrm>
+          <a:prstGeom prst="downArrow">
+            <a:avLst/>
+          </a:prstGeom>
+        </p:spPr>
+        <p:style>
+          <a:lnRef idx="2">
+            <a:schemeClr val="accent1">
+              <a:shade val="50000"/>
+            </a:schemeClr>
+          </a:lnRef>
+          <a:fillRef idx="1">
+            <a:schemeClr val="accent1"/>
+          </a:fillRef>
+          <a:effectRef idx="0">
+            <a:schemeClr val="accent1"/>
+          </a:effectRef>
+          <a:fontRef idx="minor">
+            <a:schemeClr val="lt1"/>
+          </a:fontRef>
+        </p:style>
+        <p:txBody>
+          <a:bodyPr rtlCol="0" anchor="ctr"/>
+          <a:lstStyle/>
+          <a:p>
+            <a:pPr algn="ctr"/>
+            <a:endParaRPr lang="ko-KR" altLang="en-US"/>
           </a:p>
         </p:txBody>
       </p:sp>
       <p:pic>
         <p:nvPicPr>
-          <p:cNvPr id="8" name="내용 개체 틀 7">
+          <p:cNvPr id="6" name="그림 5">
             <a:extLst>
               <a:ext uri="{FF2B5EF4-FFF2-40B4-BE49-F238E27FC236}">
-                <a16:creationId xmlns:a16="http://schemas.microsoft.com/office/drawing/2014/main" id="{3AFC229F-F7B6-DC2A-8BE1-560A7BF127F3}"/>
+                <a16:creationId xmlns:a16="http://schemas.microsoft.com/office/drawing/2014/main" id="{14A7F91D-1B2A-F2B9-EDAE-B4658725D854}"/>
               </a:ext>
             </a:extLst>
           </p:cNvPr>
           <p:cNvPicPr>
-            <a:picLocks noGrp="1" noChangeAspect="1"/>
+            <a:picLocks noChangeAspect="1"/>
           </p:cNvPicPr>
-          <p:nvPr>
-            <p:ph idx="1"/>
-          </p:nvPr>
+          <p:nvPr/>
         </p:nvPicPr>
         <p:blipFill>
-          <a:blip r:embed="rId3">
-            <a:extLst>
-              <a:ext uri="{28A0092B-C50C-407E-A947-70E740481C1C}">
-                <a14:useLocalDpi xmlns:a14="http://schemas.microsoft.com/office/drawing/2010/main" val="0"/>
-              </a:ext>
-            </a:extLst>
-          </a:blip>
+          <a:blip r:embed="rId3"/>
           <a:stretch>
             <a:fillRect/>
           </a:stretch>
         </p:blipFill>
         <p:spPr>
           <a:xfrm>
-            <a:off x="0" y="2262182"/>
-            <a:ext cx="9029428" cy="2866843"/>
+            <a:off x="600075" y="4389100"/>
+            <a:ext cx="7943850" cy="1790700"/>
           </a:xfrm>
-          <a:noFill/>
+          <a:prstGeom prst="rect">
+            <a:avLst/>
+          </a:prstGeom>
         </p:spPr>
       </p:pic>
     </p:spTree>
     <p:extLst>
       <p:ext uri="{BB962C8B-B14F-4D97-AF65-F5344CB8AC3E}">
-        <p14:creationId xmlns:p14="http://schemas.microsoft.com/office/powerpoint/2010/main" val="2987534817"/>
+        <p14:creationId xmlns:p14="http://schemas.microsoft.com/office/powerpoint/2010/main" val="3407349212"/>
       </p:ext>
     </p:extLst>
   </p:cSld>
@@ -13543,7 +14304,7 @@
           <p:cNvPr id="2" name="제목 1">
             <a:extLst>
               <a:ext uri="{FF2B5EF4-FFF2-40B4-BE49-F238E27FC236}">
-                <a16:creationId xmlns:a16="http://schemas.microsoft.com/office/drawing/2014/main" id="{386A0498-C6EF-7965-D0AB-04BE4C4E2DF3}"/>
+                <a16:creationId xmlns:a16="http://schemas.microsoft.com/office/drawing/2014/main" id="{616FEB06-686E-9029-6FD5-A3916E465AC1}"/>
               </a:ext>
             </a:extLst>
           </p:cNvPr>
@@ -13560,11 +14321,10 @@
           <a:lstStyle/>
           <a:p>
             <a:r>
-              <a:rPr lang="ko-KR" altLang="en-US" b="1" dirty="0">
-                <a:latin typeface="+mj-ea"/>
-              </a:rPr>
-              <a:t>역할 분담</a:t>
-            </a:r>
+              <a:rPr lang="en-US" altLang="ko-KR" dirty="0"/>
+              <a:t>Detail</a:t>
+            </a:r>
+            <a:endParaRPr lang="ko-KR" altLang="en-US" dirty="0"/>
           </a:p>
         </p:txBody>
       </p:sp>
@@ -13573,7 +14333,7 @@
           <p:cNvPr id="3" name="내용 개체 틀 2">
             <a:extLst>
               <a:ext uri="{FF2B5EF4-FFF2-40B4-BE49-F238E27FC236}">
-                <a16:creationId xmlns:a16="http://schemas.microsoft.com/office/drawing/2014/main" id="{A3D0D166-3511-043D-68C4-6D1B2DBD39B5}"/>
+                <a16:creationId xmlns:a16="http://schemas.microsoft.com/office/drawing/2014/main" id="{3C475B87-ECD7-60B5-1565-5B91095AE973}"/>
               </a:ext>
             </a:extLst>
           </p:cNvPr>
@@ -13584,31 +14344,25 @@
             <p:ph idx="1"/>
           </p:nvPr>
         </p:nvSpPr>
-        <p:spPr/>
+        <p:spPr>
+          <a:xfrm>
+            <a:off x="457200" y="1600200"/>
+            <a:ext cx="8229600" cy="4421088"/>
+          </a:xfrm>
+        </p:spPr>
         <p:txBody>
-          <a:bodyPr/>
+          <a:bodyPr>
+            <a:noAutofit/>
+          </a:bodyPr>
           <a:lstStyle/>
-          <a:p>
-            <a:endParaRPr lang="en-US" altLang="ko-KR" dirty="0"/>
-          </a:p>
           <a:p>
             <a:pPr marL="0" indent="0">
               <a:buNone/>
             </a:pPr>
-            <a:r>
-              <a:rPr lang="en-US" altLang="ko-KR" dirty="0">
-                <a:latin typeface="+mn-ea"/>
-              </a:rPr>
-              <a:t>1) </a:t>
-            </a:r>
-            <a:r>
-              <a:rPr lang="ko-KR" altLang="en-US" dirty="0">
-                <a:latin typeface="+mn-ea"/>
-              </a:rPr>
-              <a:t>나현희</a:t>
-            </a:r>
-            <a:endParaRPr lang="en-US" altLang="ko-KR" dirty="0">
-              <a:latin typeface="+mn-ea"/>
+            <a:endParaRPr lang="ko-KR" altLang="en-US" sz="1100" dirty="0">
+              <a:latin typeface="함초롬바탕" panose="02030604000101010101" pitchFamily="18" charset="-127"/>
+              <a:ea typeface="함초롬바탕" panose="02030604000101010101" pitchFamily="18" charset="-127"/>
+              <a:cs typeface="함초롬바탕" panose="02030604000101010101" pitchFamily="18" charset="-127"/>
             </a:endParaRPr>
           </a:p>
           <a:p>
@@ -13616,91 +14370,757 @@
               <a:buNone/>
             </a:pPr>
             <a:r>
-              <a:rPr lang="en-US" altLang="ko-KR" dirty="0">
-                <a:latin typeface="+mn-ea"/>
-              </a:rPr>
-              <a:t>      STT </a:t>
-            </a:r>
-            <a:r>
-              <a:rPr lang="ko-KR" altLang="en-US" dirty="0">
-                <a:latin typeface="+mn-ea"/>
-              </a:rPr>
-              <a:t>데이터 및 모델 학습</a:t>
-            </a:r>
-            <a:r>
-              <a:rPr lang="en-US" altLang="ko-KR" dirty="0">
-                <a:latin typeface="+mn-ea"/>
-              </a:rPr>
-              <a:t>,</a:t>
-            </a:r>
-            <a:r>
-              <a:rPr lang="ko-KR" altLang="en-US" dirty="0">
-                <a:latin typeface="+mn-ea"/>
-              </a:rPr>
-              <a:t> 텍스트 후처리 </a:t>
-            </a:r>
-            <a:endParaRPr lang="en-US" altLang="ko-KR" dirty="0">
-              <a:latin typeface="+mn-ea"/>
-            </a:endParaRPr>
+              <a:rPr lang="ko-KR" altLang="en-US" sz="1100" dirty="0">
+                <a:latin typeface="함초롬바탕" panose="02030604000101010101" pitchFamily="18" charset="-127"/>
+                <a:ea typeface="함초롬바탕" panose="02030604000101010101" pitchFamily="18" charset="-127"/>
+                <a:cs typeface="함초롬바탕" panose="02030604000101010101" pitchFamily="18" charset="-127"/>
+              </a:rPr>
+              <a:t>음성</a:t>
+            </a:r>
+            <a:r>
+              <a:rPr lang="en-US" altLang="ko-KR" sz="1100" dirty="0">
+                <a:latin typeface="함초롬바탕" panose="02030604000101010101" pitchFamily="18" charset="-127"/>
+                <a:ea typeface="함초롬바탕" panose="02030604000101010101" pitchFamily="18" charset="-127"/>
+                <a:cs typeface="함초롬바탕" panose="02030604000101010101" pitchFamily="18" charset="-127"/>
+              </a:rPr>
+              <a:t>1: </a:t>
+            </a:r>
+            <a:r>
+              <a:rPr lang="ko-KR" altLang="en-US" sz="1100" dirty="0">
+                <a:latin typeface="함초롬바탕" panose="02030604000101010101" pitchFamily="18" charset="-127"/>
+                <a:ea typeface="함초롬바탕" panose="02030604000101010101" pitchFamily="18" charset="-127"/>
+                <a:cs typeface="함초롬바탕" panose="02030604000101010101" pitchFamily="18" charset="-127"/>
+              </a:rPr>
+              <a:t>대한민국의 판을 읽어보는 시간입니다</a:t>
+            </a:r>
+            <a:r>
+              <a:rPr lang="en-US" altLang="ko-KR" sz="1100" dirty="0">
+                <a:latin typeface="함초롬바탕" panose="02030604000101010101" pitchFamily="18" charset="-127"/>
+                <a:ea typeface="함초롬바탕" panose="02030604000101010101" pitchFamily="18" charset="-127"/>
+                <a:cs typeface="함초롬바탕" panose="02030604000101010101" pitchFamily="18" charset="-127"/>
+              </a:rPr>
+              <a:t>. </a:t>
+            </a:r>
           </a:p>
           <a:p>
             <a:pPr marL="0" indent="0">
               <a:buNone/>
             </a:pPr>
-            <a:endParaRPr lang="en-US" altLang="ko-KR" dirty="0">
-              <a:latin typeface="+mn-ea"/>
-            </a:endParaRPr>
+            <a:r>
+              <a:rPr lang="ko-KR" altLang="en-US" sz="1100" dirty="0" err="1">
+                <a:latin typeface="함초롬바탕" panose="02030604000101010101" pitchFamily="18" charset="-127"/>
+                <a:ea typeface="함초롬바탕" panose="02030604000101010101" pitchFamily="18" charset="-127"/>
+                <a:cs typeface="함초롬바탕" panose="02030604000101010101" pitchFamily="18" charset="-127"/>
+              </a:rPr>
+              <a:t>뉴스쇼</a:t>
+            </a:r>
+            <a:r>
+              <a:rPr lang="ko-KR" altLang="en-US" sz="1100" dirty="0">
+                <a:latin typeface="함초롬바탕" panose="02030604000101010101" pitchFamily="18" charset="-127"/>
+                <a:ea typeface="함초롬바탕" panose="02030604000101010101" pitchFamily="18" charset="-127"/>
+                <a:cs typeface="함초롬바탕" panose="02030604000101010101" pitchFamily="18" charset="-127"/>
+              </a:rPr>
+              <a:t> 기획특집 뉴스쇼가 묻고 미래가 답하다 줄여서 쇼이다</a:t>
+            </a:r>
+            <a:r>
+              <a:rPr lang="en-US" altLang="ko-KR" sz="1100" dirty="0">
+                <a:latin typeface="함초롬바탕" panose="02030604000101010101" pitchFamily="18" charset="-127"/>
+                <a:ea typeface="함초롬바탕" panose="02030604000101010101" pitchFamily="18" charset="-127"/>
+                <a:cs typeface="함초롬바탕" panose="02030604000101010101" pitchFamily="18" charset="-127"/>
+              </a:rPr>
+              <a:t>. </a:t>
+            </a:r>
           </a:p>
           <a:p>
             <a:pPr marL="0" indent="0">
               <a:buNone/>
             </a:pPr>
             <a:r>
-              <a:rPr lang="en-US" altLang="ko-KR" dirty="0">
-                <a:latin typeface="+mn-ea"/>
-              </a:rPr>
-              <a:t>2) </a:t>
-            </a:r>
-            <a:r>
-              <a:rPr lang="ko-KR" altLang="en-US" dirty="0">
-                <a:latin typeface="+mn-ea"/>
-              </a:rPr>
-              <a:t>신원철 </a:t>
-            </a:r>
-            <a:endParaRPr lang="en-US" altLang="ko-KR" dirty="0">
-              <a:latin typeface="+mn-ea"/>
-            </a:endParaRPr>
+              <a:rPr lang="ko-KR" altLang="en-US" sz="1100" dirty="0">
+                <a:latin typeface="함초롬바탕" panose="02030604000101010101" pitchFamily="18" charset="-127"/>
+                <a:ea typeface="함초롬바탕" panose="02030604000101010101" pitchFamily="18" charset="-127"/>
+                <a:cs typeface="함초롬바탕" panose="02030604000101010101" pitchFamily="18" charset="-127"/>
+              </a:rPr>
+              <a:t>오늘은 어린이날 </a:t>
+            </a:r>
+            <a:r>
+              <a:rPr lang="en-US" altLang="ko-KR" sz="1100" dirty="0">
+                <a:latin typeface="함초롬바탕" panose="02030604000101010101" pitchFamily="18" charset="-127"/>
+                <a:ea typeface="함초롬바탕" panose="02030604000101010101" pitchFamily="18" charset="-127"/>
+                <a:cs typeface="함초롬바탕" panose="02030604000101010101" pitchFamily="18" charset="-127"/>
+              </a:rPr>
+              <a:t>100</a:t>
+            </a:r>
+            <a:r>
+              <a:rPr lang="ko-KR" altLang="en-US" sz="1100" dirty="0">
+                <a:latin typeface="함초롬바탕" panose="02030604000101010101" pitchFamily="18" charset="-127"/>
+                <a:ea typeface="함초롬바탕" panose="02030604000101010101" pitchFamily="18" charset="-127"/>
+                <a:cs typeface="함초롬바탕" panose="02030604000101010101" pitchFamily="18" charset="-127"/>
+              </a:rPr>
+              <a:t>주년을 맞아서 특별히 이분을 모셨습니다</a:t>
+            </a:r>
+            <a:r>
+              <a:rPr lang="en-US" altLang="ko-KR" sz="1100" dirty="0">
+                <a:latin typeface="함초롬바탕" panose="02030604000101010101" pitchFamily="18" charset="-127"/>
+                <a:ea typeface="함초롬바탕" panose="02030604000101010101" pitchFamily="18" charset="-127"/>
+                <a:cs typeface="함초롬바탕" panose="02030604000101010101" pitchFamily="18" charset="-127"/>
+              </a:rPr>
+              <a:t>. </a:t>
+            </a:r>
           </a:p>
           <a:p>
             <a:pPr marL="0" indent="0">
               <a:buNone/>
             </a:pPr>
             <a:r>
-              <a:rPr lang="en-US" altLang="ko-KR" dirty="0">
-                <a:latin typeface="+mn-ea"/>
-              </a:rPr>
-              <a:t>      </a:t>
-            </a:r>
-            <a:r>
-              <a:rPr lang="ko-KR" altLang="en-US" dirty="0">
-                <a:latin typeface="+mn-ea"/>
-              </a:rPr>
-              <a:t>화자 분리 데이터 및 모델 학습</a:t>
-            </a:r>
-            <a:r>
-              <a:rPr lang="en-US" altLang="ko-KR" dirty="0">
-                <a:latin typeface="+mn-ea"/>
-              </a:rPr>
-              <a:t>, </a:t>
-            </a:r>
-            <a:r>
-              <a:rPr lang="ko-KR" altLang="en-US" dirty="0">
-                <a:latin typeface="+mn-ea"/>
-              </a:rPr>
-              <a:t>요약 </a:t>
-            </a:r>
-            <a:endParaRPr lang="en-US" altLang="ko-KR" dirty="0">
-              <a:latin typeface="+mn-ea"/>
+              <a:rPr lang="ko-KR" altLang="en-US" sz="1100" dirty="0">
+                <a:latin typeface="함초롬바탕" panose="02030604000101010101" pitchFamily="18" charset="-127"/>
+                <a:ea typeface="함초롬바탕" panose="02030604000101010101" pitchFamily="18" charset="-127"/>
+                <a:cs typeface="함초롬바탕" panose="02030604000101010101" pitchFamily="18" charset="-127"/>
+              </a:rPr>
+              <a:t>어린아이부터 어른까지 상처받은 마음을 치유해 주시는 분이죠</a:t>
+            </a:r>
+            <a:r>
+              <a:rPr lang="en-US" altLang="ko-KR" sz="1100" dirty="0">
+                <a:latin typeface="함초롬바탕" panose="02030604000101010101" pitchFamily="18" charset="-127"/>
+                <a:ea typeface="함초롬바탕" panose="02030604000101010101" pitchFamily="18" charset="-127"/>
+                <a:cs typeface="함초롬바탕" panose="02030604000101010101" pitchFamily="18" charset="-127"/>
+              </a:rPr>
+              <a:t>. </a:t>
+            </a:r>
+          </a:p>
+          <a:p>
+            <a:pPr marL="0" indent="0">
+              <a:buNone/>
+            </a:pPr>
+            <a:r>
+              <a:rPr lang="ko-KR" altLang="en-US" sz="1100" dirty="0">
+                <a:latin typeface="함초롬바탕" panose="02030604000101010101" pitchFamily="18" charset="-127"/>
+                <a:ea typeface="함초롬바탕" panose="02030604000101010101" pitchFamily="18" charset="-127"/>
+                <a:cs typeface="함초롬바탕" panose="02030604000101010101" pitchFamily="18" charset="-127"/>
+              </a:rPr>
+              <a:t>정신과 전문의 오은영 박사 스튜디오에 </a:t>
+            </a:r>
+            <a:r>
+              <a:rPr lang="ko-KR" altLang="en-US" sz="1100" dirty="0" err="1">
+                <a:latin typeface="함초롬바탕" panose="02030604000101010101" pitchFamily="18" charset="-127"/>
+                <a:ea typeface="함초롬바탕" panose="02030604000101010101" pitchFamily="18" charset="-127"/>
+                <a:cs typeface="함초롬바탕" panose="02030604000101010101" pitchFamily="18" charset="-127"/>
+              </a:rPr>
+              <a:t>나와주셨어요</a:t>
+            </a:r>
+            <a:r>
+              <a:rPr lang="en-US" altLang="ko-KR" sz="1100" dirty="0">
+                <a:latin typeface="함초롬바탕" panose="02030604000101010101" pitchFamily="18" charset="-127"/>
+                <a:ea typeface="함초롬바탕" panose="02030604000101010101" pitchFamily="18" charset="-127"/>
+                <a:cs typeface="함초롬바탕" panose="02030604000101010101" pitchFamily="18" charset="-127"/>
+              </a:rPr>
+              <a:t>. </a:t>
+            </a:r>
+          </a:p>
+          <a:p>
+            <a:pPr marL="0" indent="0">
+              <a:buNone/>
+            </a:pPr>
+            <a:r>
+              <a:rPr lang="ko-KR" altLang="en-US" sz="1100" dirty="0">
+                <a:latin typeface="함초롬바탕" panose="02030604000101010101" pitchFamily="18" charset="-127"/>
+                <a:ea typeface="함초롬바탕" panose="02030604000101010101" pitchFamily="18" charset="-127"/>
+                <a:cs typeface="함초롬바탕" panose="02030604000101010101" pitchFamily="18" charset="-127"/>
+              </a:rPr>
+              <a:t>어서 오십시오</a:t>
+            </a:r>
+          </a:p>
+          <a:p>
+            <a:pPr marL="0" indent="0">
+              <a:buNone/>
+            </a:pPr>
+            <a:r>
+              <a:rPr lang="ko-KR" altLang="en-US" sz="1100" dirty="0">
+                <a:latin typeface="함초롬바탕" panose="02030604000101010101" pitchFamily="18" charset="-127"/>
+                <a:ea typeface="함초롬바탕" panose="02030604000101010101" pitchFamily="18" charset="-127"/>
+                <a:cs typeface="함초롬바탕" panose="02030604000101010101" pitchFamily="18" charset="-127"/>
+              </a:rPr>
+              <a:t>음성</a:t>
+            </a:r>
+            <a:r>
+              <a:rPr lang="en-US" altLang="ko-KR" sz="1100" dirty="0">
+                <a:latin typeface="함초롬바탕" panose="02030604000101010101" pitchFamily="18" charset="-127"/>
+                <a:ea typeface="함초롬바탕" panose="02030604000101010101" pitchFamily="18" charset="-127"/>
+                <a:cs typeface="함초롬바탕" panose="02030604000101010101" pitchFamily="18" charset="-127"/>
+              </a:rPr>
+              <a:t>2: </a:t>
+            </a:r>
+            <a:r>
+              <a:rPr lang="ko-KR" altLang="en-US" sz="1100" dirty="0">
+                <a:latin typeface="함초롬바탕" panose="02030604000101010101" pitchFamily="18" charset="-127"/>
+                <a:ea typeface="함초롬바탕" panose="02030604000101010101" pitchFamily="18" charset="-127"/>
+                <a:cs typeface="함초롬바탕" panose="02030604000101010101" pitchFamily="18" charset="-127"/>
+              </a:rPr>
+              <a:t>안녕하세요</a:t>
+            </a:r>
+            <a:r>
+              <a:rPr lang="en-US" altLang="ko-KR" sz="1100" dirty="0">
+                <a:latin typeface="함초롬바탕" panose="02030604000101010101" pitchFamily="18" charset="-127"/>
+                <a:ea typeface="함초롬바탕" panose="02030604000101010101" pitchFamily="18" charset="-127"/>
+                <a:cs typeface="함초롬바탕" panose="02030604000101010101" pitchFamily="18" charset="-127"/>
+              </a:rPr>
+              <a:t>.</a:t>
+            </a:r>
+          </a:p>
+          <a:p>
+            <a:pPr marL="0" indent="0">
+              <a:buNone/>
+            </a:pPr>
+            <a:r>
+              <a:rPr lang="ko-KR" altLang="en-US" sz="1100" dirty="0">
+                <a:latin typeface="함초롬바탕" panose="02030604000101010101" pitchFamily="18" charset="-127"/>
+                <a:ea typeface="함초롬바탕" panose="02030604000101010101" pitchFamily="18" charset="-127"/>
+                <a:cs typeface="함초롬바탕" panose="02030604000101010101" pitchFamily="18" charset="-127"/>
+              </a:rPr>
+              <a:t>음성</a:t>
+            </a:r>
+            <a:r>
+              <a:rPr lang="en-US" altLang="ko-KR" sz="1100" dirty="0">
+                <a:latin typeface="함초롬바탕" panose="02030604000101010101" pitchFamily="18" charset="-127"/>
+                <a:ea typeface="함초롬바탕" panose="02030604000101010101" pitchFamily="18" charset="-127"/>
+                <a:cs typeface="함초롬바탕" panose="02030604000101010101" pitchFamily="18" charset="-127"/>
+              </a:rPr>
+              <a:t>1: </a:t>
+            </a:r>
+            <a:r>
+              <a:rPr lang="ko-KR" altLang="en-US" sz="1100" dirty="0">
+                <a:latin typeface="함초롬바탕" panose="02030604000101010101" pitchFamily="18" charset="-127"/>
+                <a:ea typeface="함초롬바탕" panose="02030604000101010101" pitchFamily="18" charset="-127"/>
+                <a:cs typeface="함초롬바탕" panose="02030604000101010101" pitchFamily="18" charset="-127"/>
+              </a:rPr>
+              <a:t>아니 저는 항상 박사님 앞에만 서면 저도 목소리가 이렇게 예뻐질까 곱게 말해야 될 것 같아요</a:t>
+            </a:r>
+            <a:r>
+              <a:rPr lang="en-US" altLang="ko-KR" sz="1100" dirty="0">
+                <a:latin typeface="함초롬바탕" panose="02030604000101010101" pitchFamily="18" charset="-127"/>
+                <a:ea typeface="함초롬바탕" panose="02030604000101010101" pitchFamily="18" charset="-127"/>
+                <a:cs typeface="함초롬바탕" panose="02030604000101010101" pitchFamily="18" charset="-127"/>
+              </a:rPr>
+              <a:t>. </a:t>
+            </a:r>
+          </a:p>
+          <a:p>
+            <a:pPr marL="0" indent="0">
+              <a:buNone/>
+            </a:pPr>
+            <a:r>
+              <a:rPr lang="ko-KR" altLang="en-US" sz="1100" dirty="0">
+                <a:latin typeface="함초롬바탕" panose="02030604000101010101" pitchFamily="18" charset="-127"/>
+                <a:ea typeface="함초롬바탕" panose="02030604000101010101" pitchFamily="18" charset="-127"/>
+                <a:cs typeface="함초롬바탕" panose="02030604000101010101" pitchFamily="18" charset="-127"/>
+              </a:rPr>
+              <a:t>벌써 뉴스쇼에 지금 한 세 번째 네 번째 </a:t>
+            </a:r>
+            <a:r>
+              <a:rPr lang="ko-KR" altLang="en-US" sz="1100" dirty="0" err="1">
+                <a:latin typeface="함초롬바탕" panose="02030604000101010101" pitchFamily="18" charset="-127"/>
+                <a:ea typeface="함초롬바탕" panose="02030604000101010101" pitchFamily="18" charset="-127"/>
+                <a:cs typeface="함초롬바탕" panose="02030604000101010101" pitchFamily="18" charset="-127"/>
+              </a:rPr>
+              <a:t>와주시는</a:t>
+            </a:r>
+            <a:r>
+              <a:rPr lang="ko-KR" altLang="en-US" sz="1100" dirty="0">
+                <a:latin typeface="함초롬바탕" panose="02030604000101010101" pitchFamily="18" charset="-127"/>
+                <a:ea typeface="함초롬바탕" panose="02030604000101010101" pitchFamily="18" charset="-127"/>
+                <a:cs typeface="함초롬바탕" panose="02030604000101010101" pitchFamily="18" charset="-127"/>
+              </a:rPr>
+              <a:t> 이제는 정말 반가운 얼굴 너무</a:t>
+            </a:r>
+          </a:p>
+          <a:p>
+            <a:pPr marL="0" indent="0">
+              <a:buNone/>
+            </a:pPr>
+            <a:r>
+              <a:rPr lang="ko-KR" altLang="en-US" sz="1100" dirty="0">
+                <a:latin typeface="함초롬바탕" panose="02030604000101010101" pitchFamily="18" charset="-127"/>
+                <a:ea typeface="함초롬바탕" panose="02030604000101010101" pitchFamily="18" charset="-127"/>
+                <a:cs typeface="함초롬바탕" panose="02030604000101010101" pitchFamily="18" charset="-127"/>
+              </a:rPr>
+              <a:t>음성</a:t>
+            </a:r>
+            <a:r>
+              <a:rPr lang="en-US" altLang="ko-KR" sz="1100" dirty="0">
+                <a:latin typeface="함초롬바탕" panose="02030604000101010101" pitchFamily="18" charset="-127"/>
+                <a:ea typeface="함초롬바탕" panose="02030604000101010101" pitchFamily="18" charset="-127"/>
+                <a:cs typeface="함초롬바탕" panose="02030604000101010101" pitchFamily="18" charset="-127"/>
+              </a:rPr>
+              <a:t>2: </a:t>
+            </a:r>
+            <a:r>
+              <a:rPr lang="ko-KR" altLang="en-US" sz="1100" dirty="0">
+                <a:latin typeface="함초롬바탕" panose="02030604000101010101" pitchFamily="18" charset="-127"/>
+                <a:ea typeface="함초롬바탕" panose="02030604000101010101" pitchFamily="18" charset="-127"/>
+                <a:cs typeface="함초롬바탕" panose="02030604000101010101" pitchFamily="18" charset="-127"/>
+              </a:rPr>
+              <a:t>익숙한 얼굴</a:t>
+            </a:r>
+          </a:p>
+          <a:p>
+            <a:pPr marL="0" indent="0">
+              <a:buNone/>
+            </a:pPr>
+            <a:r>
+              <a:rPr lang="ko-KR" altLang="en-US" sz="1100" dirty="0">
+                <a:latin typeface="함초롬바탕" panose="02030604000101010101" pitchFamily="18" charset="-127"/>
+                <a:ea typeface="함초롬바탕" panose="02030604000101010101" pitchFamily="18" charset="-127"/>
+                <a:cs typeface="함초롬바탕" panose="02030604000101010101" pitchFamily="18" charset="-127"/>
+              </a:rPr>
+              <a:t>음성</a:t>
+            </a:r>
+            <a:r>
+              <a:rPr lang="en-US" altLang="ko-KR" sz="1100" dirty="0">
+                <a:latin typeface="함초롬바탕" panose="02030604000101010101" pitchFamily="18" charset="-127"/>
+                <a:ea typeface="함초롬바탕" panose="02030604000101010101" pitchFamily="18" charset="-127"/>
+                <a:cs typeface="함초롬바탕" panose="02030604000101010101" pitchFamily="18" charset="-127"/>
+              </a:rPr>
+              <a:t>1: </a:t>
+            </a:r>
+            <a:r>
+              <a:rPr lang="ko-KR" altLang="en-US" sz="1100" dirty="0" err="1">
+                <a:latin typeface="함초롬바탕" panose="02030604000101010101" pitchFamily="18" charset="-127"/>
+                <a:ea typeface="함초롬바탕" panose="02030604000101010101" pitchFamily="18" charset="-127"/>
+                <a:cs typeface="함초롬바탕" panose="02030604000101010101" pitchFamily="18" charset="-127"/>
+              </a:rPr>
+              <a:t>금쪽</a:t>
+            </a:r>
+            <a:r>
+              <a:rPr lang="ko-KR" altLang="en-US" sz="1100" dirty="0">
+                <a:latin typeface="함초롬바탕" panose="02030604000101010101" pitchFamily="18" charset="-127"/>
+                <a:ea typeface="함초롬바탕" panose="02030604000101010101" pitchFamily="18" charset="-127"/>
+                <a:cs typeface="함초롬바탕" panose="02030604000101010101" pitchFamily="18" charset="-127"/>
+              </a:rPr>
+              <a:t> 같은 휴일 어린이날인데 박사님도 자녀 한 명 두셨잖아요</a:t>
+            </a:r>
+            <a:r>
+              <a:rPr lang="en-US" altLang="ko-KR" sz="1100" dirty="0">
+                <a:latin typeface="함초롬바탕" panose="02030604000101010101" pitchFamily="18" charset="-127"/>
+                <a:ea typeface="함초롬바탕" panose="02030604000101010101" pitchFamily="18" charset="-127"/>
+                <a:cs typeface="함초롬바탕" panose="02030604000101010101" pitchFamily="18" charset="-127"/>
+              </a:rPr>
+              <a:t>. </a:t>
+            </a:r>
+          </a:p>
+          <a:p>
+            <a:pPr marL="0" indent="0">
+              <a:buNone/>
+            </a:pPr>
+            <a:r>
+              <a:rPr lang="ko-KR" altLang="en-US" sz="1100" dirty="0">
+                <a:latin typeface="함초롬바탕" panose="02030604000101010101" pitchFamily="18" charset="-127"/>
+                <a:ea typeface="함초롬바탕" panose="02030604000101010101" pitchFamily="18" charset="-127"/>
+                <a:cs typeface="함초롬바탕" panose="02030604000101010101" pitchFamily="18" charset="-127"/>
+              </a:rPr>
+              <a:t>그렇죠 성인</a:t>
+            </a:r>
+          </a:p>
+          <a:p>
+            <a:pPr marL="0" indent="0">
+              <a:buNone/>
+            </a:pPr>
+            <a:r>
+              <a:rPr lang="ko-KR" altLang="en-US" sz="1100" dirty="0">
+                <a:latin typeface="함초롬바탕" panose="02030604000101010101" pitchFamily="18" charset="-127"/>
+                <a:ea typeface="함초롬바탕" panose="02030604000101010101" pitchFamily="18" charset="-127"/>
+                <a:cs typeface="함초롬바탕" panose="02030604000101010101" pitchFamily="18" charset="-127"/>
+              </a:rPr>
+              <a:t>음성</a:t>
+            </a:r>
+            <a:r>
+              <a:rPr lang="en-US" altLang="ko-KR" sz="1100" dirty="0">
+                <a:latin typeface="함초롬바탕" panose="02030604000101010101" pitchFamily="18" charset="-127"/>
+                <a:ea typeface="함초롬바탕" panose="02030604000101010101" pitchFamily="18" charset="-127"/>
+                <a:cs typeface="함초롬바탕" panose="02030604000101010101" pitchFamily="18" charset="-127"/>
+              </a:rPr>
+              <a:t>2: </a:t>
+            </a:r>
+            <a:r>
+              <a:rPr lang="ko-KR" altLang="en-US" sz="1100" dirty="0">
+                <a:latin typeface="함초롬바탕" panose="02030604000101010101" pitchFamily="18" charset="-127"/>
+                <a:ea typeface="함초롬바탕" panose="02030604000101010101" pitchFamily="18" charset="-127"/>
+                <a:cs typeface="함초롬바탕" panose="02030604000101010101" pitchFamily="18" charset="-127"/>
+              </a:rPr>
+              <a:t>아내 성인입니다</a:t>
+            </a:r>
+            <a:r>
+              <a:rPr lang="en-US" altLang="ko-KR" sz="1100" dirty="0">
+                <a:latin typeface="함초롬바탕" panose="02030604000101010101" pitchFamily="18" charset="-127"/>
+                <a:ea typeface="함초롬바탕" panose="02030604000101010101" pitchFamily="18" charset="-127"/>
+                <a:cs typeface="함초롬바탕" panose="02030604000101010101" pitchFamily="18" charset="-127"/>
+              </a:rPr>
+              <a:t>. </a:t>
+            </a:r>
+            <a:r>
+              <a:rPr lang="ko-KR" altLang="en-US" sz="1100" dirty="0">
+                <a:latin typeface="함초롬바탕" panose="02030604000101010101" pitchFamily="18" charset="-127"/>
+                <a:ea typeface="함초롬바탕" panose="02030604000101010101" pitchFamily="18" charset="-127"/>
+                <a:cs typeface="함초롬바탕" panose="02030604000101010101" pitchFamily="18" charset="-127"/>
+              </a:rPr>
+              <a:t>네 </a:t>
+            </a:r>
+            <a:r>
+              <a:rPr lang="en-US" altLang="ko-KR" sz="1100" dirty="0">
+                <a:latin typeface="함초롬바탕" panose="02030604000101010101" pitchFamily="18" charset="-127"/>
+                <a:ea typeface="함초롬바탕" panose="02030604000101010101" pitchFamily="18" charset="-127"/>
+                <a:cs typeface="함초롬바탕" panose="02030604000101010101" pitchFamily="18" charset="-127"/>
+              </a:rPr>
+              <a:t>24</a:t>
+            </a:r>
+            <a:r>
+              <a:rPr lang="ko-KR" altLang="en-US" sz="1100" dirty="0">
+                <a:latin typeface="함초롬바탕" panose="02030604000101010101" pitchFamily="18" charset="-127"/>
+                <a:ea typeface="함초롬바탕" panose="02030604000101010101" pitchFamily="18" charset="-127"/>
+                <a:cs typeface="함초롬바탕" panose="02030604000101010101" pitchFamily="18" charset="-127"/>
+              </a:rPr>
+              <a:t>살</a:t>
+            </a:r>
+          </a:p>
+          <a:p>
+            <a:pPr marL="0" indent="0">
+              <a:buNone/>
+            </a:pPr>
+            <a:r>
+              <a:rPr lang="ko-KR" altLang="en-US" sz="1100" dirty="0">
+                <a:latin typeface="함초롬바탕" panose="02030604000101010101" pitchFamily="18" charset="-127"/>
+                <a:ea typeface="함초롬바탕" panose="02030604000101010101" pitchFamily="18" charset="-127"/>
+                <a:cs typeface="함초롬바탕" panose="02030604000101010101" pitchFamily="18" charset="-127"/>
+              </a:rPr>
+              <a:t>음성</a:t>
+            </a:r>
+            <a:r>
+              <a:rPr lang="en-US" altLang="ko-KR" sz="1100" dirty="0">
+                <a:latin typeface="함초롬바탕" panose="02030604000101010101" pitchFamily="18" charset="-127"/>
+                <a:ea typeface="함초롬바탕" panose="02030604000101010101" pitchFamily="18" charset="-127"/>
+                <a:cs typeface="함초롬바탕" panose="02030604000101010101" pitchFamily="18" charset="-127"/>
+              </a:rPr>
+              <a:t>1: </a:t>
+            </a:r>
+            <a:r>
+              <a:rPr lang="ko-KR" altLang="en-US" sz="1100" dirty="0" err="1">
+                <a:latin typeface="함초롬바탕" panose="02030604000101010101" pitchFamily="18" charset="-127"/>
+                <a:ea typeface="함초롬바탕" panose="02030604000101010101" pitchFamily="18" charset="-127"/>
+                <a:cs typeface="함초롬바탕" panose="02030604000101010101" pitchFamily="18" charset="-127"/>
+              </a:rPr>
+              <a:t>어린이날하고는</a:t>
+            </a:r>
+            <a:r>
+              <a:rPr lang="ko-KR" altLang="en-US" sz="1100" dirty="0">
+                <a:latin typeface="함초롬바탕" panose="02030604000101010101" pitchFamily="18" charset="-127"/>
+                <a:ea typeface="함초롬바탕" panose="02030604000101010101" pitchFamily="18" charset="-127"/>
+                <a:cs typeface="함초롬바탕" panose="02030604000101010101" pitchFamily="18" charset="-127"/>
+              </a:rPr>
+              <a:t> 크게 상관은 없어</a:t>
+            </a:r>
+          </a:p>
+          <a:p>
+            <a:pPr marL="0" indent="0">
+              <a:buNone/>
+            </a:pPr>
+            <a:r>
+              <a:rPr lang="ko-KR" altLang="en-US" sz="1100" dirty="0">
+                <a:latin typeface="함초롬바탕" panose="02030604000101010101" pitchFamily="18" charset="-127"/>
+                <a:ea typeface="함초롬바탕" panose="02030604000101010101" pitchFamily="18" charset="-127"/>
+                <a:cs typeface="함초롬바탕" panose="02030604000101010101" pitchFamily="18" charset="-127"/>
+              </a:rPr>
+              <a:t>음성</a:t>
+            </a:r>
+            <a:r>
+              <a:rPr lang="en-US" altLang="ko-KR" sz="1100" dirty="0">
+                <a:latin typeface="함초롬바탕" panose="02030604000101010101" pitchFamily="18" charset="-127"/>
+                <a:ea typeface="함초롬바탕" panose="02030604000101010101" pitchFamily="18" charset="-127"/>
+                <a:cs typeface="함초롬바탕" panose="02030604000101010101" pitchFamily="18" charset="-127"/>
+              </a:rPr>
+              <a:t>2: </a:t>
+            </a:r>
+            <a:r>
+              <a:rPr lang="ko-KR" altLang="en-US" sz="1100" dirty="0">
+                <a:latin typeface="함초롬바탕" panose="02030604000101010101" pitchFamily="18" charset="-127"/>
+                <a:ea typeface="함초롬바탕" panose="02030604000101010101" pitchFamily="18" charset="-127"/>
+                <a:cs typeface="함초롬바탕" panose="02030604000101010101" pitchFamily="18" charset="-127"/>
+              </a:rPr>
+              <a:t>그래도 </a:t>
+            </a:r>
+            <a:r>
+              <a:rPr lang="ko-KR" altLang="en-US" sz="1100" dirty="0" err="1">
+                <a:latin typeface="함초롬바탕" panose="02030604000101010101" pitchFamily="18" charset="-127"/>
+                <a:ea typeface="함초롬바탕" panose="02030604000101010101" pitchFamily="18" charset="-127"/>
+                <a:cs typeface="함초롬바탕" panose="02030604000101010101" pitchFamily="18" charset="-127"/>
+              </a:rPr>
+              <a:t>어린이날은요</a:t>
+            </a:r>
+            <a:r>
+              <a:rPr lang="ko-KR" altLang="en-US" sz="1100" dirty="0">
+                <a:latin typeface="함초롬바탕" panose="02030604000101010101" pitchFamily="18" charset="-127"/>
+                <a:ea typeface="함초롬바탕" panose="02030604000101010101" pitchFamily="18" charset="-127"/>
+                <a:cs typeface="함초롬바탕" panose="02030604000101010101" pitchFamily="18" charset="-127"/>
+              </a:rPr>
+              <a:t> 큰 자녀라도 왠지 선물 주면 되게 좋아할 것 같아요</a:t>
+            </a:r>
+            <a:r>
+              <a:rPr lang="en-US" altLang="ko-KR" sz="1100" dirty="0">
+                <a:latin typeface="함초롬바탕" panose="02030604000101010101" pitchFamily="18" charset="-127"/>
+                <a:ea typeface="함초롬바탕" panose="02030604000101010101" pitchFamily="18" charset="-127"/>
+                <a:cs typeface="함초롬바탕" panose="02030604000101010101" pitchFamily="18" charset="-127"/>
+              </a:rPr>
+              <a:t>.</a:t>
+            </a:r>
+          </a:p>
+          <a:p>
+            <a:pPr marL="0" indent="0">
+              <a:buNone/>
+            </a:pPr>
+            <a:r>
+              <a:rPr lang="ko-KR" altLang="en-US" sz="1100" dirty="0">
+                <a:latin typeface="함초롬바탕" panose="02030604000101010101" pitchFamily="18" charset="-127"/>
+                <a:ea typeface="함초롬바탕" panose="02030604000101010101" pitchFamily="18" charset="-127"/>
+                <a:cs typeface="함초롬바탕" panose="02030604000101010101" pitchFamily="18" charset="-127"/>
+              </a:rPr>
+              <a:t>음성</a:t>
+            </a:r>
+            <a:r>
+              <a:rPr lang="en-US" altLang="ko-KR" sz="1100" dirty="0">
+                <a:latin typeface="함초롬바탕" panose="02030604000101010101" pitchFamily="18" charset="-127"/>
+                <a:ea typeface="함초롬바탕" panose="02030604000101010101" pitchFamily="18" charset="-127"/>
+                <a:cs typeface="함초롬바탕" panose="02030604000101010101" pitchFamily="18" charset="-127"/>
+              </a:rPr>
+              <a:t>1: </a:t>
+            </a:r>
+            <a:r>
+              <a:rPr lang="ko-KR" altLang="en-US" sz="1100" dirty="0">
+                <a:latin typeface="함초롬바탕" panose="02030604000101010101" pitchFamily="18" charset="-127"/>
+                <a:ea typeface="함초롬바탕" panose="02030604000101010101" pitchFamily="18" charset="-127"/>
+                <a:cs typeface="함초롬바탕" panose="02030604000101010101" pitchFamily="18" charset="-127"/>
+              </a:rPr>
+              <a:t>아니 그럼 아들이 지금 </a:t>
+            </a:r>
+            <a:r>
+              <a:rPr lang="en-US" altLang="ko-KR" sz="1100" dirty="0">
+                <a:latin typeface="함초롬바탕" panose="02030604000101010101" pitchFamily="18" charset="-127"/>
+                <a:ea typeface="함초롬바탕" panose="02030604000101010101" pitchFamily="18" charset="-127"/>
+                <a:cs typeface="함초롬바탕" panose="02030604000101010101" pitchFamily="18" charset="-127"/>
+              </a:rPr>
+              <a:t>24</a:t>
+            </a:r>
+            <a:r>
+              <a:rPr lang="ko-KR" altLang="en-US" sz="1100" dirty="0">
+                <a:latin typeface="함초롬바탕" panose="02030604000101010101" pitchFamily="18" charset="-127"/>
+                <a:ea typeface="함초롬바탕" panose="02030604000101010101" pitchFamily="18" charset="-127"/>
+                <a:cs typeface="함초롬바탕" panose="02030604000101010101" pitchFamily="18" charset="-127"/>
+              </a:rPr>
+              <a:t>살인데도 지금도 뭐 좀 챙겨주세요</a:t>
+            </a:r>
+            <a:r>
+              <a:rPr lang="en-US" altLang="ko-KR" sz="1100" dirty="0">
+                <a:latin typeface="함초롬바탕" panose="02030604000101010101" pitchFamily="18" charset="-127"/>
+                <a:ea typeface="함초롬바탕" panose="02030604000101010101" pitchFamily="18" charset="-127"/>
+                <a:cs typeface="함초롬바탕" panose="02030604000101010101" pitchFamily="18" charset="-127"/>
+              </a:rPr>
+              <a:t>.</a:t>
+            </a:r>
+          </a:p>
+          <a:p>
+            <a:pPr marL="0" indent="0">
+              <a:buNone/>
+            </a:pPr>
+            <a:r>
+              <a:rPr lang="ko-KR" altLang="en-US" sz="1100" dirty="0">
+                <a:latin typeface="함초롬바탕" panose="02030604000101010101" pitchFamily="18" charset="-127"/>
+                <a:ea typeface="함초롬바탕" panose="02030604000101010101" pitchFamily="18" charset="-127"/>
+                <a:cs typeface="함초롬바탕" panose="02030604000101010101" pitchFamily="18" charset="-127"/>
+              </a:rPr>
+              <a:t>음성</a:t>
+            </a:r>
+            <a:r>
+              <a:rPr lang="en-US" altLang="ko-KR" sz="1100" dirty="0">
+                <a:latin typeface="함초롬바탕" panose="02030604000101010101" pitchFamily="18" charset="-127"/>
+                <a:ea typeface="함초롬바탕" panose="02030604000101010101" pitchFamily="18" charset="-127"/>
+                <a:cs typeface="함초롬바탕" panose="02030604000101010101" pitchFamily="18" charset="-127"/>
+              </a:rPr>
+              <a:t>2: </a:t>
+            </a:r>
+            <a:r>
+              <a:rPr lang="ko-KR" altLang="en-US" sz="1100" dirty="0">
+                <a:latin typeface="함초롬바탕" panose="02030604000101010101" pitchFamily="18" charset="-127"/>
+                <a:ea typeface="함초롬바탕" panose="02030604000101010101" pitchFamily="18" charset="-127"/>
+                <a:cs typeface="함초롬바탕" panose="02030604000101010101" pitchFamily="18" charset="-127"/>
+              </a:rPr>
+              <a:t>뭐 좀 그런 편이죠</a:t>
+            </a:r>
+            <a:r>
+              <a:rPr lang="en-US" altLang="ko-KR" sz="1100" dirty="0">
+                <a:latin typeface="함초롬바탕" panose="02030604000101010101" pitchFamily="18" charset="-127"/>
+                <a:ea typeface="함초롬바탕" panose="02030604000101010101" pitchFamily="18" charset="-127"/>
+                <a:cs typeface="함초롬바탕" panose="02030604000101010101" pitchFamily="18" charset="-127"/>
+              </a:rPr>
+              <a:t>. </a:t>
+            </a:r>
+            <a:r>
+              <a:rPr lang="ko-KR" altLang="en-US" sz="1100" dirty="0">
+                <a:latin typeface="함초롬바탕" panose="02030604000101010101" pitchFamily="18" charset="-127"/>
+                <a:ea typeface="함초롬바탕" panose="02030604000101010101" pitchFamily="18" charset="-127"/>
+                <a:cs typeface="함초롬바탕" panose="02030604000101010101" pitchFamily="18" charset="-127"/>
+              </a:rPr>
+              <a:t>꼭 어린이날만은 아닌데요</a:t>
+            </a:r>
+            <a:r>
+              <a:rPr lang="en-US" altLang="ko-KR" sz="1100" dirty="0">
+                <a:latin typeface="함초롬바탕" panose="02030604000101010101" pitchFamily="18" charset="-127"/>
+                <a:ea typeface="함초롬바탕" panose="02030604000101010101" pitchFamily="18" charset="-127"/>
+                <a:cs typeface="함초롬바탕" panose="02030604000101010101" pitchFamily="18" charset="-127"/>
+              </a:rPr>
+              <a:t>. </a:t>
+            </a:r>
+          </a:p>
+          <a:p>
+            <a:pPr marL="0" indent="0">
+              <a:buNone/>
+            </a:pPr>
+            <a:r>
+              <a:rPr lang="ko-KR" altLang="en-US" sz="1100" dirty="0">
+                <a:latin typeface="함초롬바탕" panose="02030604000101010101" pitchFamily="18" charset="-127"/>
+                <a:ea typeface="함초롬바탕" panose="02030604000101010101" pitchFamily="18" charset="-127"/>
+                <a:cs typeface="함초롬바탕" panose="02030604000101010101" pitchFamily="18" charset="-127"/>
+              </a:rPr>
+              <a:t>왜 어릴 때 키웠던 추억이 좀 기억나면서 괜히 고민형 이런 거 있으면 한 번 더 보게 되죠</a:t>
+            </a:r>
+            <a:r>
+              <a:rPr lang="en-US" altLang="ko-KR" sz="1100" dirty="0">
+                <a:latin typeface="함초롬바탕" panose="02030604000101010101" pitchFamily="18" charset="-127"/>
+                <a:ea typeface="함초롬바탕" panose="02030604000101010101" pitchFamily="18" charset="-127"/>
+                <a:cs typeface="함초롬바탕" panose="02030604000101010101" pitchFamily="18" charset="-127"/>
+              </a:rPr>
+              <a:t>.</a:t>
+            </a:r>
+          </a:p>
+          <a:p>
+            <a:pPr marL="0" indent="0">
+              <a:buNone/>
+            </a:pPr>
+            <a:r>
+              <a:rPr lang="ko-KR" altLang="en-US" sz="1100" dirty="0">
+                <a:latin typeface="함초롬바탕" panose="02030604000101010101" pitchFamily="18" charset="-127"/>
+                <a:ea typeface="함초롬바탕" panose="02030604000101010101" pitchFamily="18" charset="-127"/>
+                <a:cs typeface="함초롬바탕" panose="02030604000101010101" pitchFamily="18" charset="-127"/>
+              </a:rPr>
+              <a:t>음성</a:t>
+            </a:r>
+            <a:r>
+              <a:rPr lang="en-US" altLang="ko-KR" sz="1100" dirty="0">
+                <a:latin typeface="함초롬바탕" panose="02030604000101010101" pitchFamily="18" charset="-127"/>
+                <a:ea typeface="함초롬바탕" panose="02030604000101010101" pitchFamily="18" charset="-127"/>
+                <a:cs typeface="함초롬바탕" panose="02030604000101010101" pitchFamily="18" charset="-127"/>
+              </a:rPr>
+              <a:t>1: </a:t>
+            </a:r>
+            <a:r>
+              <a:rPr lang="ko-KR" altLang="en-US" sz="1100" dirty="0">
+                <a:latin typeface="함초롬바탕" panose="02030604000101010101" pitchFamily="18" charset="-127"/>
+                <a:ea typeface="함초롬바탕" panose="02030604000101010101" pitchFamily="18" charset="-127"/>
+                <a:cs typeface="함초롬바탕" panose="02030604000101010101" pitchFamily="18" charset="-127"/>
+              </a:rPr>
+              <a:t>그러면 아들의 </a:t>
+            </a:r>
+            <a:r>
+              <a:rPr lang="en-US" altLang="ko-KR" sz="1100" dirty="0">
+                <a:latin typeface="함초롬바탕" panose="02030604000101010101" pitchFamily="18" charset="-127"/>
+                <a:ea typeface="함초롬바탕" panose="02030604000101010101" pitchFamily="18" charset="-127"/>
+                <a:cs typeface="함초롬바탕" panose="02030604000101010101" pitchFamily="18" charset="-127"/>
+              </a:rPr>
+              <a:t>24</a:t>
+            </a:r>
+            <a:r>
+              <a:rPr lang="ko-KR" altLang="en-US" sz="1100" dirty="0">
+                <a:latin typeface="함초롬바탕" panose="02030604000101010101" pitchFamily="18" charset="-127"/>
+                <a:ea typeface="함초롬바탕" panose="02030604000101010101" pitchFamily="18" charset="-127"/>
+                <a:cs typeface="함초롬바탕" panose="02030604000101010101" pitchFamily="18" charset="-127"/>
+              </a:rPr>
+              <a:t>살 아들의 반응은 고민이 형 건데요</a:t>
+            </a:r>
+            <a:r>
+              <a:rPr lang="en-US" altLang="ko-KR" sz="1100" dirty="0">
+                <a:latin typeface="함초롬바탕" panose="02030604000101010101" pitchFamily="18" charset="-127"/>
+                <a:ea typeface="함초롬바탕" panose="02030604000101010101" pitchFamily="18" charset="-127"/>
+                <a:cs typeface="함초롬바탕" panose="02030604000101010101" pitchFamily="18" charset="-127"/>
+              </a:rPr>
+              <a:t>.</a:t>
+            </a:r>
+          </a:p>
+          <a:p>
+            <a:pPr marL="0" indent="0">
+              <a:buNone/>
+            </a:pPr>
+            <a:r>
+              <a:rPr lang="ko-KR" altLang="en-US" sz="1100" dirty="0">
+                <a:latin typeface="함초롬바탕" panose="02030604000101010101" pitchFamily="18" charset="-127"/>
+                <a:ea typeface="함초롬바탕" panose="02030604000101010101" pitchFamily="18" charset="-127"/>
+                <a:cs typeface="함초롬바탕" panose="02030604000101010101" pitchFamily="18" charset="-127"/>
+              </a:rPr>
+              <a:t>음성</a:t>
+            </a:r>
+            <a:r>
+              <a:rPr lang="en-US" altLang="ko-KR" sz="1100" dirty="0">
+                <a:latin typeface="함초롬바탕" panose="02030604000101010101" pitchFamily="18" charset="-127"/>
+                <a:ea typeface="함초롬바탕" panose="02030604000101010101" pitchFamily="18" charset="-127"/>
+                <a:cs typeface="함초롬바탕" panose="02030604000101010101" pitchFamily="18" charset="-127"/>
+              </a:rPr>
+              <a:t>2: </a:t>
+            </a:r>
+            <a:r>
+              <a:rPr lang="ko-KR" altLang="en-US" sz="1100" dirty="0">
+                <a:latin typeface="함초롬바탕" panose="02030604000101010101" pitchFamily="18" charset="-127"/>
+                <a:ea typeface="함초롬바탕" panose="02030604000101010101" pitchFamily="18" charset="-127"/>
+                <a:cs typeface="함초롬바탕" panose="02030604000101010101" pitchFamily="18" charset="-127"/>
+              </a:rPr>
+              <a:t>좋아하죠</a:t>
+            </a:r>
+            <a:r>
+              <a:rPr lang="en-US" altLang="ko-KR" sz="1100" dirty="0">
+                <a:latin typeface="함초롬바탕" panose="02030604000101010101" pitchFamily="18" charset="-127"/>
+                <a:ea typeface="함초롬바탕" panose="02030604000101010101" pitchFamily="18" charset="-127"/>
+                <a:cs typeface="함초롬바탕" panose="02030604000101010101" pitchFamily="18" charset="-127"/>
+              </a:rPr>
+              <a:t>. </a:t>
+            </a:r>
+          </a:p>
+          <a:p>
+            <a:pPr marL="0" indent="0">
+              <a:buNone/>
+            </a:pPr>
+            <a:r>
+              <a:rPr lang="en-US" altLang="ko-KR" sz="1100" dirty="0">
+                <a:latin typeface="함초롬바탕" panose="02030604000101010101" pitchFamily="18" charset="-127"/>
+                <a:ea typeface="함초롬바탕" panose="02030604000101010101" pitchFamily="18" charset="-127"/>
+                <a:cs typeface="함초롬바탕" panose="02030604000101010101" pitchFamily="18" charset="-127"/>
+              </a:rPr>
+              <a:t>(</a:t>
+            </a:r>
+            <a:r>
+              <a:rPr lang="ko-KR" altLang="en-US" sz="1100" dirty="0">
+                <a:latin typeface="함초롬바탕" panose="02030604000101010101" pitchFamily="18" charset="-127"/>
+                <a:ea typeface="함초롬바탕" panose="02030604000101010101" pitchFamily="18" charset="-127"/>
+                <a:cs typeface="함초롬바탕" panose="02030604000101010101" pitchFamily="18" charset="-127"/>
+              </a:rPr>
+              <a:t>후략</a:t>
+            </a:r>
+            <a:r>
+              <a:rPr lang="en-US" altLang="ko-KR" sz="1100" dirty="0">
+                <a:latin typeface="함초롬바탕" panose="02030604000101010101" pitchFamily="18" charset="-127"/>
+                <a:ea typeface="함초롬바탕" panose="02030604000101010101" pitchFamily="18" charset="-127"/>
+                <a:cs typeface="함초롬바탕" panose="02030604000101010101" pitchFamily="18" charset="-127"/>
+              </a:rPr>
+              <a:t>)</a:t>
+            </a:r>
+            <a:endParaRPr lang="ko-KR" altLang="en-US" sz="1100" dirty="0">
+              <a:latin typeface="함초롬바탕" panose="02030604000101010101" pitchFamily="18" charset="-127"/>
+              <a:ea typeface="함초롬바탕" panose="02030604000101010101" pitchFamily="18" charset="-127"/>
+              <a:cs typeface="함초롬바탕" panose="02030604000101010101" pitchFamily="18" charset="-127"/>
             </a:endParaRPr>
           </a:p>
         </p:txBody>
@@ -13708,7 +15128,7 @@
     </p:spTree>
     <p:extLst>
       <p:ext uri="{BB962C8B-B14F-4D97-AF65-F5344CB8AC3E}">
-        <p14:creationId xmlns:p14="http://schemas.microsoft.com/office/powerpoint/2010/main" val="3038027745"/>
+        <p14:creationId xmlns:p14="http://schemas.microsoft.com/office/powerpoint/2010/main" val="1210131925"/>
       </p:ext>
     </p:extLst>
   </p:cSld>
@@ -13737,7 +15157,13 @@
       </p:grpSpPr>
       <p:sp>
         <p:nvSpPr>
-          <p:cNvPr id="2" name="제목 1"/>
+          <p:cNvPr id="10" name="Title 1">
+            <a:extLst>
+              <a:ext uri="{FF2B5EF4-FFF2-40B4-BE49-F238E27FC236}">
+                <a16:creationId xmlns:a16="http://schemas.microsoft.com/office/drawing/2014/main" id="{15E88B6D-BDA1-AFC4-2F37-8B15DD9E44DC}"/>
+              </a:ext>
+            </a:extLst>
+          </p:cNvPr>
           <p:cNvSpPr>
             <a:spLocks noGrp="1"/>
           </p:cNvSpPr>
@@ -13745,53 +15171,30 @@
             <p:ph type="title"/>
           </p:nvPr>
         </p:nvSpPr>
-        <p:spPr/>
-        <p:txBody>
-          <a:bodyPr>
-            <a:normAutofit/>
-          </a:bodyPr>
-          <a:lstStyle/>
-          <a:p>
-            <a:r>
-              <a:rPr lang="ko-KR" altLang="en-US" b="1" dirty="0"/>
-              <a:t>사용 모델 선정</a:t>
-            </a:r>
-          </a:p>
-        </p:txBody>
-      </p:sp>
-      <p:sp>
-        <p:nvSpPr>
-          <p:cNvPr id="3" name="내용 개체 틀 2"/>
-          <p:cNvSpPr>
-            <a:spLocks noGrp="1"/>
-          </p:cNvSpPr>
-          <p:nvPr>
-            <p:ph idx="1"/>
-          </p:nvPr>
-        </p:nvSpPr>
-        <p:spPr/>
+        <p:spPr>
+          <a:xfrm>
+            <a:off x="457200" y="533400"/>
+            <a:ext cx="8229600" cy="990600"/>
+          </a:xfrm>
+        </p:spPr>
         <p:txBody>
           <a:bodyPr/>
           <a:lstStyle/>
           <a:p>
             <a:r>
               <a:rPr lang="en-US" altLang="ko-KR" dirty="0"/>
-              <a:t>1) STT(speak to text)- </a:t>
-            </a:r>
-            <a:r>
-              <a:rPr lang="en-US" altLang="ko-KR" b="1" dirty="0" err="1"/>
-              <a:t>ESPnet</a:t>
-            </a:r>
-            <a:endParaRPr lang="ko-KR" altLang="en-US" b="1" dirty="0"/>
+              <a:t>Detail</a:t>
+            </a:r>
+            <a:endParaRPr lang="en-US" dirty="0"/>
           </a:p>
         </p:txBody>
       </p:sp>
       <p:pic>
         <p:nvPicPr>
-          <p:cNvPr id="7" name="그림 6">
+          <p:cNvPr id="5" name="그림 4">
             <a:extLst>
               <a:ext uri="{FF2B5EF4-FFF2-40B4-BE49-F238E27FC236}">
-                <a16:creationId xmlns:a16="http://schemas.microsoft.com/office/drawing/2014/main" id="{00FE31DB-2684-91D2-29CC-533191FEAFBB}"/>
+                <a16:creationId xmlns:a16="http://schemas.microsoft.com/office/drawing/2014/main" id="{438814E9-D62E-D86F-55ED-947D53892BA6}"/>
               </a:ext>
             </a:extLst>
           </p:cNvPr>
@@ -13808,106 +15211,19 @@
         </p:blipFill>
         <p:spPr>
           <a:xfrm>
-            <a:off x="286362" y="2058380"/>
-            <a:ext cx="8571275" cy="3960440"/>
-          </a:xfrm>
-          <a:prstGeom prst="rect">
-            <a:avLst/>
-          </a:prstGeom>
-        </p:spPr>
-      </p:pic>
-      <p:sp>
-        <p:nvSpPr>
-          <p:cNvPr id="9" name="직사각형 8">
-            <a:extLst>
-              <a:ext uri="{FF2B5EF4-FFF2-40B4-BE49-F238E27FC236}">
-                <a16:creationId xmlns:a16="http://schemas.microsoft.com/office/drawing/2014/main" id="{91F7313C-B375-68C0-0611-FD1AB7E167A3}"/>
-              </a:ext>
-            </a:extLst>
-          </p:cNvPr>
-          <p:cNvSpPr/>
-          <p:nvPr/>
-        </p:nvSpPr>
-        <p:spPr>
-          <a:xfrm>
-            <a:off x="7862936" y="5077780"/>
-            <a:ext cx="720080" cy="360040"/>
-          </a:xfrm>
-          <a:prstGeom prst="rect">
-            <a:avLst/>
-          </a:prstGeom>
-          <a:noFill/>
-          <a:ln>
-            <a:solidFill>
-              <a:srgbClr val="FF0000"/>
-            </a:solidFill>
-          </a:ln>
-        </p:spPr>
-        <p:style>
-          <a:lnRef idx="2">
-            <a:schemeClr val="accent1">
-              <a:shade val="50000"/>
-            </a:schemeClr>
-          </a:lnRef>
-          <a:fillRef idx="1">
-            <a:schemeClr val="accent1"/>
-          </a:fillRef>
-          <a:effectRef idx="0">
-            <a:schemeClr val="accent1"/>
-          </a:effectRef>
-          <a:fontRef idx="minor">
-            <a:schemeClr val="lt1"/>
-          </a:fontRef>
-        </p:style>
-        <p:txBody>
-          <a:bodyPr rtlCol="0" anchor="ctr"/>
-          <a:lstStyle/>
-          <a:p>
-            <a:pPr algn="ctr"/>
-            <a:endParaRPr lang="ko-KR" altLang="en-US"/>
-          </a:p>
-        </p:txBody>
-      </p:sp>
-      <p:sp>
-        <p:nvSpPr>
-          <p:cNvPr id="10" name="TextBox 9">
-            <a:extLst>
-              <a:ext uri="{FF2B5EF4-FFF2-40B4-BE49-F238E27FC236}">
-                <a16:creationId xmlns:a16="http://schemas.microsoft.com/office/drawing/2014/main" id="{BDBA28C2-416C-5E75-F319-243895AE4405}"/>
-              </a:ext>
-            </a:extLst>
-          </p:cNvPr>
-          <p:cNvSpPr txBox="1"/>
-          <p:nvPr/>
-        </p:nvSpPr>
-        <p:spPr>
-          <a:xfrm>
-            <a:off x="4427984" y="6018820"/>
-            <a:ext cx="1872208" cy="369332"/>
+            <a:off x="457200" y="1991487"/>
+            <a:ext cx="8229600" cy="4094226"/>
           </a:xfrm>
           <a:prstGeom prst="rect">
             <a:avLst/>
           </a:prstGeom>
           <a:noFill/>
         </p:spPr>
-        <p:txBody>
-          <a:bodyPr wrap="square" rtlCol="0">
-            <a:spAutoFit/>
-          </a:bodyPr>
-          <a:lstStyle/>
-          <a:p>
-            <a:r>
-              <a:rPr lang="en-US" altLang="ko-KR" dirty="0" err="1"/>
-              <a:t>paperswithcode</a:t>
-            </a:r>
-            <a:endParaRPr lang="ko-KR" altLang="en-US" dirty="0"/>
-          </a:p>
-        </p:txBody>
-      </p:sp>
+      </p:pic>
     </p:spTree>
     <p:extLst>
       <p:ext uri="{BB962C8B-B14F-4D97-AF65-F5344CB8AC3E}">
-        <p14:creationId xmlns:p14="http://schemas.microsoft.com/office/powerpoint/2010/main" val="578698820"/>
+        <p14:creationId xmlns:p14="http://schemas.microsoft.com/office/powerpoint/2010/main" val="2799130324"/>
       </p:ext>
     </p:extLst>
   </p:cSld>
